--- a/6-2Way_ANOVA.pptx
+++ b/6-2Way_ANOVA.pptx
@@ -5,7 +5,7 @@
     <p:sldMasterId id="2147483648" r:id="rId1"/>
   </p:sldMasterIdLst>
   <p:notesMasterIdLst>
-    <p:notesMasterId r:id="rId24"/>
+    <p:notesMasterId r:id="rId25"/>
   </p:notesMasterIdLst>
   <p:sldIdLst>
     <p:sldId id="256" r:id="rId2"/>
@@ -29,7 +29,8 @@
     <p:sldId id="471" r:id="rId20"/>
     <p:sldId id="472" r:id="rId21"/>
     <p:sldId id="473" r:id="rId22"/>
-    <p:sldId id="474" r:id="rId23"/>
+    <p:sldId id="475" r:id="rId23"/>
+    <p:sldId id="474" r:id="rId24"/>
   </p:sldIdLst>
   <p:sldSz cx="9144000" cy="6858000" type="screen4x3"/>
   <p:notesSz cx="6858000" cy="9144000"/>
@@ -229,7 +230,7 @@
           <a:p>
             <a:fld id="{6E40E0DB-E81D-7C41-8DEB-979E499DB144}" type="datetimeFigureOut">
               <a:rPr lang="en-US" smtClean="0"/>
-              <a:t>11/8/20</a:t>
+              <a:t>11/9/20</a:t>
             </a:fld>
             <a:endParaRPr lang="en-US"/>
           </a:p>
@@ -2355,7 +2356,7 @@
           <a:p>
             <a:fld id="{0D162873-51CE-49DA-B98E-BAD067B56C8D}" type="datetimeFigureOut">
               <a:rPr lang="en-US" smtClean="0"/>
-              <a:t>11/8/20</a:t>
+              <a:t>11/9/20</a:t>
             </a:fld>
             <a:endParaRPr lang="en-US"/>
           </a:p>
@@ -2523,7 +2524,7 @@
           <a:p>
             <a:fld id="{0D162873-51CE-49DA-B98E-BAD067B56C8D}" type="datetimeFigureOut">
               <a:rPr lang="en-US" smtClean="0"/>
-              <a:t>11/8/20</a:t>
+              <a:t>11/9/20</a:t>
             </a:fld>
             <a:endParaRPr lang="en-US"/>
           </a:p>
@@ -2701,7 +2702,7 @@
           <a:p>
             <a:fld id="{0D162873-51CE-49DA-B98E-BAD067B56C8D}" type="datetimeFigureOut">
               <a:rPr lang="en-US" smtClean="0"/>
-              <a:t>11/8/20</a:t>
+              <a:t>11/9/20</a:t>
             </a:fld>
             <a:endParaRPr lang="en-US"/>
           </a:p>
@@ -3081,7 +3082,7 @@
           <a:p>
             <a:fld id="{0D162873-51CE-49DA-B98E-BAD067B56C8D}" type="datetimeFigureOut">
               <a:rPr lang="en-US" smtClean="0"/>
-              <a:t>11/8/20</a:t>
+              <a:t>11/9/20</a:t>
             </a:fld>
             <a:endParaRPr lang="en-US"/>
           </a:p>
@@ -3366,7 +3367,7 @@
           <a:p>
             <a:fld id="{0D162873-51CE-49DA-B98E-BAD067B56C8D}" type="datetimeFigureOut">
               <a:rPr lang="en-US" smtClean="0"/>
-              <a:t>11/8/20</a:t>
+              <a:t>11/9/20</a:t>
             </a:fld>
             <a:endParaRPr lang="en-US"/>
           </a:p>
@@ -3785,7 +3786,7 @@
           <a:p>
             <a:fld id="{0D162873-51CE-49DA-B98E-BAD067B56C8D}" type="datetimeFigureOut">
               <a:rPr lang="en-US" smtClean="0"/>
-              <a:t>11/8/20</a:t>
+              <a:t>11/9/20</a:t>
             </a:fld>
             <a:endParaRPr lang="en-US"/>
           </a:p>
@@ -3902,7 +3903,7 @@
           <a:p>
             <a:fld id="{0D162873-51CE-49DA-B98E-BAD067B56C8D}" type="datetimeFigureOut">
               <a:rPr lang="en-US" smtClean="0"/>
-              <a:t>11/8/20</a:t>
+              <a:t>11/9/20</a:t>
             </a:fld>
             <a:endParaRPr lang="en-US"/>
           </a:p>
@@ -3997,7 +3998,7 @@
           <a:p>
             <a:fld id="{0D162873-51CE-49DA-B98E-BAD067B56C8D}" type="datetimeFigureOut">
               <a:rPr lang="en-US" smtClean="0"/>
-              <a:t>11/8/20</a:t>
+              <a:t>11/9/20</a:t>
             </a:fld>
             <a:endParaRPr lang="en-US"/>
           </a:p>
@@ -4272,7 +4273,7 @@
           <a:p>
             <a:fld id="{0D162873-51CE-49DA-B98E-BAD067B56C8D}" type="datetimeFigureOut">
               <a:rPr lang="en-US" smtClean="0"/>
-              <a:t>11/8/20</a:t>
+              <a:t>11/9/20</a:t>
             </a:fld>
             <a:endParaRPr lang="en-US"/>
           </a:p>
@@ -4524,7 +4525,7 @@
           <a:p>
             <a:fld id="{0D162873-51CE-49DA-B98E-BAD067B56C8D}" type="datetimeFigureOut">
               <a:rPr lang="en-US" smtClean="0"/>
-              <a:t>11/8/20</a:t>
+              <a:t>11/9/20</a:t>
             </a:fld>
             <a:endParaRPr lang="en-US"/>
           </a:p>
@@ -4735,7 +4736,7 @@
           <a:p>
             <a:fld id="{0D162873-51CE-49DA-B98E-BAD067B56C8D}" type="datetimeFigureOut">
               <a:rPr lang="en-US" smtClean="0"/>
-              <a:t>11/8/20</a:t>
+              <a:t>11/9/20</a:t>
             </a:fld>
             <a:endParaRPr lang="en-US"/>
           </a:p>
@@ -5178,25 +5179,7 @@
                   </a:schemeClr>
                 </a:solidFill>
               </a:rPr>
-              <a:t>Beckerman et al. p. </a:t>
-            </a:r>
-            <a:r>
-              <a:rPr lang="en-US" sz="2400" dirty="0">
-                <a:solidFill>
-                  <a:srgbClr val="FF0000"/>
-                </a:solidFill>
-              </a:rPr>
-              <a:t>145-165</a:t>
-            </a:r>
-            <a:r>
-              <a:rPr lang="en-US" sz="2400" dirty="0">
-                <a:solidFill>
-                  <a:schemeClr val="bg1">
-                    <a:lumMod val="65000"/>
-                  </a:schemeClr>
-                </a:solidFill>
-              </a:rPr>
-              <a:t>; </a:t>
+              <a:t>Beckerman et al. p. 131-144; </a:t>
             </a:r>
           </a:p>
         </p:txBody>
@@ -8457,6 +8440,45 @@
           </a:p>
         </p:txBody>
       </p:sp>
+      <p:cxnSp>
+        <p:nvCxnSpPr>
+          <p:cNvPr id="6" name="Straight Arrow Connector 5">
+            <a:extLst>
+              <a:ext uri="{FF2B5EF4-FFF2-40B4-BE49-F238E27FC236}">
+                <a16:creationId xmlns:a16="http://schemas.microsoft.com/office/drawing/2014/main" id="{E0D72B80-BF5F-E142-BF0E-FBB926BBF891}"/>
+              </a:ext>
+            </a:extLst>
+          </p:cNvPr>
+          <p:cNvCxnSpPr/>
+          <p:nvPr/>
+        </p:nvCxnSpPr>
+        <p:spPr>
+          <a:xfrm flipV="1">
+            <a:off x="4343400" y="1371600"/>
+            <a:ext cx="2057400" cy="1828800"/>
+          </a:xfrm>
+          <a:prstGeom prst="straightConnector1">
+            <a:avLst/>
+          </a:prstGeom>
+          <a:ln>
+            <a:tailEnd type="triangle"/>
+          </a:ln>
+        </p:spPr>
+        <p:style>
+          <a:lnRef idx="1">
+            <a:schemeClr val="accent1"/>
+          </a:lnRef>
+          <a:fillRef idx="0">
+            <a:schemeClr val="accent1"/>
+          </a:fillRef>
+          <a:effectRef idx="0">
+            <a:schemeClr val="accent1"/>
+          </a:effectRef>
+          <a:fontRef idx="minor">
+            <a:schemeClr val="tx1"/>
+          </a:fontRef>
+        </p:style>
+      </p:cxnSp>
     </p:spTree>
     <p:extLst>
       <p:ext uri="{BB962C8B-B14F-4D97-AF65-F5344CB8AC3E}">
@@ -8546,7 +8568,7 @@
         </p:spPr>
         <p:txBody>
           <a:bodyPr>
-            <a:normAutofit fontScale="85000" lnSpcReduction="10000"/>
+            <a:normAutofit fontScale="85000" lnSpcReduction="20000"/>
           </a:bodyPr>
           <a:lstStyle/>
           <a:p>
@@ -8743,7 +8765,19 @@
           <a:p>
             <a:r>
               <a:rPr lang="en-US" dirty="0"/>
-              <a:t>Note that the standard error of the mean is given by the standard deviation divided by the square root of the sample size, and </a:t>
+              <a:t>The </a:t>
+            </a:r>
+            <a:r>
+              <a:rPr lang="en-US" dirty="0">
+                <a:solidFill>
+                  <a:srgbClr val="0432FF"/>
+                </a:solidFill>
+              </a:rPr>
+              <a:t>standard error </a:t>
+            </a:r>
+            <a:r>
+              <a:rPr lang="en-US" dirty="0"/>
+              <a:t>of the mean is given by the standard deviation divided by the square root of the sample size, and </a:t>
             </a:r>
             <a:r>
               <a:rPr lang="en-US" dirty="0" err="1">
@@ -8767,7 +8801,16 @@
             </a:r>
             <a:r>
               <a:rPr lang="en-US" dirty="0"/>
-              <a:t>() that counts the rows in each group. </a:t>
+              <a:t>() that counts the rows in each group.</a:t>
+            </a:r>
+          </a:p>
+          <a:p>
+            <a:pPr marL="0" indent="0">
+              <a:buNone/>
+            </a:pPr>
+            <a:r>
+              <a:rPr lang="en-US" dirty="0"/>
+              <a:t> </a:t>
             </a:r>
           </a:p>
           <a:p>
@@ -9970,6 +10013,94 @@
 </file>
 
 <file path=ppt/slides/slide22.xml><?xml version="1.0" encoding="utf-8"?>
+<p:sld xmlns:a="http://schemas.openxmlformats.org/drawingml/2006/main" xmlns:r="http://schemas.openxmlformats.org/officeDocument/2006/relationships" xmlns:p="http://schemas.openxmlformats.org/presentationml/2006/main">
+  <p:cSld>
+    <p:bg>
+      <p:bgPr>
+        <a:solidFill>
+          <a:schemeClr val="tx1"/>
+        </a:solidFill>
+        <a:effectLst/>
+      </p:bgPr>
+    </p:bg>
+    <p:spTree>
+      <p:nvGrpSpPr>
+        <p:cNvPr id="1" name=""/>
+        <p:cNvGrpSpPr/>
+        <p:nvPr/>
+      </p:nvGrpSpPr>
+      <p:grpSpPr>
+        <a:xfrm>
+          <a:off x="0" y="0"/>
+          <a:ext cx="0" cy="0"/>
+          <a:chOff x="0" y="0"/>
+          <a:chExt cx="0" cy="0"/>
+        </a:xfrm>
+      </p:grpSpPr>
+      <p:sp>
+        <p:nvSpPr>
+          <p:cNvPr id="2" name="Title 1">
+            <a:extLst>
+              <a:ext uri="{FF2B5EF4-FFF2-40B4-BE49-F238E27FC236}">
+                <a16:creationId xmlns:a16="http://schemas.microsoft.com/office/drawing/2014/main" id="{F67C0ECA-28B9-3549-9353-3FA719AF5CA6}"/>
+              </a:ext>
+            </a:extLst>
+          </p:cNvPr>
+          <p:cNvSpPr>
+            <a:spLocks noGrp="1"/>
+          </p:cNvSpPr>
+          <p:nvPr>
+            <p:ph type="title"/>
+          </p:nvPr>
+        </p:nvSpPr>
+        <p:spPr/>
+        <p:txBody>
+          <a:bodyPr/>
+          <a:lstStyle/>
+          <a:p>
+            <a:endParaRPr lang="en-US"/>
+          </a:p>
+        </p:txBody>
+      </p:sp>
+      <p:sp>
+        <p:nvSpPr>
+          <p:cNvPr id="3" name="Content Placeholder 2">
+            <a:extLst>
+              <a:ext uri="{FF2B5EF4-FFF2-40B4-BE49-F238E27FC236}">
+                <a16:creationId xmlns:a16="http://schemas.microsoft.com/office/drawing/2014/main" id="{9FEF8C0C-7DBD-D14B-834C-989771EBA98B}"/>
+              </a:ext>
+            </a:extLst>
+          </p:cNvPr>
+          <p:cNvSpPr>
+            <a:spLocks noGrp="1"/>
+          </p:cNvSpPr>
+          <p:nvPr>
+            <p:ph idx="1"/>
+          </p:nvPr>
+        </p:nvSpPr>
+        <p:spPr/>
+        <p:txBody>
+          <a:bodyPr/>
+          <a:lstStyle/>
+          <a:p>
+            <a:endParaRPr lang="en-US"/>
+          </a:p>
+        </p:txBody>
+      </p:sp>
+    </p:spTree>
+    <p:extLst>
+      <p:ext uri="{BB962C8B-B14F-4D97-AF65-F5344CB8AC3E}">
+        <p14:creationId xmlns:p14="http://schemas.microsoft.com/office/powerpoint/2010/main" val="2601613336"/>
+      </p:ext>
+    </p:extLst>
+  </p:cSld>
+  <p:clrMapOvr>
+    <a:masterClrMapping/>
+  </p:clrMapOvr>
+</p:sld>
+</file>
+
+<file path=ppt/slides/slide23.xml><?xml version="1.0" encoding="utf-8"?>
 <p:sld xmlns:a="http://schemas.openxmlformats.org/drawingml/2006/main" xmlns:r="http://schemas.openxmlformats.org/officeDocument/2006/relationships" xmlns:p="http://schemas.openxmlformats.org/presentationml/2006/main">
   <p:cSld>
     <p:spTree>

--- a/6-2Way_ANOVA.pptx
+++ b/6-2Way_ANOVA.pptx
@@ -1580,6 +1580,128 @@
     <p:extLst>
       <p:ext uri="{BB962C8B-B14F-4D97-AF65-F5344CB8AC3E}">
         <p14:creationId xmlns:p14="http://schemas.microsoft.com/office/powerpoint/2010/main" val="3122561233"/>
+      </p:ext>
+    </p:extLst>
+  </p:cSld>
+  <p:clrMapOvr>
+    <a:masterClrMapping/>
+  </p:clrMapOvr>
+</p:notes>
+</file>
+
+<file path=ppt/notesSlides/notesSlide21.xml><?xml version="1.0" encoding="utf-8"?>
+<p:notes xmlns:a="http://schemas.openxmlformats.org/drawingml/2006/main" xmlns:r="http://schemas.openxmlformats.org/officeDocument/2006/relationships" xmlns:p="http://schemas.openxmlformats.org/presentationml/2006/main">
+  <p:cSld>
+    <p:spTree>
+      <p:nvGrpSpPr>
+        <p:cNvPr id="1" name=""/>
+        <p:cNvGrpSpPr/>
+        <p:nvPr/>
+      </p:nvGrpSpPr>
+      <p:grpSpPr>
+        <a:xfrm>
+          <a:off x="0" y="0"/>
+          <a:ext cx="0" cy="0"/>
+          <a:chOff x="0" y="0"/>
+          <a:chExt cx="0" cy="0"/>
+        </a:xfrm>
+      </p:grpSpPr>
+      <p:sp>
+        <p:nvSpPr>
+          <p:cNvPr id="2" name="Slide Image Placeholder 1"/>
+          <p:cNvSpPr>
+            <a:spLocks noGrp="1" noRot="1" noChangeAspect="1"/>
+          </p:cNvSpPr>
+          <p:nvPr>
+            <p:ph type="sldImg"/>
+          </p:nvPr>
+        </p:nvSpPr>
+        <p:spPr/>
+      </p:sp>
+      <p:sp>
+        <p:nvSpPr>
+          <p:cNvPr id="3" name="Notes Placeholder 2"/>
+          <p:cNvSpPr>
+            <a:spLocks noGrp="1"/>
+          </p:cNvSpPr>
+          <p:nvPr>
+            <p:ph type="body" idx="1"/>
+          </p:nvPr>
+        </p:nvSpPr>
+        <p:spPr/>
+        <p:txBody>
+          <a:bodyPr/>
+          <a:lstStyle/>
+          <a:p>
+            <a:r>
+              <a:rPr lang="en-US" dirty="0"/>
+              <a:t>Interaction </a:t>
+            </a:r>
+            <a:r>
+              <a:rPr lang="en-US"/>
+              <a:t>contrasts: </a:t>
+            </a:r>
+          </a:p>
+          <a:p>
+            <a:r>
+              <a:rPr lang="en-US"/>
+              <a:t>https</a:t>
+            </a:r>
+            <a:r>
+              <a:rPr lang="en-US" dirty="0"/>
+              <a:t>://</a:t>
+            </a:r>
+            <a:r>
+              <a:rPr lang="en-US" dirty="0" err="1"/>
+              <a:t>cran.r-project.org</a:t>
+            </a:r>
+            <a:r>
+              <a:rPr lang="en-US" dirty="0"/>
+              <a:t>/web/packages/</a:t>
+            </a:r>
+            <a:r>
+              <a:rPr lang="en-US" dirty="0" err="1"/>
+              <a:t>emmeans</a:t>
+            </a:r>
+            <a:r>
+              <a:rPr lang="en-US" dirty="0"/>
+              <a:t>/vignettes/</a:t>
+            </a:r>
+            <a:r>
+              <a:rPr lang="en-US" dirty="0" err="1"/>
+              <a:t>interactions.html</a:t>
+            </a:r>
+            <a:endParaRPr lang="en-US" dirty="0"/>
+          </a:p>
+        </p:txBody>
+      </p:sp>
+      <p:sp>
+        <p:nvSpPr>
+          <p:cNvPr id="4" name="Slide Number Placeholder 3"/>
+          <p:cNvSpPr>
+            <a:spLocks noGrp="1"/>
+          </p:cNvSpPr>
+          <p:nvPr>
+            <p:ph type="sldNum" sz="quarter" idx="5"/>
+          </p:nvPr>
+        </p:nvSpPr>
+        <p:spPr/>
+        <p:txBody>
+          <a:bodyPr/>
+          <a:lstStyle/>
+          <a:p>
+            <a:fld id="{6B353BC0-57FA-2A49-8AE7-55F575BF1FEE}" type="slidenum">
+              <a:rPr lang="en-US" smtClean="0"/>
+              <a:t>22</a:t>
+            </a:fld>
+            <a:endParaRPr lang="en-US"/>
+          </a:p>
+        </p:txBody>
+      </p:sp>
+    </p:spTree>
+    <p:extLst>
+      <p:ext uri="{BB962C8B-B14F-4D97-AF65-F5344CB8AC3E}">
+        <p14:creationId xmlns:p14="http://schemas.microsoft.com/office/powerpoint/2010/main" val="830884663"/>
       </p:ext>
     </p:extLst>
   </p:cSld>
@@ -10083,7 +10205,47 @@
           <a:bodyPr/>
           <a:lstStyle/>
           <a:p>
-            <a:endParaRPr lang="en-US"/>
+            <a:pPr marL="0" indent="0">
+              <a:buNone/>
+            </a:pPr>
+            <a:r>
+              <a:rPr lang="en-US" dirty="0">
+                <a:solidFill>
+                  <a:schemeClr val="bg1"/>
+                </a:solidFill>
+              </a:rPr>
+              <a:t>Not covered:</a:t>
+            </a:r>
+          </a:p>
+          <a:p>
+            <a:r>
+              <a:rPr lang="en-US" dirty="0">
+                <a:solidFill>
+                  <a:schemeClr val="bg1"/>
+                </a:solidFill>
+              </a:rPr>
+              <a:t>comparing interaction vs. additive models</a:t>
+            </a:r>
+          </a:p>
+          <a:p>
+            <a:r>
+              <a:rPr lang="en-US" dirty="0">
+                <a:solidFill>
+                  <a:schemeClr val="bg1"/>
+                </a:solidFill>
+              </a:rPr>
+              <a:t>producing minimum adequate model</a:t>
+            </a:r>
+          </a:p>
+          <a:p>
+            <a:r>
+              <a:rPr lang="en-US" dirty="0">
+                <a:solidFill>
+                  <a:schemeClr val="bg1"/>
+                </a:solidFill>
+              </a:rPr>
+              <a:t>Post-hoc comparisons when model has interaction</a:t>
+            </a:r>
           </a:p>
         </p:txBody>
       </p:sp>
@@ -10174,7 +10336,10 @@
           <a:bodyPr/>
           <a:lstStyle/>
           <a:p>
-            <a:endParaRPr lang="en-US"/>
+            <a:r>
+              <a:rPr lang="en-US" dirty="0"/>
+              <a:t>Next time?</a:t>
+            </a:r>
           </a:p>
         </p:txBody>
       </p:sp>

--- a/6-2Way_ANOVA.pptx
+++ b/6-2Way_ANOVA.pptx
@@ -5,7 +5,7 @@
     <p:sldMasterId id="2147483648" r:id="rId1"/>
   </p:sldMasterIdLst>
   <p:notesMasterIdLst>
-    <p:notesMasterId r:id="rId25"/>
+    <p:notesMasterId r:id="rId24"/>
   </p:notesMasterIdLst>
   <p:sldIdLst>
     <p:sldId id="256" r:id="rId2"/>
@@ -20,17 +20,16 @@
     <p:sldId id="463" r:id="rId11"/>
     <p:sldId id="464" r:id="rId12"/>
     <p:sldId id="465" r:id="rId13"/>
-    <p:sldId id="462" r:id="rId14"/>
-    <p:sldId id="466" r:id="rId15"/>
-    <p:sldId id="467" r:id="rId16"/>
-    <p:sldId id="468" r:id="rId17"/>
-    <p:sldId id="469" r:id="rId18"/>
-    <p:sldId id="470" r:id="rId19"/>
-    <p:sldId id="471" r:id="rId20"/>
-    <p:sldId id="472" r:id="rId21"/>
-    <p:sldId id="473" r:id="rId22"/>
-    <p:sldId id="475" r:id="rId23"/>
-    <p:sldId id="474" r:id="rId24"/>
+    <p:sldId id="466" r:id="rId14"/>
+    <p:sldId id="467" r:id="rId15"/>
+    <p:sldId id="468" r:id="rId16"/>
+    <p:sldId id="469" r:id="rId17"/>
+    <p:sldId id="470" r:id="rId18"/>
+    <p:sldId id="471" r:id="rId19"/>
+    <p:sldId id="472" r:id="rId20"/>
+    <p:sldId id="473" r:id="rId21"/>
+    <p:sldId id="475" r:id="rId22"/>
+    <p:sldId id="474" r:id="rId23"/>
   </p:sldIdLst>
   <p:sldSz cx="9144000" cy="6858000" type="screen4x3"/>
   <p:notesSz cx="6858000" cy="9144000"/>
@@ -823,7 +822,7 @@
     </p:spTree>
     <p:extLst>
       <p:ext uri="{BB962C8B-B14F-4D97-AF65-F5344CB8AC3E}">
-        <p14:creationId xmlns:p14="http://schemas.microsoft.com/office/powerpoint/2010/main" val="2418891832"/>
+        <p14:creationId xmlns:p14="http://schemas.microsoft.com/office/powerpoint/2010/main" val="550068440"/>
       </p:ext>
     </p:extLst>
   </p:cSld>
@@ -907,7 +906,7 @@
     </p:spTree>
     <p:extLst>
       <p:ext uri="{BB962C8B-B14F-4D97-AF65-F5344CB8AC3E}">
-        <p14:creationId xmlns:p14="http://schemas.microsoft.com/office/powerpoint/2010/main" val="550068440"/>
+        <p14:creationId xmlns:p14="http://schemas.microsoft.com/office/powerpoint/2010/main" val="3437371803"/>
       </p:ext>
     </p:extLst>
   </p:cSld>
@@ -991,7 +990,7 @@
     </p:spTree>
     <p:extLst>
       <p:ext uri="{BB962C8B-B14F-4D97-AF65-F5344CB8AC3E}">
-        <p14:creationId xmlns:p14="http://schemas.microsoft.com/office/powerpoint/2010/main" val="3437371803"/>
+        <p14:creationId xmlns:p14="http://schemas.microsoft.com/office/powerpoint/2010/main" val="2438609050"/>
       </p:ext>
     </p:extLst>
   </p:cSld>
@@ -1075,7 +1074,7 @@
     </p:spTree>
     <p:extLst>
       <p:ext uri="{BB962C8B-B14F-4D97-AF65-F5344CB8AC3E}">
-        <p14:creationId xmlns:p14="http://schemas.microsoft.com/office/powerpoint/2010/main" val="2438609050"/>
+        <p14:creationId xmlns:p14="http://schemas.microsoft.com/office/powerpoint/2010/main" val="1598582510"/>
       </p:ext>
     </p:extLst>
   </p:cSld>
@@ -1159,7 +1158,7 @@
     </p:spTree>
     <p:extLst>
       <p:ext uri="{BB962C8B-B14F-4D97-AF65-F5344CB8AC3E}">
-        <p14:creationId xmlns:p14="http://schemas.microsoft.com/office/powerpoint/2010/main" val="1598582510"/>
+        <p14:creationId xmlns:p14="http://schemas.microsoft.com/office/powerpoint/2010/main" val="2474379329"/>
       </p:ext>
     </p:extLst>
   </p:cSld>
@@ -1243,7 +1242,7 @@
     </p:spTree>
     <p:extLst>
       <p:ext uri="{BB962C8B-B14F-4D97-AF65-F5344CB8AC3E}">
-        <p14:creationId xmlns:p14="http://schemas.microsoft.com/office/powerpoint/2010/main" val="2474379329"/>
+        <p14:creationId xmlns:p14="http://schemas.microsoft.com/office/powerpoint/2010/main" val="743019849"/>
       </p:ext>
     </p:extLst>
   </p:cSld>
@@ -1327,7 +1326,7 @@
     </p:spTree>
     <p:extLst>
       <p:ext uri="{BB962C8B-B14F-4D97-AF65-F5344CB8AC3E}">
-        <p14:creationId xmlns:p14="http://schemas.microsoft.com/office/powerpoint/2010/main" val="743019849"/>
+        <p14:creationId xmlns:p14="http://schemas.microsoft.com/office/powerpoint/2010/main" val="542027498"/>
       </p:ext>
     </p:extLst>
   </p:cSld>
@@ -1411,7 +1410,7 @@
     </p:spTree>
     <p:extLst>
       <p:ext uri="{BB962C8B-B14F-4D97-AF65-F5344CB8AC3E}">
-        <p14:creationId xmlns:p14="http://schemas.microsoft.com/office/powerpoint/2010/main" val="542027498"/>
+        <p14:creationId xmlns:p14="http://schemas.microsoft.com/office/powerpoint/2010/main" val="3122561233"/>
       </p:ext>
     </p:extLst>
   </p:cSld>
@@ -1549,6 +1548,44 @@
           <a:bodyPr/>
           <a:lstStyle/>
           <a:p>
+            <a:r>
+              <a:rPr lang="en-US" dirty="0"/>
+              <a:t>Interaction </a:t>
+            </a:r>
+            <a:r>
+              <a:rPr lang="en-US"/>
+              <a:t>contrasts: </a:t>
+            </a:r>
+          </a:p>
+          <a:p>
+            <a:r>
+              <a:rPr lang="en-US"/>
+              <a:t>https</a:t>
+            </a:r>
+            <a:r>
+              <a:rPr lang="en-US" dirty="0"/>
+              <a:t>://</a:t>
+            </a:r>
+            <a:r>
+              <a:rPr lang="en-US" dirty="0" err="1"/>
+              <a:t>cran.r-project.org</a:t>
+            </a:r>
+            <a:r>
+              <a:rPr lang="en-US" dirty="0"/>
+              <a:t>/web/packages/</a:t>
+            </a:r>
+            <a:r>
+              <a:rPr lang="en-US" dirty="0" err="1"/>
+              <a:t>emmeans</a:t>
+            </a:r>
+            <a:r>
+              <a:rPr lang="en-US" dirty="0"/>
+              <a:t>/vignettes/</a:t>
+            </a:r>
+            <a:r>
+              <a:rPr lang="en-US" dirty="0" err="1"/>
+              <a:t>interactions.html</a:t>
+            </a:r>
             <a:endParaRPr lang="en-US" dirty="0"/>
           </a:p>
         </p:txBody>
@@ -1571,128 +1608,6 @@
             <a:fld id="{6B353BC0-57FA-2A49-8AE7-55F575BF1FEE}" type="slidenum">
               <a:rPr lang="en-US" smtClean="0"/>
               <a:t>21</a:t>
-            </a:fld>
-            <a:endParaRPr lang="en-US"/>
-          </a:p>
-        </p:txBody>
-      </p:sp>
-    </p:spTree>
-    <p:extLst>
-      <p:ext uri="{BB962C8B-B14F-4D97-AF65-F5344CB8AC3E}">
-        <p14:creationId xmlns:p14="http://schemas.microsoft.com/office/powerpoint/2010/main" val="3122561233"/>
-      </p:ext>
-    </p:extLst>
-  </p:cSld>
-  <p:clrMapOvr>
-    <a:masterClrMapping/>
-  </p:clrMapOvr>
-</p:notes>
-</file>
-
-<file path=ppt/notesSlides/notesSlide21.xml><?xml version="1.0" encoding="utf-8"?>
-<p:notes xmlns:a="http://schemas.openxmlformats.org/drawingml/2006/main" xmlns:r="http://schemas.openxmlformats.org/officeDocument/2006/relationships" xmlns:p="http://schemas.openxmlformats.org/presentationml/2006/main">
-  <p:cSld>
-    <p:spTree>
-      <p:nvGrpSpPr>
-        <p:cNvPr id="1" name=""/>
-        <p:cNvGrpSpPr/>
-        <p:nvPr/>
-      </p:nvGrpSpPr>
-      <p:grpSpPr>
-        <a:xfrm>
-          <a:off x="0" y="0"/>
-          <a:ext cx="0" cy="0"/>
-          <a:chOff x="0" y="0"/>
-          <a:chExt cx="0" cy="0"/>
-        </a:xfrm>
-      </p:grpSpPr>
-      <p:sp>
-        <p:nvSpPr>
-          <p:cNvPr id="2" name="Slide Image Placeholder 1"/>
-          <p:cNvSpPr>
-            <a:spLocks noGrp="1" noRot="1" noChangeAspect="1"/>
-          </p:cNvSpPr>
-          <p:nvPr>
-            <p:ph type="sldImg"/>
-          </p:nvPr>
-        </p:nvSpPr>
-        <p:spPr/>
-      </p:sp>
-      <p:sp>
-        <p:nvSpPr>
-          <p:cNvPr id="3" name="Notes Placeholder 2"/>
-          <p:cNvSpPr>
-            <a:spLocks noGrp="1"/>
-          </p:cNvSpPr>
-          <p:nvPr>
-            <p:ph type="body" idx="1"/>
-          </p:nvPr>
-        </p:nvSpPr>
-        <p:spPr/>
-        <p:txBody>
-          <a:bodyPr/>
-          <a:lstStyle/>
-          <a:p>
-            <a:r>
-              <a:rPr lang="en-US" dirty="0"/>
-              <a:t>Interaction </a:t>
-            </a:r>
-            <a:r>
-              <a:rPr lang="en-US"/>
-              <a:t>contrasts: </a:t>
-            </a:r>
-          </a:p>
-          <a:p>
-            <a:r>
-              <a:rPr lang="en-US"/>
-              <a:t>https</a:t>
-            </a:r>
-            <a:r>
-              <a:rPr lang="en-US" dirty="0"/>
-              <a:t>://</a:t>
-            </a:r>
-            <a:r>
-              <a:rPr lang="en-US" dirty="0" err="1"/>
-              <a:t>cran.r-project.org</a:t>
-            </a:r>
-            <a:r>
-              <a:rPr lang="en-US" dirty="0"/>
-              <a:t>/web/packages/</a:t>
-            </a:r>
-            <a:r>
-              <a:rPr lang="en-US" dirty="0" err="1"/>
-              <a:t>emmeans</a:t>
-            </a:r>
-            <a:r>
-              <a:rPr lang="en-US" dirty="0"/>
-              <a:t>/vignettes/</a:t>
-            </a:r>
-            <a:r>
-              <a:rPr lang="en-US" dirty="0" err="1"/>
-              <a:t>interactions.html</a:t>
-            </a:r>
-            <a:endParaRPr lang="en-US" dirty="0"/>
-          </a:p>
-        </p:txBody>
-      </p:sp>
-      <p:sp>
-        <p:nvSpPr>
-          <p:cNvPr id="4" name="Slide Number Placeholder 3"/>
-          <p:cNvSpPr>
-            <a:spLocks noGrp="1"/>
-          </p:cNvSpPr>
-          <p:nvPr>
-            <p:ph type="sldNum" sz="quarter" idx="5"/>
-          </p:nvPr>
-        </p:nvSpPr>
-        <p:spPr/>
-        <p:txBody>
-          <a:bodyPr/>
-          <a:lstStyle/>
-          <a:p>
-            <a:fld id="{6B353BC0-57FA-2A49-8AE7-55F575BF1FEE}" type="slidenum">
-              <a:rPr lang="en-US" smtClean="0"/>
-              <a:t>22</a:t>
             </a:fld>
             <a:endParaRPr lang="en-US"/>
           </a:p>
@@ -6531,309 +6446,6 @@
         <p:spPr>
           <a:xfrm>
             <a:off x="457200" y="1020762"/>
-            <a:ext cx="8382000" cy="5532438"/>
-          </a:xfrm>
-        </p:spPr>
-        <p:txBody>
-          <a:bodyPr>
-            <a:normAutofit/>
-          </a:bodyPr>
-          <a:lstStyle/>
-          <a:p>
-            <a:pPr marL="0" indent="0">
-              <a:buNone/>
-            </a:pPr>
-            <a:r>
-              <a:rPr lang="en-US" dirty="0"/>
-              <a:t>Here we employ the function </a:t>
-            </a:r>
-            <a:r>
-              <a:rPr lang="en-US" dirty="0">
-                <a:solidFill>
-                  <a:srgbClr val="C00000"/>
-                </a:solidFill>
-              </a:rPr>
-              <a:t>relevel()</a:t>
-            </a:r>
-            <a:r>
-              <a:rPr lang="en-US" dirty="0"/>
-              <a:t>, which creates a new reference level by re-ordering the factor. </a:t>
-            </a:r>
-          </a:p>
-          <a:p>
-            <a:pPr marL="0" indent="0">
-              <a:buNone/>
-            </a:pPr>
-            <a:r>
-              <a:rPr lang="en-US" dirty="0"/>
-              <a:t>We use it with the mutate() function from </a:t>
-            </a:r>
-            <a:r>
-              <a:rPr lang="en-US" dirty="0" err="1">
-                <a:solidFill>
-                  <a:srgbClr val="C00000"/>
-                </a:solidFill>
-              </a:rPr>
-              <a:t>dplyr</a:t>
-            </a:r>
-            <a:r>
-              <a:rPr lang="en-US" dirty="0"/>
-              <a:t> as follows:</a:t>
-            </a:r>
-          </a:p>
-          <a:p>
-            <a:pPr marL="0" indent="0">
-              <a:buNone/>
-            </a:pPr>
-            <a:r>
-              <a:rPr lang="en-US" dirty="0" err="1">
-                <a:solidFill>
-                  <a:srgbClr val="C00000"/>
-                </a:solidFill>
-              </a:rPr>
-              <a:t>ggplot</a:t>
-            </a:r>
-            <a:r>
-              <a:rPr lang="en-US" dirty="0"/>
-              <a:t>(</a:t>
-            </a:r>
-            <a:r>
-              <a:rPr lang="en-US" dirty="0" err="1"/>
-              <a:t>plant_gr</a:t>
-            </a:r>
-            <a:r>
-              <a:rPr lang="en-US" dirty="0"/>
-              <a:t>,</a:t>
-            </a:r>
-          </a:p>
-          <a:p>
-            <a:pPr marL="0" indent="0">
-              <a:buNone/>
-            </a:pPr>
-            <a:r>
-              <a:rPr lang="en-US" dirty="0"/>
-              <a:t>	</a:t>
-            </a:r>
-            <a:r>
-              <a:rPr lang="en-US" dirty="0" err="1">
-                <a:solidFill>
-                  <a:srgbClr val="C00000"/>
-                </a:solidFill>
-              </a:rPr>
-              <a:t>aes</a:t>
-            </a:r>
-            <a:r>
-              <a:rPr lang="en-US" dirty="0"/>
-              <a:t>(</a:t>
-            </a:r>
-            <a:r>
-              <a:rPr lang="en-US" dirty="0">
-                <a:solidFill>
-                  <a:srgbClr val="00B050"/>
-                </a:solidFill>
-              </a:rPr>
-              <a:t>x</a:t>
-            </a:r>
-            <a:r>
-              <a:rPr lang="en-US" dirty="0"/>
-              <a:t> = </a:t>
-            </a:r>
-            <a:r>
-              <a:rPr lang="en-US" dirty="0" err="1"/>
-              <a:t>soil.moisture.content</a:t>
-            </a:r>
-            <a:r>
-              <a:rPr lang="en-US" dirty="0"/>
-              <a:t>, </a:t>
-            </a:r>
-            <a:r>
-              <a:rPr lang="en-US" dirty="0">
-                <a:solidFill>
-                  <a:srgbClr val="00B050"/>
-                </a:solidFill>
-              </a:rPr>
-              <a:t>y</a:t>
-            </a:r>
-            <a:r>
-              <a:rPr lang="en-US" dirty="0"/>
-              <a:t> = </a:t>
-            </a:r>
-            <a:r>
-              <a:rPr lang="en-US" dirty="0" err="1"/>
-              <a:t>plant.growth.rate</a:t>
-            </a:r>
-            <a:r>
-              <a:rPr lang="en-US" dirty="0"/>
-              <a:t>)) +</a:t>
-            </a:r>
-          </a:p>
-          <a:p>
-            <a:pPr marL="0" indent="0">
-              <a:buNone/>
-            </a:pPr>
-            <a:r>
-              <a:rPr lang="en-US" dirty="0"/>
-              <a:t>	</a:t>
-            </a:r>
-            <a:r>
-              <a:rPr lang="en-US" dirty="0" err="1">
-                <a:solidFill>
-                  <a:srgbClr val="C00000"/>
-                </a:solidFill>
-              </a:rPr>
-              <a:t>geom_point</a:t>
-            </a:r>
-            <a:r>
-              <a:rPr lang="en-US" dirty="0"/>
-              <a:t>() +</a:t>
-            </a:r>
-          </a:p>
-          <a:p>
-            <a:pPr marL="0" indent="0">
-              <a:buNone/>
-            </a:pPr>
-            <a:r>
-              <a:rPr lang="en-US" dirty="0"/>
-              <a:t>	</a:t>
-            </a:r>
-            <a:r>
-              <a:rPr lang="en-US" dirty="0" err="1">
-                <a:solidFill>
-                  <a:srgbClr val="C00000"/>
-                </a:solidFill>
-              </a:rPr>
-              <a:t>ylab</a:t>
-            </a:r>
-            <a:r>
-              <a:rPr lang="en-US" dirty="0"/>
-              <a:t>(</a:t>
-            </a:r>
-            <a:r>
-              <a:rPr lang="en-US" dirty="0">
-                <a:solidFill>
-                  <a:srgbClr val="0432FF"/>
-                </a:solidFill>
-              </a:rPr>
-              <a:t>"Plant Growth Rate (mm/week)"</a:t>
-            </a:r>
-            <a:r>
-              <a:rPr lang="en-US" dirty="0"/>
-              <a:t>) +</a:t>
-            </a:r>
-          </a:p>
-          <a:p>
-            <a:pPr marL="0" indent="0">
-              <a:buNone/>
-            </a:pPr>
-            <a:r>
-              <a:rPr lang="en-US" dirty="0"/>
-              <a:t>	</a:t>
-            </a:r>
-            <a:r>
-              <a:rPr lang="en-US" dirty="0" err="1">
-                <a:solidFill>
-                  <a:srgbClr val="C00000"/>
-                </a:solidFill>
-              </a:rPr>
-              <a:t>theme_bw</a:t>
-            </a:r>
-            <a:r>
-              <a:rPr lang="en-US" dirty="0"/>
-              <a:t>()</a:t>
-            </a:r>
-          </a:p>
-          <a:p>
-            <a:pPr marL="0" indent="0">
-              <a:buNone/>
-            </a:pPr>
-            <a:endParaRPr lang="en-US" dirty="0"/>
-          </a:p>
-        </p:txBody>
-      </p:sp>
-    </p:spTree>
-    <p:extLst>
-      <p:ext uri="{BB962C8B-B14F-4D97-AF65-F5344CB8AC3E}">
-        <p14:creationId xmlns:p14="http://schemas.microsoft.com/office/powerpoint/2010/main" val="1831912015"/>
-      </p:ext>
-    </p:extLst>
-  </p:cSld>
-  <p:clrMapOvr>
-    <a:masterClrMapping/>
-  </p:clrMapOvr>
-</p:sld>
-</file>
-
-<file path=ppt/slides/slide14.xml><?xml version="1.0" encoding="utf-8"?>
-<p:sld xmlns:a="http://schemas.openxmlformats.org/drawingml/2006/main" xmlns:r="http://schemas.openxmlformats.org/officeDocument/2006/relationships" xmlns:p="http://schemas.openxmlformats.org/presentationml/2006/main">
-  <p:cSld>
-    <p:spTree>
-      <p:nvGrpSpPr>
-        <p:cNvPr id="1" name=""/>
-        <p:cNvGrpSpPr/>
-        <p:nvPr/>
-      </p:nvGrpSpPr>
-      <p:grpSpPr>
-        <a:xfrm>
-          <a:off x="0" y="0"/>
-          <a:ext cx="0" cy="0"/>
-          <a:chOff x="0" y="0"/>
-          <a:chExt cx="0" cy="0"/>
-        </a:xfrm>
-      </p:grpSpPr>
-      <p:sp>
-        <p:nvSpPr>
-          <p:cNvPr id="2" name="Title 1">
-            <a:extLst>
-              <a:ext uri="{FF2B5EF4-FFF2-40B4-BE49-F238E27FC236}">
-                <a16:creationId xmlns:a16="http://schemas.microsoft.com/office/drawing/2014/main" id="{220A06A0-ED2A-5E47-9B42-A4413DBD8E1D}"/>
-              </a:ext>
-            </a:extLst>
-          </p:cNvPr>
-          <p:cNvSpPr>
-            <a:spLocks noGrp="1"/>
-          </p:cNvSpPr>
-          <p:nvPr>
-            <p:ph type="title"/>
-          </p:nvPr>
-        </p:nvSpPr>
-        <p:spPr>
-          <a:xfrm>
-            <a:off x="457200" y="76200"/>
-            <a:ext cx="8229600" cy="944562"/>
-          </a:xfrm>
-        </p:spPr>
-        <p:txBody>
-          <a:bodyPr>
-            <a:normAutofit/>
-          </a:bodyPr>
-          <a:lstStyle/>
-          <a:p>
-            <a:r>
-              <a:rPr lang="en-US" dirty="0"/>
-              <a:t>Cow Growth Data</a:t>
-            </a:r>
-          </a:p>
-        </p:txBody>
-      </p:sp>
-      <p:sp>
-        <p:nvSpPr>
-          <p:cNvPr id="3" name="Content Placeholder 2">
-            <a:extLst>
-              <a:ext uri="{FF2B5EF4-FFF2-40B4-BE49-F238E27FC236}">
-                <a16:creationId xmlns:a16="http://schemas.microsoft.com/office/drawing/2014/main" id="{580BAAD4-5F8C-714C-9AA1-D05A1DA2F419}"/>
-              </a:ext>
-            </a:extLst>
-          </p:cNvPr>
-          <p:cNvSpPr>
-            <a:spLocks noGrp="1"/>
-          </p:cNvSpPr>
-          <p:nvPr>
-            <p:ph idx="1"/>
-          </p:nvPr>
-        </p:nvSpPr>
-        <p:spPr>
-          <a:xfrm>
-            <a:off x="457200" y="1020762"/>
             <a:ext cx="8610600" cy="5532438"/>
           </a:xfrm>
         </p:spPr>
@@ -7360,7 +6972,7 @@
 </p:sld>
 </file>
 
-<file path=ppt/slides/slide15.xml><?xml version="1.0" encoding="utf-8"?>
+<file path=ppt/slides/slide14.xml><?xml version="1.0" encoding="utf-8"?>
 <p:sld xmlns:a="http://schemas.openxmlformats.org/drawingml/2006/main" xmlns:r="http://schemas.openxmlformats.org/officeDocument/2006/relationships" xmlns:p="http://schemas.openxmlformats.org/presentationml/2006/main">
   <p:cSld>
     <p:spTree>
@@ -7722,7 +7334,7 @@
 </p:sld>
 </file>
 
-<file path=ppt/slides/slide16.xml><?xml version="1.0" encoding="utf-8"?>
+<file path=ppt/slides/slide15.xml><?xml version="1.0" encoding="utf-8"?>
 <p:sld xmlns:a="http://schemas.openxmlformats.org/drawingml/2006/main" xmlns:r="http://schemas.openxmlformats.org/officeDocument/2006/relationships" xmlns:p="http://schemas.openxmlformats.org/presentationml/2006/main">
   <p:cSld>
     <p:spTree>
@@ -8005,7 +7617,7 @@
         </p:nvSpPr>
         <p:spPr>
           <a:xfrm>
-            <a:off x="685800" y="5906869"/>
+            <a:off x="685800" y="5715000"/>
             <a:ext cx="7840480" cy="646331"/>
           </a:xfrm>
           <a:prstGeom prst="rect">
@@ -8050,7 +7662,7 @@
 </p:sld>
 </file>
 
-<file path=ppt/slides/slide17.xml><?xml version="1.0" encoding="utf-8"?>
+<file path=ppt/slides/slide16.xml><?xml version="1.0" encoding="utf-8"?>
 <p:sld xmlns:a="http://schemas.openxmlformats.org/drawingml/2006/main" xmlns:r="http://schemas.openxmlformats.org/officeDocument/2006/relationships" xmlns:p="http://schemas.openxmlformats.org/presentationml/2006/main">
   <p:cSld>
     <p:spTree>
@@ -8614,6 +8226,354 @@
 </p:sld>
 </file>
 
+<file path=ppt/slides/slide17.xml><?xml version="1.0" encoding="utf-8"?>
+<p:sld xmlns:a="http://schemas.openxmlformats.org/drawingml/2006/main" xmlns:r="http://schemas.openxmlformats.org/officeDocument/2006/relationships" xmlns:p="http://schemas.openxmlformats.org/presentationml/2006/main">
+  <p:cSld>
+    <p:spTree>
+      <p:nvGrpSpPr>
+        <p:cNvPr id="1" name=""/>
+        <p:cNvGrpSpPr/>
+        <p:nvPr/>
+      </p:nvGrpSpPr>
+      <p:grpSpPr>
+        <a:xfrm>
+          <a:off x="0" y="0"/>
+          <a:ext cx="0" cy="0"/>
+          <a:chOff x="0" y="0"/>
+          <a:chExt cx="0" cy="0"/>
+        </a:xfrm>
+      </p:grpSpPr>
+      <p:sp>
+        <p:nvSpPr>
+          <p:cNvPr id="2" name="Title 1">
+            <a:extLst>
+              <a:ext uri="{FF2B5EF4-FFF2-40B4-BE49-F238E27FC236}">
+                <a16:creationId xmlns:a16="http://schemas.microsoft.com/office/drawing/2014/main" id="{220A06A0-ED2A-5E47-9B42-A4413DBD8E1D}"/>
+              </a:ext>
+            </a:extLst>
+          </p:cNvPr>
+          <p:cNvSpPr>
+            <a:spLocks noGrp="1"/>
+          </p:cNvSpPr>
+          <p:nvPr>
+            <p:ph type="title"/>
+          </p:nvPr>
+        </p:nvSpPr>
+        <p:spPr>
+          <a:xfrm>
+            <a:off x="76200" y="-76200"/>
+            <a:ext cx="8229600" cy="944562"/>
+          </a:xfrm>
+        </p:spPr>
+        <p:txBody>
+          <a:bodyPr>
+            <a:normAutofit/>
+          </a:bodyPr>
+          <a:lstStyle/>
+          <a:p>
+            <a:r>
+              <a:rPr lang="en-US" dirty="0"/>
+              <a:t>Cow Growth Data-Mean/SD</a:t>
+            </a:r>
+          </a:p>
+        </p:txBody>
+      </p:sp>
+      <p:sp>
+        <p:nvSpPr>
+          <p:cNvPr id="3" name="Content Placeholder 2">
+            <a:extLst>
+              <a:ext uri="{FF2B5EF4-FFF2-40B4-BE49-F238E27FC236}">
+                <a16:creationId xmlns:a16="http://schemas.microsoft.com/office/drawing/2014/main" id="{580BAAD4-5F8C-714C-9AA1-D05A1DA2F419}"/>
+              </a:ext>
+            </a:extLst>
+          </p:cNvPr>
+          <p:cNvSpPr>
+            <a:spLocks noGrp="1"/>
+          </p:cNvSpPr>
+          <p:nvPr>
+            <p:ph idx="1"/>
+          </p:nvPr>
+        </p:nvSpPr>
+        <p:spPr>
+          <a:xfrm>
+            <a:off x="304800" y="792162"/>
+            <a:ext cx="8610600" cy="5532438"/>
+          </a:xfrm>
+        </p:spPr>
+        <p:txBody>
+          <a:bodyPr>
+            <a:normAutofit fontScale="85000" lnSpcReduction="20000"/>
+          </a:bodyPr>
+          <a:lstStyle/>
+          <a:p>
+            <a:pPr marL="0" indent="0">
+              <a:buNone/>
+            </a:pPr>
+            <a:r>
+              <a:rPr lang="en-US" dirty="0"/>
+              <a:t># calculate mean and </a:t>
+            </a:r>
+            <a:r>
+              <a:rPr lang="en-US" dirty="0" err="1"/>
+              <a:t>sd</a:t>
+            </a:r>
+            <a:r>
+              <a:rPr lang="en-US" dirty="0"/>
+              <a:t> of gain for all 12 combinations</a:t>
+            </a:r>
+          </a:p>
+          <a:p>
+            <a:pPr marL="0" indent="0">
+              <a:buNone/>
+            </a:pPr>
+            <a:endParaRPr lang="en-US" dirty="0"/>
+          </a:p>
+          <a:p>
+            <a:pPr marL="0" indent="0">
+              <a:buNone/>
+            </a:pPr>
+            <a:r>
+              <a:rPr lang="en-US" dirty="0" err="1"/>
+              <a:t>sumMoo</a:t>
+            </a:r>
+            <a:r>
+              <a:rPr lang="en-US" dirty="0"/>
+              <a:t> &lt;- </a:t>
+            </a:r>
+            <a:r>
+              <a:rPr lang="en-US" dirty="0" err="1"/>
+              <a:t>growth.moo</a:t>
+            </a:r>
+            <a:r>
+              <a:rPr lang="en-US" dirty="0"/>
+              <a:t> %&gt;%</a:t>
+            </a:r>
+          </a:p>
+          <a:p>
+            <a:pPr marL="0" indent="0">
+              <a:buNone/>
+            </a:pPr>
+            <a:r>
+              <a:rPr lang="en-US" dirty="0"/>
+              <a:t>	</a:t>
+            </a:r>
+            <a:r>
+              <a:rPr lang="en-US" dirty="0" err="1">
+                <a:solidFill>
+                  <a:srgbClr val="C00000"/>
+                </a:solidFill>
+              </a:rPr>
+              <a:t>group_by</a:t>
+            </a:r>
+            <a:r>
+              <a:rPr lang="en-US" dirty="0"/>
+              <a:t>(diet, supplement) %&gt;%</a:t>
+            </a:r>
+          </a:p>
+          <a:p>
+            <a:pPr marL="0" indent="0">
+              <a:buNone/>
+            </a:pPr>
+            <a:r>
+              <a:rPr lang="en-US" dirty="0"/>
+              <a:t>		</a:t>
+            </a:r>
+            <a:r>
+              <a:rPr lang="en-US" dirty="0" err="1">
+                <a:solidFill>
+                  <a:srgbClr val="C00000"/>
+                </a:solidFill>
+              </a:rPr>
+              <a:t>summarise</a:t>
+            </a:r>
+            <a:r>
+              <a:rPr lang="en-US" dirty="0"/>
+              <a:t>(</a:t>
+            </a:r>
+          </a:p>
+          <a:p>
+            <a:pPr marL="0" indent="0">
+              <a:buNone/>
+            </a:pPr>
+            <a:r>
+              <a:rPr lang="en-US" dirty="0"/>
+              <a:t>		</a:t>
+            </a:r>
+            <a:r>
+              <a:rPr lang="en-US" dirty="0" err="1">
+                <a:solidFill>
+                  <a:srgbClr val="00B050"/>
+                </a:solidFill>
+              </a:rPr>
+              <a:t>meanGrow</a:t>
+            </a:r>
+            <a:r>
+              <a:rPr lang="en-US" dirty="0"/>
+              <a:t> = </a:t>
+            </a:r>
+            <a:r>
+              <a:rPr lang="en-US" dirty="0">
+                <a:solidFill>
+                  <a:srgbClr val="C00000"/>
+                </a:solidFill>
+              </a:rPr>
+              <a:t>mean</a:t>
+            </a:r>
+            <a:r>
+              <a:rPr lang="en-US" dirty="0"/>
+              <a:t>(gain),</a:t>
+            </a:r>
+          </a:p>
+          <a:p>
+            <a:pPr marL="0" indent="0">
+              <a:buNone/>
+            </a:pPr>
+            <a:r>
+              <a:rPr lang="en-US" dirty="0"/>
+              <a:t>		</a:t>
+            </a:r>
+            <a:r>
+              <a:rPr lang="en-US" dirty="0" err="1">
+                <a:solidFill>
+                  <a:srgbClr val="00B050"/>
+                </a:solidFill>
+              </a:rPr>
+              <a:t>seGrow</a:t>
+            </a:r>
+            <a:r>
+              <a:rPr lang="en-US" dirty="0"/>
+              <a:t> = </a:t>
+            </a:r>
+            <a:r>
+              <a:rPr lang="en-US" dirty="0" err="1">
+                <a:solidFill>
+                  <a:srgbClr val="C00000"/>
+                </a:solidFill>
+              </a:rPr>
+              <a:t>sd</a:t>
+            </a:r>
+            <a:r>
+              <a:rPr lang="en-US" dirty="0"/>
+              <a:t>(gain)/</a:t>
+            </a:r>
+            <a:r>
+              <a:rPr lang="en-US" dirty="0">
+                <a:solidFill>
+                  <a:srgbClr val="C00000"/>
+                </a:solidFill>
+              </a:rPr>
+              <a:t>sqrt</a:t>
+            </a:r>
+            <a:r>
+              <a:rPr lang="en-US" dirty="0"/>
+              <a:t>(</a:t>
+            </a:r>
+            <a:r>
+              <a:rPr lang="en-US" dirty="0">
+                <a:solidFill>
+                  <a:srgbClr val="C00000"/>
+                </a:solidFill>
+              </a:rPr>
+              <a:t>n</a:t>
+            </a:r>
+            <a:r>
+              <a:rPr lang="en-US" dirty="0"/>
+              <a:t>())</a:t>
+            </a:r>
+          </a:p>
+          <a:p>
+            <a:pPr marL="0" indent="0">
+              <a:buNone/>
+            </a:pPr>
+            <a:r>
+              <a:rPr lang="en-US" dirty="0"/>
+              <a:t>)</a:t>
+            </a:r>
+          </a:p>
+          <a:p>
+            <a:pPr marL="0" indent="0">
+              <a:buNone/>
+            </a:pPr>
+            <a:endParaRPr lang="en-US" dirty="0"/>
+          </a:p>
+          <a:p>
+            <a:r>
+              <a:rPr lang="en-US" dirty="0"/>
+              <a:t>The </a:t>
+            </a:r>
+            <a:r>
+              <a:rPr lang="en-US" dirty="0">
+                <a:solidFill>
+                  <a:srgbClr val="0432FF"/>
+                </a:solidFill>
+              </a:rPr>
+              <a:t>standard error </a:t>
+            </a:r>
+            <a:r>
+              <a:rPr lang="en-US" dirty="0"/>
+              <a:t>of the mean is given by the standard deviation divided by the square root of the sample size, and </a:t>
+            </a:r>
+            <a:r>
+              <a:rPr lang="en-US" dirty="0" err="1">
+                <a:solidFill>
+                  <a:srgbClr val="C00000"/>
+                </a:solidFill>
+              </a:rPr>
+              <a:t>dplyr</a:t>
+            </a:r>
+            <a:r>
+              <a:rPr lang="en-US" dirty="0"/>
+              <a:t> provides a function </a:t>
+            </a:r>
+            <a:r>
+              <a:rPr lang="en-US" dirty="0">
+                <a:solidFill>
+                  <a:srgbClr val="C00000"/>
+                </a:solidFill>
+              </a:rPr>
+              <a:t>n</a:t>
+            </a:r>
+            <a:r>
+              <a:rPr lang="en-US" dirty="0"/>
+              <a:t>() that counts the rows in each group.</a:t>
+            </a:r>
+          </a:p>
+          <a:p>
+            <a:pPr marL="0" indent="0">
+              <a:buNone/>
+            </a:pPr>
+            <a:r>
+              <a:rPr lang="en-US" dirty="0"/>
+              <a:t> </a:t>
+            </a:r>
+          </a:p>
+          <a:p>
+            <a:r>
+              <a:rPr lang="en-US" dirty="0"/>
+              <a:t>Be careful…if you have missing values, n() will still count these rows.</a:t>
+            </a:r>
+          </a:p>
+          <a:p>
+            <a:pPr marL="0" indent="0">
+              <a:buNone/>
+            </a:pPr>
+            <a:endParaRPr lang="en-US" dirty="0"/>
+          </a:p>
+        </p:txBody>
+      </p:sp>
+    </p:spTree>
+    <p:extLst>
+      <p:ext uri="{BB962C8B-B14F-4D97-AF65-F5344CB8AC3E}">
+        <p14:creationId xmlns:p14="http://schemas.microsoft.com/office/powerpoint/2010/main" val="186922481"/>
+      </p:ext>
+    </p:extLst>
+  </p:cSld>
+  <p:clrMapOvr>
+    <a:masterClrMapping/>
+  </p:clrMapOvr>
+</p:sld>
+</file>
+
 <file path=ppt/slides/slide18.xml><?xml version="1.0" encoding="utf-8"?>
 <p:sld xmlns:a="http://schemas.openxmlformats.org/drawingml/2006/main" xmlns:r="http://schemas.openxmlformats.org/officeDocument/2006/relationships" xmlns:p="http://schemas.openxmlformats.org/presentationml/2006/main">
   <p:cSld>
@@ -8690,32 +8650,9 @@
         </p:spPr>
         <p:txBody>
           <a:bodyPr>
-            <a:normAutofit fontScale="85000" lnSpcReduction="20000"/>
+            <a:normAutofit fontScale="70000" lnSpcReduction="20000"/>
           </a:bodyPr>
           <a:lstStyle/>
-          <a:p>
-            <a:pPr marL="0" indent="0">
-              <a:buNone/>
-            </a:pPr>
-            <a:r>
-              <a:rPr lang="en-US" dirty="0"/>
-              <a:t># calculate mean and </a:t>
-            </a:r>
-            <a:r>
-              <a:rPr lang="en-US" dirty="0" err="1"/>
-              <a:t>sd</a:t>
-            </a:r>
-            <a:r>
-              <a:rPr lang="en-US" dirty="0"/>
-              <a:t> of gain for all 12 combinations</a:t>
-            </a:r>
-          </a:p>
-          <a:p>
-            <a:pPr marL="0" indent="0">
-              <a:buNone/>
-            </a:pPr>
-            <a:endParaRPr lang="en-US" dirty="0"/>
-          </a:p>
           <a:p>
             <a:pPr marL="0" indent="0">
               <a:buNone/>
@@ -8724,68 +8661,59 @@
               <a:rPr lang="en-US" dirty="0" err="1"/>
               <a:t>sumMoo</a:t>
             </a:r>
-            <a:r>
-              <a:rPr lang="en-US" dirty="0"/>
-              <a:t> &lt;- </a:t>
+            <a:endParaRPr lang="en-US" dirty="0"/>
+          </a:p>
+          <a:p>
+            <a:pPr marL="0" indent="0">
+              <a:buNone/>
+            </a:pPr>
+            <a:endParaRPr lang="en-US" dirty="0"/>
+          </a:p>
+          <a:p>
+            <a:pPr marL="0" indent="0">
+              <a:buNone/>
+            </a:pPr>
+            <a:r>
+              <a:rPr lang="en-US" dirty="0"/>
+              <a:t># A </a:t>
             </a:r>
             <a:r>
               <a:rPr lang="en-US" dirty="0" err="1"/>
-              <a:t>growth.moo</a:t>
-            </a:r>
-            <a:r>
-              <a:rPr lang="en-US" dirty="0"/>
-              <a:t> %&gt;%</a:t>
-            </a:r>
-          </a:p>
-          <a:p>
-            <a:pPr marL="0" indent="0">
-              <a:buNone/>
-            </a:pPr>
-            <a:r>
-              <a:rPr lang="en-US" dirty="0"/>
-              <a:t>	</a:t>
-            </a:r>
-            <a:r>
-              <a:rPr lang="en-US" dirty="0" err="1">
-                <a:solidFill>
-                  <a:srgbClr val="C00000"/>
+              <a:t>tibble</a:t>
+            </a:r>
+            <a:r>
+              <a:rPr lang="en-US" dirty="0"/>
+              <a:t>: 12 x 4</a:t>
+            </a:r>
+          </a:p>
+          <a:p>
+            <a:pPr marL="0" indent="0">
+              <a:buNone/>
+            </a:pPr>
+            <a:r>
+              <a:rPr lang="en-US" dirty="0"/>
+              <a:t># Groups:   diet [3]</a:t>
+            </a:r>
+          </a:p>
+          <a:p>
+            <a:pPr marL="0" indent="0">
+              <a:buNone/>
+            </a:pPr>
+            <a:r>
+              <a:rPr lang="en-US" dirty="0"/>
+              <a:t>   </a:t>
+            </a:r>
+            <a:r>
+              <a:rPr lang="en-US" dirty="0">
+                <a:solidFill>
+                  <a:srgbClr val="0432FF"/>
                 </a:solidFill>
               </a:rPr>
-              <a:t>group_by</a:t>
-            </a:r>
-            <a:r>
-              <a:rPr lang="en-US" dirty="0"/>
-              <a:t>(diet, supplement) %&gt;%</a:t>
-            </a:r>
-          </a:p>
-          <a:p>
-            <a:pPr marL="0" indent="0">
-              <a:buNone/>
-            </a:pPr>
-            <a:r>
-              <a:rPr lang="en-US" dirty="0"/>
-              <a:t>		</a:t>
-            </a:r>
-            <a:r>
-              <a:rPr lang="en-US" dirty="0" err="1">
-                <a:solidFill>
-                  <a:srgbClr val="C00000"/>
-                </a:solidFill>
-              </a:rPr>
-              <a:t>summarise</a:t>
-            </a:r>
-            <a:r>
-              <a:rPr lang="en-US" dirty="0"/>
-              <a:t>(</a:t>
-            </a:r>
-          </a:p>
-          <a:p>
-            <a:pPr marL="0" indent="0">
-              <a:buNone/>
-            </a:pPr>
-            <a:r>
-              <a:rPr lang="en-US" dirty="0"/>
-              <a:t>		</a:t>
+              <a:t>diet   		supplement</a:t>
+            </a:r>
+            <a:r>
+              <a:rPr lang="en-US" dirty="0"/>
+              <a:t> 	</a:t>
             </a:r>
             <a:r>
               <a:rPr lang="en-US" dirty="0" err="1">
@@ -8796,29 +8724,12 @@
               <a:t>meanGrow</a:t>
             </a:r>
             <a:r>
-              <a:rPr lang="en-US" dirty="0"/>
-              <a:t> = </a:t>
-            </a:r>
-            <a:r>
               <a:rPr lang="en-US" dirty="0">
                 <a:solidFill>
-                  <a:srgbClr val="C00000"/>
+                  <a:srgbClr val="00B050"/>
                 </a:solidFill>
               </a:rPr>
-              <a:t>mean</a:t>
-            </a:r>
-            <a:r>
-              <a:rPr lang="en-US" dirty="0"/>
-              <a:t>(gain),</a:t>
-            </a:r>
-          </a:p>
-          <a:p>
-            <a:pPr marL="0" indent="0">
-              <a:buNone/>
-            </a:pPr>
-            <a:r>
-              <a:rPr lang="en-US" dirty="0"/>
-              <a:t>		</a:t>
+              <a:t>	</a:t>
             </a:r>
             <a:r>
               <a:rPr lang="en-US" dirty="0" err="1">
@@ -8828,131 +8739,239 @@
               </a:rPr>
               <a:t>seGrow</a:t>
             </a:r>
-            <a:r>
-              <a:rPr lang="en-US" dirty="0"/>
-              <a:t> = </a:t>
-            </a:r>
-            <a:r>
-              <a:rPr lang="en-US" dirty="0" err="1">
-                <a:solidFill>
-                  <a:srgbClr val="C00000"/>
-                </a:solidFill>
-              </a:rPr>
-              <a:t>sd</a:t>
-            </a:r>
-            <a:r>
-              <a:rPr lang="en-US" dirty="0"/>
-              <a:t>(gain)/</a:t>
-            </a:r>
-            <a:r>
-              <a:rPr lang="en-US" dirty="0">
-                <a:solidFill>
-                  <a:srgbClr val="C00000"/>
-                </a:solidFill>
-              </a:rPr>
-              <a:t>sqrt</a:t>
-            </a:r>
-            <a:r>
-              <a:rPr lang="en-US" dirty="0"/>
-              <a:t>(</a:t>
-            </a:r>
-            <a:r>
-              <a:rPr lang="en-US" dirty="0">
-                <a:solidFill>
-                  <a:srgbClr val="C00000"/>
-                </a:solidFill>
-              </a:rPr>
-              <a:t>n</a:t>
-            </a:r>
-            <a:r>
-              <a:rPr lang="en-US" dirty="0"/>
-              <a:t>())</a:t>
-            </a:r>
-          </a:p>
-          <a:p>
-            <a:pPr marL="0" indent="0">
-              <a:buNone/>
-            </a:pPr>
-            <a:r>
-              <a:rPr lang="en-US" dirty="0"/>
-              <a:t>)</a:t>
-            </a:r>
-          </a:p>
-          <a:p>
-            <a:pPr marL="0" indent="0">
-              <a:buNone/>
-            </a:pPr>
-            <a:endParaRPr lang="en-US" dirty="0"/>
-          </a:p>
-          <a:p>
-            <a:r>
-              <a:rPr lang="en-US" dirty="0"/>
-              <a:t>The </a:t>
-            </a:r>
-            <a:r>
-              <a:rPr lang="en-US" dirty="0">
-                <a:solidFill>
-                  <a:srgbClr val="0432FF"/>
-                </a:solidFill>
-              </a:rPr>
-              <a:t>standard error </a:t>
-            </a:r>
-            <a:r>
-              <a:rPr lang="en-US" dirty="0"/>
-              <a:t>of the mean is given by the standard deviation divided by the square root of the sample size, and </a:t>
-            </a:r>
-            <a:r>
-              <a:rPr lang="en-US" dirty="0" err="1">
-                <a:solidFill>
-                  <a:srgbClr val="C00000"/>
-                </a:solidFill>
-              </a:rPr>
-              <a:t>dplyr</a:t>
-            </a:r>
-            <a:r>
-              <a:rPr lang="en-US" dirty="0"/>
-              <a:t> provides a function </a:t>
-            </a:r>
-            <a:r>
-              <a:rPr lang="en-US" dirty="0">
-                <a:solidFill>
-                  <a:srgbClr val="C00000"/>
-                </a:solidFill>
-              </a:rPr>
-              <a:t>n</a:t>
-            </a:r>
-            <a:r>
-              <a:rPr lang="en-US" dirty="0"/>
-              <a:t>() that counts the rows in each group.</a:t>
-            </a:r>
-          </a:p>
-          <a:p>
-            <a:pPr marL="0" indent="0">
-              <a:buNone/>
-            </a:pPr>
-            <a:r>
-              <a:rPr lang="en-US" dirty="0"/>
-              <a:t> </a:t>
-            </a:r>
-          </a:p>
-          <a:p>
-            <a:r>
-              <a:rPr lang="en-US" dirty="0"/>
-              <a:t>Be careful…if you have missing values, n() will still count these rows.</a:t>
-            </a:r>
-          </a:p>
-          <a:p>
-            <a:pPr marL="0" indent="0">
-              <a:buNone/>
-            </a:pPr>
-            <a:endParaRPr lang="en-US" dirty="0"/>
+            <a:endParaRPr lang="en-US" dirty="0">
+              <a:solidFill>
+                <a:srgbClr val="00B050"/>
+              </a:solidFill>
+            </a:endParaRPr>
+          </a:p>
+          <a:p>
+            <a:pPr marL="0" indent="0">
+              <a:buNone/>
+            </a:pPr>
+            <a:r>
+              <a:rPr lang="en-US" dirty="0"/>
+              <a:t>   &lt;</a:t>
+            </a:r>
+            <a:r>
+              <a:rPr lang="en-US" dirty="0" err="1"/>
+              <a:t>fct</a:t>
+            </a:r>
+            <a:r>
+              <a:rPr lang="en-US" dirty="0"/>
+              <a:t>&gt;  		&lt;</a:t>
+            </a:r>
+            <a:r>
+              <a:rPr lang="en-US" dirty="0" err="1"/>
+              <a:t>fct</a:t>
+            </a:r>
+            <a:r>
+              <a:rPr lang="en-US" dirty="0"/>
+              <a:t>&gt;		&lt;</a:t>
+            </a:r>
+            <a:r>
+              <a:rPr lang="en-US" dirty="0" err="1"/>
+              <a:t>dbl</a:t>
+            </a:r>
+            <a:r>
+              <a:rPr lang="en-US" dirty="0"/>
+              <a:t>&gt;  		&lt;</a:t>
+            </a:r>
+            <a:r>
+              <a:rPr lang="en-US" dirty="0" err="1"/>
+              <a:t>dbl</a:t>
+            </a:r>
+            <a:r>
+              <a:rPr lang="en-US" dirty="0"/>
+              <a:t>&gt;</a:t>
+            </a:r>
+          </a:p>
+          <a:p>
+            <a:pPr marL="0" indent="0">
+              <a:buNone/>
+            </a:pPr>
+            <a:r>
+              <a:rPr lang="en-US" dirty="0"/>
+              <a:t> 1 barley 	control        	23.3  		0.703</a:t>
+            </a:r>
+          </a:p>
+          <a:p>
+            <a:pPr marL="0" indent="0">
+              <a:buNone/>
+            </a:pPr>
+            <a:r>
+              <a:rPr lang="en-US" dirty="0"/>
+              <a:t> 2 barley 	</a:t>
+            </a:r>
+            <a:r>
+              <a:rPr lang="en-US" dirty="0" err="1"/>
+              <a:t>agrimore</a:t>
+            </a:r>
+            <a:r>
+              <a:rPr lang="en-US" dirty="0"/>
+              <a:t>       	26.3  		0.919</a:t>
+            </a:r>
+          </a:p>
+          <a:p>
+            <a:pPr marL="0" indent="0">
+              <a:buNone/>
+            </a:pPr>
+            <a:r>
+              <a:rPr lang="en-US" dirty="0"/>
+              <a:t> 3 barley 	</a:t>
+            </a:r>
+            <a:r>
+              <a:rPr lang="en-US" dirty="0" err="1"/>
+              <a:t>supergain</a:t>
+            </a:r>
+            <a:r>
+              <a:rPr lang="en-US" dirty="0"/>
+              <a:t>      	22.5  		0.771</a:t>
+            </a:r>
+          </a:p>
+          <a:p>
+            <a:pPr marL="0" indent="0">
+              <a:buNone/>
+            </a:pPr>
+            <a:r>
+              <a:rPr lang="en-US" dirty="0"/>
+              <a:t> 4 barley 	</a:t>
+            </a:r>
+            <a:r>
+              <a:rPr lang="en-US" dirty="0" err="1"/>
+              <a:t>supersupp</a:t>
+            </a:r>
+            <a:r>
+              <a:rPr lang="en-US" dirty="0"/>
+              <a:t>      	25.6  		1.06 </a:t>
+            </a:r>
+          </a:p>
+          <a:p>
+            <a:pPr marL="0" indent="0">
+              <a:buNone/>
+            </a:pPr>
+            <a:r>
+              <a:rPr lang="en-US" dirty="0"/>
+              <a:t> 5 oats   		control        	20.5  		0.506</a:t>
+            </a:r>
+          </a:p>
+          <a:p>
+            <a:pPr marL="0" indent="0">
+              <a:buNone/>
+            </a:pPr>
+            <a:r>
+              <a:rPr lang="en-US" dirty="0"/>
+              <a:t> 6 oats   		</a:t>
+            </a:r>
+            <a:r>
+              <a:rPr lang="en-US" dirty="0" err="1"/>
+              <a:t>agrimore</a:t>
+            </a:r>
+            <a:r>
+              <a:rPr lang="en-US" dirty="0"/>
+              <a:t>       	23.3  		0.613</a:t>
+            </a:r>
+          </a:p>
+          <a:p>
+            <a:pPr marL="0" indent="0">
+              <a:buNone/>
+            </a:pPr>
+            <a:r>
+              <a:rPr lang="en-US" dirty="0"/>
+              <a:t> 7 oats   		</a:t>
+            </a:r>
+            <a:r>
+              <a:rPr lang="en-US" dirty="0" err="1"/>
+              <a:t>supergain</a:t>
+            </a:r>
+            <a:r>
+              <a:rPr lang="en-US" dirty="0"/>
+              <a:t>      	19.7  		0.349</a:t>
+            </a:r>
+          </a:p>
+          <a:p>
+            <a:pPr marL="0" indent="0">
+              <a:buNone/>
+            </a:pPr>
+            <a:r>
+              <a:rPr lang="en-US" dirty="0"/>
+              <a:t> 8 oats   		</a:t>
+            </a:r>
+            <a:r>
+              <a:rPr lang="en-US" dirty="0" err="1"/>
+              <a:t>supersupp</a:t>
+            </a:r>
+            <a:r>
+              <a:rPr lang="en-US" dirty="0"/>
+              <a:t>      	21.9  		0.413</a:t>
+            </a:r>
+          </a:p>
+          <a:p>
+            <a:pPr marL="0" indent="0">
+              <a:buNone/>
+            </a:pPr>
+            <a:r>
+              <a:rPr lang="en-US" dirty="0"/>
+              <a:t> 9 wheat  	control        	17.4  		0.460</a:t>
+            </a:r>
+          </a:p>
+          <a:p>
+            <a:pPr marL="0" indent="0">
+              <a:buNone/>
+            </a:pPr>
+            <a:r>
+              <a:rPr lang="en-US" dirty="0"/>
+              <a:t>10 wheat  	</a:t>
+            </a:r>
+            <a:r>
+              <a:rPr lang="en-US" dirty="0" err="1"/>
+              <a:t>agrimore</a:t>
+            </a:r>
+            <a:r>
+              <a:rPr lang="en-US" dirty="0"/>
+              <a:t>       	19.6  		0.710</a:t>
+            </a:r>
+          </a:p>
+          <a:p>
+            <a:pPr marL="0" indent="0">
+              <a:buNone/>
+            </a:pPr>
+            <a:r>
+              <a:rPr lang="en-US" dirty="0"/>
+              <a:t>11 wheat  	</a:t>
+            </a:r>
+            <a:r>
+              <a:rPr lang="en-US" dirty="0" err="1"/>
+              <a:t>supergain</a:t>
+            </a:r>
+            <a:r>
+              <a:rPr lang="en-US" dirty="0"/>
+              <a:t>      	17.0  		0.485</a:t>
+            </a:r>
+          </a:p>
+          <a:p>
+            <a:pPr marL="0" indent="0">
+              <a:buNone/>
+            </a:pPr>
+            <a:r>
+              <a:rPr lang="en-US" dirty="0"/>
+              <a:t>12 wheat  	</a:t>
+            </a:r>
+            <a:r>
+              <a:rPr lang="en-US" dirty="0" err="1"/>
+              <a:t>supersupp</a:t>
+            </a:r>
+            <a:r>
+              <a:rPr lang="en-US" dirty="0"/>
+              <a:t>      	19.7  		0.475</a:t>
+            </a:r>
           </a:p>
         </p:txBody>
       </p:sp>
     </p:spTree>
     <p:extLst>
       <p:ext uri="{BB962C8B-B14F-4D97-AF65-F5344CB8AC3E}">
-        <p14:creationId xmlns:p14="http://schemas.microsoft.com/office/powerpoint/2010/main" val="186922481"/>
+        <p14:creationId xmlns:p14="http://schemas.microsoft.com/office/powerpoint/2010/main" val="2344496302"/>
       </p:ext>
     </p:extLst>
   </p:cSld>
@@ -9009,7 +9028,7 @@
           <a:p>
             <a:r>
               <a:rPr lang="en-US" dirty="0"/>
-              <a:t>Cow Growth Data-Mean/SD</a:t>
+              <a:t>Cow Growth Data-Plot Mean/SE</a:t>
             </a:r>
           </a:p>
         </p:txBody>
@@ -9032,326 +9051,90 @@
         </p:nvSpPr>
         <p:spPr>
           <a:xfrm>
-            <a:off x="457200" y="609600"/>
+            <a:off x="457200" y="1020762"/>
             <a:ext cx="8610600" cy="5532438"/>
           </a:xfrm>
         </p:spPr>
         <p:txBody>
           <a:bodyPr>
-            <a:normAutofit fontScale="70000" lnSpcReduction="20000"/>
+            <a:normAutofit/>
           </a:bodyPr>
           <a:lstStyle/>
           <a:p>
-            <a:pPr marL="0" indent="0">
-              <a:buNone/>
-            </a:pPr>
+            <a:r>
+              <a:rPr lang="en-US" dirty="0"/>
+              <a:t>With this summary table, we can now add three layers to the figure: points, lines, and error bars.</a:t>
+            </a:r>
+          </a:p>
+          <a:p>
+            <a:endParaRPr lang="en-US" dirty="0"/>
+          </a:p>
+          <a:p>
+            <a:r>
+              <a:rPr lang="en-US" dirty="0"/>
+              <a:t>To do this, we introduce </a:t>
+            </a:r>
+            <a:r>
+              <a:rPr lang="en-US" dirty="0" err="1">
+                <a:solidFill>
+                  <a:srgbClr val="C00000"/>
+                </a:solidFill>
+              </a:rPr>
+              <a:t>geom_errorbar</a:t>
+            </a:r>
+            <a:r>
+              <a:rPr lang="en-US" dirty="0"/>
+              <a:t>(), which has its own aesthetics: the lower and upper limits of the vertical lines that we call error bars. </a:t>
+            </a:r>
+          </a:p>
+          <a:p>
+            <a:endParaRPr lang="en-US" dirty="0"/>
+          </a:p>
+          <a:p>
+            <a:r>
+              <a:rPr lang="en-US" dirty="0"/>
+              <a:t>These limits are called </a:t>
+            </a:r>
+            <a:r>
+              <a:rPr lang="en-US" dirty="0" err="1">
+                <a:solidFill>
+                  <a:srgbClr val="0432FF"/>
+                </a:solidFill>
+              </a:rPr>
+              <a:t>ymin</a:t>
+            </a:r>
+            <a:r>
+              <a:rPr lang="en-US" dirty="0"/>
+              <a:t> and </a:t>
+            </a:r>
+            <a:r>
+              <a:rPr lang="en-US" dirty="0" err="1">
+                <a:solidFill>
+                  <a:srgbClr val="0432FF"/>
+                </a:solidFill>
+              </a:rPr>
+              <a:t>ymax</a:t>
+            </a:r>
+            <a:r>
+              <a:rPr lang="en-US" dirty="0"/>
+              <a:t>. </a:t>
+            </a:r>
+          </a:p>
+          <a:p>
+            <a:endParaRPr lang="en-US" dirty="0"/>
+          </a:p>
+          <a:p>
+            <a:r>
+              <a:rPr lang="en-US" dirty="0"/>
+              <a:t>Each vertical line is made by placing a line between these limits, passing through </a:t>
+            </a:r>
             <a:r>
               <a:rPr lang="en-US" dirty="0" err="1"/>
-              <a:t>sumMoo</a:t>
-            </a:r>
-            <a:endParaRPr lang="en-US" dirty="0"/>
-          </a:p>
-          <a:p>
-            <a:pPr marL="0" indent="0">
-              <a:buNone/>
-            </a:pPr>
-            <a:endParaRPr lang="en-US" dirty="0"/>
-          </a:p>
-          <a:p>
-            <a:pPr marL="0" indent="0">
-              <a:buNone/>
-            </a:pPr>
-            <a:r>
-              <a:rPr lang="en-US" dirty="0"/>
-              <a:t># A </a:t>
-            </a:r>
-            <a:r>
-              <a:rPr lang="en-US" dirty="0" err="1"/>
-              <a:t>tibble</a:t>
-            </a:r>
-            <a:r>
-              <a:rPr lang="en-US" dirty="0"/>
-              <a:t>: 12 x 4</a:t>
-            </a:r>
-          </a:p>
-          <a:p>
-            <a:pPr marL="0" indent="0">
-              <a:buNone/>
-            </a:pPr>
-            <a:r>
-              <a:rPr lang="en-US" dirty="0"/>
-              <a:t># Groups:   diet [3]</a:t>
-            </a:r>
-          </a:p>
-          <a:p>
-            <a:pPr marL="0" indent="0">
-              <a:buNone/>
-            </a:pPr>
-            <a:r>
-              <a:rPr lang="en-US" dirty="0"/>
-              <a:t>   </a:t>
-            </a:r>
-            <a:r>
-              <a:rPr lang="en-US" dirty="0">
-                <a:solidFill>
-                  <a:srgbClr val="0432FF"/>
-                </a:solidFill>
-              </a:rPr>
-              <a:t>diet   		supplement</a:t>
-            </a:r>
-            <a:r>
-              <a:rPr lang="en-US" dirty="0"/>
-              <a:t> 	</a:t>
-            </a:r>
-            <a:r>
-              <a:rPr lang="en-US" dirty="0" err="1">
-                <a:solidFill>
-                  <a:srgbClr val="00B050"/>
-                </a:solidFill>
-              </a:rPr>
               <a:t>meanGrow</a:t>
             </a:r>
             <a:r>
-              <a:rPr lang="en-US" dirty="0">
-                <a:solidFill>
-                  <a:srgbClr val="00B050"/>
-                </a:solidFill>
-              </a:rPr>
-              <a:t>	</a:t>
-            </a:r>
-            <a:r>
-              <a:rPr lang="en-US" dirty="0" err="1">
-                <a:solidFill>
-                  <a:srgbClr val="00B050"/>
-                </a:solidFill>
-              </a:rPr>
-              <a:t>seGrow</a:t>
-            </a:r>
-            <a:endParaRPr lang="en-US" dirty="0">
-              <a:solidFill>
-                <a:srgbClr val="00B050"/>
-              </a:solidFill>
-            </a:endParaRPr>
-          </a:p>
-          <a:p>
-            <a:pPr marL="0" indent="0">
-              <a:buNone/>
-            </a:pPr>
-            <a:r>
-              <a:rPr lang="en-US" dirty="0"/>
-              <a:t>   &lt;</a:t>
-            </a:r>
-            <a:r>
-              <a:rPr lang="en-US" dirty="0" err="1"/>
-              <a:t>fct</a:t>
-            </a:r>
-            <a:r>
-              <a:rPr lang="en-US" dirty="0"/>
-              <a:t>&gt;  		&lt;</a:t>
-            </a:r>
-            <a:r>
-              <a:rPr lang="en-US" dirty="0" err="1"/>
-              <a:t>fct</a:t>
-            </a:r>
-            <a:r>
-              <a:rPr lang="en-US" dirty="0"/>
-              <a:t>&gt;		&lt;</a:t>
-            </a:r>
-            <a:r>
-              <a:rPr lang="en-US" dirty="0" err="1"/>
-              <a:t>dbl</a:t>
-            </a:r>
-            <a:r>
-              <a:rPr lang="en-US" dirty="0"/>
-              <a:t>&gt;  		&lt;</a:t>
-            </a:r>
-            <a:r>
-              <a:rPr lang="en-US" dirty="0" err="1"/>
-              <a:t>dbl</a:t>
-            </a:r>
-            <a:r>
-              <a:rPr lang="en-US" dirty="0"/>
-              <a:t>&gt;</a:t>
-            </a:r>
-          </a:p>
-          <a:p>
-            <a:pPr marL="0" indent="0">
-              <a:buNone/>
-            </a:pPr>
-            <a:r>
-              <a:rPr lang="en-US" dirty="0"/>
-              <a:t> 1 barley 	control        	23.3  		0.703</a:t>
-            </a:r>
-          </a:p>
-          <a:p>
-            <a:pPr marL="0" indent="0">
-              <a:buNone/>
-            </a:pPr>
-            <a:r>
-              <a:rPr lang="en-US" dirty="0"/>
-              <a:t> 2 barley 	</a:t>
-            </a:r>
-            <a:r>
-              <a:rPr lang="en-US" dirty="0" err="1"/>
-              <a:t>agrimore</a:t>
-            </a:r>
-            <a:r>
-              <a:rPr lang="en-US" dirty="0"/>
-              <a:t>       	26.3  		0.919</a:t>
-            </a:r>
-          </a:p>
-          <a:p>
-            <a:pPr marL="0" indent="0">
-              <a:buNone/>
-            </a:pPr>
-            <a:r>
-              <a:rPr lang="en-US" dirty="0"/>
-              <a:t> 3 barley 	</a:t>
-            </a:r>
-            <a:r>
-              <a:rPr lang="en-US" dirty="0" err="1"/>
-              <a:t>supergain</a:t>
-            </a:r>
-            <a:r>
-              <a:rPr lang="en-US" dirty="0"/>
-              <a:t>      	22.5  		0.771</a:t>
-            </a:r>
-          </a:p>
-          <a:p>
-            <a:pPr marL="0" indent="0">
-              <a:buNone/>
-            </a:pPr>
-            <a:r>
-              <a:rPr lang="en-US" dirty="0"/>
-              <a:t> 4 barley 	</a:t>
-            </a:r>
-            <a:r>
-              <a:rPr lang="en-US" dirty="0" err="1"/>
-              <a:t>supersupp</a:t>
-            </a:r>
-            <a:r>
-              <a:rPr lang="en-US" dirty="0"/>
-              <a:t>      	25.6  		1.06 </a:t>
-            </a:r>
-          </a:p>
-          <a:p>
-            <a:pPr marL="0" indent="0">
-              <a:buNone/>
-            </a:pPr>
-            <a:r>
-              <a:rPr lang="en-US" dirty="0"/>
-              <a:t> 5 oats   		control        	20.5  		0.506</a:t>
-            </a:r>
-          </a:p>
-          <a:p>
-            <a:pPr marL="0" indent="0">
-              <a:buNone/>
-            </a:pPr>
-            <a:r>
-              <a:rPr lang="en-US" dirty="0"/>
-              <a:t> 6 oats   		</a:t>
-            </a:r>
-            <a:r>
-              <a:rPr lang="en-US" dirty="0" err="1"/>
-              <a:t>agrimore</a:t>
-            </a:r>
-            <a:r>
-              <a:rPr lang="en-US" dirty="0"/>
-              <a:t>       	23.3  		0.613</a:t>
-            </a:r>
-          </a:p>
-          <a:p>
-            <a:pPr marL="0" indent="0">
-              <a:buNone/>
-            </a:pPr>
-            <a:r>
-              <a:rPr lang="en-US" dirty="0"/>
-              <a:t> 7 oats   		</a:t>
-            </a:r>
-            <a:r>
-              <a:rPr lang="en-US" dirty="0" err="1"/>
-              <a:t>supergain</a:t>
-            </a:r>
-            <a:r>
-              <a:rPr lang="en-US" dirty="0"/>
-              <a:t>      	19.7  		0.349</a:t>
-            </a:r>
-          </a:p>
-          <a:p>
-            <a:pPr marL="0" indent="0">
-              <a:buNone/>
-            </a:pPr>
-            <a:r>
-              <a:rPr lang="en-US" dirty="0"/>
-              <a:t> 8 oats   		</a:t>
-            </a:r>
-            <a:r>
-              <a:rPr lang="en-US" dirty="0" err="1"/>
-              <a:t>supersupp</a:t>
-            </a:r>
-            <a:r>
-              <a:rPr lang="en-US" dirty="0"/>
-              <a:t>      	21.9  		0.413</a:t>
-            </a:r>
-          </a:p>
-          <a:p>
-            <a:pPr marL="0" indent="0">
-              <a:buNone/>
-            </a:pPr>
-            <a:r>
-              <a:rPr lang="en-US" dirty="0"/>
-              <a:t> 9 wheat  	control        	17.4  		0.460</a:t>
-            </a:r>
-          </a:p>
-          <a:p>
-            <a:pPr marL="0" indent="0">
-              <a:buNone/>
-            </a:pPr>
-            <a:r>
-              <a:rPr lang="en-US" dirty="0"/>
-              <a:t>10 wheat  	</a:t>
-            </a:r>
-            <a:r>
-              <a:rPr lang="en-US" dirty="0" err="1"/>
-              <a:t>agrimore</a:t>
-            </a:r>
-            <a:r>
-              <a:rPr lang="en-US" dirty="0"/>
-              <a:t>       	19.6  		0.710</a:t>
-            </a:r>
-          </a:p>
-          <a:p>
-            <a:pPr marL="0" indent="0">
-              <a:buNone/>
-            </a:pPr>
-            <a:r>
-              <a:rPr lang="en-US" dirty="0"/>
-              <a:t>11 wheat  	</a:t>
-            </a:r>
-            <a:r>
-              <a:rPr lang="en-US" dirty="0" err="1"/>
-              <a:t>supergain</a:t>
-            </a:r>
-            <a:r>
-              <a:rPr lang="en-US" dirty="0"/>
-              <a:t>      	17.0  		0.485</a:t>
-            </a:r>
-          </a:p>
-          <a:p>
-            <a:pPr marL="0" indent="0">
-              <a:buNone/>
-            </a:pPr>
-            <a:r>
-              <a:rPr lang="en-US" dirty="0"/>
-              <a:t>12 wheat  	</a:t>
-            </a:r>
-            <a:r>
-              <a:rPr lang="en-US" dirty="0" err="1"/>
-              <a:t>supersupp</a:t>
-            </a:r>
-            <a:r>
-              <a:rPr lang="en-US" dirty="0"/>
-              <a:t>      	19.7  		0.475</a:t>
+              <a:rPr lang="en-US" dirty="0"/>
+              <a:t>.</a:t>
             </a:r>
           </a:p>
         </p:txBody>
@@ -9359,7 +9142,7 @@
     </p:spTree>
     <p:extLst>
       <p:ext uri="{BB962C8B-B14F-4D97-AF65-F5344CB8AC3E}">
-        <p14:creationId xmlns:p14="http://schemas.microsoft.com/office/powerpoint/2010/main" val="2344496302"/>
+        <p14:creationId xmlns:p14="http://schemas.microsoft.com/office/powerpoint/2010/main" val="3853319851"/>
       </p:ext>
     </p:extLst>
   </p:cSld>
@@ -9386,120 +9169,6 @@
           <a:chExt cx="0" cy="0"/>
         </a:xfrm>
       </p:grpSpPr>
-      <p:sp>
-        <p:nvSpPr>
-          <p:cNvPr id="2" name="Title 1">
-            <a:extLst>
-              <a:ext uri="{FF2B5EF4-FFF2-40B4-BE49-F238E27FC236}">
-                <a16:creationId xmlns:a16="http://schemas.microsoft.com/office/drawing/2014/main" id="{220A06A0-ED2A-5E47-9B42-A4413DBD8E1D}"/>
-              </a:ext>
-            </a:extLst>
-          </p:cNvPr>
-          <p:cNvSpPr>
-            <a:spLocks noGrp="1"/>
-          </p:cNvSpPr>
-          <p:nvPr>
-            <p:ph type="title"/>
-          </p:nvPr>
-        </p:nvSpPr>
-        <p:spPr>
-          <a:xfrm>
-            <a:off x="457200" y="76200"/>
-            <a:ext cx="8229600" cy="944562"/>
-          </a:xfrm>
-        </p:spPr>
-        <p:txBody>
-          <a:bodyPr>
-            <a:normAutofit fontScale="90000"/>
-          </a:bodyPr>
-          <a:lstStyle/>
-          <a:p>
-            <a:r>
-              <a:rPr lang="en-US" dirty="0"/>
-              <a:t>Extend Linear Models to </a:t>
-            </a:r>
-            <a:r>
-              <a:rPr lang="en-US" dirty="0" err="1"/>
-              <a:t>Mult</a:t>
-            </a:r>
-            <a:r>
-              <a:rPr lang="en-US" dirty="0"/>
-              <a:t>. Predictors</a:t>
-            </a:r>
-          </a:p>
-        </p:txBody>
-      </p:sp>
-      <p:sp>
-        <p:nvSpPr>
-          <p:cNvPr id="3" name="Content Placeholder 2">
-            <a:extLst>
-              <a:ext uri="{FF2B5EF4-FFF2-40B4-BE49-F238E27FC236}">
-                <a16:creationId xmlns:a16="http://schemas.microsoft.com/office/drawing/2014/main" id="{580BAAD4-5F8C-714C-9AA1-D05A1DA2F419}"/>
-              </a:ext>
-            </a:extLst>
-          </p:cNvPr>
-          <p:cNvSpPr>
-            <a:spLocks noGrp="1"/>
-          </p:cNvSpPr>
-          <p:nvPr>
-            <p:ph idx="1"/>
-          </p:nvPr>
-        </p:nvSpPr>
-        <p:spPr>
-          <a:xfrm>
-            <a:off x="457200" y="1020762"/>
-            <a:ext cx="8382000" cy="5532438"/>
-          </a:xfrm>
-        </p:spPr>
-        <p:txBody>
-          <a:bodyPr>
-            <a:normAutofit/>
-          </a:bodyPr>
-          <a:lstStyle/>
-          <a:p>
-            <a:r>
-              <a:rPr lang="en-US" dirty="0"/>
-              <a:t>The two-way ANOVA corresponds to data that have structure in two dimensions. </a:t>
-            </a:r>
-          </a:p>
-          <a:p>
-            <a:r>
-              <a:rPr lang="en-US" dirty="0"/>
-              <a:t>The response variable may vary with both predictor variables. </a:t>
-            </a:r>
-          </a:p>
-          <a:p>
-            <a:r>
-              <a:rPr lang="en-US" dirty="0"/>
-              <a:t>Experiments associated with a two-way ANOVA investigate how the response varies with one variable and may </a:t>
-            </a:r>
-            <a:r>
-              <a:rPr lang="en-US" dirty="0">
-                <a:solidFill>
-                  <a:srgbClr val="0432FF"/>
-                </a:solidFill>
-              </a:rPr>
-              <a:t>depend</a:t>
-            </a:r>
-            <a:r>
-              <a:rPr lang="en-US" dirty="0"/>
-              <a:t> on the other variable.</a:t>
-            </a:r>
-          </a:p>
-          <a:p>
-            <a:r>
-              <a:rPr lang="en-US" dirty="0"/>
-              <a:t>This is a statistical interaction.</a:t>
-            </a:r>
-          </a:p>
-          <a:p>
-            <a:pPr marL="0" indent="0">
-              <a:buNone/>
-            </a:pPr>
-            <a:endParaRPr lang="en-US" dirty="0"/>
-          </a:p>
-        </p:txBody>
-      </p:sp>
       <p:pic>
         <p:nvPicPr>
           <p:cNvPr id="2050" name="Picture 2" descr="Interpreting Interactions when Main Effects are Not Significant - The  Analysis Factor">
@@ -9529,8 +9198,8 @@
         </p:blipFill>
         <p:spPr bwMode="auto">
           <a:xfrm>
-            <a:off x="5410200" y="4267200"/>
-            <a:ext cx="2209800" cy="2525486"/>
+            <a:off x="5410200" y="4180114"/>
+            <a:ext cx="2286000" cy="2612572"/>
           </a:xfrm>
           <a:prstGeom prst="rect">
             <a:avLst/>
@@ -9547,6 +9216,120 @@
           </a:extLst>
         </p:spPr>
       </p:pic>
+      <p:sp>
+        <p:nvSpPr>
+          <p:cNvPr id="2" name="Title 1">
+            <a:extLst>
+              <a:ext uri="{FF2B5EF4-FFF2-40B4-BE49-F238E27FC236}">
+                <a16:creationId xmlns:a16="http://schemas.microsoft.com/office/drawing/2014/main" id="{220A06A0-ED2A-5E47-9B42-A4413DBD8E1D}"/>
+              </a:ext>
+            </a:extLst>
+          </p:cNvPr>
+          <p:cNvSpPr>
+            <a:spLocks noGrp="1"/>
+          </p:cNvSpPr>
+          <p:nvPr>
+            <p:ph type="title"/>
+          </p:nvPr>
+        </p:nvSpPr>
+        <p:spPr>
+          <a:xfrm>
+            <a:off x="457200" y="76200"/>
+            <a:ext cx="8229600" cy="944562"/>
+          </a:xfrm>
+        </p:spPr>
+        <p:txBody>
+          <a:bodyPr>
+            <a:normAutofit fontScale="90000"/>
+          </a:bodyPr>
+          <a:lstStyle/>
+          <a:p>
+            <a:r>
+              <a:rPr lang="en-US" dirty="0"/>
+              <a:t>Extend Linear Models to </a:t>
+            </a:r>
+            <a:r>
+              <a:rPr lang="en-US" dirty="0" err="1"/>
+              <a:t>Mult</a:t>
+            </a:r>
+            <a:r>
+              <a:rPr lang="en-US" dirty="0"/>
+              <a:t>. Predictors</a:t>
+            </a:r>
+          </a:p>
+        </p:txBody>
+      </p:sp>
+      <p:sp>
+        <p:nvSpPr>
+          <p:cNvPr id="3" name="Content Placeholder 2">
+            <a:extLst>
+              <a:ext uri="{FF2B5EF4-FFF2-40B4-BE49-F238E27FC236}">
+                <a16:creationId xmlns:a16="http://schemas.microsoft.com/office/drawing/2014/main" id="{580BAAD4-5F8C-714C-9AA1-D05A1DA2F419}"/>
+              </a:ext>
+            </a:extLst>
+          </p:cNvPr>
+          <p:cNvSpPr>
+            <a:spLocks noGrp="1"/>
+          </p:cNvSpPr>
+          <p:nvPr>
+            <p:ph idx="1"/>
+          </p:nvPr>
+        </p:nvSpPr>
+        <p:spPr>
+          <a:xfrm>
+            <a:off x="457200" y="1020762"/>
+            <a:ext cx="8382000" cy="5532438"/>
+          </a:xfrm>
+        </p:spPr>
+        <p:txBody>
+          <a:bodyPr>
+            <a:normAutofit/>
+          </a:bodyPr>
+          <a:lstStyle/>
+          <a:p>
+            <a:r>
+              <a:rPr lang="en-US" dirty="0"/>
+              <a:t>The two-way ANOVA corresponds to data that have structure in two dimensions. </a:t>
+            </a:r>
+          </a:p>
+          <a:p>
+            <a:r>
+              <a:rPr lang="en-US" dirty="0"/>
+              <a:t>The response variable may vary with both predictor variables. </a:t>
+            </a:r>
+          </a:p>
+          <a:p>
+            <a:r>
+              <a:rPr lang="en-US" dirty="0"/>
+              <a:t>Experiments associated with a two-way ANOVA investigate how the response varies with one variable and may </a:t>
+            </a:r>
+            <a:r>
+              <a:rPr lang="en-US" dirty="0">
+                <a:solidFill>
+                  <a:srgbClr val="0432FF"/>
+                </a:solidFill>
+              </a:rPr>
+              <a:t>depend</a:t>
+            </a:r>
+            <a:r>
+              <a:rPr lang="en-US" dirty="0"/>
+              <a:t> on the other variable.</a:t>
+            </a:r>
+          </a:p>
+          <a:p>
+            <a:r>
+              <a:rPr lang="en-US" dirty="0"/>
+              <a:t>This is a statistical interaction.</a:t>
+            </a:r>
+          </a:p>
+          <a:p>
+            <a:pPr marL="0" indent="0">
+              <a:buNone/>
+            </a:pPr>
+            <a:endParaRPr lang="en-US" dirty="0"/>
+          </a:p>
+        </p:txBody>
+      </p:sp>
     </p:spTree>
     <p:extLst>
       <p:ext uri="{BB962C8B-B14F-4D97-AF65-F5344CB8AC3E}">
@@ -9561,177 +9344,6 @@
 </file>
 
 <file path=ppt/slides/slide20.xml><?xml version="1.0" encoding="utf-8"?>
-<p:sld xmlns:a="http://schemas.openxmlformats.org/drawingml/2006/main" xmlns:r="http://schemas.openxmlformats.org/officeDocument/2006/relationships" xmlns:p="http://schemas.openxmlformats.org/presentationml/2006/main">
-  <p:cSld>
-    <p:spTree>
-      <p:nvGrpSpPr>
-        <p:cNvPr id="1" name=""/>
-        <p:cNvGrpSpPr/>
-        <p:nvPr/>
-      </p:nvGrpSpPr>
-      <p:grpSpPr>
-        <a:xfrm>
-          <a:off x="0" y="0"/>
-          <a:ext cx="0" cy="0"/>
-          <a:chOff x="0" y="0"/>
-          <a:chExt cx="0" cy="0"/>
-        </a:xfrm>
-      </p:grpSpPr>
-      <p:sp>
-        <p:nvSpPr>
-          <p:cNvPr id="2" name="Title 1">
-            <a:extLst>
-              <a:ext uri="{FF2B5EF4-FFF2-40B4-BE49-F238E27FC236}">
-                <a16:creationId xmlns:a16="http://schemas.microsoft.com/office/drawing/2014/main" id="{220A06A0-ED2A-5E47-9B42-A4413DBD8E1D}"/>
-              </a:ext>
-            </a:extLst>
-          </p:cNvPr>
-          <p:cNvSpPr>
-            <a:spLocks noGrp="1"/>
-          </p:cNvSpPr>
-          <p:nvPr>
-            <p:ph type="title"/>
-          </p:nvPr>
-        </p:nvSpPr>
-        <p:spPr>
-          <a:xfrm>
-            <a:off x="76200" y="-76200"/>
-            <a:ext cx="8229600" cy="944562"/>
-          </a:xfrm>
-        </p:spPr>
-        <p:txBody>
-          <a:bodyPr>
-            <a:normAutofit/>
-          </a:bodyPr>
-          <a:lstStyle/>
-          <a:p>
-            <a:r>
-              <a:rPr lang="en-US" dirty="0"/>
-              <a:t>Cow Growth Data-Plot Mean/SE</a:t>
-            </a:r>
-          </a:p>
-        </p:txBody>
-      </p:sp>
-      <p:sp>
-        <p:nvSpPr>
-          <p:cNvPr id="3" name="Content Placeholder 2">
-            <a:extLst>
-              <a:ext uri="{FF2B5EF4-FFF2-40B4-BE49-F238E27FC236}">
-                <a16:creationId xmlns:a16="http://schemas.microsoft.com/office/drawing/2014/main" id="{580BAAD4-5F8C-714C-9AA1-D05A1DA2F419}"/>
-              </a:ext>
-            </a:extLst>
-          </p:cNvPr>
-          <p:cNvSpPr>
-            <a:spLocks noGrp="1"/>
-          </p:cNvSpPr>
-          <p:nvPr>
-            <p:ph idx="1"/>
-          </p:nvPr>
-        </p:nvSpPr>
-        <p:spPr>
-          <a:xfrm>
-            <a:off x="457200" y="1020762"/>
-            <a:ext cx="8610600" cy="5532438"/>
-          </a:xfrm>
-        </p:spPr>
-        <p:txBody>
-          <a:bodyPr>
-            <a:normAutofit/>
-          </a:bodyPr>
-          <a:lstStyle/>
-          <a:p>
-            <a:r>
-              <a:rPr lang="en-US" dirty="0"/>
-              <a:t>With this summary table, we can now add three layers to the figure: points, lines, and error bars.</a:t>
-            </a:r>
-          </a:p>
-          <a:p>
-            <a:endParaRPr lang="en-US" dirty="0"/>
-          </a:p>
-          <a:p>
-            <a:r>
-              <a:rPr lang="en-US" dirty="0"/>
-              <a:t>To do this, we introduce </a:t>
-            </a:r>
-            <a:r>
-              <a:rPr lang="en-US" dirty="0" err="1">
-                <a:solidFill>
-                  <a:srgbClr val="C00000"/>
-                </a:solidFill>
-              </a:rPr>
-              <a:t>geom_errorbar</a:t>
-            </a:r>
-            <a:r>
-              <a:rPr lang="en-US" dirty="0"/>
-              <a:t>(), which has its own aesthetics: the lower and upper limits of the vertical lines that we call error bars. </a:t>
-            </a:r>
-          </a:p>
-          <a:p>
-            <a:endParaRPr lang="en-US" dirty="0"/>
-          </a:p>
-          <a:p>
-            <a:r>
-              <a:rPr lang="en-US" dirty="0"/>
-              <a:t>These limits are called </a:t>
-            </a:r>
-            <a:r>
-              <a:rPr lang="en-US" dirty="0" err="1">
-                <a:solidFill>
-                  <a:srgbClr val="0432FF"/>
-                </a:solidFill>
-              </a:rPr>
-              <a:t>ymin</a:t>
-            </a:r>
-            <a:r>
-              <a:rPr lang="en-US" dirty="0"/>
-              <a:t> and </a:t>
-            </a:r>
-            <a:r>
-              <a:rPr lang="en-US" dirty="0" err="1">
-                <a:solidFill>
-                  <a:srgbClr val="0432FF"/>
-                </a:solidFill>
-              </a:rPr>
-              <a:t>ymax</a:t>
-            </a:r>
-            <a:r>
-              <a:rPr lang="en-US" dirty="0"/>
-              <a:t>. </a:t>
-            </a:r>
-          </a:p>
-          <a:p>
-            <a:endParaRPr lang="en-US" dirty="0"/>
-          </a:p>
-          <a:p>
-            <a:r>
-              <a:rPr lang="en-US" dirty="0"/>
-              <a:t>Each vertical line is made by placing a line between these limits, passing through </a:t>
-            </a:r>
-            <a:r>
-              <a:rPr lang="en-US" dirty="0" err="1"/>
-              <a:t>meanGrow</a:t>
-            </a:r>
-            <a:r>
-              <a:rPr lang="en-US" dirty="0"/>
-              <a:t>.</a:t>
-            </a:r>
-          </a:p>
-        </p:txBody>
-      </p:sp>
-    </p:spTree>
-    <p:extLst>
-      <p:ext uri="{BB962C8B-B14F-4D97-AF65-F5344CB8AC3E}">
-        <p14:creationId xmlns:p14="http://schemas.microsoft.com/office/powerpoint/2010/main" val="3853319851"/>
-      </p:ext>
-    </p:extLst>
-  </p:cSld>
-  <p:clrMapOvr>
-    <a:masterClrMapping/>
-  </p:clrMapOvr>
-</p:sld>
-</file>
-
-<file path=ppt/slides/slide21.xml><?xml version="1.0" encoding="utf-8"?>
 <p:sld xmlns:a="http://schemas.openxmlformats.org/drawingml/2006/main" xmlns:r="http://schemas.openxmlformats.org/officeDocument/2006/relationships" xmlns:p="http://schemas.openxmlformats.org/presentationml/2006/main">
   <p:cSld>
     <p:spTree>
@@ -10134,7 +9746,7 @@
 </p:sld>
 </file>
 
-<file path=ppt/slides/slide22.xml><?xml version="1.0" encoding="utf-8"?>
+<file path=ppt/slides/slide21.xml><?xml version="1.0" encoding="utf-8"?>
 <p:sld xmlns:a="http://schemas.openxmlformats.org/drawingml/2006/main" xmlns:r="http://schemas.openxmlformats.org/officeDocument/2006/relationships" xmlns:p="http://schemas.openxmlformats.org/presentationml/2006/main">
   <p:cSld>
     <p:bg>
@@ -10262,7 +9874,7 @@
 </p:sld>
 </file>
 
-<file path=ppt/slides/slide23.xml><?xml version="1.0" encoding="utf-8"?>
+<file path=ppt/slides/slide22.xml><?xml version="1.0" encoding="utf-8"?>
 <p:sld xmlns:a="http://schemas.openxmlformats.org/drawingml/2006/main" xmlns:r="http://schemas.openxmlformats.org/officeDocument/2006/relationships" xmlns:p="http://schemas.openxmlformats.org/presentationml/2006/main">
   <p:cSld>
     <p:spTree>
@@ -10716,12 +10328,28 @@
               <a:t>You’d say there is no </a:t>
             </a:r>
             <a:r>
-              <a:rPr lang="en-US" i="1" dirty="0"/>
+              <a:rPr lang="en-US" i="1" dirty="0">
+                <a:solidFill>
+                  <a:srgbClr val="0432FF"/>
+                </a:solidFill>
+              </a:rPr>
               <a:t>overall</a:t>
             </a:r>
             <a:r>
               <a:rPr lang="en-US" dirty="0"/>
-              <a:t> effect of either Factor A or Factor B, but there is an interaction.</a:t>
+              <a:t> effect of either Factor A or Factor B, but there is an </a:t>
+            </a:r>
+            <a:r>
+              <a:rPr lang="en-US" i="1" dirty="0">
+                <a:solidFill>
+                  <a:srgbClr val="0432FF"/>
+                </a:solidFill>
+              </a:rPr>
+              <a:t>interaction</a:t>
+            </a:r>
+            <a:r>
+              <a:rPr lang="en-US" dirty="0"/>
+              <a:t>.</a:t>
             </a:r>
           </a:p>
           <a:p>
@@ -10730,7 +10358,7 @@
           <a:p>
             <a:r>
               <a:rPr lang="en-US" dirty="0"/>
-              <a:t>The effect of B on the response variable is opposite, depending on the value of Factor A.</a:t>
+              <a:t>The effect of B on the response variable is opposite, depending on the value of Factor A. (contingent inference; depends on…)</a:t>
             </a:r>
           </a:p>
         </p:txBody>
@@ -10783,19 +10411,26 @@
         </p:nvSpPr>
         <p:spPr>
           <a:xfrm>
-            <a:off x="457200" y="76200"/>
-            <a:ext cx="8229600" cy="944562"/>
+            <a:off x="457200" y="685800"/>
+            <a:ext cx="2743200" cy="838200"/>
           </a:xfrm>
         </p:spPr>
         <p:txBody>
           <a:bodyPr>
-            <a:normAutofit/>
+            <a:normAutofit fontScale="90000"/>
           </a:bodyPr>
           <a:lstStyle/>
           <a:p>
             <a:r>
               <a:rPr lang="en-US" dirty="0"/>
-              <a:t>Cow Growth Data</a:t>
+              <a:t>Cow Growth </a:t>
+            </a:r>
+            <a:br>
+              <a:rPr lang="en-US" dirty="0"/>
+            </a:br>
+            <a:r>
+              <a:rPr lang="en-US" dirty="0"/>
+              <a:t>Data</a:t>
             </a:r>
           </a:p>
         </p:txBody>
@@ -10878,7 +10513,7 @@
             </a:r>
             <a:r>
               <a:rPr lang="en-US" dirty="0"/>
-              <a:t>. </a:t>
+              <a:t>. (balanced)</a:t>
             </a:r>
           </a:p>
           <a:p>
@@ -10924,8 +10559,8 @@
         </p:blipFill>
         <p:spPr bwMode="auto">
           <a:xfrm>
-            <a:off x="2743200" y="914400"/>
-            <a:ext cx="3124200" cy="1355958"/>
+            <a:off x="3429000" y="152400"/>
+            <a:ext cx="4915929" cy="2133600"/>
           </a:xfrm>
           <a:prstGeom prst="rect">
             <a:avLst/>
@@ -11214,6 +10849,9 @@
             <a:endParaRPr lang="en-US" dirty="0"/>
           </a:p>
           <a:p>
+            <a:pPr marL="0" indent="0">
+              <a:buNone/>
+            </a:pPr>
             <a:r>
               <a:rPr lang="en-US" dirty="0"/>
               <a:t>One of the things we can immediately see is that the supplements include a control level, but the </a:t>

--- a/6-2Way_ANOVA.pptx
+++ b/6-2Way_ANOVA.pptx
@@ -5,7 +5,7 @@
     <p:sldMasterId id="2147483648" r:id="rId1"/>
   </p:sldMasterIdLst>
   <p:notesMasterIdLst>
-    <p:notesMasterId r:id="rId24"/>
+    <p:notesMasterId r:id="rId23"/>
   </p:notesMasterIdLst>
   <p:sldIdLst>
     <p:sldId id="256" r:id="rId2"/>
@@ -21,15 +21,14 @@
     <p:sldId id="464" r:id="rId12"/>
     <p:sldId id="465" r:id="rId13"/>
     <p:sldId id="466" r:id="rId14"/>
-    <p:sldId id="467" r:id="rId15"/>
-    <p:sldId id="468" r:id="rId16"/>
-    <p:sldId id="469" r:id="rId17"/>
-    <p:sldId id="470" r:id="rId18"/>
-    <p:sldId id="471" r:id="rId19"/>
-    <p:sldId id="472" r:id="rId20"/>
-    <p:sldId id="473" r:id="rId21"/>
-    <p:sldId id="475" r:id="rId22"/>
-    <p:sldId id="474" r:id="rId23"/>
+    <p:sldId id="468" r:id="rId15"/>
+    <p:sldId id="469" r:id="rId16"/>
+    <p:sldId id="470" r:id="rId17"/>
+    <p:sldId id="471" r:id="rId18"/>
+    <p:sldId id="472" r:id="rId19"/>
+    <p:sldId id="473" r:id="rId20"/>
+    <p:sldId id="475" r:id="rId21"/>
+    <p:sldId id="474" r:id="rId22"/>
   </p:sldIdLst>
   <p:sldSz cx="9144000" cy="6858000" type="screen4x3"/>
   <p:notesSz cx="6858000" cy="9144000"/>
@@ -229,7 +228,7 @@
           <a:p>
             <a:fld id="{6E40E0DB-E81D-7C41-8DEB-979E499DB144}" type="datetimeFigureOut">
               <a:rPr lang="en-US" smtClean="0"/>
-              <a:t>11/9/20</a:t>
+              <a:t>11/3/21</a:t>
             </a:fld>
             <a:endParaRPr lang="en-US"/>
           </a:p>
@@ -906,7 +905,7 @@
     </p:spTree>
     <p:extLst>
       <p:ext uri="{BB962C8B-B14F-4D97-AF65-F5344CB8AC3E}">
-        <p14:creationId xmlns:p14="http://schemas.microsoft.com/office/powerpoint/2010/main" val="3437371803"/>
+        <p14:creationId xmlns:p14="http://schemas.microsoft.com/office/powerpoint/2010/main" val="2438609050"/>
       </p:ext>
     </p:extLst>
   </p:cSld>
@@ -990,7 +989,7 @@
     </p:spTree>
     <p:extLst>
       <p:ext uri="{BB962C8B-B14F-4D97-AF65-F5344CB8AC3E}">
-        <p14:creationId xmlns:p14="http://schemas.microsoft.com/office/powerpoint/2010/main" val="2438609050"/>
+        <p14:creationId xmlns:p14="http://schemas.microsoft.com/office/powerpoint/2010/main" val="1598582510"/>
       </p:ext>
     </p:extLst>
   </p:cSld>
@@ -1074,7 +1073,7 @@
     </p:spTree>
     <p:extLst>
       <p:ext uri="{BB962C8B-B14F-4D97-AF65-F5344CB8AC3E}">
-        <p14:creationId xmlns:p14="http://schemas.microsoft.com/office/powerpoint/2010/main" val="1598582510"/>
+        <p14:creationId xmlns:p14="http://schemas.microsoft.com/office/powerpoint/2010/main" val="2474379329"/>
       </p:ext>
     </p:extLst>
   </p:cSld>
@@ -1158,7 +1157,7 @@
     </p:spTree>
     <p:extLst>
       <p:ext uri="{BB962C8B-B14F-4D97-AF65-F5344CB8AC3E}">
-        <p14:creationId xmlns:p14="http://schemas.microsoft.com/office/powerpoint/2010/main" val="2474379329"/>
+        <p14:creationId xmlns:p14="http://schemas.microsoft.com/office/powerpoint/2010/main" val="743019849"/>
       </p:ext>
     </p:extLst>
   </p:cSld>
@@ -1242,7 +1241,7 @@
     </p:spTree>
     <p:extLst>
       <p:ext uri="{BB962C8B-B14F-4D97-AF65-F5344CB8AC3E}">
-        <p14:creationId xmlns:p14="http://schemas.microsoft.com/office/powerpoint/2010/main" val="743019849"/>
+        <p14:creationId xmlns:p14="http://schemas.microsoft.com/office/powerpoint/2010/main" val="542027498"/>
       </p:ext>
     </p:extLst>
   </p:cSld>
@@ -1326,7 +1325,7 @@
     </p:spTree>
     <p:extLst>
       <p:ext uri="{BB962C8B-B14F-4D97-AF65-F5344CB8AC3E}">
-        <p14:creationId xmlns:p14="http://schemas.microsoft.com/office/powerpoint/2010/main" val="542027498"/>
+        <p14:creationId xmlns:p14="http://schemas.microsoft.com/office/powerpoint/2010/main" val="3122561233"/>
       </p:ext>
     </p:extLst>
   </p:cSld>
@@ -1380,6 +1379,44 @@
           <a:bodyPr/>
           <a:lstStyle/>
           <a:p>
+            <a:r>
+              <a:rPr lang="en-US" dirty="0"/>
+              <a:t>Interaction </a:t>
+            </a:r>
+            <a:r>
+              <a:rPr lang="en-US"/>
+              <a:t>contrasts: </a:t>
+            </a:r>
+          </a:p>
+          <a:p>
+            <a:r>
+              <a:rPr lang="en-US"/>
+              <a:t>https</a:t>
+            </a:r>
+            <a:r>
+              <a:rPr lang="en-US" dirty="0"/>
+              <a:t>://</a:t>
+            </a:r>
+            <a:r>
+              <a:rPr lang="en-US" dirty="0" err="1"/>
+              <a:t>cran.r-project.org</a:t>
+            </a:r>
+            <a:r>
+              <a:rPr lang="en-US" dirty="0"/>
+              <a:t>/web/packages/</a:t>
+            </a:r>
+            <a:r>
+              <a:rPr lang="en-US" dirty="0" err="1"/>
+              <a:t>emmeans</a:t>
+            </a:r>
+            <a:r>
+              <a:rPr lang="en-US" dirty="0"/>
+              <a:t>/vignettes/</a:t>
+            </a:r>
+            <a:r>
+              <a:rPr lang="en-US" dirty="0" err="1"/>
+              <a:t>interactions.html</a:t>
+            </a:r>
             <a:endParaRPr lang="en-US" dirty="0"/>
           </a:p>
         </p:txBody>
@@ -1410,7 +1447,7 @@
     </p:spTree>
     <p:extLst>
       <p:ext uri="{BB962C8B-B14F-4D97-AF65-F5344CB8AC3E}">
-        <p14:creationId xmlns:p14="http://schemas.microsoft.com/office/powerpoint/2010/main" val="3122561233"/>
+        <p14:creationId xmlns:p14="http://schemas.microsoft.com/office/powerpoint/2010/main" val="830884663"/>
       </p:ext>
     </p:extLst>
   </p:cSld>
@@ -1495,128 +1532,6 @@
     <p:extLst>
       <p:ext uri="{BB962C8B-B14F-4D97-AF65-F5344CB8AC3E}">
         <p14:creationId xmlns:p14="http://schemas.microsoft.com/office/powerpoint/2010/main" val="1537856028"/>
-      </p:ext>
-    </p:extLst>
-  </p:cSld>
-  <p:clrMapOvr>
-    <a:masterClrMapping/>
-  </p:clrMapOvr>
-</p:notes>
-</file>
-
-<file path=ppt/notesSlides/notesSlide20.xml><?xml version="1.0" encoding="utf-8"?>
-<p:notes xmlns:a="http://schemas.openxmlformats.org/drawingml/2006/main" xmlns:r="http://schemas.openxmlformats.org/officeDocument/2006/relationships" xmlns:p="http://schemas.openxmlformats.org/presentationml/2006/main">
-  <p:cSld>
-    <p:spTree>
-      <p:nvGrpSpPr>
-        <p:cNvPr id="1" name=""/>
-        <p:cNvGrpSpPr/>
-        <p:nvPr/>
-      </p:nvGrpSpPr>
-      <p:grpSpPr>
-        <a:xfrm>
-          <a:off x="0" y="0"/>
-          <a:ext cx="0" cy="0"/>
-          <a:chOff x="0" y="0"/>
-          <a:chExt cx="0" cy="0"/>
-        </a:xfrm>
-      </p:grpSpPr>
-      <p:sp>
-        <p:nvSpPr>
-          <p:cNvPr id="2" name="Slide Image Placeholder 1"/>
-          <p:cNvSpPr>
-            <a:spLocks noGrp="1" noRot="1" noChangeAspect="1"/>
-          </p:cNvSpPr>
-          <p:nvPr>
-            <p:ph type="sldImg"/>
-          </p:nvPr>
-        </p:nvSpPr>
-        <p:spPr/>
-      </p:sp>
-      <p:sp>
-        <p:nvSpPr>
-          <p:cNvPr id="3" name="Notes Placeholder 2"/>
-          <p:cNvSpPr>
-            <a:spLocks noGrp="1"/>
-          </p:cNvSpPr>
-          <p:nvPr>
-            <p:ph type="body" idx="1"/>
-          </p:nvPr>
-        </p:nvSpPr>
-        <p:spPr/>
-        <p:txBody>
-          <a:bodyPr/>
-          <a:lstStyle/>
-          <a:p>
-            <a:r>
-              <a:rPr lang="en-US" dirty="0"/>
-              <a:t>Interaction </a:t>
-            </a:r>
-            <a:r>
-              <a:rPr lang="en-US"/>
-              <a:t>contrasts: </a:t>
-            </a:r>
-          </a:p>
-          <a:p>
-            <a:r>
-              <a:rPr lang="en-US"/>
-              <a:t>https</a:t>
-            </a:r>
-            <a:r>
-              <a:rPr lang="en-US" dirty="0"/>
-              <a:t>://</a:t>
-            </a:r>
-            <a:r>
-              <a:rPr lang="en-US" dirty="0" err="1"/>
-              <a:t>cran.r-project.org</a:t>
-            </a:r>
-            <a:r>
-              <a:rPr lang="en-US" dirty="0"/>
-              <a:t>/web/packages/</a:t>
-            </a:r>
-            <a:r>
-              <a:rPr lang="en-US" dirty="0" err="1"/>
-              <a:t>emmeans</a:t>
-            </a:r>
-            <a:r>
-              <a:rPr lang="en-US" dirty="0"/>
-              <a:t>/vignettes/</a:t>
-            </a:r>
-            <a:r>
-              <a:rPr lang="en-US" dirty="0" err="1"/>
-              <a:t>interactions.html</a:t>
-            </a:r>
-            <a:endParaRPr lang="en-US" dirty="0"/>
-          </a:p>
-        </p:txBody>
-      </p:sp>
-      <p:sp>
-        <p:nvSpPr>
-          <p:cNvPr id="4" name="Slide Number Placeholder 3"/>
-          <p:cNvSpPr>
-            <a:spLocks noGrp="1"/>
-          </p:cNvSpPr>
-          <p:nvPr>
-            <p:ph type="sldNum" sz="quarter" idx="5"/>
-          </p:nvPr>
-        </p:nvSpPr>
-        <p:spPr/>
-        <p:txBody>
-          <a:bodyPr/>
-          <a:lstStyle/>
-          <a:p>
-            <a:fld id="{6B353BC0-57FA-2A49-8AE7-55F575BF1FEE}" type="slidenum">
-              <a:rPr lang="en-US" smtClean="0"/>
-              <a:t>21</a:t>
-            </a:fld>
-            <a:endParaRPr lang="en-US"/>
-          </a:p>
-        </p:txBody>
-      </p:sp>
-    </p:spTree>
-    <p:extLst>
-      <p:ext uri="{BB962C8B-B14F-4D97-AF65-F5344CB8AC3E}">
-        <p14:creationId xmlns:p14="http://schemas.microsoft.com/office/powerpoint/2010/main" val="830884663"/>
       </p:ext>
     </p:extLst>
   </p:cSld>
@@ -2393,7 +2308,7 @@
           <a:p>
             <a:fld id="{0D162873-51CE-49DA-B98E-BAD067B56C8D}" type="datetimeFigureOut">
               <a:rPr lang="en-US" smtClean="0"/>
-              <a:t>11/9/20</a:t>
+              <a:t>11/3/21</a:t>
             </a:fld>
             <a:endParaRPr lang="en-US"/>
           </a:p>
@@ -2561,7 +2476,7 @@
           <a:p>
             <a:fld id="{0D162873-51CE-49DA-B98E-BAD067B56C8D}" type="datetimeFigureOut">
               <a:rPr lang="en-US" smtClean="0"/>
-              <a:t>11/9/20</a:t>
+              <a:t>11/3/21</a:t>
             </a:fld>
             <a:endParaRPr lang="en-US"/>
           </a:p>
@@ -2739,7 +2654,7 @@
           <a:p>
             <a:fld id="{0D162873-51CE-49DA-B98E-BAD067B56C8D}" type="datetimeFigureOut">
               <a:rPr lang="en-US" smtClean="0"/>
-              <a:t>11/9/20</a:t>
+              <a:t>11/3/21</a:t>
             </a:fld>
             <a:endParaRPr lang="en-US"/>
           </a:p>
@@ -3119,7 +3034,7 @@
           <a:p>
             <a:fld id="{0D162873-51CE-49DA-B98E-BAD067B56C8D}" type="datetimeFigureOut">
               <a:rPr lang="en-US" smtClean="0"/>
-              <a:t>11/9/20</a:t>
+              <a:t>11/3/21</a:t>
             </a:fld>
             <a:endParaRPr lang="en-US"/>
           </a:p>
@@ -3404,7 +3319,7 @@
           <a:p>
             <a:fld id="{0D162873-51CE-49DA-B98E-BAD067B56C8D}" type="datetimeFigureOut">
               <a:rPr lang="en-US" smtClean="0"/>
-              <a:t>11/9/20</a:t>
+              <a:t>11/3/21</a:t>
             </a:fld>
             <a:endParaRPr lang="en-US"/>
           </a:p>
@@ -3823,7 +3738,7 @@
           <a:p>
             <a:fld id="{0D162873-51CE-49DA-B98E-BAD067B56C8D}" type="datetimeFigureOut">
               <a:rPr lang="en-US" smtClean="0"/>
-              <a:t>11/9/20</a:t>
+              <a:t>11/3/21</a:t>
             </a:fld>
             <a:endParaRPr lang="en-US"/>
           </a:p>
@@ -3940,7 +3855,7 @@
           <a:p>
             <a:fld id="{0D162873-51CE-49DA-B98E-BAD067B56C8D}" type="datetimeFigureOut">
               <a:rPr lang="en-US" smtClean="0"/>
-              <a:t>11/9/20</a:t>
+              <a:t>11/3/21</a:t>
             </a:fld>
             <a:endParaRPr lang="en-US"/>
           </a:p>
@@ -4035,7 +3950,7 @@
           <a:p>
             <a:fld id="{0D162873-51CE-49DA-B98E-BAD067B56C8D}" type="datetimeFigureOut">
               <a:rPr lang="en-US" smtClean="0"/>
-              <a:t>11/9/20</a:t>
+              <a:t>11/3/21</a:t>
             </a:fld>
             <a:endParaRPr lang="en-US"/>
           </a:p>
@@ -4310,7 +4225,7 @@
           <a:p>
             <a:fld id="{0D162873-51CE-49DA-B98E-BAD067B56C8D}" type="datetimeFigureOut">
               <a:rPr lang="en-US" smtClean="0"/>
-              <a:t>11/9/20</a:t>
+              <a:t>11/3/21</a:t>
             </a:fld>
             <a:endParaRPr lang="en-US"/>
           </a:p>
@@ -4562,7 +4477,7 @@
           <a:p>
             <a:fld id="{0D162873-51CE-49DA-B98E-BAD067B56C8D}" type="datetimeFigureOut">
               <a:rPr lang="en-US" smtClean="0"/>
-              <a:t>11/9/20</a:t>
+              <a:t>11/3/21</a:t>
             </a:fld>
             <a:endParaRPr lang="en-US"/>
           </a:p>
@@ -4773,7 +4688,7 @@
           <a:p>
             <a:fld id="{0D162873-51CE-49DA-B98E-BAD067B56C8D}" type="datetimeFigureOut">
               <a:rPr lang="en-US" smtClean="0"/>
-              <a:t>11/9/20</a:t>
+              <a:t>11/3/21</a:t>
             </a:fld>
             <a:endParaRPr lang="en-US"/>
           </a:p>
@@ -7019,15 +6934,7 @@
           <a:p>
             <a:r>
               <a:rPr lang="en-US" dirty="0"/>
-              <a:t>Cow Growth Data-</a:t>
-            </a:r>
-            <a:r>
-              <a:rPr lang="en-US" dirty="0" err="1"/>
-              <a:t>Anova</a:t>
-            </a:r>
-            <a:r>
-              <a:rPr lang="en-US" dirty="0"/>
-              <a:t> Table</a:t>
+              <a:t>Cow Growth Data</a:t>
             </a:r>
           </a:p>
         </p:txBody>
@@ -7059,55 +6966,6 @@
             <a:normAutofit/>
           </a:bodyPr>
           <a:lstStyle/>
-          <a:p>
-            <a:pPr marL="0" indent="0">
-              <a:buNone/>
-            </a:pPr>
-            <a:r>
-              <a:rPr lang="en-US" dirty="0" err="1">
-                <a:solidFill>
-                  <a:srgbClr val="C00000"/>
-                </a:solidFill>
-              </a:rPr>
-              <a:t>anova</a:t>
-            </a:r>
-            <a:r>
-              <a:rPr lang="en-US" dirty="0"/>
-              <a:t>(</a:t>
-            </a:r>
-            <a:r>
-              <a:rPr lang="en-US" dirty="0" err="1"/>
-              <a:t>model_cow</a:t>
-            </a:r>
-            <a:r>
-              <a:rPr lang="en-US" dirty="0"/>
-              <a:t>)</a:t>
-            </a:r>
-          </a:p>
-          <a:p>
-            <a:pPr marL="0" indent="0">
-              <a:buNone/>
-            </a:pPr>
-            <a:endParaRPr lang="en-US" dirty="0"/>
-          </a:p>
-          <a:p>
-            <a:pPr marL="0" indent="0">
-              <a:buNone/>
-            </a:pPr>
-            <a:r>
-              <a:rPr lang="en-US" dirty="0"/>
-              <a:t>## Analysis of Variance Table</a:t>
-            </a:r>
-          </a:p>
-          <a:p>
-            <a:pPr marL="0" indent="0">
-              <a:buNone/>
-            </a:pPr>
-            <a:r>
-              <a:rPr lang="en-US" dirty="0"/>
-              <a:t>##</a:t>
-            </a:r>
-          </a:p>
           <a:p>
             <a:pPr marL="0" indent="0">
               <a:buNone/>
@@ -7235,8 +7093,8 @@
         </p:nvSpPr>
         <p:spPr>
           <a:xfrm>
-            <a:off x="975149" y="5634335"/>
-            <a:ext cx="7574702" cy="923330"/>
+            <a:off x="685800" y="3446336"/>
+            <a:ext cx="8431732" cy="2031325"/>
           </a:xfrm>
           <a:prstGeom prst="rect">
             <a:avLst/>
@@ -7256,46 +7114,133 @@
           <a:p>
             <a:r>
               <a:rPr lang="en-US" dirty="0"/>
+              <a:t>Usually remind the audience of the hypothesis and </a:t>
+            </a:r>
+            <a:r>
+              <a:rPr lang="en-US" dirty="0">
+                <a:solidFill>
+                  <a:srgbClr val="0432FF"/>
+                </a:solidFill>
+              </a:rPr>
+              <a:t>state the main effects first</a:t>
+            </a:r>
+            <a:r>
+              <a:rPr lang="en-US" dirty="0"/>
+              <a:t>:</a:t>
+            </a:r>
+          </a:p>
+          <a:p>
+            <a:endParaRPr lang="en-US" dirty="0"/>
+          </a:p>
+          <a:p>
+            <a:r>
+              <a:rPr lang="en-US" dirty="0"/>
               <a:t>“We tested the hypothesis that the effect of diet supplement on bovine weight</a:t>
             </a:r>
           </a:p>
           <a:p>
             <a:r>
               <a:rPr lang="en-US" dirty="0"/>
-              <a:t>gain depended on cereal diet. We found no evidence to support the presence</a:t>
-            </a:r>
-          </a:p>
-          <a:p>
-            <a:r>
-              <a:rPr lang="en-US" dirty="0"/>
-              <a:t>of an interaction between diet and supplement (F = 0.33; df = 6, 36; p = 0.92).”</a:t>
+              <a:t>gain depended on cereal diet. We found an influence of diet (F = 83.5; df = 2,36; </a:t>
+            </a:r>
+          </a:p>
+          <a:p>
+            <a:r>
+              <a:rPr lang="en-US" dirty="0"/>
+              <a:t>P &lt; 0.0001) and supplement type (F = 17.8; df = 3,36; P &lt; 0.0001) on bovine weight gain.</a:t>
+            </a:r>
+          </a:p>
+          <a:p>
+            <a:r>
+              <a:rPr lang="en-US" dirty="0"/>
+              <a:t>We found no evidence to support the presence of an interaction between diet and </a:t>
+            </a:r>
+          </a:p>
+          <a:p>
+            <a:r>
+              <a:rPr lang="en-US" dirty="0"/>
+              <a:t>supplement (F = 0.33; df = 6, 36; p = 0.92).” [</a:t>
+            </a:r>
+            <a:r>
+              <a:rPr lang="en-US" dirty="0">
+                <a:solidFill>
+                  <a:srgbClr val="0432FF"/>
+                </a:solidFill>
+              </a:rPr>
+              <a:t>state the interaction effects last]</a:t>
+            </a:r>
+            <a:endParaRPr lang="en-US" dirty="0"/>
+          </a:p>
+        </p:txBody>
+      </p:sp>
+      <p:sp>
+        <p:nvSpPr>
+          <p:cNvPr id="4" name="TextBox 3">
+            <a:extLst>
+              <a:ext uri="{FF2B5EF4-FFF2-40B4-BE49-F238E27FC236}">
+                <a16:creationId xmlns:a16="http://schemas.microsoft.com/office/drawing/2014/main" id="{66DC9E9F-45E5-BC4D-92C8-197E78C24644}"/>
+              </a:ext>
+            </a:extLst>
+          </p:cNvPr>
+          <p:cNvSpPr txBox="1"/>
+          <p:nvPr/>
+        </p:nvSpPr>
+        <p:spPr>
+          <a:xfrm>
+            <a:off x="685800" y="5715000"/>
+            <a:ext cx="8184676" cy="646331"/>
+          </a:xfrm>
+          <a:prstGeom prst="rect">
+            <a:avLst/>
+          </a:prstGeom>
+          <a:noFill/>
+          <a:ln>
+            <a:solidFill>
+              <a:srgbClr val="0432FF"/>
+            </a:solidFill>
+          </a:ln>
+        </p:spPr>
+        <p:txBody>
+          <a:bodyPr wrap="none" rtlCol="0">
+            <a:spAutoFit/>
+          </a:bodyPr>
+          <a:lstStyle/>
+          <a:p>
+            <a:r>
+              <a:rPr lang="en-US" dirty="0"/>
+              <a:t>Also notice I tried hard to avoid using the word ‘significant’; forces you to focus more </a:t>
+            </a:r>
+          </a:p>
+          <a:p>
+            <a:r>
+              <a:rPr lang="en-US" dirty="0"/>
+              <a:t>on the effect size (biology) rather than statistical significance. </a:t>
             </a:r>
           </a:p>
         </p:txBody>
       </p:sp>
       <p:cxnSp>
         <p:nvCxnSpPr>
-          <p:cNvPr id="8" name="Elbow Connector 7">
+          <p:cNvPr id="7" name="Elbow Connector 6">
             <a:extLst>
               <a:ext uri="{FF2B5EF4-FFF2-40B4-BE49-F238E27FC236}">
-                <a16:creationId xmlns:a16="http://schemas.microsoft.com/office/drawing/2014/main" id="{BCC41F91-6055-5D4A-9740-85A4AB086AC0}"/>
+                <a16:creationId xmlns:a16="http://schemas.microsoft.com/office/drawing/2014/main" id="{55E2CCC3-78EA-DE4F-A4BC-51CE5CEB2E8E}"/>
               </a:ext>
             </a:extLst>
           </p:cNvPr>
           <p:cNvCxnSpPr>
             <a:cxnSpLocks/>
-            <a:stCxn id="6" idx="3"/>
           </p:cNvCxnSpPr>
           <p:nvPr/>
         </p:nvCxnSpPr>
         <p:spPr>
           <a:xfrm flipH="1" flipV="1">
-            <a:off x="7756951" y="4114800"/>
-            <a:ext cx="792900" cy="1981200"/>
+            <a:off x="7649258" y="2133600"/>
+            <a:ext cx="792900" cy="3200400"/>
           </a:xfrm>
           <a:prstGeom prst="bentConnector4">
             <a:avLst>
-              <a:gd name="adj1" fmla="val -28831"/>
+              <a:gd name="adj1" fmla="val -70370"/>
               <a:gd name="adj2" fmla="val 100192"/>
             </a:avLst>
           </a:prstGeom>
@@ -7324,7 +7269,7 @@
     </p:spTree>
     <p:extLst>
       <p:ext uri="{BB962C8B-B14F-4D97-AF65-F5344CB8AC3E}">
-        <p14:creationId xmlns:p14="http://schemas.microsoft.com/office/powerpoint/2010/main" val="3114721097"/>
+        <p14:creationId xmlns:p14="http://schemas.microsoft.com/office/powerpoint/2010/main" val="767725472"/>
       </p:ext>
     </p:extLst>
   </p:cSld>
@@ -7335,334 +7280,6 @@
 </file>
 
 <file path=ppt/slides/slide15.xml><?xml version="1.0" encoding="utf-8"?>
-<p:sld xmlns:a="http://schemas.openxmlformats.org/drawingml/2006/main" xmlns:r="http://schemas.openxmlformats.org/officeDocument/2006/relationships" xmlns:p="http://schemas.openxmlformats.org/presentationml/2006/main">
-  <p:cSld>
-    <p:spTree>
-      <p:nvGrpSpPr>
-        <p:cNvPr id="1" name=""/>
-        <p:cNvGrpSpPr/>
-        <p:nvPr/>
-      </p:nvGrpSpPr>
-      <p:grpSpPr>
-        <a:xfrm>
-          <a:off x="0" y="0"/>
-          <a:ext cx="0" cy="0"/>
-          <a:chOff x="0" y="0"/>
-          <a:chExt cx="0" cy="0"/>
-        </a:xfrm>
-      </p:grpSpPr>
-      <p:sp>
-        <p:nvSpPr>
-          <p:cNvPr id="2" name="Title 1">
-            <a:extLst>
-              <a:ext uri="{FF2B5EF4-FFF2-40B4-BE49-F238E27FC236}">
-                <a16:creationId xmlns:a16="http://schemas.microsoft.com/office/drawing/2014/main" id="{220A06A0-ED2A-5E47-9B42-A4413DBD8E1D}"/>
-              </a:ext>
-            </a:extLst>
-          </p:cNvPr>
-          <p:cNvSpPr>
-            <a:spLocks noGrp="1"/>
-          </p:cNvSpPr>
-          <p:nvPr>
-            <p:ph type="title"/>
-          </p:nvPr>
-        </p:nvSpPr>
-        <p:spPr>
-          <a:xfrm>
-            <a:off x="457200" y="76200"/>
-            <a:ext cx="8229600" cy="944562"/>
-          </a:xfrm>
-        </p:spPr>
-        <p:txBody>
-          <a:bodyPr>
-            <a:normAutofit/>
-          </a:bodyPr>
-          <a:lstStyle/>
-          <a:p>
-            <a:r>
-              <a:rPr lang="en-US" dirty="0"/>
-              <a:t>Cow Growth Data</a:t>
-            </a:r>
-          </a:p>
-        </p:txBody>
-      </p:sp>
-      <p:sp>
-        <p:nvSpPr>
-          <p:cNvPr id="3" name="Content Placeholder 2">
-            <a:extLst>
-              <a:ext uri="{FF2B5EF4-FFF2-40B4-BE49-F238E27FC236}">
-                <a16:creationId xmlns:a16="http://schemas.microsoft.com/office/drawing/2014/main" id="{580BAAD4-5F8C-714C-9AA1-D05A1DA2F419}"/>
-              </a:ext>
-            </a:extLst>
-          </p:cNvPr>
-          <p:cNvSpPr>
-            <a:spLocks noGrp="1"/>
-          </p:cNvSpPr>
-          <p:nvPr>
-            <p:ph idx="1"/>
-          </p:nvPr>
-        </p:nvSpPr>
-        <p:spPr>
-          <a:xfrm>
-            <a:off x="457200" y="762000"/>
-            <a:ext cx="8610600" cy="5532438"/>
-          </a:xfrm>
-        </p:spPr>
-        <p:txBody>
-          <a:bodyPr>
-            <a:normAutofit/>
-          </a:bodyPr>
-          <a:lstStyle/>
-          <a:p>
-            <a:pPr marL="0" indent="0">
-              <a:buNone/>
-            </a:pPr>
-            <a:r>
-              <a:rPr lang="en-US" sz="1600" dirty="0"/>
-              <a:t>## Response: gain</a:t>
-            </a:r>
-          </a:p>
-          <a:p>
-            <a:pPr marL="0" indent="0">
-              <a:buNone/>
-            </a:pPr>
-            <a:r>
-              <a:rPr lang="en-US" sz="1600" dirty="0"/>
-              <a:t>## 			Df 	Sum Sq 	Mean Sq 	F value	</a:t>
-            </a:r>
-            <a:r>
-              <a:rPr lang="en-US" sz="1600" dirty="0" err="1"/>
-              <a:t>Pr</a:t>
-            </a:r>
-            <a:r>
-              <a:rPr lang="en-US" sz="1600" dirty="0"/>
-              <a:t>(&gt;F)</a:t>
-            </a:r>
-          </a:p>
-          <a:p>
-            <a:pPr marL="0" indent="0">
-              <a:buNone/>
-            </a:pPr>
-            <a:r>
-              <a:rPr lang="en-US" sz="1600" dirty="0"/>
-              <a:t>## diet 			2 	287.171	143.586 	83.5201 	2.999e-14 ***</a:t>
-            </a:r>
-          </a:p>
-          <a:p>
-            <a:pPr marL="0" indent="0">
-              <a:buNone/>
-            </a:pPr>
-            <a:r>
-              <a:rPr lang="en-US" sz="1600" dirty="0"/>
-              <a:t>## supplement 		3 	91.881	30.627 	17.8150 	2.952e-07 ***</a:t>
-            </a:r>
-          </a:p>
-          <a:p>
-            <a:pPr marL="0" indent="0">
-              <a:buNone/>
-            </a:pPr>
-            <a:r>
-              <a:rPr lang="en-US" sz="1600" dirty="0"/>
-              <a:t>## </a:t>
-            </a:r>
-            <a:r>
-              <a:rPr lang="en-US" sz="1600" dirty="0" err="1"/>
-              <a:t>diet:supplement</a:t>
-            </a:r>
-            <a:r>
-              <a:rPr lang="en-US" sz="1600" dirty="0"/>
-              <a:t> 		6 	3.406	0.568 	0.3302 	0.9166</a:t>
-            </a:r>
-          </a:p>
-          <a:p>
-            <a:pPr marL="0" indent="0">
-              <a:buNone/>
-            </a:pPr>
-            <a:r>
-              <a:rPr lang="en-US" sz="1600" dirty="0"/>
-              <a:t>## Residuals 		36 	61.890	1.719</a:t>
-            </a:r>
-          </a:p>
-          <a:p>
-            <a:pPr marL="0" indent="0">
-              <a:buNone/>
-            </a:pPr>
-            <a:r>
-              <a:rPr lang="en-US" sz="1600" dirty="0"/>
-              <a:t>## ---</a:t>
-            </a:r>
-          </a:p>
-          <a:p>
-            <a:pPr marL="0" indent="0">
-              <a:buNone/>
-            </a:pPr>
-            <a:r>
-              <a:rPr lang="en-US" sz="1600" dirty="0"/>
-              <a:t>## </a:t>
-            </a:r>
-            <a:r>
-              <a:rPr lang="en-US" sz="1600" dirty="0" err="1"/>
-              <a:t>Signif</a:t>
-            </a:r>
-            <a:r>
-              <a:rPr lang="en-US" sz="1600" dirty="0"/>
-              <a:t>. codes:</a:t>
-            </a:r>
-          </a:p>
-          <a:p>
-            <a:pPr marL="0" indent="0">
-              <a:buNone/>
-            </a:pPr>
-            <a:r>
-              <a:rPr lang="en-US" sz="1600" dirty="0"/>
-              <a:t>## 0 '***' 0.001 '**' 0.01 '*' 0.05 '.' 0.1 ' ' 1</a:t>
-            </a:r>
-          </a:p>
-          <a:p>
-            <a:pPr marL="0" indent="0">
-              <a:buNone/>
-            </a:pPr>
-            <a:endParaRPr lang="en-US" dirty="0"/>
-          </a:p>
-        </p:txBody>
-      </p:sp>
-      <p:sp>
-        <p:nvSpPr>
-          <p:cNvPr id="6" name="TextBox 5">
-            <a:extLst>
-              <a:ext uri="{FF2B5EF4-FFF2-40B4-BE49-F238E27FC236}">
-                <a16:creationId xmlns:a16="http://schemas.microsoft.com/office/drawing/2014/main" id="{8FFC5613-25C7-174C-B85E-154087921F8B}"/>
-              </a:ext>
-            </a:extLst>
-          </p:cNvPr>
-          <p:cNvSpPr txBox="1"/>
-          <p:nvPr/>
-        </p:nvSpPr>
-        <p:spPr>
-          <a:xfrm>
-            <a:off x="685800" y="3446336"/>
-            <a:ext cx="7669857" cy="2031325"/>
-          </a:xfrm>
-          <a:prstGeom prst="rect">
-            <a:avLst/>
-          </a:prstGeom>
-          <a:noFill/>
-          <a:ln>
-            <a:solidFill>
-              <a:schemeClr val="tx1"/>
-            </a:solidFill>
-          </a:ln>
-        </p:spPr>
-        <p:txBody>
-          <a:bodyPr wrap="none" rtlCol="0">
-            <a:spAutoFit/>
-          </a:bodyPr>
-          <a:lstStyle/>
-          <a:p>
-            <a:r>
-              <a:rPr lang="en-US" dirty="0"/>
-              <a:t>Usually state the main effects first:</a:t>
-            </a:r>
-          </a:p>
-          <a:p>
-            <a:endParaRPr lang="en-US" dirty="0"/>
-          </a:p>
-          <a:p>
-            <a:r>
-              <a:rPr lang="en-US" dirty="0"/>
-              <a:t>“We found an influence of diet (F = 83.5; df = 2,36; P &lt; 0.0001) and supplement </a:t>
-            </a:r>
-          </a:p>
-          <a:p>
-            <a:r>
-              <a:rPr lang="en-US" dirty="0"/>
-              <a:t>type (F = 17.8; df = 3,36; P &lt; 0.0001) on bovine weight gain.</a:t>
-            </a:r>
-          </a:p>
-          <a:p>
-            <a:r>
-              <a:rPr lang="en-US" strike="sngStrike" dirty="0"/>
-              <a:t>“We tested the hypothesis that the effect of diet supplement on bovine weight</a:t>
-            </a:r>
-          </a:p>
-          <a:p>
-            <a:r>
-              <a:rPr lang="en-US" strike="sngStrike" dirty="0"/>
-              <a:t>gain depended on cereal diet. </a:t>
-            </a:r>
-            <a:r>
-              <a:rPr lang="en-US" dirty="0"/>
-              <a:t>We found no evidence to support the presence</a:t>
-            </a:r>
-          </a:p>
-          <a:p>
-            <a:r>
-              <a:rPr lang="en-US" dirty="0"/>
-              <a:t>of an interaction between diet and supplement (F = 0.33; df = 6, 36; p = 0.92).”</a:t>
-            </a:r>
-          </a:p>
-        </p:txBody>
-      </p:sp>
-      <p:sp>
-        <p:nvSpPr>
-          <p:cNvPr id="4" name="TextBox 3">
-            <a:extLst>
-              <a:ext uri="{FF2B5EF4-FFF2-40B4-BE49-F238E27FC236}">
-                <a16:creationId xmlns:a16="http://schemas.microsoft.com/office/drawing/2014/main" id="{66DC9E9F-45E5-BC4D-92C8-197E78C24644}"/>
-              </a:ext>
-            </a:extLst>
-          </p:cNvPr>
-          <p:cNvSpPr txBox="1"/>
-          <p:nvPr/>
-        </p:nvSpPr>
-        <p:spPr>
-          <a:xfrm>
-            <a:off x="685800" y="5715000"/>
-            <a:ext cx="7840480" cy="646331"/>
-          </a:xfrm>
-          <a:prstGeom prst="rect">
-            <a:avLst/>
-          </a:prstGeom>
-          <a:noFill/>
-          <a:ln>
-            <a:solidFill>
-              <a:srgbClr val="0432FF"/>
-            </a:solidFill>
-          </a:ln>
-        </p:spPr>
-        <p:txBody>
-          <a:bodyPr wrap="none" rtlCol="0">
-            <a:spAutoFit/>
-          </a:bodyPr>
-          <a:lstStyle/>
-          <a:p>
-            <a:r>
-              <a:rPr lang="en-US" dirty="0"/>
-              <a:t>Also notice I tried hard to avoid using ‘significant’; forces you to focus more of the</a:t>
-            </a:r>
-          </a:p>
-          <a:p>
-            <a:r>
-              <a:rPr lang="en-US" dirty="0"/>
-              <a:t>effect size (biology) rather than statistical significance. </a:t>
-            </a:r>
-          </a:p>
-        </p:txBody>
-      </p:sp>
-    </p:spTree>
-    <p:extLst>
-      <p:ext uri="{BB962C8B-B14F-4D97-AF65-F5344CB8AC3E}">
-        <p14:creationId xmlns:p14="http://schemas.microsoft.com/office/powerpoint/2010/main" val="767725472"/>
-      </p:ext>
-    </p:extLst>
-  </p:cSld>
-  <p:clrMapOvr>
-    <a:masterClrMapping/>
-  </p:clrMapOvr>
-</p:sld>
-</file>
-
-<file path=ppt/slides/slide16.xml><?xml version="1.0" encoding="utf-8"?>
 <p:sld xmlns:a="http://schemas.openxmlformats.org/drawingml/2006/main" xmlns:r="http://schemas.openxmlformats.org/officeDocument/2006/relationships" xmlns:p="http://schemas.openxmlformats.org/presentationml/2006/main">
   <p:cSld>
     <p:spTree>
@@ -8226,6 +7843,346 @@
 </p:sld>
 </file>
 
+<file path=ppt/slides/slide16.xml><?xml version="1.0" encoding="utf-8"?>
+<p:sld xmlns:a="http://schemas.openxmlformats.org/drawingml/2006/main" xmlns:r="http://schemas.openxmlformats.org/officeDocument/2006/relationships" xmlns:p="http://schemas.openxmlformats.org/presentationml/2006/main">
+  <p:cSld>
+    <p:spTree>
+      <p:nvGrpSpPr>
+        <p:cNvPr id="1" name=""/>
+        <p:cNvGrpSpPr/>
+        <p:nvPr/>
+      </p:nvGrpSpPr>
+      <p:grpSpPr>
+        <a:xfrm>
+          <a:off x="0" y="0"/>
+          <a:ext cx="0" cy="0"/>
+          <a:chOff x="0" y="0"/>
+          <a:chExt cx="0" cy="0"/>
+        </a:xfrm>
+      </p:grpSpPr>
+      <p:sp>
+        <p:nvSpPr>
+          <p:cNvPr id="2" name="Title 1">
+            <a:extLst>
+              <a:ext uri="{FF2B5EF4-FFF2-40B4-BE49-F238E27FC236}">
+                <a16:creationId xmlns:a16="http://schemas.microsoft.com/office/drawing/2014/main" id="{220A06A0-ED2A-5E47-9B42-A4413DBD8E1D}"/>
+              </a:ext>
+            </a:extLst>
+          </p:cNvPr>
+          <p:cNvSpPr>
+            <a:spLocks noGrp="1"/>
+          </p:cNvSpPr>
+          <p:nvPr>
+            <p:ph type="title"/>
+          </p:nvPr>
+        </p:nvSpPr>
+        <p:spPr>
+          <a:xfrm>
+            <a:off x="76200" y="-76200"/>
+            <a:ext cx="8229600" cy="944562"/>
+          </a:xfrm>
+        </p:spPr>
+        <p:txBody>
+          <a:bodyPr>
+            <a:normAutofit/>
+          </a:bodyPr>
+          <a:lstStyle/>
+          <a:p>
+            <a:r>
+              <a:rPr lang="en-US" dirty="0"/>
+              <a:t>Cow Growth Data-Mean/SD</a:t>
+            </a:r>
+          </a:p>
+        </p:txBody>
+      </p:sp>
+      <p:sp>
+        <p:nvSpPr>
+          <p:cNvPr id="3" name="Content Placeholder 2">
+            <a:extLst>
+              <a:ext uri="{FF2B5EF4-FFF2-40B4-BE49-F238E27FC236}">
+                <a16:creationId xmlns:a16="http://schemas.microsoft.com/office/drawing/2014/main" id="{580BAAD4-5F8C-714C-9AA1-D05A1DA2F419}"/>
+              </a:ext>
+            </a:extLst>
+          </p:cNvPr>
+          <p:cNvSpPr>
+            <a:spLocks noGrp="1"/>
+          </p:cNvSpPr>
+          <p:nvPr>
+            <p:ph idx="1"/>
+          </p:nvPr>
+        </p:nvSpPr>
+        <p:spPr>
+          <a:xfrm>
+            <a:off x="304800" y="792162"/>
+            <a:ext cx="8610600" cy="5532438"/>
+          </a:xfrm>
+        </p:spPr>
+        <p:txBody>
+          <a:bodyPr>
+            <a:normAutofit fontScale="85000" lnSpcReduction="20000"/>
+          </a:bodyPr>
+          <a:lstStyle/>
+          <a:p>
+            <a:pPr marL="0" indent="0">
+              <a:buNone/>
+            </a:pPr>
+            <a:r>
+              <a:rPr lang="en-US" dirty="0"/>
+              <a:t># calculate mean and standard error of gain for all 12 combinations</a:t>
+            </a:r>
+          </a:p>
+          <a:p>
+            <a:pPr marL="0" indent="0">
+              <a:buNone/>
+            </a:pPr>
+            <a:endParaRPr lang="en-US" dirty="0"/>
+          </a:p>
+          <a:p>
+            <a:pPr marL="0" indent="0">
+              <a:buNone/>
+            </a:pPr>
+            <a:r>
+              <a:rPr lang="en-US" dirty="0" err="1"/>
+              <a:t>sumMoo</a:t>
+            </a:r>
+            <a:r>
+              <a:rPr lang="en-US" dirty="0"/>
+              <a:t> &lt;- </a:t>
+            </a:r>
+            <a:r>
+              <a:rPr lang="en-US" dirty="0" err="1"/>
+              <a:t>growth.moo</a:t>
+            </a:r>
+            <a:r>
+              <a:rPr lang="en-US" dirty="0"/>
+              <a:t> %&gt;%</a:t>
+            </a:r>
+          </a:p>
+          <a:p>
+            <a:pPr marL="0" indent="0">
+              <a:buNone/>
+            </a:pPr>
+            <a:r>
+              <a:rPr lang="en-US" dirty="0"/>
+              <a:t>	</a:t>
+            </a:r>
+            <a:r>
+              <a:rPr lang="en-US" dirty="0" err="1">
+                <a:solidFill>
+                  <a:srgbClr val="C00000"/>
+                </a:solidFill>
+              </a:rPr>
+              <a:t>group_by</a:t>
+            </a:r>
+            <a:r>
+              <a:rPr lang="en-US" dirty="0"/>
+              <a:t>(diet, supplement) %&gt;%</a:t>
+            </a:r>
+          </a:p>
+          <a:p>
+            <a:pPr marL="0" indent="0">
+              <a:buNone/>
+            </a:pPr>
+            <a:r>
+              <a:rPr lang="en-US" dirty="0"/>
+              <a:t>		</a:t>
+            </a:r>
+            <a:r>
+              <a:rPr lang="en-US" dirty="0" err="1">
+                <a:solidFill>
+                  <a:srgbClr val="C00000"/>
+                </a:solidFill>
+              </a:rPr>
+              <a:t>summarise</a:t>
+            </a:r>
+            <a:r>
+              <a:rPr lang="en-US" dirty="0"/>
+              <a:t>(</a:t>
+            </a:r>
+          </a:p>
+          <a:p>
+            <a:pPr marL="0" indent="0">
+              <a:buNone/>
+            </a:pPr>
+            <a:r>
+              <a:rPr lang="en-US" dirty="0"/>
+              <a:t>		</a:t>
+            </a:r>
+            <a:r>
+              <a:rPr lang="en-US" dirty="0" err="1">
+                <a:solidFill>
+                  <a:srgbClr val="00B050"/>
+                </a:solidFill>
+              </a:rPr>
+              <a:t>meanGrow</a:t>
+            </a:r>
+            <a:r>
+              <a:rPr lang="en-US" dirty="0"/>
+              <a:t> = </a:t>
+            </a:r>
+            <a:r>
+              <a:rPr lang="en-US" dirty="0">
+                <a:solidFill>
+                  <a:srgbClr val="C00000"/>
+                </a:solidFill>
+              </a:rPr>
+              <a:t>mean</a:t>
+            </a:r>
+            <a:r>
+              <a:rPr lang="en-US" dirty="0"/>
+              <a:t>(gain),</a:t>
+            </a:r>
+          </a:p>
+          <a:p>
+            <a:pPr marL="0" indent="0">
+              <a:buNone/>
+            </a:pPr>
+            <a:r>
+              <a:rPr lang="en-US" dirty="0"/>
+              <a:t>		</a:t>
+            </a:r>
+            <a:r>
+              <a:rPr lang="en-US" dirty="0" err="1">
+                <a:solidFill>
+                  <a:srgbClr val="00B050"/>
+                </a:solidFill>
+              </a:rPr>
+              <a:t>seGrow</a:t>
+            </a:r>
+            <a:r>
+              <a:rPr lang="en-US" dirty="0"/>
+              <a:t> = </a:t>
+            </a:r>
+            <a:r>
+              <a:rPr lang="en-US" dirty="0" err="1">
+                <a:solidFill>
+                  <a:srgbClr val="C00000"/>
+                </a:solidFill>
+              </a:rPr>
+              <a:t>sd</a:t>
+            </a:r>
+            <a:r>
+              <a:rPr lang="en-US" dirty="0"/>
+              <a:t>(gain)/</a:t>
+            </a:r>
+            <a:r>
+              <a:rPr lang="en-US" dirty="0">
+                <a:solidFill>
+                  <a:srgbClr val="C00000"/>
+                </a:solidFill>
+              </a:rPr>
+              <a:t>sqrt</a:t>
+            </a:r>
+            <a:r>
+              <a:rPr lang="en-US" dirty="0"/>
+              <a:t>(</a:t>
+            </a:r>
+            <a:r>
+              <a:rPr lang="en-US" dirty="0">
+                <a:solidFill>
+                  <a:srgbClr val="C00000"/>
+                </a:solidFill>
+              </a:rPr>
+              <a:t>n</a:t>
+            </a:r>
+            <a:r>
+              <a:rPr lang="en-US" dirty="0"/>
+              <a:t>())</a:t>
+            </a:r>
+          </a:p>
+          <a:p>
+            <a:pPr marL="0" indent="0">
+              <a:buNone/>
+            </a:pPr>
+            <a:r>
+              <a:rPr lang="en-US" dirty="0"/>
+              <a:t>)</a:t>
+            </a:r>
+          </a:p>
+          <a:p>
+            <a:pPr marL="0" indent="0">
+              <a:buNone/>
+            </a:pPr>
+            <a:endParaRPr lang="en-US" dirty="0"/>
+          </a:p>
+          <a:p>
+            <a:r>
+              <a:rPr lang="en-US" dirty="0"/>
+              <a:t>The </a:t>
+            </a:r>
+            <a:r>
+              <a:rPr lang="en-US" dirty="0">
+                <a:solidFill>
+                  <a:srgbClr val="0432FF"/>
+                </a:solidFill>
+              </a:rPr>
+              <a:t>standard error </a:t>
+            </a:r>
+            <a:r>
+              <a:rPr lang="en-US" dirty="0"/>
+              <a:t>of the mean is given by the standard deviation divided by the square root of the sample size, and </a:t>
+            </a:r>
+            <a:r>
+              <a:rPr lang="en-US" dirty="0" err="1">
+                <a:solidFill>
+                  <a:srgbClr val="C00000"/>
+                </a:solidFill>
+              </a:rPr>
+              <a:t>dplyr</a:t>
+            </a:r>
+            <a:r>
+              <a:rPr lang="en-US" dirty="0"/>
+              <a:t> provides a function </a:t>
+            </a:r>
+            <a:r>
+              <a:rPr lang="en-US" dirty="0">
+                <a:solidFill>
+                  <a:srgbClr val="C00000"/>
+                </a:solidFill>
+              </a:rPr>
+              <a:t>n</a:t>
+            </a:r>
+            <a:r>
+              <a:rPr lang="en-US" dirty="0"/>
+              <a:t>() that counts the rows in each group.</a:t>
+            </a:r>
+          </a:p>
+          <a:p>
+            <a:pPr marL="0" indent="0">
+              <a:buNone/>
+            </a:pPr>
+            <a:r>
+              <a:rPr lang="en-US" dirty="0"/>
+              <a:t> </a:t>
+            </a:r>
+          </a:p>
+          <a:p>
+            <a:r>
+              <a:rPr lang="en-US" dirty="0"/>
+              <a:t>Be careful…if you have missing values, n() will still count these rows.</a:t>
+            </a:r>
+          </a:p>
+          <a:p>
+            <a:pPr marL="0" indent="0">
+              <a:buNone/>
+            </a:pPr>
+            <a:endParaRPr lang="en-US" dirty="0"/>
+          </a:p>
+        </p:txBody>
+      </p:sp>
+    </p:spTree>
+    <p:extLst>
+      <p:ext uri="{BB962C8B-B14F-4D97-AF65-F5344CB8AC3E}">
+        <p14:creationId xmlns:p14="http://schemas.microsoft.com/office/powerpoint/2010/main" val="186922481"/>
+      </p:ext>
+    </p:extLst>
+  </p:cSld>
+  <p:clrMapOvr>
+    <a:masterClrMapping/>
+  </p:clrMapOvr>
+</p:sld>
+</file>
+
 <file path=ppt/slides/slide17.xml><?xml version="1.0" encoding="utf-8"?>
 <p:sld xmlns:a="http://schemas.openxmlformats.org/drawingml/2006/main" xmlns:r="http://schemas.openxmlformats.org/officeDocument/2006/relationships" xmlns:p="http://schemas.openxmlformats.org/presentationml/2006/main">
   <p:cSld>
@@ -8296,38 +8253,15 @@
         </p:nvSpPr>
         <p:spPr>
           <a:xfrm>
-            <a:off x="304800" y="792162"/>
+            <a:off x="457200" y="609600"/>
             <a:ext cx="8610600" cy="5532438"/>
           </a:xfrm>
         </p:spPr>
         <p:txBody>
           <a:bodyPr>
-            <a:normAutofit fontScale="85000" lnSpcReduction="20000"/>
+            <a:normAutofit fontScale="70000" lnSpcReduction="20000"/>
           </a:bodyPr>
           <a:lstStyle/>
-          <a:p>
-            <a:pPr marL="0" indent="0">
-              <a:buNone/>
-            </a:pPr>
-            <a:r>
-              <a:rPr lang="en-US" dirty="0"/>
-              <a:t># calculate mean and </a:t>
-            </a:r>
-            <a:r>
-              <a:rPr lang="en-US" dirty="0" err="1"/>
-              <a:t>sd</a:t>
-            </a:r>
-            <a:r>
-              <a:rPr lang="en-US" dirty="0"/>
-              <a:t> of gain for all 12 combinations</a:t>
-            </a:r>
-          </a:p>
-          <a:p>
-            <a:pPr marL="0" indent="0">
-              <a:buNone/>
-            </a:pPr>
-            <a:endParaRPr lang="en-US" dirty="0"/>
-          </a:p>
           <a:p>
             <a:pPr marL="0" indent="0">
               <a:buNone/>
@@ -8336,68 +8270,59 @@
               <a:rPr lang="en-US" dirty="0" err="1"/>
               <a:t>sumMoo</a:t>
             </a:r>
-            <a:r>
-              <a:rPr lang="en-US" dirty="0"/>
-              <a:t> &lt;- </a:t>
+            <a:endParaRPr lang="en-US" dirty="0"/>
+          </a:p>
+          <a:p>
+            <a:pPr marL="0" indent="0">
+              <a:buNone/>
+            </a:pPr>
+            <a:endParaRPr lang="en-US" dirty="0"/>
+          </a:p>
+          <a:p>
+            <a:pPr marL="0" indent="0">
+              <a:buNone/>
+            </a:pPr>
+            <a:r>
+              <a:rPr lang="en-US" dirty="0"/>
+              <a:t># A </a:t>
             </a:r>
             <a:r>
               <a:rPr lang="en-US" dirty="0" err="1"/>
-              <a:t>growth.moo</a:t>
-            </a:r>
-            <a:r>
-              <a:rPr lang="en-US" dirty="0"/>
-              <a:t> %&gt;%</a:t>
-            </a:r>
-          </a:p>
-          <a:p>
-            <a:pPr marL="0" indent="0">
-              <a:buNone/>
-            </a:pPr>
-            <a:r>
-              <a:rPr lang="en-US" dirty="0"/>
-              <a:t>	</a:t>
-            </a:r>
-            <a:r>
-              <a:rPr lang="en-US" dirty="0" err="1">
-                <a:solidFill>
-                  <a:srgbClr val="C00000"/>
+              <a:t>tibble</a:t>
+            </a:r>
+            <a:r>
+              <a:rPr lang="en-US" dirty="0"/>
+              <a:t>: 12 x 4</a:t>
+            </a:r>
+          </a:p>
+          <a:p>
+            <a:pPr marL="0" indent="0">
+              <a:buNone/>
+            </a:pPr>
+            <a:r>
+              <a:rPr lang="en-US" dirty="0"/>
+              <a:t># Groups:   diet [3]</a:t>
+            </a:r>
+          </a:p>
+          <a:p>
+            <a:pPr marL="0" indent="0">
+              <a:buNone/>
+            </a:pPr>
+            <a:r>
+              <a:rPr lang="en-US" dirty="0"/>
+              <a:t>   </a:t>
+            </a:r>
+            <a:r>
+              <a:rPr lang="en-US" dirty="0">
+                <a:solidFill>
+                  <a:srgbClr val="0432FF"/>
                 </a:solidFill>
               </a:rPr>
-              <a:t>group_by</a:t>
-            </a:r>
-            <a:r>
-              <a:rPr lang="en-US" dirty="0"/>
-              <a:t>(diet, supplement) %&gt;%</a:t>
-            </a:r>
-          </a:p>
-          <a:p>
-            <a:pPr marL="0" indent="0">
-              <a:buNone/>
-            </a:pPr>
-            <a:r>
-              <a:rPr lang="en-US" dirty="0"/>
-              <a:t>		</a:t>
-            </a:r>
-            <a:r>
-              <a:rPr lang="en-US" dirty="0" err="1">
-                <a:solidFill>
-                  <a:srgbClr val="C00000"/>
-                </a:solidFill>
-              </a:rPr>
-              <a:t>summarise</a:t>
-            </a:r>
-            <a:r>
-              <a:rPr lang="en-US" dirty="0"/>
-              <a:t>(</a:t>
-            </a:r>
-          </a:p>
-          <a:p>
-            <a:pPr marL="0" indent="0">
-              <a:buNone/>
-            </a:pPr>
-            <a:r>
-              <a:rPr lang="en-US" dirty="0"/>
-              <a:t>		</a:t>
+              <a:t>diet   		supplement</a:t>
+            </a:r>
+            <a:r>
+              <a:rPr lang="en-US" dirty="0"/>
+              <a:t> 	</a:t>
             </a:r>
             <a:r>
               <a:rPr lang="en-US" dirty="0" err="1">
@@ -8408,29 +8333,12 @@
               <a:t>meanGrow</a:t>
             </a:r>
             <a:r>
-              <a:rPr lang="en-US" dirty="0"/>
-              <a:t> = </a:t>
-            </a:r>
-            <a:r>
               <a:rPr lang="en-US" dirty="0">
                 <a:solidFill>
-                  <a:srgbClr val="C00000"/>
+                  <a:srgbClr val="00B050"/>
                 </a:solidFill>
               </a:rPr>
-              <a:t>mean</a:t>
-            </a:r>
-            <a:r>
-              <a:rPr lang="en-US" dirty="0"/>
-              <a:t>(gain),</a:t>
-            </a:r>
-          </a:p>
-          <a:p>
-            <a:pPr marL="0" indent="0">
-              <a:buNone/>
-            </a:pPr>
-            <a:r>
-              <a:rPr lang="en-US" dirty="0"/>
-              <a:t>		</a:t>
+              <a:t>	</a:t>
             </a:r>
             <a:r>
               <a:rPr lang="en-US" dirty="0" err="1">
@@ -8440,131 +8348,239 @@
               </a:rPr>
               <a:t>seGrow</a:t>
             </a:r>
-            <a:r>
-              <a:rPr lang="en-US" dirty="0"/>
-              <a:t> = </a:t>
-            </a:r>
-            <a:r>
-              <a:rPr lang="en-US" dirty="0" err="1">
-                <a:solidFill>
-                  <a:srgbClr val="C00000"/>
-                </a:solidFill>
-              </a:rPr>
-              <a:t>sd</a:t>
-            </a:r>
-            <a:r>
-              <a:rPr lang="en-US" dirty="0"/>
-              <a:t>(gain)/</a:t>
-            </a:r>
-            <a:r>
-              <a:rPr lang="en-US" dirty="0">
-                <a:solidFill>
-                  <a:srgbClr val="C00000"/>
-                </a:solidFill>
-              </a:rPr>
-              <a:t>sqrt</a:t>
-            </a:r>
-            <a:r>
-              <a:rPr lang="en-US" dirty="0"/>
-              <a:t>(</a:t>
-            </a:r>
-            <a:r>
-              <a:rPr lang="en-US" dirty="0">
-                <a:solidFill>
-                  <a:srgbClr val="C00000"/>
-                </a:solidFill>
-              </a:rPr>
-              <a:t>n</a:t>
-            </a:r>
-            <a:r>
-              <a:rPr lang="en-US" dirty="0"/>
-              <a:t>())</a:t>
-            </a:r>
-          </a:p>
-          <a:p>
-            <a:pPr marL="0" indent="0">
-              <a:buNone/>
-            </a:pPr>
-            <a:r>
-              <a:rPr lang="en-US" dirty="0"/>
-              <a:t>)</a:t>
-            </a:r>
-          </a:p>
-          <a:p>
-            <a:pPr marL="0" indent="0">
-              <a:buNone/>
-            </a:pPr>
-            <a:endParaRPr lang="en-US" dirty="0"/>
-          </a:p>
-          <a:p>
-            <a:r>
-              <a:rPr lang="en-US" dirty="0"/>
-              <a:t>The </a:t>
-            </a:r>
-            <a:r>
-              <a:rPr lang="en-US" dirty="0">
-                <a:solidFill>
-                  <a:srgbClr val="0432FF"/>
-                </a:solidFill>
-              </a:rPr>
-              <a:t>standard error </a:t>
-            </a:r>
-            <a:r>
-              <a:rPr lang="en-US" dirty="0"/>
-              <a:t>of the mean is given by the standard deviation divided by the square root of the sample size, and </a:t>
-            </a:r>
-            <a:r>
-              <a:rPr lang="en-US" dirty="0" err="1">
-                <a:solidFill>
-                  <a:srgbClr val="C00000"/>
-                </a:solidFill>
-              </a:rPr>
-              <a:t>dplyr</a:t>
-            </a:r>
-            <a:r>
-              <a:rPr lang="en-US" dirty="0"/>
-              <a:t> provides a function </a:t>
-            </a:r>
-            <a:r>
-              <a:rPr lang="en-US" dirty="0">
-                <a:solidFill>
-                  <a:srgbClr val="C00000"/>
-                </a:solidFill>
-              </a:rPr>
-              <a:t>n</a:t>
-            </a:r>
-            <a:r>
-              <a:rPr lang="en-US" dirty="0"/>
-              <a:t>() that counts the rows in each group.</a:t>
-            </a:r>
-          </a:p>
-          <a:p>
-            <a:pPr marL="0" indent="0">
-              <a:buNone/>
-            </a:pPr>
-            <a:r>
-              <a:rPr lang="en-US" dirty="0"/>
-              <a:t> </a:t>
-            </a:r>
-          </a:p>
-          <a:p>
-            <a:r>
-              <a:rPr lang="en-US" dirty="0"/>
-              <a:t>Be careful…if you have missing values, n() will still count these rows.</a:t>
-            </a:r>
-          </a:p>
-          <a:p>
-            <a:pPr marL="0" indent="0">
-              <a:buNone/>
-            </a:pPr>
-            <a:endParaRPr lang="en-US" dirty="0"/>
+            <a:endParaRPr lang="en-US" dirty="0">
+              <a:solidFill>
+                <a:srgbClr val="00B050"/>
+              </a:solidFill>
+            </a:endParaRPr>
+          </a:p>
+          <a:p>
+            <a:pPr marL="0" indent="0">
+              <a:buNone/>
+            </a:pPr>
+            <a:r>
+              <a:rPr lang="en-US" dirty="0"/>
+              <a:t>   &lt;</a:t>
+            </a:r>
+            <a:r>
+              <a:rPr lang="en-US" dirty="0" err="1"/>
+              <a:t>fct</a:t>
+            </a:r>
+            <a:r>
+              <a:rPr lang="en-US" dirty="0"/>
+              <a:t>&gt;  		&lt;</a:t>
+            </a:r>
+            <a:r>
+              <a:rPr lang="en-US" dirty="0" err="1"/>
+              <a:t>fct</a:t>
+            </a:r>
+            <a:r>
+              <a:rPr lang="en-US" dirty="0"/>
+              <a:t>&gt;		&lt;</a:t>
+            </a:r>
+            <a:r>
+              <a:rPr lang="en-US" dirty="0" err="1"/>
+              <a:t>dbl</a:t>
+            </a:r>
+            <a:r>
+              <a:rPr lang="en-US" dirty="0"/>
+              <a:t>&gt;  		&lt;</a:t>
+            </a:r>
+            <a:r>
+              <a:rPr lang="en-US" dirty="0" err="1"/>
+              <a:t>dbl</a:t>
+            </a:r>
+            <a:r>
+              <a:rPr lang="en-US" dirty="0"/>
+              <a:t>&gt;</a:t>
+            </a:r>
+          </a:p>
+          <a:p>
+            <a:pPr marL="0" indent="0">
+              <a:buNone/>
+            </a:pPr>
+            <a:r>
+              <a:rPr lang="en-US" dirty="0"/>
+              <a:t> 1 barley 	control        	23.3  		0.703</a:t>
+            </a:r>
+          </a:p>
+          <a:p>
+            <a:pPr marL="0" indent="0">
+              <a:buNone/>
+            </a:pPr>
+            <a:r>
+              <a:rPr lang="en-US" dirty="0"/>
+              <a:t> 2 barley 	</a:t>
+            </a:r>
+            <a:r>
+              <a:rPr lang="en-US" dirty="0" err="1"/>
+              <a:t>agrimore</a:t>
+            </a:r>
+            <a:r>
+              <a:rPr lang="en-US" dirty="0"/>
+              <a:t>       	26.3  		0.919</a:t>
+            </a:r>
+          </a:p>
+          <a:p>
+            <a:pPr marL="0" indent="0">
+              <a:buNone/>
+            </a:pPr>
+            <a:r>
+              <a:rPr lang="en-US" dirty="0"/>
+              <a:t> 3 barley 	</a:t>
+            </a:r>
+            <a:r>
+              <a:rPr lang="en-US" dirty="0" err="1"/>
+              <a:t>supergain</a:t>
+            </a:r>
+            <a:r>
+              <a:rPr lang="en-US" dirty="0"/>
+              <a:t>      	22.5  		0.771</a:t>
+            </a:r>
+          </a:p>
+          <a:p>
+            <a:pPr marL="0" indent="0">
+              <a:buNone/>
+            </a:pPr>
+            <a:r>
+              <a:rPr lang="en-US" dirty="0"/>
+              <a:t> 4 barley 	</a:t>
+            </a:r>
+            <a:r>
+              <a:rPr lang="en-US" dirty="0" err="1"/>
+              <a:t>supersupp</a:t>
+            </a:r>
+            <a:r>
+              <a:rPr lang="en-US" dirty="0"/>
+              <a:t>      	25.6  		1.06 </a:t>
+            </a:r>
+          </a:p>
+          <a:p>
+            <a:pPr marL="0" indent="0">
+              <a:buNone/>
+            </a:pPr>
+            <a:r>
+              <a:rPr lang="en-US" dirty="0"/>
+              <a:t> 5 oats   		control        	20.5  		0.506</a:t>
+            </a:r>
+          </a:p>
+          <a:p>
+            <a:pPr marL="0" indent="0">
+              <a:buNone/>
+            </a:pPr>
+            <a:r>
+              <a:rPr lang="en-US" dirty="0"/>
+              <a:t> 6 oats   		</a:t>
+            </a:r>
+            <a:r>
+              <a:rPr lang="en-US" dirty="0" err="1"/>
+              <a:t>agrimore</a:t>
+            </a:r>
+            <a:r>
+              <a:rPr lang="en-US" dirty="0"/>
+              <a:t>       	23.3  		0.613</a:t>
+            </a:r>
+          </a:p>
+          <a:p>
+            <a:pPr marL="0" indent="0">
+              <a:buNone/>
+            </a:pPr>
+            <a:r>
+              <a:rPr lang="en-US" dirty="0"/>
+              <a:t> 7 oats   		</a:t>
+            </a:r>
+            <a:r>
+              <a:rPr lang="en-US" dirty="0" err="1"/>
+              <a:t>supergain</a:t>
+            </a:r>
+            <a:r>
+              <a:rPr lang="en-US" dirty="0"/>
+              <a:t>      	19.7  		0.349</a:t>
+            </a:r>
+          </a:p>
+          <a:p>
+            <a:pPr marL="0" indent="0">
+              <a:buNone/>
+            </a:pPr>
+            <a:r>
+              <a:rPr lang="en-US" dirty="0"/>
+              <a:t> 8 oats   		</a:t>
+            </a:r>
+            <a:r>
+              <a:rPr lang="en-US" dirty="0" err="1"/>
+              <a:t>supersupp</a:t>
+            </a:r>
+            <a:r>
+              <a:rPr lang="en-US" dirty="0"/>
+              <a:t>      	21.9  		0.413</a:t>
+            </a:r>
+          </a:p>
+          <a:p>
+            <a:pPr marL="0" indent="0">
+              <a:buNone/>
+            </a:pPr>
+            <a:r>
+              <a:rPr lang="en-US" dirty="0"/>
+              <a:t> 9 wheat  	control        	17.4  		0.460</a:t>
+            </a:r>
+          </a:p>
+          <a:p>
+            <a:pPr marL="0" indent="0">
+              <a:buNone/>
+            </a:pPr>
+            <a:r>
+              <a:rPr lang="en-US" dirty="0"/>
+              <a:t>10 wheat  	</a:t>
+            </a:r>
+            <a:r>
+              <a:rPr lang="en-US" dirty="0" err="1"/>
+              <a:t>agrimore</a:t>
+            </a:r>
+            <a:r>
+              <a:rPr lang="en-US" dirty="0"/>
+              <a:t>       	19.6  		0.710</a:t>
+            </a:r>
+          </a:p>
+          <a:p>
+            <a:pPr marL="0" indent="0">
+              <a:buNone/>
+            </a:pPr>
+            <a:r>
+              <a:rPr lang="en-US" dirty="0"/>
+              <a:t>11 wheat  	</a:t>
+            </a:r>
+            <a:r>
+              <a:rPr lang="en-US" dirty="0" err="1"/>
+              <a:t>supergain</a:t>
+            </a:r>
+            <a:r>
+              <a:rPr lang="en-US" dirty="0"/>
+              <a:t>      	17.0  		0.485</a:t>
+            </a:r>
+          </a:p>
+          <a:p>
+            <a:pPr marL="0" indent="0">
+              <a:buNone/>
+            </a:pPr>
+            <a:r>
+              <a:rPr lang="en-US" dirty="0"/>
+              <a:t>12 wheat  	</a:t>
+            </a:r>
+            <a:r>
+              <a:rPr lang="en-US" dirty="0" err="1"/>
+              <a:t>supersupp</a:t>
+            </a:r>
+            <a:r>
+              <a:rPr lang="en-US" dirty="0"/>
+              <a:t>      	19.7  		0.475</a:t>
+            </a:r>
           </a:p>
         </p:txBody>
       </p:sp>
     </p:spTree>
     <p:extLst>
       <p:ext uri="{BB962C8B-B14F-4D97-AF65-F5344CB8AC3E}">
-        <p14:creationId xmlns:p14="http://schemas.microsoft.com/office/powerpoint/2010/main" val="186922481"/>
+        <p14:creationId xmlns:p14="http://schemas.microsoft.com/office/powerpoint/2010/main" val="2344496302"/>
       </p:ext>
     </p:extLst>
   </p:cSld>
@@ -8621,7 +8637,7 @@
           <a:p>
             <a:r>
               <a:rPr lang="en-US" dirty="0"/>
-              <a:t>Cow Growth Data-Mean/SD</a:t>
+              <a:t>Cow Growth Data-Plot Mean/SE</a:t>
             </a:r>
           </a:p>
         </p:txBody>
@@ -8644,326 +8660,90 @@
         </p:nvSpPr>
         <p:spPr>
           <a:xfrm>
-            <a:off x="457200" y="609600"/>
+            <a:off x="457200" y="1020762"/>
             <a:ext cx="8610600" cy="5532438"/>
           </a:xfrm>
         </p:spPr>
         <p:txBody>
           <a:bodyPr>
-            <a:normAutofit fontScale="70000" lnSpcReduction="20000"/>
+            <a:normAutofit/>
           </a:bodyPr>
           <a:lstStyle/>
           <a:p>
-            <a:pPr marL="0" indent="0">
-              <a:buNone/>
-            </a:pPr>
-            <a:r>
-              <a:rPr lang="en-US" dirty="0" err="1"/>
-              <a:t>sumMoo</a:t>
-            </a:r>
+            <a:r>
+              <a:rPr lang="en-US" dirty="0"/>
+              <a:t>With this summary table, we can now add three layers to the figure: points, lines, and error bars.</a:t>
+            </a:r>
+          </a:p>
+          <a:p>
             <a:endParaRPr lang="en-US" dirty="0"/>
           </a:p>
           <a:p>
-            <a:pPr marL="0" indent="0">
-              <a:buNone/>
-            </a:pPr>
+            <a:r>
+              <a:rPr lang="en-US" dirty="0"/>
+              <a:t>To do this, we introduce </a:t>
+            </a:r>
+            <a:r>
+              <a:rPr lang="en-US" dirty="0" err="1">
+                <a:solidFill>
+                  <a:srgbClr val="C00000"/>
+                </a:solidFill>
+              </a:rPr>
+              <a:t>geom_errorbar</a:t>
+            </a:r>
+            <a:r>
+              <a:rPr lang="en-US" dirty="0"/>
+              <a:t>(), which has its own aesthetics: the lower and upper limits of the vertical lines that we call error bars. </a:t>
+            </a:r>
+          </a:p>
+          <a:p>
             <a:endParaRPr lang="en-US" dirty="0"/>
           </a:p>
           <a:p>
-            <a:pPr marL="0" indent="0">
-              <a:buNone/>
-            </a:pPr>
-            <a:r>
-              <a:rPr lang="en-US" dirty="0"/>
-              <a:t># A </a:t>
-            </a:r>
-            <a:r>
-              <a:rPr lang="en-US" dirty="0" err="1"/>
-              <a:t>tibble</a:t>
-            </a:r>
-            <a:r>
-              <a:rPr lang="en-US" dirty="0"/>
-              <a:t>: 12 x 4</a:t>
-            </a:r>
-          </a:p>
-          <a:p>
-            <a:pPr marL="0" indent="0">
-              <a:buNone/>
-            </a:pPr>
-            <a:r>
-              <a:rPr lang="en-US" dirty="0"/>
-              <a:t># Groups:   diet [3]</a:t>
-            </a:r>
-          </a:p>
-          <a:p>
-            <a:pPr marL="0" indent="0">
-              <a:buNone/>
-            </a:pPr>
-            <a:r>
-              <a:rPr lang="en-US" dirty="0"/>
-              <a:t>   </a:t>
-            </a:r>
-            <a:r>
-              <a:rPr lang="en-US" dirty="0">
+            <a:r>
+              <a:rPr lang="en-US" dirty="0"/>
+              <a:t>These limits are called </a:t>
+            </a:r>
+            <a:r>
+              <a:rPr lang="en-US" dirty="0" err="1">
                 <a:solidFill>
                   <a:srgbClr val="0432FF"/>
                 </a:solidFill>
               </a:rPr>
-              <a:t>diet   		supplement</a:t>
-            </a:r>
-            <a:r>
-              <a:rPr lang="en-US" dirty="0"/>
-              <a:t> 	</a:t>
+              <a:t>ymin</a:t>
+            </a:r>
+            <a:r>
+              <a:rPr lang="en-US" dirty="0"/>
+              <a:t> and </a:t>
             </a:r>
             <a:r>
               <a:rPr lang="en-US" dirty="0" err="1">
                 <a:solidFill>
-                  <a:srgbClr val="00B050"/>
+                  <a:srgbClr val="0432FF"/>
                 </a:solidFill>
               </a:rPr>
+              <a:t>ymax</a:t>
+            </a:r>
+            <a:r>
+              <a:rPr lang="en-US" dirty="0"/>
+              <a:t>. </a:t>
+            </a:r>
+          </a:p>
+          <a:p>
+            <a:endParaRPr lang="en-US" dirty="0"/>
+          </a:p>
+          <a:p>
+            <a:r>
+              <a:rPr lang="en-US" dirty="0"/>
+              <a:t>Each vertical line is made by placing a line between these limits, passing through </a:t>
+            </a:r>
+            <a:r>
+              <a:rPr lang="en-US" i="1" dirty="0" err="1"/>
               <a:t>meanGrow</a:t>
             </a:r>
             <a:r>
-              <a:rPr lang="en-US" dirty="0">
-                <a:solidFill>
-                  <a:srgbClr val="00B050"/>
-                </a:solidFill>
-              </a:rPr>
-              <a:t>	</a:t>
-            </a:r>
-            <a:r>
-              <a:rPr lang="en-US" dirty="0" err="1">
-                <a:solidFill>
-                  <a:srgbClr val="00B050"/>
-                </a:solidFill>
-              </a:rPr>
-              <a:t>seGrow</a:t>
-            </a:r>
-            <a:endParaRPr lang="en-US" dirty="0">
-              <a:solidFill>
-                <a:srgbClr val="00B050"/>
-              </a:solidFill>
-            </a:endParaRPr>
-          </a:p>
-          <a:p>
-            <a:pPr marL="0" indent="0">
-              <a:buNone/>
-            </a:pPr>
-            <a:r>
-              <a:rPr lang="en-US" dirty="0"/>
-              <a:t>   &lt;</a:t>
-            </a:r>
-            <a:r>
-              <a:rPr lang="en-US" dirty="0" err="1"/>
-              <a:t>fct</a:t>
-            </a:r>
-            <a:r>
-              <a:rPr lang="en-US" dirty="0"/>
-              <a:t>&gt;  		&lt;</a:t>
-            </a:r>
-            <a:r>
-              <a:rPr lang="en-US" dirty="0" err="1"/>
-              <a:t>fct</a:t>
-            </a:r>
-            <a:r>
-              <a:rPr lang="en-US" dirty="0"/>
-              <a:t>&gt;		&lt;</a:t>
-            </a:r>
-            <a:r>
-              <a:rPr lang="en-US" dirty="0" err="1"/>
-              <a:t>dbl</a:t>
-            </a:r>
-            <a:r>
-              <a:rPr lang="en-US" dirty="0"/>
-              <a:t>&gt;  		&lt;</a:t>
-            </a:r>
-            <a:r>
-              <a:rPr lang="en-US" dirty="0" err="1"/>
-              <a:t>dbl</a:t>
-            </a:r>
-            <a:r>
-              <a:rPr lang="en-US" dirty="0"/>
-              <a:t>&gt;</a:t>
-            </a:r>
-          </a:p>
-          <a:p>
-            <a:pPr marL="0" indent="0">
-              <a:buNone/>
-            </a:pPr>
-            <a:r>
-              <a:rPr lang="en-US" dirty="0"/>
-              <a:t> 1 barley 	control        	23.3  		0.703</a:t>
-            </a:r>
-          </a:p>
-          <a:p>
-            <a:pPr marL="0" indent="0">
-              <a:buNone/>
-            </a:pPr>
-            <a:r>
-              <a:rPr lang="en-US" dirty="0"/>
-              <a:t> 2 barley 	</a:t>
-            </a:r>
-            <a:r>
-              <a:rPr lang="en-US" dirty="0" err="1"/>
-              <a:t>agrimore</a:t>
-            </a:r>
-            <a:r>
-              <a:rPr lang="en-US" dirty="0"/>
-              <a:t>       	26.3  		0.919</a:t>
-            </a:r>
-          </a:p>
-          <a:p>
-            <a:pPr marL="0" indent="0">
-              <a:buNone/>
-            </a:pPr>
-            <a:r>
-              <a:rPr lang="en-US" dirty="0"/>
-              <a:t> 3 barley 	</a:t>
-            </a:r>
-            <a:r>
-              <a:rPr lang="en-US" dirty="0" err="1"/>
-              <a:t>supergain</a:t>
-            </a:r>
-            <a:r>
-              <a:rPr lang="en-US" dirty="0"/>
-              <a:t>      	22.5  		0.771</a:t>
-            </a:r>
-          </a:p>
-          <a:p>
-            <a:pPr marL="0" indent="0">
-              <a:buNone/>
-            </a:pPr>
-            <a:r>
-              <a:rPr lang="en-US" dirty="0"/>
-              <a:t> 4 barley 	</a:t>
-            </a:r>
-            <a:r>
-              <a:rPr lang="en-US" dirty="0" err="1"/>
-              <a:t>supersupp</a:t>
-            </a:r>
-            <a:r>
-              <a:rPr lang="en-US" dirty="0"/>
-              <a:t>      	25.6  		1.06 </a:t>
-            </a:r>
-          </a:p>
-          <a:p>
-            <a:pPr marL="0" indent="0">
-              <a:buNone/>
-            </a:pPr>
-            <a:r>
-              <a:rPr lang="en-US" dirty="0"/>
-              <a:t> 5 oats   		control        	20.5  		0.506</a:t>
-            </a:r>
-          </a:p>
-          <a:p>
-            <a:pPr marL="0" indent="0">
-              <a:buNone/>
-            </a:pPr>
-            <a:r>
-              <a:rPr lang="en-US" dirty="0"/>
-              <a:t> 6 oats   		</a:t>
-            </a:r>
-            <a:r>
-              <a:rPr lang="en-US" dirty="0" err="1"/>
-              <a:t>agrimore</a:t>
-            </a:r>
-            <a:r>
-              <a:rPr lang="en-US" dirty="0"/>
-              <a:t>       	23.3  		0.613</a:t>
-            </a:r>
-          </a:p>
-          <a:p>
-            <a:pPr marL="0" indent="0">
-              <a:buNone/>
-            </a:pPr>
-            <a:r>
-              <a:rPr lang="en-US" dirty="0"/>
-              <a:t> 7 oats   		</a:t>
-            </a:r>
-            <a:r>
-              <a:rPr lang="en-US" dirty="0" err="1"/>
-              <a:t>supergain</a:t>
-            </a:r>
-            <a:r>
-              <a:rPr lang="en-US" dirty="0"/>
-              <a:t>      	19.7  		0.349</a:t>
-            </a:r>
-          </a:p>
-          <a:p>
-            <a:pPr marL="0" indent="0">
-              <a:buNone/>
-            </a:pPr>
-            <a:r>
-              <a:rPr lang="en-US" dirty="0"/>
-              <a:t> 8 oats   		</a:t>
-            </a:r>
-            <a:r>
-              <a:rPr lang="en-US" dirty="0" err="1"/>
-              <a:t>supersupp</a:t>
-            </a:r>
-            <a:r>
-              <a:rPr lang="en-US" dirty="0"/>
-              <a:t>      	21.9  		0.413</a:t>
-            </a:r>
-          </a:p>
-          <a:p>
-            <a:pPr marL="0" indent="0">
-              <a:buNone/>
-            </a:pPr>
-            <a:r>
-              <a:rPr lang="en-US" dirty="0"/>
-              <a:t> 9 wheat  	control        	17.4  		0.460</a:t>
-            </a:r>
-          </a:p>
-          <a:p>
-            <a:pPr marL="0" indent="0">
-              <a:buNone/>
-            </a:pPr>
-            <a:r>
-              <a:rPr lang="en-US" dirty="0"/>
-              <a:t>10 wheat  	</a:t>
-            </a:r>
-            <a:r>
-              <a:rPr lang="en-US" dirty="0" err="1"/>
-              <a:t>agrimore</a:t>
-            </a:r>
-            <a:r>
-              <a:rPr lang="en-US" dirty="0"/>
-              <a:t>       	19.6  		0.710</a:t>
-            </a:r>
-          </a:p>
-          <a:p>
-            <a:pPr marL="0" indent="0">
-              <a:buNone/>
-            </a:pPr>
-            <a:r>
-              <a:rPr lang="en-US" dirty="0"/>
-              <a:t>11 wheat  	</a:t>
-            </a:r>
-            <a:r>
-              <a:rPr lang="en-US" dirty="0" err="1"/>
-              <a:t>supergain</a:t>
-            </a:r>
-            <a:r>
-              <a:rPr lang="en-US" dirty="0"/>
-              <a:t>      	17.0  		0.485</a:t>
-            </a:r>
-          </a:p>
-          <a:p>
-            <a:pPr marL="0" indent="0">
-              <a:buNone/>
-            </a:pPr>
-            <a:r>
-              <a:rPr lang="en-US" dirty="0"/>
-              <a:t>12 wheat  	</a:t>
-            </a:r>
-            <a:r>
-              <a:rPr lang="en-US" dirty="0" err="1"/>
-              <a:t>supersupp</a:t>
-            </a:r>
-            <a:r>
-              <a:rPr lang="en-US" dirty="0"/>
-              <a:t>      	19.7  		0.475</a:t>
+              <a:rPr lang="en-US" dirty="0"/>
+              <a:t>.</a:t>
             </a:r>
           </a:p>
         </p:txBody>
@@ -8971,7 +8751,7 @@
     </p:spTree>
     <p:extLst>
       <p:ext uri="{BB962C8B-B14F-4D97-AF65-F5344CB8AC3E}">
-        <p14:creationId xmlns:p14="http://schemas.microsoft.com/office/powerpoint/2010/main" val="2344496302"/>
+        <p14:creationId xmlns:p14="http://schemas.microsoft.com/office/powerpoint/2010/main" val="3853319851"/>
       </p:ext>
     </p:extLst>
   </p:cSld>
@@ -9051,7 +8831,7 @@
         </p:nvSpPr>
         <p:spPr>
           <a:xfrm>
-            <a:off x="457200" y="1020762"/>
+            <a:off x="457200" y="838200"/>
             <a:ext cx="8610600" cy="5532438"/>
           </a:xfrm>
         </p:spPr>
@@ -9061,21 +8841,163 @@
           </a:bodyPr>
           <a:lstStyle/>
           <a:p>
-            <a:r>
-              <a:rPr lang="en-US" dirty="0"/>
-              <a:t>With this summary table, we can now add three layers to the figure: points, lines, and error bars.</a:t>
-            </a:r>
-          </a:p>
-          <a:p>
-            <a:endParaRPr lang="en-US" dirty="0"/>
-          </a:p>
-          <a:p>
-            <a:r>
-              <a:rPr lang="en-US" dirty="0"/>
-              <a:t>To do this, we introduce </a:t>
-            </a:r>
-            <a:r>
-              <a:rPr lang="en-US" dirty="0" err="1">
+            <a:pPr marL="0" indent="0">
+              <a:buNone/>
+            </a:pPr>
+            <a:r>
+              <a:rPr lang="en-US" sz="2000" dirty="0" err="1">
+                <a:solidFill>
+                  <a:srgbClr val="C00000"/>
+                </a:solidFill>
+              </a:rPr>
+              <a:t>ggplot</a:t>
+            </a:r>
+            <a:r>
+              <a:rPr lang="en-US" sz="2000" dirty="0"/>
+              <a:t>(</a:t>
+            </a:r>
+            <a:r>
+              <a:rPr lang="en-US" sz="2000" dirty="0" err="1"/>
+              <a:t>sumMoo</a:t>
+            </a:r>
+            <a:r>
+              <a:rPr lang="en-US" sz="2000" dirty="0"/>
+              <a:t>, </a:t>
+            </a:r>
+            <a:r>
+              <a:rPr lang="en-US" sz="2000" dirty="0" err="1">
+                <a:solidFill>
+                  <a:srgbClr val="C00000"/>
+                </a:solidFill>
+              </a:rPr>
+              <a:t>aes</a:t>
+            </a:r>
+            <a:r>
+              <a:rPr lang="en-US" sz="2000" dirty="0"/>
+              <a:t>(</a:t>
+            </a:r>
+            <a:r>
+              <a:rPr lang="en-US" sz="2000" dirty="0">
+                <a:solidFill>
+                  <a:srgbClr val="00B050"/>
+                </a:solidFill>
+              </a:rPr>
+              <a:t>x</a:t>
+            </a:r>
+            <a:r>
+              <a:rPr lang="en-US" sz="2000" dirty="0"/>
+              <a:t> = supplement, </a:t>
+            </a:r>
+            <a:r>
+              <a:rPr lang="en-US" sz="2000" dirty="0">
+                <a:solidFill>
+                  <a:srgbClr val="00B050"/>
+                </a:solidFill>
+              </a:rPr>
+              <a:t>y</a:t>
+            </a:r>
+            <a:r>
+              <a:rPr lang="en-US" sz="2000" dirty="0"/>
+              <a:t> = </a:t>
+            </a:r>
+            <a:r>
+              <a:rPr lang="en-US" sz="2000" dirty="0" err="1"/>
+              <a:t>meanGrow</a:t>
+            </a:r>
+            <a:r>
+              <a:rPr lang="en-US" sz="2000" dirty="0"/>
+              <a:t>,</a:t>
+            </a:r>
+          </a:p>
+          <a:p>
+            <a:pPr marL="0" indent="0">
+              <a:buNone/>
+            </a:pPr>
+            <a:r>
+              <a:rPr lang="en-US" sz="2000" dirty="0"/>
+              <a:t>		</a:t>
+            </a:r>
+            <a:r>
+              <a:rPr lang="en-US" sz="2000" dirty="0" err="1">
+                <a:solidFill>
+                  <a:srgbClr val="00B050"/>
+                </a:solidFill>
+              </a:rPr>
+              <a:t>colour</a:t>
+            </a:r>
+            <a:r>
+              <a:rPr lang="en-US" sz="2000" dirty="0"/>
+              <a:t> = diet, </a:t>
+            </a:r>
+            <a:r>
+              <a:rPr lang="en-US" sz="2000" dirty="0">
+                <a:solidFill>
+                  <a:srgbClr val="00B050"/>
+                </a:solidFill>
+              </a:rPr>
+              <a:t>group</a:t>
+            </a:r>
+            <a:r>
+              <a:rPr lang="en-US" sz="2000" dirty="0"/>
+              <a:t> = diet)) +</a:t>
+            </a:r>
+          </a:p>
+          <a:p>
+            <a:pPr marL="0" indent="0">
+              <a:buNone/>
+            </a:pPr>
+            <a:r>
+              <a:rPr lang="en-US" sz="2000" dirty="0">
+                <a:solidFill>
+                  <a:srgbClr val="C00000"/>
+                </a:solidFill>
+              </a:rPr>
+              <a:t>	</a:t>
+            </a:r>
+            <a:r>
+              <a:rPr lang="en-US" sz="2000" dirty="0" err="1">
+                <a:solidFill>
+                  <a:srgbClr val="C00000"/>
+                </a:solidFill>
+              </a:rPr>
+              <a:t>geom_point</a:t>
+            </a:r>
+            <a:r>
+              <a:rPr lang="en-US" sz="2000" dirty="0"/>
+              <a:t>() +</a:t>
+            </a:r>
+          </a:p>
+          <a:p>
+            <a:pPr marL="0" indent="0">
+              <a:buNone/>
+            </a:pPr>
+            <a:r>
+              <a:rPr lang="en-US" sz="2000" dirty="0"/>
+              <a:t>	</a:t>
+            </a:r>
+            <a:r>
+              <a:rPr lang="en-US" sz="2000" dirty="0" err="1">
+                <a:solidFill>
+                  <a:srgbClr val="C00000"/>
+                </a:solidFill>
+              </a:rPr>
+              <a:t>geom_line</a:t>
+            </a:r>
+            <a:r>
+              <a:rPr lang="en-US" sz="2000" dirty="0"/>
+              <a:t>() +</a:t>
+            </a:r>
+          </a:p>
+          <a:p>
+            <a:pPr marL="0" indent="0">
+              <a:buNone/>
+            </a:pPr>
+            <a:r>
+              <a:rPr lang="en-US" sz="2000" dirty="0"/>
+              <a:t>	</a:t>
+            </a:r>
+            <a:r>
+              <a:rPr lang="en-US" sz="2000" dirty="0" err="1">
                 <a:solidFill>
                   <a:srgbClr val="C00000"/>
                 </a:solidFill>
@@ -9083,66 +9005,156 @@
               <a:t>geom_errorbar</a:t>
             </a:r>
             <a:r>
-              <a:rPr lang="en-US" dirty="0"/>
-              <a:t>(), which has its own aesthetics: the lower and upper limits of the vertical lines that we call error bars. </a:t>
-            </a:r>
-          </a:p>
-          <a:p>
-            <a:endParaRPr lang="en-US" dirty="0"/>
-          </a:p>
-          <a:p>
-            <a:r>
-              <a:rPr lang="en-US" dirty="0"/>
-              <a:t>These limits are called </a:t>
-            </a:r>
-            <a:r>
-              <a:rPr lang="en-US" dirty="0" err="1">
-                <a:solidFill>
-                  <a:srgbClr val="0432FF"/>
+              <a:rPr lang="en-US" sz="2000" dirty="0"/>
+              <a:t>(</a:t>
+            </a:r>
+            <a:r>
+              <a:rPr lang="en-US" sz="2000" dirty="0" err="1"/>
+              <a:t>aes</a:t>
+            </a:r>
+            <a:r>
+              <a:rPr lang="en-US" sz="2000" dirty="0"/>
+              <a:t>(</a:t>
+            </a:r>
+            <a:r>
+              <a:rPr lang="en-US" sz="2000" dirty="0" err="1">
+                <a:solidFill>
+                  <a:srgbClr val="00B050"/>
                 </a:solidFill>
               </a:rPr>
               <a:t>ymin</a:t>
             </a:r>
             <a:r>
-              <a:rPr lang="en-US" dirty="0"/>
-              <a:t> and </a:t>
-            </a:r>
-            <a:r>
-              <a:rPr lang="en-US" dirty="0" err="1">
-                <a:solidFill>
-                  <a:srgbClr val="0432FF"/>
+              <a:rPr lang="en-US" sz="2000" dirty="0"/>
+              <a:t> = </a:t>
+            </a:r>
+            <a:r>
+              <a:rPr lang="en-US" sz="2000" dirty="0" err="1"/>
+              <a:t>meanGrow</a:t>
+            </a:r>
+            <a:r>
+              <a:rPr lang="en-US" sz="2000" dirty="0"/>
+              <a:t> - </a:t>
+            </a:r>
+            <a:r>
+              <a:rPr lang="en-US" sz="2000" dirty="0" err="1"/>
+              <a:t>seGrow</a:t>
+            </a:r>
+            <a:r>
+              <a:rPr lang="en-US" sz="2000" dirty="0"/>
+              <a:t>,</a:t>
+            </a:r>
+          </a:p>
+          <a:p>
+            <a:pPr marL="0" indent="0">
+              <a:buNone/>
+            </a:pPr>
+            <a:r>
+              <a:rPr lang="en-US" sz="2000" dirty="0"/>
+              <a:t>			</a:t>
+            </a:r>
+            <a:r>
+              <a:rPr lang="en-US" sz="2000" dirty="0" err="1">
+                <a:solidFill>
+                  <a:srgbClr val="00B050"/>
                 </a:solidFill>
               </a:rPr>
               <a:t>ymax</a:t>
             </a:r>
             <a:r>
-              <a:rPr lang="en-US" dirty="0"/>
-              <a:t>. </a:t>
-            </a:r>
-          </a:p>
-          <a:p>
+              <a:rPr lang="en-US" sz="2000" dirty="0"/>
+              <a:t> = </a:t>
+            </a:r>
+            <a:r>
+              <a:rPr lang="en-US" sz="2000" dirty="0" err="1"/>
+              <a:t>meanGrow</a:t>
+            </a:r>
+            <a:r>
+              <a:rPr lang="en-US" sz="2000" dirty="0"/>
+              <a:t> + </a:t>
+            </a:r>
+            <a:r>
+              <a:rPr lang="en-US" sz="2000" dirty="0" err="1"/>
+              <a:t>seGrow</a:t>
+            </a:r>
+            <a:r>
+              <a:rPr lang="en-US" sz="2000" dirty="0"/>
+              <a:t>), </a:t>
+            </a:r>
+            <a:r>
+              <a:rPr lang="en-US" sz="2000" dirty="0">
+                <a:solidFill>
+                  <a:srgbClr val="00B050"/>
+                </a:solidFill>
+              </a:rPr>
+              <a:t>width</a:t>
+            </a:r>
+            <a:r>
+              <a:rPr lang="en-US" sz="2000" dirty="0"/>
+              <a:t> = 0.1) +</a:t>
+            </a:r>
+          </a:p>
+          <a:p>
+            <a:pPr marL="0" indent="0">
+              <a:buNone/>
+            </a:pPr>
+            <a:r>
+              <a:rPr lang="en-US" sz="2000" dirty="0" err="1"/>
+              <a:t>theme_bw</a:t>
+            </a:r>
+            <a:r>
+              <a:rPr lang="en-US" sz="2000" dirty="0"/>
+              <a:t>()</a:t>
+            </a:r>
+          </a:p>
+          <a:p>
+            <a:pPr marL="0" indent="0">
+              <a:buNone/>
+            </a:pPr>
             <a:endParaRPr lang="en-US" dirty="0"/>
           </a:p>
-          <a:p>
-            <a:r>
-              <a:rPr lang="en-US" dirty="0"/>
-              <a:t>Each vertical line is made by placing a line between these limits, passing through </a:t>
-            </a:r>
-            <a:r>
-              <a:rPr lang="en-US" dirty="0" err="1"/>
-              <a:t>meanGrow</a:t>
-            </a:r>
-            <a:r>
-              <a:rPr lang="en-US" dirty="0"/>
-              <a:t>.</a:t>
-            </a:r>
-          </a:p>
-        </p:txBody>
-      </p:sp>
+        </p:txBody>
+      </p:sp>
+      <p:pic>
+        <p:nvPicPr>
+          <p:cNvPr id="5" name="Picture 4" descr="Chart, line chart&#10;&#10;Description automatically generated">
+            <a:extLst>
+              <a:ext uri="{FF2B5EF4-FFF2-40B4-BE49-F238E27FC236}">
+                <a16:creationId xmlns:a16="http://schemas.microsoft.com/office/drawing/2014/main" id="{42261435-3E02-BB4B-9191-D8559EDFCD22}"/>
+              </a:ext>
+            </a:extLst>
+          </p:cNvPr>
+          <p:cNvPicPr>
+            <a:picLocks noChangeAspect="1"/>
+          </p:cNvPicPr>
+          <p:nvPr/>
+        </p:nvPicPr>
+        <p:blipFill>
+          <a:blip r:embed="rId3">
+            <a:extLst>
+              <a:ext uri="{28A0092B-C50C-407E-A947-70E740481C1C}">
+                <a14:useLocalDpi xmlns:a14="http://schemas.microsoft.com/office/drawing/2010/main" val="0"/>
+              </a:ext>
+            </a:extLst>
+          </a:blip>
+          <a:stretch>
+            <a:fillRect/>
+          </a:stretch>
+        </p:blipFill>
+        <p:spPr>
+          <a:xfrm>
+            <a:off x="2095500" y="3048000"/>
+            <a:ext cx="5334000" cy="3810000"/>
+          </a:xfrm>
+          <a:prstGeom prst="rect">
+            <a:avLst/>
+          </a:prstGeom>
+        </p:spPr>
+      </p:pic>
     </p:spTree>
     <p:extLst>
       <p:ext uri="{BB962C8B-B14F-4D97-AF65-F5344CB8AC3E}">
-        <p14:creationId xmlns:p14="http://schemas.microsoft.com/office/powerpoint/2010/main" val="3853319851"/>
+        <p14:creationId xmlns:p14="http://schemas.microsoft.com/office/powerpoint/2010/main" val="555529083"/>
       </p:ext>
     </p:extLst>
   </p:cSld>
@@ -9240,21 +9252,17 @@
         </p:spPr>
         <p:txBody>
           <a:bodyPr>
-            <a:normAutofit fontScale="90000"/>
+            <a:normAutofit/>
           </a:bodyPr>
           <a:lstStyle/>
           <a:p>
             <a:r>
-              <a:rPr lang="en-US" dirty="0"/>
-              <a:t>Extend Linear Models to </a:t>
-            </a:r>
-            <a:r>
-              <a:rPr lang="en-US" dirty="0" err="1"/>
-              <a:t>Mult</a:t>
-            </a:r>
-            <a:r>
-              <a:rPr lang="en-US" dirty="0"/>
-              <a:t>. Predictors</a:t>
+              <a:rPr lang="en-US" sz="3200" dirty="0">
+                <a:solidFill>
+                  <a:srgbClr val="0432FF"/>
+                </a:solidFill>
+              </a:rPr>
+              <a:t>Extend Linear Models to Multiple Predictors</a:t>
             </a:r>
           </a:p>
         </p:txBody>
@@ -9344,409 +9352,6 @@
 </file>
 
 <file path=ppt/slides/slide20.xml><?xml version="1.0" encoding="utf-8"?>
-<p:sld xmlns:a="http://schemas.openxmlformats.org/drawingml/2006/main" xmlns:r="http://schemas.openxmlformats.org/officeDocument/2006/relationships" xmlns:p="http://schemas.openxmlformats.org/presentationml/2006/main">
-  <p:cSld>
-    <p:spTree>
-      <p:nvGrpSpPr>
-        <p:cNvPr id="1" name=""/>
-        <p:cNvGrpSpPr/>
-        <p:nvPr/>
-      </p:nvGrpSpPr>
-      <p:grpSpPr>
-        <a:xfrm>
-          <a:off x="0" y="0"/>
-          <a:ext cx="0" cy="0"/>
-          <a:chOff x="0" y="0"/>
-          <a:chExt cx="0" cy="0"/>
-        </a:xfrm>
-      </p:grpSpPr>
-      <p:sp>
-        <p:nvSpPr>
-          <p:cNvPr id="2" name="Title 1">
-            <a:extLst>
-              <a:ext uri="{FF2B5EF4-FFF2-40B4-BE49-F238E27FC236}">
-                <a16:creationId xmlns:a16="http://schemas.microsoft.com/office/drawing/2014/main" id="{220A06A0-ED2A-5E47-9B42-A4413DBD8E1D}"/>
-              </a:ext>
-            </a:extLst>
-          </p:cNvPr>
-          <p:cNvSpPr>
-            <a:spLocks noGrp="1"/>
-          </p:cNvSpPr>
-          <p:nvPr>
-            <p:ph type="title"/>
-          </p:nvPr>
-        </p:nvSpPr>
-        <p:spPr>
-          <a:xfrm>
-            <a:off x="76200" y="-76200"/>
-            <a:ext cx="8229600" cy="944562"/>
-          </a:xfrm>
-        </p:spPr>
-        <p:txBody>
-          <a:bodyPr>
-            <a:normAutofit/>
-          </a:bodyPr>
-          <a:lstStyle/>
-          <a:p>
-            <a:r>
-              <a:rPr lang="en-US" dirty="0"/>
-              <a:t>Cow Growth Data-Plot Mean/SE</a:t>
-            </a:r>
-          </a:p>
-        </p:txBody>
-      </p:sp>
-      <p:sp>
-        <p:nvSpPr>
-          <p:cNvPr id="3" name="Content Placeholder 2">
-            <a:extLst>
-              <a:ext uri="{FF2B5EF4-FFF2-40B4-BE49-F238E27FC236}">
-                <a16:creationId xmlns:a16="http://schemas.microsoft.com/office/drawing/2014/main" id="{580BAAD4-5F8C-714C-9AA1-D05A1DA2F419}"/>
-              </a:ext>
-            </a:extLst>
-          </p:cNvPr>
-          <p:cNvSpPr>
-            <a:spLocks noGrp="1"/>
-          </p:cNvSpPr>
-          <p:nvPr>
-            <p:ph idx="1"/>
-          </p:nvPr>
-        </p:nvSpPr>
-        <p:spPr>
-          <a:xfrm>
-            <a:off x="457200" y="838200"/>
-            <a:ext cx="8610600" cy="5532438"/>
-          </a:xfrm>
-        </p:spPr>
-        <p:txBody>
-          <a:bodyPr>
-            <a:normAutofit/>
-          </a:bodyPr>
-          <a:lstStyle/>
-          <a:p>
-            <a:pPr marL="0" indent="0">
-              <a:buNone/>
-            </a:pPr>
-            <a:r>
-              <a:rPr lang="en-US" sz="2000" dirty="0" err="1">
-                <a:solidFill>
-                  <a:srgbClr val="C00000"/>
-                </a:solidFill>
-              </a:rPr>
-              <a:t>ggplot</a:t>
-            </a:r>
-            <a:r>
-              <a:rPr lang="en-US" sz="2000" dirty="0"/>
-              <a:t>(</a:t>
-            </a:r>
-            <a:r>
-              <a:rPr lang="en-US" sz="2000" dirty="0" err="1"/>
-              <a:t>sumMoo</a:t>
-            </a:r>
-            <a:r>
-              <a:rPr lang="en-US" sz="2000" dirty="0"/>
-              <a:t>, </a:t>
-            </a:r>
-            <a:r>
-              <a:rPr lang="en-US" sz="2000" dirty="0" err="1">
-                <a:solidFill>
-                  <a:srgbClr val="C00000"/>
-                </a:solidFill>
-              </a:rPr>
-              <a:t>aes</a:t>
-            </a:r>
-            <a:r>
-              <a:rPr lang="en-US" sz="2000" dirty="0"/>
-              <a:t>(</a:t>
-            </a:r>
-            <a:r>
-              <a:rPr lang="en-US" sz="2000" dirty="0">
-                <a:solidFill>
-                  <a:srgbClr val="00B050"/>
-                </a:solidFill>
-              </a:rPr>
-              <a:t>x</a:t>
-            </a:r>
-            <a:r>
-              <a:rPr lang="en-US" sz="2000" dirty="0"/>
-              <a:t> = supplement, </a:t>
-            </a:r>
-            <a:r>
-              <a:rPr lang="en-US" sz="2000" dirty="0">
-                <a:solidFill>
-                  <a:srgbClr val="00B050"/>
-                </a:solidFill>
-              </a:rPr>
-              <a:t>y</a:t>
-            </a:r>
-            <a:r>
-              <a:rPr lang="en-US" sz="2000" dirty="0"/>
-              <a:t> = </a:t>
-            </a:r>
-            <a:r>
-              <a:rPr lang="en-US" sz="2000" dirty="0" err="1"/>
-              <a:t>meanGrow</a:t>
-            </a:r>
-            <a:r>
-              <a:rPr lang="en-US" sz="2000" dirty="0"/>
-              <a:t>,</a:t>
-            </a:r>
-          </a:p>
-          <a:p>
-            <a:pPr marL="0" indent="0">
-              <a:buNone/>
-            </a:pPr>
-            <a:r>
-              <a:rPr lang="en-US" sz="2000" dirty="0"/>
-              <a:t>		</a:t>
-            </a:r>
-            <a:r>
-              <a:rPr lang="en-US" sz="2000" dirty="0" err="1">
-                <a:solidFill>
-                  <a:srgbClr val="00B050"/>
-                </a:solidFill>
-              </a:rPr>
-              <a:t>colour</a:t>
-            </a:r>
-            <a:r>
-              <a:rPr lang="en-US" sz="2000" dirty="0"/>
-              <a:t> = diet, </a:t>
-            </a:r>
-            <a:r>
-              <a:rPr lang="en-US" sz="2000" dirty="0">
-                <a:solidFill>
-                  <a:srgbClr val="00B050"/>
-                </a:solidFill>
-              </a:rPr>
-              <a:t>group</a:t>
-            </a:r>
-            <a:r>
-              <a:rPr lang="en-US" sz="2000" dirty="0"/>
-              <a:t> = diet)) +</a:t>
-            </a:r>
-          </a:p>
-          <a:p>
-            <a:pPr marL="0" indent="0">
-              <a:buNone/>
-            </a:pPr>
-            <a:r>
-              <a:rPr lang="en-US" sz="2000" dirty="0">
-                <a:solidFill>
-                  <a:srgbClr val="C00000"/>
-                </a:solidFill>
-              </a:rPr>
-              <a:t>	</a:t>
-            </a:r>
-            <a:r>
-              <a:rPr lang="en-US" sz="2000" dirty="0" err="1">
-                <a:solidFill>
-                  <a:srgbClr val="C00000"/>
-                </a:solidFill>
-              </a:rPr>
-              <a:t>geom_point</a:t>
-            </a:r>
-            <a:r>
-              <a:rPr lang="en-US" sz="2000" dirty="0"/>
-              <a:t>() +</a:t>
-            </a:r>
-          </a:p>
-          <a:p>
-            <a:pPr marL="0" indent="0">
-              <a:buNone/>
-            </a:pPr>
-            <a:r>
-              <a:rPr lang="en-US" sz="2000" dirty="0"/>
-              <a:t>	</a:t>
-            </a:r>
-            <a:r>
-              <a:rPr lang="en-US" sz="2000" dirty="0" err="1">
-                <a:solidFill>
-                  <a:srgbClr val="C00000"/>
-                </a:solidFill>
-              </a:rPr>
-              <a:t>geom_line</a:t>
-            </a:r>
-            <a:r>
-              <a:rPr lang="en-US" sz="2000" dirty="0"/>
-              <a:t>() +</a:t>
-            </a:r>
-          </a:p>
-          <a:p>
-            <a:pPr marL="0" indent="0">
-              <a:buNone/>
-            </a:pPr>
-            <a:r>
-              <a:rPr lang="en-US" sz="2000" dirty="0"/>
-              <a:t>	</a:t>
-            </a:r>
-            <a:r>
-              <a:rPr lang="en-US" sz="2000" dirty="0" err="1">
-                <a:solidFill>
-                  <a:srgbClr val="C00000"/>
-                </a:solidFill>
-              </a:rPr>
-              <a:t>geom_errorbar</a:t>
-            </a:r>
-            <a:r>
-              <a:rPr lang="en-US" sz="2000" dirty="0"/>
-              <a:t>(</a:t>
-            </a:r>
-            <a:r>
-              <a:rPr lang="en-US" sz="2000" dirty="0" err="1"/>
-              <a:t>aes</a:t>
-            </a:r>
-            <a:r>
-              <a:rPr lang="en-US" sz="2000" dirty="0"/>
-              <a:t>(</a:t>
-            </a:r>
-            <a:r>
-              <a:rPr lang="en-US" sz="2000" dirty="0" err="1">
-                <a:solidFill>
-                  <a:srgbClr val="00B050"/>
-                </a:solidFill>
-              </a:rPr>
-              <a:t>ymin</a:t>
-            </a:r>
-            <a:r>
-              <a:rPr lang="en-US" sz="2000" dirty="0"/>
-              <a:t> = </a:t>
-            </a:r>
-            <a:r>
-              <a:rPr lang="en-US" sz="2000" dirty="0" err="1"/>
-              <a:t>meanGrow</a:t>
-            </a:r>
-            <a:r>
-              <a:rPr lang="en-US" sz="2000" dirty="0"/>
-              <a:t> - </a:t>
-            </a:r>
-            <a:r>
-              <a:rPr lang="en-US" sz="2000" dirty="0" err="1"/>
-              <a:t>seGrow</a:t>
-            </a:r>
-            <a:r>
-              <a:rPr lang="en-US" sz="2000" dirty="0"/>
-              <a:t>,</a:t>
-            </a:r>
-          </a:p>
-          <a:p>
-            <a:pPr marL="0" indent="0">
-              <a:buNone/>
-            </a:pPr>
-            <a:r>
-              <a:rPr lang="en-US" sz="2000" dirty="0"/>
-              <a:t>			</a:t>
-            </a:r>
-            <a:r>
-              <a:rPr lang="en-US" sz="2000" dirty="0" err="1">
-                <a:solidFill>
-                  <a:srgbClr val="00B050"/>
-                </a:solidFill>
-              </a:rPr>
-              <a:t>ymax</a:t>
-            </a:r>
-            <a:r>
-              <a:rPr lang="en-US" sz="2000" dirty="0"/>
-              <a:t> = </a:t>
-            </a:r>
-            <a:r>
-              <a:rPr lang="en-US" sz="2000" dirty="0" err="1"/>
-              <a:t>meanGrow</a:t>
-            </a:r>
-            <a:r>
-              <a:rPr lang="en-US" sz="2000" dirty="0"/>
-              <a:t> + </a:t>
-            </a:r>
-            <a:r>
-              <a:rPr lang="en-US" sz="2000" dirty="0" err="1"/>
-              <a:t>seGrow</a:t>
-            </a:r>
-            <a:r>
-              <a:rPr lang="en-US" sz="2000" dirty="0"/>
-              <a:t>), </a:t>
-            </a:r>
-            <a:r>
-              <a:rPr lang="en-US" sz="2000" dirty="0">
-                <a:solidFill>
-                  <a:srgbClr val="00B050"/>
-                </a:solidFill>
-              </a:rPr>
-              <a:t>width</a:t>
-            </a:r>
-            <a:r>
-              <a:rPr lang="en-US" sz="2000" dirty="0"/>
-              <a:t> = 0.1) +</a:t>
-            </a:r>
-          </a:p>
-          <a:p>
-            <a:pPr marL="0" indent="0">
-              <a:buNone/>
-            </a:pPr>
-            <a:r>
-              <a:rPr lang="en-US" sz="2000" dirty="0" err="1"/>
-              <a:t>theme_bw</a:t>
-            </a:r>
-            <a:r>
-              <a:rPr lang="en-US" sz="2000" dirty="0"/>
-              <a:t>()</a:t>
-            </a:r>
-          </a:p>
-          <a:p>
-            <a:pPr marL="0" indent="0">
-              <a:buNone/>
-            </a:pPr>
-            <a:endParaRPr lang="en-US" dirty="0"/>
-          </a:p>
-        </p:txBody>
-      </p:sp>
-      <p:pic>
-        <p:nvPicPr>
-          <p:cNvPr id="5" name="Picture 4" descr="Chart, line chart&#10;&#10;Description automatically generated">
-            <a:extLst>
-              <a:ext uri="{FF2B5EF4-FFF2-40B4-BE49-F238E27FC236}">
-                <a16:creationId xmlns:a16="http://schemas.microsoft.com/office/drawing/2014/main" id="{42261435-3E02-BB4B-9191-D8559EDFCD22}"/>
-              </a:ext>
-            </a:extLst>
-          </p:cNvPr>
-          <p:cNvPicPr>
-            <a:picLocks noChangeAspect="1"/>
-          </p:cNvPicPr>
-          <p:nvPr/>
-        </p:nvPicPr>
-        <p:blipFill>
-          <a:blip r:embed="rId3">
-            <a:extLst>
-              <a:ext uri="{28A0092B-C50C-407E-A947-70E740481C1C}">
-                <a14:useLocalDpi xmlns:a14="http://schemas.microsoft.com/office/drawing/2010/main" val="0"/>
-              </a:ext>
-            </a:extLst>
-          </a:blip>
-          <a:stretch>
-            <a:fillRect/>
-          </a:stretch>
-        </p:blipFill>
-        <p:spPr>
-          <a:xfrm>
-            <a:off x="2095500" y="3048000"/>
-            <a:ext cx="5334000" cy="3810000"/>
-          </a:xfrm>
-          <a:prstGeom prst="rect">
-            <a:avLst/>
-          </a:prstGeom>
-        </p:spPr>
-      </p:pic>
-    </p:spTree>
-    <p:extLst>
-      <p:ext uri="{BB962C8B-B14F-4D97-AF65-F5344CB8AC3E}">
-        <p14:creationId xmlns:p14="http://schemas.microsoft.com/office/powerpoint/2010/main" val="555529083"/>
-      </p:ext>
-    </p:extLst>
-  </p:cSld>
-  <p:clrMapOvr>
-    <a:masterClrMapping/>
-  </p:clrMapOvr>
-</p:sld>
-</file>
-
-<file path=ppt/slides/slide21.xml><?xml version="1.0" encoding="utf-8"?>
 <p:sld xmlns:a="http://schemas.openxmlformats.org/drawingml/2006/main" xmlns:r="http://schemas.openxmlformats.org/officeDocument/2006/relationships" xmlns:p="http://schemas.openxmlformats.org/presentationml/2006/main">
   <p:cSld>
     <p:bg>
@@ -9836,7 +9441,7 @@
                   <a:schemeClr val="bg1"/>
                 </a:solidFill>
               </a:rPr>
-              <a:t>comparing interaction vs. additive models</a:t>
+              <a:t>comparing interaction (multiplicative) vs. additive models</a:t>
             </a:r>
           </a:p>
           <a:p>
@@ -9874,7 +9479,7 @@
 </p:sld>
 </file>
 
-<file path=ppt/slides/slide22.xml><?xml version="1.0" encoding="utf-8"?>
+<file path=ppt/slides/slide21.xml><?xml version="1.0" encoding="utf-8"?>
 <p:sld xmlns:a="http://schemas.openxmlformats.org/drawingml/2006/main" xmlns:r="http://schemas.openxmlformats.org/officeDocument/2006/relationships" xmlns:p="http://schemas.openxmlformats.org/presentationml/2006/main">
   <p:cSld>
     <p:spTree>
@@ -9952,6 +9557,39 @@
               <a:rPr lang="en-US" dirty="0"/>
               <a:t>Next time?</a:t>
             </a:r>
+          </a:p>
+          <a:p>
+            <a:r>
+              <a:rPr lang="en-US" dirty="0"/>
+              <a:t>?CO2 for background information</a:t>
+            </a:r>
+          </a:p>
+          <a:p>
+            <a:r>
+              <a:rPr lang="en-US" dirty="0">
+                <a:hlinkClick r:id="rId2"/>
+              </a:rPr>
+              <a:t>http://</a:t>
+            </a:r>
+            <a:r>
+              <a:rPr lang="en-US" dirty="0" err="1">
+                <a:hlinkClick r:id="rId2"/>
+              </a:rPr>
+              <a:t>en.wikipedia.org</a:t>
+            </a:r>
+            <a:r>
+              <a:rPr lang="en-US" dirty="0">
+                <a:hlinkClick r:id="rId2"/>
+              </a:rPr>
+              <a:t>/wiki/</a:t>
+            </a:r>
+            <a:r>
+              <a:rPr lang="en-US" dirty="0" err="1">
+                <a:hlinkClick r:id="rId2"/>
+              </a:rPr>
+              <a:t>Echinochloa_crus-galli</a:t>
+            </a:r>
+            <a:endParaRPr lang="en-US" dirty="0"/>
           </a:p>
         </p:txBody>
       </p:sp>
@@ -11312,7 +10950,7 @@
             </a:pPr>
             <a:r>
               <a:rPr lang="en-US" dirty="0"/>
-              <a:t># calculate mean and SD of gain for all 12 combinations </a:t>
+              <a:t># calculate mean weight gain for all 12 combinations </a:t>
             </a:r>
           </a:p>
           <a:p>

--- a/6-2Way_ANOVA.pptx
+++ b/6-2Way_ANOVA.pptx
@@ -228,7 +228,7 @@
           <a:p>
             <a:fld id="{6E40E0DB-E81D-7C41-8DEB-979E499DB144}" type="datetimeFigureOut">
               <a:rPr lang="en-US" smtClean="0"/>
-              <a:t>11/3/21</a:t>
+              <a:t>10/12/22</a:t>
             </a:fld>
             <a:endParaRPr lang="en-US"/>
           </a:p>
@@ -2308,7 +2308,7 @@
           <a:p>
             <a:fld id="{0D162873-51CE-49DA-B98E-BAD067B56C8D}" type="datetimeFigureOut">
               <a:rPr lang="en-US" smtClean="0"/>
-              <a:t>11/3/21</a:t>
+              <a:t>10/12/22</a:t>
             </a:fld>
             <a:endParaRPr lang="en-US"/>
           </a:p>
@@ -2476,7 +2476,7 @@
           <a:p>
             <a:fld id="{0D162873-51CE-49DA-B98E-BAD067B56C8D}" type="datetimeFigureOut">
               <a:rPr lang="en-US" smtClean="0"/>
-              <a:t>11/3/21</a:t>
+              <a:t>10/12/22</a:t>
             </a:fld>
             <a:endParaRPr lang="en-US"/>
           </a:p>
@@ -2654,7 +2654,7 @@
           <a:p>
             <a:fld id="{0D162873-51CE-49DA-B98E-BAD067B56C8D}" type="datetimeFigureOut">
               <a:rPr lang="en-US" smtClean="0"/>
-              <a:t>11/3/21</a:t>
+              <a:t>10/12/22</a:t>
             </a:fld>
             <a:endParaRPr lang="en-US"/>
           </a:p>
@@ -3034,7 +3034,7 @@
           <a:p>
             <a:fld id="{0D162873-51CE-49DA-B98E-BAD067B56C8D}" type="datetimeFigureOut">
               <a:rPr lang="en-US" smtClean="0"/>
-              <a:t>11/3/21</a:t>
+              <a:t>10/12/22</a:t>
             </a:fld>
             <a:endParaRPr lang="en-US"/>
           </a:p>
@@ -3319,7 +3319,7 @@
           <a:p>
             <a:fld id="{0D162873-51CE-49DA-B98E-BAD067B56C8D}" type="datetimeFigureOut">
               <a:rPr lang="en-US" smtClean="0"/>
-              <a:t>11/3/21</a:t>
+              <a:t>10/12/22</a:t>
             </a:fld>
             <a:endParaRPr lang="en-US"/>
           </a:p>
@@ -3738,7 +3738,7 @@
           <a:p>
             <a:fld id="{0D162873-51CE-49DA-B98E-BAD067B56C8D}" type="datetimeFigureOut">
               <a:rPr lang="en-US" smtClean="0"/>
-              <a:t>11/3/21</a:t>
+              <a:t>10/12/22</a:t>
             </a:fld>
             <a:endParaRPr lang="en-US"/>
           </a:p>
@@ -3855,7 +3855,7 @@
           <a:p>
             <a:fld id="{0D162873-51CE-49DA-B98E-BAD067B56C8D}" type="datetimeFigureOut">
               <a:rPr lang="en-US" smtClean="0"/>
-              <a:t>11/3/21</a:t>
+              <a:t>10/12/22</a:t>
             </a:fld>
             <a:endParaRPr lang="en-US"/>
           </a:p>
@@ -3950,7 +3950,7 @@
           <a:p>
             <a:fld id="{0D162873-51CE-49DA-B98E-BAD067B56C8D}" type="datetimeFigureOut">
               <a:rPr lang="en-US" smtClean="0"/>
-              <a:t>11/3/21</a:t>
+              <a:t>10/12/22</a:t>
             </a:fld>
             <a:endParaRPr lang="en-US"/>
           </a:p>
@@ -4225,7 +4225,7 @@
           <a:p>
             <a:fld id="{0D162873-51CE-49DA-B98E-BAD067B56C8D}" type="datetimeFigureOut">
               <a:rPr lang="en-US" smtClean="0"/>
-              <a:t>11/3/21</a:t>
+              <a:t>10/12/22</a:t>
             </a:fld>
             <a:endParaRPr lang="en-US"/>
           </a:p>
@@ -4477,7 +4477,7 @@
           <a:p>
             <a:fld id="{0D162873-51CE-49DA-B98E-BAD067B56C8D}" type="datetimeFigureOut">
               <a:rPr lang="en-US" smtClean="0"/>
-              <a:t>11/3/21</a:t>
+              <a:t>10/12/22</a:t>
             </a:fld>
             <a:endParaRPr lang="en-US"/>
           </a:p>
@@ -4688,7 +4688,7 @@
           <a:p>
             <a:fld id="{0D162873-51CE-49DA-B98E-BAD067B56C8D}" type="datetimeFigureOut">
               <a:rPr lang="en-US" smtClean="0"/>
-              <a:t>11/3/21</a:t>
+              <a:t>10/12/22</a:t>
             </a:fld>
             <a:endParaRPr lang="en-US"/>
           </a:p>
@@ -7919,7 +7919,7 @@
         </p:spPr>
         <p:txBody>
           <a:bodyPr>
-            <a:normAutofit fontScale="85000" lnSpcReduction="20000"/>
+            <a:normAutofit fontScale="85000" lnSpcReduction="10000"/>
           </a:bodyPr>
           <a:lstStyle/>
           <a:p>
@@ -8087,16 +8087,7 @@
             </a:r>
             <a:r>
               <a:rPr lang="en-US" dirty="0"/>
-              <a:t>())</a:t>
-            </a:r>
-          </a:p>
-          <a:p>
-            <a:pPr marL="0" indent="0">
-              <a:buNone/>
-            </a:pPr>
-            <a:r>
-              <a:rPr lang="en-US" dirty="0"/>
-              <a:t>)</a:t>
+              <a:t>()))</a:t>
             </a:r>
           </a:p>
           <a:p>
@@ -10633,7 +10624,7 @@
             </a:r>
             <a:r>
               <a:rPr lang="en-US" dirty="0"/>
-              <a:t>, which creates a new reference level by re-ordering the factor. </a:t>
+              <a:t>, which creates a new reference level by re-ordering levels of the factor. </a:t>
             </a:r>
           </a:p>
           <a:p>
@@ -10884,6 +10875,319 @@
       </p:grpSpPr>
       <p:sp>
         <p:nvSpPr>
+          <p:cNvPr id="3" name="Content Placeholder 2">
+            <a:extLst>
+              <a:ext uri="{FF2B5EF4-FFF2-40B4-BE49-F238E27FC236}">
+                <a16:creationId xmlns:a16="http://schemas.microsoft.com/office/drawing/2014/main" id="{580BAAD4-5F8C-714C-9AA1-D05A1DA2F419}"/>
+              </a:ext>
+            </a:extLst>
+          </p:cNvPr>
+          <p:cNvSpPr>
+            <a:spLocks noGrp="1"/>
+          </p:cNvSpPr>
+          <p:nvPr>
+            <p:ph idx="1"/>
+          </p:nvPr>
+        </p:nvSpPr>
+        <p:spPr>
+          <a:xfrm>
+            <a:off x="685800" y="0"/>
+            <a:ext cx="8534400" cy="7162800"/>
+          </a:xfrm>
+        </p:spPr>
+        <p:txBody>
+          <a:bodyPr>
+            <a:normAutofit fontScale="62500" lnSpcReduction="20000"/>
+          </a:bodyPr>
+          <a:lstStyle/>
+          <a:p>
+            <a:pPr marL="0" indent="0">
+              <a:buNone/>
+            </a:pPr>
+            <a:endParaRPr lang="en-US" dirty="0"/>
+          </a:p>
+          <a:p>
+            <a:pPr marL="0" indent="0">
+              <a:buNone/>
+            </a:pPr>
+            <a:r>
+              <a:rPr lang="en-US" sz="3800" dirty="0" err="1"/>
+              <a:t>sumMoo</a:t>
+            </a:r>
+            <a:r>
+              <a:rPr lang="en-US" sz="3800" dirty="0"/>
+              <a:t> &lt;- </a:t>
+            </a:r>
+            <a:r>
+              <a:rPr lang="en-US" sz="3800" dirty="0" err="1"/>
+              <a:t>growth.moo</a:t>
+            </a:r>
+            <a:r>
+              <a:rPr lang="en-US" sz="3800" dirty="0"/>
+              <a:t> %&gt;%</a:t>
+            </a:r>
+          </a:p>
+          <a:p>
+            <a:pPr marL="0" indent="0">
+              <a:buNone/>
+            </a:pPr>
+            <a:r>
+              <a:rPr lang="en-US" sz="3800" dirty="0"/>
+              <a:t>	</a:t>
+            </a:r>
+            <a:r>
+              <a:rPr lang="en-US" sz="3800" dirty="0" err="1">
+                <a:solidFill>
+                  <a:srgbClr val="C00000"/>
+                </a:solidFill>
+              </a:rPr>
+              <a:t>group_by</a:t>
+            </a:r>
+            <a:r>
+              <a:rPr lang="en-US" sz="3800" dirty="0"/>
+              <a:t>(diet, supplement) %&gt;%</a:t>
+            </a:r>
+          </a:p>
+          <a:p>
+            <a:pPr marL="0" indent="0">
+              <a:buNone/>
+            </a:pPr>
+            <a:r>
+              <a:rPr lang="en-US" sz="3800" dirty="0"/>
+              <a:t>		</a:t>
+            </a:r>
+            <a:r>
+              <a:rPr lang="en-US" sz="3800" dirty="0" err="1">
+                <a:solidFill>
+                  <a:srgbClr val="C00000"/>
+                </a:solidFill>
+              </a:rPr>
+              <a:t>summarise</a:t>
+            </a:r>
+            <a:r>
+              <a:rPr lang="en-US" sz="3800" dirty="0"/>
+              <a:t>(</a:t>
+            </a:r>
+            <a:r>
+              <a:rPr lang="en-US" sz="3800" dirty="0" err="1">
+                <a:solidFill>
+                  <a:srgbClr val="00B050"/>
+                </a:solidFill>
+              </a:rPr>
+              <a:t>meanGrow</a:t>
+            </a:r>
+            <a:r>
+              <a:rPr lang="en-US" sz="3800" dirty="0"/>
+              <a:t> = </a:t>
+            </a:r>
+            <a:r>
+              <a:rPr lang="en-US" sz="3800" dirty="0">
+                <a:solidFill>
+                  <a:srgbClr val="C00000"/>
+                </a:solidFill>
+              </a:rPr>
+              <a:t>mean</a:t>
+            </a:r>
+            <a:r>
+              <a:rPr lang="en-US" sz="3800" dirty="0"/>
+              <a:t>(gain))</a:t>
+            </a:r>
+          </a:p>
+          <a:p>
+            <a:pPr marL="0" indent="0">
+              <a:buNone/>
+            </a:pPr>
+            <a:endParaRPr lang="en-US" sz="3800" dirty="0">
+              <a:solidFill>
+                <a:srgbClr val="C00000"/>
+              </a:solidFill>
+            </a:endParaRPr>
+          </a:p>
+          <a:p>
+            <a:pPr marL="0" indent="0">
+              <a:buNone/>
+            </a:pPr>
+            <a:r>
+              <a:rPr lang="en-US" sz="3800" dirty="0"/>
+              <a:t># make sure it worked</a:t>
+            </a:r>
+          </a:p>
+          <a:p>
+            <a:pPr marL="0" indent="0">
+              <a:buNone/>
+            </a:pPr>
+            <a:r>
+              <a:rPr lang="en-US" sz="3800" dirty="0" err="1"/>
+              <a:t>sumMoo</a:t>
+            </a:r>
+            <a:endParaRPr lang="en-US" sz="3800" dirty="0"/>
+          </a:p>
+          <a:p>
+            <a:pPr marL="0" indent="0">
+              <a:buNone/>
+            </a:pPr>
+            <a:endParaRPr lang="en-US" sz="3800" dirty="0">
+              <a:solidFill>
+                <a:srgbClr val="C00000"/>
+              </a:solidFill>
+            </a:endParaRPr>
+          </a:p>
+          <a:p>
+            <a:pPr marL="0" indent="0">
+              <a:buNone/>
+            </a:pPr>
+            <a:r>
+              <a:rPr lang="en-US" sz="3800" dirty="0"/>
+              <a:t>## Source: local data frame [12 x 3]</a:t>
+            </a:r>
+          </a:p>
+          <a:p>
+            <a:pPr marL="0" indent="0">
+              <a:buNone/>
+            </a:pPr>
+            <a:r>
+              <a:rPr lang="en-US" sz="3800" dirty="0"/>
+              <a:t>## Groups: diet [?]</a:t>
+            </a:r>
+          </a:p>
+          <a:p>
+            <a:pPr marL="0" indent="0">
+              <a:buNone/>
+            </a:pPr>
+            <a:r>
+              <a:rPr lang="en-US" sz="3800" dirty="0"/>
+              <a:t>##</a:t>
+            </a:r>
+          </a:p>
+          <a:p>
+            <a:pPr marL="0" indent="0">
+              <a:buNone/>
+            </a:pPr>
+            <a:r>
+              <a:rPr lang="en-US" sz="3800" dirty="0"/>
+              <a:t>## diet		supplement	</a:t>
+            </a:r>
+            <a:r>
+              <a:rPr lang="en-US" sz="3800" dirty="0" err="1"/>
+              <a:t>meanGrow</a:t>
+            </a:r>
+            <a:endParaRPr lang="en-US" sz="3800" dirty="0"/>
+          </a:p>
+          <a:p>
+            <a:pPr marL="0" indent="0">
+              <a:buNone/>
+            </a:pPr>
+            <a:r>
+              <a:rPr lang="en-US" sz="3800" dirty="0"/>
+              <a:t>## (</a:t>
+            </a:r>
+            <a:r>
+              <a:rPr lang="en-US" sz="3800" dirty="0" err="1"/>
+              <a:t>fctr</a:t>
+            </a:r>
+            <a:r>
+              <a:rPr lang="en-US" sz="3800" dirty="0"/>
+              <a:t>)	(</a:t>
+            </a:r>
+            <a:r>
+              <a:rPr lang="en-US" sz="3800" dirty="0" err="1"/>
+              <a:t>fctr</a:t>
+            </a:r>
+            <a:r>
+              <a:rPr lang="en-US" sz="3800" dirty="0"/>
+              <a:t>)		(</a:t>
+            </a:r>
+            <a:r>
+              <a:rPr lang="en-US" sz="3800" dirty="0" err="1"/>
+              <a:t>dbl</a:t>
+            </a:r>
+            <a:r>
+              <a:rPr lang="en-US" sz="3800" dirty="0"/>
+              <a:t>)</a:t>
+            </a:r>
+          </a:p>
+          <a:p>
+            <a:pPr marL="0" indent="0">
+              <a:buNone/>
+            </a:pPr>
+            <a:r>
+              <a:rPr lang="en-US" sz="3800" dirty="0"/>
+              <a:t>## 1 barley 	control 	23.29665</a:t>
+            </a:r>
+          </a:p>
+          <a:p>
+            <a:pPr marL="0" indent="0">
+              <a:buNone/>
+            </a:pPr>
+            <a:r>
+              <a:rPr lang="en-US" sz="3800" dirty="0"/>
+              <a:t>## 2 barley 	</a:t>
+            </a:r>
+            <a:r>
+              <a:rPr lang="en-US" sz="3800" dirty="0" err="1"/>
+              <a:t>agrimore</a:t>
+            </a:r>
+            <a:r>
+              <a:rPr lang="en-US" sz="3800" dirty="0"/>
+              <a:t> 	26.34848</a:t>
+            </a:r>
+          </a:p>
+          <a:p>
+            <a:pPr marL="0" indent="0">
+              <a:buNone/>
+            </a:pPr>
+            <a:r>
+              <a:rPr lang="en-US" sz="3800" dirty="0"/>
+              <a:t>## 3 barley 	</a:t>
+            </a:r>
+            <a:r>
+              <a:rPr lang="en-US" sz="3800" dirty="0" err="1"/>
+              <a:t>supergain</a:t>
+            </a:r>
+            <a:r>
+              <a:rPr lang="en-US" sz="3800" dirty="0"/>
+              <a:t> 	22.46612</a:t>
+            </a:r>
+          </a:p>
+          <a:p>
+            <a:pPr marL="0" indent="0">
+              <a:buNone/>
+            </a:pPr>
+            <a:r>
+              <a:rPr lang="en-US" sz="3800" dirty="0"/>
+              <a:t>## 4 barley 	</a:t>
+            </a:r>
+            <a:r>
+              <a:rPr lang="en-US" sz="3800" dirty="0" err="1"/>
+              <a:t>supersupp</a:t>
+            </a:r>
+            <a:r>
+              <a:rPr lang="en-US" sz="3800" dirty="0"/>
+              <a:t>	25.57530</a:t>
+            </a:r>
+          </a:p>
+          <a:p>
+            <a:pPr marL="0" indent="0">
+              <a:buNone/>
+            </a:pPr>
+            <a:r>
+              <a:rPr lang="en-US" sz="3800" dirty="0"/>
+              <a:t>## 5 oats 	control		20.49366</a:t>
+            </a:r>
+          </a:p>
+          <a:p>
+            <a:pPr marL="0" indent="0">
+              <a:buNone/>
+            </a:pPr>
+            <a:r>
+              <a:rPr lang="en-US" dirty="0"/>
+              <a:t>…</a:t>
+            </a:r>
+          </a:p>
+        </p:txBody>
+      </p:sp>
+      <p:sp>
+        <p:nvSpPr>
           <p:cNvPr id="2" name="Title 1">
             <a:extLst>
               <a:ext uri="{FF2B5EF4-FFF2-40B4-BE49-F238E27FC236}">
@@ -10900,342 +11204,29 @@
         </p:nvSpPr>
         <p:spPr>
           <a:xfrm>
-            <a:off x="457200" y="76200"/>
-            <a:ext cx="8229600" cy="944562"/>
+            <a:off x="4953000" y="1600200"/>
+            <a:ext cx="3886200" cy="1143000"/>
           </a:xfrm>
+          <a:ln>
+            <a:solidFill>
+              <a:srgbClr val="0432FF"/>
+            </a:solidFill>
+          </a:ln>
         </p:spPr>
         <p:txBody>
           <a:bodyPr>
-            <a:normAutofit/>
+            <a:normAutofit fontScale="90000"/>
           </a:bodyPr>
           <a:lstStyle/>
           <a:p>
             <a:r>
-              <a:rPr lang="en-US" dirty="0"/>
-              <a:t>Cow Growth Data</a:t>
-            </a:r>
-          </a:p>
-        </p:txBody>
-      </p:sp>
-      <p:sp>
-        <p:nvSpPr>
-          <p:cNvPr id="3" name="Content Placeholder 2">
-            <a:extLst>
-              <a:ext uri="{FF2B5EF4-FFF2-40B4-BE49-F238E27FC236}">
-                <a16:creationId xmlns:a16="http://schemas.microsoft.com/office/drawing/2014/main" id="{580BAAD4-5F8C-714C-9AA1-D05A1DA2F419}"/>
-              </a:ext>
-            </a:extLst>
-          </p:cNvPr>
-          <p:cNvSpPr>
-            <a:spLocks noGrp="1"/>
-          </p:cNvSpPr>
-          <p:nvPr>
-            <p:ph idx="1"/>
-          </p:nvPr>
-        </p:nvSpPr>
-        <p:spPr>
-          <a:xfrm>
-            <a:off x="304800" y="1020762"/>
-            <a:ext cx="8534400" cy="5532438"/>
-          </a:xfrm>
-        </p:spPr>
-        <p:txBody>
-          <a:bodyPr>
-            <a:normAutofit fontScale="62500" lnSpcReduction="20000"/>
-          </a:bodyPr>
-          <a:lstStyle/>
-          <a:p>
-            <a:pPr marL="0" indent="0">
-              <a:buNone/>
-            </a:pPr>
-            <a:r>
-              <a:rPr lang="en-US" dirty="0"/>
+              <a:rPr lang="en-US" sz="2400" dirty="0"/>
               <a:t># calculate mean weight gain for all 12 combinations </a:t>
             </a:r>
-          </a:p>
-          <a:p>
-            <a:pPr marL="0" indent="0">
-              <a:buNone/>
-            </a:pPr>
-            <a:endParaRPr lang="en-US" dirty="0"/>
-          </a:p>
-          <a:p>
-            <a:pPr marL="0" indent="0">
-              <a:buNone/>
-            </a:pPr>
-            <a:r>
-              <a:rPr lang="en-US" dirty="0" err="1"/>
-              <a:t>sumMoo</a:t>
-            </a:r>
-            <a:r>
-              <a:rPr lang="en-US" dirty="0"/>
-              <a:t> &lt;- </a:t>
-            </a:r>
-            <a:r>
-              <a:rPr lang="en-US" dirty="0" err="1"/>
-              <a:t>growth.moo</a:t>
-            </a:r>
-            <a:r>
-              <a:rPr lang="en-US" dirty="0"/>
-              <a:t> %&gt;%</a:t>
-            </a:r>
-          </a:p>
-          <a:p>
-            <a:pPr marL="0" indent="0">
-              <a:buNone/>
-            </a:pPr>
-            <a:r>
-              <a:rPr lang="en-US" dirty="0"/>
-              <a:t>	</a:t>
-            </a:r>
-            <a:r>
-              <a:rPr lang="en-US" dirty="0" err="1">
-                <a:solidFill>
-                  <a:srgbClr val="C00000"/>
-                </a:solidFill>
-              </a:rPr>
-              <a:t>group_by</a:t>
-            </a:r>
-            <a:r>
-              <a:rPr lang="en-US" dirty="0"/>
-              <a:t>(diet, supplement) %&gt;%</a:t>
-            </a:r>
-          </a:p>
-          <a:p>
-            <a:pPr marL="0" indent="0">
-              <a:buNone/>
-            </a:pPr>
-            <a:r>
-              <a:rPr lang="en-US" dirty="0"/>
-              <a:t>		</a:t>
-            </a:r>
-            <a:r>
-              <a:rPr lang="en-US" dirty="0" err="1">
-                <a:solidFill>
-                  <a:srgbClr val="C00000"/>
-                </a:solidFill>
-              </a:rPr>
-              <a:t>summarise</a:t>
-            </a:r>
-            <a:r>
-              <a:rPr lang="en-US" dirty="0"/>
-              <a:t>(</a:t>
-            </a:r>
-            <a:r>
-              <a:rPr lang="en-US" dirty="0" err="1">
-                <a:solidFill>
-                  <a:srgbClr val="00B050"/>
-                </a:solidFill>
-              </a:rPr>
-              <a:t>meanGrow</a:t>
-            </a:r>
-            <a:r>
-              <a:rPr lang="en-US" dirty="0"/>
-              <a:t> = </a:t>
-            </a:r>
-            <a:r>
-              <a:rPr lang="en-US" dirty="0">
-                <a:solidFill>
-                  <a:srgbClr val="C00000"/>
-                </a:solidFill>
-              </a:rPr>
-              <a:t>mean</a:t>
-            </a:r>
-            <a:r>
-              <a:rPr lang="en-US" dirty="0"/>
-              <a:t>(gain))</a:t>
-            </a:r>
-          </a:p>
-          <a:p>
-            <a:pPr marL="0" indent="0">
-              <a:buNone/>
-            </a:pPr>
-            <a:endParaRPr lang="en-US" dirty="0">
-              <a:solidFill>
-                <a:srgbClr val="C00000"/>
-              </a:solidFill>
-            </a:endParaRPr>
-          </a:p>
-          <a:p>
-            <a:pPr marL="0" indent="0">
-              <a:buNone/>
-            </a:pPr>
-            <a:r>
-              <a:rPr lang="en-US" dirty="0"/>
-              <a:t># make sure it worked</a:t>
-            </a:r>
-          </a:p>
-          <a:p>
-            <a:pPr marL="0" indent="0">
-              <a:buNone/>
-            </a:pPr>
-            <a:r>
-              <a:rPr lang="en-US" dirty="0" err="1"/>
-              <a:t>sumMoo</a:t>
-            </a:r>
-            <a:endParaRPr lang="en-US" dirty="0"/>
-          </a:p>
-          <a:p>
-            <a:pPr marL="0" indent="0">
-              <a:buNone/>
-            </a:pPr>
-            <a:endParaRPr lang="en-US" dirty="0">
-              <a:solidFill>
-                <a:srgbClr val="C00000"/>
-              </a:solidFill>
-            </a:endParaRPr>
-          </a:p>
-          <a:p>
-            <a:pPr marL="0" indent="0">
-              <a:buNone/>
-            </a:pPr>
-            <a:r>
-              <a:rPr lang="en-US" dirty="0"/>
-              <a:t>## Source: local data frame [12 x 3]</a:t>
-            </a:r>
-          </a:p>
-          <a:p>
-            <a:pPr marL="0" indent="0">
-              <a:buNone/>
-            </a:pPr>
-            <a:r>
-              <a:rPr lang="en-US" dirty="0"/>
-              <a:t>## Groups: diet [?]</a:t>
-            </a:r>
-          </a:p>
-          <a:p>
-            <a:pPr marL="0" indent="0">
-              <a:buNone/>
-            </a:pPr>
-            <a:r>
-              <a:rPr lang="en-US" dirty="0"/>
-              <a:t>##</a:t>
-            </a:r>
-          </a:p>
-          <a:p>
-            <a:pPr marL="0" indent="0">
-              <a:buNone/>
-            </a:pPr>
-            <a:r>
-              <a:rPr lang="en-US" dirty="0"/>
-              <a:t>## diet		supplement	</a:t>
-            </a:r>
-            <a:r>
-              <a:rPr lang="en-US" dirty="0" err="1"/>
-              <a:t>meanGrow</a:t>
-            </a:r>
-            <a:endParaRPr lang="en-US" dirty="0"/>
-          </a:p>
-          <a:p>
-            <a:pPr marL="0" indent="0">
-              <a:buNone/>
-            </a:pPr>
-            <a:r>
-              <a:rPr lang="en-US" dirty="0"/>
-              <a:t>## (</a:t>
-            </a:r>
-            <a:r>
-              <a:rPr lang="en-US" dirty="0" err="1"/>
-              <a:t>fctr</a:t>
-            </a:r>
-            <a:r>
-              <a:rPr lang="en-US" dirty="0"/>
-              <a:t>)		(</a:t>
-            </a:r>
-            <a:r>
-              <a:rPr lang="en-US" dirty="0" err="1"/>
-              <a:t>fctr</a:t>
-            </a:r>
-            <a:r>
-              <a:rPr lang="en-US" dirty="0"/>
-              <a:t>)		(</a:t>
-            </a:r>
-            <a:r>
-              <a:rPr lang="en-US" dirty="0" err="1"/>
-              <a:t>dbl</a:t>
-            </a:r>
-            <a:r>
-              <a:rPr lang="en-US" dirty="0"/>
-              <a:t>)</a:t>
-            </a:r>
-          </a:p>
-          <a:p>
-            <a:pPr marL="0" indent="0">
-              <a:buNone/>
-            </a:pPr>
-            <a:r>
-              <a:rPr lang="en-US" dirty="0"/>
-              <a:t>## 1 barley 	control 		23.29665</a:t>
-            </a:r>
-          </a:p>
-          <a:p>
-            <a:pPr marL="0" indent="0">
-              <a:buNone/>
-            </a:pPr>
-            <a:r>
-              <a:rPr lang="en-US" dirty="0"/>
-              <a:t>## 2 barley 	</a:t>
-            </a:r>
-            <a:r>
-              <a:rPr lang="en-US" dirty="0" err="1"/>
-              <a:t>agrimore</a:t>
-            </a:r>
-            <a:r>
-              <a:rPr lang="en-US" dirty="0"/>
-              <a:t> 		26.34848</a:t>
-            </a:r>
-          </a:p>
-          <a:p>
-            <a:pPr marL="0" indent="0">
-              <a:buNone/>
-            </a:pPr>
-            <a:r>
-              <a:rPr lang="en-US" dirty="0"/>
-              <a:t>## 3 barley 	</a:t>
-            </a:r>
-            <a:r>
-              <a:rPr lang="en-US" dirty="0" err="1"/>
-              <a:t>supergain</a:t>
-            </a:r>
-            <a:r>
-              <a:rPr lang="en-US" dirty="0"/>
-              <a:t> 	22.46612</a:t>
-            </a:r>
-          </a:p>
-          <a:p>
-            <a:pPr marL="0" indent="0">
-              <a:buNone/>
-            </a:pPr>
-            <a:r>
-              <a:rPr lang="en-US" dirty="0"/>
-              <a:t>## 4 barley 	</a:t>
-            </a:r>
-            <a:r>
-              <a:rPr lang="en-US" dirty="0" err="1"/>
-              <a:t>supersupp</a:t>
-            </a:r>
-            <a:r>
-              <a:rPr lang="en-US" dirty="0"/>
-              <a:t>	25.57530</a:t>
-            </a:r>
-          </a:p>
-          <a:p>
-            <a:pPr marL="0" indent="0">
-              <a:buNone/>
-            </a:pPr>
-            <a:r>
-              <a:rPr lang="en-US" dirty="0"/>
-              <a:t>## 5 oats 		control		20.49366</a:t>
-            </a:r>
-          </a:p>
-          <a:p>
-            <a:pPr marL="0" indent="0">
-              <a:buNone/>
-            </a:pPr>
-            <a:r>
-              <a:rPr lang="en-US" dirty="0"/>
-              <a:t>…</a:t>
-            </a:r>
+            <a:br>
+              <a:rPr lang="en-US" sz="2400" dirty="0"/>
+            </a:br>
+            <a:endParaRPr lang="en-US" sz="2400" dirty="0"/>
           </a:p>
         </p:txBody>
       </p:sp>

--- a/6-2Way_ANOVA.pptx
+++ b/6-2Way_ANOVA.pptx
@@ -5,30 +5,34 @@
     <p:sldMasterId id="2147483648" r:id="rId1"/>
   </p:sldMasterIdLst>
   <p:notesMasterIdLst>
-    <p:notesMasterId r:id="rId23"/>
+    <p:notesMasterId r:id="rId27"/>
   </p:notesMasterIdLst>
   <p:sldIdLst>
     <p:sldId id="256" r:id="rId2"/>
     <p:sldId id="454" r:id="rId3"/>
     <p:sldId id="456" r:id="rId4"/>
     <p:sldId id="457" r:id="rId5"/>
-    <p:sldId id="455" r:id="rId6"/>
-    <p:sldId id="458" r:id="rId7"/>
-    <p:sldId id="459" r:id="rId8"/>
-    <p:sldId id="461" r:id="rId9"/>
-    <p:sldId id="460" r:id="rId10"/>
-    <p:sldId id="463" r:id="rId11"/>
-    <p:sldId id="464" r:id="rId12"/>
-    <p:sldId id="465" r:id="rId13"/>
-    <p:sldId id="466" r:id="rId14"/>
-    <p:sldId id="468" r:id="rId15"/>
-    <p:sldId id="469" r:id="rId16"/>
-    <p:sldId id="470" r:id="rId17"/>
-    <p:sldId id="471" r:id="rId18"/>
-    <p:sldId id="472" r:id="rId19"/>
-    <p:sldId id="473" r:id="rId20"/>
-    <p:sldId id="475" r:id="rId21"/>
-    <p:sldId id="474" r:id="rId22"/>
+    <p:sldId id="294" r:id="rId6"/>
+    <p:sldId id="277" r:id="rId7"/>
+    <p:sldId id="455" r:id="rId8"/>
+    <p:sldId id="458" r:id="rId9"/>
+    <p:sldId id="476" r:id="rId10"/>
+    <p:sldId id="459" r:id="rId11"/>
+    <p:sldId id="461" r:id="rId12"/>
+    <p:sldId id="460" r:id="rId13"/>
+    <p:sldId id="463" r:id="rId14"/>
+    <p:sldId id="464" r:id="rId15"/>
+    <p:sldId id="465" r:id="rId16"/>
+    <p:sldId id="466" r:id="rId17"/>
+    <p:sldId id="468" r:id="rId18"/>
+    <p:sldId id="469" r:id="rId19"/>
+    <p:sldId id="470" r:id="rId20"/>
+    <p:sldId id="471" r:id="rId21"/>
+    <p:sldId id="472" r:id="rId22"/>
+    <p:sldId id="473" r:id="rId23"/>
+    <p:sldId id="477" r:id="rId24"/>
+    <p:sldId id="475" r:id="rId25"/>
+    <p:sldId id="474" r:id="rId26"/>
   </p:sldIdLst>
   <p:sldSz cx="9144000" cy="6858000" type="screen4x3"/>
   <p:notesSz cx="6858000" cy="9144000"/>
@@ -228,7 +232,7 @@
           <a:p>
             <a:fld id="{6E40E0DB-E81D-7C41-8DEB-979E499DB144}" type="datetimeFigureOut">
               <a:rPr lang="en-US" smtClean="0"/>
-              <a:t>10/12/22</a:t>
+              <a:t>10/26/22</a:t>
             </a:fld>
             <a:endParaRPr lang="en-US"/>
           </a:p>
@@ -653,7 +657,7 @@
     </p:spTree>
     <p:extLst>
       <p:ext uri="{BB962C8B-B14F-4D97-AF65-F5344CB8AC3E}">
-        <p14:creationId xmlns:p14="http://schemas.microsoft.com/office/powerpoint/2010/main" val="189110231"/>
+        <p14:creationId xmlns:p14="http://schemas.microsoft.com/office/powerpoint/2010/main" val="348429990"/>
       </p:ext>
     </p:extLst>
   </p:cSld>
@@ -737,7 +741,7 @@
     </p:spTree>
     <p:extLst>
       <p:ext uri="{BB962C8B-B14F-4D97-AF65-F5344CB8AC3E}">
-        <p14:creationId xmlns:p14="http://schemas.microsoft.com/office/powerpoint/2010/main" val="650989509"/>
+        <p14:creationId xmlns:p14="http://schemas.microsoft.com/office/powerpoint/2010/main" val="816591180"/>
       </p:ext>
     </p:extLst>
   </p:cSld>
@@ -821,7 +825,7 @@
     </p:spTree>
     <p:extLst>
       <p:ext uri="{BB962C8B-B14F-4D97-AF65-F5344CB8AC3E}">
-        <p14:creationId xmlns:p14="http://schemas.microsoft.com/office/powerpoint/2010/main" val="550068440"/>
+        <p14:creationId xmlns:p14="http://schemas.microsoft.com/office/powerpoint/2010/main" val="1336671663"/>
       </p:ext>
     </p:extLst>
   </p:cSld>
@@ -905,7 +909,7 @@
     </p:spTree>
     <p:extLst>
       <p:ext uri="{BB962C8B-B14F-4D97-AF65-F5344CB8AC3E}">
-        <p14:creationId xmlns:p14="http://schemas.microsoft.com/office/powerpoint/2010/main" val="2438609050"/>
+        <p14:creationId xmlns:p14="http://schemas.microsoft.com/office/powerpoint/2010/main" val="189110231"/>
       </p:ext>
     </p:extLst>
   </p:cSld>
@@ -989,7 +993,7 @@
     </p:spTree>
     <p:extLst>
       <p:ext uri="{BB962C8B-B14F-4D97-AF65-F5344CB8AC3E}">
-        <p14:creationId xmlns:p14="http://schemas.microsoft.com/office/powerpoint/2010/main" val="1598582510"/>
+        <p14:creationId xmlns:p14="http://schemas.microsoft.com/office/powerpoint/2010/main" val="650989509"/>
       </p:ext>
     </p:extLst>
   </p:cSld>
@@ -1073,7 +1077,7 @@
     </p:spTree>
     <p:extLst>
       <p:ext uri="{BB962C8B-B14F-4D97-AF65-F5344CB8AC3E}">
-        <p14:creationId xmlns:p14="http://schemas.microsoft.com/office/powerpoint/2010/main" val="2474379329"/>
+        <p14:creationId xmlns:p14="http://schemas.microsoft.com/office/powerpoint/2010/main" val="550068440"/>
       </p:ext>
     </p:extLst>
   </p:cSld>
@@ -1157,7 +1161,7 @@
     </p:spTree>
     <p:extLst>
       <p:ext uri="{BB962C8B-B14F-4D97-AF65-F5344CB8AC3E}">
-        <p14:creationId xmlns:p14="http://schemas.microsoft.com/office/powerpoint/2010/main" val="743019849"/>
+        <p14:creationId xmlns:p14="http://schemas.microsoft.com/office/powerpoint/2010/main" val="2438609050"/>
       </p:ext>
     </p:extLst>
   </p:cSld>
@@ -1241,7 +1245,7 @@
     </p:spTree>
     <p:extLst>
       <p:ext uri="{BB962C8B-B14F-4D97-AF65-F5344CB8AC3E}">
-        <p14:creationId xmlns:p14="http://schemas.microsoft.com/office/powerpoint/2010/main" val="542027498"/>
+        <p14:creationId xmlns:p14="http://schemas.microsoft.com/office/powerpoint/2010/main" val="1598582510"/>
       </p:ext>
     </p:extLst>
   </p:cSld>
@@ -1295,7 +1299,43 @@
           <a:bodyPr/>
           <a:lstStyle/>
           <a:p>
+            <a:r>
+              <a:rPr lang="en-US" dirty="0"/>
+              <a:t>https://</a:t>
+            </a:r>
+            <a:r>
+              <a:rPr lang="en-US" dirty="0" err="1"/>
+              <a:t>www.statology.org</a:t>
+            </a:r>
+            <a:r>
+              <a:rPr lang="en-US" dirty="0"/>
+              <a:t>/</a:t>
+            </a:r>
+            <a:r>
+              <a:rPr lang="en-US" dirty="0" err="1"/>
+              <a:t>dplyr</a:t>
+            </a:r>
+            <a:r>
+              <a:rPr lang="en-US" dirty="0"/>
+              <a:t>-remove-</a:t>
+            </a:r>
+            <a:r>
+              <a:rPr lang="en-US" dirty="0" err="1"/>
+              <a:t>na</a:t>
+            </a:r>
+            <a:r>
+              <a:rPr lang="en-US" dirty="0"/>
+              <a:t>/ </a:t>
+            </a:r>
+          </a:p>
+          <a:p>
             <a:endParaRPr lang="en-US" dirty="0"/>
+          </a:p>
+          <a:p>
+            <a:r>
+              <a:rPr lang="en-US" dirty="0"/>
+              <a:t>####### this could be helpful ###########</a:t>
+            </a:r>
           </a:p>
         </p:txBody>
       </p:sp>
@@ -1325,7 +1365,7 @@
     </p:spTree>
     <p:extLst>
       <p:ext uri="{BB962C8B-B14F-4D97-AF65-F5344CB8AC3E}">
-        <p14:creationId xmlns:p14="http://schemas.microsoft.com/office/powerpoint/2010/main" val="3122561233"/>
+        <p14:creationId xmlns:p14="http://schemas.microsoft.com/office/powerpoint/2010/main" val="2474379329"/>
       </p:ext>
     </p:extLst>
   </p:cSld>
@@ -1379,44 +1419,6 @@
           <a:bodyPr/>
           <a:lstStyle/>
           <a:p>
-            <a:r>
-              <a:rPr lang="en-US" dirty="0"/>
-              <a:t>Interaction </a:t>
-            </a:r>
-            <a:r>
-              <a:rPr lang="en-US"/>
-              <a:t>contrasts: </a:t>
-            </a:r>
-          </a:p>
-          <a:p>
-            <a:r>
-              <a:rPr lang="en-US"/>
-              <a:t>https</a:t>
-            </a:r>
-            <a:r>
-              <a:rPr lang="en-US" dirty="0"/>
-              <a:t>://</a:t>
-            </a:r>
-            <a:r>
-              <a:rPr lang="en-US" dirty="0" err="1"/>
-              <a:t>cran.r-project.org</a:t>
-            </a:r>
-            <a:r>
-              <a:rPr lang="en-US" dirty="0"/>
-              <a:t>/web/packages/</a:t>
-            </a:r>
-            <a:r>
-              <a:rPr lang="en-US" dirty="0" err="1"/>
-              <a:t>emmeans</a:t>
-            </a:r>
-            <a:r>
-              <a:rPr lang="en-US" dirty="0"/>
-              <a:t>/vignettes/</a:t>
-            </a:r>
-            <a:r>
-              <a:rPr lang="en-US" dirty="0" err="1"/>
-              <a:t>interactions.html</a:t>
-            </a:r>
             <a:endParaRPr lang="en-US" dirty="0"/>
           </a:p>
         </p:txBody>
@@ -1447,7 +1449,7 @@
     </p:spTree>
     <p:extLst>
       <p:ext uri="{BB962C8B-B14F-4D97-AF65-F5344CB8AC3E}">
-        <p14:creationId xmlns:p14="http://schemas.microsoft.com/office/powerpoint/2010/main" val="830884663"/>
+        <p14:creationId xmlns:p14="http://schemas.microsoft.com/office/powerpoint/2010/main" val="743019849"/>
       </p:ext>
     </p:extLst>
   </p:cSld>
@@ -1541,6 +1543,296 @@
 </p:notes>
 </file>
 
+<file path=ppt/notesSlides/notesSlide20.xml><?xml version="1.0" encoding="utf-8"?>
+<p:notes xmlns:a="http://schemas.openxmlformats.org/drawingml/2006/main" xmlns:r="http://schemas.openxmlformats.org/officeDocument/2006/relationships" xmlns:p="http://schemas.openxmlformats.org/presentationml/2006/main">
+  <p:cSld>
+    <p:spTree>
+      <p:nvGrpSpPr>
+        <p:cNvPr id="1" name=""/>
+        <p:cNvGrpSpPr/>
+        <p:nvPr/>
+      </p:nvGrpSpPr>
+      <p:grpSpPr>
+        <a:xfrm>
+          <a:off x="0" y="0"/>
+          <a:ext cx="0" cy="0"/>
+          <a:chOff x="0" y="0"/>
+          <a:chExt cx="0" cy="0"/>
+        </a:xfrm>
+      </p:grpSpPr>
+      <p:sp>
+        <p:nvSpPr>
+          <p:cNvPr id="2" name="Slide Image Placeholder 1"/>
+          <p:cNvSpPr>
+            <a:spLocks noGrp="1" noRot="1" noChangeAspect="1"/>
+          </p:cNvSpPr>
+          <p:nvPr>
+            <p:ph type="sldImg"/>
+          </p:nvPr>
+        </p:nvSpPr>
+        <p:spPr/>
+      </p:sp>
+      <p:sp>
+        <p:nvSpPr>
+          <p:cNvPr id="3" name="Notes Placeholder 2"/>
+          <p:cNvSpPr>
+            <a:spLocks noGrp="1"/>
+          </p:cNvSpPr>
+          <p:nvPr>
+            <p:ph type="body" idx="1"/>
+          </p:nvPr>
+        </p:nvSpPr>
+        <p:spPr/>
+        <p:txBody>
+          <a:bodyPr/>
+          <a:lstStyle/>
+          <a:p>
+            <a:endParaRPr lang="en-US" dirty="0"/>
+          </a:p>
+        </p:txBody>
+      </p:sp>
+      <p:sp>
+        <p:nvSpPr>
+          <p:cNvPr id="4" name="Slide Number Placeholder 3"/>
+          <p:cNvSpPr>
+            <a:spLocks noGrp="1"/>
+          </p:cNvSpPr>
+          <p:nvPr>
+            <p:ph type="sldNum" sz="quarter" idx="5"/>
+          </p:nvPr>
+        </p:nvSpPr>
+        <p:spPr/>
+        <p:txBody>
+          <a:bodyPr/>
+          <a:lstStyle/>
+          <a:p>
+            <a:fld id="{6B353BC0-57FA-2A49-8AE7-55F575BF1FEE}" type="slidenum">
+              <a:rPr lang="en-US" smtClean="0"/>
+              <a:t>21</a:t>
+            </a:fld>
+            <a:endParaRPr lang="en-US"/>
+          </a:p>
+        </p:txBody>
+      </p:sp>
+    </p:spTree>
+    <p:extLst>
+      <p:ext uri="{BB962C8B-B14F-4D97-AF65-F5344CB8AC3E}">
+        <p14:creationId xmlns:p14="http://schemas.microsoft.com/office/powerpoint/2010/main" val="542027498"/>
+      </p:ext>
+    </p:extLst>
+  </p:cSld>
+  <p:clrMapOvr>
+    <a:masterClrMapping/>
+  </p:clrMapOvr>
+</p:notes>
+</file>
+
+<file path=ppt/notesSlides/notesSlide21.xml><?xml version="1.0" encoding="utf-8"?>
+<p:notes xmlns:a="http://schemas.openxmlformats.org/drawingml/2006/main" xmlns:r="http://schemas.openxmlformats.org/officeDocument/2006/relationships" xmlns:p="http://schemas.openxmlformats.org/presentationml/2006/main">
+  <p:cSld>
+    <p:spTree>
+      <p:nvGrpSpPr>
+        <p:cNvPr id="1" name=""/>
+        <p:cNvGrpSpPr/>
+        <p:nvPr/>
+      </p:nvGrpSpPr>
+      <p:grpSpPr>
+        <a:xfrm>
+          <a:off x="0" y="0"/>
+          <a:ext cx="0" cy="0"/>
+          <a:chOff x="0" y="0"/>
+          <a:chExt cx="0" cy="0"/>
+        </a:xfrm>
+      </p:grpSpPr>
+      <p:sp>
+        <p:nvSpPr>
+          <p:cNvPr id="2" name="Slide Image Placeholder 1"/>
+          <p:cNvSpPr>
+            <a:spLocks noGrp="1" noRot="1" noChangeAspect="1"/>
+          </p:cNvSpPr>
+          <p:nvPr>
+            <p:ph type="sldImg"/>
+          </p:nvPr>
+        </p:nvSpPr>
+        <p:spPr/>
+      </p:sp>
+      <p:sp>
+        <p:nvSpPr>
+          <p:cNvPr id="3" name="Notes Placeholder 2"/>
+          <p:cNvSpPr>
+            <a:spLocks noGrp="1"/>
+          </p:cNvSpPr>
+          <p:nvPr>
+            <p:ph type="body" idx="1"/>
+          </p:nvPr>
+        </p:nvSpPr>
+        <p:spPr/>
+        <p:txBody>
+          <a:bodyPr/>
+          <a:lstStyle/>
+          <a:p>
+            <a:endParaRPr lang="en-US" dirty="0"/>
+          </a:p>
+        </p:txBody>
+      </p:sp>
+      <p:sp>
+        <p:nvSpPr>
+          <p:cNvPr id="4" name="Slide Number Placeholder 3"/>
+          <p:cNvSpPr>
+            <a:spLocks noGrp="1"/>
+          </p:cNvSpPr>
+          <p:nvPr>
+            <p:ph type="sldNum" sz="quarter" idx="5"/>
+          </p:nvPr>
+        </p:nvSpPr>
+        <p:spPr/>
+        <p:txBody>
+          <a:bodyPr/>
+          <a:lstStyle/>
+          <a:p>
+            <a:fld id="{6B353BC0-57FA-2A49-8AE7-55F575BF1FEE}" type="slidenum">
+              <a:rPr lang="en-US" smtClean="0"/>
+              <a:t>22</a:t>
+            </a:fld>
+            <a:endParaRPr lang="en-US"/>
+          </a:p>
+        </p:txBody>
+      </p:sp>
+    </p:spTree>
+    <p:extLst>
+      <p:ext uri="{BB962C8B-B14F-4D97-AF65-F5344CB8AC3E}">
+        <p14:creationId xmlns:p14="http://schemas.microsoft.com/office/powerpoint/2010/main" val="3122561233"/>
+      </p:ext>
+    </p:extLst>
+  </p:cSld>
+  <p:clrMapOvr>
+    <a:masterClrMapping/>
+  </p:clrMapOvr>
+</p:notes>
+</file>
+
+<file path=ppt/notesSlides/notesSlide22.xml><?xml version="1.0" encoding="utf-8"?>
+<p:notes xmlns:a="http://schemas.openxmlformats.org/drawingml/2006/main" xmlns:r="http://schemas.openxmlformats.org/officeDocument/2006/relationships" xmlns:p="http://schemas.openxmlformats.org/presentationml/2006/main">
+  <p:cSld>
+    <p:spTree>
+      <p:nvGrpSpPr>
+        <p:cNvPr id="1" name=""/>
+        <p:cNvGrpSpPr/>
+        <p:nvPr/>
+      </p:nvGrpSpPr>
+      <p:grpSpPr>
+        <a:xfrm>
+          <a:off x="0" y="0"/>
+          <a:ext cx="0" cy="0"/>
+          <a:chOff x="0" y="0"/>
+          <a:chExt cx="0" cy="0"/>
+        </a:xfrm>
+      </p:grpSpPr>
+      <p:sp>
+        <p:nvSpPr>
+          <p:cNvPr id="2" name="Slide Image Placeholder 1"/>
+          <p:cNvSpPr>
+            <a:spLocks noGrp="1" noRot="1" noChangeAspect="1"/>
+          </p:cNvSpPr>
+          <p:nvPr>
+            <p:ph type="sldImg"/>
+          </p:nvPr>
+        </p:nvSpPr>
+        <p:spPr/>
+      </p:sp>
+      <p:sp>
+        <p:nvSpPr>
+          <p:cNvPr id="3" name="Notes Placeholder 2"/>
+          <p:cNvSpPr>
+            <a:spLocks noGrp="1"/>
+          </p:cNvSpPr>
+          <p:nvPr>
+            <p:ph type="body" idx="1"/>
+          </p:nvPr>
+        </p:nvSpPr>
+        <p:spPr/>
+        <p:txBody>
+          <a:bodyPr/>
+          <a:lstStyle/>
+          <a:p>
+            <a:r>
+              <a:rPr lang="en-US" dirty="0"/>
+              <a:t>Interaction </a:t>
+            </a:r>
+            <a:r>
+              <a:rPr lang="en-US"/>
+              <a:t>contrasts: </a:t>
+            </a:r>
+          </a:p>
+          <a:p>
+            <a:r>
+              <a:rPr lang="en-US"/>
+              <a:t>https</a:t>
+            </a:r>
+            <a:r>
+              <a:rPr lang="en-US" dirty="0"/>
+              <a:t>://</a:t>
+            </a:r>
+            <a:r>
+              <a:rPr lang="en-US" dirty="0" err="1"/>
+              <a:t>cran.r-project.org</a:t>
+            </a:r>
+            <a:r>
+              <a:rPr lang="en-US" dirty="0"/>
+              <a:t>/web/packages/</a:t>
+            </a:r>
+            <a:r>
+              <a:rPr lang="en-US" dirty="0" err="1"/>
+              <a:t>emmeans</a:t>
+            </a:r>
+            <a:r>
+              <a:rPr lang="en-US" dirty="0"/>
+              <a:t>/vignettes/</a:t>
+            </a:r>
+            <a:r>
+              <a:rPr lang="en-US" dirty="0" err="1"/>
+              <a:t>interactions.html</a:t>
+            </a:r>
+            <a:endParaRPr lang="en-US" dirty="0"/>
+          </a:p>
+        </p:txBody>
+      </p:sp>
+      <p:sp>
+        <p:nvSpPr>
+          <p:cNvPr id="4" name="Slide Number Placeholder 3"/>
+          <p:cNvSpPr>
+            <a:spLocks noGrp="1"/>
+          </p:cNvSpPr>
+          <p:nvPr>
+            <p:ph type="sldNum" sz="quarter" idx="5"/>
+          </p:nvPr>
+        </p:nvSpPr>
+        <p:spPr/>
+        <p:txBody>
+          <a:bodyPr/>
+          <a:lstStyle/>
+          <a:p>
+            <a:fld id="{6B353BC0-57FA-2A49-8AE7-55F575BF1FEE}" type="slidenum">
+              <a:rPr lang="en-US" smtClean="0"/>
+              <a:t>24</a:t>
+            </a:fld>
+            <a:endParaRPr lang="en-US"/>
+          </a:p>
+        </p:txBody>
+      </p:sp>
+    </p:spTree>
+    <p:extLst>
+      <p:ext uri="{BB962C8B-B14F-4D97-AF65-F5344CB8AC3E}">
+        <p14:creationId xmlns:p14="http://schemas.microsoft.com/office/powerpoint/2010/main" val="830884663"/>
+      </p:ext>
+    </p:extLst>
+  </p:cSld>
+  <p:clrMapOvr>
+    <a:masterClrMapping/>
+  </p:clrMapOvr>
+</p:notes>
+</file>
+
 <file path=ppt/notesSlides/notesSlide3.xml><?xml version="1.0" encoding="utf-8"?>
 <p:notes xmlns:a="http://schemas.openxmlformats.org/drawingml/2006/main" xmlns:r="http://schemas.openxmlformats.org/officeDocument/2006/relationships" xmlns:p="http://schemas.openxmlformats.org/presentationml/2006/main">
   <p:cSld>
@@ -1585,7 +1877,10 @@
           <a:bodyPr/>
           <a:lstStyle/>
           <a:p>
-            <a:endParaRPr lang="en-US" dirty="0"/>
+            <a:r>
+              <a:rPr lang="en-US" dirty="0"/>
+              <a:t>Wei et al 2012. </a:t>
+            </a:r>
           </a:p>
         </p:txBody>
       </p:sp>
@@ -1680,7 +1975,7 @@
             <a:spLocks noGrp="1"/>
           </p:cNvSpPr>
           <p:nvPr>
-            <p:ph type="sldNum" sz="quarter" idx="5"/>
+            <p:ph type="sldNum" sz="quarter" idx="10"/>
           </p:nvPr>
         </p:nvSpPr>
         <p:spPr/>
@@ -1688,7 +1983,7 @@
           <a:bodyPr/>
           <a:lstStyle/>
           <a:p>
-            <a:fld id="{6B353BC0-57FA-2A49-8AE7-55F575BF1FEE}" type="slidenum">
+            <a:fld id="{E4D746AE-D8C2-414E-95A8-E72CD9D02E2D}" type="slidenum">
               <a:rPr lang="en-US" smtClean="0"/>
               <a:t>5</a:t>
             </a:fld>
@@ -1699,7 +1994,7 @@
     </p:spTree>
     <p:extLst>
       <p:ext uri="{BB962C8B-B14F-4D97-AF65-F5344CB8AC3E}">
-        <p14:creationId xmlns:p14="http://schemas.microsoft.com/office/powerpoint/2010/main" val="325663947"/>
+        <p14:creationId xmlns:p14="http://schemas.microsoft.com/office/powerpoint/2010/main" val="4097124897"/>
       </p:ext>
     </p:extLst>
   </p:cSld>
@@ -1753,7 +2048,16 @@
           <a:bodyPr/>
           <a:lstStyle/>
           <a:p>
-            <a:endParaRPr lang="en-US" dirty="0"/>
+            <a:r>
+              <a:rPr lang="en-US" dirty="0"/>
+              <a:t>Because sometimes we are interested in the interaction explicitly.</a:t>
+            </a:r>
+          </a:p>
+          <a:p>
+            <a:r>
+              <a:rPr lang="en-US" dirty="0"/>
+              <a:t>Also run into family-wise error rate issues (need to correct for that)</a:t>
+            </a:r>
           </a:p>
         </p:txBody>
       </p:sp>
@@ -1764,7 +2068,7 @@
             <a:spLocks noGrp="1"/>
           </p:cNvSpPr>
           <p:nvPr>
-            <p:ph type="sldNum" sz="quarter" idx="5"/>
+            <p:ph type="sldNum" sz="quarter" idx="10"/>
           </p:nvPr>
         </p:nvSpPr>
         <p:spPr/>
@@ -1772,7 +2076,7 @@
           <a:bodyPr/>
           <a:lstStyle/>
           <a:p>
-            <a:fld id="{6B353BC0-57FA-2A49-8AE7-55F575BF1FEE}" type="slidenum">
+            <a:fld id="{D39D95AB-5E5D-1F4C-A812-2DEC98EA1B14}" type="slidenum">
               <a:rPr lang="en-US" smtClean="0"/>
               <a:t>6</a:t>
             </a:fld>
@@ -1783,7 +2087,7 @@
     </p:spTree>
     <p:extLst>
       <p:ext uri="{BB962C8B-B14F-4D97-AF65-F5344CB8AC3E}">
-        <p14:creationId xmlns:p14="http://schemas.microsoft.com/office/powerpoint/2010/main" val="4220440123"/>
+        <p14:creationId xmlns:p14="http://schemas.microsoft.com/office/powerpoint/2010/main" val="192358623"/>
       </p:ext>
     </p:extLst>
   </p:cSld>
@@ -1867,7 +2171,7 @@
     </p:spTree>
     <p:extLst>
       <p:ext uri="{BB962C8B-B14F-4D97-AF65-F5344CB8AC3E}">
-        <p14:creationId xmlns:p14="http://schemas.microsoft.com/office/powerpoint/2010/main" val="2905805828"/>
+        <p14:creationId xmlns:p14="http://schemas.microsoft.com/office/powerpoint/2010/main" val="325663947"/>
       </p:ext>
     </p:extLst>
   </p:cSld>
@@ -1951,7 +2255,7 @@
     </p:spTree>
     <p:extLst>
       <p:ext uri="{BB962C8B-B14F-4D97-AF65-F5344CB8AC3E}">
-        <p14:creationId xmlns:p14="http://schemas.microsoft.com/office/powerpoint/2010/main" val="348429990"/>
+        <p14:creationId xmlns:p14="http://schemas.microsoft.com/office/powerpoint/2010/main" val="4220440123"/>
       </p:ext>
     </p:extLst>
   </p:cSld>
@@ -2035,7 +2339,7 @@
     </p:spTree>
     <p:extLst>
       <p:ext uri="{BB962C8B-B14F-4D97-AF65-F5344CB8AC3E}">
-        <p14:creationId xmlns:p14="http://schemas.microsoft.com/office/powerpoint/2010/main" val="816591180"/>
+        <p14:creationId xmlns:p14="http://schemas.microsoft.com/office/powerpoint/2010/main" val="4073309289"/>
       </p:ext>
     </p:extLst>
   </p:cSld>
@@ -2119,7 +2423,7 @@
     </p:spTree>
     <p:extLst>
       <p:ext uri="{BB962C8B-B14F-4D97-AF65-F5344CB8AC3E}">
-        <p14:creationId xmlns:p14="http://schemas.microsoft.com/office/powerpoint/2010/main" val="1336671663"/>
+        <p14:creationId xmlns:p14="http://schemas.microsoft.com/office/powerpoint/2010/main" val="2905805828"/>
       </p:ext>
     </p:extLst>
   </p:cSld>
@@ -2308,7 +2612,7 @@
           <a:p>
             <a:fld id="{0D162873-51CE-49DA-B98E-BAD067B56C8D}" type="datetimeFigureOut">
               <a:rPr lang="en-US" smtClean="0"/>
-              <a:t>10/12/22</a:t>
+              <a:t>10/26/22</a:t>
             </a:fld>
             <a:endParaRPr lang="en-US"/>
           </a:p>
@@ -2476,7 +2780,7 @@
           <a:p>
             <a:fld id="{0D162873-51CE-49DA-B98E-BAD067B56C8D}" type="datetimeFigureOut">
               <a:rPr lang="en-US" smtClean="0"/>
-              <a:t>10/12/22</a:t>
+              <a:t>10/26/22</a:t>
             </a:fld>
             <a:endParaRPr lang="en-US"/>
           </a:p>
@@ -2654,7 +2958,7 @@
           <a:p>
             <a:fld id="{0D162873-51CE-49DA-B98E-BAD067B56C8D}" type="datetimeFigureOut">
               <a:rPr lang="en-US" smtClean="0"/>
-              <a:t>10/12/22</a:t>
+              <a:t>10/26/22</a:t>
             </a:fld>
             <a:endParaRPr lang="en-US"/>
           </a:p>
@@ -3034,7 +3338,7 @@
           <a:p>
             <a:fld id="{0D162873-51CE-49DA-B98E-BAD067B56C8D}" type="datetimeFigureOut">
               <a:rPr lang="en-US" smtClean="0"/>
-              <a:t>10/12/22</a:t>
+              <a:t>10/26/22</a:t>
             </a:fld>
             <a:endParaRPr lang="en-US"/>
           </a:p>
@@ -3319,7 +3623,7 @@
           <a:p>
             <a:fld id="{0D162873-51CE-49DA-B98E-BAD067B56C8D}" type="datetimeFigureOut">
               <a:rPr lang="en-US" smtClean="0"/>
-              <a:t>10/12/22</a:t>
+              <a:t>10/26/22</a:t>
             </a:fld>
             <a:endParaRPr lang="en-US"/>
           </a:p>
@@ -3738,7 +4042,7 @@
           <a:p>
             <a:fld id="{0D162873-51CE-49DA-B98E-BAD067B56C8D}" type="datetimeFigureOut">
               <a:rPr lang="en-US" smtClean="0"/>
-              <a:t>10/12/22</a:t>
+              <a:t>10/26/22</a:t>
             </a:fld>
             <a:endParaRPr lang="en-US"/>
           </a:p>
@@ -3855,7 +4159,7 @@
           <a:p>
             <a:fld id="{0D162873-51CE-49DA-B98E-BAD067B56C8D}" type="datetimeFigureOut">
               <a:rPr lang="en-US" smtClean="0"/>
-              <a:t>10/12/22</a:t>
+              <a:t>10/26/22</a:t>
             </a:fld>
             <a:endParaRPr lang="en-US"/>
           </a:p>
@@ -3950,7 +4254,7 @@
           <a:p>
             <a:fld id="{0D162873-51CE-49DA-B98E-BAD067B56C8D}" type="datetimeFigureOut">
               <a:rPr lang="en-US" smtClean="0"/>
-              <a:t>10/12/22</a:t>
+              <a:t>10/26/22</a:t>
             </a:fld>
             <a:endParaRPr lang="en-US"/>
           </a:p>
@@ -4225,7 +4529,7 @@
           <a:p>
             <a:fld id="{0D162873-51CE-49DA-B98E-BAD067B56C8D}" type="datetimeFigureOut">
               <a:rPr lang="en-US" smtClean="0"/>
-              <a:t>10/12/22</a:t>
+              <a:t>10/26/22</a:t>
             </a:fld>
             <a:endParaRPr lang="en-US"/>
           </a:p>
@@ -4477,7 +4781,7 @@
           <a:p>
             <a:fld id="{0D162873-51CE-49DA-B98E-BAD067B56C8D}" type="datetimeFigureOut">
               <a:rPr lang="en-US" smtClean="0"/>
-              <a:t>10/12/22</a:t>
+              <a:t>10/26/22</a:t>
             </a:fld>
             <a:endParaRPr lang="en-US"/>
           </a:p>
@@ -4688,7 +4992,7 @@
           <a:p>
             <a:fld id="{0D162873-51CE-49DA-B98E-BAD067B56C8D}" type="datetimeFigureOut">
               <a:rPr lang="en-US" smtClean="0"/>
-              <a:t>10/12/22</a:t>
+              <a:t>10/26/22</a:t>
             </a:fld>
             <a:endParaRPr lang="en-US"/>
           </a:p>
@@ -5220,6 +5524,1162 @@
         <p:spPr>
           <a:xfrm>
             <a:off x="457200" y="1020762"/>
+            <a:ext cx="8382000" cy="5532438"/>
+          </a:xfrm>
+        </p:spPr>
+        <p:txBody>
+          <a:bodyPr>
+            <a:normAutofit/>
+          </a:bodyPr>
+          <a:lstStyle/>
+          <a:p>
+            <a:pPr marL="0" indent="0">
+              <a:buNone/>
+            </a:pPr>
+            <a:r>
+              <a:rPr lang="en-US" dirty="0"/>
+              <a:t>Here we employ the function </a:t>
+            </a:r>
+            <a:r>
+              <a:rPr lang="en-US" dirty="0">
+                <a:solidFill>
+                  <a:srgbClr val="C00000"/>
+                </a:solidFill>
+              </a:rPr>
+              <a:t>relevel()</a:t>
+            </a:r>
+            <a:r>
+              <a:rPr lang="en-US" dirty="0"/>
+              <a:t>, which creates a new reference level by re-ordering levels of the factor. </a:t>
+            </a:r>
+          </a:p>
+          <a:p>
+            <a:pPr marL="0" indent="0">
+              <a:buNone/>
+            </a:pPr>
+            <a:r>
+              <a:rPr lang="en-US" dirty="0"/>
+              <a:t>We use it with the </a:t>
+            </a:r>
+            <a:r>
+              <a:rPr lang="en-US" dirty="0">
+                <a:solidFill>
+                  <a:srgbClr val="C00000"/>
+                </a:solidFill>
+              </a:rPr>
+              <a:t>mutate() </a:t>
+            </a:r>
+            <a:r>
+              <a:rPr lang="en-US" dirty="0"/>
+              <a:t>function from </a:t>
+            </a:r>
+            <a:r>
+              <a:rPr lang="en-US" dirty="0" err="1">
+                <a:solidFill>
+                  <a:srgbClr val="C00000"/>
+                </a:solidFill>
+              </a:rPr>
+              <a:t>dplyr</a:t>
+            </a:r>
+            <a:r>
+              <a:rPr lang="en-US" dirty="0"/>
+              <a:t>:</a:t>
+            </a:r>
+          </a:p>
+          <a:p>
+            <a:pPr marL="0" indent="0">
+              <a:buNone/>
+            </a:pPr>
+            <a:endParaRPr lang="en-US" dirty="0"/>
+          </a:p>
+          <a:p>
+            <a:pPr marL="0" indent="0">
+              <a:buNone/>
+            </a:pPr>
+            <a:r>
+              <a:rPr lang="en-US" dirty="0" err="1"/>
+              <a:t>growth.moo</a:t>
+            </a:r>
+            <a:r>
+              <a:rPr lang="en-US" dirty="0"/>
+              <a:t> &lt;-</a:t>
+            </a:r>
+          </a:p>
+          <a:p>
+            <a:pPr marL="0" indent="0">
+              <a:buNone/>
+            </a:pPr>
+            <a:r>
+              <a:rPr lang="en-US" dirty="0"/>
+              <a:t>	</a:t>
+            </a:r>
+            <a:r>
+              <a:rPr lang="en-US" dirty="0">
+                <a:solidFill>
+                  <a:srgbClr val="C00000"/>
+                </a:solidFill>
+              </a:rPr>
+              <a:t>mutate</a:t>
+            </a:r>
+            <a:r>
+              <a:rPr lang="en-US" dirty="0"/>
+              <a:t>(</a:t>
+            </a:r>
+            <a:r>
+              <a:rPr lang="en-US" dirty="0" err="1"/>
+              <a:t>growth.moo</a:t>
+            </a:r>
+            <a:r>
+              <a:rPr lang="en-US" dirty="0"/>
+              <a:t>,</a:t>
+            </a:r>
+          </a:p>
+          <a:p>
+            <a:pPr marL="0" indent="0">
+              <a:buNone/>
+            </a:pPr>
+            <a:r>
+              <a:rPr lang="en-US" dirty="0"/>
+              <a:t>	</a:t>
+            </a:r>
+            <a:r>
+              <a:rPr lang="en-US" dirty="0">
+                <a:solidFill>
+                  <a:srgbClr val="00B050"/>
+                </a:solidFill>
+              </a:rPr>
+              <a:t>supplement</a:t>
+            </a:r>
+            <a:r>
+              <a:rPr lang="en-US" dirty="0"/>
+              <a:t> = </a:t>
+            </a:r>
+            <a:r>
+              <a:rPr lang="en-US" dirty="0">
+                <a:solidFill>
+                  <a:srgbClr val="C00000"/>
+                </a:solidFill>
+              </a:rPr>
+              <a:t>relevel</a:t>
+            </a:r>
+            <a:r>
+              <a:rPr lang="en-US" dirty="0"/>
+              <a:t>(supplement, </a:t>
+            </a:r>
+            <a:r>
+              <a:rPr lang="en-US" dirty="0">
+                <a:solidFill>
+                  <a:srgbClr val="00B050"/>
+                </a:solidFill>
+              </a:rPr>
+              <a:t>ref</a:t>
+            </a:r>
+            <a:r>
+              <a:rPr lang="en-US" dirty="0"/>
+              <a:t>=</a:t>
+            </a:r>
+            <a:r>
+              <a:rPr lang="en-US" dirty="0">
+                <a:solidFill>
+                  <a:srgbClr val="0432FF"/>
+                </a:solidFill>
+              </a:rPr>
+              <a:t>"control"</a:t>
+            </a:r>
+            <a:r>
+              <a:rPr lang="en-US" dirty="0"/>
+              <a:t>))</a:t>
+            </a:r>
+          </a:p>
+          <a:p>
+            <a:pPr marL="0" indent="0">
+              <a:buNone/>
+            </a:pPr>
+            <a:endParaRPr lang="en-US" dirty="0"/>
+          </a:p>
+          <a:p>
+            <a:pPr marL="0" indent="0">
+              <a:buNone/>
+            </a:pPr>
+            <a:r>
+              <a:rPr lang="en-US" dirty="0">
+                <a:solidFill>
+                  <a:srgbClr val="C00000"/>
+                </a:solidFill>
+              </a:rPr>
+              <a:t>levels</a:t>
+            </a:r>
+            <a:r>
+              <a:rPr lang="en-US" dirty="0"/>
+              <a:t>(</a:t>
+            </a:r>
+            <a:r>
+              <a:rPr lang="en-US" dirty="0" err="1"/>
+              <a:t>growth.moo$supplement</a:t>
+            </a:r>
+            <a:r>
+              <a:rPr lang="en-US" dirty="0"/>
+              <a:t>)</a:t>
+            </a:r>
+          </a:p>
+          <a:p>
+            <a:pPr marL="0" indent="0">
+              <a:buNone/>
+            </a:pPr>
+            <a:r>
+              <a:rPr lang="en-US" dirty="0"/>
+              <a:t>## [1] "control" "</a:t>
+            </a:r>
+            <a:r>
+              <a:rPr lang="en-US" dirty="0" err="1"/>
+              <a:t>agrimore</a:t>
+            </a:r>
+            <a:r>
+              <a:rPr lang="en-US" dirty="0"/>
+              <a:t>" "</a:t>
+            </a:r>
+            <a:r>
+              <a:rPr lang="en-US" dirty="0" err="1"/>
+              <a:t>supergain</a:t>
+            </a:r>
+            <a:r>
+              <a:rPr lang="en-US" dirty="0"/>
+              <a:t>" "</a:t>
+            </a:r>
+            <a:r>
+              <a:rPr lang="en-US" dirty="0" err="1"/>
+              <a:t>supersupp</a:t>
+            </a:r>
+            <a:r>
+              <a:rPr lang="en-US" dirty="0"/>
+              <a:t>"</a:t>
+            </a:r>
+          </a:p>
+          <a:p>
+            <a:pPr marL="0" indent="0">
+              <a:buNone/>
+            </a:pPr>
+            <a:endParaRPr lang="en-US" dirty="0"/>
+          </a:p>
+          <a:p>
+            <a:pPr marL="0" indent="0">
+              <a:buNone/>
+            </a:pPr>
+            <a:endParaRPr lang="en-US" dirty="0"/>
+          </a:p>
+        </p:txBody>
+      </p:sp>
+    </p:spTree>
+    <p:extLst>
+      <p:ext uri="{BB962C8B-B14F-4D97-AF65-F5344CB8AC3E}">
+        <p14:creationId xmlns:p14="http://schemas.microsoft.com/office/powerpoint/2010/main" val="3807277888"/>
+      </p:ext>
+    </p:extLst>
+  </p:cSld>
+  <p:clrMapOvr>
+    <a:masterClrMapping/>
+  </p:clrMapOvr>
+</p:sld>
+</file>
+
+<file path=ppt/slides/slide11.xml><?xml version="1.0" encoding="utf-8"?>
+<p:sld xmlns:a="http://schemas.openxmlformats.org/drawingml/2006/main" xmlns:r="http://schemas.openxmlformats.org/officeDocument/2006/relationships" xmlns:p="http://schemas.openxmlformats.org/presentationml/2006/main">
+  <p:cSld>
+    <p:spTree>
+      <p:nvGrpSpPr>
+        <p:cNvPr id="1" name=""/>
+        <p:cNvGrpSpPr/>
+        <p:nvPr/>
+      </p:nvGrpSpPr>
+      <p:grpSpPr>
+        <a:xfrm>
+          <a:off x="0" y="0"/>
+          <a:ext cx="0" cy="0"/>
+          <a:chOff x="0" y="0"/>
+          <a:chExt cx="0" cy="0"/>
+        </a:xfrm>
+      </p:grpSpPr>
+      <p:sp>
+        <p:nvSpPr>
+          <p:cNvPr id="3" name="Content Placeholder 2">
+            <a:extLst>
+              <a:ext uri="{FF2B5EF4-FFF2-40B4-BE49-F238E27FC236}">
+                <a16:creationId xmlns:a16="http://schemas.microsoft.com/office/drawing/2014/main" id="{580BAAD4-5F8C-714C-9AA1-D05A1DA2F419}"/>
+              </a:ext>
+            </a:extLst>
+          </p:cNvPr>
+          <p:cNvSpPr>
+            <a:spLocks noGrp="1"/>
+          </p:cNvSpPr>
+          <p:nvPr>
+            <p:ph idx="1"/>
+          </p:nvPr>
+        </p:nvSpPr>
+        <p:spPr>
+          <a:xfrm>
+            <a:off x="685800" y="0"/>
+            <a:ext cx="8534400" cy="7162800"/>
+          </a:xfrm>
+        </p:spPr>
+        <p:txBody>
+          <a:bodyPr>
+            <a:normAutofit fontScale="62500" lnSpcReduction="20000"/>
+          </a:bodyPr>
+          <a:lstStyle/>
+          <a:p>
+            <a:pPr marL="0" indent="0">
+              <a:buNone/>
+            </a:pPr>
+            <a:endParaRPr lang="en-US" dirty="0"/>
+          </a:p>
+          <a:p>
+            <a:pPr marL="0" indent="0">
+              <a:buNone/>
+            </a:pPr>
+            <a:r>
+              <a:rPr lang="en-US" sz="3800" dirty="0" err="1"/>
+              <a:t>sumMoo</a:t>
+            </a:r>
+            <a:r>
+              <a:rPr lang="en-US" sz="3800" dirty="0"/>
+              <a:t> &lt;- </a:t>
+            </a:r>
+            <a:r>
+              <a:rPr lang="en-US" sz="3800" dirty="0" err="1"/>
+              <a:t>growth.moo</a:t>
+            </a:r>
+            <a:r>
+              <a:rPr lang="en-US" sz="3800" dirty="0"/>
+              <a:t> %&gt;%</a:t>
+            </a:r>
+          </a:p>
+          <a:p>
+            <a:pPr marL="0" indent="0">
+              <a:buNone/>
+            </a:pPr>
+            <a:r>
+              <a:rPr lang="en-US" sz="3800" dirty="0"/>
+              <a:t>	</a:t>
+            </a:r>
+            <a:r>
+              <a:rPr lang="en-US" sz="3800" dirty="0" err="1">
+                <a:solidFill>
+                  <a:srgbClr val="C00000"/>
+                </a:solidFill>
+              </a:rPr>
+              <a:t>group_by</a:t>
+            </a:r>
+            <a:r>
+              <a:rPr lang="en-US" sz="3800" dirty="0"/>
+              <a:t>(diet, supplement) %&gt;%</a:t>
+            </a:r>
+          </a:p>
+          <a:p>
+            <a:pPr marL="0" indent="0">
+              <a:buNone/>
+            </a:pPr>
+            <a:r>
+              <a:rPr lang="en-US" sz="3800" dirty="0"/>
+              <a:t>		</a:t>
+            </a:r>
+            <a:r>
+              <a:rPr lang="en-US" sz="3800" dirty="0" err="1">
+                <a:solidFill>
+                  <a:srgbClr val="C00000"/>
+                </a:solidFill>
+              </a:rPr>
+              <a:t>summarise</a:t>
+            </a:r>
+            <a:r>
+              <a:rPr lang="en-US" sz="3800" dirty="0"/>
+              <a:t>(</a:t>
+            </a:r>
+            <a:r>
+              <a:rPr lang="en-US" sz="3800" dirty="0" err="1">
+                <a:solidFill>
+                  <a:srgbClr val="00B050"/>
+                </a:solidFill>
+              </a:rPr>
+              <a:t>meanGrow</a:t>
+            </a:r>
+            <a:r>
+              <a:rPr lang="en-US" sz="3800" dirty="0"/>
+              <a:t> = </a:t>
+            </a:r>
+            <a:r>
+              <a:rPr lang="en-US" sz="3800" dirty="0">
+                <a:solidFill>
+                  <a:srgbClr val="C00000"/>
+                </a:solidFill>
+              </a:rPr>
+              <a:t>mean</a:t>
+            </a:r>
+            <a:r>
+              <a:rPr lang="en-US" sz="3800" dirty="0"/>
+              <a:t>(gain))</a:t>
+            </a:r>
+          </a:p>
+          <a:p>
+            <a:pPr marL="0" indent="0">
+              <a:buNone/>
+            </a:pPr>
+            <a:endParaRPr lang="en-US" sz="3800" dirty="0">
+              <a:solidFill>
+                <a:srgbClr val="C00000"/>
+              </a:solidFill>
+            </a:endParaRPr>
+          </a:p>
+          <a:p>
+            <a:pPr marL="0" indent="0">
+              <a:buNone/>
+            </a:pPr>
+            <a:r>
+              <a:rPr lang="en-US" sz="3800" dirty="0"/>
+              <a:t># make sure it worked</a:t>
+            </a:r>
+          </a:p>
+          <a:p>
+            <a:pPr marL="0" indent="0">
+              <a:buNone/>
+            </a:pPr>
+            <a:r>
+              <a:rPr lang="en-US" sz="3800" dirty="0" err="1"/>
+              <a:t>sumMoo</a:t>
+            </a:r>
+            <a:endParaRPr lang="en-US" sz="3800" dirty="0"/>
+          </a:p>
+          <a:p>
+            <a:pPr marL="0" indent="0">
+              <a:buNone/>
+            </a:pPr>
+            <a:endParaRPr lang="en-US" sz="3800" dirty="0">
+              <a:solidFill>
+                <a:srgbClr val="C00000"/>
+              </a:solidFill>
+            </a:endParaRPr>
+          </a:p>
+          <a:p>
+            <a:pPr marL="0" indent="0">
+              <a:buNone/>
+            </a:pPr>
+            <a:r>
+              <a:rPr lang="en-US" sz="3800" dirty="0"/>
+              <a:t>## Source: local data frame [12 x 3]</a:t>
+            </a:r>
+          </a:p>
+          <a:p>
+            <a:pPr marL="0" indent="0">
+              <a:buNone/>
+            </a:pPr>
+            <a:r>
+              <a:rPr lang="en-US" sz="3800" dirty="0"/>
+              <a:t>## Groups: diet [?]</a:t>
+            </a:r>
+          </a:p>
+          <a:p>
+            <a:pPr marL="0" indent="0">
+              <a:buNone/>
+            </a:pPr>
+            <a:r>
+              <a:rPr lang="en-US" sz="3800" dirty="0"/>
+              <a:t>##</a:t>
+            </a:r>
+          </a:p>
+          <a:p>
+            <a:pPr marL="0" indent="0">
+              <a:buNone/>
+            </a:pPr>
+            <a:r>
+              <a:rPr lang="en-US" sz="3800" dirty="0"/>
+              <a:t>## diet		supplement	</a:t>
+            </a:r>
+            <a:r>
+              <a:rPr lang="en-US" sz="3800" dirty="0" err="1"/>
+              <a:t>meanGrow</a:t>
+            </a:r>
+            <a:endParaRPr lang="en-US" sz="3800" dirty="0"/>
+          </a:p>
+          <a:p>
+            <a:pPr marL="0" indent="0">
+              <a:buNone/>
+            </a:pPr>
+            <a:r>
+              <a:rPr lang="en-US" sz="3800" dirty="0"/>
+              <a:t>## (</a:t>
+            </a:r>
+            <a:r>
+              <a:rPr lang="en-US" sz="3800" dirty="0" err="1"/>
+              <a:t>fctr</a:t>
+            </a:r>
+            <a:r>
+              <a:rPr lang="en-US" sz="3800" dirty="0"/>
+              <a:t>)	(</a:t>
+            </a:r>
+            <a:r>
+              <a:rPr lang="en-US" sz="3800" dirty="0" err="1"/>
+              <a:t>fctr</a:t>
+            </a:r>
+            <a:r>
+              <a:rPr lang="en-US" sz="3800" dirty="0"/>
+              <a:t>)		(</a:t>
+            </a:r>
+            <a:r>
+              <a:rPr lang="en-US" sz="3800" dirty="0" err="1"/>
+              <a:t>dbl</a:t>
+            </a:r>
+            <a:r>
+              <a:rPr lang="en-US" sz="3800" dirty="0"/>
+              <a:t>)</a:t>
+            </a:r>
+          </a:p>
+          <a:p>
+            <a:pPr marL="0" indent="0">
+              <a:buNone/>
+            </a:pPr>
+            <a:r>
+              <a:rPr lang="en-US" sz="3800" dirty="0"/>
+              <a:t>## 1 barley 	control 	23.29665</a:t>
+            </a:r>
+          </a:p>
+          <a:p>
+            <a:pPr marL="0" indent="0">
+              <a:buNone/>
+            </a:pPr>
+            <a:r>
+              <a:rPr lang="en-US" sz="3800" dirty="0"/>
+              <a:t>## 2 barley 	</a:t>
+            </a:r>
+            <a:r>
+              <a:rPr lang="en-US" sz="3800" dirty="0" err="1"/>
+              <a:t>agrimore</a:t>
+            </a:r>
+            <a:r>
+              <a:rPr lang="en-US" sz="3800" dirty="0"/>
+              <a:t> 	26.34848</a:t>
+            </a:r>
+          </a:p>
+          <a:p>
+            <a:pPr marL="0" indent="0">
+              <a:buNone/>
+            </a:pPr>
+            <a:r>
+              <a:rPr lang="en-US" sz="3800" dirty="0"/>
+              <a:t>## 3 barley 	</a:t>
+            </a:r>
+            <a:r>
+              <a:rPr lang="en-US" sz="3800" dirty="0" err="1"/>
+              <a:t>supergain</a:t>
+            </a:r>
+            <a:r>
+              <a:rPr lang="en-US" sz="3800" dirty="0"/>
+              <a:t> 	22.46612</a:t>
+            </a:r>
+          </a:p>
+          <a:p>
+            <a:pPr marL="0" indent="0">
+              <a:buNone/>
+            </a:pPr>
+            <a:r>
+              <a:rPr lang="en-US" sz="3800" dirty="0"/>
+              <a:t>## 4 barley 	</a:t>
+            </a:r>
+            <a:r>
+              <a:rPr lang="en-US" sz="3800" dirty="0" err="1"/>
+              <a:t>supersupp</a:t>
+            </a:r>
+            <a:r>
+              <a:rPr lang="en-US" sz="3800" dirty="0"/>
+              <a:t>	25.57530</a:t>
+            </a:r>
+          </a:p>
+          <a:p>
+            <a:pPr marL="0" indent="0">
+              <a:buNone/>
+            </a:pPr>
+            <a:r>
+              <a:rPr lang="en-US" sz="3800" dirty="0"/>
+              <a:t>## 5 oats 	control		20.49366</a:t>
+            </a:r>
+          </a:p>
+          <a:p>
+            <a:pPr marL="0" indent="0">
+              <a:buNone/>
+            </a:pPr>
+            <a:r>
+              <a:rPr lang="en-US" dirty="0"/>
+              <a:t>…</a:t>
+            </a:r>
+          </a:p>
+        </p:txBody>
+      </p:sp>
+      <p:sp>
+        <p:nvSpPr>
+          <p:cNvPr id="2" name="Title 1">
+            <a:extLst>
+              <a:ext uri="{FF2B5EF4-FFF2-40B4-BE49-F238E27FC236}">
+                <a16:creationId xmlns:a16="http://schemas.microsoft.com/office/drawing/2014/main" id="{220A06A0-ED2A-5E47-9B42-A4413DBD8E1D}"/>
+              </a:ext>
+            </a:extLst>
+          </p:cNvPr>
+          <p:cNvSpPr>
+            <a:spLocks noGrp="1"/>
+          </p:cNvSpPr>
+          <p:nvPr>
+            <p:ph type="title"/>
+          </p:nvPr>
+        </p:nvSpPr>
+        <p:spPr>
+          <a:xfrm>
+            <a:off x="4953000" y="1600200"/>
+            <a:ext cx="3886200" cy="1143000"/>
+          </a:xfrm>
+          <a:ln>
+            <a:solidFill>
+              <a:srgbClr val="0432FF"/>
+            </a:solidFill>
+          </a:ln>
+        </p:spPr>
+        <p:txBody>
+          <a:bodyPr>
+            <a:normAutofit fontScale="90000"/>
+          </a:bodyPr>
+          <a:lstStyle/>
+          <a:p>
+            <a:r>
+              <a:rPr lang="en-US" sz="2400" dirty="0"/>
+              <a:t># calculate mean weight gain for all 12 combinations </a:t>
+            </a:r>
+            <a:br>
+              <a:rPr lang="en-US" sz="2400" dirty="0"/>
+            </a:br>
+            <a:endParaRPr lang="en-US" sz="2400" dirty="0"/>
+          </a:p>
+        </p:txBody>
+      </p:sp>
+    </p:spTree>
+    <p:extLst>
+      <p:ext uri="{BB962C8B-B14F-4D97-AF65-F5344CB8AC3E}">
+        <p14:creationId xmlns:p14="http://schemas.microsoft.com/office/powerpoint/2010/main" val="864487412"/>
+      </p:ext>
+    </p:extLst>
+  </p:cSld>
+  <p:clrMapOvr>
+    <a:masterClrMapping/>
+  </p:clrMapOvr>
+</p:sld>
+</file>
+
+<file path=ppt/slides/slide12.xml><?xml version="1.0" encoding="utf-8"?>
+<p:sld xmlns:a="http://schemas.openxmlformats.org/drawingml/2006/main" xmlns:r="http://schemas.openxmlformats.org/officeDocument/2006/relationships" xmlns:p="http://schemas.openxmlformats.org/presentationml/2006/main">
+  <p:cSld>
+    <p:spTree>
+      <p:nvGrpSpPr>
+        <p:cNvPr id="1" name=""/>
+        <p:cNvGrpSpPr/>
+        <p:nvPr/>
+      </p:nvGrpSpPr>
+      <p:grpSpPr>
+        <a:xfrm>
+          <a:off x="0" y="0"/>
+          <a:ext cx="0" cy="0"/>
+          <a:chOff x="0" y="0"/>
+          <a:chExt cx="0" cy="0"/>
+        </a:xfrm>
+      </p:grpSpPr>
+      <p:sp>
+        <p:nvSpPr>
+          <p:cNvPr id="2" name="Title 1">
+            <a:extLst>
+              <a:ext uri="{FF2B5EF4-FFF2-40B4-BE49-F238E27FC236}">
+                <a16:creationId xmlns:a16="http://schemas.microsoft.com/office/drawing/2014/main" id="{220A06A0-ED2A-5E47-9B42-A4413DBD8E1D}"/>
+              </a:ext>
+            </a:extLst>
+          </p:cNvPr>
+          <p:cNvSpPr>
+            <a:spLocks noGrp="1"/>
+          </p:cNvSpPr>
+          <p:nvPr>
+            <p:ph type="title"/>
+          </p:nvPr>
+        </p:nvSpPr>
+        <p:spPr>
+          <a:xfrm>
+            <a:off x="457200" y="76200"/>
+            <a:ext cx="8229600" cy="944562"/>
+          </a:xfrm>
+        </p:spPr>
+        <p:txBody>
+          <a:bodyPr>
+            <a:normAutofit/>
+          </a:bodyPr>
+          <a:lstStyle/>
+          <a:p>
+            <a:r>
+              <a:rPr lang="en-US" dirty="0"/>
+              <a:t>Cow Growth Data</a:t>
+            </a:r>
+          </a:p>
+        </p:txBody>
+      </p:sp>
+      <p:sp>
+        <p:nvSpPr>
+          <p:cNvPr id="3" name="Content Placeholder 2">
+            <a:extLst>
+              <a:ext uri="{FF2B5EF4-FFF2-40B4-BE49-F238E27FC236}">
+                <a16:creationId xmlns:a16="http://schemas.microsoft.com/office/drawing/2014/main" id="{580BAAD4-5F8C-714C-9AA1-D05A1DA2F419}"/>
+              </a:ext>
+            </a:extLst>
+          </p:cNvPr>
+          <p:cNvSpPr>
+            <a:spLocks noGrp="1"/>
+          </p:cNvSpPr>
+          <p:nvPr>
+            <p:ph idx="1"/>
+          </p:nvPr>
+        </p:nvSpPr>
+        <p:spPr>
+          <a:xfrm>
+            <a:off x="457200" y="1020762"/>
+            <a:ext cx="75438000" cy="38727066"/>
+          </a:xfrm>
+        </p:spPr>
+        <p:txBody>
+          <a:bodyPr>
+            <a:normAutofit/>
+          </a:bodyPr>
+          <a:lstStyle/>
+          <a:p>
+            <a:pPr marL="0" indent="0">
+              <a:buNone/>
+            </a:pPr>
+            <a:r>
+              <a:rPr lang="en-US" dirty="0"/>
+              <a:t>As always, our first step in analysis is a figure:</a:t>
+            </a:r>
+          </a:p>
+          <a:p>
+            <a:pPr marL="0" indent="0">
+              <a:buNone/>
+            </a:pPr>
+            <a:endParaRPr lang="en-US" dirty="0">
+              <a:solidFill>
+                <a:srgbClr val="C00000"/>
+              </a:solidFill>
+            </a:endParaRPr>
+          </a:p>
+          <a:p>
+            <a:pPr marL="0" indent="0">
+              <a:buNone/>
+            </a:pPr>
+            <a:r>
+              <a:rPr lang="en-US" dirty="0" err="1">
+                <a:solidFill>
+                  <a:srgbClr val="C00000"/>
+                </a:solidFill>
+              </a:rPr>
+              <a:t>ggplot</a:t>
+            </a:r>
+            <a:r>
+              <a:rPr lang="en-US" dirty="0"/>
+              <a:t>(</a:t>
+            </a:r>
+            <a:r>
+              <a:rPr lang="en-US" dirty="0" err="1"/>
+              <a:t>sumMoo</a:t>
+            </a:r>
+            <a:r>
+              <a:rPr lang="en-US" dirty="0"/>
+              <a:t>, </a:t>
+            </a:r>
+            <a:r>
+              <a:rPr lang="en-US" dirty="0" err="1">
+                <a:solidFill>
+                  <a:srgbClr val="C00000"/>
+                </a:solidFill>
+              </a:rPr>
+              <a:t>aes</a:t>
+            </a:r>
+            <a:r>
+              <a:rPr lang="en-US" dirty="0"/>
+              <a:t>(</a:t>
+            </a:r>
+            <a:r>
+              <a:rPr lang="en-US" dirty="0">
+                <a:solidFill>
+                  <a:srgbClr val="00B050"/>
+                </a:solidFill>
+              </a:rPr>
+              <a:t>x</a:t>
+            </a:r>
+            <a:r>
+              <a:rPr lang="en-US" dirty="0">
+                <a:solidFill>
+                  <a:srgbClr val="C00000"/>
+                </a:solidFill>
+              </a:rPr>
+              <a:t> </a:t>
+            </a:r>
+            <a:r>
+              <a:rPr lang="en-US" dirty="0"/>
+              <a:t>= supplement, </a:t>
+            </a:r>
+            <a:r>
+              <a:rPr lang="en-US" dirty="0">
+                <a:solidFill>
+                  <a:srgbClr val="00B050"/>
+                </a:solidFill>
+              </a:rPr>
+              <a:t>y</a:t>
+            </a:r>
+            <a:r>
+              <a:rPr lang="en-US" dirty="0">
+                <a:solidFill>
+                  <a:srgbClr val="C00000"/>
+                </a:solidFill>
+              </a:rPr>
+              <a:t> </a:t>
+            </a:r>
+            <a:r>
+              <a:rPr lang="en-US" dirty="0"/>
+              <a:t>= </a:t>
+            </a:r>
+            <a:r>
+              <a:rPr lang="en-US" dirty="0" err="1"/>
+              <a:t>meanGrow</a:t>
+            </a:r>
+            <a:r>
+              <a:rPr lang="en-US" dirty="0"/>
+              <a:t>)) +</a:t>
+            </a:r>
+          </a:p>
+          <a:p>
+            <a:pPr marL="0" indent="0">
+              <a:buNone/>
+            </a:pPr>
+            <a:r>
+              <a:rPr lang="en-US" dirty="0">
+                <a:solidFill>
+                  <a:srgbClr val="C00000"/>
+                </a:solidFill>
+              </a:rPr>
+              <a:t>	</a:t>
+            </a:r>
+            <a:r>
+              <a:rPr lang="en-US" dirty="0" err="1">
+                <a:solidFill>
+                  <a:srgbClr val="C00000"/>
+                </a:solidFill>
+              </a:rPr>
+              <a:t>geom_point</a:t>
+            </a:r>
+            <a:r>
+              <a:rPr lang="en-US" dirty="0"/>
+              <a:t>() +</a:t>
+            </a:r>
+          </a:p>
+          <a:p>
+            <a:pPr marL="0" indent="0">
+              <a:buNone/>
+            </a:pPr>
+            <a:r>
+              <a:rPr lang="en-US" dirty="0"/>
+              <a:t>	</a:t>
+            </a:r>
+            <a:r>
+              <a:rPr lang="en-US" dirty="0" err="1">
+                <a:solidFill>
+                  <a:srgbClr val="C00000"/>
+                </a:solidFill>
+              </a:rPr>
+              <a:t>theme_bw</a:t>
+            </a:r>
+            <a:r>
+              <a:rPr lang="en-US" dirty="0"/>
+              <a:t>()</a:t>
+            </a:r>
+          </a:p>
+          <a:p>
+            <a:pPr marL="0" indent="0">
+              <a:buNone/>
+            </a:pPr>
+            <a:endParaRPr lang="en-US" dirty="0"/>
+          </a:p>
+        </p:txBody>
+      </p:sp>
+      <p:sp>
+        <p:nvSpPr>
+          <p:cNvPr id="4" name="AutoShape 2">
+            <a:extLst>
+              <a:ext uri="{FF2B5EF4-FFF2-40B4-BE49-F238E27FC236}">
+                <a16:creationId xmlns:a16="http://schemas.microsoft.com/office/drawing/2014/main" id="{141AD9AA-17D7-4841-854A-33B86E7AE52F}"/>
+              </a:ext>
+            </a:extLst>
+          </p:cNvPr>
+          <p:cNvSpPr>
+            <a:spLocks noChangeAspect="1" noChangeArrowheads="1"/>
+          </p:cNvSpPr>
+          <p:nvPr/>
+        </p:nvSpPr>
+        <p:spPr bwMode="auto">
+          <a:xfrm>
+            <a:off x="4419600" y="3276600"/>
+            <a:ext cx="304800" cy="304800"/>
+          </a:xfrm>
+          <a:prstGeom prst="rect">
+            <a:avLst/>
+          </a:prstGeom>
+          <a:noFill/>
+          <a:extLst>
+            <a:ext uri="{909E8E84-426E-40DD-AFC4-6F175D3DCCD1}">
+              <a14:hiddenFill xmlns:a14="http://schemas.microsoft.com/office/drawing/2010/main">
+                <a:solidFill>
+                  <a:srgbClr val="FFFFFF"/>
+                </a:solidFill>
+              </a14:hiddenFill>
+            </a:ext>
+          </a:extLst>
+        </p:spPr>
+        <p:txBody>
+          <a:bodyPr vert="horz" wrap="square" lIns="91440" tIns="45720" rIns="91440" bIns="45720" numCol="1" anchor="t" anchorCtr="0" compatLnSpc="1">
+            <a:prstTxWarp prst="textNoShape">
+              <a:avLst/>
+            </a:prstTxWarp>
+          </a:bodyPr>
+          <a:lstStyle/>
+          <a:p>
+            <a:endParaRPr lang="en-US"/>
+          </a:p>
+        </p:txBody>
+      </p:sp>
+      <p:sp>
+        <p:nvSpPr>
+          <p:cNvPr id="5" name="AutoShape 4">
+            <a:extLst>
+              <a:ext uri="{FF2B5EF4-FFF2-40B4-BE49-F238E27FC236}">
+                <a16:creationId xmlns:a16="http://schemas.microsoft.com/office/drawing/2014/main" id="{F01F47EA-DABD-5243-8042-BBBEDCA1A17F}"/>
+              </a:ext>
+            </a:extLst>
+          </p:cNvPr>
+          <p:cNvSpPr>
+            <a:spLocks noChangeAspect="1" noChangeArrowheads="1"/>
+          </p:cNvSpPr>
+          <p:nvPr/>
+        </p:nvSpPr>
+        <p:spPr bwMode="auto">
+          <a:xfrm>
+            <a:off x="4572000" y="3429000"/>
+            <a:ext cx="2743200" cy="2743200"/>
+          </a:xfrm>
+          <a:prstGeom prst="rect">
+            <a:avLst/>
+          </a:prstGeom>
+          <a:noFill/>
+          <a:extLst>
+            <a:ext uri="{909E8E84-426E-40DD-AFC4-6F175D3DCCD1}">
+              <a14:hiddenFill xmlns:a14="http://schemas.microsoft.com/office/drawing/2010/main">
+                <a:solidFill>
+                  <a:srgbClr val="FFFFFF"/>
+                </a:solidFill>
+              </a14:hiddenFill>
+            </a:ext>
+          </a:extLst>
+        </p:spPr>
+        <p:txBody>
+          <a:bodyPr vert="horz" wrap="square" lIns="91440" tIns="45720" rIns="91440" bIns="45720" numCol="1" anchor="t" anchorCtr="0" compatLnSpc="1">
+            <a:prstTxWarp prst="textNoShape">
+              <a:avLst/>
+            </a:prstTxWarp>
+          </a:bodyPr>
+          <a:lstStyle/>
+          <a:p>
+            <a:endParaRPr lang="en-US"/>
+          </a:p>
+        </p:txBody>
+      </p:sp>
+      <p:pic>
+        <p:nvPicPr>
+          <p:cNvPr id="12" name="Picture 11" descr="Chart, scatter chart&#10;&#10;Description automatically generated">
+            <a:extLst>
+              <a:ext uri="{FF2B5EF4-FFF2-40B4-BE49-F238E27FC236}">
+                <a16:creationId xmlns:a16="http://schemas.microsoft.com/office/drawing/2014/main" id="{5BFEBAF4-BBC3-B84A-86DD-CEDC3AD81270}"/>
+              </a:ext>
+            </a:extLst>
+          </p:cNvPr>
+          <p:cNvPicPr>
+            <a:picLocks noChangeAspect="1"/>
+          </p:cNvPicPr>
+          <p:nvPr/>
+        </p:nvPicPr>
+        <p:blipFill>
+          <a:blip r:embed="rId3">
+            <a:extLst>
+              <a:ext uri="{28A0092B-C50C-407E-A947-70E740481C1C}">
+                <a14:useLocalDpi xmlns:a14="http://schemas.microsoft.com/office/drawing/2010/main" val="0"/>
+              </a:ext>
+            </a:extLst>
+          </a:blip>
+          <a:stretch>
+            <a:fillRect/>
+          </a:stretch>
+        </p:blipFill>
+        <p:spPr>
+          <a:xfrm>
+            <a:off x="3429000" y="2667000"/>
+            <a:ext cx="4648200" cy="3320143"/>
+          </a:xfrm>
+          <a:prstGeom prst="rect">
+            <a:avLst/>
+          </a:prstGeom>
+        </p:spPr>
+      </p:pic>
+      <p:sp>
+        <p:nvSpPr>
+          <p:cNvPr id="13" name="Rectangle 12">
+            <a:extLst>
+              <a:ext uri="{FF2B5EF4-FFF2-40B4-BE49-F238E27FC236}">
+                <a16:creationId xmlns:a16="http://schemas.microsoft.com/office/drawing/2014/main" id="{59EC3CD6-95F5-C84A-9C6B-0D509673AD60}"/>
+              </a:ext>
+            </a:extLst>
+          </p:cNvPr>
+          <p:cNvSpPr/>
+          <p:nvPr/>
+        </p:nvSpPr>
+        <p:spPr>
+          <a:xfrm>
+            <a:off x="527824" y="6102812"/>
+            <a:ext cx="8158976" cy="369332"/>
+          </a:xfrm>
+          <a:prstGeom prst="rect">
+            <a:avLst/>
+          </a:prstGeom>
+        </p:spPr>
+        <p:txBody>
+          <a:bodyPr wrap="square">
+            <a:spAutoFit/>
+          </a:bodyPr>
+          <a:lstStyle/>
+          <a:p>
+            <a:r>
+              <a:rPr lang="en-US" dirty="0">
+                <a:latin typeface="Helvetica" pitchFamily="2" charset="0"/>
+              </a:rPr>
+              <a:t>The effect of </a:t>
+            </a:r>
+            <a:r>
+              <a:rPr lang="en-US" b="1" dirty="0">
+                <a:latin typeface="Helvetica" pitchFamily="2" charset="0"/>
+              </a:rPr>
+              <a:t>supplement type </a:t>
+            </a:r>
+            <a:r>
+              <a:rPr lang="en-US" dirty="0">
+                <a:latin typeface="Helvetica" pitchFamily="2" charset="0"/>
+              </a:rPr>
+              <a:t>on cow weight </a:t>
+            </a:r>
+            <a:r>
+              <a:rPr lang="en-US" b="1" dirty="0">
+                <a:latin typeface="Helvetica" pitchFamily="2" charset="0"/>
+              </a:rPr>
+              <a:t>gain</a:t>
+            </a:r>
+            <a:r>
+              <a:rPr lang="en-US" dirty="0">
+                <a:latin typeface="Helvetica" pitchFamily="2" charset="0"/>
+              </a:rPr>
+              <a:t> depends on the diet.</a:t>
+            </a:r>
+            <a:endParaRPr lang="en-US" dirty="0">
+              <a:effectLst/>
+              <a:latin typeface="Helvetica" pitchFamily="2" charset="0"/>
+            </a:endParaRPr>
+          </a:p>
+        </p:txBody>
+      </p:sp>
+    </p:spTree>
+    <p:extLst>
+      <p:ext uri="{BB962C8B-B14F-4D97-AF65-F5344CB8AC3E}">
+        <p14:creationId xmlns:p14="http://schemas.microsoft.com/office/powerpoint/2010/main" val="2628020807"/>
+      </p:ext>
+    </p:extLst>
+  </p:cSld>
+  <p:clrMapOvr>
+    <a:masterClrMapping/>
+  </p:clrMapOvr>
+</p:sld>
+</file>
+
+<file path=ppt/slides/slide13.xml><?xml version="1.0" encoding="utf-8"?>
+<p:sld xmlns:a="http://schemas.openxmlformats.org/drawingml/2006/main" xmlns:r="http://schemas.openxmlformats.org/officeDocument/2006/relationships" xmlns:p="http://schemas.openxmlformats.org/presentationml/2006/main">
+  <p:cSld>
+    <p:spTree>
+      <p:nvGrpSpPr>
+        <p:cNvPr id="1" name=""/>
+        <p:cNvGrpSpPr/>
+        <p:nvPr/>
+      </p:nvGrpSpPr>
+      <p:grpSpPr>
+        <a:xfrm>
+          <a:off x="0" y="0"/>
+          <a:ext cx="0" cy="0"/>
+          <a:chOff x="0" y="0"/>
+          <a:chExt cx="0" cy="0"/>
+        </a:xfrm>
+      </p:grpSpPr>
+      <p:sp>
+        <p:nvSpPr>
+          <p:cNvPr id="2" name="Title 1">
+            <a:extLst>
+              <a:ext uri="{FF2B5EF4-FFF2-40B4-BE49-F238E27FC236}">
+                <a16:creationId xmlns:a16="http://schemas.microsoft.com/office/drawing/2014/main" id="{220A06A0-ED2A-5E47-9B42-A4413DBD8E1D}"/>
+              </a:ext>
+            </a:extLst>
+          </p:cNvPr>
+          <p:cNvSpPr>
+            <a:spLocks noGrp="1"/>
+          </p:cNvSpPr>
+          <p:nvPr>
+            <p:ph type="title"/>
+          </p:nvPr>
+        </p:nvSpPr>
+        <p:spPr>
+          <a:xfrm>
+            <a:off x="457200" y="76200"/>
+            <a:ext cx="8229600" cy="944562"/>
+          </a:xfrm>
+        </p:spPr>
+        <p:txBody>
+          <a:bodyPr>
+            <a:normAutofit/>
+          </a:bodyPr>
+          <a:lstStyle/>
+          <a:p>
+            <a:r>
+              <a:rPr lang="en-US" dirty="0"/>
+              <a:t>Cow Growth Data</a:t>
+            </a:r>
+          </a:p>
+        </p:txBody>
+      </p:sp>
+      <p:sp>
+        <p:nvSpPr>
+          <p:cNvPr id="3" name="Content Placeholder 2">
+            <a:extLst>
+              <a:ext uri="{FF2B5EF4-FFF2-40B4-BE49-F238E27FC236}">
+                <a16:creationId xmlns:a16="http://schemas.microsoft.com/office/drawing/2014/main" id="{580BAAD4-5F8C-714C-9AA1-D05A1DA2F419}"/>
+              </a:ext>
+            </a:extLst>
+          </p:cNvPr>
+          <p:cNvSpPr>
+            <a:spLocks noGrp="1"/>
+          </p:cNvSpPr>
+          <p:nvPr>
+            <p:ph idx="1"/>
+          </p:nvPr>
+        </p:nvSpPr>
+        <p:spPr>
+          <a:xfrm>
+            <a:off x="457200" y="1020762"/>
             <a:ext cx="75438000" cy="38727066"/>
           </a:xfrm>
         </p:spPr>
@@ -5616,7 +7076,7 @@
 </p:sld>
 </file>
 
-<file path=ppt/slides/slide11.xml><?xml version="1.0" encoding="utf-8"?>
+<file path=ppt/slides/slide14.xml><?xml version="1.0" encoding="utf-8"?>
 <p:sld xmlns:a="http://schemas.openxmlformats.org/drawingml/2006/main" xmlns:r="http://schemas.openxmlformats.org/officeDocument/2006/relationships" xmlns:p="http://schemas.openxmlformats.org/presentationml/2006/main">
   <p:cSld>
     <p:spTree>
@@ -6020,7 +7480,7 @@
 </p:sld>
 </file>
 
-<file path=ppt/slides/slide12.xml><?xml version="1.0" encoding="utf-8"?>
+<file path=ppt/slides/slide15.xml><?xml version="1.0" encoding="utf-8"?>
 <p:sld xmlns:a="http://schemas.openxmlformats.org/drawingml/2006/main" xmlns:r="http://schemas.openxmlformats.org/officeDocument/2006/relationships" xmlns:p="http://schemas.openxmlformats.org/presentationml/2006/main">
   <p:cSld>
     <p:spTree>
@@ -6290,7 +7750,7 @@
 </p:sld>
 </file>
 
-<file path=ppt/slides/slide13.xml><?xml version="1.0" encoding="utf-8"?>
+<file path=ppt/slides/slide16.xml><?xml version="1.0" encoding="utf-8"?>
 <p:sld xmlns:a="http://schemas.openxmlformats.org/drawingml/2006/main" xmlns:r="http://schemas.openxmlformats.org/officeDocument/2006/relationships" xmlns:p="http://schemas.openxmlformats.org/presentationml/2006/main">
   <p:cSld>
     <p:spTree>
@@ -6887,7 +8347,7 @@
 </p:sld>
 </file>
 
-<file path=ppt/slides/slide14.xml><?xml version="1.0" encoding="utf-8"?>
+<file path=ppt/slides/slide17.xml><?xml version="1.0" encoding="utf-8"?>
 <p:sld xmlns:a="http://schemas.openxmlformats.org/drawingml/2006/main" xmlns:r="http://schemas.openxmlformats.org/officeDocument/2006/relationships" xmlns:p="http://schemas.openxmlformats.org/presentationml/2006/main">
   <p:cSld>
     <p:spTree>
@@ -7279,7 +8739,7 @@
 </p:sld>
 </file>
 
-<file path=ppt/slides/slide15.xml><?xml version="1.0" encoding="utf-8"?>
+<file path=ppt/slides/slide18.xml><?xml version="1.0" encoding="utf-8"?>
 <p:sld xmlns:a="http://schemas.openxmlformats.org/drawingml/2006/main" xmlns:r="http://schemas.openxmlformats.org/officeDocument/2006/relationships" xmlns:p="http://schemas.openxmlformats.org/presentationml/2006/main">
   <p:cSld>
     <p:spTree>
@@ -7843,915 +9303,6 @@
 </p:sld>
 </file>
 
-<file path=ppt/slides/slide16.xml><?xml version="1.0" encoding="utf-8"?>
-<p:sld xmlns:a="http://schemas.openxmlformats.org/drawingml/2006/main" xmlns:r="http://schemas.openxmlformats.org/officeDocument/2006/relationships" xmlns:p="http://schemas.openxmlformats.org/presentationml/2006/main">
-  <p:cSld>
-    <p:spTree>
-      <p:nvGrpSpPr>
-        <p:cNvPr id="1" name=""/>
-        <p:cNvGrpSpPr/>
-        <p:nvPr/>
-      </p:nvGrpSpPr>
-      <p:grpSpPr>
-        <a:xfrm>
-          <a:off x="0" y="0"/>
-          <a:ext cx="0" cy="0"/>
-          <a:chOff x="0" y="0"/>
-          <a:chExt cx="0" cy="0"/>
-        </a:xfrm>
-      </p:grpSpPr>
-      <p:sp>
-        <p:nvSpPr>
-          <p:cNvPr id="2" name="Title 1">
-            <a:extLst>
-              <a:ext uri="{FF2B5EF4-FFF2-40B4-BE49-F238E27FC236}">
-                <a16:creationId xmlns:a16="http://schemas.microsoft.com/office/drawing/2014/main" id="{220A06A0-ED2A-5E47-9B42-A4413DBD8E1D}"/>
-              </a:ext>
-            </a:extLst>
-          </p:cNvPr>
-          <p:cNvSpPr>
-            <a:spLocks noGrp="1"/>
-          </p:cNvSpPr>
-          <p:nvPr>
-            <p:ph type="title"/>
-          </p:nvPr>
-        </p:nvSpPr>
-        <p:spPr>
-          <a:xfrm>
-            <a:off x="76200" y="-76200"/>
-            <a:ext cx="8229600" cy="944562"/>
-          </a:xfrm>
-        </p:spPr>
-        <p:txBody>
-          <a:bodyPr>
-            <a:normAutofit/>
-          </a:bodyPr>
-          <a:lstStyle/>
-          <a:p>
-            <a:r>
-              <a:rPr lang="en-US" dirty="0"/>
-              <a:t>Cow Growth Data-Mean/SD</a:t>
-            </a:r>
-          </a:p>
-        </p:txBody>
-      </p:sp>
-      <p:sp>
-        <p:nvSpPr>
-          <p:cNvPr id="3" name="Content Placeholder 2">
-            <a:extLst>
-              <a:ext uri="{FF2B5EF4-FFF2-40B4-BE49-F238E27FC236}">
-                <a16:creationId xmlns:a16="http://schemas.microsoft.com/office/drawing/2014/main" id="{580BAAD4-5F8C-714C-9AA1-D05A1DA2F419}"/>
-              </a:ext>
-            </a:extLst>
-          </p:cNvPr>
-          <p:cNvSpPr>
-            <a:spLocks noGrp="1"/>
-          </p:cNvSpPr>
-          <p:nvPr>
-            <p:ph idx="1"/>
-          </p:nvPr>
-        </p:nvSpPr>
-        <p:spPr>
-          <a:xfrm>
-            <a:off x="304800" y="792162"/>
-            <a:ext cx="8610600" cy="5532438"/>
-          </a:xfrm>
-        </p:spPr>
-        <p:txBody>
-          <a:bodyPr>
-            <a:normAutofit fontScale="85000" lnSpcReduction="10000"/>
-          </a:bodyPr>
-          <a:lstStyle/>
-          <a:p>
-            <a:pPr marL="0" indent="0">
-              <a:buNone/>
-            </a:pPr>
-            <a:r>
-              <a:rPr lang="en-US" dirty="0"/>
-              <a:t># calculate mean and standard error of gain for all 12 combinations</a:t>
-            </a:r>
-          </a:p>
-          <a:p>
-            <a:pPr marL="0" indent="0">
-              <a:buNone/>
-            </a:pPr>
-            <a:endParaRPr lang="en-US" dirty="0"/>
-          </a:p>
-          <a:p>
-            <a:pPr marL="0" indent="0">
-              <a:buNone/>
-            </a:pPr>
-            <a:r>
-              <a:rPr lang="en-US" dirty="0" err="1"/>
-              <a:t>sumMoo</a:t>
-            </a:r>
-            <a:r>
-              <a:rPr lang="en-US" dirty="0"/>
-              <a:t> &lt;- </a:t>
-            </a:r>
-            <a:r>
-              <a:rPr lang="en-US" dirty="0" err="1"/>
-              <a:t>growth.moo</a:t>
-            </a:r>
-            <a:r>
-              <a:rPr lang="en-US" dirty="0"/>
-              <a:t> %&gt;%</a:t>
-            </a:r>
-          </a:p>
-          <a:p>
-            <a:pPr marL="0" indent="0">
-              <a:buNone/>
-            </a:pPr>
-            <a:r>
-              <a:rPr lang="en-US" dirty="0"/>
-              <a:t>	</a:t>
-            </a:r>
-            <a:r>
-              <a:rPr lang="en-US" dirty="0" err="1">
-                <a:solidFill>
-                  <a:srgbClr val="C00000"/>
-                </a:solidFill>
-              </a:rPr>
-              <a:t>group_by</a:t>
-            </a:r>
-            <a:r>
-              <a:rPr lang="en-US" dirty="0"/>
-              <a:t>(diet, supplement) %&gt;%</a:t>
-            </a:r>
-          </a:p>
-          <a:p>
-            <a:pPr marL="0" indent="0">
-              <a:buNone/>
-            </a:pPr>
-            <a:r>
-              <a:rPr lang="en-US" dirty="0"/>
-              <a:t>		</a:t>
-            </a:r>
-            <a:r>
-              <a:rPr lang="en-US" dirty="0" err="1">
-                <a:solidFill>
-                  <a:srgbClr val="C00000"/>
-                </a:solidFill>
-              </a:rPr>
-              <a:t>summarise</a:t>
-            </a:r>
-            <a:r>
-              <a:rPr lang="en-US" dirty="0"/>
-              <a:t>(</a:t>
-            </a:r>
-          </a:p>
-          <a:p>
-            <a:pPr marL="0" indent="0">
-              <a:buNone/>
-            </a:pPr>
-            <a:r>
-              <a:rPr lang="en-US" dirty="0"/>
-              <a:t>		</a:t>
-            </a:r>
-            <a:r>
-              <a:rPr lang="en-US" dirty="0" err="1">
-                <a:solidFill>
-                  <a:srgbClr val="00B050"/>
-                </a:solidFill>
-              </a:rPr>
-              <a:t>meanGrow</a:t>
-            </a:r>
-            <a:r>
-              <a:rPr lang="en-US" dirty="0"/>
-              <a:t> = </a:t>
-            </a:r>
-            <a:r>
-              <a:rPr lang="en-US" dirty="0">
-                <a:solidFill>
-                  <a:srgbClr val="C00000"/>
-                </a:solidFill>
-              </a:rPr>
-              <a:t>mean</a:t>
-            </a:r>
-            <a:r>
-              <a:rPr lang="en-US" dirty="0"/>
-              <a:t>(gain),</a:t>
-            </a:r>
-          </a:p>
-          <a:p>
-            <a:pPr marL="0" indent="0">
-              <a:buNone/>
-            </a:pPr>
-            <a:r>
-              <a:rPr lang="en-US" dirty="0"/>
-              <a:t>		</a:t>
-            </a:r>
-            <a:r>
-              <a:rPr lang="en-US" dirty="0" err="1">
-                <a:solidFill>
-                  <a:srgbClr val="00B050"/>
-                </a:solidFill>
-              </a:rPr>
-              <a:t>seGrow</a:t>
-            </a:r>
-            <a:r>
-              <a:rPr lang="en-US" dirty="0"/>
-              <a:t> = </a:t>
-            </a:r>
-            <a:r>
-              <a:rPr lang="en-US" dirty="0" err="1">
-                <a:solidFill>
-                  <a:srgbClr val="C00000"/>
-                </a:solidFill>
-              </a:rPr>
-              <a:t>sd</a:t>
-            </a:r>
-            <a:r>
-              <a:rPr lang="en-US" dirty="0"/>
-              <a:t>(gain)/</a:t>
-            </a:r>
-            <a:r>
-              <a:rPr lang="en-US" dirty="0">
-                <a:solidFill>
-                  <a:srgbClr val="C00000"/>
-                </a:solidFill>
-              </a:rPr>
-              <a:t>sqrt</a:t>
-            </a:r>
-            <a:r>
-              <a:rPr lang="en-US" dirty="0"/>
-              <a:t>(</a:t>
-            </a:r>
-            <a:r>
-              <a:rPr lang="en-US" dirty="0">
-                <a:solidFill>
-                  <a:srgbClr val="C00000"/>
-                </a:solidFill>
-              </a:rPr>
-              <a:t>n</a:t>
-            </a:r>
-            <a:r>
-              <a:rPr lang="en-US" dirty="0"/>
-              <a:t>()))</a:t>
-            </a:r>
-          </a:p>
-          <a:p>
-            <a:pPr marL="0" indent="0">
-              <a:buNone/>
-            </a:pPr>
-            <a:endParaRPr lang="en-US" dirty="0"/>
-          </a:p>
-          <a:p>
-            <a:r>
-              <a:rPr lang="en-US" dirty="0"/>
-              <a:t>The </a:t>
-            </a:r>
-            <a:r>
-              <a:rPr lang="en-US" dirty="0">
-                <a:solidFill>
-                  <a:srgbClr val="0432FF"/>
-                </a:solidFill>
-              </a:rPr>
-              <a:t>standard error </a:t>
-            </a:r>
-            <a:r>
-              <a:rPr lang="en-US" dirty="0"/>
-              <a:t>of the mean is given by the standard deviation divided by the square root of the sample size, and </a:t>
-            </a:r>
-            <a:r>
-              <a:rPr lang="en-US" dirty="0" err="1">
-                <a:solidFill>
-                  <a:srgbClr val="C00000"/>
-                </a:solidFill>
-              </a:rPr>
-              <a:t>dplyr</a:t>
-            </a:r>
-            <a:r>
-              <a:rPr lang="en-US" dirty="0"/>
-              <a:t> provides a function </a:t>
-            </a:r>
-            <a:r>
-              <a:rPr lang="en-US" dirty="0">
-                <a:solidFill>
-                  <a:srgbClr val="C00000"/>
-                </a:solidFill>
-              </a:rPr>
-              <a:t>n</a:t>
-            </a:r>
-            <a:r>
-              <a:rPr lang="en-US" dirty="0"/>
-              <a:t>() that counts the rows in each group.</a:t>
-            </a:r>
-          </a:p>
-          <a:p>
-            <a:pPr marL="0" indent="0">
-              <a:buNone/>
-            </a:pPr>
-            <a:r>
-              <a:rPr lang="en-US" dirty="0"/>
-              <a:t> </a:t>
-            </a:r>
-          </a:p>
-          <a:p>
-            <a:r>
-              <a:rPr lang="en-US" dirty="0"/>
-              <a:t>Be careful…if you have missing values, n() will still count these rows.</a:t>
-            </a:r>
-          </a:p>
-          <a:p>
-            <a:pPr marL="0" indent="0">
-              <a:buNone/>
-            </a:pPr>
-            <a:endParaRPr lang="en-US" dirty="0"/>
-          </a:p>
-        </p:txBody>
-      </p:sp>
-    </p:spTree>
-    <p:extLst>
-      <p:ext uri="{BB962C8B-B14F-4D97-AF65-F5344CB8AC3E}">
-        <p14:creationId xmlns:p14="http://schemas.microsoft.com/office/powerpoint/2010/main" val="186922481"/>
-      </p:ext>
-    </p:extLst>
-  </p:cSld>
-  <p:clrMapOvr>
-    <a:masterClrMapping/>
-  </p:clrMapOvr>
-</p:sld>
-</file>
-
-<file path=ppt/slides/slide17.xml><?xml version="1.0" encoding="utf-8"?>
-<p:sld xmlns:a="http://schemas.openxmlformats.org/drawingml/2006/main" xmlns:r="http://schemas.openxmlformats.org/officeDocument/2006/relationships" xmlns:p="http://schemas.openxmlformats.org/presentationml/2006/main">
-  <p:cSld>
-    <p:spTree>
-      <p:nvGrpSpPr>
-        <p:cNvPr id="1" name=""/>
-        <p:cNvGrpSpPr/>
-        <p:nvPr/>
-      </p:nvGrpSpPr>
-      <p:grpSpPr>
-        <a:xfrm>
-          <a:off x="0" y="0"/>
-          <a:ext cx="0" cy="0"/>
-          <a:chOff x="0" y="0"/>
-          <a:chExt cx="0" cy="0"/>
-        </a:xfrm>
-      </p:grpSpPr>
-      <p:sp>
-        <p:nvSpPr>
-          <p:cNvPr id="2" name="Title 1">
-            <a:extLst>
-              <a:ext uri="{FF2B5EF4-FFF2-40B4-BE49-F238E27FC236}">
-                <a16:creationId xmlns:a16="http://schemas.microsoft.com/office/drawing/2014/main" id="{220A06A0-ED2A-5E47-9B42-A4413DBD8E1D}"/>
-              </a:ext>
-            </a:extLst>
-          </p:cNvPr>
-          <p:cNvSpPr>
-            <a:spLocks noGrp="1"/>
-          </p:cNvSpPr>
-          <p:nvPr>
-            <p:ph type="title"/>
-          </p:nvPr>
-        </p:nvSpPr>
-        <p:spPr>
-          <a:xfrm>
-            <a:off x="76200" y="-76200"/>
-            <a:ext cx="8229600" cy="944562"/>
-          </a:xfrm>
-        </p:spPr>
-        <p:txBody>
-          <a:bodyPr>
-            <a:normAutofit/>
-          </a:bodyPr>
-          <a:lstStyle/>
-          <a:p>
-            <a:r>
-              <a:rPr lang="en-US" dirty="0"/>
-              <a:t>Cow Growth Data-Mean/SD</a:t>
-            </a:r>
-          </a:p>
-        </p:txBody>
-      </p:sp>
-      <p:sp>
-        <p:nvSpPr>
-          <p:cNvPr id="3" name="Content Placeholder 2">
-            <a:extLst>
-              <a:ext uri="{FF2B5EF4-FFF2-40B4-BE49-F238E27FC236}">
-                <a16:creationId xmlns:a16="http://schemas.microsoft.com/office/drawing/2014/main" id="{580BAAD4-5F8C-714C-9AA1-D05A1DA2F419}"/>
-              </a:ext>
-            </a:extLst>
-          </p:cNvPr>
-          <p:cNvSpPr>
-            <a:spLocks noGrp="1"/>
-          </p:cNvSpPr>
-          <p:nvPr>
-            <p:ph idx="1"/>
-          </p:nvPr>
-        </p:nvSpPr>
-        <p:spPr>
-          <a:xfrm>
-            <a:off x="457200" y="609600"/>
-            <a:ext cx="8610600" cy="5532438"/>
-          </a:xfrm>
-        </p:spPr>
-        <p:txBody>
-          <a:bodyPr>
-            <a:normAutofit fontScale="70000" lnSpcReduction="20000"/>
-          </a:bodyPr>
-          <a:lstStyle/>
-          <a:p>
-            <a:pPr marL="0" indent="0">
-              <a:buNone/>
-            </a:pPr>
-            <a:r>
-              <a:rPr lang="en-US" dirty="0" err="1"/>
-              <a:t>sumMoo</a:t>
-            </a:r>
-            <a:endParaRPr lang="en-US" dirty="0"/>
-          </a:p>
-          <a:p>
-            <a:pPr marL="0" indent="0">
-              <a:buNone/>
-            </a:pPr>
-            <a:endParaRPr lang="en-US" dirty="0"/>
-          </a:p>
-          <a:p>
-            <a:pPr marL="0" indent="0">
-              <a:buNone/>
-            </a:pPr>
-            <a:r>
-              <a:rPr lang="en-US" dirty="0"/>
-              <a:t># A </a:t>
-            </a:r>
-            <a:r>
-              <a:rPr lang="en-US" dirty="0" err="1"/>
-              <a:t>tibble</a:t>
-            </a:r>
-            <a:r>
-              <a:rPr lang="en-US" dirty="0"/>
-              <a:t>: 12 x 4</a:t>
-            </a:r>
-          </a:p>
-          <a:p>
-            <a:pPr marL="0" indent="0">
-              <a:buNone/>
-            </a:pPr>
-            <a:r>
-              <a:rPr lang="en-US" dirty="0"/>
-              <a:t># Groups:   diet [3]</a:t>
-            </a:r>
-          </a:p>
-          <a:p>
-            <a:pPr marL="0" indent="0">
-              <a:buNone/>
-            </a:pPr>
-            <a:r>
-              <a:rPr lang="en-US" dirty="0"/>
-              <a:t>   </a:t>
-            </a:r>
-            <a:r>
-              <a:rPr lang="en-US" dirty="0">
-                <a:solidFill>
-                  <a:srgbClr val="0432FF"/>
-                </a:solidFill>
-              </a:rPr>
-              <a:t>diet   		supplement</a:t>
-            </a:r>
-            <a:r>
-              <a:rPr lang="en-US" dirty="0"/>
-              <a:t> 	</a:t>
-            </a:r>
-            <a:r>
-              <a:rPr lang="en-US" dirty="0" err="1">
-                <a:solidFill>
-                  <a:srgbClr val="00B050"/>
-                </a:solidFill>
-              </a:rPr>
-              <a:t>meanGrow</a:t>
-            </a:r>
-            <a:r>
-              <a:rPr lang="en-US" dirty="0">
-                <a:solidFill>
-                  <a:srgbClr val="00B050"/>
-                </a:solidFill>
-              </a:rPr>
-              <a:t>	</a:t>
-            </a:r>
-            <a:r>
-              <a:rPr lang="en-US" dirty="0" err="1">
-                <a:solidFill>
-                  <a:srgbClr val="00B050"/>
-                </a:solidFill>
-              </a:rPr>
-              <a:t>seGrow</a:t>
-            </a:r>
-            <a:endParaRPr lang="en-US" dirty="0">
-              <a:solidFill>
-                <a:srgbClr val="00B050"/>
-              </a:solidFill>
-            </a:endParaRPr>
-          </a:p>
-          <a:p>
-            <a:pPr marL="0" indent="0">
-              <a:buNone/>
-            </a:pPr>
-            <a:r>
-              <a:rPr lang="en-US" dirty="0"/>
-              <a:t>   &lt;</a:t>
-            </a:r>
-            <a:r>
-              <a:rPr lang="en-US" dirty="0" err="1"/>
-              <a:t>fct</a:t>
-            </a:r>
-            <a:r>
-              <a:rPr lang="en-US" dirty="0"/>
-              <a:t>&gt;  		&lt;</a:t>
-            </a:r>
-            <a:r>
-              <a:rPr lang="en-US" dirty="0" err="1"/>
-              <a:t>fct</a:t>
-            </a:r>
-            <a:r>
-              <a:rPr lang="en-US" dirty="0"/>
-              <a:t>&gt;		&lt;</a:t>
-            </a:r>
-            <a:r>
-              <a:rPr lang="en-US" dirty="0" err="1"/>
-              <a:t>dbl</a:t>
-            </a:r>
-            <a:r>
-              <a:rPr lang="en-US" dirty="0"/>
-              <a:t>&gt;  		&lt;</a:t>
-            </a:r>
-            <a:r>
-              <a:rPr lang="en-US" dirty="0" err="1"/>
-              <a:t>dbl</a:t>
-            </a:r>
-            <a:r>
-              <a:rPr lang="en-US" dirty="0"/>
-              <a:t>&gt;</a:t>
-            </a:r>
-          </a:p>
-          <a:p>
-            <a:pPr marL="0" indent="0">
-              <a:buNone/>
-            </a:pPr>
-            <a:r>
-              <a:rPr lang="en-US" dirty="0"/>
-              <a:t> 1 barley 	control        	23.3  		0.703</a:t>
-            </a:r>
-          </a:p>
-          <a:p>
-            <a:pPr marL="0" indent="0">
-              <a:buNone/>
-            </a:pPr>
-            <a:r>
-              <a:rPr lang="en-US" dirty="0"/>
-              <a:t> 2 barley 	</a:t>
-            </a:r>
-            <a:r>
-              <a:rPr lang="en-US" dirty="0" err="1"/>
-              <a:t>agrimore</a:t>
-            </a:r>
-            <a:r>
-              <a:rPr lang="en-US" dirty="0"/>
-              <a:t>       	26.3  		0.919</a:t>
-            </a:r>
-          </a:p>
-          <a:p>
-            <a:pPr marL="0" indent="0">
-              <a:buNone/>
-            </a:pPr>
-            <a:r>
-              <a:rPr lang="en-US" dirty="0"/>
-              <a:t> 3 barley 	</a:t>
-            </a:r>
-            <a:r>
-              <a:rPr lang="en-US" dirty="0" err="1"/>
-              <a:t>supergain</a:t>
-            </a:r>
-            <a:r>
-              <a:rPr lang="en-US" dirty="0"/>
-              <a:t>      	22.5  		0.771</a:t>
-            </a:r>
-          </a:p>
-          <a:p>
-            <a:pPr marL="0" indent="0">
-              <a:buNone/>
-            </a:pPr>
-            <a:r>
-              <a:rPr lang="en-US" dirty="0"/>
-              <a:t> 4 barley 	</a:t>
-            </a:r>
-            <a:r>
-              <a:rPr lang="en-US" dirty="0" err="1"/>
-              <a:t>supersupp</a:t>
-            </a:r>
-            <a:r>
-              <a:rPr lang="en-US" dirty="0"/>
-              <a:t>      	25.6  		1.06 </a:t>
-            </a:r>
-          </a:p>
-          <a:p>
-            <a:pPr marL="0" indent="0">
-              <a:buNone/>
-            </a:pPr>
-            <a:r>
-              <a:rPr lang="en-US" dirty="0"/>
-              <a:t> 5 oats   		control        	20.5  		0.506</a:t>
-            </a:r>
-          </a:p>
-          <a:p>
-            <a:pPr marL="0" indent="0">
-              <a:buNone/>
-            </a:pPr>
-            <a:r>
-              <a:rPr lang="en-US" dirty="0"/>
-              <a:t> 6 oats   		</a:t>
-            </a:r>
-            <a:r>
-              <a:rPr lang="en-US" dirty="0" err="1"/>
-              <a:t>agrimore</a:t>
-            </a:r>
-            <a:r>
-              <a:rPr lang="en-US" dirty="0"/>
-              <a:t>       	23.3  		0.613</a:t>
-            </a:r>
-          </a:p>
-          <a:p>
-            <a:pPr marL="0" indent="0">
-              <a:buNone/>
-            </a:pPr>
-            <a:r>
-              <a:rPr lang="en-US" dirty="0"/>
-              <a:t> 7 oats   		</a:t>
-            </a:r>
-            <a:r>
-              <a:rPr lang="en-US" dirty="0" err="1"/>
-              <a:t>supergain</a:t>
-            </a:r>
-            <a:r>
-              <a:rPr lang="en-US" dirty="0"/>
-              <a:t>      	19.7  		0.349</a:t>
-            </a:r>
-          </a:p>
-          <a:p>
-            <a:pPr marL="0" indent="0">
-              <a:buNone/>
-            </a:pPr>
-            <a:r>
-              <a:rPr lang="en-US" dirty="0"/>
-              <a:t> 8 oats   		</a:t>
-            </a:r>
-            <a:r>
-              <a:rPr lang="en-US" dirty="0" err="1"/>
-              <a:t>supersupp</a:t>
-            </a:r>
-            <a:r>
-              <a:rPr lang="en-US" dirty="0"/>
-              <a:t>      	21.9  		0.413</a:t>
-            </a:r>
-          </a:p>
-          <a:p>
-            <a:pPr marL="0" indent="0">
-              <a:buNone/>
-            </a:pPr>
-            <a:r>
-              <a:rPr lang="en-US" dirty="0"/>
-              <a:t> 9 wheat  	control        	17.4  		0.460</a:t>
-            </a:r>
-          </a:p>
-          <a:p>
-            <a:pPr marL="0" indent="0">
-              <a:buNone/>
-            </a:pPr>
-            <a:r>
-              <a:rPr lang="en-US" dirty="0"/>
-              <a:t>10 wheat  	</a:t>
-            </a:r>
-            <a:r>
-              <a:rPr lang="en-US" dirty="0" err="1"/>
-              <a:t>agrimore</a:t>
-            </a:r>
-            <a:r>
-              <a:rPr lang="en-US" dirty="0"/>
-              <a:t>       	19.6  		0.710</a:t>
-            </a:r>
-          </a:p>
-          <a:p>
-            <a:pPr marL="0" indent="0">
-              <a:buNone/>
-            </a:pPr>
-            <a:r>
-              <a:rPr lang="en-US" dirty="0"/>
-              <a:t>11 wheat  	</a:t>
-            </a:r>
-            <a:r>
-              <a:rPr lang="en-US" dirty="0" err="1"/>
-              <a:t>supergain</a:t>
-            </a:r>
-            <a:r>
-              <a:rPr lang="en-US" dirty="0"/>
-              <a:t>      	17.0  		0.485</a:t>
-            </a:r>
-          </a:p>
-          <a:p>
-            <a:pPr marL="0" indent="0">
-              <a:buNone/>
-            </a:pPr>
-            <a:r>
-              <a:rPr lang="en-US" dirty="0"/>
-              <a:t>12 wheat  	</a:t>
-            </a:r>
-            <a:r>
-              <a:rPr lang="en-US" dirty="0" err="1"/>
-              <a:t>supersupp</a:t>
-            </a:r>
-            <a:r>
-              <a:rPr lang="en-US" dirty="0"/>
-              <a:t>      	19.7  		0.475</a:t>
-            </a:r>
-          </a:p>
-        </p:txBody>
-      </p:sp>
-    </p:spTree>
-    <p:extLst>
-      <p:ext uri="{BB962C8B-B14F-4D97-AF65-F5344CB8AC3E}">
-        <p14:creationId xmlns:p14="http://schemas.microsoft.com/office/powerpoint/2010/main" val="2344496302"/>
-      </p:ext>
-    </p:extLst>
-  </p:cSld>
-  <p:clrMapOvr>
-    <a:masterClrMapping/>
-  </p:clrMapOvr>
-</p:sld>
-</file>
-
-<file path=ppt/slides/slide18.xml><?xml version="1.0" encoding="utf-8"?>
-<p:sld xmlns:a="http://schemas.openxmlformats.org/drawingml/2006/main" xmlns:r="http://schemas.openxmlformats.org/officeDocument/2006/relationships" xmlns:p="http://schemas.openxmlformats.org/presentationml/2006/main">
-  <p:cSld>
-    <p:spTree>
-      <p:nvGrpSpPr>
-        <p:cNvPr id="1" name=""/>
-        <p:cNvGrpSpPr/>
-        <p:nvPr/>
-      </p:nvGrpSpPr>
-      <p:grpSpPr>
-        <a:xfrm>
-          <a:off x="0" y="0"/>
-          <a:ext cx="0" cy="0"/>
-          <a:chOff x="0" y="0"/>
-          <a:chExt cx="0" cy="0"/>
-        </a:xfrm>
-      </p:grpSpPr>
-      <p:sp>
-        <p:nvSpPr>
-          <p:cNvPr id="2" name="Title 1">
-            <a:extLst>
-              <a:ext uri="{FF2B5EF4-FFF2-40B4-BE49-F238E27FC236}">
-                <a16:creationId xmlns:a16="http://schemas.microsoft.com/office/drawing/2014/main" id="{220A06A0-ED2A-5E47-9B42-A4413DBD8E1D}"/>
-              </a:ext>
-            </a:extLst>
-          </p:cNvPr>
-          <p:cNvSpPr>
-            <a:spLocks noGrp="1"/>
-          </p:cNvSpPr>
-          <p:nvPr>
-            <p:ph type="title"/>
-          </p:nvPr>
-        </p:nvSpPr>
-        <p:spPr>
-          <a:xfrm>
-            <a:off x="76200" y="-76200"/>
-            <a:ext cx="8229600" cy="944562"/>
-          </a:xfrm>
-        </p:spPr>
-        <p:txBody>
-          <a:bodyPr>
-            <a:normAutofit/>
-          </a:bodyPr>
-          <a:lstStyle/>
-          <a:p>
-            <a:r>
-              <a:rPr lang="en-US" dirty="0"/>
-              <a:t>Cow Growth Data-Plot Mean/SE</a:t>
-            </a:r>
-          </a:p>
-        </p:txBody>
-      </p:sp>
-      <p:sp>
-        <p:nvSpPr>
-          <p:cNvPr id="3" name="Content Placeholder 2">
-            <a:extLst>
-              <a:ext uri="{FF2B5EF4-FFF2-40B4-BE49-F238E27FC236}">
-                <a16:creationId xmlns:a16="http://schemas.microsoft.com/office/drawing/2014/main" id="{580BAAD4-5F8C-714C-9AA1-D05A1DA2F419}"/>
-              </a:ext>
-            </a:extLst>
-          </p:cNvPr>
-          <p:cNvSpPr>
-            <a:spLocks noGrp="1"/>
-          </p:cNvSpPr>
-          <p:nvPr>
-            <p:ph idx="1"/>
-          </p:nvPr>
-        </p:nvSpPr>
-        <p:spPr>
-          <a:xfrm>
-            <a:off x="457200" y="1020762"/>
-            <a:ext cx="8610600" cy="5532438"/>
-          </a:xfrm>
-        </p:spPr>
-        <p:txBody>
-          <a:bodyPr>
-            <a:normAutofit/>
-          </a:bodyPr>
-          <a:lstStyle/>
-          <a:p>
-            <a:r>
-              <a:rPr lang="en-US" dirty="0"/>
-              <a:t>With this summary table, we can now add three layers to the figure: points, lines, and error bars.</a:t>
-            </a:r>
-          </a:p>
-          <a:p>
-            <a:endParaRPr lang="en-US" dirty="0"/>
-          </a:p>
-          <a:p>
-            <a:r>
-              <a:rPr lang="en-US" dirty="0"/>
-              <a:t>To do this, we introduce </a:t>
-            </a:r>
-            <a:r>
-              <a:rPr lang="en-US" dirty="0" err="1">
-                <a:solidFill>
-                  <a:srgbClr val="C00000"/>
-                </a:solidFill>
-              </a:rPr>
-              <a:t>geom_errorbar</a:t>
-            </a:r>
-            <a:r>
-              <a:rPr lang="en-US" dirty="0"/>
-              <a:t>(), which has its own aesthetics: the lower and upper limits of the vertical lines that we call error bars. </a:t>
-            </a:r>
-          </a:p>
-          <a:p>
-            <a:endParaRPr lang="en-US" dirty="0"/>
-          </a:p>
-          <a:p>
-            <a:r>
-              <a:rPr lang="en-US" dirty="0"/>
-              <a:t>These limits are called </a:t>
-            </a:r>
-            <a:r>
-              <a:rPr lang="en-US" dirty="0" err="1">
-                <a:solidFill>
-                  <a:srgbClr val="0432FF"/>
-                </a:solidFill>
-              </a:rPr>
-              <a:t>ymin</a:t>
-            </a:r>
-            <a:r>
-              <a:rPr lang="en-US" dirty="0"/>
-              <a:t> and </a:t>
-            </a:r>
-            <a:r>
-              <a:rPr lang="en-US" dirty="0" err="1">
-                <a:solidFill>
-                  <a:srgbClr val="0432FF"/>
-                </a:solidFill>
-              </a:rPr>
-              <a:t>ymax</a:t>
-            </a:r>
-            <a:r>
-              <a:rPr lang="en-US" dirty="0"/>
-              <a:t>. </a:t>
-            </a:r>
-          </a:p>
-          <a:p>
-            <a:endParaRPr lang="en-US" dirty="0"/>
-          </a:p>
-          <a:p>
-            <a:r>
-              <a:rPr lang="en-US" dirty="0"/>
-              <a:t>Each vertical line is made by placing a line between these limits, passing through </a:t>
-            </a:r>
-            <a:r>
-              <a:rPr lang="en-US" i="1" dirty="0" err="1"/>
-              <a:t>meanGrow</a:t>
-            </a:r>
-            <a:r>
-              <a:rPr lang="en-US" dirty="0"/>
-              <a:t>.</a:t>
-            </a:r>
-          </a:p>
-        </p:txBody>
-      </p:sp>
-    </p:spTree>
-    <p:extLst>
-      <p:ext uri="{BB962C8B-B14F-4D97-AF65-F5344CB8AC3E}">
-        <p14:creationId xmlns:p14="http://schemas.microsoft.com/office/powerpoint/2010/main" val="3853319851"/>
-      </p:ext>
-    </p:extLst>
-  </p:cSld>
-  <p:clrMapOvr>
-    <a:masterClrMapping/>
-  </p:clrMapOvr>
-</p:sld>
-</file>
-
 <file path=ppt/slides/slide19.xml><?xml version="1.0" encoding="utf-8"?>
 <p:sld xmlns:a="http://schemas.openxmlformats.org/drawingml/2006/main" xmlns:r="http://schemas.openxmlformats.org/officeDocument/2006/relationships" xmlns:p="http://schemas.openxmlformats.org/presentationml/2006/main">
   <p:cSld>
@@ -8799,7 +9350,7 @@
           <a:p>
             <a:r>
               <a:rPr lang="en-US" dirty="0"/>
-              <a:t>Cow Growth Data-Plot Mean/SE</a:t>
+              <a:t>Cow Growth Data-Mean/SD</a:t>
             </a:r>
           </a:p>
         </p:txBody>
@@ -8822,13 +9373,13 @@
         </p:nvSpPr>
         <p:spPr>
           <a:xfrm>
-            <a:off x="457200" y="838200"/>
+            <a:off x="304800" y="792162"/>
             <a:ext cx="8610600" cy="5532438"/>
           </a:xfrm>
         </p:spPr>
         <p:txBody>
           <a:bodyPr>
-            <a:normAutofit/>
+            <a:normAutofit fontScale="85000" lnSpcReduction="10000"/>
           </a:bodyPr>
           <a:lstStyle/>
           <a:p>
@@ -8836,266 +9387,238 @@
               <a:buNone/>
             </a:pPr>
             <a:r>
-              <a:rPr lang="en-US" sz="2000" dirty="0" err="1">
+              <a:rPr lang="en-US" dirty="0"/>
+              <a:t># calculate mean and standard error of gain for all 12 combinations</a:t>
+            </a:r>
+          </a:p>
+          <a:p>
+            <a:pPr marL="0" indent="0">
+              <a:buNone/>
+            </a:pPr>
+            <a:endParaRPr lang="en-US" dirty="0"/>
+          </a:p>
+          <a:p>
+            <a:pPr marL="0" indent="0">
+              <a:buNone/>
+            </a:pPr>
+            <a:r>
+              <a:rPr lang="en-US" dirty="0" err="1"/>
+              <a:t>sumMoo</a:t>
+            </a:r>
+            <a:r>
+              <a:rPr lang="en-US" dirty="0"/>
+              <a:t> &lt;- </a:t>
+            </a:r>
+            <a:r>
+              <a:rPr lang="en-US" dirty="0" err="1"/>
+              <a:t>growth.moo</a:t>
+            </a:r>
+            <a:r>
+              <a:rPr lang="en-US" dirty="0"/>
+              <a:t> %&gt;%</a:t>
+            </a:r>
+          </a:p>
+          <a:p>
+            <a:pPr marL="0" indent="0">
+              <a:buNone/>
+            </a:pPr>
+            <a:r>
+              <a:rPr lang="en-US" dirty="0"/>
+              <a:t>	</a:t>
+            </a:r>
+            <a:r>
+              <a:rPr lang="en-US" dirty="0" err="1">
                 <a:solidFill>
                   <a:srgbClr val="C00000"/>
                 </a:solidFill>
               </a:rPr>
-              <a:t>ggplot</a:t>
-            </a:r>
-            <a:r>
-              <a:rPr lang="en-US" sz="2000" dirty="0"/>
+              <a:t>group_by</a:t>
+            </a:r>
+            <a:r>
+              <a:rPr lang="en-US" dirty="0"/>
+              <a:t>(diet, supplement) %&gt;%</a:t>
+            </a:r>
+          </a:p>
+          <a:p>
+            <a:pPr marL="0" indent="0">
+              <a:buNone/>
+            </a:pPr>
+            <a:r>
+              <a:rPr lang="en-US" dirty="0"/>
+              <a:t>		</a:t>
+            </a:r>
+            <a:r>
+              <a:rPr lang="en-US" dirty="0" err="1">
+                <a:solidFill>
+                  <a:srgbClr val="C00000"/>
+                </a:solidFill>
+              </a:rPr>
+              <a:t>summarise</a:t>
+            </a:r>
+            <a:r>
+              <a:rPr lang="en-US" dirty="0"/>
               <a:t>(</a:t>
             </a:r>
-            <a:r>
-              <a:rPr lang="en-US" sz="2000" dirty="0" err="1"/>
-              <a:t>sumMoo</a:t>
-            </a:r>
-            <a:r>
-              <a:rPr lang="en-US" sz="2000" dirty="0"/>
-              <a:t>, </a:t>
-            </a:r>
-            <a:r>
-              <a:rPr lang="en-US" sz="2000" dirty="0" err="1">
+          </a:p>
+          <a:p>
+            <a:pPr marL="0" indent="0">
+              <a:buNone/>
+            </a:pPr>
+            <a:r>
+              <a:rPr lang="en-US" dirty="0"/>
+              <a:t>		</a:t>
+            </a:r>
+            <a:r>
+              <a:rPr lang="en-US" dirty="0" err="1">
+                <a:solidFill>
+                  <a:srgbClr val="00B050"/>
+                </a:solidFill>
+              </a:rPr>
+              <a:t>meanGrow</a:t>
+            </a:r>
+            <a:r>
+              <a:rPr lang="en-US" dirty="0"/>
+              <a:t> = </a:t>
+            </a:r>
+            <a:r>
+              <a:rPr lang="en-US" dirty="0">
                 <a:solidFill>
                   <a:srgbClr val="C00000"/>
                 </a:solidFill>
               </a:rPr>
-              <a:t>aes</a:t>
-            </a:r>
-            <a:r>
-              <a:rPr lang="en-US" sz="2000" dirty="0"/>
+              <a:t>mean</a:t>
+            </a:r>
+            <a:r>
+              <a:rPr lang="en-US" dirty="0"/>
+              <a:t>(gain),</a:t>
+            </a:r>
+          </a:p>
+          <a:p>
+            <a:pPr marL="0" indent="0">
+              <a:buNone/>
+            </a:pPr>
+            <a:r>
+              <a:rPr lang="en-US" dirty="0"/>
+              <a:t>		</a:t>
+            </a:r>
+            <a:r>
+              <a:rPr lang="en-US" dirty="0" err="1">
+                <a:solidFill>
+                  <a:srgbClr val="00B050"/>
+                </a:solidFill>
+              </a:rPr>
+              <a:t>seGrow</a:t>
+            </a:r>
+            <a:r>
+              <a:rPr lang="en-US" dirty="0"/>
+              <a:t> = </a:t>
+            </a:r>
+            <a:r>
+              <a:rPr lang="en-US" dirty="0" err="1">
+                <a:solidFill>
+                  <a:srgbClr val="C00000"/>
+                </a:solidFill>
+              </a:rPr>
+              <a:t>sd</a:t>
+            </a:r>
+            <a:r>
+              <a:rPr lang="en-US" dirty="0"/>
+              <a:t>(gain)/</a:t>
+            </a:r>
+            <a:r>
+              <a:rPr lang="en-US" dirty="0">
+                <a:solidFill>
+                  <a:srgbClr val="C00000"/>
+                </a:solidFill>
+              </a:rPr>
+              <a:t>sqrt</a:t>
+            </a:r>
+            <a:r>
+              <a:rPr lang="en-US" dirty="0"/>
               <a:t>(</a:t>
             </a:r>
             <a:r>
-              <a:rPr lang="en-US" sz="2000" dirty="0">
-                <a:solidFill>
-                  <a:srgbClr val="00B050"/>
+              <a:rPr lang="en-US" dirty="0">
+                <a:solidFill>
+                  <a:srgbClr val="C00000"/>
                 </a:solidFill>
               </a:rPr>
-              <a:t>x</a:t>
-            </a:r>
-            <a:r>
-              <a:rPr lang="en-US" sz="2000" dirty="0"/>
-              <a:t> = supplement, </a:t>
-            </a:r>
-            <a:r>
-              <a:rPr lang="en-US" sz="2000" dirty="0">
-                <a:solidFill>
-                  <a:srgbClr val="00B050"/>
+              <a:t>n</a:t>
+            </a:r>
+            <a:r>
+              <a:rPr lang="en-US" dirty="0"/>
+              <a:t>()))</a:t>
+            </a:r>
+          </a:p>
+          <a:p>
+            <a:pPr marL="0" indent="0">
+              <a:buNone/>
+            </a:pPr>
+            <a:endParaRPr lang="en-US" dirty="0"/>
+          </a:p>
+          <a:p>
+            <a:r>
+              <a:rPr lang="en-US" dirty="0"/>
+              <a:t>The </a:t>
+            </a:r>
+            <a:r>
+              <a:rPr lang="en-US" dirty="0">
+                <a:solidFill>
+                  <a:srgbClr val="0432FF"/>
                 </a:solidFill>
               </a:rPr>
-              <a:t>y</a:t>
-            </a:r>
-            <a:r>
-              <a:rPr lang="en-US" sz="2000" dirty="0"/>
-              <a:t> = </a:t>
-            </a:r>
-            <a:r>
-              <a:rPr lang="en-US" sz="2000" dirty="0" err="1"/>
-              <a:t>meanGrow</a:t>
-            </a:r>
-            <a:r>
-              <a:rPr lang="en-US" sz="2000" dirty="0"/>
-              <a:t>,</a:t>
-            </a:r>
-          </a:p>
-          <a:p>
-            <a:pPr marL="0" indent="0">
-              <a:buNone/>
-            </a:pPr>
-            <a:r>
-              <a:rPr lang="en-US" sz="2000" dirty="0"/>
-              <a:t>		</a:t>
-            </a:r>
-            <a:r>
-              <a:rPr lang="en-US" sz="2000" dirty="0" err="1">
-                <a:solidFill>
-                  <a:srgbClr val="00B050"/>
+              <a:t>standard error </a:t>
+            </a:r>
+            <a:r>
+              <a:rPr lang="en-US" dirty="0"/>
+              <a:t>of the mean is given by the standard deviation divided by the square root of the sample size, and </a:t>
+            </a:r>
+            <a:r>
+              <a:rPr lang="en-US" dirty="0" err="1">
+                <a:solidFill>
+                  <a:srgbClr val="C00000"/>
                 </a:solidFill>
               </a:rPr>
-              <a:t>colour</a:t>
-            </a:r>
-            <a:r>
-              <a:rPr lang="en-US" sz="2000" dirty="0"/>
-              <a:t> = diet, </a:t>
-            </a:r>
-            <a:r>
-              <a:rPr lang="en-US" sz="2000" dirty="0">
-                <a:solidFill>
-                  <a:srgbClr val="00B050"/>
+              <a:t>dplyr</a:t>
+            </a:r>
+            <a:r>
+              <a:rPr lang="en-US" dirty="0"/>
+              <a:t> provides a function </a:t>
+            </a:r>
+            <a:r>
+              <a:rPr lang="en-US" dirty="0">
+                <a:solidFill>
+                  <a:srgbClr val="C00000"/>
                 </a:solidFill>
               </a:rPr>
-              <a:t>group</a:t>
-            </a:r>
-            <a:r>
-              <a:rPr lang="en-US" sz="2000" dirty="0"/>
-              <a:t> = diet)) +</a:t>
-            </a:r>
-          </a:p>
-          <a:p>
-            <a:pPr marL="0" indent="0">
-              <a:buNone/>
-            </a:pPr>
-            <a:r>
-              <a:rPr lang="en-US" sz="2000" dirty="0">
-                <a:solidFill>
-                  <a:srgbClr val="C00000"/>
-                </a:solidFill>
-              </a:rPr>
-              <a:t>	</a:t>
-            </a:r>
-            <a:r>
-              <a:rPr lang="en-US" sz="2000" dirty="0" err="1">
-                <a:solidFill>
-                  <a:srgbClr val="C00000"/>
-                </a:solidFill>
-              </a:rPr>
-              <a:t>geom_point</a:t>
-            </a:r>
-            <a:r>
-              <a:rPr lang="en-US" sz="2000" dirty="0"/>
-              <a:t>() +</a:t>
-            </a:r>
-          </a:p>
-          <a:p>
-            <a:pPr marL="0" indent="0">
-              <a:buNone/>
-            </a:pPr>
-            <a:r>
-              <a:rPr lang="en-US" sz="2000" dirty="0"/>
-              <a:t>	</a:t>
-            </a:r>
-            <a:r>
-              <a:rPr lang="en-US" sz="2000" dirty="0" err="1">
-                <a:solidFill>
-                  <a:srgbClr val="C00000"/>
-                </a:solidFill>
-              </a:rPr>
-              <a:t>geom_line</a:t>
-            </a:r>
-            <a:r>
-              <a:rPr lang="en-US" sz="2000" dirty="0"/>
-              <a:t>() +</a:t>
-            </a:r>
-          </a:p>
-          <a:p>
-            <a:pPr marL="0" indent="0">
-              <a:buNone/>
-            </a:pPr>
-            <a:r>
-              <a:rPr lang="en-US" sz="2000" dirty="0"/>
-              <a:t>	</a:t>
-            </a:r>
-            <a:r>
-              <a:rPr lang="en-US" sz="2000" dirty="0" err="1">
-                <a:solidFill>
-                  <a:srgbClr val="C00000"/>
-                </a:solidFill>
-              </a:rPr>
-              <a:t>geom_errorbar</a:t>
-            </a:r>
-            <a:r>
-              <a:rPr lang="en-US" sz="2000" dirty="0"/>
-              <a:t>(</a:t>
-            </a:r>
-            <a:r>
-              <a:rPr lang="en-US" sz="2000" dirty="0" err="1"/>
-              <a:t>aes</a:t>
-            </a:r>
-            <a:r>
-              <a:rPr lang="en-US" sz="2000" dirty="0"/>
-              <a:t>(</a:t>
-            </a:r>
-            <a:r>
-              <a:rPr lang="en-US" sz="2000" dirty="0" err="1">
-                <a:solidFill>
-                  <a:srgbClr val="00B050"/>
-                </a:solidFill>
-              </a:rPr>
-              <a:t>ymin</a:t>
-            </a:r>
-            <a:r>
-              <a:rPr lang="en-US" sz="2000" dirty="0"/>
-              <a:t> = </a:t>
-            </a:r>
-            <a:r>
-              <a:rPr lang="en-US" sz="2000" dirty="0" err="1"/>
-              <a:t>meanGrow</a:t>
-            </a:r>
-            <a:r>
-              <a:rPr lang="en-US" sz="2000" dirty="0"/>
-              <a:t> - </a:t>
-            </a:r>
-            <a:r>
-              <a:rPr lang="en-US" sz="2000" dirty="0" err="1"/>
-              <a:t>seGrow</a:t>
-            </a:r>
-            <a:r>
-              <a:rPr lang="en-US" sz="2000" dirty="0"/>
-              <a:t>,</a:t>
-            </a:r>
-          </a:p>
-          <a:p>
-            <a:pPr marL="0" indent="0">
-              <a:buNone/>
-            </a:pPr>
-            <a:r>
-              <a:rPr lang="en-US" sz="2000" dirty="0"/>
-              <a:t>			</a:t>
-            </a:r>
-            <a:r>
-              <a:rPr lang="en-US" sz="2000" dirty="0" err="1">
-                <a:solidFill>
-                  <a:srgbClr val="00B050"/>
-                </a:solidFill>
-              </a:rPr>
-              <a:t>ymax</a:t>
-            </a:r>
-            <a:r>
-              <a:rPr lang="en-US" sz="2000" dirty="0"/>
-              <a:t> = </a:t>
-            </a:r>
-            <a:r>
-              <a:rPr lang="en-US" sz="2000" dirty="0" err="1"/>
-              <a:t>meanGrow</a:t>
-            </a:r>
-            <a:r>
-              <a:rPr lang="en-US" sz="2000" dirty="0"/>
-              <a:t> + </a:t>
-            </a:r>
-            <a:r>
-              <a:rPr lang="en-US" sz="2000" dirty="0" err="1"/>
-              <a:t>seGrow</a:t>
-            </a:r>
-            <a:r>
-              <a:rPr lang="en-US" sz="2000" dirty="0"/>
-              <a:t>), </a:t>
-            </a:r>
-            <a:r>
-              <a:rPr lang="en-US" sz="2000" dirty="0">
-                <a:solidFill>
-                  <a:srgbClr val="00B050"/>
-                </a:solidFill>
-              </a:rPr>
-              <a:t>width</a:t>
-            </a:r>
-            <a:r>
-              <a:rPr lang="en-US" sz="2000" dirty="0"/>
-              <a:t> = 0.1) +</a:t>
-            </a:r>
-          </a:p>
-          <a:p>
-            <a:pPr marL="0" indent="0">
-              <a:buNone/>
-            </a:pPr>
-            <a:r>
-              <a:rPr lang="en-US" sz="2000" dirty="0" err="1"/>
-              <a:t>theme_bw</a:t>
-            </a:r>
-            <a:r>
-              <a:rPr lang="en-US" sz="2000" dirty="0"/>
-              <a:t>()</a:t>
+              <a:t>n</a:t>
+            </a:r>
+            <a:r>
+              <a:rPr lang="en-US" dirty="0"/>
+              <a:t>() that counts the rows in each group.</a:t>
+            </a:r>
+          </a:p>
+          <a:p>
+            <a:pPr marL="0" indent="0">
+              <a:buNone/>
+            </a:pPr>
+            <a:r>
+              <a:rPr lang="en-US" dirty="0"/>
+              <a:t> </a:t>
+            </a:r>
+          </a:p>
+          <a:p>
+            <a:r>
+              <a:rPr lang="en-US" dirty="0"/>
+              <a:t>Be careful…if you have missing values, n() will still count these rows. Must filter NA values before analyses. (</a:t>
+            </a:r>
+            <a:r>
+              <a:rPr lang="en-US" dirty="0" err="1"/>
+              <a:t>na.omit</a:t>
+            </a:r>
+            <a:r>
+              <a:rPr lang="en-US" dirty="0"/>
+              <a:t>, etc.)</a:t>
             </a:r>
           </a:p>
           <a:p>
@@ -9106,46 +9629,10 @@
           </a:p>
         </p:txBody>
       </p:sp>
-      <p:pic>
-        <p:nvPicPr>
-          <p:cNvPr id="5" name="Picture 4" descr="Chart, line chart&#10;&#10;Description automatically generated">
-            <a:extLst>
-              <a:ext uri="{FF2B5EF4-FFF2-40B4-BE49-F238E27FC236}">
-                <a16:creationId xmlns:a16="http://schemas.microsoft.com/office/drawing/2014/main" id="{42261435-3E02-BB4B-9191-D8559EDFCD22}"/>
-              </a:ext>
-            </a:extLst>
-          </p:cNvPr>
-          <p:cNvPicPr>
-            <a:picLocks noChangeAspect="1"/>
-          </p:cNvPicPr>
-          <p:nvPr/>
-        </p:nvPicPr>
-        <p:blipFill>
-          <a:blip r:embed="rId3">
-            <a:extLst>
-              <a:ext uri="{28A0092B-C50C-407E-A947-70E740481C1C}">
-                <a14:useLocalDpi xmlns:a14="http://schemas.microsoft.com/office/drawing/2010/main" val="0"/>
-              </a:ext>
-            </a:extLst>
-          </a:blip>
-          <a:stretch>
-            <a:fillRect/>
-          </a:stretch>
-        </p:blipFill>
-        <p:spPr>
-          <a:xfrm>
-            <a:off x="2095500" y="3048000"/>
-            <a:ext cx="5334000" cy="3810000"/>
-          </a:xfrm>
-          <a:prstGeom prst="rect">
-            <a:avLst/>
-          </a:prstGeom>
-        </p:spPr>
-      </p:pic>
     </p:spTree>
     <p:extLst>
       <p:ext uri="{BB962C8B-B14F-4D97-AF65-F5344CB8AC3E}">
-        <p14:creationId xmlns:p14="http://schemas.microsoft.com/office/powerpoint/2010/main" val="555529083"/>
+        <p14:creationId xmlns:p14="http://schemas.microsoft.com/office/powerpoint/2010/main" val="186922481"/>
       </p:ext>
     </p:extLst>
   </p:cSld>
@@ -9294,7 +9781,15 @@
           <a:p>
             <a:r>
               <a:rPr lang="en-US" dirty="0"/>
-              <a:t>The response variable may vary with both predictor variables. </a:t>
+              <a:t>The response variable may vary with </a:t>
+            </a:r>
+            <a:r>
+              <a:rPr lang="en-US" b="1" dirty="0"/>
+              <a:t>both</a:t>
+            </a:r>
+            <a:r>
+              <a:rPr lang="en-US" dirty="0"/>
+              <a:t> predictor variables. </a:t>
             </a:r>
           </a:p>
           <a:p>
@@ -9318,7 +9813,19 @@
           <a:p>
             <a:r>
               <a:rPr lang="en-US" dirty="0"/>
-              <a:t>This is a statistical interaction.</a:t>
+              <a:t>This is a statistical </a:t>
+            </a:r>
+            <a:r>
+              <a:rPr lang="en-US" dirty="0">
+                <a:solidFill>
+                  <a:srgbClr val="0432FF"/>
+                </a:solidFill>
+              </a:rPr>
+              <a:t>interaction</a:t>
+            </a:r>
+            <a:r>
+              <a:rPr lang="en-US" dirty="0"/>
+              <a:t>.</a:t>
             </a:r>
           </a:p>
           <a:p>
@@ -9343,6 +9850,1079 @@
 </file>
 
 <file path=ppt/slides/slide20.xml><?xml version="1.0" encoding="utf-8"?>
+<p:sld xmlns:a="http://schemas.openxmlformats.org/drawingml/2006/main" xmlns:r="http://schemas.openxmlformats.org/officeDocument/2006/relationships" xmlns:p="http://schemas.openxmlformats.org/presentationml/2006/main">
+  <p:cSld>
+    <p:spTree>
+      <p:nvGrpSpPr>
+        <p:cNvPr id="1" name=""/>
+        <p:cNvGrpSpPr/>
+        <p:nvPr/>
+      </p:nvGrpSpPr>
+      <p:grpSpPr>
+        <a:xfrm>
+          <a:off x="0" y="0"/>
+          <a:ext cx="0" cy="0"/>
+          <a:chOff x="0" y="0"/>
+          <a:chExt cx="0" cy="0"/>
+        </a:xfrm>
+      </p:grpSpPr>
+      <p:sp>
+        <p:nvSpPr>
+          <p:cNvPr id="2" name="Title 1">
+            <a:extLst>
+              <a:ext uri="{FF2B5EF4-FFF2-40B4-BE49-F238E27FC236}">
+                <a16:creationId xmlns:a16="http://schemas.microsoft.com/office/drawing/2014/main" id="{220A06A0-ED2A-5E47-9B42-A4413DBD8E1D}"/>
+              </a:ext>
+            </a:extLst>
+          </p:cNvPr>
+          <p:cNvSpPr>
+            <a:spLocks noGrp="1"/>
+          </p:cNvSpPr>
+          <p:nvPr>
+            <p:ph type="title"/>
+          </p:nvPr>
+        </p:nvSpPr>
+        <p:spPr>
+          <a:xfrm>
+            <a:off x="76200" y="-76200"/>
+            <a:ext cx="8229600" cy="944562"/>
+          </a:xfrm>
+        </p:spPr>
+        <p:txBody>
+          <a:bodyPr>
+            <a:normAutofit/>
+          </a:bodyPr>
+          <a:lstStyle/>
+          <a:p>
+            <a:r>
+              <a:rPr lang="en-US" dirty="0"/>
+              <a:t>Cow Growth Data-Mean/SD</a:t>
+            </a:r>
+          </a:p>
+        </p:txBody>
+      </p:sp>
+      <p:sp>
+        <p:nvSpPr>
+          <p:cNvPr id="3" name="Content Placeholder 2">
+            <a:extLst>
+              <a:ext uri="{FF2B5EF4-FFF2-40B4-BE49-F238E27FC236}">
+                <a16:creationId xmlns:a16="http://schemas.microsoft.com/office/drawing/2014/main" id="{580BAAD4-5F8C-714C-9AA1-D05A1DA2F419}"/>
+              </a:ext>
+            </a:extLst>
+          </p:cNvPr>
+          <p:cNvSpPr>
+            <a:spLocks noGrp="1"/>
+          </p:cNvSpPr>
+          <p:nvPr>
+            <p:ph idx="1"/>
+          </p:nvPr>
+        </p:nvSpPr>
+        <p:spPr>
+          <a:xfrm>
+            <a:off x="457200" y="609600"/>
+            <a:ext cx="8610600" cy="5532438"/>
+          </a:xfrm>
+        </p:spPr>
+        <p:txBody>
+          <a:bodyPr>
+            <a:normAutofit fontScale="70000" lnSpcReduction="20000"/>
+          </a:bodyPr>
+          <a:lstStyle/>
+          <a:p>
+            <a:pPr marL="0" indent="0">
+              <a:buNone/>
+            </a:pPr>
+            <a:r>
+              <a:rPr lang="en-US" dirty="0" err="1"/>
+              <a:t>sumMoo</a:t>
+            </a:r>
+            <a:endParaRPr lang="en-US" dirty="0"/>
+          </a:p>
+          <a:p>
+            <a:pPr marL="0" indent="0">
+              <a:buNone/>
+            </a:pPr>
+            <a:endParaRPr lang="en-US" dirty="0"/>
+          </a:p>
+          <a:p>
+            <a:pPr marL="0" indent="0">
+              <a:buNone/>
+            </a:pPr>
+            <a:r>
+              <a:rPr lang="en-US" dirty="0"/>
+              <a:t># A </a:t>
+            </a:r>
+            <a:r>
+              <a:rPr lang="en-US" dirty="0" err="1"/>
+              <a:t>tibble</a:t>
+            </a:r>
+            <a:r>
+              <a:rPr lang="en-US" dirty="0"/>
+              <a:t>: 12 x 4</a:t>
+            </a:r>
+          </a:p>
+          <a:p>
+            <a:pPr marL="0" indent="0">
+              <a:buNone/>
+            </a:pPr>
+            <a:r>
+              <a:rPr lang="en-US" dirty="0"/>
+              <a:t># Groups:   diet [3]</a:t>
+            </a:r>
+          </a:p>
+          <a:p>
+            <a:pPr marL="0" indent="0">
+              <a:buNone/>
+            </a:pPr>
+            <a:r>
+              <a:rPr lang="en-US" dirty="0"/>
+              <a:t>   </a:t>
+            </a:r>
+            <a:r>
+              <a:rPr lang="en-US" dirty="0">
+                <a:solidFill>
+                  <a:srgbClr val="0432FF"/>
+                </a:solidFill>
+              </a:rPr>
+              <a:t>diet   		supplement</a:t>
+            </a:r>
+            <a:r>
+              <a:rPr lang="en-US" dirty="0"/>
+              <a:t> 	</a:t>
+            </a:r>
+            <a:r>
+              <a:rPr lang="en-US" dirty="0" err="1">
+                <a:solidFill>
+                  <a:srgbClr val="00B050"/>
+                </a:solidFill>
+              </a:rPr>
+              <a:t>meanGrow</a:t>
+            </a:r>
+            <a:r>
+              <a:rPr lang="en-US" dirty="0">
+                <a:solidFill>
+                  <a:srgbClr val="00B050"/>
+                </a:solidFill>
+              </a:rPr>
+              <a:t>	</a:t>
+            </a:r>
+            <a:r>
+              <a:rPr lang="en-US" dirty="0" err="1">
+                <a:solidFill>
+                  <a:srgbClr val="00B050"/>
+                </a:solidFill>
+              </a:rPr>
+              <a:t>seGrow</a:t>
+            </a:r>
+            <a:endParaRPr lang="en-US" dirty="0">
+              <a:solidFill>
+                <a:srgbClr val="00B050"/>
+              </a:solidFill>
+            </a:endParaRPr>
+          </a:p>
+          <a:p>
+            <a:pPr marL="0" indent="0">
+              <a:buNone/>
+            </a:pPr>
+            <a:r>
+              <a:rPr lang="en-US" dirty="0"/>
+              <a:t>   &lt;</a:t>
+            </a:r>
+            <a:r>
+              <a:rPr lang="en-US" dirty="0" err="1"/>
+              <a:t>fct</a:t>
+            </a:r>
+            <a:r>
+              <a:rPr lang="en-US" dirty="0"/>
+              <a:t>&gt;  		&lt;</a:t>
+            </a:r>
+            <a:r>
+              <a:rPr lang="en-US" dirty="0" err="1"/>
+              <a:t>fct</a:t>
+            </a:r>
+            <a:r>
+              <a:rPr lang="en-US" dirty="0"/>
+              <a:t>&gt;		&lt;</a:t>
+            </a:r>
+            <a:r>
+              <a:rPr lang="en-US" dirty="0" err="1"/>
+              <a:t>dbl</a:t>
+            </a:r>
+            <a:r>
+              <a:rPr lang="en-US" dirty="0"/>
+              <a:t>&gt;  		&lt;</a:t>
+            </a:r>
+            <a:r>
+              <a:rPr lang="en-US" dirty="0" err="1"/>
+              <a:t>dbl</a:t>
+            </a:r>
+            <a:r>
+              <a:rPr lang="en-US" dirty="0"/>
+              <a:t>&gt;</a:t>
+            </a:r>
+          </a:p>
+          <a:p>
+            <a:pPr marL="0" indent="0">
+              <a:buNone/>
+            </a:pPr>
+            <a:r>
+              <a:rPr lang="en-US" dirty="0"/>
+              <a:t> 1 barley 	control        	23.3  		0.703</a:t>
+            </a:r>
+          </a:p>
+          <a:p>
+            <a:pPr marL="0" indent="0">
+              <a:buNone/>
+            </a:pPr>
+            <a:r>
+              <a:rPr lang="en-US" dirty="0"/>
+              <a:t> 2 barley 	</a:t>
+            </a:r>
+            <a:r>
+              <a:rPr lang="en-US" dirty="0" err="1"/>
+              <a:t>agrimore</a:t>
+            </a:r>
+            <a:r>
+              <a:rPr lang="en-US" dirty="0"/>
+              <a:t>       	26.3  		0.919</a:t>
+            </a:r>
+          </a:p>
+          <a:p>
+            <a:pPr marL="0" indent="0">
+              <a:buNone/>
+            </a:pPr>
+            <a:r>
+              <a:rPr lang="en-US" dirty="0"/>
+              <a:t> 3 barley 	</a:t>
+            </a:r>
+            <a:r>
+              <a:rPr lang="en-US" dirty="0" err="1"/>
+              <a:t>supergain</a:t>
+            </a:r>
+            <a:r>
+              <a:rPr lang="en-US" dirty="0"/>
+              <a:t>      	22.5  		0.771</a:t>
+            </a:r>
+          </a:p>
+          <a:p>
+            <a:pPr marL="0" indent="0">
+              <a:buNone/>
+            </a:pPr>
+            <a:r>
+              <a:rPr lang="en-US" dirty="0"/>
+              <a:t> 4 barley 	</a:t>
+            </a:r>
+            <a:r>
+              <a:rPr lang="en-US" dirty="0" err="1"/>
+              <a:t>supersupp</a:t>
+            </a:r>
+            <a:r>
+              <a:rPr lang="en-US" dirty="0"/>
+              <a:t>      	25.6  		1.06 </a:t>
+            </a:r>
+          </a:p>
+          <a:p>
+            <a:pPr marL="0" indent="0">
+              <a:buNone/>
+            </a:pPr>
+            <a:r>
+              <a:rPr lang="en-US" dirty="0"/>
+              <a:t> 5 oats   		control        	20.5  		0.506</a:t>
+            </a:r>
+          </a:p>
+          <a:p>
+            <a:pPr marL="0" indent="0">
+              <a:buNone/>
+            </a:pPr>
+            <a:r>
+              <a:rPr lang="en-US" dirty="0"/>
+              <a:t> 6 oats   		</a:t>
+            </a:r>
+            <a:r>
+              <a:rPr lang="en-US" dirty="0" err="1"/>
+              <a:t>agrimore</a:t>
+            </a:r>
+            <a:r>
+              <a:rPr lang="en-US" dirty="0"/>
+              <a:t>       	23.3  		0.613</a:t>
+            </a:r>
+          </a:p>
+          <a:p>
+            <a:pPr marL="0" indent="0">
+              <a:buNone/>
+            </a:pPr>
+            <a:r>
+              <a:rPr lang="en-US" dirty="0"/>
+              <a:t> 7 oats   		</a:t>
+            </a:r>
+            <a:r>
+              <a:rPr lang="en-US" dirty="0" err="1"/>
+              <a:t>supergain</a:t>
+            </a:r>
+            <a:r>
+              <a:rPr lang="en-US" dirty="0"/>
+              <a:t>      	19.7  		0.349</a:t>
+            </a:r>
+          </a:p>
+          <a:p>
+            <a:pPr marL="0" indent="0">
+              <a:buNone/>
+            </a:pPr>
+            <a:r>
+              <a:rPr lang="en-US" dirty="0"/>
+              <a:t> 8 oats   		</a:t>
+            </a:r>
+            <a:r>
+              <a:rPr lang="en-US" dirty="0" err="1"/>
+              <a:t>supersupp</a:t>
+            </a:r>
+            <a:r>
+              <a:rPr lang="en-US" dirty="0"/>
+              <a:t>      	21.9  		0.413</a:t>
+            </a:r>
+          </a:p>
+          <a:p>
+            <a:pPr marL="0" indent="0">
+              <a:buNone/>
+            </a:pPr>
+            <a:r>
+              <a:rPr lang="en-US" dirty="0"/>
+              <a:t> 9 wheat  	control        	17.4  		0.460</a:t>
+            </a:r>
+          </a:p>
+          <a:p>
+            <a:pPr marL="0" indent="0">
+              <a:buNone/>
+            </a:pPr>
+            <a:r>
+              <a:rPr lang="en-US" dirty="0"/>
+              <a:t>10 wheat  	</a:t>
+            </a:r>
+            <a:r>
+              <a:rPr lang="en-US" dirty="0" err="1"/>
+              <a:t>agrimore</a:t>
+            </a:r>
+            <a:r>
+              <a:rPr lang="en-US" dirty="0"/>
+              <a:t>       	19.6  		0.710</a:t>
+            </a:r>
+          </a:p>
+          <a:p>
+            <a:pPr marL="0" indent="0">
+              <a:buNone/>
+            </a:pPr>
+            <a:r>
+              <a:rPr lang="en-US" dirty="0"/>
+              <a:t>11 wheat  	</a:t>
+            </a:r>
+            <a:r>
+              <a:rPr lang="en-US" dirty="0" err="1"/>
+              <a:t>supergain</a:t>
+            </a:r>
+            <a:r>
+              <a:rPr lang="en-US" dirty="0"/>
+              <a:t>      	17.0  		0.485</a:t>
+            </a:r>
+          </a:p>
+          <a:p>
+            <a:pPr marL="0" indent="0">
+              <a:buNone/>
+            </a:pPr>
+            <a:r>
+              <a:rPr lang="en-US" dirty="0"/>
+              <a:t>12 wheat  	</a:t>
+            </a:r>
+            <a:r>
+              <a:rPr lang="en-US" dirty="0" err="1"/>
+              <a:t>supersupp</a:t>
+            </a:r>
+            <a:r>
+              <a:rPr lang="en-US" dirty="0"/>
+              <a:t>      	19.7  		0.475</a:t>
+            </a:r>
+          </a:p>
+        </p:txBody>
+      </p:sp>
+    </p:spTree>
+    <p:extLst>
+      <p:ext uri="{BB962C8B-B14F-4D97-AF65-F5344CB8AC3E}">
+        <p14:creationId xmlns:p14="http://schemas.microsoft.com/office/powerpoint/2010/main" val="2344496302"/>
+      </p:ext>
+    </p:extLst>
+  </p:cSld>
+  <p:clrMapOvr>
+    <a:masterClrMapping/>
+  </p:clrMapOvr>
+</p:sld>
+</file>
+
+<file path=ppt/slides/slide21.xml><?xml version="1.0" encoding="utf-8"?>
+<p:sld xmlns:a="http://schemas.openxmlformats.org/drawingml/2006/main" xmlns:r="http://schemas.openxmlformats.org/officeDocument/2006/relationships" xmlns:p="http://schemas.openxmlformats.org/presentationml/2006/main">
+  <p:cSld>
+    <p:spTree>
+      <p:nvGrpSpPr>
+        <p:cNvPr id="1" name=""/>
+        <p:cNvGrpSpPr/>
+        <p:nvPr/>
+      </p:nvGrpSpPr>
+      <p:grpSpPr>
+        <a:xfrm>
+          <a:off x="0" y="0"/>
+          <a:ext cx="0" cy="0"/>
+          <a:chOff x="0" y="0"/>
+          <a:chExt cx="0" cy="0"/>
+        </a:xfrm>
+      </p:grpSpPr>
+      <p:sp>
+        <p:nvSpPr>
+          <p:cNvPr id="2" name="Title 1">
+            <a:extLst>
+              <a:ext uri="{FF2B5EF4-FFF2-40B4-BE49-F238E27FC236}">
+                <a16:creationId xmlns:a16="http://schemas.microsoft.com/office/drawing/2014/main" id="{220A06A0-ED2A-5E47-9B42-A4413DBD8E1D}"/>
+              </a:ext>
+            </a:extLst>
+          </p:cNvPr>
+          <p:cNvSpPr>
+            <a:spLocks noGrp="1"/>
+          </p:cNvSpPr>
+          <p:nvPr>
+            <p:ph type="title"/>
+          </p:nvPr>
+        </p:nvSpPr>
+        <p:spPr>
+          <a:xfrm>
+            <a:off x="76200" y="-76200"/>
+            <a:ext cx="8229600" cy="944562"/>
+          </a:xfrm>
+        </p:spPr>
+        <p:txBody>
+          <a:bodyPr>
+            <a:normAutofit/>
+          </a:bodyPr>
+          <a:lstStyle/>
+          <a:p>
+            <a:r>
+              <a:rPr lang="en-US" dirty="0"/>
+              <a:t>Cow Growth Data-Plot Mean/SE</a:t>
+            </a:r>
+          </a:p>
+        </p:txBody>
+      </p:sp>
+      <p:sp>
+        <p:nvSpPr>
+          <p:cNvPr id="3" name="Content Placeholder 2">
+            <a:extLst>
+              <a:ext uri="{FF2B5EF4-FFF2-40B4-BE49-F238E27FC236}">
+                <a16:creationId xmlns:a16="http://schemas.microsoft.com/office/drawing/2014/main" id="{580BAAD4-5F8C-714C-9AA1-D05A1DA2F419}"/>
+              </a:ext>
+            </a:extLst>
+          </p:cNvPr>
+          <p:cNvSpPr>
+            <a:spLocks noGrp="1"/>
+          </p:cNvSpPr>
+          <p:nvPr>
+            <p:ph idx="1"/>
+          </p:nvPr>
+        </p:nvSpPr>
+        <p:spPr>
+          <a:xfrm>
+            <a:off x="457200" y="1020762"/>
+            <a:ext cx="8610600" cy="5532438"/>
+          </a:xfrm>
+        </p:spPr>
+        <p:txBody>
+          <a:bodyPr>
+            <a:normAutofit/>
+          </a:bodyPr>
+          <a:lstStyle/>
+          <a:p>
+            <a:r>
+              <a:rPr lang="en-US" dirty="0"/>
+              <a:t>With this summary table, we can now add three layers to the figure: points, lines, and error bars.</a:t>
+            </a:r>
+          </a:p>
+          <a:p>
+            <a:endParaRPr lang="en-US" dirty="0"/>
+          </a:p>
+          <a:p>
+            <a:r>
+              <a:rPr lang="en-US" dirty="0"/>
+              <a:t>To do this, we introduce </a:t>
+            </a:r>
+            <a:r>
+              <a:rPr lang="en-US" dirty="0" err="1">
+                <a:solidFill>
+                  <a:srgbClr val="C00000"/>
+                </a:solidFill>
+              </a:rPr>
+              <a:t>geom_errorbar</a:t>
+            </a:r>
+            <a:r>
+              <a:rPr lang="en-US" dirty="0"/>
+              <a:t>(), which has its own aesthetics: the lower and upper limits of the vertical lines that we call error bars. </a:t>
+            </a:r>
+          </a:p>
+          <a:p>
+            <a:endParaRPr lang="en-US" dirty="0"/>
+          </a:p>
+          <a:p>
+            <a:r>
+              <a:rPr lang="en-US" dirty="0"/>
+              <a:t>These limits are called </a:t>
+            </a:r>
+            <a:r>
+              <a:rPr lang="en-US" dirty="0" err="1">
+                <a:solidFill>
+                  <a:srgbClr val="0432FF"/>
+                </a:solidFill>
+              </a:rPr>
+              <a:t>ymin</a:t>
+            </a:r>
+            <a:r>
+              <a:rPr lang="en-US" dirty="0"/>
+              <a:t> and </a:t>
+            </a:r>
+            <a:r>
+              <a:rPr lang="en-US" dirty="0" err="1">
+                <a:solidFill>
+                  <a:srgbClr val="0432FF"/>
+                </a:solidFill>
+              </a:rPr>
+              <a:t>ymax</a:t>
+            </a:r>
+            <a:r>
+              <a:rPr lang="en-US" dirty="0"/>
+              <a:t>. </a:t>
+            </a:r>
+          </a:p>
+          <a:p>
+            <a:endParaRPr lang="en-US" dirty="0"/>
+          </a:p>
+          <a:p>
+            <a:r>
+              <a:rPr lang="en-US" dirty="0"/>
+              <a:t>Each vertical line is made by placing a line between these limits, passing through </a:t>
+            </a:r>
+            <a:r>
+              <a:rPr lang="en-US" i="1" dirty="0" err="1"/>
+              <a:t>meanGrow</a:t>
+            </a:r>
+            <a:r>
+              <a:rPr lang="en-US" dirty="0"/>
+              <a:t>.</a:t>
+            </a:r>
+          </a:p>
+        </p:txBody>
+      </p:sp>
+    </p:spTree>
+    <p:extLst>
+      <p:ext uri="{BB962C8B-B14F-4D97-AF65-F5344CB8AC3E}">
+        <p14:creationId xmlns:p14="http://schemas.microsoft.com/office/powerpoint/2010/main" val="3853319851"/>
+      </p:ext>
+    </p:extLst>
+  </p:cSld>
+  <p:clrMapOvr>
+    <a:masterClrMapping/>
+  </p:clrMapOvr>
+</p:sld>
+</file>
+
+<file path=ppt/slides/slide22.xml><?xml version="1.0" encoding="utf-8"?>
+<p:sld xmlns:a="http://schemas.openxmlformats.org/drawingml/2006/main" xmlns:r="http://schemas.openxmlformats.org/officeDocument/2006/relationships" xmlns:p="http://schemas.openxmlformats.org/presentationml/2006/main">
+  <p:cSld>
+    <p:spTree>
+      <p:nvGrpSpPr>
+        <p:cNvPr id="1" name=""/>
+        <p:cNvGrpSpPr/>
+        <p:nvPr/>
+      </p:nvGrpSpPr>
+      <p:grpSpPr>
+        <a:xfrm>
+          <a:off x="0" y="0"/>
+          <a:ext cx="0" cy="0"/>
+          <a:chOff x="0" y="0"/>
+          <a:chExt cx="0" cy="0"/>
+        </a:xfrm>
+      </p:grpSpPr>
+      <p:sp>
+        <p:nvSpPr>
+          <p:cNvPr id="2" name="Title 1">
+            <a:extLst>
+              <a:ext uri="{FF2B5EF4-FFF2-40B4-BE49-F238E27FC236}">
+                <a16:creationId xmlns:a16="http://schemas.microsoft.com/office/drawing/2014/main" id="{220A06A0-ED2A-5E47-9B42-A4413DBD8E1D}"/>
+              </a:ext>
+            </a:extLst>
+          </p:cNvPr>
+          <p:cNvSpPr>
+            <a:spLocks noGrp="1"/>
+          </p:cNvSpPr>
+          <p:nvPr>
+            <p:ph type="title"/>
+          </p:nvPr>
+        </p:nvSpPr>
+        <p:spPr>
+          <a:xfrm>
+            <a:off x="76200" y="-76200"/>
+            <a:ext cx="8229600" cy="944562"/>
+          </a:xfrm>
+        </p:spPr>
+        <p:txBody>
+          <a:bodyPr>
+            <a:normAutofit/>
+          </a:bodyPr>
+          <a:lstStyle/>
+          <a:p>
+            <a:r>
+              <a:rPr lang="en-US" dirty="0"/>
+              <a:t>Cow Growth Data-Plot Mean/SE</a:t>
+            </a:r>
+          </a:p>
+        </p:txBody>
+      </p:sp>
+      <p:sp>
+        <p:nvSpPr>
+          <p:cNvPr id="3" name="Content Placeholder 2">
+            <a:extLst>
+              <a:ext uri="{FF2B5EF4-FFF2-40B4-BE49-F238E27FC236}">
+                <a16:creationId xmlns:a16="http://schemas.microsoft.com/office/drawing/2014/main" id="{580BAAD4-5F8C-714C-9AA1-D05A1DA2F419}"/>
+              </a:ext>
+            </a:extLst>
+          </p:cNvPr>
+          <p:cNvSpPr>
+            <a:spLocks noGrp="1"/>
+          </p:cNvSpPr>
+          <p:nvPr>
+            <p:ph idx="1"/>
+          </p:nvPr>
+        </p:nvSpPr>
+        <p:spPr>
+          <a:xfrm>
+            <a:off x="457200" y="838200"/>
+            <a:ext cx="8610600" cy="5532438"/>
+          </a:xfrm>
+        </p:spPr>
+        <p:txBody>
+          <a:bodyPr>
+            <a:normAutofit/>
+          </a:bodyPr>
+          <a:lstStyle/>
+          <a:p>
+            <a:pPr marL="0" indent="0">
+              <a:buNone/>
+            </a:pPr>
+            <a:r>
+              <a:rPr lang="en-US" sz="2000" dirty="0" err="1">
+                <a:solidFill>
+                  <a:srgbClr val="C00000"/>
+                </a:solidFill>
+              </a:rPr>
+              <a:t>ggplot</a:t>
+            </a:r>
+            <a:r>
+              <a:rPr lang="en-US" sz="2000" dirty="0"/>
+              <a:t>(</a:t>
+            </a:r>
+            <a:r>
+              <a:rPr lang="en-US" sz="2000" dirty="0" err="1"/>
+              <a:t>sumMoo</a:t>
+            </a:r>
+            <a:r>
+              <a:rPr lang="en-US" sz="2000" dirty="0"/>
+              <a:t>, </a:t>
+            </a:r>
+            <a:r>
+              <a:rPr lang="en-US" sz="2000" dirty="0" err="1">
+                <a:solidFill>
+                  <a:srgbClr val="C00000"/>
+                </a:solidFill>
+              </a:rPr>
+              <a:t>aes</a:t>
+            </a:r>
+            <a:r>
+              <a:rPr lang="en-US" sz="2000" dirty="0"/>
+              <a:t>(</a:t>
+            </a:r>
+            <a:r>
+              <a:rPr lang="en-US" sz="2000" dirty="0">
+                <a:solidFill>
+                  <a:srgbClr val="00B050"/>
+                </a:solidFill>
+              </a:rPr>
+              <a:t>x</a:t>
+            </a:r>
+            <a:r>
+              <a:rPr lang="en-US" sz="2000" dirty="0"/>
+              <a:t> = supplement, </a:t>
+            </a:r>
+            <a:r>
+              <a:rPr lang="en-US" sz="2000" dirty="0">
+                <a:solidFill>
+                  <a:srgbClr val="00B050"/>
+                </a:solidFill>
+              </a:rPr>
+              <a:t>y</a:t>
+            </a:r>
+            <a:r>
+              <a:rPr lang="en-US" sz="2000" dirty="0"/>
+              <a:t> = </a:t>
+            </a:r>
+            <a:r>
+              <a:rPr lang="en-US" sz="2000" dirty="0" err="1"/>
+              <a:t>meanGrow</a:t>
+            </a:r>
+            <a:r>
+              <a:rPr lang="en-US" sz="2000" dirty="0"/>
+              <a:t>,</a:t>
+            </a:r>
+          </a:p>
+          <a:p>
+            <a:pPr marL="0" indent="0">
+              <a:buNone/>
+            </a:pPr>
+            <a:r>
+              <a:rPr lang="en-US" sz="2000" dirty="0"/>
+              <a:t>		</a:t>
+            </a:r>
+            <a:r>
+              <a:rPr lang="en-US" sz="2000" dirty="0" err="1">
+                <a:solidFill>
+                  <a:srgbClr val="00B050"/>
+                </a:solidFill>
+              </a:rPr>
+              <a:t>colour</a:t>
+            </a:r>
+            <a:r>
+              <a:rPr lang="en-US" sz="2000" dirty="0"/>
+              <a:t> = diet, </a:t>
+            </a:r>
+            <a:r>
+              <a:rPr lang="en-US" sz="2000" dirty="0">
+                <a:solidFill>
+                  <a:srgbClr val="00B050"/>
+                </a:solidFill>
+              </a:rPr>
+              <a:t>group</a:t>
+            </a:r>
+            <a:r>
+              <a:rPr lang="en-US" sz="2000" dirty="0"/>
+              <a:t> = diet)) +</a:t>
+            </a:r>
+          </a:p>
+          <a:p>
+            <a:pPr marL="0" indent="0">
+              <a:buNone/>
+            </a:pPr>
+            <a:r>
+              <a:rPr lang="en-US" sz="2000" dirty="0">
+                <a:solidFill>
+                  <a:srgbClr val="C00000"/>
+                </a:solidFill>
+              </a:rPr>
+              <a:t>	</a:t>
+            </a:r>
+            <a:r>
+              <a:rPr lang="en-US" sz="2000" dirty="0" err="1">
+                <a:solidFill>
+                  <a:srgbClr val="C00000"/>
+                </a:solidFill>
+              </a:rPr>
+              <a:t>geom_point</a:t>
+            </a:r>
+            <a:r>
+              <a:rPr lang="en-US" sz="2000" dirty="0"/>
+              <a:t>() +</a:t>
+            </a:r>
+          </a:p>
+          <a:p>
+            <a:pPr marL="0" indent="0">
+              <a:buNone/>
+            </a:pPr>
+            <a:r>
+              <a:rPr lang="en-US" sz="2000" dirty="0"/>
+              <a:t>	</a:t>
+            </a:r>
+            <a:r>
+              <a:rPr lang="en-US" sz="2000" dirty="0" err="1">
+                <a:solidFill>
+                  <a:srgbClr val="C00000"/>
+                </a:solidFill>
+              </a:rPr>
+              <a:t>geom_line</a:t>
+            </a:r>
+            <a:r>
+              <a:rPr lang="en-US" sz="2000" dirty="0"/>
+              <a:t>() +</a:t>
+            </a:r>
+          </a:p>
+          <a:p>
+            <a:pPr marL="0" indent="0">
+              <a:buNone/>
+            </a:pPr>
+            <a:r>
+              <a:rPr lang="en-US" sz="2000" dirty="0"/>
+              <a:t>	</a:t>
+            </a:r>
+            <a:r>
+              <a:rPr lang="en-US" sz="2000" dirty="0" err="1">
+                <a:solidFill>
+                  <a:srgbClr val="C00000"/>
+                </a:solidFill>
+              </a:rPr>
+              <a:t>geom_errorbar</a:t>
+            </a:r>
+            <a:r>
+              <a:rPr lang="en-US" sz="2000" dirty="0"/>
+              <a:t>(</a:t>
+            </a:r>
+            <a:r>
+              <a:rPr lang="en-US" sz="2000" dirty="0" err="1"/>
+              <a:t>aes</a:t>
+            </a:r>
+            <a:r>
+              <a:rPr lang="en-US" sz="2000" dirty="0"/>
+              <a:t>(</a:t>
+            </a:r>
+            <a:r>
+              <a:rPr lang="en-US" sz="2000" dirty="0" err="1">
+                <a:solidFill>
+                  <a:srgbClr val="00B050"/>
+                </a:solidFill>
+              </a:rPr>
+              <a:t>ymin</a:t>
+            </a:r>
+            <a:r>
+              <a:rPr lang="en-US" sz="2000" dirty="0"/>
+              <a:t> = </a:t>
+            </a:r>
+            <a:r>
+              <a:rPr lang="en-US" sz="2000" dirty="0" err="1"/>
+              <a:t>meanGrow</a:t>
+            </a:r>
+            <a:r>
+              <a:rPr lang="en-US" sz="2000" dirty="0"/>
+              <a:t> - </a:t>
+            </a:r>
+            <a:r>
+              <a:rPr lang="en-US" sz="2000" dirty="0" err="1"/>
+              <a:t>seGrow</a:t>
+            </a:r>
+            <a:r>
+              <a:rPr lang="en-US" sz="2000" dirty="0"/>
+              <a:t>,</a:t>
+            </a:r>
+          </a:p>
+          <a:p>
+            <a:pPr marL="0" indent="0">
+              <a:buNone/>
+            </a:pPr>
+            <a:r>
+              <a:rPr lang="en-US" sz="2000" dirty="0"/>
+              <a:t>			</a:t>
+            </a:r>
+            <a:r>
+              <a:rPr lang="en-US" sz="2000" dirty="0" err="1">
+                <a:solidFill>
+                  <a:srgbClr val="00B050"/>
+                </a:solidFill>
+              </a:rPr>
+              <a:t>ymax</a:t>
+            </a:r>
+            <a:r>
+              <a:rPr lang="en-US" sz="2000" dirty="0"/>
+              <a:t> = </a:t>
+            </a:r>
+            <a:r>
+              <a:rPr lang="en-US" sz="2000" dirty="0" err="1"/>
+              <a:t>meanGrow</a:t>
+            </a:r>
+            <a:r>
+              <a:rPr lang="en-US" sz="2000" dirty="0"/>
+              <a:t> + </a:t>
+            </a:r>
+            <a:r>
+              <a:rPr lang="en-US" sz="2000" dirty="0" err="1"/>
+              <a:t>seGrow</a:t>
+            </a:r>
+            <a:r>
+              <a:rPr lang="en-US" sz="2000" dirty="0"/>
+              <a:t>), </a:t>
+            </a:r>
+            <a:r>
+              <a:rPr lang="en-US" sz="2000" dirty="0">
+                <a:solidFill>
+                  <a:srgbClr val="00B050"/>
+                </a:solidFill>
+              </a:rPr>
+              <a:t>width</a:t>
+            </a:r>
+            <a:r>
+              <a:rPr lang="en-US" sz="2000" dirty="0"/>
+              <a:t> = 0.1) +</a:t>
+            </a:r>
+          </a:p>
+          <a:p>
+            <a:pPr marL="0" indent="0">
+              <a:buNone/>
+            </a:pPr>
+            <a:r>
+              <a:rPr lang="en-US" sz="2000" dirty="0" err="1"/>
+              <a:t>theme_bw</a:t>
+            </a:r>
+            <a:r>
+              <a:rPr lang="en-US" sz="2000" dirty="0"/>
+              <a:t>()</a:t>
+            </a:r>
+          </a:p>
+          <a:p>
+            <a:pPr marL="0" indent="0">
+              <a:buNone/>
+            </a:pPr>
+            <a:endParaRPr lang="en-US" dirty="0"/>
+          </a:p>
+        </p:txBody>
+      </p:sp>
+      <p:pic>
+        <p:nvPicPr>
+          <p:cNvPr id="5" name="Picture 4" descr="Chart, line chart&#10;&#10;Description automatically generated">
+            <a:extLst>
+              <a:ext uri="{FF2B5EF4-FFF2-40B4-BE49-F238E27FC236}">
+                <a16:creationId xmlns:a16="http://schemas.microsoft.com/office/drawing/2014/main" id="{42261435-3E02-BB4B-9191-D8559EDFCD22}"/>
+              </a:ext>
+            </a:extLst>
+          </p:cNvPr>
+          <p:cNvPicPr>
+            <a:picLocks noChangeAspect="1"/>
+          </p:cNvPicPr>
+          <p:nvPr/>
+        </p:nvPicPr>
+        <p:blipFill>
+          <a:blip r:embed="rId3">
+            <a:extLst>
+              <a:ext uri="{28A0092B-C50C-407E-A947-70E740481C1C}">
+                <a14:useLocalDpi xmlns:a14="http://schemas.microsoft.com/office/drawing/2010/main" val="0"/>
+              </a:ext>
+            </a:extLst>
+          </a:blip>
+          <a:stretch>
+            <a:fillRect/>
+          </a:stretch>
+        </p:blipFill>
+        <p:spPr>
+          <a:xfrm>
+            <a:off x="2095500" y="3048000"/>
+            <a:ext cx="5334000" cy="3810000"/>
+          </a:xfrm>
+          <a:prstGeom prst="rect">
+            <a:avLst/>
+          </a:prstGeom>
+        </p:spPr>
+      </p:pic>
+    </p:spTree>
+    <p:extLst>
+      <p:ext uri="{BB962C8B-B14F-4D97-AF65-F5344CB8AC3E}">
+        <p14:creationId xmlns:p14="http://schemas.microsoft.com/office/powerpoint/2010/main" val="555529083"/>
+      </p:ext>
+    </p:extLst>
+  </p:cSld>
+  <p:clrMapOvr>
+    <a:masterClrMapping/>
+  </p:clrMapOvr>
+</p:sld>
+</file>
+
+<file path=ppt/slides/slide23.xml><?xml version="1.0" encoding="utf-8"?>
+<p:sld xmlns:a="http://schemas.openxmlformats.org/drawingml/2006/main" xmlns:r="http://schemas.openxmlformats.org/officeDocument/2006/relationships" xmlns:p="http://schemas.openxmlformats.org/presentationml/2006/main">
+  <p:cSld>
+    <p:spTree>
+      <p:nvGrpSpPr>
+        <p:cNvPr id="1" name=""/>
+        <p:cNvGrpSpPr/>
+        <p:nvPr/>
+      </p:nvGrpSpPr>
+      <p:grpSpPr>
+        <a:xfrm>
+          <a:off x="0" y="0"/>
+          <a:ext cx="0" cy="0"/>
+          <a:chOff x="0" y="0"/>
+          <a:chExt cx="0" cy="0"/>
+        </a:xfrm>
+      </p:grpSpPr>
+      <p:sp>
+        <p:nvSpPr>
+          <p:cNvPr id="2" name="Title 1">
+            <a:extLst>
+              <a:ext uri="{FF2B5EF4-FFF2-40B4-BE49-F238E27FC236}">
+                <a16:creationId xmlns:a16="http://schemas.microsoft.com/office/drawing/2014/main" id="{11C759AB-E950-0548-9DAF-BDC5FC6BE562}"/>
+              </a:ext>
+            </a:extLst>
+          </p:cNvPr>
+          <p:cNvSpPr>
+            <a:spLocks noGrp="1"/>
+          </p:cNvSpPr>
+          <p:nvPr>
+            <p:ph type="title"/>
+          </p:nvPr>
+        </p:nvSpPr>
+        <p:spPr/>
+        <p:txBody>
+          <a:bodyPr/>
+          <a:lstStyle/>
+          <a:p>
+            <a:endParaRPr lang="en-US" dirty="0"/>
+          </a:p>
+        </p:txBody>
+      </p:sp>
+      <p:sp>
+        <p:nvSpPr>
+          <p:cNvPr id="3" name="Content Placeholder 2">
+            <a:extLst>
+              <a:ext uri="{FF2B5EF4-FFF2-40B4-BE49-F238E27FC236}">
+                <a16:creationId xmlns:a16="http://schemas.microsoft.com/office/drawing/2014/main" id="{2C706E24-0F9B-E546-B032-8059B3131251}"/>
+              </a:ext>
+            </a:extLst>
+          </p:cNvPr>
+          <p:cNvSpPr>
+            <a:spLocks noGrp="1"/>
+          </p:cNvSpPr>
+          <p:nvPr>
+            <p:ph idx="1"/>
+          </p:nvPr>
+        </p:nvSpPr>
+        <p:spPr/>
+        <p:txBody>
+          <a:bodyPr/>
+          <a:lstStyle/>
+          <a:p>
+            <a:r>
+              <a:rPr lang="en-US" dirty="0"/>
+              <a:t>What about post-hoc tests like the CLD comparisons we did in 1-WAY ANOVA?</a:t>
+            </a:r>
+          </a:p>
+          <a:p>
+            <a:endParaRPr lang="en-US" dirty="0"/>
+          </a:p>
+          <a:p>
+            <a:r>
+              <a:rPr lang="en-US" dirty="0"/>
+              <a:t>More next time.</a:t>
+            </a:r>
+          </a:p>
+        </p:txBody>
+      </p:sp>
+    </p:spTree>
+    <p:extLst>
+      <p:ext uri="{BB962C8B-B14F-4D97-AF65-F5344CB8AC3E}">
+        <p14:creationId xmlns:p14="http://schemas.microsoft.com/office/powerpoint/2010/main" val="1293963327"/>
+      </p:ext>
+    </p:extLst>
+  </p:cSld>
+  <p:clrMapOvr>
+    <a:masterClrMapping/>
+  </p:clrMapOvr>
+</p:sld>
+</file>
+
+<file path=ppt/slides/slide24.xml><?xml version="1.0" encoding="utf-8"?>
 <p:sld xmlns:a="http://schemas.openxmlformats.org/drawingml/2006/main" xmlns:r="http://schemas.openxmlformats.org/officeDocument/2006/relationships" xmlns:p="http://schemas.openxmlformats.org/presentationml/2006/main">
   <p:cSld>
     <p:bg>
@@ -9445,16 +11025,6 @@
               <a:t>producing minimum adequate model</a:t>
             </a:r>
           </a:p>
-          <a:p>
-            <a:r>
-              <a:rPr lang="en-US" dirty="0">
-                <a:solidFill>
-                  <a:schemeClr val="bg1"/>
-                </a:solidFill>
-              </a:rPr>
-              <a:t>Post-hoc comparisons when model has interaction</a:t>
-            </a:r>
-          </a:p>
         </p:txBody>
       </p:sp>
     </p:spTree>
@@ -9470,7 +11040,7 @@
 </p:sld>
 </file>
 
-<file path=ppt/slides/slide21.xml><?xml version="1.0" encoding="utf-8"?>
+<file path=ppt/slides/slide25.xml><?xml version="1.0" encoding="utf-8"?>
 <p:sld xmlns:a="http://schemas.openxmlformats.org/drawingml/2006/main" xmlns:r="http://schemas.openxmlformats.org/officeDocument/2006/relationships" xmlns:p="http://schemas.openxmlformats.org/presentationml/2006/main">
   <p:cSld>
     <p:spTree>
@@ -9948,7 +11518,7 @@
         </p:spPr>
         <p:txBody>
           <a:bodyPr>
-            <a:normAutofit/>
+            <a:normAutofit fontScale="85000" lnSpcReduction="20000"/>
           </a:bodyPr>
           <a:lstStyle/>
           <a:p>
@@ -9989,6 +11559,35 @@
               <a:rPr lang="en-US" dirty="0"/>
               <a:t>The effect of B on the response variable is opposite, depending on the value of Factor A. (contingent inference; depends on…)</a:t>
             </a:r>
+          </a:p>
+          <a:p>
+            <a:endParaRPr lang="en-US" dirty="0"/>
+          </a:p>
+          <a:p>
+            <a:r>
+              <a:rPr lang="en-US" dirty="0">
+                <a:effectLst/>
+              </a:rPr>
+              <a:t>If there is evidence of a significant interaction between A and B, inferences concerning the differences in the mean treatment responses for A </a:t>
+            </a:r>
+            <a:r>
+              <a:rPr lang="en-US" dirty="0">
+                <a:solidFill>
+                  <a:srgbClr val="0432FF"/>
+                </a:solidFill>
+                <a:effectLst/>
+              </a:rPr>
+              <a:t>must be conducted separately</a:t>
+            </a:r>
+            <a:r>
+              <a:rPr lang="en-US" dirty="0">
+                <a:effectLst/>
+              </a:rPr>
+              <a:t> for each level of B, because the differences in the treatment mean responses across the levels of A may differ, depending on the level of B.</a:t>
+            </a:r>
+          </a:p>
+          <a:p>
+            <a:endParaRPr lang="en-US" dirty="0"/>
           </a:p>
         </p:txBody>
       </p:sp>
@@ -10024,6 +11623,826 @@
       </p:grpSpPr>
       <p:sp>
         <p:nvSpPr>
+          <p:cNvPr id="3" name="Content Placeholder 2"/>
+          <p:cNvSpPr>
+            <a:spLocks noGrp="1"/>
+          </p:cNvSpPr>
+          <p:nvPr>
+            <p:ph idx="1"/>
+          </p:nvPr>
+        </p:nvSpPr>
+        <p:spPr>
+          <a:xfrm>
+            <a:off x="504749" y="327038"/>
+            <a:ext cx="5241011" cy="6204391"/>
+          </a:xfrm>
+        </p:spPr>
+        <p:txBody>
+          <a:bodyPr>
+            <a:normAutofit fontScale="25000" lnSpcReduction="20000"/>
+          </a:bodyPr>
+          <a:lstStyle/>
+          <a:p>
+            <a:pPr marL="0" indent="0">
+              <a:buNone/>
+            </a:pPr>
+            <a:r>
+              <a:rPr lang="en-US" sz="7200" u="sng" dirty="0"/>
+              <a:t>Example Two-factor Experiment</a:t>
+            </a:r>
+          </a:p>
+          <a:p>
+            <a:r>
+              <a:rPr lang="en-US" sz="6400" dirty="0"/>
+              <a:t>Infection Status (parasites–no parasites) = </a:t>
+            </a:r>
+            <a:r>
+              <a:rPr lang="en-US" sz="6400" dirty="0">
+                <a:solidFill>
+                  <a:srgbClr val="008000"/>
+                </a:solidFill>
+              </a:rPr>
+              <a:t>Factor 1</a:t>
+            </a:r>
+          </a:p>
+          <a:p>
+            <a:r>
+              <a:rPr lang="en-US" sz="6400" dirty="0"/>
+              <a:t>Sex (male–female) = </a:t>
+            </a:r>
+            <a:r>
+              <a:rPr lang="en-US" sz="6400" dirty="0">
+                <a:solidFill>
+                  <a:srgbClr val="008000"/>
+                </a:solidFill>
+              </a:rPr>
+              <a:t>Factor 2</a:t>
+            </a:r>
+          </a:p>
+          <a:p>
+            <a:r>
+              <a:rPr lang="en-US" sz="6400" dirty="0"/>
+              <a:t>Weight change = </a:t>
+            </a:r>
+            <a:r>
+              <a:rPr lang="en-US" sz="6400" dirty="0">
+                <a:solidFill>
+                  <a:srgbClr val="008000"/>
+                </a:solidFill>
+              </a:rPr>
+              <a:t>response variable </a:t>
+            </a:r>
+            <a:r>
+              <a:rPr lang="en-US" sz="6400" dirty="0">
+                <a:solidFill>
+                  <a:srgbClr val="000000"/>
+                </a:solidFill>
+              </a:rPr>
+              <a:t>to estimate the costs of parasitism.</a:t>
+            </a:r>
+          </a:p>
+          <a:p>
+            <a:pPr marL="0" indent="0">
+              <a:buNone/>
+            </a:pPr>
+            <a:endParaRPr lang="en-US" sz="6400" dirty="0">
+              <a:solidFill>
+                <a:srgbClr val="000000"/>
+              </a:solidFill>
+            </a:endParaRPr>
+          </a:p>
+          <a:p>
+            <a:pPr marL="0" indent="0">
+              <a:buNone/>
+            </a:pPr>
+            <a:r>
+              <a:rPr lang="en-US" sz="6400" dirty="0">
+                <a:solidFill>
+                  <a:srgbClr val="000000"/>
+                </a:solidFill>
+              </a:rPr>
+              <a:t>Cannot just conduct two one-way experiments (comparing males and females separately) because the </a:t>
+            </a:r>
+            <a:r>
+              <a:rPr lang="en-US" sz="6400" dirty="0">
+                <a:solidFill>
+                  <a:srgbClr val="008000"/>
+                </a:solidFill>
+              </a:rPr>
+              <a:t>hypothesis was about the interaction</a:t>
+            </a:r>
+            <a:r>
+              <a:rPr lang="en-US" sz="6400" dirty="0">
+                <a:solidFill>
+                  <a:srgbClr val="000000"/>
+                </a:solidFill>
+              </a:rPr>
+              <a:t>.</a:t>
+            </a:r>
+          </a:p>
+          <a:p>
+            <a:pPr marL="0" indent="0">
+              <a:buNone/>
+            </a:pPr>
+            <a:endParaRPr lang="en-US" sz="6400" dirty="0">
+              <a:solidFill>
+                <a:srgbClr val="000000"/>
+              </a:solidFill>
+            </a:endParaRPr>
+          </a:p>
+          <a:p>
+            <a:pPr marL="0" indent="0">
+              <a:buNone/>
+            </a:pPr>
+            <a:r>
+              <a:rPr lang="en-US" sz="6400" dirty="0">
+                <a:solidFill>
+                  <a:srgbClr val="000000"/>
+                </a:solidFill>
+              </a:rPr>
+              <a:t>The reason this would be wrong is that the researcher has </a:t>
+            </a:r>
+            <a:r>
+              <a:rPr lang="en-US" sz="6400" dirty="0">
+                <a:solidFill>
+                  <a:srgbClr val="0000FF"/>
+                </a:solidFill>
+              </a:rPr>
+              <a:t>only tested for main effects of parasitism</a:t>
+            </a:r>
+            <a:r>
+              <a:rPr lang="en-US" sz="6400" dirty="0">
+                <a:solidFill>
+                  <a:srgbClr val="000000"/>
+                </a:solidFill>
+              </a:rPr>
+              <a:t>, but not the interaction between parasitism and sex.</a:t>
+            </a:r>
+          </a:p>
+          <a:p>
+            <a:pPr marL="0" indent="0">
+              <a:buNone/>
+            </a:pPr>
+            <a:endParaRPr lang="en-US" sz="6400" dirty="0">
+              <a:solidFill>
+                <a:srgbClr val="000000"/>
+              </a:solidFill>
+            </a:endParaRPr>
+          </a:p>
+          <a:p>
+            <a:pPr marL="0" indent="0">
+              <a:buNone/>
+            </a:pPr>
+            <a:r>
+              <a:rPr lang="en-US" sz="6400" dirty="0">
+                <a:solidFill>
+                  <a:srgbClr val="000000"/>
+                </a:solidFill>
+              </a:rPr>
+              <a:t>By doing separate tests, the researcher has looked at the difference in male fish caused by the parasites, but </a:t>
+            </a:r>
+            <a:r>
+              <a:rPr lang="en-US" sz="6400" dirty="0">
+                <a:solidFill>
+                  <a:srgbClr val="0000FF"/>
+                </a:solidFill>
+              </a:rPr>
+              <a:t>has not directly compared the difference</a:t>
+            </a:r>
+            <a:r>
+              <a:rPr lang="en-US" sz="6400" dirty="0">
+                <a:solidFill>
+                  <a:srgbClr val="000000"/>
+                </a:solidFill>
+              </a:rPr>
+              <a:t> in male fish to the difference in female fish (reference group).</a:t>
+            </a:r>
+          </a:p>
+          <a:p>
+            <a:pPr marL="0" indent="0">
+              <a:buNone/>
+            </a:pPr>
+            <a:endParaRPr lang="en-US" sz="6400" dirty="0">
+              <a:solidFill>
+                <a:srgbClr val="000000"/>
+              </a:solidFill>
+            </a:endParaRPr>
+          </a:p>
+          <a:p>
+            <a:pPr marL="0" indent="0">
+              <a:buNone/>
+            </a:pPr>
+            <a:r>
+              <a:rPr lang="en-US" sz="6400" dirty="0">
+                <a:solidFill>
+                  <a:srgbClr val="000000"/>
+                </a:solidFill>
+              </a:rPr>
+              <a:t>Looking at the graphs, there is no good evidence for a difference in the way males or females respond to parasitism. (no evidence of interaction)</a:t>
+            </a:r>
+          </a:p>
+          <a:p>
+            <a:pPr marL="0" indent="0">
+              <a:buNone/>
+            </a:pPr>
+            <a:endParaRPr lang="en-US" sz="6400" dirty="0">
+              <a:solidFill>
+                <a:srgbClr val="000000"/>
+              </a:solidFill>
+            </a:endParaRPr>
+          </a:p>
+          <a:p>
+            <a:pPr marL="0" indent="0">
+              <a:buNone/>
+            </a:pPr>
+            <a:r>
+              <a:rPr lang="en-US" sz="6400" dirty="0">
+                <a:solidFill>
+                  <a:srgbClr val="000000"/>
+                </a:solidFill>
+              </a:rPr>
+              <a:t>If the researcher does not test for the interaction, the conclusion would have been that parasitized males lost more body weight than </a:t>
+            </a:r>
+            <a:r>
+              <a:rPr lang="en-US" sz="6400" dirty="0" err="1">
+                <a:solidFill>
+                  <a:srgbClr val="000000"/>
+                </a:solidFill>
+              </a:rPr>
+              <a:t>unparasitized</a:t>
+            </a:r>
+            <a:r>
+              <a:rPr lang="en-US" sz="6400" dirty="0">
+                <a:solidFill>
+                  <a:srgbClr val="000000"/>
+                </a:solidFill>
+              </a:rPr>
+              <a:t>; </a:t>
+            </a:r>
+            <a:r>
+              <a:rPr lang="en-US" sz="6400" dirty="0">
+                <a:solidFill>
+                  <a:srgbClr val="C00000"/>
+                </a:solidFill>
+              </a:rPr>
+              <a:t>erroneous (incomplete) conclusion</a:t>
+            </a:r>
+            <a:r>
+              <a:rPr lang="en-US" sz="6400" dirty="0">
+                <a:solidFill>
+                  <a:srgbClr val="000000"/>
+                </a:solidFill>
+              </a:rPr>
+              <a:t>. Parasitized males lose no more mass than parasitized females.</a:t>
+            </a:r>
+          </a:p>
+          <a:p>
+            <a:pPr marL="0" indent="0">
+              <a:buNone/>
+            </a:pPr>
+            <a:endParaRPr lang="en-US" sz="1725" dirty="0">
+              <a:solidFill>
+                <a:srgbClr val="000000"/>
+              </a:solidFill>
+            </a:endParaRPr>
+          </a:p>
+          <a:p>
+            <a:pPr marL="0" indent="0">
+              <a:buNone/>
+            </a:pPr>
+            <a:endParaRPr lang="en-US" sz="1350" dirty="0">
+              <a:solidFill>
+                <a:srgbClr val="000000"/>
+              </a:solidFill>
+            </a:endParaRPr>
+          </a:p>
+          <a:p>
+            <a:pPr marL="0" indent="0">
+              <a:buNone/>
+            </a:pPr>
+            <a:endParaRPr lang="en-US" sz="1350" dirty="0">
+              <a:solidFill>
+                <a:srgbClr val="008000"/>
+              </a:solidFill>
+            </a:endParaRPr>
+          </a:p>
+          <a:p>
+            <a:pPr marL="0" indent="0">
+              <a:buNone/>
+            </a:pPr>
+            <a:endParaRPr lang="en-US" sz="1800" dirty="0"/>
+          </a:p>
+          <a:p>
+            <a:pPr marL="0" indent="0">
+              <a:buNone/>
+            </a:pPr>
+            <a:endParaRPr lang="en-US" sz="1800" dirty="0"/>
+          </a:p>
+        </p:txBody>
+      </p:sp>
+      <p:pic>
+        <p:nvPicPr>
+          <p:cNvPr id="4" name="Picture 3" descr="ch06f07.jpg"/>
+          <p:cNvPicPr>
+            <a:picLocks noChangeAspect="1"/>
+          </p:cNvPicPr>
+          <p:nvPr/>
+        </p:nvPicPr>
+        <p:blipFill>
+          <a:blip r:embed="rId3">
+            <a:extLst>
+              <a:ext uri="{28A0092B-C50C-407E-A947-70E740481C1C}">
+                <a14:useLocalDpi xmlns:a14="http://schemas.microsoft.com/office/drawing/2010/main" val="0"/>
+              </a:ext>
+            </a:extLst>
+          </a:blip>
+          <a:stretch>
+            <a:fillRect/>
+          </a:stretch>
+        </p:blipFill>
+        <p:spPr>
+          <a:xfrm>
+            <a:off x="5870970" y="1436136"/>
+            <a:ext cx="3051481" cy="4018099"/>
+          </a:xfrm>
+          <a:prstGeom prst="rect">
+            <a:avLst/>
+          </a:prstGeom>
+        </p:spPr>
+      </p:pic>
+      <p:sp>
+        <p:nvSpPr>
+          <p:cNvPr id="5" name="Title 1"/>
+          <p:cNvSpPr>
+            <a:spLocks noGrp="1"/>
+          </p:cNvSpPr>
+          <p:nvPr>
+            <p:ph type="title"/>
+          </p:nvPr>
+        </p:nvSpPr>
+        <p:spPr>
+          <a:xfrm>
+            <a:off x="5946605" y="327038"/>
+            <a:ext cx="2900209" cy="506895"/>
+          </a:xfrm>
+        </p:spPr>
+        <p:txBody>
+          <a:bodyPr>
+            <a:normAutofit/>
+          </a:bodyPr>
+          <a:lstStyle/>
+          <a:p>
+            <a:r>
+              <a:rPr lang="en-US" sz="2400" dirty="0"/>
+              <a:t>More on Interactions</a:t>
+            </a:r>
+          </a:p>
+        </p:txBody>
+      </p:sp>
+      <p:sp>
+        <p:nvSpPr>
+          <p:cNvPr id="6" name="Title 1">
+            <a:extLst>
+              <a:ext uri="{FF2B5EF4-FFF2-40B4-BE49-F238E27FC236}">
+                <a16:creationId xmlns:a16="http://schemas.microsoft.com/office/drawing/2014/main" id="{2E089230-DEB1-6C42-B558-C425F49E97B4}"/>
+              </a:ext>
+            </a:extLst>
+          </p:cNvPr>
+          <p:cNvSpPr txBox="1">
+            <a:spLocks/>
+          </p:cNvSpPr>
+          <p:nvPr/>
+        </p:nvSpPr>
+        <p:spPr>
+          <a:xfrm>
+            <a:off x="5745760" y="5580023"/>
+            <a:ext cx="3398240" cy="506895"/>
+          </a:xfrm>
+          <a:prstGeom prst="rect">
+            <a:avLst/>
+          </a:prstGeom>
+          <a:ln>
+            <a:solidFill>
+              <a:schemeClr val="tx1"/>
+            </a:solidFill>
+          </a:ln>
+        </p:spPr>
+        <p:txBody>
+          <a:bodyPr vert="horz" lIns="91440" tIns="45720" rIns="91440" bIns="45720" rtlCol="0" anchor="ctr">
+            <a:noAutofit/>
+          </a:bodyPr>
+          <a:lstStyle>
+            <a:lvl1pPr algn="ctr" defTabSz="914400" rtl="0" eaLnBrk="1" latinLnBrk="0" hangingPunct="1">
+              <a:spcBef>
+                <a:spcPct val="0"/>
+              </a:spcBef>
+              <a:buNone/>
+              <a:defRPr sz="4000" kern="1200">
+                <a:solidFill>
+                  <a:schemeClr val="tx1"/>
+                </a:solidFill>
+                <a:latin typeface="+mj-lt"/>
+                <a:ea typeface="+mj-ea"/>
+                <a:cs typeface="+mj-cs"/>
+              </a:defRPr>
+            </a:lvl1pPr>
+          </a:lstStyle>
+          <a:p>
+            <a:r>
+              <a:rPr lang="en-US" sz="1600" dirty="0">
+                <a:latin typeface="+mn-lt"/>
+              </a:rPr>
+              <a:t>Mean and SE of weight loss in fish, separated by sex and parasitism status</a:t>
+            </a:r>
+          </a:p>
+        </p:txBody>
+      </p:sp>
+    </p:spTree>
+    <p:extLst>
+      <p:ext uri="{BB962C8B-B14F-4D97-AF65-F5344CB8AC3E}">
+        <p14:creationId xmlns:p14="http://schemas.microsoft.com/office/powerpoint/2010/main" val="3879932626"/>
+      </p:ext>
+    </p:extLst>
+  </p:cSld>
+  <p:clrMapOvr>
+    <a:masterClrMapping/>
+  </p:clrMapOvr>
+</p:sld>
+</file>
+
+<file path=ppt/slides/slide6.xml><?xml version="1.0" encoding="utf-8"?>
+<p:sld xmlns:a="http://schemas.openxmlformats.org/drawingml/2006/main" xmlns:r="http://schemas.openxmlformats.org/officeDocument/2006/relationships" xmlns:p="http://schemas.openxmlformats.org/presentationml/2006/main">
+  <p:cSld>
+    <p:spTree>
+      <p:nvGrpSpPr>
+        <p:cNvPr id="1" name=""/>
+        <p:cNvGrpSpPr/>
+        <p:nvPr/>
+      </p:nvGrpSpPr>
+      <p:grpSpPr>
+        <a:xfrm>
+          <a:off x="0" y="0"/>
+          <a:ext cx="0" cy="0"/>
+          <a:chOff x="0" y="0"/>
+          <a:chExt cx="0" cy="0"/>
+        </a:xfrm>
+      </p:grpSpPr>
+      <p:sp>
+        <p:nvSpPr>
+          <p:cNvPr id="3" name="Content Placeholder 2"/>
+          <p:cNvSpPr>
+            <a:spLocks noGrp="1"/>
+          </p:cNvSpPr>
+          <p:nvPr>
+            <p:ph idx="1"/>
+          </p:nvPr>
+        </p:nvSpPr>
+        <p:spPr>
+          <a:xfrm>
+            <a:off x="1004121" y="174065"/>
+            <a:ext cx="7234982" cy="881915"/>
+          </a:xfrm>
+        </p:spPr>
+        <p:txBody>
+          <a:bodyPr>
+            <a:normAutofit fontScale="85000" lnSpcReduction="10000"/>
+          </a:bodyPr>
+          <a:lstStyle/>
+          <a:p>
+            <a:pPr marL="0" indent="0">
+              <a:buNone/>
+            </a:pPr>
+            <a:r>
+              <a:rPr lang="en-US" sz="2400" dirty="0">
+                <a:solidFill>
+                  <a:srgbClr val="0000FF"/>
+                </a:solidFill>
+              </a:rPr>
+              <a:t>Experimental designs that consider both main effects and interaction effects allow more nuance into how a system functions.</a:t>
+            </a:r>
+          </a:p>
+        </p:txBody>
+      </p:sp>
+      <p:pic>
+        <p:nvPicPr>
+          <p:cNvPr id="4" name="Picture 3" descr="ch04f02.jpg"/>
+          <p:cNvPicPr>
+            <a:picLocks noChangeAspect="1"/>
+          </p:cNvPicPr>
+          <p:nvPr/>
+        </p:nvPicPr>
+        <p:blipFill rotWithShape="1">
+          <a:blip r:embed="rId3">
+            <a:extLst>
+              <a:ext uri="{28A0092B-C50C-407E-A947-70E740481C1C}">
+                <a14:useLocalDpi xmlns:a14="http://schemas.microsoft.com/office/drawing/2010/main" val="0"/>
+              </a:ext>
+            </a:extLst>
+          </a:blip>
+          <a:srcRect l="13768" b="44803"/>
+          <a:stretch/>
+        </p:blipFill>
+        <p:spPr>
+          <a:xfrm>
+            <a:off x="132298" y="1151994"/>
+            <a:ext cx="4520490" cy="4827398"/>
+          </a:xfrm>
+          <a:prstGeom prst="rect">
+            <a:avLst/>
+          </a:prstGeom>
+        </p:spPr>
+      </p:pic>
+      <p:pic>
+        <p:nvPicPr>
+          <p:cNvPr id="5" name="Picture 4" descr="ch04f02.jpg"/>
+          <p:cNvPicPr>
+            <a:picLocks noChangeAspect="1"/>
+          </p:cNvPicPr>
+          <p:nvPr/>
+        </p:nvPicPr>
+        <p:blipFill rotWithShape="1">
+          <a:blip r:embed="rId3">
+            <a:extLst>
+              <a:ext uri="{28A0092B-C50C-407E-A947-70E740481C1C}">
+                <a14:useLocalDpi xmlns:a14="http://schemas.microsoft.com/office/drawing/2010/main" val="0"/>
+              </a:ext>
+            </a:extLst>
+          </a:blip>
+          <a:srcRect t="56945"/>
+          <a:stretch/>
+        </p:blipFill>
+        <p:spPr>
+          <a:xfrm>
+            <a:off x="4573427" y="1605094"/>
+            <a:ext cx="4572000" cy="3284048"/>
+          </a:xfrm>
+          <a:prstGeom prst="rect">
+            <a:avLst/>
+          </a:prstGeom>
+        </p:spPr>
+      </p:pic>
+      <p:sp>
+        <p:nvSpPr>
+          <p:cNvPr id="6" name="Rectangle 5"/>
+          <p:cNvSpPr/>
+          <p:nvPr/>
+        </p:nvSpPr>
+        <p:spPr>
+          <a:xfrm>
+            <a:off x="4471674" y="1605094"/>
+            <a:ext cx="299876" cy="291026"/>
+          </a:xfrm>
+          <a:prstGeom prst="rect">
+            <a:avLst/>
+          </a:prstGeom>
+          <a:solidFill>
+            <a:srgbClr val="FFFFFF"/>
+          </a:solidFill>
+          <a:ln>
+            <a:solidFill>
+              <a:srgbClr val="FFFFFF"/>
+            </a:solidFill>
+          </a:ln>
+          <a:effectLst/>
+        </p:spPr>
+        <p:style>
+          <a:lnRef idx="1">
+            <a:schemeClr val="accent1"/>
+          </a:lnRef>
+          <a:fillRef idx="3">
+            <a:schemeClr val="accent1"/>
+          </a:fillRef>
+          <a:effectRef idx="2">
+            <a:schemeClr val="accent1"/>
+          </a:effectRef>
+          <a:fontRef idx="minor">
+            <a:schemeClr val="lt1"/>
+          </a:fontRef>
+        </p:style>
+        <p:txBody>
+          <a:bodyPr rtlCol="0" anchor="ctr"/>
+          <a:lstStyle/>
+          <a:p>
+            <a:pPr algn="ctr"/>
+            <a:endParaRPr lang="en-US">
+              <a:ln>
+                <a:solidFill>
+                  <a:srgbClr val="FFFFFF"/>
+                </a:solidFill>
+              </a:ln>
+              <a:solidFill>
+                <a:srgbClr val="FFFFFF"/>
+              </a:solidFill>
+            </a:endParaRPr>
+          </a:p>
+        </p:txBody>
+      </p:sp>
+      <p:sp>
+        <p:nvSpPr>
+          <p:cNvPr id="7" name="Content Placeholder 2"/>
+          <p:cNvSpPr txBox="1">
+            <a:spLocks/>
+          </p:cNvSpPr>
+          <p:nvPr/>
+        </p:nvSpPr>
+        <p:spPr>
+          <a:xfrm>
+            <a:off x="5085604" y="5105455"/>
+            <a:ext cx="3910663" cy="1164968"/>
+          </a:xfrm>
+          <a:prstGeom prst="rect">
+            <a:avLst/>
+          </a:prstGeom>
+        </p:spPr>
+        <p:txBody>
+          <a:bodyPr vert="horz" lIns="91440" tIns="45720" rIns="91440" bIns="45720" rtlCol="0">
+            <a:normAutofit/>
+          </a:bodyPr>
+          <a:lstStyle>
+            <a:lvl1pPr marL="342900" indent="-342900" algn="l" defTabSz="457200" rtl="0" eaLnBrk="1" latinLnBrk="0" hangingPunct="1">
+              <a:spcBef>
+                <a:spcPct val="20000"/>
+              </a:spcBef>
+              <a:buFont typeface="Arial"/>
+              <a:buChar char="•"/>
+              <a:defRPr sz="3200" kern="1200">
+                <a:solidFill>
+                  <a:schemeClr val="tx1"/>
+                </a:solidFill>
+                <a:latin typeface="+mn-lt"/>
+                <a:ea typeface="+mn-ea"/>
+                <a:cs typeface="+mn-cs"/>
+              </a:defRPr>
+            </a:lvl1pPr>
+            <a:lvl2pPr marL="742950" indent="-285750" algn="l" defTabSz="457200" rtl="0" eaLnBrk="1" latinLnBrk="0" hangingPunct="1">
+              <a:spcBef>
+                <a:spcPct val="20000"/>
+              </a:spcBef>
+              <a:buFont typeface="Arial"/>
+              <a:buChar char="–"/>
+              <a:defRPr sz="2800" kern="1200">
+                <a:solidFill>
+                  <a:schemeClr val="tx1"/>
+                </a:solidFill>
+                <a:latin typeface="+mn-lt"/>
+                <a:ea typeface="+mn-ea"/>
+                <a:cs typeface="+mn-cs"/>
+              </a:defRPr>
+            </a:lvl2pPr>
+            <a:lvl3pPr marL="1143000" indent="-228600" algn="l" defTabSz="457200" rtl="0" eaLnBrk="1" latinLnBrk="0" hangingPunct="1">
+              <a:spcBef>
+                <a:spcPct val="20000"/>
+              </a:spcBef>
+              <a:buFont typeface="Arial"/>
+              <a:buChar char="•"/>
+              <a:defRPr sz="2400" kern="1200">
+                <a:solidFill>
+                  <a:schemeClr val="tx1"/>
+                </a:solidFill>
+                <a:latin typeface="+mn-lt"/>
+                <a:ea typeface="+mn-ea"/>
+                <a:cs typeface="+mn-cs"/>
+              </a:defRPr>
+            </a:lvl3pPr>
+            <a:lvl4pPr marL="1600200" indent="-228600" algn="l" defTabSz="457200" rtl="0" eaLnBrk="1" latinLnBrk="0" hangingPunct="1">
+              <a:spcBef>
+                <a:spcPct val="20000"/>
+              </a:spcBef>
+              <a:buFont typeface="Arial"/>
+              <a:buChar char="–"/>
+              <a:defRPr sz="2000" kern="1200">
+                <a:solidFill>
+                  <a:schemeClr val="tx1"/>
+                </a:solidFill>
+                <a:latin typeface="+mn-lt"/>
+                <a:ea typeface="+mn-ea"/>
+                <a:cs typeface="+mn-cs"/>
+              </a:defRPr>
+            </a:lvl4pPr>
+            <a:lvl5pPr marL="2057400" indent="-228600" algn="l" defTabSz="457200" rtl="0" eaLnBrk="1" latinLnBrk="0" hangingPunct="1">
+              <a:spcBef>
+                <a:spcPct val="20000"/>
+              </a:spcBef>
+              <a:buFont typeface="Arial"/>
+              <a:buChar char="»"/>
+              <a:defRPr sz="2000" kern="1200">
+                <a:solidFill>
+                  <a:schemeClr val="tx1"/>
+                </a:solidFill>
+                <a:latin typeface="+mn-lt"/>
+                <a:ea typeface="+mn-ea"/>
+                <a:cs typeface="+mn-cs"/>
+              </a:defRPr>
+            </a:lvl5pPr>
+            <a:lvl6pPr marL="2514600" indent="-228600" algn="l" defTabSz="457200" rtl="0" eaLnBrk="1" latinLnBrk="0" hangingPunct="1">
+              <a:spcBef>
+                <a:spcPct val="20000"/>
+              </a:spcBef>
+              <a:buFont typeface="Arial"/>
+              <a:buChar char="•"/>
+              <a:defRPr sz="2000" kern="1200">
+                <a:solidFill>
+                  <a:schemeClr val="tx1"/>
+                </a:solidFill>
+                <a:latin typeface="+mn-lt"/>
+                <a:ea typeface="+mn-ea"/>
+                <a:cs typeface="+mn-cs"/>
+              </a:defRPr>
+            </a:lvl6pPr>
+            <a:lvl7pPr marL="2971800" indent="-228600" algn="l" defTabSz="457200" rtl="0" eaLnBrk="1" latinLnBrk="0" hangingPunct="1">
+              <a:spcBef>
+                <a:spcPct val="20000"/>
+              </a:spcBef>
+              <a:buFont typeface="Arial"/>
+              <a:buChar char="•"/>
+              <a:defRPr sz="2000" kern="1200">
+                <a:solidFill>
+                  <a:schemeClr val="tx1"/>
+                </a:solidFill>
+                <a:latin typeface="+mn-lt"/>
+                <a:ea typeface="+mn-ea"/>
+                <a:cs typeface="+mn-cs"/>
+              </a:defRPr>
+            </a:lvl7pPr>
+            <a:lvl8pPr marL="3429000" indent="-228600" algn="l" defTabSz="457200" rtl="0" eaLnBrk="1" latinLnBrk="0" hangingPunct="1">
+              <a:spcBef>
+                <a:spcPct val="20000"/>
+              </a:spcBef>
+              <a:buFont typeface="Arial"/>
+              <a:buChar char="•"/>
+              <a:defRPr sz="2000" kern="1200">
+                <a:solidFill>
+                  <a:schemeClr val="tx1"/>
+                </a:solidFill>
+                <a:latin typeface="+mn-lt"/>
+                <a:ea typeface="+mn-ea"/>
+                <a:cs typeface="+mn-cs"/>
+              </a:defRPr>
+            </a:lvl8pPr>
+            <a:lvl9pPr marL="3886200" indent="-228600" algn="l" defTabSz="457200" rtl="0" eaLnBrk="1" latinLnBrk="0" hangingPunct="1">
+              <a:spcBef>
+                <a:spcPct val="20000"/>
+              </a:spcBef>
+              <a:buFont typeface="Arial"/>
+              <a:buChar char="•"/>
+              <a:defRPr sz="2000" kern="1200">
+                <a:solidFill>
+                  <a:schemeClr val="tx1"/>
+                </a:solidFill>
+                <a:latin typeface="+mn-lt"/>
+                <a:ea typeface="+mn-ea"/>
+                <a:cs typeface="+mn-cs"/>
+              </a:defRPr>
+            </a:lvl9pPr>
+          </a:lstStyle>
+          <a:p>
+            <a:pPr marL="0" indent="0">
+              <a:buFont typeface="Arial"/>
+              <a:buNone/>
+            </a:pPr>
+            <a:r>
+              <a:rPr lang="en-US" sz="2400" dirty="0">
+                <a:solidFill>
+                  <a:srgbClr val="0000FF"/>
+                </a:solidFill>
+              </a:rPr>
+              <a:t>Why not just do two different one-way experiments?</a:t>
+            </a:r>
+          </a:p>
+        </p:txBody>
+      </p:sp>
+    </p:spTree>
+    <p:extLst>
+      <p:ext uri="{BB962C8B-B14F-4D97-AF65-F5344CB8AC3E}">
+        <p14:creationId xmlns:p14="http://schemas.microsoft.com/office/powerpoint/2010/main" val="1332735426"/>
+      </p:ext>
+    </p:extLst>
+  </p:cSld>
+  <p:clrMapOvr>
+    <a:masterClrMapping/>
+  </p:clrMapOvr>
+</p:sld>
+</file>
+
+<file path=ppt/slides/slide7.xml><?xml version="1.0" encoding="utf-8"?>
+<p:sld xmlns:a="http://schemas.openxmlformats.org/drawingml/2006/main" xmlns:r="http://schemas.openxmlformats.org/officeDocument/2006/relationships" xmlns:p="http://schemas.openxmlformats.org/presentationml/2006/main">
+  <p:cSld>
+    <p:spTree>
+      <p:nvGrpSpPr>
+        <p:cNvPr id="1" name=""/>
+        <p:cNvGrpSpPr/>
+        <p:nvPr/>
+      </p:nvGrpSpPr>
+      <p:grpSpPr>
+        <a:xfrm>
+          <a:off x="0" y="0"/>
+          <a:ext cx="0" cy="0"/>
+          <a:chOff x="0" y="0"/>
+          <a:chExt cx="0" cy="0"/>
+        </a:xfrm>
+      </p:grpSpPr>
+      <p:sp>
+        <p:nvSpPr>
           <p:cNvPr id="2" name="Title 1">
             <a:extLst>
               <a:ext uri="{FF2B5EF4-FFF2-40B4-BE49-F238E27FC236}">
@@ -10082,7 +12501,7 @@
         </p:nvSpPr>
         <p:spPr>
           <a:xfrm>
-            <a:off x="457200" y="2286000"/>
+            <a:off x="457200" y="2514600"/>
             <a:ext cx="8382000" cy="4572000"/>
           </a:xfrm>
         </p:spPr>
@@ -10224,638 +12643,6 @@
 </p:sld>
 </file>
 
-<file path=ppt/slides/slide6.xml><?xml version="1.0" encoding="utf-8"?>
-<p:sld xmlns:a="http://schemas.openxmlformats.org/drawingml/2006/main" xmlns:r="http://schemas.openxmlformats.org/officeDocument/2006/relationships" xmlns:p="http://schemas.openxmlformats.org/presentationml/2006/main">
-  <p:cSld>
-    <p:spTree>
-      <p:nvGrpSpPr>
-        <p:cNvPr id="1" name=""/>
-        <p:cNvGrpSpPr/>
-        <p:nvPr/>
-      </p:nvGrpSpPr>
-      <p:grpSpPr>
-        <a:xfrm>
-          <a:off x="0" y="0"/>
-          <a:ext cx="0" cy="0"/>
-          <a:chOff x="0" y="0"/>
-          <a:chExt cx="0" cy="0"/>
-        </a:xfrm>
-      </p:grpSpPr>
-      <p:sp>
-        <p:nvSpPr>
-          <p:cNvPr id="2" name="Title 1">
-            <a:extLst>
-              <a:ext uri="{FF2B5EF4-FFF2-40B4-BE49-F238E27FC236}">
-                <a16:creationId xmlns:a16="http://schemas.microsoft.com/office/drawing/2014/main" id="{220A06A0-ED2A-5E47-9B42-A4413DBD8E1D}"/>
-              </a:ext>
-            </a:extLst>
-          </p:cNvPr>
-          <p:cNvSpPr>
-            <a:spLocks noGrp="1"/>
-          </p:cNvSpPr>
-          <p:nvPr>
-            <p:ph type="title"/>
-          </p:nvPr>
-        </p:nvSpPr>
-        <p:spPr>
-          <a:xfrm>
-            <a:off x="457200" y="76200"/>
-            <a:ext cx="8229600" cy="944562"/>
-          </a:xfrm>
-        </p:spPr>
-        <p:txBody>
-          <a:bodyPr>
-            <a:normAutofit/>
-          </a:bodyPr>
-          <a:lstStyle/>
-          <a:p>
-            <a:r>
-              <a:rPr lang="en-US" dirty="0"/>
-              <a:t>Cow Growth Data</a:t>
-            </a:r>
-          </a:p>
-        </p:txBody>
-      </p:sp>
-      <p:sp>
-        <p:nvSpPr>
-          <p:cNvPr id="3" name="Content Placeholder 2">
-            <a:extLst>
-              <a:ext uri="{FF2B5EF4-FFF2-40B4-BE49-F238E27FC236}">
-                <a16:creationId xmlns:a16="http://schemas.microsoft.com/office/drawing/2014/main" id="{580BAAD4-5F8C-714C-9AA1-D05A1DA2F419}"/>
-              </a:ext>
-            </a:extLst>
-          </p:cNvPr>
-          <p:cNvSpPr>
-            <a:spLocks noGrp="1"/>
-          </p:cNvSpPr>
-          <p:nvPr>
-            <p:ph idx="1"/>
-          </p:nvPr>
-        </p:nvSpPr>
-        <p:spPr>
-          <a:xfrm>
-            <a:off x="457200" y="1020762"/>
-            <a:ext cx="8382000" cy="5532438"/>
-          </a:xfrm>
-        </p:spPr>
-        <p:txBody>
-          <a:bodyPr>
-            <a:normAutofit fontScale="92500" lnSpcReduction="10000"/>
-          </a:bodyPr>
-          <a:lstStyle/>
-          <a:p>
-            <a:pPr marL="0" indent="0">
-              <a:buNone/>
-            </a:pPr>
-            <a:r>
-              <a:rPr lang="en-US" dirty="0" err="1"/>
-              <a:t>growth.moo</a:t>
-            </a:r>
-            <a:r>
-              <a:rPr lang="en-US" dirty="0"/>
-              <a:t> &lt;- </a:t>
-            </a:r>
-            <a:r>
-              <a:rPr lang="en-US" dirty="0" err="1">
-                <a:solidFill>
-                  <a:srgbClr val="C00000"/>
-                </a:solidFill>
-              </a:rPr>
-              <a:t>read_csv</a:t>
-            </a:r>
-            <a:r>
-              <a:rPr lang="en-US" dirty="0"/>
-              <a:t>("</a:t>
-            </a:r>
-            <a:r>
-              <a:rPr lang="en-US" dirty="0" err="1"/>
-              <a:t>growth.csv</a:t>
-            </a:r>
-            <a:r>
-              <a:rPr lang="en-US" dirty="0"/>
-              <a:t>")</a:t>
-            </a:r>
-          </a:p>
-          <a:p>
-            <a:pPr marL="0" indent="0">
-              <a:buNone/>
-            </a:pPr>
-            <a:endParaRPr lang="en-US" dirty="0"/>
-          </a:p>
-          <a:p>
-            <a:pPr marL="0" indent="0">
-              <a:buNone/>
-            </a:pPr>
-            <a:r>
-              <a:rPr lang="en-US" dirty="0">
-                <a:solidFill>
-                  <a:srgbClr val="C00000"/>
-                </a:solidFill>
-              </a:rPr>
-              <a:t>glimpse</a:t>
-            </a:r>
-            <a:r>
-              <a:rPr lang="en-US" dirty="0"/>
-              <a:t>(</a:t>
-            </a:r>
-            <a:r>
-              <a:rPr lang="en-US" dirty="0" err="1"/>
-              <a:t>growth.moo</a:t>
-            </a:r>
-            <a:r>
-              <a:rPr lang="en-US" dirty="0"/>
-              <a:t>)</a:t>
-            </a:r>
-          </a:p>
-          <a:p>
-            <a:pPr marL="0" indent="0">
-              <a:buNone/>
-            </a:pPr>
-            <a:endParaRPr lang="en-US" dirty="0"/>
-          </a:p>
-          <a:p>
-            <a:pPr marL="0" indent="0">
-              <a:buNone/>
-            </a:pPr>
-            <a:r>
-              <a:rPr lang="en-US" dirty="0">
-                <a:solidFill>
-                  <a:srgbClr val="C00000"/>
-                </a:solidFill>
-              </a:rPr>
-              <a:t>levels</a:t>
-            </a:r>
-            <a:r>
-              <a:rPr lang="en-US" dirty="0"/>
-              <a:t>(</a:t>
-            </a:r>
-            <a:r>
-              <a:rPr lang="en-US" dirty="0" err="1"/>
-              <a:t>growth.moo$diet</a:t>
-            </a:r>
-            <a:r>
-              <a:rPr lang="en-US" dirty="0"/>
-              <a:t>)</a:t>
-            </a:r>
-          </a:p>
-          <a:p>
-            <a:pPr marL="0" indent="0">
-              <a:buNone/>
-            </a:pPr>
-            <a:r>
-              <a:rPr lang="en-US" dirty="0"/>
-              <a:t># [1] "barley" "oats" "wheat" </a:t>
-            </a:r>
-          </a:p>
-          <a:p>
-            <a:pPr marL="0" indent="0">
-              <a:buNone/>
-            </a:pPr>
-            <a:endParaRPr lang="en-US" dirty="0"/>
-          </a:p>
-          <a:p>
-            <a:pPr marL="0" indent="0">
-              <a:buNone/>
-            </a:pPr>
-            <a:r>
-              <a:rPr lang="en-US" dirty="0">
-                <a:solidFill>
-                  <a:srgbClr val="C00000"/>
-                </a:solidFill>
-              </a:rPr>
-              <a:t>levels</a:t>
-            </a:r>
-            <a:r>
-              <a:rPr lang="en-US" dirty="0"/>
-              <a:t>(</a:t>
-            </a:r>
-            <a:r>
-              <a:rPr lang="en-US" dirty="0" err="1"/>
-              <a:t>growth.moo$supplement</a:t>
-            </a:r>
-            <a:r>
-              <a:rPr lang="en-US" dirty="0"/>
-              <a:t>)</a:t>
-            </a:r>
-          </a:p>
-          <a:p>
-            <a:pPr marL="0" indent="0">
-              <a:buNone/>
-            </a:pPr>
-            <a:r>
-              <a:rPr lang="en-US" dirty="0"/>
-              <a:t>#[1] "</a:t>
-            </a:r>
-            <a:r>
-              <a:rPr lang="en-US" dirty="0" err="1"/>
-              <a:t>agrimore</a:t>
-            </a:r>
-            <a:r>
-              <a:rPr lang="en-US" dirty="0"/>
-              <a:t>" "control" "</a:t>
-            </a:r>
-            <a:r>
-              <a:rPr lang="en-US" dirty="0" err="1"/>
-              <a:t>supergain</a:t>
-            </a:r>
-            <a:r>
-              <a:rPr lang="en-US" dirty="0"/>
-              <a:t>" "</a:t>
-            </a:r>
-            <a:r>
-              <a:rPr lang="en-US" dirty="0" err="1"/>
-              <a:t>supersupp</a:t>
-            </a:r>
-            <a:r>
-              <a:rPr lang="en-US" dirty="0"/>
-              <a:t>"</a:t>
-            </a:r>
-          </a:p>
-          <a:p>
-            <a:pPr marL="0" indent="0">
-              <a:buNone/>
-            </a:pPr>
-            <a:endParaRPr lang="en-US" dirty="0"/>
-          </a:p>
-          <a:p>
-            <a:pPr marL="0" indent="0">
-              <a:buNone/>
-            </a:pPr>
-            <a:r>
-              <a:rPr lang="en-US" dirty="0"/>
-              <a:t>One of the things we can immediately see is that the supplements include a control level, but the </a:t>
-            </a:r>
-            <a:r>
-              <a:rPr lang="en-US" dirty="0" err="1"/>
-              <a:t>agrimore</a:t>
-            </a:r>
-            <a:r>
-              <a:rPr lang="en-US" dirty="0"/>
-              <a:t> level is in front of it alphabetically.</a:t>
-            </a:r>
-          </a:p>
-          <a:p>
-            <a:pPr marL="0" indent="0">
-              <a:buNone/>
-            </a:pPr>
-            <a:endParaRPr lang="en-US" dirty="0"/>
-          </a:p>
-          <a:p>
-            <a:pPr marL="0" indent="0">
-              <a:buNone/>
-            </a:pPr>
-            <a:endParaRPr lang="en-US" dirty="0"/>
-          </a:p>
-          <a:p>
-            <a:pPr marL="0" indent="0">
-              <a:buNone/>
-            </a:pPr>
-            <a:endParaRPr lang="en-US" dirty="0"/>
-          </a:p>
-        </p:txBody>
-      </p:sp>
-    </p:spTree>
-    <p:extLst>
-      <p:ext uri="{BB962C8B-B14F-4D97-AF65-F5344CB8AC3E}">
-        <p14:creationId xmlns:p14="http://schemas.microsoft.com/office/powerpoint/2010/main" val="2577157219"/>
-      </p:ext>
-    </p:extLst>
-  </p:cSld>
-  <p:clrMapOvr>
-    <a:masterClrMapping/>
-  </p:clrMapOvr>
-</p:sld>
-</file>
-
-<file path=ppt/slides/slide7.xml><?xml version="1.0" encoding="utf-8"?>
-<p:sld xmlns:a="http://schemas.openxmlformats.org/drawingml/2006/main" xmlns:r="http://schemas.openxmlformats.org/officeDocument/2006/relationships" xmlns:p="http://schemas.openxmlformats.org/presentationml/2006/main">
-  <p:cSld>
-    <p:spTree>
-      <p:nvGrpSpPr>
-        <p:cNvPr id="1" name=""/>
-        <p:cNvGrpSpPr/>
-        <p:nvPr/>
-      </p:nvGrpSpPr>
-      <p:grpSpPr>
-        <a:xfrm>
-          <a:off x="0" y="0"/>
-          <a:ext cx="0" cy="0"/>
-          <a:chOff x="0" y="0"/>
-          <a:chExt cx="0" cy="0"/>
-        </a:xfrm>
-      </p:grpSpPr>
-      <p:sp>
-        <p:nvSpPr>
-          <p:cNvPr id="2" name="Title 1">
-            <a:extLst>
-              <a:ext uri="{FF2B5EF4-FFF2-40B4-BE49-F238E27FC236}">
-                <a16:creationId xmlns:a16="http://schemas.microsoft.com/office/drawing/2014/main" id="{220A06A0-ED2A-5E47-9B42-A4413DBD8E1D}"/>
-              </a:ext>
-            </a:extLst>
-          </p:cNvPr>
-          <p:cNvSpPr>
-            <a:spLocks noGrp="1"/>
-          </p:cNvSpPr>
-          <p:nvPr>
-            <p:ph type="title"/>
-          </p:nvPr>
-        </p:nvSpPr>
-        <p:spPr>
-          <a:xfrm>
-            <a:off x="457200" y="76200"/>
-            <a:ext cx="8229600" cy="944562"/>
-          </a:xfrm>
-        </p:spPr>
-        <p:txBody>
-          <a:bodyPr>
-            <a:normAutofit/>
-          </a:bodyPr>
-          <a:lstStyle/>
-          <a:p>
-            <a:r>
-              <a:rPr lang="en-US" dirty="0"/>
-              <a:t>Cow Growth Data</a:t>
-            </a:r>
-          </a:p>
-        </p:txBody>
-      </p:sp>
-      <p:sp>
-        <p:nvSpPr>
-          <p:cNvPr id="3" name="Content Placeholder 2">
-            <a:extLst>
-              <a:ext uri="{FF2B5EF4-FFF2-40B4-BE49-F238E27FC236}">
-                <a16:creationId xmlns:a16="http://schemas.microsoft.com/office/drawing/2014/main" id="{580BAAD4-5F8C-714C-9AA1-D05A1DA2F419}"/>
-              </a:ext>
-            </a:extLst>
-          </p:cNvPr>
-          <p:cNvSpPr>
-            <a:spLocks noGrp="1"/>
-          </p:cNvSpPr>
-          <p:nvPr>
-            <p:ph idx="1"/>
-          </p:nvPr>
-        </p:nvSpPr>
-        <p:spPr>
-          <a:xfrm>
-            <a:off x="457200" y="1020762"/>
-            <a:ext cx="8382000" cy="5532438"/>
-          </a:xfrm>
-        </p:spPr>
-        <p:txBody>
-          <a:bodyPr>
-            <a:normAutofit/>
-          </a:bodyPr>
-          <a:lstStyle/>
-          <a:p>
-            <a:pPr marL="0" indent="0">
-              <a:buNone/>
-            </a:pPr>
-            <a:r>
-              <a:rPr lang="en-US" dirty="0"/>
-              <a:t>Here we employ the function </a:t>
-            </a:r>
-            <a:r>
-              <a:rPr lang="en-US" dirty="0">
-                <a:solidFill>
-                  <a:srgbClr val="C00000"/>
-                </a:solidFill>
-              </a:rPr>
-              <a:t>relevel()</a:t>
-            </a:r>
-            <a:r>
-              <a:rPr lang="en-US" dirty="0"/>
-              <a:t>, which creates a new reference level by re-ordering levels of the factor. </a:t>
-            </a:r>
-          </a:p>
-          <a:p>
-            <a:pPr marL="0" indent="0">
-              <a:buNone/>
-            </a:pPr>
-            <a:r>
-              <a:rPr lang="en-US" dirty="0"/>
-              <a:t>We use it with the </a:t>
-            </a:r>
-            <a:r>
-              <a:rPr lang="en-US" dirty="0">
-                <a:solidFill>
-                  <a:srgbClr val="C00000"/>
-                </a:solidFill>
-              </a:rPr>
-              <a:t>mutate() </a:t>
-            </a:r>
-            <a:r>
-              <a:rPr lang="en-US" dirty="0"/>
-              <a:t>function from </a:t>
-            </a:r>
-            <a:r>
-              <a:rPr lang="en-US" dirty="0" err="1">
-                <a:solidFill>
-                  <a:srgbClr val="C00000"/>
-                </a:solidFill>
-              </a:rPr>
-              <a:t>dplyr</a:t>
-            </a:r>
-            <a:r>
-              <a:rPr lang="en-US" dirty="0"/>
-              <a:t>:</a:t>
-            </a:r>
-          </a:p>
-          <a:p>
-            <a:pPr marL="0" indent="0">
-              <a:buNone/>
-            </a:pPr>
-            <a:endParaRPr lang="en-US" dirty="0"/>
-          </a:p>
-          <a:p>
-            <a:pPr marL="0" indent="0">
-              <a:buNone/>
-            </a:pPr>
-            <a:r>
-              <a:rPr lang="en-US" dirty="0" err="1"/>
-              <a:t>growth.moo</a:t>
-            </a:r>
-            <a:r>
-              <a:rPr lang="en-US" dirty="0"/>
-              <a:t> &lt;-</a:t>
-            </a:r>
-          </a:p>
-          <a:p>
-            <a:pPr marL="0" indent="0">
-              <a:buNone/>
-            </a:pPr>
-            <a:r>
-              <a:rPr lang="en-US" dirty="0"/>
-              <a:t>	</a:t>
-            </a:r>
-            <a:r>
-              <a:rPr lang="en-US" dirty="0">
-                <a:solidFill>
-                  <a:srgbClr val="C00000"/>
-                </a:solidFill>
-              </a:rPr>
-              <a:t>mutate</a:t>
-            </a:r>
-            <a:r>
-              <a:rPr lang="en-US" dirty="0"/>
-              <a:t>(</a:t>
-            </a:r>
-            <a:r>
-              <a:rPr lang="en-US" dirty="0" err="1"/>
-              <a:t>growth.moo</a:t>
-            </a:r>
-            <a:r>
-              <a:rPr lang="en-US" dirty="0"/>
-              <a:t>,</a:t>
-            </a:r>
-          </a:p>
-          <a:p>
-            <a:pPr marL="0" indent="0">
-              <a:buNone/>
-            </a:pPr>
-            <a:r>
-              <a:rPr lang="en-US" dirty="0"/>
-              <a:t>	</a:t>
-            </a:r>
-            <a:r>
-              <a:rPr lang="en-US" dirty="0">
-                <a:solidFill>
-                  <a:srgbClr val="00B050"/>
-                </a:solidFill>
-              </a:rPr>
-              <a:t>supplement</a:t>
-            </a:r>
-            <a:r>
-              <a:rPr lang="en-US" dirty="0"/>
-              <a:t> = </a:t>
-            </a:r>
-            <a:r>
-              <a:rPr lang="en-US" dirty="0">
-                <a:solidFill>
-                  <a:srgbClr val="C00000"/>
-                </a:solidFill>
-              </a:rPr>
-              <a:t>relevel</a:t>
-            </a:r>
-            <a:r>
-              <a:rPr lang="en-US" dirty="0"/>
-              <a:t>(supplement, </a:t>
-            </a:r>
-            <a:r>
-              <a:rPr lang="en-US" dirty="0">
-                <a:solidFill>
-                  <a:srgbClr val="00B050"/>
-                </a:solidFill>
-              </a:rPr>
-              <a:t>ref</a:t>
-            </a:r>
-            <a:r>
-              <a:rPr lang="en-US" dirty="0"/>
-              <a:t>=</a:t>
-            </a:r>
-            <a:r>
-              <a:rPr lang="en-US" dirty="0">
-                <a:solidFill>
-                  <a:srgbClr val="0432FF"/>
-                </a:solidFill>
-              </a:rPr>
-              <a:t>"control"</a:t>
-            </a:r>
-            <a:r>
-              <a:rPr lang="en-US" dirty="0"/>
-              <a:t>))</a:t>
-            </a:r>
-          </a:p>
-          <a:p>
-            <a:pPr marL="0" indent="0">
-              <a:buNone/>
-            </a:pPr>
-            <a:endParaRPr lang="en-US" dirty="0"/>
-          </a:p>
-          <a:p>
-            <a:pPr marL="0" indent="0">
-              <a:buNone/>
-            </a:pPr>
-            <a:r>
-              <a:rPr lang="en-US" dirty="0">
-                <a:solidFill>
-                  <a:srgbClr val="C00000"/>
-                </a:solidFill>
-              </a:rPr>
-              <a:t>levels</a:t>
-            </a:r>
-            <a:r>
-              <a:rPr lang="en-US" dirty="0"/>
-              <a:t>(</a:t>
-            </a:r>
-            <a:r>
-              <a:rPr lang="en-US" dirty="0" err="1"/>
-              <a:t>growth.moo$supplement</a:t>
-            </a:r>
-            <a:r>
-              <a:rPr lang="en-US" dirty="0"/>
-              <a:t>)</a:t>
-            </a:r>
-          </a:p>
-          <a:p>
-            <a:pPr marL="0" indent="0">
-              <a:buNone/>
-            </a:pPr>
-            <a:r>
-              <a:rPr lang="en-US" dirty="0"/>
-              <a:t>## [1] "control" "</a:t>
-            </a:r>
-            <a:r>
-              <a:rPr lang="en-US" dirty="0" err="1"/>
-              <a:t>agrimore</a:t>
-            </a:r>
-            <a:r>
-              <a:rPr lang="en-US" dirty="0"/>
-              <a:t>" "</a:t>
-            </a:r>
-            <a:r>
-              <a:rPr lang="en-US" dirty="0" err="1"/>
-              <a:t>supergain</a:t>
-            </a:r>
-            <a:r>
-              <a:rPr lang="en-US" dirty="0"/>
-              <a:t>" "</a:t>
-            </a:r>
-            <a:r>
-              <a:rPr lang="en-US" dirty="0" err="1"/>
-              <a:t>supersupp</a:t>
-            </a:r>
-            <a:r>
-              <a:rPr lang="en-US" dirty="0"/>
-              <a:t>"</a:t>
-            </a:r>
-          </a:p>
-          <a:p>
-            <a:pPr marL="0" indent="0">
-              <a:buNone/>
-            </a:pPr>
-            <a:endParaRPr lang="en-US" dirty="0"/>
-          </a:p>
-          <a:p>
-            <a:pPr marL="0" indent="0">
-              <a:buNone/>
-            </a:pPr>
-            <a:endParaRPr lang="en-US" dirty="0"/>
-          </a:p>
-        </p:txBody>
-      </p:sp>
-    </p:spTree>
-    <p:extLst>
-      <p:ext uri="{BB962C8B-B14F-4D97-AF65-F5344CB8AC3E}">
-        <p14:creationId xmlns:p14="http://schemas.microsoft.com/office/powerpoint/2010/main" val="3807277888"/>
-      </p:ext>
-    </p:extLst>
-  </p:cSld>
-  <p:clrMapOvr>
-    <a:masterClrMapping/>
-  </p:clrMapOvr>
-</p:sld>
-</file>
-
 <file path=ppt/slides/slide8.xml><?xml version="1.0" encoding="utf-8"?>
 <p:sld xmlns:a="http://schemas.openxmlformats.org/drawingml/2006/main" xmlns:r="http://schemas.openxmlformats.org/officeDocument/2006/relationships" xmlns:p="http://schemas.openxmlformats.org/presentationml/2006/main">
   <p:cSld>
@@ -10875,6 +12662,41 @@
       </p:grpSpPr>
       <p:sp>
         <p:nvSpPr>
+          <p:cNvPr id="2" name="Title 1">
+            <a:extLst>
+              <a:ext uri="{FF2B5EF4-FFF2-40B4-BE49-F238E27FC236}">
+                <a16:creationId xmlns:a16="http://schemas.microsoft.com/office/drawing/2014/main" id="{220A06A0-ED2A-5E47-9B42-A4413DBD8E1D}"/>
+              </a:ext>
+            </a:extLst>
+          </p:cNvPr>
+          <p:cNvSpPr>
+            <a:spLocks noGrp="1"/>
+          </p:cNvSpPr>
+          <p:nvPr>
+            <p:ph type="title"/>
+          </p:nvPr>
+        </p:nvSpPr>
+        <p:spPr>
+          <a:xfrm>
+            <a:off x="152400" y="0"/>
+            <a:ext cx="8229600" cy="944562"/>
+          </a:xfrm>
+        </p:spPr>
+        <p:txBody>
+          <a:bodyPr>
+            <a:normAutofit/>
+          </a:bodyPr>
+          <a:lstStyle/>
+          <a:p>
+            <a:r>
+              <a:rPr lang="en-US" dirty="0"/>
+              <a:t>Cow Growth Data</a:t>
+            </a:r>
+          </a:p>
+        </p:txBody>
+      </p:sp>
+      <p:sp>
+        <p:nvSpPr>
           <p:cNvPr id="3" name="Content Placeholder 2">
             <a:extLst>
               <a:ext uri="{FF2B5EF4-FFF2-40B4-BE49-F238E27FC236}">
@@ -10891,19 +12713,83 @@
         </p:nvSpPr>
         <p:spPr>
           <a:xfrm>
-            <a:off x="685800" y="0"/>
-            <a:ext cx="8534400" cy="7162800"/>
+            <a:off x="457200" y="838200"/>
+            <a:ext cx="8382000" cy="5943600"/>
           </a:xfrm>
         </p:spPr>
         <p:txBody>
           <a:bodyPr>
-            <a:normAutofit fontScale="62500" lnSpcReduction="20000"/>
+            <a:normAutofit fontScale="92500" lnSpcReduction="10000"/>
           </a:bodyPr>
           <a:lstStyle/>
           <a:p>
             <a:pPr marL="0" indent="0">
               <a:buNone/>
             </a:pPr>
+            <a:r>
+              <a:rPr lang="en-US" sz="2600" dirty="0" err="1"/>
+              <a:t>growth.moo</a:t>
+            </a:r>
+            <a:r>
+              <a:rPr lang="en-US" sz="2600" dirty="0"/>
+              <a:t> &lt;- </a:t>
+            </a:r>
+            <a:r>
+              <a:rPr lang="en-US" sz="2600" dirty="0" err="1">
+                <a:solidFill>
+                  <a:srgbClr val="C00000"/>
+                </a:solidFill>
+              </a:rPr>
+              <a:t>read_csv</a:t>
+            </a:r>
+            <a:r>
+              <a:rPr lang="en-US" sz="2600" dirty="0"/>
+              <a:t>("</a:t>
+            </a:r>
+            <a:r>
+              <a:rPr lang="en-US" sz="2600" dirty="0" err="1"/>
+              <a:t>growth.csv</a:t>
+            </a:r>
+            <a:r>
+              <a:rPr lang="en-US" sz="2600" dirty="0"/>
+              <a:t>")</a:t>
+            </a:r>
+          </a:p>
+          <a:p>
+            <a:pPr marL="0" indent="0">
+              <a:buNone/>
+            </a:pPr>
+            <a:endParaRPr lang="en-US" sz="2600" dirty="0"/>
+          </a:p>
+          <a:p>
+            <a:pPr marL="0" indent="0">
+              <a:buNone/>
+            </a:pPr>
+            <a:r>
+              <a:rPr lang="en-US" sz="2600" dirty="0">
+                <a:solidFill>
+                  <a:srgbClr val="C00000"/>
+                </a:solidFill>
+              </a:rPr>
+              <a:t>glimpse</a:t>
+            </a:r>
+            <a:r>
+              <a:rPr lang="en-US" sz="2600" dirty="0"/>
+              <a:t>(</a:t>
+            </a:r>
+            <a:r>
+              <a:rPr lang="en-US" sz="2600" dirty="0" err="1"/>
+              <a:t>growth.moo</a:t>
+            </a:r>
+            <a:r>
+              <a:rPr lang="en-US" sz="2600" dirty="0"/>
+              <a:t>)</a:t>
+            </a:r>
+          </a:p>
+          <a:p>
+            <a:pPr marL="0" indent="0">
+              <a:buNone/>
+            </a:pPr>
             <a:endParaRPr lang="en-US" dirty="0"/>
           </a:p>
           <a:p>
@@ -10911,198 +12797,209 @@
               <a:buNone/>
             </a:pPr>
             <a:r>
-              <a:rPr lang="en-US" sz="3800" dirty="0" err="1"/>
-              <a:t>sumMoo</a:t>
-            </a:r>
-            <a:r>
-              <a:rPr lang="en-US" sz="3800" dirty="0"/>
-              <a:t> &lt;- </a:t>
-            </a:r>
-            <a:r>
-              <a:rPr lang="en-US" sz="3800" dirty="0" err="1"/>
-              <a:t>growth.moo</a:t>
-            </a:r>
-            <a:r>
-              <a:rPr lang="en-US" sz="3800" dirty="0"/>
-              <a:t> %&gt;%</a:t>
-            </a:r>
-          </a:p>
-          <a:p>
-            <a:pPr marL="0" indent="0">
-              <a:buNone/>
-            </a:pPr>
-            <a:r>
-              <a:rPr lang="en-US" sz="3800" dirty="0"/>
-              <a:t>	</a:t>
-            </a:r>
-            <a:r>
-              <a:rPr lang="en-US" sz="3800" dirty="0" err="1">
+              <a:rPr lang="en-US" sz="1600" dirty="0"/>
+              <a:t>#Rows: 48</a:t>
+            </a:r>
+          </a:p>
+          <a:p>
+            <a:pPr marL="0" indent="0">
+              <a:buNone/>
+            </a:pPr>
+            <a:r>
+              <a:rPr lang="en-US" sz="1600" dirty="0"/>
+              <a:t>#Columns: 3</a:t>
+            </a:r>
+          </a:p>
+          <a:p>
+            <a:pPr marL="0" indent="0">
+              <a:buNone/>
+            </a:pPr>
+            <a:r>
+              <a:rPr lang="en-US" sz="1600" dirty="0"/>
+              <a:t>#$ supplement &lt;</a:t>
+            </a:r>
+            <a:r>
+              <a:rPr lang="en-US" sz="1600" dirty="0" err="1"/>
+              <a:t>chr</a:t>
+            </a:r>
+            <a:r>
+              <a:rPr lang="en-US" sz="1600" dirty="0"/>
+              <a:t>&gt; "</a:t>
+            </a:r>
+            <a:r>
+              <a:rPr lang="en-US" sz="1600" dirty="0" err="1"/>
+              <a:t>supergain</a:t>
+            </a:r>
+            <a:r>
+              <a:rPr lang="en-US" sz="1600" dirty="0"/>
+              <a:t>", "</a:t>
+            </a:r>
+            <a:r>
+              <a:rPr lang="en-US" sz="1600" dirty="0" err="1"/>
+              <a:t>supergain</a:t>
+            </a:r>
+            <a:r>
+              <a:rPr lang="en-US" sz="1600" dirty="0"/>
+              <a:t>", "</a:t>
+            </a:r>
+            <a:r>
+              <a:rPr lang="en-US" sz="1600" dirty="0" err="1"/>
+              <a:t>supergain</a:t>
+            </a:r>
+            <a:r>
+              <a:rPr lang="en-US" sz="1600" dirty="0"/>
+              <a:t>", "</a:t>
+            </a:r>
+            <a:r>
+              <a:rPr lang="en-US" sz="1600" dirty="0" err="1"/>
+              <a:t>supergain</a:t>
+            </a:r>
+            <a:r>
+              <a:rPr lang="en-US" sz="1600" dirty="0"/>
+              <a:t>", "control", "</a:t>
+            </a:r>
+            <a:r>
+              <a:rPr lang="en-US" sz="1600" dirty="0" err="1"/>
+              <a:t>contr</a:t>
+            </a:r>
+            <a:r>
+              <a:rPr lang="en-US" sz="1600" dirty="0"/>
+              <a:t>…</a:t>
+            </a:r>
+          </a:p>
+          <a:p>
+            <a:pPr marL="0" indent="0">
+              <a:buNone/>
+            </a:pPr>
+            <a:r>
+              <a:rPr lang="en-US" sz="1600" dirty="0"/>
+              <a:t>#$ diet       &lt;</a:t>
+            </a:r>
+            <a:r>
+              <a:rPr lang="en-US" sz="1600" dirty="0" err="1"/>
+              <a:t>chr</a:t>
+            </a:r>
+            <a:r>
+              <a:rPr lang="en-US" sz="1600" dirty="0"/>
+              <a:t>&gt; "wheat", "wheat", "wheat", "wheat", "wheat", "wheat", "wheat", "wheat…</a:t>
+            </a:r>
+          </a:p>
+          <a:p>
+            <a:pPr marL="0" indent="0">
+              <a:buNone/>
+            </a:pPr>
+            <a:r>
+              <a:rPr lang="en-US" sz="1600" dirty="0"/>
+              <a:t>#$ gain       &lt;</a:t>
+            </a:r>
+            <a:r>
+              <a:rPr lang="en-US" sz="1600" dirty="0" err="1"/>
+              <a:t>dbl</a:t>
+            </a:r>
+            <a:r>
+              <a:rPr lang="en-US" sz="1600" dirty="0"/>
+              <a:t>&gt; 17.37125, 16.81489, 18.08184, 15.78175, 17.70656, 18.22717, 16.08650,…</a:t>
+            </a:r>
+          </a:p>
+          <a:p>
+            <a:pPr marL="0" indent="0">
+              <a:buNone/>
+            </a:pPr>
+            <a:endParaRPr lang="en-US" sz="1600" dirty="0"/>
+          </a:p>
+          <a:p>
+            <a:pPr marL="0" indent="0">
+              <a:buNone/>
+            </a:pPr>
+            <a:r>
+              <a:rPr lang="en-US" sz="2600" dirty="0"/>
+              <a:t># It doesn’t that know that diet and supplement should be</a:t>
+            </a:r>
+          </a:p>
+          <a:p>
+            <a:pPr marL="0" indent="0">
+              <a:buNone/>
+            </a:pPr>
+            <a:r>
+              <a:rPr lang="en-US" sz="2600" dirty="0"/>
+              <a:t># considered as factors (some packages can still deal with it as is)</a:t>
+            </a:r>
+          </a:p>
+          <a:p>
+            <a:pPr marL="0" indent="0">
+              <a:buNone/>
+            </a:pPr>
+            <a:endParaRPr lang="en-US" sz="2600" dirty="0"/>
+          </a:p>
+          <a:p>
+            <a:pPr marL="0" indent="0">
+              <a:buNone/>
+            </a:pPr>
+            <a:r>
+              <a:rPr lang="en-US" sz="2600" dirty="0" err="1"/>
+              <a:t>growth.moo$diet</a:t>
+            </a:r>
+            <a:r>
+              <a:rPr lang="en-US" sz="2600" dirty="0"/>
+              <a:t> &lt;-</a:t>
+            </a:r>
+            <a:r>
+              <a:rPr lang="en-US" sz="2600" dirty="0" err="1">
                 <a:solidFill>
                   <a:srgbClr val="C00000"/>
                 </a:solidFill>
               </a:rPr>
-              <a:t>group_by</a:t>
-            </a:r>
-            <a:r>
-              <a:rPr lang="en-US" sz="3800" dirty="0"/>
-              <a:t>(diet, supplement) %&gt;%</a:t>
-            </a:r>
-          </a:p>
-          <a:p>
-            <a:pPr marL="0" indent="0">
-              <a:buNone/>
-            </a:pPr>
-            <a:r>
-              <a:rPr lang="en-US" sz="3800" dirty="0"/>
-              <a:t>		</a:t>
-            </a:r>
-            <a:r>
-              <a:rPr lang="en-US" sz="3800" dirty="0" err="1">
+              <a:t>as.factor</a:t>
+            </a:r>
+            <a:r>
+              <a:rPr lang="en-US" sz="2600" dirty="0"/>
+              <a:t>(</a:t>
+            </a:r>
+            <a:r>
+              <a:rPr lang="en-US" sz="2600" dirty="0" err="1"/>
+              <a:t>growth.moo$diet</a:t>
+            </a:r>
+            <a:r>
+              <a:rPr lang="en-US" sz="2600" dirty="0"/>
+              <a:t>)</a:t>
+            </a:r>
+          </a:p>
+          <a:p>
+            <a:pPr marL="0" indent="0">
+              <a:buNone/>
+            </a:pPr>
+            <a:endParaRPr lang="en-US" sz="2600" dirty="0"/>
+          </a:p>
+          <a:p>
+            <a:pPr marL="0" indent="0">
+              <a:buNone/>
+            </a:pPr>
+            <a:r>
+              <a:rPr lang="en-US" sz="2600" dirty="0" err="1"/>
+              <a:t>growth.moo$supplement</a:t>
+            </a:r>
+            <a:r>
+              <a:rPr lang="en-US" sz="2600" dirty="0"/>
+              <a:t> &lt; </a:t>
+            </a:r>
+            <a:r>
+              <a:rPr lang="en-US" sz="2600" dirty="0" err="1">
                 <a:solidFill>
                   <a:srgbClr val="C00000"/>
                 </a:solidFill>
               </a:rPr>
-              <a:t>summarise</a:t>
-            </a:r>
-            <a:r>
-              <a:rPr lang="en-US" sz="3800" dirty="0"/>
+              <a:t>as.factor</a:t>
+            </a:r>
+            <a:r>
+              <a:rPr lang="en-US" sz="2600" dirty="0"/>
               <a:t>(</a:t>
             </a:r>
             <a:r>
-              <a:rPr lang="en-US" sz="3800" dirty="0" err="1">
-                <a:solidFill>
-                  <a:srgbClr val="00B050"/>
-                </a:solidFill>
-              </a:rPr>
-              <a:t>meanGrow</a:t>
-            </a:r>
-            <a:r>
-              <a:rPr lang="en-US" sz="3800" dirty="0"/>
-              <a:t> = </a:t>
-            </a:r>
-            <a:r>
-              <a:rPr lang="en-US" sz="3800" dirty="0">
-                <a:solidFill>
-                  <a:srgbClr val="C00000"/>
-                </a:solidFill>
-              </a:rPr>
-              <a:t>mean</a:t>
-            </a:r>
-            <a:r>
-              <a:rPr lang="en-US" sz="3800" dirty="0"/>
-              <a:t>(gain))</a:t>
-            </a:r>
-          </a:p>
-          <a:p>
-            <a:pPr marL="0" indent="0">
-              <a:buNone/>
-            </a:pPr>
-            <a:endParaRPr lang="en-US" sz="3800" dirty="0">
-              <a:solidFill>
-                <a:srgbClr val="C00000"/>
-              </a:solidFill>
-            </a:endParaRPr>
-          </a:p>
-          <a:p>
-            <a:pPr marL="0" indent="0">
-              <a:buNone/>
-            </a:pPr>
-            <a:r>
-              <a:rPr lang="en-US" sz="3800" dirty="0"/>
-              <a:t># make sure it worked</a:t>
-            </a:r>
-          </a:p>
-          <a:p>
-            <a:pPr marL="0" indent="0">
-              <a:buNone/>
-            </a:pPr>
-            <a:r>
-              <a:rPr lang="en-US" sz="3800" dirty="0" err="1"/>
-              <a:t>sumMoo</a:t>
-            </a:r>
-            <a:endParaRPr lang="en-US" sz="3800" dirty="0"/>
-          </a:p>
-          <a:p>
-            <a:pPr marL="0" indent="0">
-              <a:buNone/>
-            </a:pPr>
-            <a:endParaRPr lang="en-US" sz="3800" dirty="0">
-              <a:solidFill>
-                <a:srgbClr val="C00000"/>
-              </a:solidFill>
-            </a:endParaRPr>
-          </a:p>
-          <a:p>
-            <a:pPr marL="0" indent="0">
-              <a:buNone/>
-            </a:pPr>
-            <a:r>
-              <a:rPr lang="en-US" sz="3800" dirty="0"/>
-              <a:t>## Source: local data frame [12 x 3]</a:t>
-            </a:r>
-          </a:p>
-          <a:p>
-            <a:pPr marL="0" indent="0">
-              <a:buNone/>
-            </a:pPr>
-            <a:r>
-              <a:rPr lang="en-US" sz="3800" dirty="0"/>
-              <a:t>## Groups: diet [?]</a:t>
-            </a:r>
-          </a:p>
-          <a:p>
-            <a:pPr marL="0" indent="0">
-              <a:buNone/>
-            </a:pPr>
-            <a:r>
-              <a:rPr lang="en-US" sz="3800" dirty="0"/>
-              <a:t>##</a:t>
-            </a:r>
-          </a:p>
-          <a:p>
-            <a:pPr marL="0" indent="0">
-              <a:buNone/>
-            </a:pPr>
-            <a:r>
-              <a:rPr lang="en-US" sz="3800" dirty="0"/>
-              <a:t>## diet		supplement	</a:t>
-            </a:r>
-            <a:r>
-              <a:rPr lang="en-US" sz="3800" dirty="0" err="1"/>
-              <a:t>meanGrow</a:t>
-            </a:r>
-            <a:endParaRPr lang="en-US" sz="3800" dirty="0"/>
-          </a:p>
-          <a:p>
-            <a:pPr marL="0" indent="0">
-              <a:buNone/>
-            </a:pPr>
-            <a:r>
-              <a:rPr lang="en-US" sz="3800" dirty="0"/>
-              <a:t>## (</a:t>
-            </a:r>
-            <a:r>
-              <a:rPr lang="en-US" sz="3800" dirty="0" err="1"/>
-              <a:t>fctr</a:t>
-            </a:r>
-            <a:r>
-              <a:rPr lang="en-US" sz="3800" dirty="0"/>
-              <a:t>)	(</a:t>
-            </a:r>
-            <a:r>
-              <a:rPr lang="en-US" sz="3800" dirty="0" err="1"/>
-              <a:t>fctr</a:t>
-            </a:r>
-            <a:r>
-              <a:rPr lang="en-US" sz="3800" dirty="0"/>
-              <a:t>)		(</a:t>
-            </a:r>
-            <a:r>
-              <a:rPr lang="en-US" sz="3800" dirty="0" err="1"/>
-              <a:t>dbl</a:t>
-            </a:r>
-            <a:r>
-              <a:rPr lang="en-US" sz="3800" dirty="0"/>
+              <a:rPr lang="en-US" sz="2600" dirty="0" err="1"/>
+              <a:t>growth.moo$supplement</a:t>
+            </a:r>
+            <a:r>
+              <a:rPr lang="en-US" sz="2600" dirty="0"/>
               <a:t>)</a:t>
             </a:r>
           </a:p>
@@ -11110,130 +13007,77 @@
             <a:pPr marL="0" indent="0">
               <a:buNone/>
             </a:pPr>
-            <a:r>
-              <a:rPr lang="en-US" sz="3800" dirty="0"/>
-              <a:t>## 1 barley 	control 	23.29665</a:t>
-            </a:r>
-          </a:p>
-          <a:p>
-            <a:pPr marL="0" indent="0">
-              <a:buNone/>
-            </a:pPr>
-            <a:r>
-              <a:rPr lang="en-US" sz="3800" dirty="0"/>
-              <a:t>## 2 barley 	</a:t>
-            </a:r>
-            <a:r>
-              <a:rPr lang="en-US" sz="3800" dirty="0" err="1"/>
-              <a:t>agrimore</a:t>
-            </a:r>
-            <a:r>
-              <a:rPr lang="en-US" sz="3800" dirty="0"/>
-              <a:t> 	26.34848</a:t>
-            </a:r>
-          </a:p>
-          <a:p>
-            <a:pPr marL="0" indent="0">
-              <a:buNone/>
-            </a:pPr>
-            <a:r>
-              <a:rPr lang="en-US" sz="3800" dirty="0"/>
-              <a:t>## 3 barley 	</a:t>
-            </a:r>
-            <a:r>
-              <a:rPr lang="en-US" sz="3800" dirty="0" err="1"/>
-              <a:t>supergain</a:t>
-            </a:r>
-            <a:r>
-              <a:rPr lang="en-US" sz="3800" dirty="0"/>
-              <a:t> 	22.46612</a:t>
-            </a:r>
-          </a:p>
-          <a:p>
-            <a:pPr marL="0" indent="0">
-              <a:buNone/>
-            </a:pPr>
-            <a:r>
-              <a:rPr lang="en-US" sz="3800" dirty="0"/>
-              <a:t>## 4 barley 	</a:t>
-            </a:r>
-            <a:r>
-              <a:rPr lang="en-US" sz="3800" dirty="0" err="1"/>
-              <a:t>supersupp</a:t>
-            </a:r>
-            <a:r>
-              <a:rPr lang="en-US" sz="3800" dirty="0"/>
-              <a:t>	25.57530</a:t>
-            </a:r>
-          </a:p>
-          <a:p>
-            <a:pPr marL="0" indent="0">
-              <a:buNone/>
-            </a:pPr>
-            <a:r>
-              <a:rPr lang="en-US" sz="3800" dirty="0"/>
-              <a:t>## 5 oats 	control		20.49366</a:t>
-            </a:r>
-          </a:p>
-          <a:p>
-            <a:pPr marL="0" indent="0">
-              <a:buNone/>
-            </a:pPr>
-            <a:r>
-              <a:rPr lang="en-US" dirty="0"/>
-              <a:t>…</a:t>
-            </a:r>
-          </a:p>
-        </p:txBody>
-      </p:sp>
-      <p:sp>
-        <p:nvSpPr>
-          <p:cNvPr id="2" name="Title 1">
+            <a:endParaRPr lang="en-US" dirty="0"/>
+          </a:p>
+          <a:p>
+            <a:pPr marL="0" indent="0">
+              <a:buNone/>
+            </a:pPr>
+            <a:endParaRPr lang="en-US" dirty="0"/>
+          </a:p>
+          <a:p>
+            <a:pPr marL="0" indent="0">
+              <a:buNone/>
+            </a:pPr>
+            <a:endParaRPr lang="en-US" dirty="0"/>
+          </a:p>
+          <a:p>
+            <a:pPr marL="0" indent="0">
+              <a:buNone/>
+            </a:pPr>
+            <a:endParaRPr lang="en-US" dirty="0"/>
+          </a:p>
+          <a:p>
+            <a:pPr marL="0" indent="0">
+              <a:buNone/>
+            </a:pPr>
+            <a:endParaRPr lang="en-US" dirty="0"/>
+          </a:p>
+        </p:txBody>
+      </p:sp>
+      <p:cxnSp>
+        <p:nvCxnSpPr>
+          <p:cNvPr id="6" name="Straight Arrow Connector 5">
             <a:extLst>
               <a:ext uri="{FF2B5EF4-FFF2-40B4-BE49-F238E27FC236}">
-                <a16:creationId xmlns:a16="http://schemas.microsoft.com/office/drawing/2014/main" id="{220A06A0-ED2A-5E47-9B42-A4413DBD8E1D}"/>
+                <a16:creationId xmlns:a16="http://schemas.microsoft.com/office/drawing/2014/main" id="{934851B6-AAD4-164F-8D43-9B9BF65372D1}"/>
               </a:ext>
             </a:extLst>
           </p:cNvPr>
-          <p:cNvSpPr>
-            <a:spLocks noGrp="1"/>
-          </p:cNvSpPr>
-          <p:nvPr>
-            <p:ph type="title"/>
-          </p:nvPr>
-        </p:nvSpPr>
+          <p:cNvCxnSpPr/>
+          <p:nvPr/>
+        </p:nvCxnSpPr>
         <p:spPr>
-          <a:xfrm>
-            <a:off x="4953000" y="1600200"/>
-            <a:ext cx="3886200" cy="1143000"/>
+          <a:xfrm flipH="1">
+            <a:off x="1981200" y="2286000"/>
+            <a:ext cx="685800" cy="685800"/>
           </a:xfrm>
+          <a:prstGeom prst="straightConnector1">
+            <a:avLst/>
+          </a:prstGeom>
           <a:ln>
-            <a:solidFill>
-              <a:srgbClr val="0432FF"/>
-            </a:solidFill>
+            <a:tailEnd type="triangle"/>
           </a:ln>
         </p:spPr>
-        <p:txBody>
-          <a:bodyPr>
-            <a:normAutofit fontScale="90000"/>
-          </a:bodyPr>
-          <a:lstStyle/>
-          <a:p>
-            <a:r>
-              <a:rPr lang="en-US" sz="2400" dirty="0"/>
-              <a:t># calculate mean weight gain for all 12 combinations </a:t>
-            </a:r>
-            <a:br>
-              <a:rPr lang="en-US" sz="2400" dirty="0"/>
-            </a:br>
-            <a:endParaRPr lang="en-US" sz="2400" dirty="0"/>
-          </a:p>
-        </p:txBody>
-      </p:sp>
+        <p:style>
+          <a:lnRef idx="1">
+            <a:schemeClr val="accent1"/>
+          </a:lnRef>
+          <a:fillRef idx="0">
+            <a:schemeClr val="accent1"/>
+          </a:fillRef>
+          <a:effectRef idx="0">
+            <a:schemeClr val="accent1"/>
+          </a:effectRef>
+          <a:fontRef idx="minor">
+            <a:schemeClr val="tx1"/>
+          </a:fontRef>
+        </p:style>
+      </p:cxnSp>
     </p:spTree>
     <p:extLst>
       <p:ext uri="{BB962C8B-B14F-4D97-AF65-F5344CB8AC3E}">
-        <p14:creationId xmlns:p14="http://schemas.microsoft.com/office/powerpoint/2010/main" val="864487412"/>
+        <p14:creationId xmlns:p14="http://schemas.microsoft.com/office/powerpoint/2010/main" val="2577157219"/>
       </p:ext>
     </p:extLst>
   </p:cSld>
@@ -11278,7 +13122,7 @@
         </p:nvSpPr>
         <p:spPr>
           <a:xfrm>
-            <a:off x="457200" y="76200"/>
+            <a:off x="152400" y="0"/>
             <a:ext cx="8229600" cy="944562"/>
           </a:xfrm>
         </p:spPr>
@@ -11313,13 +13157,13 @@
         </p:nvSpPr>
         <p:spPr>
           <a:xfrm>
-            <a:off x="457200" y="1020762"/>
-            <a:ext cx="75438000" cy="38727066"/>
+            <a:off x="457200" y="838200"/>
+            <a:ext cx="8534400" cy="5943600"/>
           </a:xfrm>
         </p:spPr>
         <p:txBody>
           <a:bodyPr>
-            <a:normAutofit/>
+            <a:normAutofit fontScale="85000" lnSpcReduction="20000"/>
           </a:bodyPr>
           <a:lstStyle/>
           <a:p>
@@ -11327,31 +13171,12 @@
               <a:buNone/>
             </a:pPr>
             <a:r>
-              <a:rPr lang="en-US" dirty="0"/>
-              <a:t>As always, our first step in analysis is a figure:</a:t>
-            </a:r>
-          </a:p>
-          <a:p>
-            <a:pPr marL="0" indent="0">
-              <a:buNone/>
-            </a:pPr>
-            <a:endParaRPr lang="en-US" dirty="0">
-              <a:solidFill>
-                <a:srgbClr val="C00000"/>
-              </a:solidFill>
-            </a:endParaRPr>
-          </a:p>
-          <a:p>
-            <a:pPr marL="0" indent="0">
-              <a:buNone/>
-            </a:pPr>
-            <a:r>
-              <a:rPr lang="en-US" dirty="0" err="1">
+              <a:rPr lang="en-US" dirty="0">
                 <a:solidFill>
                   <a:srgbClr val="C00000"/>
                 </a:solidFill>
               </a:rPr>
-              <a:t>ggplot</a:t>
+              <a:t>glimpse</a:t>
             </a:r>
             <a:r>
               <a:rPr lang="en-US" dirty="0"/>
@@ -11359,121 +13184,177 @@
             </a:r>
             <a:r>
               <a:rPr lang="en-US" dirty="0" err="1"/>
-              <a:t>sumMoo</a:t>
-            </a:r>
-            <a:r>
-              <a:rPr lang="en-US" dirty="0"/>
-              <a:t>, </a:t>
-            </a:r>
-            <a:r>
-              <a:rPr lang="en-US" dirty="0" err="1">
+              <a:t>growth.moo</a:t>
+            </a:r>
+            <a:r>
+              <a:rPr lang="en-US" dirty="0"/>
+              <a:t>) # diet and supplement should be factors now</a:t>
+            </a:r>
+          </a:p>
+          <a:p>
+            <a:pPr marL="0" indent="0">
+              <a:buNone/>
+            </a:pPr>
+            <a:endParaRPr lang="en-US" dirty="0"/>
+          </a:p>
+          <a:p>
+            <a:pPr marL="0" indent="0">
+              <a:buNone/>
+            </a:pPr>
+            <a:r>
+              <a:rPr lang="en-US" dirty="0">
                 <a:solidFill>
                   <a:srgbClr val="C00000"/>
                 </a:solidFill>
               </a:rPr>
-              <a:t>aes</a:t>
-            </a:r>
+              <a:t>levels</a:t>
+            </a:r>
+            <a:r>
+              <a:rPr lang="en-US" dirty="0"/>
+              <a:t>(</a:t>
+            </a:r>
+            <a:r>
+              <a:rPr lang="en-US" dirty="0" err="1"/>
+              <a:t>growth.moo$diet</a:t>
+            </a:r>
+            <a:r>
+              <a:rPr lang="en-US" dirty="0"/>
+              <a:t>)</a:t>
+            </a:r>
+          </a:p>
+          <a:p>
+            <a:pPr marL="0" indent="0">
+              <a:buNone/>
+            </a:pPr>
+            <a:r>
+              <a:rPr lang="en-US" dirty="0"/>
+              <a:t># [1] "barley" "oats" "wheat" </a:t>
+            </a:r>
+          </a:p>
+          <a:p>
+            <a:pPr marL="0" indent="0">
+              <a:buNone/>
+            </a:pPr>
+            <a:endParaRPr lang="en-US" dirty="0"/>
+          </a:p>
+          <a:p>
+            <a:pPr marL="0" indent="0">
+              <a:buNone/>
+            </a:pPr>
             <a:r>
               <a:rPr lang="en-US" dirty="0">
                 <a:solidFill>
                   <a:srgbClr val="C00000"/>
                 </a:solidFill>
               </a:rPr>
+              <a:t>levels</a:t>
+            </a:r>
+            <a:r>
+              <a:rPr lang="en-US" dirty="0"/>
               <a:t>(</a:t>
             </a:r>
             <a:r>
+              <a:rPr lang="en-US" dirty="0" err="1"/>
+              <a:t>growth.moo$supplement</a:t>
+            </a:r>
+            <a:r>
+              <a:rPr lang="en-US" dirty="0"/>
+              <a:t>)</a:t>
+            </a:r>
+          </a:p>
+          <a:p>
+            <a:pPr marL="0" indent="0">
+              <a:buNone/>
+            </a:pPr>
+            <a:r>
+              <a:rPr lang="en-US" dirty="0"/>
+              <a:t>#[1] "</a:t>
+            </a:r>
+            <a:r>
+              <a:rPr lang="en-US" dirty="0" err="1"/>
+              <a:t>agrimore</a:t>
+            </a:r>
+            <a:r>
+              <a:rPr lang="en-US" dirty="0"/>
+              <a:t>" "control" "</a:t>
+            </a:r>
+            <a:r>
+              <a:rPr lang="en-US" dirty="0" err="1"/>
+              <a:t>supergain</a:t>
+            </a:r>
+            <a:r>
+              <a:rPr lang="en-US" dirty="0"/>
+              <a:t>" "</a:t>
+            </a:r>
+            <a:r>
+              <a:rPr lang="en-US" dirty="0" err="1"/>
+              <a:t>supersupp</a:t>
+            </a:r>
+            <a:r>
+              <a:rPr lang="en-US" dirty="0"/>
+              <a:t>"</a:t>
+            </a:r>
+          </a:p>
+          <a:p>
+            <a:pPr marL="0" indent="0">
+              <a:buNone/>
+            </a:pPr>
+            <a:endParaRPr lang="en-US" dirty="0"/>
+          </a:p>
+          <a:p>
+            <a:pPr marL="0" indent="0">
+              <a:buNone/>
+            </a:pPr>
+            <a:r>
+              <a:rPr lang="en-US" dirty="0"/>
+              <a:t>One of the things we can immediately see is that the supplements include a </a:t>
+            </a:r>
+            <a:r>
               <a:rPr lang="en-US" dirty="0">
                 <a:solidFill>
-                  <a:srgbClr val="00B050"/>
+                  <a:srgbClr val="7030A0"/>
                 </a:solidFill>
               </a:rPr>
-              <a:t>x</a:t>
+              <a:t>control level</a:t>
+            </a:r>
+            <a:r>
+              <a:rPr lang="en-US" dirty="0"/>
+              <a:t>, but the </a:t>
+            </a:r>
+            <a:r>
+              <a:rPr lang="en-US" dirty="0" err="1"/>
+              <a:t>agrimore</a:t>
+            </a:r>
+            <a:r>
+              <a:rPr lang="en-US" dirty="0"/>
+              <a:t> level is in front of it alphabetically.</a:t>
+            </a:r>
+          </a:p>
+          <a:p>
+            <a:pPr marL="0" indent="0">
+              <a:buNone/>
+            </a:pPr>
+            <a:endParaRPr lang="en-US" dirty="0"/>
+          </a:p>
+          <a:p>
+            <a:pPr marL="0" indent="0">
+              <a:buNone/>
+            </a:pPr>
+            <a:r>
+              <a:rPr lang="en-US" dirty="0"/>
+              <a:t>Important to put the </a:t>
             </a:r>
             <a:r>
               <a:rPr lang="en-US" dirty="0">
                 <a:solidFill>
-                  <a:srgbClr val="C00000"/>
+                  <a:srgbClr val="7030A0"/>
                 </a:solidFill>
               </a:rPr>
-              <a:t> </a:t>
-            </a:r>
-            <a:r>
-              <a:rPr lang="en-US" dirty="0"/>
-              <a:t>= supplement, </a:t>
-            </a:r>
-            <a:r>
-              <a:rPr lang="en-US" dirty="0">
-                <a:solidFill>
-                  <a:srgbClr val="00B050"/>
-                </a:solidFill>
-              </a:rPr>
-              <a:t>y</a:t>
-            </a:r>
-            <a:r>
-              <a:rPr lang="en-US" dirty="0">
-                <a:solidFill>
-                  <a:srgbClr val="C00000"/>
-                </a:solidFill>
-              </a:rPr>
-              <a:t> </a:t>
-            </a:r>
-            <a:r>
-              <a:rPr lang="en-US" dirty="0"/>
-              <a:t>= </a:t>
-            </a:r>
-            <a:r>
-              <a:rPr lang="en-US" dirty="0" err="1"/>
-              <a:t>meanGrow</a:t>
-            </a:r>
-            <a:r>
-              <a:rPr lang="en-US" dirty="0"/>
-              <a:t>)) +</a:t>
-            </a:r>
-          </a:p>
-          <a:p>
-            <a:pPr marL="0" indent="0">
-              <a:buNone/>
-            </a:pPr>
-            <a:r>
-              <a:rPr lang="en-US" dirty="0">
-                <a:solidFill>
-                  <a:srgbClr val="C00000"/>
-                </a:solidFill>
-              </a:rPr>
-              <a:t>	</a:t>
-            </a:r>
-            <a:r>
-              <a:rPr lang="en-US" dirty="0" err="1">
-                <a:solidFill>
-                  <a:srgbClr val="C00000"/>
-                </a:solidFill>
-              </a:rPr>
-              <a:t>geom_point</a:t>
-            </a:r>
-            <a:r>
-              <a:rPr lang="en-US" dirty="0"/>
-              <a:t>() +</a:t>
-            </a:r>
-          </a:p>
-          <a:p>
-            <a:pPr marL="0" indent="0">
-              <a:buNone/>
-            </a:pPr>
-            <a:r>
-              <a:rPr lang="en-US" dirty="0"/>
-              <a:t>	</a:t>
-            </a:r>
-            <a:r>
-              <a:rPr lang="en-US" dirty="0" err="1">
-                <a:solidFill>
-                  <a:srgbClr val="C00000"/>
-                </a:solidFill>
-              </a:rPr>
-              <a:t>theme_bw</a:t>
-            </a:r>
-            <a:r>
-              <a:rPr lang="en-US" dirty="0"/>
-              <a:t>()</a:t>
+              <a:t>control level </a:t>
+            </a:r>
+            <a:r>
+              <a:rPr lang="en-US" dirty="0"/>
+              <a:t>first (if there is one) because it provides the baseline of comparison in the coefficients table (we saw this before in 1-way ANOVA; same thing here). Otherwise coefficients make less intuitive sense.</a:t>
             </a:r>
           </a:p>
           <a:p>
@@ -11482,202 +13363,24 @@
             </a:pPr>
             <a:endParaRPr lang="en-US" dirty="0"/>
           </a:p>
-        </p:txBody>
-      </p:sp>
-      <p:sp>
-        <p:nvSpPr>
-          <p:cNvPr id="4" name="AutoShape 2">
-            <a:extLst>
-              <a:ext uri="{FF2B5EF4-FFF2-40B4-BE49-F238E27FC236}">
-                <a16:creationId xmlns:a16="http://schemas.microsoft.com/office/drawing/2014/main" id="{141AD9AA-17D7-4841-854A-33B86E7AE52F}"/>
-              </a:ext>
-            </a:extLst>
-          </p:cNvPr>
-          <p:cNvSpPr>
-            <a:spLocks noChangeAspect="1" noChangeArrowheads="1"/>
-          </p:cNvSpPr>
-          <p:nvPr/>
-        </p:nvSpPr>
-        <p:spPr bwMode="auto">
-          <a:xfrm>
-            <a:off x="4419600" y="3276600"/>
-            <a:ext cx="304800" cy="304800"/>
-          </a:xfrm>
-          <a:prstGeom prst="rect">
-            <a:avLst/>
-          </a:prstGeom>
-          <a:noFill/>
-          <a:extLst>
-            <a:ext uri="{909E8E84-426E-40DD-AFC4-6F175D3DCCD1}">
-              <a14:hiddenFill xmlns:a14="http://schemas.microsoft.com/office/drawing/2010/main">
-                <a:solidFill>
-                  <a:srgbClr val="FFFFFF"/>
-                </a:solidFill>
-              </a14:hiddenFill>
-            </a:ext>
-          </a:extLst>
-        </p:spPr>
-        <p:txBody>
-          <a:bodyPr vert="horz" wrap="square" lIns="91440" tIns="45720" rIns="91440" bIns="45720" numCol="1" anchor="t" anchorCtr="0" compatLnSpc="1">
-            <a:prstTxWarp prst="textNoShape">
-              <a:avLst/>
-            </a:prstTxWarp>
-          </a:bodyPr>
-          <a:lstStyle/>
-          <a:p>
-            <a:endParaRPr lang="en-US"/>
-          </a:p>
-        </p:txBody>
-      </p:sp>
-      <p:sp>
-        <p:nvSpPr>
-          <p:cNvPr id="5" name="AutoShape 4">
-            <a:extLst>
-              <a:ext uri="{FF2B5EF4-FFF2-40B4-BE49-F238E27FC236}">
-                <a16:creationId xmlns:a16="http://schemas.microsoft.com/office/drawing/2014/main" id="{F01F47EA-DABD-5243-8042-BBBEDCA1A17F}"/>
-              </a:ext>
-            </a:extLst>
-          </p:cNvPr>
-          <p:cNvSpPr>
-            <a:spLocks noChangeAspect="1" noChangeArrowheads="1"/>
-          </p:cNvSpPr>
-          <p:nvPr/>
-        </p:nvSpPr>
-        <p:spPr bwMode="auto">
-          <a:xfrm>
-            <a:off x="4572000" y="3429000"/>
-            <a:ext cx="2743200" cy="2743200"/>
-          </a:xfrm>
-          <a:prstGeom prst="rect">
-            <a:avLst/>
-          </a:prstGeom>
-          <a:noFill/>
-          <a:extLst>
-            <a:ext uri="{909E8E84-426E-40DD-AFC4-6F175D3DCCD1}">
-              <a14:hiddenFill xmlns:a14="http://schemas.microsoft.com/office/drawing/2010/main">
-                <a:solidFill>
-                  <a:srgbClr val="FFFFFF"/>
-                </a:solidFill>
-              </a14:hiddenFill>
-            </a:ext>
-          </a:extLst>
-        </p:spPr>
-        <p:txBody>
-          <a:bodyPr vert="horz" wrap="square" lIns="91440" tIns="45720" rIns="91440" bIns="45720" numCol="1" anchor="t" anchorCtr="0" compatLnSpc="1">
-            <a:prstTxWarp prst="textNoShape">
-              <a:avLst/>
-            </a:prstTxWarp>
-          </a:bodyPr>
-          <a:lstStyle/>
-          <a:p>
-            <a:endParaRPr lang="en-US"/>
-          </a:p>
-        </p:txBody>
-      </p:sp>
-      <p:pic>
-        <p:nvPicPr>
-          <p:cNvPr id="12" name="Picture 11" descr="Chart, scatter chart&#10;&#10;Description automatically generated">
-            <a:extLst>
-              <a:ext uri="{FF2B5EF4-FFF2-40B4-BE49-F238E27FC236}">
-                <a16:creationId xmlns:a16="http://schemas.microsoft.com/office/drawing/2014/main" id="{5BFEBAF4-BBC3-B84A-86DD-CEDC3AD81270}"/>
-              </a:ext>
-            </a:extLst>
-          </p:cNvPr>
-          <p:cNvPicPr>
-            <a:picLocks noChangeAspect="1"/>
-          </p:cNvPicPr>
-          <p:nvPr/>
-        </p:nvPicPr>
-        <p:blipFill>
-          <a:blip r:embed="rId3">
-            <a:extLst>
-              <a:ext uri="{28A0092B-C50C-407E-A947-70E740481C1C}">
-                <a14:useLocalDpi xmlns:a14="http://schemas.microsoft.com/office/drawing/2010/main" val="0"/>
-              </a:ext>
-            </a:extLst>
-          </a:blip>
-          <a:stretch>
-            <a:fillRect/>
-          </a:stretch>
-        </p:blipFill>
-        <p:spPr>
-          <a:xfrm>
-            <a:off x="3429000" y="2667000"/>
-            <a:ext cx="4648200" cy="3320143"/>
-          </a:xfrm>
-          <a:prstGeom prst="rect">
-            <a:avLst/>
-          </a:prstGeom>
-        </p:spPr>
-      </p:pic>
-      <p:sp>
-        <p:nvSpPr>
-          <p:cNvPr id="13" name="Rectangle 12">
-            <a:extLst>
-              <a:ext uri="{FF2B5EF4-FFF2-40B4-BE49-F238E27FC236}">
-                <a16:creationId xmlns:a16="http://schemas.microsoft.com/office/drawing/2014/main" id="{59EC3CD6-95F5-C84A-9C6B-0D509673AD60}"/>
-              </a:ext>
-            </a:extLst>
-          </p:cNvPr>
-          <p:cNvSpPr/>
-          <p:nvPr/>
-        </p:nvSpPr>
-        <p:spPr>
-          <a:xfrm>
-            <a:off x="527824" y="6102812"/>
-            <a:ext cx="8158976" cy="369332"/>
-          </a:xfrm>
-          <a:prstGeom prst="rect">
-            <a:avLst/>
-          </a:prstGeom>
-        </p:spPr>
-        <p:txBody>
-          <a:bodyPr wrap="square">
-            <a:spAutoFit/>
-          </a:bodyPr>
-          <a:lstStyle/>
-          <a:p>
-            <a:r>
-              <a:rPr lang="en-US" dirty="0">
-                <a:latin typeface="Helvetica" pitchFamily="2" charset="0"/>
-              </a:rPr>
-              <a:t>The effect of </a:t>
-            </a:r>
-            <a:r>
-              <a:rPr lang="en-US" b="1" dirty="0">
-                <a:latin typeface="Helvetica" pitchFamily="2" charset="0"/>
-              </a:rPr>
-              <a:t>supplement type </a:t>
-            </a:r>
-            <a:r>
-              <a:rPr lang="en-US" dirty="0">
-                <a:latin typeface="Helvetica" pitchFamily="2" charset="0"/>
-              </a:rPr>
-              <a:t>on cow weight </a:t>
-            </a:r>
-            <a:r>
-              <a:rPr lang="en-US" b="1" dirty="0">
-                <a:latin typeface="Helvetica" pitchFamily="2" charset="0"/>
-              </a:rPr>
-              <a:t>gain</a:t>
-            </a:r>
-            <a:r>
-              <a:rPr lang="en-US" dirty="0">
-                <a:latin typeface="Helvetica" pitchFamily="2" charset="0"/>
-              </a:rPr>
-              <a:t> depends on the diet.</a:t>
-            </a:r>
-            <a:endParaRPr lang="en-US" dirty="0">
-              <a:effectLst/>
-              <a:latin typeface="Helvetica" pitchFamily="2" charset="0"/>
-            </a:endParaRPr>
+          <a:p>
+            <a:pPr marL="0" indent="0">
+              <a:buNone/>
+            </a:pPr>
+            <a:endParaRPr lang="en-US" dirty="0"/>
+          </a:p>
+          <a:p>
+            <a:pPr marL="0" indent="0">
+              <a:buNone/>
+            </a:pPr>
+            <a:endParaRPr lang="en-US" dirty="0"/>
           </a:p>
         </p:txBody>
       </p:sp>
     </p:spTree>
     <p:extLst>
       <p:ext uri="{BB962C8B-B14F-4D97-AF65-F5344CB8AC3E}">
-        <p14:creationId xmlns:p14="http://schemas.microsoft.com/office/powerpoint/2010/main" val="2628020807"/>
+        <p14:creationId xmlns:p14="http://schemas.microsoft.com/office/powerpoint/2010/main" val="1738289481"/>
       </p:ext>
     </p:extLst>
   </p:cSld>

--- a/6-2Way_ANOVA.pptx
+++ b/6-2Way_ANOVA.pptx
@@ -5,34 +5,39 @@
     <p:sldMasterId id="2147483648" r:id="rId1"/>
   </p:sldMasterIdLst>
   <p:notesMasterIdLst>
-    <p:notesMasterId r:id="rId27"/>
+    <p:notesMasterId r:id="rId32"/>
   </p:notesMasterIdLst>
   <p:sldIdLst>
     <p:sldId id="256" r:id="rId2"/>
     <p:sldId id="454" r:id="rId3"/>
     <p:sldId id="456" r:id="rId4"/>
     <p:sldId id="457" r:id="rId5"/>
-    <p:sldId id="294" r:id="rId6"/>
-    <p:sldId id="277" r:id="rId7"/>
-    <p:sldId id="455" r:id="rId8"/>
-    <p:sldId id="458" r:id="rId9"/>
-    <p:sldId id="476" r:id="rId10"/>
-    <p:sldId id="459" r:id="rId11"/>
-    <p:sldId id="461" r:id="rId12"/>
-    <p:sldId id="460" r:id="rId13"/>
-    <p:sldId id="463" r:id="rId14"/>
-    <p:sldId id="464" r:id="rId15"/>
-    <p:sldId id="465" r:id="rId16"/>
-    <p:sldId id="466" r:id="rId17"/>
-    <p:sldId id="468" r:id="rId18"/>
-    <p:sldId id="469" r:id="rId19"/>
-    <p:sldId id="470" r:id="rId20"/>
-    <p:sldId id="471" r:id="rId21"/>
-    <p:sldId id="472" r:id="rId22"/>
-    <p:sldId id="473" r:id="rId23"/>
-    <p:sldId id="477" r:id="rId24"/>
-    <p:sldId id="475" r:id="rId25"/>
-    <p:sldId id="474" r:id="rId26"/>
+    <p:sldId id="478" r:id="rId6"/>
+    <p:sldId id="294" r:id="rId7"/>
+    <p:sldId id="277" r:id="rId8"/>
+    <p:sldId id="479" r:id="rId9"/>
+    <p:sldId id="455" r:id="rId10"/>
+    <p:sldId id="458" r:id="rId11"/>
+    <p:sldId id="476" r:id="rId12"/>
+    <p:sldId id="459" r:id="rId13"/>
+    <p:sldId id="461" r:id="rId14"/>
+    <p:sldId id="460" r:id="rId15"/>
+    <p:sldId id="463" r:id="rId16"/>
+    <p:sldId id="464" r:id="rId17"/>
+    <p:sldId id="465" r:id="rId18"/>
+    <p:sldId id="466" r:id="rId19"/>
+    <p:sldId id="468" r:id="rId20"/>
+    <p:sldId id="469" r:id="rId21"/>
+    <p:sldId id="470" r:id="rId22"/>
+    <p:sldId id="471" r:id="rId23"/>
+    <p:sldId id="472" r:id="rId24"/>
+    <p:sldId id="473" r:id="rId25"/>
+    <p:sldId id="477" r:id="rId26"/>
+    <p:sldId id="480" r:id="rId27"/>
+    <p:sldId id="481" r:id="rId28"/>
+    <p:sldId id="482" r:id="rId29"/>
+    <p:sldId id="475" r:id="rId30"/>
+    <p:sldId id="474" r:id="rId31"/>
   </p:sldIdLst>
   <p:sldSz cx="9144000" cy="6858000" type="screen4x3"/>
   <p:notesSz cx="6858000" cy="9144000"/>
@@ -232,7 +237,7 @@
           <a:p>
             <a:fld id="{6E40E0DB-E81D-7C41-8DEB-979E499DB144}" type="datetimeFigureOut">
               <a:rPr lang="en-US" smtClean="0"/>
-              <a:t>10/26/22</a:t>
+              <a:t>10/31/22</a:t>
             </a:fld>
             <a:endParaRPr lang="en-US"/>
           </a:p>
@@ -648,7 +653,7 @@
           <a:p>
             <a:fld id="{6B353BC0-57FA-2A49-8AE7-55F575BF1FEE}" type="slidenum">
               <a:rPr lang="en-US" smtClean="0"/>
-              <a:t>11</a:t>
+              <a:t>12</a:t>
             </a:fld>
             <a:endParaRPr lang="en-US"/>
           </a:p>
@@ -657,7 +662,7 @@
     </p:spTree>
     <p:extLst>
       <p:ext uri="{BB962C8B-B14F-4D97-AF65-F5344CB8AC3E}">
-        <p14:creationId xmlns:p14="http://schemas.microsoft.com/office/powerpoint/2010/main" val="348429990"/>
+        <p14:creationId xmlns:p14="http://schemas.microsoft.com/office/powerpoint/2010/main" val="2905805828"/>
       </p:ext>
     </p:extLst>
   </p:cSld>
@@ -732,7 +737,7 @@
           <a:p>
             <a:fld id="{6B353BC0-57FA-2A49-8AE7-55F575BF1FEE}" type="slidenum">
               <a:rPr lang="en-US" smtClean="0"/>
-              <a:t>12</a:t>
+              <a:t>13</a:t>
             </a:fld>
             <a:endParaRPr lang="en-US"/>
           </a:p>
@@ -741,7 +746,7 @@
     </p:spTree>
     <p:extLst>
       <p:ext uri="{BB962C8B-B14F-4D97-AF65-F5344CB8AC3E}">
-        <p14:creationId xmlns:p14="http://schemas.microsoft.com/office/powerpoint/2010/main" val="816591180"/>
+        <p14:creationId xmlns:p14="http://schemas.microsoft.com/office/powerpoint/2010/main" val="348429990"/>
       </p:ext>
     </p:extLst>
   </p:cSld>
@@ -816,7 +821,7 @@
           <a:p>
             <a:fld id="{6B353BC0-57FA-2A49-8AE7-55F575BF1FEE}" type="slidenum">
               <a:rPr lang="en-US" smtClean="0"/>
-              <a:t>13</a:t>
+              <a:t>14</a:t>
             </a:fld>
             <a:endParaRPr lang="en-US"/>
           </a:p>
@@ -825,7 +830,7 @@
     </p:spTree>
     <p:extLst>
       <p:ext uri="{BB962C8B-B14F-4D97-AF65-F5344CB8AC3E}">
-        <p14:creationId xmlns:p14="http://schemas.microsoft.com/office/powerpoint/2010/main" val="1336671663"/>
+        <p14:creationId xmlns:p14="http://schemas.microsoft.com/office/powerpoint/2010/main" val="816591180"/>
       </p:ext>
     </p:extLst>
   </p:cSld>
@@ -900,7 +905,7 @@
           <a:p>
             <a:fld id="{6B353BC0-57FA-2A49-8AE7-55F575BF1FEE}" type="slidenum">
               <a:rPr lang="en-US" smtClean="0"/>
-              <a:t>14</a:t>
+              <a:t>15</a:t>
             </a:fld>
             <a:endParaRPr lang="en-US"/>
           </a:p>
@@ -909,7 +914,7 @@
     </p:spTree>
     <p:extLst>
       <p:ext uri="{BB962C8B-B14F-4D97-AF65-F5344CB8AC3E}">
-        <p14:creationId xmlns:p14="http://schemas.microsoft.com/office/powerpoint/2010/main" val="189110231"/>
+        <p14:creationId xmlns:p14="http://schemas.microsoft.com/office/powerpoint/2010/main" val="1336671663"/>
       </p:ext>
     </p:extLst>
   </p:cSld>
@@ -984,7 +989,7 @@
           <a:p>
             <a:fld id="{6B353BC0-57FA-2A49-8AE7-55F575BF1FEE}" type="slidenum">
               <a:rPr lang="en-US" smtClean="0"/>
-              <a:t>15</a:t>
+              <a:t>16</a:t>
             </a:fld>
             <a:endParaRPr lang="en-US"/>
           </a:p>
@@ -993,7 +998,7 @@
     </p:spTree>
     <p:extLst>
       <p:ext uri="{BB962C8B-B14F-4D97-AF65-F5344CB8AC3E}">
-        <p14:creationId xmlns:p14="http://schemas.microsoft.com/office/powerpoint/2010/main" val="650989509"/>
+        <p14:creationId xmlns:p14="http://schemas.microsoft.com/office/powerpoint/2010/main" val="189110231"/>
       </p:ext>
     </p:extLst>
   </p:cSld>
@@ -1068,7 +1073,7 @@
           <a:p>
             <a:fld id="{6B353BC0-57FA-2A49-8AE7-55F575BF1FEE}" type="slidenum">
               <a:rPr lang="en-US" smtClean="0"/>
-              <a:t>16</a:t>
+              <a:t>17</a:t>
             </a:fld>
             <a:endParaRPr lang="en-US"/>
           </a:p>
@@ -1077,7 +1082,7 @@
     </p:spTree>
     <p:extLst>
       <p:ext uri="{BB962C8B-B14F-4D97-AF65-F5344CB8AC3E}">
-        <p14:creationId xmlns:p14="http://schemas.microsoft.com/office/powerpoint/2010/main" val="550068440"/>
+        <p14:creationId xmlns:p14="http://schemas.microsoft.com/office/powerpoint/2010/main" val="650989509"/>
       </p:ext>
     </p:extLst>
   </p:cSld>
@@ -1152,7 +1157,7 @@
           <a:p>
             <a:fld id="{6B353BC0-57FA-2A49-8AE7-55F575BF1FEE}" type="slidenum">
               <a:rPr lang="en-US" smtClean="0"/>
-              <a:t>17</a:t>
+              <a:t>18</a:t>
             </a:fld>
             <a:endParaRPr lang="en-US"/>
           </a:p>
@@ -1161,7 +1166,7 @@
     </p:spTree>
     <p:extLst>
       <p:ext uri="{BB962C8B-B14F-4D97-AF65-F5344CB8AC3E}">
-        <p14:creationId xmlns:p14="http://schemas.microsoft.com/office/powerpoint/2010/main" val="2438609050"/>
+        <p14:creationId xmlns:p14="http://schemas.microsoft.com/office/powerpoint/2010/main" val="550068440"/>
       </p:ext>
     </p:extLst>
   </p:cSld>
@@ -1236,7 +1241,7 @@
           <a:p>
             <a:fld id="{6B353BC0-57FA-2A49-8AE7-55F575BF1FEE}" type="slidenum">
               <a:rPr lang="en-US" smtClean="0"/>
-              <a:t>18</a:t>
+              <a:t>19</a:t>
             </a:fld>
             <a:endParaRPr lang="en-US"/>
           </a:p>
@@ -1245,7 +1250,7 @@
     </p:spTree>
     <p:extLst>
       <p:ext uri="{BB962C8B-B14F-4D97-AF65-F5344CB8AC3E}">
-        <p14:creationId xmlns:p14="http://schemas.microsoft.com/office/powerpoint/2010/main" val="1598582510"/>
+        <p14:creationId xmlns:p14="http://schemas.microsoft.com/office/powerpoint/2010/main" val="2438609050"/>
       </p:ext>
     </p:extLst>
   </p:cSld>
@@ -1299,43 +1304,7 @@
           <a:bodyPr/>
           <a:lstStyle/>
           <a:p>
-            <a:r>
-              <a:rPr lang="en-US" dirty="0"/>
-              <a:t>https://</a:t>
-            </a:r>
-            <a:r>
-              <a:rPr lang="en-US" dirty="0" err="1"/>
-              <a:t>www.statology.org</a:t>
-            </a:r>
-            <a:r>
-              <a:rPr lang="en-US" dirty="0"/>
-              <a:t>/</a:t>
-            </a:r>
-            <a:r>
-              <a:rPr lang="en-US" dirty="0" err="1"/>
-              <a:t>dplyr</a:t>
-            </a:r>
-            <a:r>
-              <a:rPr lang="en-US" dirty="0"/>
-              <a:t>-remove-</a:t>
-            </a:r>
-            <a:r>
-              <a:rPr lang="en-US" dirty="0" err="1"/>
-              <a:t>na</a:t>
-            </a:r>
-            <a:r>
-              <a:rPr lang="en-US" dirty="0"/>
-              <a:t>/ </a:t>
-            </a:r>
-          </a:p>
-          <a:p>
             <a:endParaRPr lang="en-US" dirty="0"/>
-          </a:p>
-          <a:p>
-            <a:r>
-              <a:rPr lang="en-US" dirty="0"/>
-              <a:t>####### this could be helpful ###########</a:t>
-            </a:r>
           </a:p>
         </p:txBody>
       </p:sp>
@@ -1356,7 +1325,7 @@
           <a:p>
             <a:fld id="{6B353BC0-57FA-2A49-8AE7-55F575BF1FEE}" type="slidenum">
               <a:rPr lang="en-US" smtClean="0"/>
-              <a:t>19</a:t>
+              <a:t>20</a:t>
             </a:fld>
             <a:endParaRPr lang="en-US"/>
           </a:p>
@@ -1365,7 +1334,7 @@
     </p:spTree>
     <p:extLst>
       <p:ext uri="{BB962C8B-B14F-4D97-AF65-F5344CB8AC3E}">
-        <p14:creationId xmlns:p14="http://schemas.microsoft.com/office/powerpoint/2010/main" val="2474379329"/>
+        <p14:creationId xmlns:p14="http://schemas.microsoft.com/office/powerpoint/2010/main" val="1598582510"/>
       </p:ext>
     </p:extLst>
   </p:cSld>
@@ -1419,7 +1388,43 @@
           <a:bodyPr/>
           <a:lstStyle/>
           <a:p>
+            <a:r>
+              <a:rPr lang="en-US" dirty="0"/>
+              <a:t>https://</a:t>
+            </a:r>
+            <a:r>
+              <a:rPr lang="en-US" dirty="0" err="1"/>
+              <a:t>www.statology.org</a:t>
+            </a:r>
+            <a:r>
+              <a:rPr lang="en-US" dirty="0"/>
+              <a:t>/</a:t>
+            </a:r>
+            <a:r>
+              <a:rPr lang="en-US" dirty="0" err="1"/>
+              <a:t>dplyr</a:t>
+            </a:r>
+            <a:r>
+              <a:rPr lang="en-US" dirty="0"/>
+              <a:t>-remove-</a:t>
+            </a:r>
+            <a:r>
+              <a:rPr lang="en-US" dirty="0" err="1"/>
+              <a:t>na</a:t>
+            </a:r>
+            <a:r>
+              <a:rPr lang="en-US" dirty="0"/>
+              <a:t>/ </a:t>
+            </a:r>
+          </a:p>
+          <a:p>
             <a:endParaRPr lang="en-US" dirty="0"/>
+          </a:p>
+          <a:p>
+            <a:r>
+              <a:rPr lang="en-US" dirty="0"/>
+              <a:t>####### this could be helpful ###########</a:t>
+            </a:r>
           </a:p>
         </p:txBody>
       </p:sp>
@@ -1440,7 +1445,7 @@
           <a:p>
             <a:fld id="{6B353BC0-57FA-2A49-8AE7-55F575BF1FEE}" type="slidenum">
               <a:rPr lang="en-US" smtClean="0"/>
-              <a:t>20</a:t>
+              <a:t>21</a:t>
             </a:fld>
             <a:endParaRPr lang="en-US"/>
           </a:p>
@@ -1449,7 +1454,7 @@
     </p:spTree>
     <p:extLst>
       <p:ext uri="{BB962C8B-B14F-4D97-AF65-F5344CB8AC3E}">
-        <p14:creationId xmlns:p14="http://schemas.microsoft.com/office/powerpoint/2010/main" val="743019849"/>
+        <p14:creationId xmlns:p14="http://schemas.microsoft.com/office/powerpoint/2010/main" val="2474379329"/>
       </p:ext>
     </p:extLst>
   </p:cSld>
@@ -1608,7 +1613,7 @@
           <a:p>
             <a:fld id="{6B353BC0-57FA-2A49-8AE7-55F575BF1FEE}" type="slidenum">
               <a:rPr lang="en-US" smtClean="0"/>
-              <a:t>21</a:t>
+              <a:t>22</a:t>
             </a:fld>
             <a:endParaRPr lang="en-US"/>
           </a:p>
@@ -1617,7 +1622,7 @@
     </p:spTree>
     <p:extLst>
       <p:ext uri="{BB962C8B-B14F-4D97-AF65-F5344CB8AC3E}">
-        <p14:creationId xmlns:p14="http://schemas.microsoft.com/office/powerpoint/2010/main" val="542027498"/>
+        <p14:creationId xmlns:p14="http://schemas.microsoft.com/office/powerpoint/2010/main" val="743019849"/>
       </p:ext>
     </p:extLst>
   </p:cSld>
@@ -1692,7 +1697,7 @@
           <a:p>
             <a:fld id="{6B353BC0-57FA-2A49-8AE7-55F575BF1FEE}" type="slidenum">
               <a:rPr lang="en-US" smtClean="0"/>
-              <a:t>22</a:t>
+              <a:t>23</a:t>
             </a:fld>
             <a:endParaRPr lang="en-US"/>
           </a:p>
@@ -1701,7 +1706,7 @@
     </p:spTree>
     <p:extLst>
       <p:ext uri="{BB962C8B-B14F-4D97-AF65-F5344CB8AC3E}">
-        <p14:creationId xmlns:p14="http://schemas.microsoft.com/office/powerpoint/2010/main" val="3122561233"/>
+        <p14:creationId xmlns:p14="http://schemas.microsoft.com/office/powerpoint/2010/main" val="542027498"/>
       </p:ext>
     </p:extLst>
   </p:cSld>
@@ -1755,44 +1760,6 @@
           <a:bodyPr/>
           <a:lstStyle/>
           <a:p>
-            <a:r>
-              <a:rPr lang="en-US" dirty="0"/>
-              <a:t>Interaction </a:t>
-            </a:r>
-            <a:r>
-              <a:rPr lang="en-US"/>
-              <a:t>contrasts: </a:t>
-            </a:r>
-          </a:p>
-          <a:p>
-            <a:r>
-              <a:rPr lang="en-US"/>
-              <a:t>https</a:t>
-            </a:r>
-            <a:r>
-              <a:rPr lang="en-US" dirty="0"/>
-              <a:t>://</a:t>
-            </a:r>
-            <a:r>
-              <a:rPr lang="en-US" dirty="0" err="1"/>
-              <a:t>cran.r-project.org</a:t>
-            </a:r>
-            <a:r>
-              <a:rPr lang="en-US" dirty="0"/>
-              <a:t>/web/packages/</a:t>
-            </a:r>
-            <a:r>
-              <a:rPr lang="en-US" dirty="0" err="1"/>
-              <a:t>emmeans</a:t>
-            </a:r>
-            <a:r>
-              <a:rPr lang="en-US" dirty="0"/>
-              <a:t>/vignettes/</a:t>
-            </a:r>
-            <a:r>
-              <a:rPr lang="en-US" dirty="0" err="1"/>
-              <a:t>interactions.html</a:t>
-            </a:r>
             <a:endParaRPr lang="en-US" dirty="0"/>
           </a:p>
         </p:txBody>
@@ -1815,6 +1782,128 @@
             <a:fld id="{6B353BC0-57FA-2A49-8AE7-55F575BF1FEE}" type="slidenum">
               <a:rPr lang="en-US" smtClean="0"/>
               <a:t>24</a:t>
+            </a:fld>
+            <a:endParaRPr lang="en-US"/>
+          </a:p>
+        </p:txBody>
+      </p:sp>
+    </p:spTree>
+    <p:extLst>
+      <p:ext uri="{BB962C8B-B14F-4D97-AF65-F5344CB8AC3E}">
+        <p14:creationId xmlns:p14="http://schemas.microsoft.com/office/powerpoint/2010/main" val="3122561233"/>
+      </p:ext>
+    </p:extLst>
+  </p:cSld>
+  <p:clrMapOvr>
+    <a:masterClrMapping/>
+  </p:clrMapOvr>
+</p:notes>
+</file>
+
+<file path=ppt/notesSlides/notesSlide23.xml><?xml version="1.0" encoding="utf-8"?>
+<p:notes xmlns:a="http://schemas.openxmlformats.org/drawingml/2006/main" xmlns:r="http://schemas.openxmlformats.org/officeDocument/2006/relationships" xmlns:p="http://schemas.openxmlformats.org/presentationml/2006/main">
+  <p:cSld>
+    <p:spTree>
+      <p:nvGrpSpPr>
+        <p:cNvPr id="1" name=""/>
+        <p:cNvGrpSpPr/>
+        <p:nvPr/>
+      </p:nvGrpSpPr>
+      <p:grpSpPr>
+        <a:xfrm>
+          <a:off x="0" y="0"/>
+          <a:ext cx="0" cy="0"/>
+          <a:chOff x="0" y="0"/>
+          <a:chExt cx="0" cy="0"/>
+        </a:xfrm>
+      </p:grpSpPr>
+      <p:sp>
+        <p:nvSpPr>
+          <p:cNvPr id="2" name="Slide Image Placeholder 1"/>
+          <p:cNvSpPr>
+            <a:spLocks noGrp="1" noRot="1" noChangeAspect="1"/>
+          </p:cNvSpPr>
+          <p:nvPr>
+            <p:ph type="sldImg"/>
+          </p:nvPr>
+        </p:nvSpPr>
+        <p:spPr/>
+      </p:sp>
+      <p:sp>
+        <p:nvSpPr>
+          <p:cNvPr id="3" name="Notes Placeholder 2"/>
+          <p:cNvSpPr>
+            <a:spLocks noGrp="1"/>
+          </p:cNvSpPr>
+          <p:nvPr>
+            <p:ph type="body" idx="1"/>
+          </p:nvPr>
+        </p:nvSpPr>
+        <p:spPr/>
+        <p:txBody>
+          <a:bodyPr/>
+          <a:lstStyle/>
+          <a:p>
+            <a:r>
+              <a:rPr lang="en-US" dirty="0"/>
+              <a:t>Interaction </a:t>
+            </a:r>
+            <a:r>
+              <a:rPr lang="en-US"/>
+              <a:t>contrasts: </a:t>
+            </a:r>
+          </a:p>
+          <a:p>
+            <a:r>
+              <a:rPr lang="en-US"/>
+              <a:t>https</a:t>
+            </a:r>
+            <a:r>
+              <a:rPr lang="en-US" dirty="0"/>
+              <a:t>://</a:t>
+            </a:r>
+            <a:r>
+              <a:rPr lang="en-US" dirty="0" err="1"/>
+              <a:t>cran.r-project.org</a:t>
+            </a:r>
+            <a:r>
+              <a:rPr lang="en-US" dirty="0"/>
+              <a:t>/web/packages/</a:t>
+            </a:r>
+            <a:r>
+              <a:rPr lang="en-US" dirty="0" err="1"/>
+              <a:t>emmeans</a:t>
+            </a:r>
+            <a:r>
+              <a:rPr lang="en-US" dirty="0"/>
+              <a:t>/vignettes/</a:t>
+            </a:r>
+            <a:r>
+              <a:rPr lang="en-US" dirty="0" err="1"/>
+              <a:t>interactions.html</a:t>
+            </a:r>
+            <a:endParaRPr lang="en-US" dirty="0"/>
+          </a:p>
+        </p:txBody>
+      </p:sp>
+      <p:sp>
+        <p:nvSpPr>
+          <p:cNvPr id="4" name="Slide Number Placeholder 3"/>
+          <p:cNvSpPr>
+            <a:spLocks noGrp="1"/>
+          </p:cNvSpPr>
+          <p:nvPr>
+            <p:ph type="sldNum" sz="quarter" idx="5"/>
+          </p:nvPr>
+        </p:nvSpPr>
+        <p:spPr/>
+        <p:txBody>
+          <a:bodyPr/>
+          <a:lstStyle/>
+          <a:p>
+            <a:fld id="{6B353BC0-57FA-2A49-8AE7-55F575BF1FEE}" type="slidenum">
+              <a:rPr lang="en-US" smtClean="0"/>
+              <a:t>29</a:t>
             </a:fld>
             <a:endParaRPr lang="en-US"/>
           </a:p>
@@ -1985,7 +2074,7 @@
           <a:p>
             <a:fld id="{E4D746AE-D8C2-414E-95A8-E72CD9D02E2D}" type="slidenum">
               <a:rPr lang="en-US" smtClean="0"/>
-              <a:t>5</a:t>
+              <a:t>6</a:t>
             </a:fld>
             <a:endParaRPr lang="en-US"/>
           </a:p>
@@ -2078,7 +2167,7 @@
           <a:p>
             <a:fld id="{D39D95AB-5E5D-1F4C-A812-2DEC98EA1B14}" type="slidenum">
               <a:rPr lang="en-US" smtClean="0"/>
-              <a:t>6</a:t>
+              <a:t>7</a:t>
             </a:fld>
             <a:endParaRPr lang="en-US"/>
           </a:p>
@@ -2141,7 +2230,16 @@
           <a:bodyPr/>
           <a:lstStyle/>
           <a:p>
-            <a:endParaRPr lang="en-US" dirty="0"/>
+            <a:r>
+              <a:rPr lang="en-US" dirty="0"/>
+              <a:t>Because sometimes we are interested in the interaction explicitly.</a:t>
+            </a:r>
+          </a:p>
+          <a:p>
+            <a:r>
+              <a:rPr lang="en-US" dirty="0"/>
+              <a:t>Also run into family-wise error rate issues (need to correct for that)</a:t>
+            </a:r>
           </a:p>
         </p:txBody>
       </p:sp>
@@ -2152,7 +2250,7 @@
             <a:spLocks noGrp="1"/>
           </p:cNvSpPr>
           <p:nvPr>
-            <p:ph type="sldNum" sz="quarter" idx="5"/>
+            <p:ph type="sldNum" sz="quarter" idx="10"/>
           </p:nvPr>
         </p:nvSpPr>
         <p:spPr/>
@@ -2160,9 +2258,9 @@
           <a:bodyPr/>
           <a:lstStyle/>
           <a:p>
-            <a:fld id="{6B353BC0-57FA-2A49-8AE7-55F575BF1FEE}" type="slidenum">
+            <a:fld id="{D39D95AB-5E5D-1F4C-A812-2DEC98EA1B14}" type="slidenum">
               <a:rPr lang="en-US" smtClean="0"/>
-              <a:t>7</a:t>
+              <a:t>8</a:t>
             </a:fld>
             <a:endParaRPr lang="en-US"/>
           </a:p>
@@ -2171,7 +2269,7 @@
     </p:spTree>
     <p:extLst>
       <p:ext uri="{BB962C8B-B14F-4D97-AF65-F5344CB8AC3E}">
-        <p14:creationId xmlns:p14="http://schemas.microsoft.com/office/powerpoint/2010/main" val="325663947"/>
+        <p14:creationId xmlns:p14="http://schemas.microsoft.com/office/powerpoint/2010/main" val="4104112393"/>
       </p:ext>
     </p:extLst>
   </p:cSld>
@@ -2246,7 +2344,7 @@
           <a:p>
             <a:fld id="{6B353BC0-57FA-2A49-8AE7-55F575BF1FEE}" type="slidenum">
               <a:rPr lang="en-US" smtClean="0"/>
-              <a:t>8</a:t>
+              <a:t>9</a:t>
             </a:fld>
             <a:endParaRPr lang="en-US"/>
           </a:p>
@@ -2255,7 +2353,7 @@
     </p:spTree>
     <p:extLst>
       <p:ext uri="{BB962C8B-B14F-4D97-AF65-F5344CB8AC3E}">
-        <p14:creationId xmlns:p14="http://schemas.microsoft.com/office/powerpoint/2010/main" val="4220440123"/>
+        <p14:creationId xmlns:p14="http://schemas.microsoft.com/office/powerpoint/2010/main" val="325663947"/>
       </p:ext>
     </p:extLst>
   </p:cSld>
@@ -2330,7 +2428,7 @@
           <a:p>
             <a:fld id="{6B353BC0-57FA-2A49-8AE7-55F575BF1FEE}" type="slidenum">
               <a:rPr lang="en-US" smtClean="0"/>
-              <a:t>9</a:t>
+              <a:t>10</a:t>
             </a:fld>
             <a:endParaRPr lang="en-US"/>
           </a:p>
@@ -2339,7 +2437,7 @@
     </p:spTree>
     <p:extLst>
       <p:ext uri="{BB962C8B-B14F-4D97-AF65-F5344CB8AC3E}">
-        <p14:creationId xmlns:p14="http://schemas.microsoft.com/office/powerpoint/2010/main" val="4073309289"/>
+        <p14:creationId xmlns:p14="http://schemas.microsoft.com/office/powerpoint/2010/main" val="4220440123"/>
       </p:ext>
     </p:extLst>
   </p:cSld>
@@ -2414,7 +2512,7 @@
           <a:p>
             <a:fld id="{6B353BC0-57FA-2A49-8AE7-55F575BF1FEE}" type="slidenum">
               <a:rPr lang="en-US" smtClean="0"/>
-              <a:t>10</a:t>
+              <a:t>11</a:t>
             </a:fld>
             <a:endParaRPr lang="en-US"/>
           </a:p>
@@ -2423,7 +2521,7 @@
     </p:spTree>
     <p:extLst>
       <p:ext uri="{BB962C8B-B14F-4D97-AF65-F5344CB8AC3E}">
-        <p14:creationId xmlns:p14="http://schemas.microsoft.com/office/powerpoint/2010/main" val="2905805828"/>
+        <p14:creationId xmlns:p14="http://schemas.microsoft.com/office/powerpoint/2010/main" val="4073309289"/>
       </p:ext>
     </p:extLst>
   </p:cSld>
@@ -2612,7 +2710,7 @@
           <a:p>
             <a:fld id="{0D162873-51CE-49DA-B98E-BAD067B56C8D}" type="datetimeFigureOut">
               <a:rPr lang="en-US" smtClean="0"/>
-              <a:t>10/26/22</a:t>
+              <a:t>10/31/22</a:t>
             </a:fld>
             <a:endParaRPr lang="en-US"/>
           </a:p>
@@ -2780,7 +2878,7 @@
           <a:p>
             <a:fld id="{0D162873-51CE-49DA-B98E-BAD067B56C8D}" type="datetimeFigureOut">
               <a:rPr lang="en-US" smtClean="0"/>
-              <a:t>10/26/22</a:t>
+              <a:t>10/31/22</a:t>
             </a:fld>
             <a:endParaRPr lang="en-US"/>
           </a:p>
@@ -2958,7 +3056,7 @@
           <a:p>
             <a:fld id="{0D162873-51CE-49DA-B98E-BAD067B56C8D}" type="datetimeFigureOut">
               <a:rPr lang="en-US" smtClean="0"/>
-              <a:t>10/26/22</a:t>
+              <a:t>10/31/22</a:t>
             </a:fld>
             <a:endParaRPr lang="en-US"/>
           </a:p>
@@ -3338,7 +3436,7 @@
           <a:p>
             <a:fld id="{0D162873-51CE-49DA-B98E-BAD067B56C8D}" type="datetimeFigureOut">
               <a:rPr lang="en-US" smtClean="0"/>
-              <a:t>10/26/22</a:t>
+              <a:t>10/31/22</a:t>
             </a:fld>
             <a:endParaRPr lang="en-US"/>
           </a:p>
@@ -3623,7 +3721,7 @@
           <a:p>
             <a:fld id="{0D162873-51CE-49DA-B98E-BAD067B56C8D}" type="datetimeFigureOut">
               <a:rPr lang="en-US" smtClean="0"/>
-              <a:t>10/26/22</a:t>
+              <a:t>10/31/22</a:t>
             </a:fld>
             <a:endParaRPr lang="en-US"/>
           </a:p>
@@ -4042,7 +4140,7 @@
           <a:p>
             <a:fld id="{0D162873-51CE-49DA-B98E-BAD067B56C8D}" type="datetimeFigureOut">
               <a:rPr lang="en-US" smtClean="0"/>
-              <a:t>10/26/22</a:t>
+              <a:t>10/31/22</a:t>
             </a:fld>
             <a:endParaRPr lang="en-US"/>
           </a:p>
@@ -4159,7 +4257,7 @@
           <a:p>
             <a:fld id="{0D162873-51CE-49DA-B98E-BAD067B56C8D}" type="datetimeFigureOut">
               <a:rPr lang="en-US" smtClean="0"/>
-              <a:t>10/26/22</a:t>
+              <a:t>10/31/22</a:t>
             </a:fld>
             <a:endParaRPr lang="en-US"/>
           </a:p>
@@ -4254,7 +4352,7 @@
           <a:p>
             <a:fld id="{0D162873-51CE-49DA-B98E-BAD067B56C8D}" type="datetimeFigureOut">
               <a:rPr lang="en-US" smtClean="0"/>
-              <a:t>10/26/22</a:t>
+              <a:t>10/31/22</a:t>
             </a:fld>
             <a:endParaRPr lang="en-US"/>
           </a:p>
@@ -4529,7 +4627,7 @@
           <a:p>
             <a:fld id="{0D162873-51CE-49DA-B98E-BAD067B56C8D}" type="datetimeFigureOut">
               <a:rPr lang="en-US" smtClean="0"/>
-              <a:t>10/26/22</a:t>
+              <a:t>10/31/22</a:t>
             </a:fld>
             <a:endParaRPr lang="en-US"/>
           </a:p>
@@ -4781,7 +4879,7 @@
           <a:p>
             <a:fld id="{0D162873-51CE-49DA-B98E-BAD067B56C8D}" type="datetimeFigureOut">
               <a:rPr lang="en-US" smtClean="0"/>
-              <a:t>10/26/22</a:t>
+              <a:t>10/31/22</a:t>
             </a:fld>
             <a:endParaRPr lang="en-US"/>
           </a:p>
@@ -4992,7 +5090,7 @@
           <a:p>
             <a:fld id="{0D162873-51CE-49DA-B98E-BAD067B56C8D}" type="datetimeFigureOut">
               <a:rPr lang="en-US" smtClean="0"/>
-              <a:t>10/26/22</a:t>
+              <a:t>10/31/22</a:t>
             </a:fld>
             <a:endParaRPr lang="en-US"/>
           </a:p>
@@ -5488,7 +5586,7 @@
         </p:nvSpPr>
         <p:spPr>
           <a:xfrm>
-            <a:off x="457200" y="76200"/>
+            <a:off x="152400" y="0"/>
             <a:ext cx="8229600" cy="944562"/>
           </a:xfrm>
         </p:spPr>
@@ -5523,13 +5621,13 @@
         </p:nvSpPr>
         <p:spPr>
           <a:xfrm>
-            <a:off x="457200" y="1020762"/>
-            <a:ext cx="8382000" cy="5532438"/>
+            <a:off x="457200" y="838200"/>
+            <a:ext cx="8382000" cy="5943600"/>
           </a:xfrm>
         </p:spPr>
         <p:txBody>
           <a:bodyPr>
-            <a:normAutofit/>
+            <a:normAutofit fontScale="92500" lnSpcReduction="10000"/>
           </a:bodyPr>
           <a:lstStyle/>
           <a:p>
@@ -5537,53 +5635,280 @@
               <a:buNone/>
             </a:pPr>
             <a:r>
-              <a:rPr lang="en-US" dirty="0"/>
-              <a:t>Here we employ the function </a:t>
-            </a:r>
-            <a:r>
-              <a:rPr lang="en-US" dirty="0">
+              <a:rPr lang="en-US" sz="2600" dirty="0" err="1"/>
+              <a:t>growth.moo</a:t>
+            </a:r>
+            <a:r>
+              <a:rPr lang="en-US" sz="2600" dirty="0"/>
+              <a:t> &lt;- </a:t>
+            </a:r>
+            <a:r>
+              <a:rPr lang="en-US" sz="2600" dirty="0" err="1">
                 <a:solidFill>
                   <a:srgbClr val="C00000"/>
                 </a:solidFill>
               </a:rPr>
-              <a:t>relevel()</a:t>
-            </a:r>
-            <a:r>
-              <a:rPr lang="en-US" dirty="0"/>
-              <a:t>, which creates a new reference level by re-ordering levels of the factor. </a:t>
-            </a:r>
-          </a:p>
-          <a:p>
-            <a:pPr marL="0" indent="0">
-              <a:buNone/>
-            </a:pPr>
-            <a:r>
-              <a:rPr lang="en-US" dirty="0"/>
-              <a:t>We use it with the </a:t>
-            </a:r>
-            <a:r>
-              <a:rPr lang="en-US" dirty="0">
+              <a:t>read_csv</a:t>
+            </a:r>
+            <a:r>
+              <a:rPr lang="en-US" sz="2600" dirty="0"/>
+              <a:t>("</a:t>
+            </a:r>
+            <a:r>
+              <a:rPr lang="en-US" sz="2600" dirty="0" err="1"/>
+              <a:t>growth.csv</a:t>
+            </a:r>
+            <a:r>
+              <a:rPr lang="en-US" sz="2600" dirty="0"/>
+              <a:t>")</a:t>
+            </a:r>
+          </a:p>
+          <a:p>
+            <a:pPr marL="0" indent="0">
+              <a:buNone/>
+            </a:pPr>
+            <a:endParaRPr lang="en-US" sz="2600" dirty="0"/>
+          </a:p>
+          <a:p>
+            <a:pPr marL="0" indent="0">
+              <a:buNone/>
+            </a:pPr>
+            <a:r>
+              <a:rPr lang="en-US" sz="2600" dirty="0">
                 <a:solidFill>
                   <a:srgbClr val="C00000"/>
                 </a:solidFill>
               </a:rPr>
-              <a:t>mutate() </a:t>
-            </a:r>
-            <a:r>
-              <a:rPr lang="en-US" dirty="0"/>
-              <a:t>function from </a:t>
-            </a:r>
-            <a:r>
-              <a:rPr lang="en-US" dirty="0" err="1">
+              <a:t>glimpse</a:t>
+            </a:r>
+            <a:r>
+              <a:rPr lang="en-US" sz="2600" dirty="0"/>
+              <a:t>(</a:t>
+            </a:r>
+            <a:r>
+              <a:rPr lang="en-US" sz="2600" dirty="0" err="1"/>
+              <a:t>growth.moo</a:t>
+            </a:r>
+            <a:r>
+              <a:rPr lang="en-US" sz="2600" dirty="0"/>
+              <a:t>)</a:t>
+            </a:r>
+          </a:p>
+          <a:p>
+            <a:pPr marL="0" indent="0">
+              <a:buNone/>
+            </a:pPr>
+            <a:endParaRPr lang="en-US" dirty="0"/>
+          </a:p>
+          <a:p>
+            <a:pPr marL="0" indent="0">
+              <a:buNone/>
+            </a:pPr>
+            <a:r>
+              <a:rPr lang="en-US" sz="1600" dirty="0"/>
+              <a:t>#Rows: 48</a:t>
+            </a:r>
+          </a:p>
+          <a:p>
+            <a:pPr marL="0" indent="0">
+              <a:buNone/>
+            </a:pPr>
+            <a:r>
+              <a:rPr lang="en-US" sz="1600" dirty="0"/>
+              <a:t>#Columns: 3</a:t>
+            </a:r>
+          </a:p>
+          <a:p>
+            <a:pPr marL="0" indent="0">
+              <a:buNone/>
+            </a:pPr>
+            <a:r>
+              <a:rPr lang="en-US" sz="1600" dirty="0"/>
+              <a:t>#$ supplement &lt;</a:t>
+            </a:r>
+            <a:r>
+              <a:rPr lang="en-US" sz="1600" dirty="0" err="1"/>
+              <a:t>chr</a:t>
+            </a:r>
+            <a:r>
+              <a:rPr lang="en-US" sz="1600" dirty="0"/>
+              <a:t>&gt; "</a:t>
+            </a:r>
+            <a:r>
+              <a:rPr lang="en-US" sz="1600" dirty="0" err="1"/>
+              <a:t>supergain</a:t>
+            </a:r>
+            <a:r>
+              <a:rPr lang="en-US" sz="1600" dirty="0"/>
+              <a:t>", "</a:t>
+            </a:r>
+            <a:r>
+              <a:rPr lang="en-US" sz="1600" dirty="0" err="1"/>
+              <a:t>supergain</a:t>
+            </a:r>
+            <a:r>
+              <a:rPr lang="en-US" sz="1600" dirty="0"/>
+              <a:t>", "</a:t>
+            </a:r>
+            <a:r>
+              <a:rPr lang="en-US" sz="1600" dirty="0" err="1"/>
+              <a:t>supergain</a:t>
+            </a:r>
+            <a:r>
+              <a:rPr lang="en-US" sz="1600" dirty="0"/>
+              <a:t>", "</a:t>
+            </a:r>
+            <a:r>
+              <a:rPr lang="en-US" sz="1600" dirty="0" err="1"/>
+              <a:t>supergain</a:t>
+            </a:r>
+            <a:r>
+              <a:rPr lang="en-US" sz="1600" dirty="0"/>
+              <a:t>", "control", "</a:t>
+            </a:r>
+            <a:r>
+              <a:rPr lang="en-US" sz="1600" dirty="0" err="1"/>
+              <a:t>contr</a:t>
+            </a:r>
+            <a:r>
+              <a:rPr lang="en-US" sz="1600" dirty="0"/>
+              <a:t>…</a:t>
+            </a:r>
+          </a:p>
+          <a:p>
+            <a:pPr marL="0" indent="0">
+              <a:buNone/>
+            </a:pPr>
+            <a:r>
+              <a:rPr lang="en-US" sz="1600" dirty="0"/>
+              <a:t>#$ diet       &lt;</a:t>
+            </a:r>
+            <a:r>
+              <a:rPr lang="en-US" sz="1600" dirty="0" err="1"/>
+              <a:t>chr</a:t>
+            </a:r>
+            <a:r>
+              <a:rPr lang="en-US" sz="1600" dirty="0"/>
+              <a:t>&gt; "wheat", "wheat", "wheat", "wheat", "wheat", "wheat", "wheat", "wheat…</a:t>
+            </a:r>
+          </a:p>
+          <a:p>
+            <a:pPr marL="0" indent="0">
+              <a:buNone/>
+            </a:pPr>
+            <a:r>
+              <a:rPr lang="en-US" sz="1600" dirty="0"/>
+              <a:t>#$ gain       &lt;</a:t>
+            </a:r>
+            <a:r>
+              <a:rPr lang="en-US" sz="1600" dirty="0" err="1"/>
+              <a:t>dbl</a:t>
+            </a:r>
+            <a:r>
+              <a:rPr lang="en-US" sz="1600" dirty="0"/>
+              <a:t>&gt; 17.37125, 16.81489, 18.08184, 15.78175, 17.70656, 18.22717, 16.08650,…</a:t>
+            </a:r>
+          </a:p>
+          <a:p>
+            <a:pPr marL="0" indent="0">
+              <a:buNone/>
+            </a:pPr>
+            <a:endParaRPr lang="en-US" sz="1600" dirty="0"/>
+          </a:p>
+          <a:p>
+            <a:pPr marL="0" indent="0">
+              <a:buNone/>
+            </a:pPr>
+            <a:r>
+              <a:rPr lang="en-US" sz="2600" dirty="0"/>
+              <a:t># It doesn’t that know that diet and supplement should be</a:t>
+            </a:r>
+          </a:p>
+          <a:p>
+            <a:pPr marL="0" indent="0">
+              <a:buNone/>
+            </a:pPr>
+            <a:r>
+              <a:rPr lang="en-US" sz="2600" dirty="0"/>
+              <a:t># considered as factors (some packages can still deal with it as is)</a:t>
+            </a:r>
+          </a:p>
+          <a:p>
+            <a:pPr marL="0" indent="0">
+              <a:buNone/>
+            </a:pPr>
+            <a:endParaRPr lang="en-US" sz="2600" dirty="0"/>
+          </a:p>
+          <a:p>
+            <a:pPr marL="0" indent="0">
+              <a:buNone/>
+            </a:pPr>
+            <a:r>
+              <a:rPr lang="en-US" sz="2600" dirty="0" err="1"/>
+              <a:t>growth.moo$diet</a:t>
+            </a:r>
+            <a:r>
+              <a:rPr lang="en-US" sz="2600" dirty="0"/>
+              <a:t> &lt;-</a:t>
+            </a:r>
+            <a:r>
+              <a:rPr lang="en-US" sz="2600" dirty="0" err="1">
                 <a:solidFill>
                   <a:srgbClr val="C00000"/>
                 </a:solidFill>
               </a:rPr>
-              <a:t>dplyr</a:t>
-            </a:r>
-            <a:r>
-              <a:rPr lang="en-US" dirty="0"/>
-              <a:t>:</a:t>
+              <a:t>as.factor</a:t>
+            </a:r>
+            <a:r>
+              <a:rPr lang="en-US" sz="2600" dirty="0"/>
+              <a:t>(</a:t>
+            </a:r>
+            <a:r>
+              <a:rPr lang="en-US" sz="2600" dirty="0" err="1"/>
+              <a:t>growth.moo$diet</a:t>
+            </a:r>
+            <a:r>
+              <a:rPr lang="en-US" sz="2600" dirty="0"/>
+              <a:t>)</a:t>
+            </a:r>
+          </a:p>
+          <a:p>
+            <a:pPr marL="0" indent="0">
+              <a:buNone/>
+            </a:pPr>
+            <a:endParaRPr lang="en-US" sz="2600" dirty="0"/>
+          </a:p>
+          <a:p>
+            <a:pPr marL="0" indent="0">
+              <a:buNone/>
+            </a:pPr>
+            <a:r>
+              <a:rPr lang="en-US" sz="2600" dirty="0" err="1"/>
+              <a:t>growth.moo$supplement</a:t>
+            </a:r>
+            <a:r>
+              <a:rPr lang="en-US" sz="2600" dirty="0"/>
+              <a:t> &lt; </a:t>
+            </a:r>
+            <a:r>
+              <a:rPr lang="en-US" sz="2600" dirty="0" err="1">
+                <a:solidFill>
+                  <a:srgbClr val="C00000"/>
+                </a:solidFill>
+              </a:rPr>
+              <a:t>as.factor</a:t>
+            </a:r>
+            <a:r>
+              <a:rPr lang="en-US" sz="2600" dirty="0"/>
+              <a:t>(</a:t>
+            </a:r>
+            <a:r>
+              <a:rPr lang="en-US" sz="2600" dirty="0" err="1"/>
+              <a:t>growth.moo$supplement</a:t>
+            </a:r>
+            <a:r>
+              <a:rPr lang="en-US" sz="2600" dirty="0"/>
+              <a:t>)</a:t>
             </a:r>
           </a:p>
           <a:p>
@@ -5596,169 +5921,12 @@
             <a:pPr marL="0" indent="0">
               <a:buNone/>
             </a:pPr>
-            <a:r>
-              <a:rPr lang="en-US" dirty="0" err="1"/>
-              <a:t>growth.moo</a:t>
-            </a:r>
-            <a:r>
-              <a:rPr lang="en-US" dirty="0"/>
-              <a:t> &lt;-</a:t>
-            </a:r>
-          </a:p>
-          <a:p>
-            <a:pPr marL="0" indent="0">
-              <a:buNone/>
-            </a:pPr>
-            <a:r>
-              <a:rPr lang="en-US" dirty="0"/>
-              <a:t>	</a:t>
-            </a:r>
-            <a:r>
-              <a:rPr lang="en-US" dirty="0">
-                <a:solidFill>
-                  <a:srgbClr val="C00000"/>
-                </a:solidFill>
-              </a:rPr>
-              <a:t>mutate</a:t>
-            </a:r>
-            <a:r>
-              <a:rPr lang="en-US" dirty="0"/>
-              <a:t>(</a:t>
-            </a:r>
-            <a:r>
-              <a:rPr lang="en-US" dirty="0" err="1"/>
-              <a:t>growth.moo</a:t>
-            </a:r>
-            <a:r>
-              <a:rPr lang="en-US" dirty="0"/>
-              <a:t>,</a:t>
-            </a:r>
-          </a:p>
-          <a:p>
-            <a:pPr marL="0" indent="0">
-              <a:buNone/>
-            </a:pPr>
-            <a:r>
-              <a:rPr lang="en-US" dirty="0"/>
-              <a:t>	</a:t>
-            </a:r>
-            <a:r>
-              <a:rPr lang="en-US" dirty="0">
-                <a:solidFill>
-                  <a:srgbClr val="00B050"/>
-                </a:solidFill>
-              </a:rPr>
-              <a:t>supplement</a:t>
-            </a:r>
-            <a:r>
-              <a:rPr lang="en-US" dirty="0"/>
-              <a:t> = </a:t>
-            </a:r>
-            <a:r>
-              <a:rPr lang="en-US" dirty="0">
-                <a:solidFill>
-                  <a:srgbClr val="C00000"/>
-                </a:solidFill>
-              </a:rPr>
-              <a:t>relevel</a:t>
-            </a:r>
-            <a:r>
-              <a:rPr lang="en-US" dirty="0"/>
-              <a:t>(supplement, </a:t>
-            </a:r>
-            <a:r>
-              <a:rPr lang="en-US" dirty="0">
-                <a:solidFill>
-                  <a:srgbClr val="00B050"/>
-                </a:solidFill>
-              </a:rPr>
-              <a:t>ref</a:t>
-            </a:r>
-            <a:r>
-              <a:rPr lang="en-US" dirty="0"/>
-              <a:t>=</a:t>
-            </a:r>
-            <a:r>
-              <a:rPr lang="en-US" dirty="0">
-                <a:solidFill>
-                  <a:srgbClr val="0432FF"/>
-                </a:solidFill>
-              </a:rPr>
-              <a:t>"control"</a:t>
-            </a:r>
-            <a:r>
-              <a:rPr lang="en-US" dirty="0"/>
-              <a:t>))</a:t>
-            </a:r>
-          </a:p>
-          <a:p>
-            <a:pPr marL="0" indent="0">
-              <a:buNone/>
-            </a:pPr>
             <a:endParaRPr lang="en-US" dirty="0"/>
           </a:p>
           <a:p>
             <a:pPr marL="0" indent="0">
               <a:buNone/>
             </a:pPr>
-            <a:r>
-              <a:rPr lang="en-US" dirty="0">
-                <a:solidFill>
-                  <a:srgbClr val="C00000"/>
-                </a:solidFill>
-              </a:rPr>
-              <a:t>levels</a:t>
-            </a:r>
-            <a:r>
-              <a:rPr lang="en-US" dirty="0"/>
-              <a:t>(</a:t>
-            </a:r>
-            <a:r>
-              <a:rPr lang="en-US" dirty="0" err="1"/>
-              <a:t>growth.moo$supplement</a:t>
-            </a:r>
-            <a:r>
-              <a:rPr lang="en-US" dirty="0"/>
-              <a:t>)</a:t>
-            </a:r>
-          </a:p>
-          <a:p>
-            <a:pPr marL="0" indent="0">
-              <a:buNone/>
-            </a:pPr>
-            <a:r>
-              <a:rPr lang="en-US" dirty="0"/>
-              <a:t>## [1] "control" "</a:t>
-            </a:r>
-            <a:r>
-              <a:rPr lang="en-US" dirty="0" err="1"/>
-              <a:t>agrimore</a:t>
-            </a:r>
-            <a:r>
-              <a:rPr lang="en-US" dirty="0"/>
-              <a:t>" "</a:t>
-            </a:r>
-            <a:r>
-              <a:rPr lang="en-US" dirty="0" err="1"/>
-              <a:t>supergain</a:t>
-            </a:r>
-            <a:r>
-              <a:rPr lang="en-US" dirty="0"/>
-              <a:t>" "</a:t>
-            </a:r>
-            <a:r>
-              <a:rPr lang="en-US" dirty="0" err="1"/>
-              <a:t>supersupp</a:t>
-            </a:r>
-            <a:r>
-              <a:rPr lang="en-US" dirty="0"/>
-              <a:t>"</a:t>
-            </a:r>
-          </a:p>
-          <a:p>
-            <a:pPr marL="0" indent="0">
-              <a:buNone/>
-            </a:pPr>
             <a:endParaRPr lang="en-US" dirty="0"/>
           </a:p>
           <a:p>
@@ -5767,12 +5935,57 @@
             </a:pPr>
             <a:endParaRPr lang="en-US" dirty="0"/>
           </a:p>
-        </p:txBody>
-      </p:sp>
+          <a:p>
+            <a:pPr marL="0" indent="0">
+              <a:buNone/>
+            </a:pPr>
+            <a:endParaRPr lang="en-US" dirty="0"/>
+          </a:p>
+        </p:txBody>
+      </p:sp>
+      <p:cxnSp>
+        <p:nvCxnSpPr>
+          <p:cNvPr id="6" name="Straight Arrow Connector 5">
+            <a:extLst>
+              <a:ext uri="{FF2B5EF4-FFF2-40B4-BE49-F238E27FC236}">
+                <a16:creationId xmlns:a16="http://schemas.microsoft.com/office/drawing/2014/main" id="{934851B6-AAD4-164F-8D43-9B9BF65372D1}"/>
+              </a:ext>
+            </a:extLst>
+          </p:cNvPr>
+          <p:cNvCxnSpPr/>
+          <p:nvPr/>
+        </p:nvCxnSpPr>
+        <p:spPr>
+          <a:xfrm flipH="1">
+            <a:off x="1981200" y="2286000"/>
+            <a:ext cx="685800" cy="685800"/>
+          </a:xfrm>
+          <a:prstGeom prst="straightConnector1">
+            <a:avLst/>
+          </a:prstGeom>
+          <a:ln>
+            <a:tailEnd type="triangle"/>
+          </a:ln>
+        </p:spPr>
+        <p:style>
+          <a:lnRef idx="1">
+            <a:schemeClr val="accent1"/>
+          </a:lnRef>
+          <a:fillRef idx="0">
+            <a:schemeClr val="accent1"/>
+          </a:fillRef>
+          <a:effectRef idx="0">
+            <a:schemeClr val="accent1"/>
+          </a:effectRef>
+          <a:fontRef idx="minor">
+            <a:schemeClr val="tx1"/>
+          </a:fontRef>
+        </p:style>
+      </p:cxnSp>
     </p:spTree>
     <p:extLst>
       <p:ext uri="{BB962C8B-B14F-4D97-AF65-F5344CB8AC3E}">
-        <p14:creationId xmlns:p14="http://schemas.microsoft.com/office/powerpoint/2010/main" val="3807277888"/>
+        <p14:creationId xmlns:p14="http://schemas.microsoft.com/office/powerpoint/2010/main" val="2577157219"/>
       </p:ext>
     </p:extLst>
   </p:cSld>
@@ -5801,6 +6014,638 @@
       </p:grpSpPr>
       <p:sp>
         <p:nvSpPr>
+          <p:cNvPr id="2" name="Title 1">
+            <a:extLst>
+              <a:ext uri="{FF2B5EF4-FFF2-40B4-BE49-F238E27FC236}">
+                <a16:creationId xmlns:a16="http://schemas.microsoft.com/office/drawing/2014/main" id="{220A06A0-ED2A-5E47-9B42-A4413DBD8E1D}"/>
+              </a:ext>
+            </a:extLst>
+          </p:cNvPr>
+          <p:cNvSpPr>
+            <a:spLocks noGrp="1"/>
+          </p:cNvSpPr>
+          <p:nvPr>
+            <p:ph type="title"/>
+          </p:nvPr>
+        </p:nvSpPr>
+        <p:spPr>
+          <a:xfrm>
+            <a:off x="152400" y="0"/>
+            <a:ext cx="8229600" cy="944562"/>
+          </a:xfrm>
+        </p:spPr>
+        <p:txBody>
+          <a:bodyPr>
+            <a:normAutofit/>
+          </a:bodyPr>
+          <a:lstStyle/>
+          <a:p>
+            <a:r>
+              <a:rPr lang="en-US" dirty="0"/>
+              <a:t>Cow Growth Data</a:t>
+            </a:r>
+          </a:p>
+        </p:txBody>
+      </p:sp>
+      <p:sp>
+        <p:nvSpPr>
+          <p:cNvPr id="3" name="Content Placeholder 2">
+            <a:extLst>
+              <a:ext uri="{FF2B5EF4-FFF2-40B4-BE49-F238E27FC236}">
+                <a16:creationId xmlns:a16="http://schemas.microsoft.com/office/drawing/2014/main" id="{580BAAD4-5F8C-714C-9AA1-D05A1DA2F419}"/>
+              </a:ext>
+            </a:extLst>
+          </p:cNvPr>
+          <p:cNvSpPr>
+            <a:spLocks noGrp="1"/>
+          </p:cNvSpPr>
+          <p:nvPr>
+            <p:ph idx="1"/>
+          </p:nvPr>
+        </p:nvSpPr>
+        <p:spPr>
+          <a:xfrm>
+            <a:off x="457200" y="838200"/>
+            <a:ext cx="8534400" cy="5943600"/>
+          </a:xfrm>
+        </p:spPr>
+        <p:txBody>
+          <a:bodyPr>
+            <a:normAutofit fontScale="85000" lnSpcReduction="20000"/>
+          </a:bodyPr>
+          <a:lstStyle/>
+          <a:p>
+            <a:pPr marL="0" indent="0">
+              <a:buNone/>
+            </a:pPr>
+            <a:r>
+              <a:rPr lang="en-US" dirty="0">
+                <a:solidFill>
+                  <a:srgbClr val="C00000"/>
+                </a:solidFill>
+              </a:rPr>
+              <a:t>glimpse</a:t>
+            </a:r>
+            <a:r>
+              <a:rPr lang="en-US" dirty="0"/>
+              <a:t>(</a:t>
+            </a:r>
+            <a:r>
+              <a:rPr lang="en-US" dirty="0" err="1"/>
+              <a:t>growth.moo</a:t>
+            </a:r>
+            <a:r>
+              <a:rPr lang="en-US" dirty="0"/>
+              <a:t>) # diet and supplement should be factors now</a:t>
+            </a:r>
+          </a:p>
+          <a:p>
+            <a:pPr marL="0" indent="0">
+              <a:buNone/>
+            </a:pPr>
+            <a:endParaRPr lang="en-US" dirty="0"/>
+          </a:p>
+          <a:p>
+            <a:pPr marL="0" indent="0">
+              <a:buNone/>
+            </a:pPr>
+            <a:r>
+              <a:rPr lang="en-US" dirty="0">
+                <a:solidFill>
+                  <a:srgbClr val="C00000"/>
+                </a:solidFill>
+              </a:rPr>
+              <a:t>levels</a:t>
+            </a:r>
+            <a:r>
+              <a:rPr lang="en-US" dirty="0"/>
+              <a:t>(</a:t>
+            </a:r>
+            <a:r>
+              <a:rPr lang="en-US" dirty="0" err="1"/>
+              <a:t>growth.moo$diet</a:t>
+            </a:r>
+            <a:r>
+              <a:rPr lang="en-US" dirty="0"/>
+              <a:t>)</a:t>
+            </a:r>
+          </a:p>
+          <a:p>
+            <a:pPr marL="0" indent="0">
+              <a:buNone/>
+            </a:pPr>
+            <a:r>
+              <a:rPr lang="en-US" dirty="0"/>
+              <a:t># [1] "barley" "oats" "wheat" </a:t>
+            </a:r>
+          </a:p>
+          <a:p>
+            <a:pPr marL="0" indent="0">
+              <a:buNone/>
+            </a:pPr>
+            <a:endParaRPr lang="en-US" dirty="0"/>
+          </a:p>
+          <a:p>
+            <a:pPr marL="0" indent="0">
+              <a:buNone/>
+            </a:pPr>
+            <a:r>
+              <a:rPr lang="en-US" dirty="0">
+                <a:solidFill>
+                  <a:srgbClr val="C00000"/>
+                </a:solidFill>
+              </a:rPr>
+              <a:t>levels</a:t>
+            </a:r>
+            <a:r>
+              <a:rPr lang="en-US" dirty="0"/>
+              <a:t>(</a:t>
+            </a:r>
+            <a:r>
+              <a:rPr lang="en-US" dirty="0" err="1"/>
+              <a:t>growth.moo$supplement</a:t>
+            </a:r>
+            <a:r>
+              <a:rPr lang="en-US" dirty="0"/>
+              <a:t>)</a:t>
+            </a:r>
+          </a:p>
+          <a:p>
+            <a:pPr marL="0" indent="0">
+              <a:buNone/>
+            </a:pPr>
+            <a:r>
+              <a:rPr lang="en-US" dirty="0"/>
+              <a:t>#[1] "</a:t>
+            </a:r>
+            <a:r>
+              <a:rPr lang="en-US" dirty="0" err="1"/>
+              <a:t>agrimore</a:t>
+            </a:r>
+            <a:r>
+              <a:rPr lang="en-US" dirty="0"/>
+              <a:t>" "control" "</a:t>
+            </a:r>
+            <a:r>
+              <a:rPr lang="en-US" dirty="0" err="1"/>
+              <a:t>supergain</a:t>
+            </a:r>
+            <a:r>
+              <a:rPr lang="en-US" dirty="0"/>
+              <a:t>" "</a:t>
+            </a:r>
+            <a:r>
+              <a:rPr lang="en-US" dirty="0" err="1"/>
+              <a:t>supersupp</a:t>
+            </a:r>
+            <a:r>
+              <a:rPr lang="en-US" dirty="0"/>
+              <a:t>"</a:t>
+            </a:r>
+          </a:p>
+          <a:p>
+            <a:pPr marL="0" indent="0">
+              <a:buNone/>
+            </a:pPr>
+            <a:endParaRPr lang="en-US" dirty="0"/>
+          </a:p>
+          <a:p>
+            <a:pPr marL="0" indent="0">
+              <a:buNone/>
+            </a:pPr>
+            <a:r>
+              <a:rPr lang="en-US" dirty="0"/>
+              <a:t>One of the things we can immediately see is that the supplements include a </a:t>
+            </a:r>
+            <a:r>
+              <a:rPr lang="en-US" dirty="0">
+                <a:solidFill>
+                  <a:srgbClr val="7030A0"/>
+                </a:solidFill>
+              </a:rPr>
+              <a:t>control level</a:t>
+            </a:r>
+            <a:r>
+              <a:rPr lang="en-US" dirty="0"/>
+              <a:t>, but the </a:t>
+            </a:r>
+            <a:r>
+              <a:rPr lang="en-US" dirty="0" err="1"/>
+              <a:t>agrimore</a:t>
+            </a:r>
+            <a:r>
+              <a:rPr lang="en-US" dirty="0"/>
+              <a:t> level is in front of it alphabetically.</a:t>
+            </a:r>
+          </a:p>
+          <a:p>
+            <a:pPr marL="0" indent="0">
+              <a:buNone/>
+            </a:pPr>
+            <a:endParaRPr lang="en-US" dirty="0"/>
+          </a:p>
+          <a:p>
+            <a:pPr marL="0" indent="0">
+              <a:buNone/>
+            </a:pPr>
+            <a:r>
+              <a:rPr lang="en-US" dirty="0"/>
+              <a:t>Important to put the </a:t>
+            </a:r>
+            <a:r>
+              <a:rPr lang="en-US" dirty="0">
+                <a:solidFill>
+                  <a:srgbClr val="7030A0"/>
+                </a:solidFill>
+              </a:rPr>
+              <a:t>control level </a:t>
+            </a:r>
+            <a:r>
+              <a:rPr lang="en-US" dirty="0"/>
+              <a:t>first (if there is one) because it provides the baseline of comparison in the coefficients table (we saw this before in 1-way ANOVA; same thing here). Otherwise coefficients make less intuitive sense.</a:t>
+            </a:r>
+          </a:p>
+          <a:p>
+            <a:pPr marL="0" indent="0">
+              <a:buNone/>
+            </a:pPr>
+            <a:endParaRPr lang="en-US" dirty="0"/>
+          </a:p>
+          <a:p>
+            <a:pPr marL="0" indent="0">
+              <a:buNone/>
+            </a:pPr>
+            <a:endParaRPr lang="en-US" dirty="0"/>
+          </a:p>
+          <a:p>
+            <a:pPr marL="0" indent="0">
+              <a:buNone/>
+            </a:pPr>
+            <a:endParaRPr lang="en-US" dirty="0"/>
+          </a:p>
+        </p:txBody>
+      </p:sp>
+    </p:spTree>
+    <p:extLst>
+      <p:ext uri="{BB962C8B-B14F-4D97-AF65-F5344CB8AC3E}">
+        <p14:creationId xmlns:p14="http://schemas.microsoft.com/office/powerpoint/2010/main" val="1738289481"/>
+      </p:ext>
+    </p:extLst>
+  </p:cSld>
+  <p:clrMapOvr>
+    <a:masterClrMapping/>
+  </p:clrMapOvr>
+</p:sld>
+</file>
+
+<file path=ppt/slides/slide12.xml><?xml version="1.0" encoding="utf-8"?>
+<p:sld xmlns:a="http://schemas.openxmlformats.org/drawingml/2006/main" xmlns:r="http://schemas.openxmlformats.org/officeDocument/2006/relationships" xmlns:p="http://schemas.openxmlformats.org/presentationml/2006/main">
+  <p:cSld>
+    <p:spTree>
+      <p:nvGrpSpPr>
+        <p:cNvPr id="1" name=""/>
+        <p:cNvGrpSpPr/>
+        <p:nvPr/>
+      </p:nvGrpSpPr>
+      <p:grpSpPr>
+        <a:xfrm>
+          <a:off x="0" y="0"/>
+          <a:ext cx="0" cy="0"/>
+          <a:chOff x="0" y="0"/>
+          <a:chExt cx="0" cy="0"/>
+        </a:xfrm>
+      </p:grpSpPr>
+      <p:sp>
+        <p:nvSpPr>
+          <p:cNvPr id="2" name="Title 1">
+            <a:extLst>
+              <a:ext uri="{FF2B5EF4-FFF2-40B4-BE49-F238E27FC236}">
+                <a16:creationId xmlns:a16="http://schemas.microsoft.com/office/drawing/2014/main" id="{220A06A0-ED2A-5E47-9B42-A4413DBD8E1D}"/>
+              </a:ext>
+            </a:extLst>
+          </p:cNvPr>
+          <p:cNvSpPr>
+            <a:spLocks noGrp="1"/>
+          </p:cNvSpPr>
+          <p:nvPr>
+            <p:ph type="title"/>
+          </p:nvPr>
+        </p:nvSpPr>
+        <p:spPr>
+          <a:xfrm>
+            <a:off x="457200" y="76200"/>
+            <a:ext cx="8229600" cy="944562"/>
+          </a:xfrm>
+        </p:spPr>
+        <p:txBody>
+          <a:bodyPr>
+            <a:normAutofit/>
+          </a:bodyPr>
+          <a:lstStyle/>
+          <a:p>
+            <a:r>
+              <a:rPr lang="en-US" dirty="0"/>
+              <a:t>Cow Growth Data</a:t>
+            </a:r>
+          </a:p>
+        </p:txBody>
+      </p:sp>
+      <p:sp>
+        <p:nvSpPr>
+          <p:cNvPr id="3" name="Content Placeholder 2">
+            <a:extLst>
+              <a:ext uri="{FF2B5EF4-FFF2-40B4-BE49-F238E27FC236}">
+                <a16:creationId xmlns:a16="http://schemas.microsoft.com/office/drawing/2014/main" id="{580BAAD4-5F8C-714C-9AA1-D05A1DA2F419}"/>
+              </a:ext>
+            </a:extLst>
+          </p:cNvPr>
+          <p:cNvSpPr>
+            <a:spLocks noGrp="1"/>
+          </p:cNvSpPr>
+          <p:nvPr>
+            <p:ph idx="1"/>
+          </p:nvPr>
+        </p:nvSpPr>
+        <p:spPr>
+          <a:xfrm>
+            <a:off x="457200" y="1020762"/>
+            <a:ext cx="8382000" cy="5532438"/>
+          </a:xfrm>
+        </p:spPr>
+        <p:txBody>
+          <a:bodyPr>
+            <a:normAutofit/>
+          </a:bodyPr>
+          <a:lstStyle/>
+          <a:p>
+            <a:pPr marL="0" indent="0">
+              <a:buNone/>
+            </a:pPr>
+            <a:r>
+              <a:rPr lang="en-US" dirty="0"/>
+              <a:t>Here we employ the function </a:t>
+            </a:r>
+            <a:r>
+              <a:rPr lang="en-US" dirty="0">
+                <a:solidFill>
+                  <a:srgbClr val="C00000"/>
+                </a:solidFill>
+              </a:rPr>
+              <a:t>relevel()</a:t>
+            </a:r>
+            <a:r>
+              <a:rPr lang="en-US" dirty="0"/>
+              <a:t>, which creates a new reference level by re-ordering levels of the factor. </a:t>
+            </a:r>
+          </a:p>
+          <a:p>
+            <a:pPr marL="0" indent="0">
+              <a:buNone/>
+            </a:pPr>
+            <a:r>
+              <a:rPr lang="en-US" dirty="0"/>
+              <a:t>We use it with the </a:t>
+            </a:r>
+            <a:r>
+              <a:rPr lang="en-US" dirty="0">
+                <a:solidFill>
+                  <a:srgbClr val="C00000"/>
+                </a:solidFill>
+              </a:rPr>
+              <a:t>mutate() </a:t>
+            </a:r>
+            <a:r>
+              <a:rPr lang="en-US" dirty="0"/>
+              <a:t>function from </a:t>
+            </a:r>
+            <a:r>
+              <a:rPr lang="en-US" dirty="0" err="1">
+                <a:solidFill>
+                  <a:srgbClr val="C00000"/>
+                </a:solidFill>
+              </a:rPr>
+              <a:t>dplyr</a:t>
+            </a:r>
+            <a:r>
+              <a:rPr lang="en-US" dirty="0"/>
+              <a:t>:</a:t>
+            </a:r>
+          </a:p>
+          <a:p>
+            <a:pPr marL="0" indent="0">
+              <a:buNone/>
+            </a:pPr>
+            <a:endParaRPr lang="en-US" dirty="0"/>
+          </a:p>
+          <a:p>
+            <a:pPr marL="0" indent="0">
+              <a:buNone/>
+            </a:pPr>
+            <a:r>
+              <a:rPr lang="en-US" dirty="0" err="1"/>
+              <a:t>growth.moo</a:t>
+            </a:r>
+            <a:r>
+              <a:rPr lang="en-US" dirty="0"/>
+              <a:t> &lt;-</a:t>
+            </a:r>
+          </a:p>
+          <a:p>
+            <a:pPr marL="0" indent="0">
+              <a:buNone/>
+            </a:pPr>
+            <a:r>
+              <a:rPr lang="en-US" dirty="0"/>
+              <a:t>	</a:t>
+            </a:r>
+            <a:r>
+              <a:rPr lang="en-US" dirty="0">
+                <a:solidFill>
+                  <a:srgbClr val="C00000"/>
+                </a:solidFill>
+              </a:rPr>
+              <a:t>mutate</a:t>
+            </a:r>
+            <a:r>
+              <a:rPr lang="en-US" dirty="0"/>
+              <a:t>(</a:t>
+            </a:r>
+            <a:r>
+              <a:rPr lang="en-US" dirty="0" err="1"/>
+              <a:t>growth.moo</a:t>
+            </a:r>
+            <a:r>
+              <a:rPr lang="en-US" dirty="0"/>
+              <a:t>,</a:t>
+            </a:r>
+          </a:p>
+          <a:p>
+            <a:pPr marL="0" indent="0">
+              <a:buNone/>
+            </a:pPr>
+            <a:r>
+              <a:rPr lang="en-US" dirty="0"/>
+              <a:t>	</a:t>
+            </a:r>
+            <a:r>
+              <a:rPr lang="en-US" dirty="0">
+                <a:solidFill>
+                  <a:srgbClr val="00B050"/>
+                </a:solidFill>
+              </a:rPr>
+              <a:t>supplement</a:t>
+            </a:r>
+            <a:r>
+              <a:rPr lang="en-US" dirty="0"/>
+              <a:t> = </a:t>
+            </a:r>
+            <a:r>
+              <a:rPr lang="en-US" dirty="0">
+                <a:solidFill>
+                  <a:srgbClr val="C00000"/>
+                </a:solidFill>
+              </a:rPr>
+              <a:t>relevel</a:t>
+            </a:r>
+            <a:r>
+              <a:rPr lang="en-US" dirty="0"/>
+              <a:t>(supplement, </a:t>
+            </a:r>
+            <a:r>
+              <a:rPr lang="en-US" dirty="0">
+                <a:solidFill>
+                  <a:srgbClr val="00B050"/>
+                </a:solidFill>
+              </a:rPr>
+              <a:t>ref</a:t>
+            </a:r>
+            <a:r>
+              <a:rPr lang="en-US" dirty="0"/>
+              <a:t>=</a:t>
+            </a:r>
+            <a:r>
+              <a:rPr lang="en-US" dirty="0">
+                <a:solidFill>
+                  <a:srgbClr val="0432FF"/>
+                </a:solidFill>
+              </a:rPr>
+              <a:t>"control"</a:t>
+            </a:r>
+            <a:r>
+              <a:rPr lang="en-US" dirty="0"/>
+              <a:t>))</a:t>
+            </a:r>
+          </a:p>
+          <a:p>
+            <a:pPr marL="0" indent="0">
+              <a:buNone/>
+            </a:pPr>
+            <a:endParaRPr lang="en-US" dirty="0"/>
+          </a:p>
+          <a:p>
+            <a:pPr marL="0" indent="0">
+              <a:buNone/>
+            </a:pPr>
+            <a:r>
+              <a:rPr lang="en-US" dirty="0">
+                <a:solidFill>
+                  <a:srgbClr val="C00000"/>
+                </a:solidFill>
+              </a:rPr>
+              <a:t>levels</a:t>
+            </a:r>
+            <a:r>
+              <a:rPr lang="en-US" dirty="0"/>
+              <a:t>(</a:t>
+            </a:r>
+            <a:r>
+              <a:rPr lang="en-US" dirty="0" err="1"/>
+              <a:t>growth.moo$supplement</a:t>
+            </a:r>
+            <a:r>
+              <a:rPr lang="en-US" dirty="0"/>
+              <a:t>)</a:t>
+            </a:r>
+          </a:p>
+          <a:p>
+            <a:pPr marL="0" indent="0">
+              <a:buNone/>
+            </a:pPr>
+            <a:r>
+              <a:rPr lang="en-US" dirty="0"/>
+              <a:t>## [1] "control" "</a:t>
+            </a:r>
+            <a:r>
+              <a:rPr lang="en-US" dirty="0" err="1"/>
+              <a:t>agrimore</a:t>
+            </a:r>
+            <a:r>
+              <a:rPr lang="en-US" dirty="0"/>
+              <a:t>" "</a:t>
+            </a:r>
+            <a:r>
+              <a:rPr lang="en-US" dirty="0" err="1"/>
+              <a:t>supergain</a:t>
+            </a:r>
+            <a:r>
+              <a:rPr lang="en-US" dirty="0"/>
+              <a:t>" "</a:t>
+            </a:r>
+            <a:r>
+              <a:rPr lang="en-US" dirty="0" err="1"/>
+              <a:t>supersupp</a:t>
+            </a:r>
+            <a:r>
+              <a:rPr lang="en-US" dirty="0"/>
+              <a:t>"</a:t>
+            </a:r>
+          </a:p>
+          <a:p>
+            <a:pPr marL="0" indent="0">
+              <a:buNone/>
+            </a:pPr>
+            <a:endParaRPr lang="en-US" dirty="0"/>
+          </a:p>
+          <a:p>
+            <a:pPr marL="0" indent="0">
+              <a:buNone/>
+            </a:pPr>
+            <a:endParaRPr lang="en-US" dirty="0"/>
+          </a:p>
+        </p:txBody>
+      </p:sp>
+    </p:spTree>
+    <p:extLst>
+      <p:ext uri="{BB962C8B-B14F-4D97-AF65-F5344CB8AC3E}">
+        <p14:creationId xmlns:p14="http://schemas.microsoft.com/office/powerpoint/2010/main" val="3807277888"/>
+      </p:ext>
+    </p:extLst>
+  </p:cSld>
+  <p:clrMapOvr>
+    <a:masterClrMapping/>
+  </p:clrMapOvr>
+</p:sld>
+</file>
+
+<file path=ppt/slides/slide13.xml><?xml version="1.0" encoding="utf-8"?>
+<p:sld xmlns:a="http://schemas.openxmlformats.org/drawingml/2006/main" xmlns:r="http://schemas.openxmlformats.org/officeDocument/2006/relationships" xmlns:p="http://schemas.openxmlformats.org/presentationml/2006/main">
+  <p:cSld>
+    <p:spTree>
+      <p:nvGrpSpPr>
+        <p:cNvPr id="1" name=""/>
+        <p:cNvGrpSpPr/>
+        <p:nvPr/>
+      </p:nvGrpSpPr>
+      <p:grpSpPr>
+        <a:xfrm>
+          <a:off x="0" y="0"/>
+          <a:ext cx="0" cy="0"/>
+          <a:chOff x="0" y="0"/>
+          <a:chExt cx="0" cy="0"/>
+        </a:xfrm>
+      </p:grpSpPr>
+      <p:sp>
+        <p:nvSpPr>
           <p:cNvPr id="3" name="Content Placeholder 2">
             <a:extLst>
               <a:ext uri="{FF2B5EF4-FFF2-40B4-BE49-F238E27FC236}">
@@ -6169,7 +7014,7 @@
 </p:sld>
 </file>
 
-<file path=ppt/slides/slide12.xml><?xml version="1.0" encoding="utf-8"?>
+<file path=ppt/slides/slide14.xml><?xml version="1.0" encoding="utf-8"?>
 <p:sld xmlns:a="http://schemas.openxmlformats.org/drawingml/2006/main" xmlns:r="http://schemas.openxmlformats.org/officeDocument/2006/relationships" xmlns:p="http://schemas.openxmlformats.org/presentationml/2006/main">
   <p:cSld>
     <p:spTree>
@@ -6609,7 +7454,7 @@
 </p:sld>
 </file>
 
-<file path=ppt/slides/slide13.xml><?xml version="1.0" encoding="utf-8"?>
+<file path=ppt/slides/slide15.xml><?xml version="1.0" encoding="utf-8"?>
 <p:sld xmlns:a="http://schemas.openxmlformats.org/drawingml/2006/main" xmlns:r="http://schemas.openxmlformats.org/officeDocument/2006/relationships" xmlns:p="http://schemas.openxmlformats.org/presentationml/2006/main">
   <p:cSld>
     <p:spTree>
@@ -7076,7 +7921,7 @@
 </p:sld>
 </file>
 
-<file path=ppt/slides/slide14.xml><?xml version="1.0" encoding="utf-8"?>
+<file path=ppt/slides/slide16.xml><?xml version="1.0" encoding="utf-8"?>
 <p:sld xmlns:a="http://schemas.openxmlformats.org/drawingml/2006/main" xmlns:r="http://schemas.openxmlformats.org/officeDocument/2006/relationships" xmlns:p="http://schemas.openxmlformats.org/presentationml/2006/main">
   <p:cSld>
     <p:spTree>
@@ -7480,7 +8325,7 @@
 </p:sld>
 </file>
 
-<file path=ppt/slides/slide15.xml><?xml version="1.0" encoding="utf-8"?>
+<file path=ppt/slides/slide17.xml><?xml version="1.0" encoding="utf-8"?>
 <p:sld xmlns:a="http://schemas.openxmlformats.org/drawingml/2006/main" xmlns:r="http://schemas.openxmlformats.org/officeDocument/2006/relationships" xmlns:p="http://schemas.openxmlformats.org/presentationml/2006/main">
   <p:cSld>
     <p:spTree>
@@ -7750,7 +8595,7 @@
 </p:sld>
 </file>
 
-<file path=ppt/slides/slide16.xml><?xml version="1.0" encoding="utf-8"?>
+<file path=ppt/slides/slide18.xml><?xml version="1.0" encoding="utf-8"?>
 <p:sld xmlns:a="http://schemas.openxmlformats.org/drawingml/2006/main" xmlns:r="http://schemas.openxmlformats.org/officeDocument/2006/relationships" xmlns:p="http://schemas.openxmlformats.org/presentationml/2006/main">
   <p:cSld>
     <p:spTree>
@@ -8347,7 +9192,7 @@
 </p:sld>
 </file>
 
-<file path=ppt/slides/slide17.xml><?xml version="1.0" encoding="utf-8"?>
+<file path=ppt/slides/slide19.xml><?xml version="1.0" encoding="utf-8"?>
 <p:sld xmlns:a="http://schemas.openxmlformats.org/drawingml/2006/main" xmlns:r="http://schemas.openxmlformats.org/officeDocument/2006/relationships" xmlns:p="http://schemas.openxmlformats.org/presentationml/2006/main">
   <p:cSld>
     <p:spTree>
@@ -8730,909 +9575,6 @@
     <p:extLst>
       <p:ext uri="{BB962C8B-B14F-4D97-AF65-F5344CB8AC3E}">
         <p14:creationId xmlns:p14="http://schemas.microsoft.com/office/powerpoint/2010/main" val="767725472"/>
-      </p:ext>
-    </p:extLst>
-  </p:cSld>
-  <p:clrMapOvr>
-    <a:masterClrMapping/>
-  </p:clrMapOvr>
-</p:sld>
-</file>
-
-<file path=ppt/slides/slide18.xml><?xml version="1.0" encoding="utf-8"?>
-<p:sld xmlns:a="http://schemas.openxmlformats.org/drawingml/2006/main" xmlns:r="http://schemas.openxmlformats.org/officeDocument/2006/relationships" xmlns:p="http://schemas.openxmlformats.org/presentationml/2006/main">
-  <p:cSld>
-    <p:spTree>
-      <p:nvGrpSpPr>
-        <p:cNvPr id="1" name=""/>
-        <p:cNvGrpSpPr/>
-        <p:nvPr/>
-      </p:nvGrpSpPr>
-      <p:grpSpPr>
-        <a:xfrm>
-          <a:off x="0" y="0"/>
-          <a:ext cx="0" cy="0"/>
-          <a:chOff x="0" y="0"/>
-          <a:chExt cx="0" cy="0"/>
-        </a:xfrm>
-      </p:grpSpPr>
-      <p:sp>
-        <p:nvSpPr>
-          <p:cNvPr id="2" name="Title 1">
-            <a:extLst>
-              <a:ext uri="{FF2B5EF4-FFF2-40B4-BE49-F238E27FC236}">
-                <a16:creationId xmlns:a16="http://schemas.microsoft.com/office/drawing/2014/main" id="{220A06A0-ED2A-5E47-9B42-A4413DBD8E1D}"/>
-              </a:ext>
-            </a:extLst>
-          </p:cNvPr>
-          <p:cNvSpPr>
-            <a:spLocks noGrp="1"/>
-          </p:cNvSpPr>
-          <p:nvPr>
-            <p:ph type="title"/>
-          </p:nvPr>
-        </p:nvSpPr>
-        <p:spPr>
-          <a:xfrm>
-            <a:off x="76200" y="-76200"/>
-            <a:ext cx="8229600" cy="944562"/>
-          </a:xfrm>
-        </p:spPr>
-        <p:txBody>
-          <a:bodyPr>
-            <a:normAutofit/>
-          </a:bodyPr>
-          <a:lstStyle/>
-          <a:p>
-            <a:r>
-              <a:rPr lang="en-US" dirty="0"/>
-              <a:t>Cow Growth Data-Summary Table</a:t>
-            </a:r>
-          </a:p>
-        </p:txBody>
-      </p:sp>
-      <p:sp>
-        <p:nvSpPr>
-          <p:cNvPr id="3" name="Content Placeholder 2">
-            <a:extLst>
-              <a:ext uri="{FF2B5EF4-FFF2-40B4-BE49-F238E27FC236}">
-                <a16:creationId xmlns:a16="http://schemas.microsoft.com/office/drawing/2014/main" id="{580BAAD4-5F8C-714C-9AA1-D05A1DA2F419}"/>
-              </a:ext>
-            </a:extLst>
-          </p:cNvPr>
-          <p:cNvSpPr>
-            <a:spLocks noGrp="1"/>
-          </p:cNvSpPr>
-          <p:nvPr>
-            <p:ph idx="1"/>
-          </p:nvPr>
-        </p:nvSpPr>
-        <p:spPr>
-          <a:xfrm>
-            <a:off x="457200" y="609600"/>
-            <a:ext cx="8610600" cy="5532438"/>
-          </a:xfrm>
-        </p:spPr>
-        <p:txBody>
-          <a:bodyPr>
-            <a:normAutofit fontScale="55000" lnSpcReduction="20000"/>
-          </a:bodyPr>
-          <a:lstStyle/>
-          <a:p>
-            <a:pPr marL="0" indent="0">
-              <a:buNone/>
-            </a:pPr>
-            <a:r>
-              <a:rPr lang="en-US" dirty="0">
-                <a:solidFill>
-                  <a:srgbClr val="C00000"/>
-                </a:solidFill>
-              </a:rPr>
-              <a:t>summary</a:t>
-            </a:r>
-            <a:r>
-              <a:rPr lang="en-US" dirty="0"/>
-              <a:t>(</a:t>
-            </a:r>
-            <a:r>
-              <a:rPr lang="en-US" dirty="0" err="1"/>
-              <a:t>model_cow</a:t>
-            </a:r>
-            <a:r>
-              <a:rPr lang="en-US" dirty="0"/>
-              <a:t>)</a:t>
-            </a:r>
-          </a:p>
-          <a:p>
-            <a:pPr marL="0" indent="0">
-              <a:buNone/>
-            </a:pPr>
-            <a:r>
-              <a:rPr lang="en-US" dirty="0"/>
-              <a:t>##</a:t>
-            </a:r>
-          </a:p>
-          <a:p>
-            <a:pPr marL="0" indent="0">
-              <a:buNone/>
-            </a:pPr>
-            <a:r>
-              <a:rPr lang="en-US" dirty="0"/>
-              <a:t>## Call:</a:t>
-            </a:r>
-          </a:p>
-          <a:p>
-            <a:pPr marL="0" indent="0">
-              <a:buNone/>
-            </a:pPr>
-            <a:r>
-              <a:rPr lang="en-US" dirty="0"/>
-              <a:t>## </a:t>
-            </a:r>
-            <a:r>
-              <a:rPr lang="en-US" dirty="0" err="1"/>
-              <a:t>lm</a:t>
-            </a:r>
-            <a:r>
-              <a:rPr lang="en-US" dirty="0"/>
-              <a:t>(formula = gain ~ diet * supplement, data = </a:t>
-            </a:r>
-            <a:r>
-              <a:rPr lang="en-US" dirty="0" err="1"/>
-              <a:t>growth.moo</a:t>
-            </a:r>
-            <a:r>
-              <a:rPr lang="en-US" dirty="0"/>
-              <a:t>)</a:t>
-            </a:r>
-          </a:p>
-          <a:p>
-            <a:pPr marL="0" indent="0">
-              <a:buNone/>
-            </a:pPr>
-            <a:r>
-              <a:rPr lang="en-US" dirty="0"/>
-              <a:t>##</a:t>
-            </a:r>
-          </a:p>
-          <a:p>
-            <a:pPr marL="0" indent="0">
-              <a:buNone/>
-            </a:pPr>
-            <a:r>
-              <a:rPr lang="en-US" dirty="0"/>
-              <a:t>## Residuals:</a:t>
-            </a:r>
-          </a:p>
-          <a:p>
-            <a:pPr marL="0" indent="0">
-              <a:buNone/>
-            </a:pPr>
-            <a:r>
-              <a:rPr lang="en-US" dirty="0"/>
-              <a:t>## Min 1Q Median 3Q Max</a:t>
-            </a:r>
-          </a:p>
-          <a:p>
-            <a:pPr marL="0" indent="0">
-              <a:buNone/>
-            </a:pPr>
-            <a:r>
-              <a:rPr lang="en-US" dirty="0"/>
-              <a:t>## -2.48756 -1.00368 -0.07452 1.03496 2.68069</a:t>
-            </a:r>
-          </a:p>
-          <a:p>
-            <a:pPr marL="0" indent="0">
-              <a:buNone/>
-            </a:pPr>
-            <a:r>
-              <a:rPr lang="en-US" dirty="0"/>
-              <a:t>##</a:t>
-            </a:r>
-          </a:p>
-          <a:p>
-            <a:pPr marL="0" indent="0">
-              <a:buNone/>
-            </a:pPr>
-            <a:r>
-              <a:rPr lang="en-US" dirty="0"/>
-              <a:t>## Coefficients:</a:t>
-            </a:r>
-          </a:p>
-          <a:p>
-            <a:pPr marL="0" indent="0">
-              <a:buNone/>
-            </a:pPr>
-            <a:r>
-              <a:rPr lang="en-US" dirty="0"/>
-              <a:t>                                		Estimate 		Std. Error 	t value 	</a:t>
-            </a:r>
-            <a:r>
-              <a:rPr lang="en-US" dirty="0" err="1"/>
-              <a:t>Pr</a:t>
-            </a:r>
-            <a:r>
-              <a:rPr lang="en-US" dirty="0"/>
-              <a:t>(&gt;|t|)    </a:t>
-            </a:r>
-          </a:p>
-          <a:p>
-            <a:pPr marL="0" indent="0">
-              <a:buNone/>
-            </a:pPr>
-            <a:r>
-              <a:rPr lang="en-US" dirty="0"/>
-              <a:t>(Intercept)                   		23.2966499	0.6555863  	35.536  	&lt; 2e-16 ***</a:t>
-            </a:r>
-          </a:p>
-          <a:p>
-            <a:pPr marL="0" indent="0">
-              <a:buNone/>
-            </a:pPr>
-            <a:r>
-              <a:rPr lang="en-US" dirty="0" err="1"/>
-              <a:t>dietoats</a:t>
-            </a:r>
-            <a:r>
-              <a:rPr lang="en-US" dirty="0"/>
-              <a:t>                      		-2.8029851  	0.9271390  -3.023  	0.00459 ** </a:t>
-            </a:r>
-          </a:p>
-          <a:p>
-            <a:pPr marL="0" indent="0">
-              <a:buNone/>
-            </a:pPr>
-            <a:r>
-              <a:rPr lang="en-US" dirty="0" err="1"/>
-              <a:t>dietwheat</a:t>
-            </a:r>
-            <a:r>
-              <a:rPr lang="en-US" dirty="0"/>
-              <a:t>                     		-5.8911317  	0.9271390  -6.354 	2.34e-07 ***</a:t>
-            </a:r>
-          </a:p>
-          <a:p>
-            <a:pPr marL="0" indent="0">
-              <a:buNone/>
-            </a:pPr>
-            <a:r>
-              <a:rPr lang="en-US" dirty="0" err="1"/>
-              <a:t>supplementagrimore</a:t>
-            </a:r>
-            <a:r>
-              <a:rPr lang="en-US" dirty="0"/>
-              <a:t>             	3.0518277  		0.9271390   3.292  	0.00224 ** </a:t>
-            </a:r>
-          </a:p>
-          <a:p>
-            <a:pPr marL="0" indent="0">
-              <a:buNone/>
-            </a:pPr>
-            <a:r>
-              <a:rPr lang="en-US" dirty="0" err="1"/>
-              <a:t>supplementsupergain</a:t>
-            </a:r>
-            <a:r>
-              <a:rPr lang="en-US" dirty="0"/>
-              <a:t>           	-0.8305263  	0.9271390  -0.896  	0.37631    </a:t>
-            </a:r>
-          </a:p>
-          <a:p>
-            <a:pPr marL="0" indent="0">
-              <a:buNone/>
-            </a:pPr>
-            <a:r>
-              <a:rPr lang="en-US" dirty="0" err="1"/>
-              <a:t>supplementsupersupp</a:t>
-            </a:r>
-            <a:r>
-              <a:rPr lang="en-US" dirty="0"/>
-              <a:t>            	2.2786527  		0.9271390   2.458  	0.01893 *  </a:t>
-            </a:r>
-          </a:p>
-          <a:p>
-            <a:pPr marL="0" indent="0">
-              <a:buNone/>
-            </a:pPr>
-            <a:r>
-              <a:rPr lang="en-US" dirty="0" err="1"/>
-              <a:t>dietoats:supplementagrimore</a:t>
-            </a:r>
-            <a:r>
-              <a:rPr lang="en-US" dirty="0"/>
-              <a:t>   	-0.2471088  	1.3111726  -0.188  	0.85157    </a:t>
-            </a:r>
-          </a:p>
-          <a:p>
-            <a:pPr marL="0" indent="0">
-              <a:buNone/>
-            </a:pPr>
-            <a:r>
-              <a:rPr lang="en-US" dirty="0" err="1"/>
-              <a:t>dietwheat:supplementagrimore</a:t>
-            </a:r>
-            <a:r>
-              <a:rPr lang="en-US" dirty="0"/>
-              <a:t>  	-0.8182729  	1.3111726  -0.624  	0.53651    </a:t>
-            </a:r>
-          </a:p>
-          <a:p>
-            <a:pPr marL="0" indent="0">
-              <a:buNone/>
-            </a:pPr>
-            <a:r>
-              <a:rPr lang="en-US" dirty="0" err="1"/>
-              <a:t>dietoats:supplementsupergain</a:t>
-            </a:r>
-            <a:r>
-              <a:rPr lang="en-US" dirty="0"/>
-              <a:t>  	-0.0001351  	1.3111726   0.000  	0.99992    </a:t>
-            </a:r>
-          </a:p>
-          <a:p>
-            <a:pPr marL="0" indent="0">
-              <a:buNone/>
-            </a:pPr>
-            <a:r>
-              <a:rPr lang="en-US" dirty="0" err="1"/>
-              <a:t>dietwheat:supplementsupergain</a:t>
-            </a:r>
-            <a:r>
-              <a:rPr lang="en-US" dirty="0"/>
-              <a:t>  	0.4374395  		1.3111726   0.334  	0.74060    </a:t>
-            </a:r>
-          </a:p>
-          <a:p>
-            <a:pPr marL="0" indent="0">
-              <a:buNone/>
-            </a:pPr>
-            <a:r>
-              <a:rPr lang="en-US" dirty="0" err="1"/>
-              <a:t>dietoats:supplementsupersupp</a:t>
-            </a:r>
-            <a:r>
-              <a:rPr lang="en-US" dirty="0"/>
-              <a:t>  	-0.9120830  	1.3111726  -0.696  	0.49113    </a:t>
-            </a:r>
-          </a:p>
-          <a:p>
-            <a:pPr marL="0" indent="0">
-              <a:buNone/>
-            </a:pPr>
-            <a:r>
-              <a:rPr lang="en-US" dirty="0" err="1"/>
-              <a:t>dietwheat:supplementsupersupp</a:t>
-            </a:r>
-            <a:r>
-              <a:rPr lang="en-US" dirty="0"/>
-              <a:t> 	-0.0158299  	1.3111726  -0.012  	0.99043</a:t>
-            </a:r>
-          </a:p>
-          <a:p>
-            <a:pPr marL="0" indent="0">
-              <a:buNone/>
-            </a:pPr>
-            <a:endParaRPr lang="en-US" dirty="0"/>
-          </a:p>
-          <a:p>
-            <a:pPr marL="0" indent="0">
-              <a:buNone/>
-            </a:pPr>
-            <a:endParaRPr lang="en-US" dirty="0"/>
-          </a:p>
-        </p:txBody>
-      </p:sp>
-      <p:pic>
-        <p:nvPicPr>
-          <p:cNvPr id="7" name="Picture 6" descr="Chart, line chart&#10;&#10;Description automatically generated">
-            <a:extLst>
-              <a:ext uri="{FF2B5EF4-FFF2-40B4-BE49-F238E27FC236}">
-                <a16:creationId xmlns:a16="http://schemas.microsoft.com/office/drawing/2014/main" id="{EFC8CBBE-9683-A444-AF6B-B385B040DD2C}"/>
-              </a:ext>
-            </a:extLst>
-          </p:cNvPr>
-          <p:cNvPicPr>
-            <a:picLocks noChangeAspect="1"/>
-          </p:cNvPicPr>
-          <p:nvPr/>
-        </p:nvPicPr>
-        <p:blipFill>
-          <a:blip r:embed="rId3">
-            <a:extLst>
-              <a:ext uri="{28A0092B-C50C-407E-A947-70E740481C1C}">
-                <a14:useLocalDpi xmlns:a14="http://schemas.microsoft.com/office/drawing/2010/main" val="0"/>
-              </a:ext>
-            </a:extLst>
-          </a:blip>
-          <a:stretch>
-            <a:fillRect/>
-          </a:stretch>
-        </p:blipFill>
-        <p:spPr>
-          <a:xfrm>
-            <a:off x="5791200" y="630922"/>
-            <a:ext cx="3170548" cy="2264678"/>
-          </a:xfrm>
-          <a:prstGeom prst="rect">
-            <a:avLst/>
-          </a:prstGeom>
-        </p:spPr>
-      </p:pic>
-      <p:sp>
-        <p:nvSpPr>
-          <p:cNvPr id="5" name="TextBox 4">
-            <a:extLst>
-              <a:ext uri="{FF2B5EF4-FFF2-40B4-BE49-F238E27FC236}">
-                <a16:creationId xmlns:a16="http://schemas.microsoft.com/office/drawing/2014/main" id="{69CD6718-1564-8343-AA31-32300DA28216}"/>
-              </a:ext>
-            </a:extLst>
-          </p:cNvPr>
-          <p:cNvSpPr txBox="1"/>
-          <p:nvPr/>
-        </p:nvSpPr>
-        <p:spPr>
-          <a:xfrm>
-            <a:off x="304800" y="5950803"/>
-            <a:ext cx="5351978" cy="830997"/>
-          </a:xfrm>
-          <a:prstGeom prst="rect">
-            <a:avLst/>
-          </a:prstGeom>
-          <a:noFill/>
-          <a:ln>
-            <a:solidFill>
-              <a:srgbClr val="0432FF"/>
-            </a:solidFill>
-          </a:ln>
-        </p:spPr>
-        <p:txBody>
-          <a:bodyPr wrap="none" rtlCol="0">
-            <a:spAutoFit/>
-          </a:bodyPr>
-          <a:lstStyle/>
-          <a:p>
-            <a:r>
-              <a:rPr lang="en-US" sz="1600" dirty="0"/>
-              <a:t>Residual standard error: 1.311 on 36 degrees of freedom</a:t>
-            </a:r>
-          </a:p>
-          <a:p>
-            <a:r>
-              <a:rPr lang="en-US" sz="1600" dirty="0"/>
-              <a:t>Multiple R-squared:  0.8607,	Adjusted R-squared:  0.8182 </a:t>
-            </a:r>
-          </a:p>
-          <a:p>
-            <a:r>
-              <a:rPr lang="en-US" sz="1600" dirty="0"/>
-              <a:t>F-statistic: 20.22 on 11 and 36 DF,  p-value: 3.295e-12</a:t>
-            </a:r>
-          </a:p>
-        </p:txBody>
-      </p:sp>
-      <p:sp>
-        <p:nvSpPr>
-          <p:cNvPr id="8" name="TextBox 7">
-            <a:extLst>
-              <a:ext uri="{FF2B5EF4-FFF2-40B4-BE49-F238E27FC236}">
-                <a16:creationId xmlns:a16="http://schemas.microsoft.com/office/drawing/2014/main" id="{E5130B4C-6A0D-DF43-9ED2-E13A887A9438}"/>
-              </a:ext>
-            </a:extLst>
-          </p:cNvPr>
-          <p:cNvSpPr txBox="1"/>
-          <p:nvPr/>
-        </p:nvSpPr>
-        <p:spPr>
-          <a:xfrm>
-            <a:off x="5747949" y="6043135"/>
-            <a:ext cx="3170548" cy="646331"/>
-          </a:xfrm>
-          <a:prstGeom prst="rect">
-            <a:avLst/>
-          </a:prstGeom>
-          <a:noFill/>
-          <a:ln>
-            <a:solidFill>
-              <a:srgbClr val="7030A0"/>
-            </a:solidFill>
-          </a:ln>
-        </p:spPr>
-        <p:txBody>
-          <a:bodyPr wrap="square" rtlCol="0">
-            <a:spAutoFit/>
-          </a:bodyPr>
-          <a:lstStyle/>
-          <a:p>
-            <a:r>
-              <a:rPr lang="en-US" dirty="0"/>
-              <a:t>Too many post-hoc comparisons (n=66) to interpret all.</a:t>
-            </a:r>
-          </a:p>
-        </p:txBody>
-      </p:sp>
-      <p:cxnSp>
-        <p:nvCxnSpPr>
-          <p:cNvPr id="6" name="Straight Arrow Connector 5">
-            <a:extLst>
-              <a:ext uri="{FF2B5EF4-FFF2-40B4-BE49-F238E27FC236}">
-                <a16:creationId xmlns:a16="http://schemas.microsoft.com/office/drawing/2014/main" id="{E0D72B80-BF5F-E142-BF0E-FBB926BBF891}"/>
-              </a:ext>
-            </a:extLst>
-          </p:cNvPr>
-          <p:cNvCxnSpPr/>
-          <p:nvPr/>
-        </p:nvCxnSpPr>
-        <p:spPr>
-          <a:xfrm flipV="1">
-            <a:off x="4343400" y="1371600"/>
-            <a:ext cx="2057400" cy="1828800"/>
-          </a:xfrm>
-          <a:prstGeom prst="straightConnector1">
-            <a:avLst/>
-          </a:prstGeom>
-          <a:ln>
-            <a:tailEnd type="triangle"/>
-          </a:ln>
-        </p:spPr>
-        <p:style>
-          <a:lnRef idx="1">
-            <a:schemeClr val="accent1"/>
-          </a:lnRef>
-          <a:fillRef idx="0">
-            <a:schemeClr val="accent1"/>
-          </a:fillRef>
-          <a:effectRef idx="0">
-            <a:schemeClr val="accent1"/>
-          </a:effectRef>
-          <a:fontRef idx="minor">
-            <a:schemeClr val="tx1"/>
-          </a:fontRef>
-        </p:style>
-      </p:cxnSp>
-    </p:spTree>
-    <p:extLst>
-      <p:ext uri="{BB962C8B-B14F-4D97-AF65-F5344CB8AC3E}">
-        <p14:creationId xmlns:p14="http://schemas.microsoft.com/office/powerpoint/2010/main" val="2149664297"/>
-      </p:ext>
-    </p:extLst>
-  </p:cSld>
-  <p:clrMapOvr>
-    <a:masterClrMapping/>
-  </p:clrMapOvr>
-</p:sld>
-</file>
-
-<file path=ppt/slides/slide19.xml><?xml version="1.0" encoding="utf-8"?>
-<p:sld xmlns:a="http://schemas.openxmlformats.org/drawingml/2006/main" xmlns:r="http://schemas.openxmlformats.org/officeDocument/2006/relationships" xmlns:p="http://schemas.openxmlformats.org/presentationml/2006/main">
-  <p:cSld>
-    <p:spTree>
-      <p:nvGrpSpPr>
-        <p:cNvPr id="1" name=""/>
-        <p:cNvGrpSpPr/>
-        <p:nvPr/>
-      </p:nvGrpSpPr>
-      <p:grpSpPr>
-        <a:xfrm>
-          <a:off x="0" y="0"/>
-          <a:ext cx="0" cy="0"/>
-          <a:chOff x="0" y="0"/>
-          <a:chExt cx="0" cy="0"/>
-        </a:xfrm>
-      </p:grpSpPr>
-      <p:sp>
-        <p:nvSpPr>
-          <p:cNvPr id="2" name="Title 1">
-            <a:extLst>
-              <a:ext uri="{FF2B5EF4-FFF2-40B4-BE49-F238E27FC236}">
-                <a16:creationId xmlns:a16="http://schemas.microsoft.com/office/drawing/2014/main" id="{220A06A0-ED2A-5E47-9B42-A4413DBD8E1D}"/>
-              </a:ext>
-            </a:extLst>
-          </p:cNvPr>
-          <p:cNvSpPr>
-            <a:spLocks noGrp="1"/>
-          </p:cNvSpPr>
-          <p:nvPr>
-            <p:ph type="title"/>
-          </p:nvPr>
-        </p:nvSpPr>
-        <p:spPr>
-          <a:xfrm>
-            <a:off x="76200" y="-76200"/>
-            <a:ext cx="8229600" cy="944562"/>
-          </a:xfrm>
-        </p:spPr>
-        <p:txBody>
-          <a:bodyPr>
-            <a:normAutofit/>
-          </a:bodyPr>
-          <a:lstStyle/>
-          <a:p>
-            <a:r>
-              <a:rPr lang="en-US" dirty="0"/>
-              <a:t>Cow Growth Data-Mean/SD</a:t>
-            </a:r>
-          </a:p>
-        </p:txBody>
-      </p:sp>
-      <p:sp>
-        <p:nvSpPr>
-          <p:cNvPr id="3" name="Content Placeholder 2">
-            <a:extLst>
-              <a:ext uri="{FF2B5EF4-FFF2-40B4-BE49-F238E27FC236}">
-                <a16:creationId xmlns:a16="http://schemas.microsoft.com/office/drawing/2014/main" id="{580BAAD4-5F8C-714C-9AA1-D05A1DA2F419}"/>
-              </a:ext>
-            </a:extLst>
-          </p:cNvPr>
-          <p:cNvSpPr>
-            <a:spLocks noGrp="1"/>
-          </p:cNvSpPr>
-          <p:nvPr>
-            <p:ph idx="1"/>
-          </p:nvPr>
-        </p:nvSpPr>
-        <p:spPr>
-          <a:xfrm>
-            <a:off x="304800" y="792162"/>
-            <a:ext cx="8610600" cy="5532438"/>
-          </a:xfrm>
-        </p:spPr>
-        <p:txBody>
-          <a:bodyPr>
-            <a:normAutofit fontScale="85000" lnSpcReduction="10000"/>
-          </a:bodyPr>
-          <a:lstStyle/>
-          <a:p>
-            <a:pPr marL="0" indent="0">
-              <a:buNone/>
-            </a:pPr>
-            <a:r>
-              <a:rPr lang="en-US" dirty="0"/>
-              <a:t># calculate mean and standard error of gain for all 12 combinations</a:t>
-            </a:r>
-          </a:p>
-          <a:p>
-            <a:pPr marL="0" indent="0">
-              <a:buNone/>
-            </a:pPr>
-            <a:endParaRPr lang="en-US" dirty="0"/>
-          </a:p>
-          <a:p>
-            <a:pPr marL="0" indent="0">
-              <a:buNone/>
-            </a:pPr>
-            <a:r>
-              <a:rPr lang="en-US" dirty="0" err="1"/>
-              <a:t>sumMoo</a:t>
-            </a:r>
-            <a:r>
-              <a:rPr lang="en-US" dirty="0"/>
-              <a:t> &lt;- </a:t>
-            </a:r>
-            <a:r>
-              <a:rPr lang="en-US" dirty="0" err="1"/>
-              <a:t>growth.moo</a:t>
-            </a:r>
-            <a:r>
-              <a:rPr lang="en-US" dirty="0"/>
-              <a:t> %&gt;%</a:t>
-            </a:r>
-          </a:p>
-          <a:p>
-            <a:pPr marL="0" indent="0">
-              <a:buNone/>
-            </a:pPr>
-            <a:r>
-              <a:rPr lang="en-US" dirty="0"/>
-              <a:t>	</a:t>
-            </a:r>
-            <a:r>
-              <a:rPr lang="en-US" dirty="0" err="1">
-                <a:solidFill>
-                  <a:srgbClr val="C00000"/>
-                </a:solidFill>
-              </a:rPr>
-              <a:t>group_by</a:t>
-            </a:r>
-            <a:r>
-              <a:rPr lang="en-US" dirty="0"/>
-              <a:t>(diet, supplement) %&gt;%</a:t>
-            </a:r>
-          </a:p>
-          <a:p>
-            <a:pPr marL="0" indent="0">
-              <a:buNone/>
-            </a:pPr>
-            <a:r>
-              <a:rPr lang="en-US" dirty="0"/>
-              <a:t>		</a:t>
-            </a:r>
-            <a:r>
-              <a:rPr lang="en-US" dirty="0" err="1">
-                <a:solidFill>
-                  <a:srgbClr val="C00000"/>
-                </a:solidFill>
-              </a:rPr>
-              <a:t>summarise</a:t>
-            </a:r>
-            <a:r>
-              <a:rPr lang="en-US" dirty="0"/>
-              <a:t>(</a:t>
-            </a:r>
-          </a:p>
-          <a:p>
-            <a:pPr marL="0" indent="0">
-              <a:buNone/>
-            </a:pPr>
-            <a:r>
-              <a:rPr lang="en-US" dirty="0"/>
-              <a:t>		</a:t>
-            </a:r>
-            <a:r>
-              <a:rPr lang="en-US" dirty="0" err="1">
-                <a:solidFill>
-                  <a:srgbClr val="00B050"/>
-                </a:solidFill>
-              </a:rPr>
-              <a:t>meanGrow</a:t>
-            </a:r>
-            <a:r>
-              <a:rPr lang="en-US" dirty="0"/>
-              <a:t> = </a:t>
-            </a:r>
-            <a:r>
-              <a:rPr lang="en-US" dirty="0">
-                <a:solidFill>
-                  <a:srgbClr val="C00000"/>
-                </a:solidFill>
-              </a:rPr>
-              <a:t>mean</a:t>
-            </a:r>
-            <a:r>
-              <a:rPr lang="en-US" dirty="0"/>
-              <a:t>(gain),</a:t>
-            </a:r>
-          </a:p>
-          <a:p>
-            <a:pPr marL="0" indent="0">
-              <a:buNone/>
-            </a:pPr>
-            <a:r>
-              <a:rPr lang="en-US" dirty="0"/>
-              <a:t>		</a:t>
-            </a:r>
-            <a:r>
-              <a:rPr lang="en-US" dirty="0" err="1">
-                <a:solidFill>
-                  <a:srgbClr val="00B050"/>
-                </a:solidFill>
-              </a:rPr>
-              <a:t>seGrow</a:t>
-            </a:r>
-            <a:r>
-              <a:rPr lang="en-US" dirty="0"/>
-              <a:t> = </a:t>
-            </a:r>
-            <a:r>
-              <a:rPr lang="en-US" dirty="0" err="1">
-                <a:solidFill>
-                  <a:srgbClr val="C00000"/>
-                </a:solidFill>
-              </a:rPr>
-              <a:t>sd</a:t>
-            </a:r>
-            <a:r>
-              <a:rPr lang="en-US" dirty="0"/>
-              <a:t>(gain)/</a:t>
-            </a:r>
-            <a:r>
-              <a:rPr lang="en-US" dirty="0">
-                <a:solidFill>
-                  <a:srgbClr val="C00000"/>
-                </a:solidFill>
-              </a:rPr>
-              <a:t>sqrt</a:t>
-            </a:r>
-            <a:r>
-              <a:rPr lang="en-US" dirty="0"/>
-              <a:t>(</a:t>
-            </a:r>
-            <a:r>
-              <a:rPr lang="en-US" dirty="0">
-                <a:solidFill>
-                  <a:srgbClr val="C00000"/>
-                </a:solidFill>
-              </a:rPr>
-              <a:t>n</a:t>
-            </a:r>
-            <a:r>
-              <a:rPr lang="en-US" dirty="0"/>
-              <a:t>()))</a:t>
-            </a:r>
-          </a:p>
-          <a:p>
-            <a:pPr marL="0" indent="0">
-              <a:buNone/>
-            </a:pPr>
-            <a:endParaRPr lang="en-US" dirty="0"/>
-          </a:p>
-          <a:p>
-            <a:r>
-              <a:rPr lang="en-US" dirty="0"/>
-              <a:t>The </a:t>
-            </a:r>
-            <a:r>
-              <a:rPr lang="en-US" dirty="0">
-                <a:solidFill>
-                  <a:srgbClr val="0432FF"/>
-                </a:solidFill>
-              </a:rPr>
-              <a:t>standard error </a:t>
-            </a:r>
-            <a:r>
-              <a:rPr lang="en-US" dirty="0"/>
-              <a:t>of the mean is given by the standard deviation divided by the square root of the sample size, and </a:t>
-            </a:r>
-            <a:r>
-              <a:rPr lang="en-US" dirty="0" err="1">
-                <a:solidFill>
-                  <a:srgbClr val="C00000"/>
-                </a:solidFill>
-              </a:rPr>
-              <a:t>dplyr</a:t>
-            </a:r>
-            <a:r>
-              <a:rPr lang="en-US" dirty="0"/>
-              <a:t> provides a function </a:t>
-            </a:r>
-            <a:r>
-              <a:rPr lang="en-US" dirty="0">
-                <a:solidFill>
-                  <a:srgbClr val="C00000"/>
-                </a:solidFill>
-              </a:rPr>
-              <a:t>n</a:t>
-            </a:r>
-            <a:r>
-              <a:rPr lang="en-US" dirty="0"/>
-              <a:t>() that counts the rows in each group.</a:t>
-            </a:r>
-          </a:p>
-          <a:p>
-            <a:pPr marL="0" indent="0">
-              <a:buNone/>
-            </a:pPr>
-            <a:r>
-              <a:rPr lang="en-US" dirty="0"/>
-              <a:t> </a:t>
-            </a:r>
-          </a:p>
-          <a:p>
-            <a:r>
-              <a:rPr lang="en-US" dirty="0"/>
-              <a:t>Be careful…if you have missing values, n() will still count these rows. Must filter NA values before analyses. (</a:t>
-            </a:r>
-            <a:r>
-              <a:rPr lang="en-US" dirty="0" err="1"/>
-              <a:t>na.omit</a:t>
-            </a:r>
-            <a:r>
-              <a:rPr lang="en-US" dirty="0"/>
-              <a:t>, etc.)</a:t>
-            </a:r>
-          </a:p>
-          <a:p>
-            <a:pPr marL="0" indent="0">
-              <a:buNone/>
-            </a:pPr>
-            <a:endParaRPr lang="en-US" dirty="0"/>
-          </a:p>
-        </p:txBody>
-      </p:sp>
-    </p:spTree>
-    <p:extLst>
-      <p:ext uri="{BB962C8B-B14F-4D97-AF65-F5344CB8AC3E}">
-        <p14:creationId xmlns:p14="http://schemas.microsoft.com/office/powerpoint/2010/main" val="186922481"/>
       </p:ext>
     </p:extLst>
   </p:cSld>
@@ -9896,7 +9838,7 @@
           <a:p>
             <a:r>
               <a:rPr lang="en-US" dirty="0"/>
-              <a:t>Cow Growth Data-Mean/SD</a:t>
+              <a:t>Cow Growth Data-Summary Table</a:t>
             </a:r>
           </a:p>
         </p:txBody>
@@ -9925,7 +9867,7 @@
         </p:spPr>
         <p:txBody>
           <a:bodyPr>
-            <a:normAutofit fontScale="70000" lnSpcReduction="20000"/>
+            <a:normAutofit fontScale="55000" lnSpcReduction="20000"/>
           </a:bodyPr>
           <a:lstStyle/>
           <a:p>
@@ -9933,9 +9875,296 @@
               <a:buNone/>
             </a:pPr>
             <a:r>
+              <a:rPr lang="en-US" dirty="0">
+                <a:solidFill>
+                  <a:srgbClr val="C00000"/>
+                </a:solidFill>
+              </a:rPr>
+              <a:t>summary</a:t>
+            </a:r>
+            <a:r>
+              <a:rPr lang="en-US" dirty="0"/>
+              <a:t>(</a:t>
+            </a:r>
+            <a:r>
               <a:rPr lang="en-US" dirty="0" err="1"/>
-              <a:t>sumMoo</a:t>
-            </a:r>
+              <a:t>model_cow</a:t>
+            </a:r>
+            <a:r>
+              <a:rPr lang="en-US" dirty="0"/>
+              <a:t>)</a:t>
+            </a:r>
+          </a:p>
+          <a:p>
+            <a:pPr marL="0" indent="0">
+              <a:buNone/>
+            </a:pPr>
+            <a:r>
+              <a:rPr lang="en-US" dirty="0"/>
+              <a:t>##</a:t>
+            </a:r>
+          </a:p>
+          <a:p>
+            <a:pPr marL="0" indent="0">
+              <a:buNone/>
+            </a:pPr>
+            <a:r>
+              <a:rPr lang="en-US" dirty="0"/>
+              <a:t>## Call:</a:t>
+            </a:r>
+          </a:p>
+          <a:p>
+            <a:pPr marL="0" indent="0">
+              <a:buNone/>
+            </a:pPr>
+            <a:r>
+              <a:rPr lang="en-US" dirty="0"/>
+              <a:t>## </a:t>
+            </a:r>
+            <a:r>
+              <a:rPr lang="en-US" dirty="0" err="1"/>
+              <a:t>lm</a:t>
+            </a:r>
+            <a:r>
+              <a:rPr lang="en-US" dirty="0"/>
+              <a:t>(formula = gain ~ diet * supplement, data = </a:t>
+            </a:r>
+            <a:r>
+              <a:rPr lang="en-US" dirty="0" err="1"/>
+              <a:t>growth.moo</a:t>
+            </a:r>
+            <a:r>
+              <a:rPr lang="en-US" dirty="0"/>
+              <a:t>)</a:t>
+            </a:r>
+          </a:p>
+          <a:p>
+            <a:pPr marL="0" indent="0">
+              <a:buNone/>
+            </a:pPr>
+            <a:r>
+              <a:rPr lang="en-US" dirty="0"/>
+              <a:t>##</a:t>
+            </a:r>
+          </a:p>
+          <a:p>
+            <a:pPr marL="0" indent="0">
+              <a:buNone/>
+            </a:pPr>
+            <a:r>
+              <a:rPr lang="en-US" dirty="0"/>
+              <a:t>## Residuals:</a:t>
+            </a:r>
+          </a:p>
+          <a:p>
+            <a:pPr marL="0" indent="0">
+              <a:buNone/>
+            </a:pPr>
+            <a:r>
+              <a:rPr lang="en-US" dirty="0"/>
+              <a:t>## Min 1Q Median 3Q Max</a:t>
+            </a:r>
+          </a:p>
+          <a:p>
+            <a:pPr marL="0" indent="0">
+              <a:buNone/>
+            </a:pPr>
+            <a:r>
+              <a:rPr lang="en-US" dirty="0"/>
+              <a:t>## -2.48756 -1.00368 -0.07452 1.03496 2.68069</a:t>
+            </a:r>
+          </a:p>
+          <a:p>
+            <a:pPr marL="0" indent="0">
+              <a:buNone/>
+            </a:pPr>
+            <a:r>
+              <a:rPr lang="en-US" dirty="0"/>
+              <a:t>##</a:t>
+            </a:r>
+          </a:p>
+          <a:p>
+            <a:pPr marL="0" indent="0">
+              <a:buNone/>
+            </a:pPr>
+            <a:r>
+              <a:rPr lang="en-US" dirty="0"/>
+              <a:t>## Coefficients:</a:t>
+            </a:r>
+          </a:p>
+          <a:p>
+            <a:pPr marL="0" indent="0">
+              <a:buNone/>
+            </a:pPr>
+            <a:r>
+              <a:rPr lang="en-US" dirty="0"/>
+              <a:t>                                		Estimate 		Std. Error 	t value 	</a:t>
+            </a:r>
+            <a:r>
+              <a:rPr lang="en-US" dirty="0" err="1"/>
+              <a:t>Pr</a:t>
+            </a:r>
+            <a:r>
+              <a:rPr lang="en-US" dirty="0"/>
+              <a:t>(&gt;|t|)    </a:t>
+            </a:r>
+          </a:p>
+          <a:p>
+            <a:pPr marL="0" indent="0">
+              <a:buNone/>
+            </a:pPr>
+            <a:r>
+              <a:rPr lang="en-US" dirty="0"/>
+              <a:t>(Intercept)                   		23.2966499	0.6555863  	35.536  	&lt; 2e-16 ***</a:t>
+            </a:r>
+          </a:p>
+          <a:p>
+            <a:pPr marL="0" indent="0">
+              <a:buNone/>
+            </a:pPr>
+            <a:r>
+              <a:rPr lang="en-US" dirty="0" err="1"/>
+              <a:t>dietoats</a:t>
+            </a:r>
+            <a:r>
+              <a:rPr lang="en-US" dirty="0"/>
+              <a:t>                      		-2.8029851  	0.9271390  -3.023  	0.00459 ** </a:t>
+            </a:r>
+          </a:p>
+          <a:p>
+            <a:pPr marL="0" indent="0">
+              <a:buNone/>
+            </a:pPr>
+            <a:r>
+              <a:rPr lang="en-US" dirty="0" err="1"/>
+              <a:t>dietwheat</a:t>
+            </a:r>
+            <a:r>
+              <a:rPr lang="en-US" dirty="0"/>
+              <a:t>                     		-5.8911317  	0.9271390  -6.354 	2.34e-07 ***</a:t>
+            </a:r>
+          </a:p>
+          <a:p>
+            <a:pPr marL="0" indent="0">
+              <a:buNone/>
+            </a:pPr>
+            <a:r>
+              <a:rPr lang="en-US" dirty="0" err="1"/>
+              <a:t>supplementagrimore</a:t>
+            </a:r>
+            <a:r>
+              <a:rPr lang="en-US" dirty="0"/>
+              <a:t>             	3.0518277  		0.9271390   3.292  	0.00224 ** </a:t>
+            </a:r>
+          </a:p>
+          <a:p>
+            <a:pPr marL="0" indent="0">
+              <a:buNone/>
+            </a:pPr>
+            <a:r>
+              <a:rPr lang="en-US" dirty="0" err="1"/>
+              <a:t>supplementsupergain</a:t>
+            </a:r>
+            <a:r>
+              <a:rPr lang="en-US" dirty="0"/>
+              <a:t>           	-0.8305263  	0.9271390  -0.896  	0.37631    </a:t>
+            </a:r>
+          </a:p>
+          <a:p>
+            <a:pPr marL="0" indent="0">
+              <a:buNone/>
+            </a:pPr>
+            <a:r>
+              <a:rPr lang="en-US" dirty="0" err="1"/>
+              <a:t>supplementsupersupp</a:t>
+            </a:r>
+            <a:r>
+              <a:rPr lang="en-US" dirty="0"/>
+              <a:t>            	2.2786527  		0.9271390   2.458  	0.01893 *  </a:t>
+            </a:r>
+          </a:p>
+          <a:p>
+            <a:pPr marL="0" indent="0">
+              <a:buNone/>
+            </a:pPr>
+            <a:r>
+              <a:rPr lang="en-US" dirty="0" err="1"/>
+              <a:t>dietoats:supplementagrimore</a:t>
+            </a:r>
+            <a:r>
+              <a:rPr lang="en-US" dirty="0"/>
+              <a:t>   	-0.2471088  	1.3111726  -0.188  	0.85157    </a:t>
+            </a:r>
+          </a:p>
+          <a:p>
+            <a:pPr marL="0" indent="0">
+              <a:buNone/>
+            </a:pPr>
+            <a:r>
+              <a:rPr lang="en-US" dirty="0" err="1"/>
+              <a:t>dietwheat:supplementagrimore</a:t>
+            </a:r>
+            <a:r>
+              <a:rPr lang="en-US" dirty="0"/>
+              <a:t>  	-0.8182729  	1.3111726  -0.624  	0.53651    </a:t>
+            </a:r>
+          </a:p>
+          <a:p>
+            <a:pPr marL="0" indent="0">
+              <a:buNone/>
+            </a:pPr>
+            <a:r>
+              <a:rPr lang="en-US" dirty="0" err="1"/>
+              <a:t>dietoats:supplementsupergain</a:t>
+            </a:r>
+            <a:r>
+              <a:rPr lang="en-US" dirty="0"/>
+              <a:t>  	-0.0001351  	1.3111726   0.000  	0.99992    </a:t>
+            </a:r>
+          </a:p>
+          <a:p>
+            <a:pPr marL="0" indent="0">
+              <a:buNone/>
+            </a:pPr>
+            <a:r>
+              <a:rPr lang="en-US" dirty="0" err="1"/>
+              <a:t>dietwheat:supplementsupergain</a:t>
+            </a:r>
+            <a:r>
+              <a:rPr lang="en-US" dirty="0"/>
+              <a:t>  	0.4374395  		1.3111726   0.334  	0.74060    </a:t>
+            </a:r>
+          </a:p>
+          <a:p>
+            <a:pPr marL="0" indent="0">
+              <a:buNone/>
+            </a:pPr>
+            <a:r>
+              <a:rPr lang="en-US" dirty="0" err="1"/>
+              <a:t>dietoats:supplementsupersupp</a:t>
+            </a:r>
+            <a:r>
+              <a:rPr lang="en-US" dirty="0"/>
+              <a:t>  	-0.9120830  	1.3111726  -0.696  	0.49113    </a:t>
+            </a:r>
+          </a:p>
+          <a:p>
+            <a:pPr marL="0" indent="0">
+              <a:buNone/>
+            </a:pPr>
+            <a:r>
+              <a:rPr lang="en-US" dirty="0" err="1"/>
+              <a:t>dietwheat:supplementsupersupp</a:t>
+            </a:r>
+            <a:r>
+              <a:rPr lang="en-US" dirty="0"/>
+              <a:t> 	-0.0158299  	1.3111726  -0.012  	0.99043</a:t>
+            </a:r>
+          </a:p>
+          <a:p>
+            <a:pPr marL="0" indent="0">
+              <a:buNone/>
+            </a:pPr>
             <a:endParaRPr lang="en-US" dirty="0"/>
           </a:p>
           <a:p>
@@ -9944,309 +10173,179 @@
             </a:pPr>
             <a:endParaRPr lang="en-US" dirty="0"/>
           </a:p>
-          <a:p>
-            <a:pPr marL="0" indent="0">
-              <a:buNone/>
-            </a:pPr>
-            <a:r>
-              <a:rPr lang="en-US" dirty="0"/>
-              <a:t># A </a:t>
-            </a:r>
-            <a:r>
-              <a:rPr lang="en-US" dirty="0" err="1"/>
-              <a:t>tibble</a:t>
-            </a:r>
-            <a:r>
-              <a:rPr lang="en-US" dirty="0"/>
-              <a:t>: 12 x 4</a:t>
-            </a:r>
-          </a:p>
-          <a:p>
-            <a:pPr marL="0" indent="0">
-              <a:buNone/>
-            </a:pPr>
-            <a:r>
-              <a:rPr lang="en-US" dirty="0"/>
-              <a:t># Groups:   diet [3]</a:t>
-            </a:r>
-          </a:p>
-          <a:p>
-            <a:pPr marL="0" indent="0">
-              <a:buNone/>
-            </a:pPr>
-            <a:r>
-              <a:rPr lang="en-US" dirty="0"/>
-              <a:t>   </a:t>
-            </a:r>
-            <a:r>
-              <a:rPr lang="en-US" dirty="0">
-                <a:solidFill>
-                  <a:srgbClr val="0432FF"/>
-                </a:solidFill>
-              </a:rPr>
-              <a:t>diet   		supplement</a:t>
-            </a:r>
-            <a:r>
-              <a:rPr lang="en-US" dirty="0"/>
-              <a:t> 	</a:t>
-            </a:r>
-            <a:r>
-              <a:rPr lang="en-US" dirty="0" err="1">
-                <a:solidFill>
-                  <a:srgbClr val="00B050"/>
-                </a:solidFill>
-              </a:rPr>
-              <a:t>meanGrow</a:t>
-            </a:r>
-            <a:r>
-              <a:rPr lang="en-US" dirty="0">
-                <a:solidFill>
-                  <a:srgbClr val="00B050"/>
-                </a:solidFill>
-              </a:rPr>
-              <a:t>	</a:t>
-            </a:r>
-            <a:r>
-              <a:rPr lang="en-US" dirty="0" err="1">
-                <a:solidFill>
-                  <a:srgbClr val="00B050"/>
-                </a:solidFill>
-              </a:rPr>
-              <a:t>seGrow</a:t>
-            </a:r>
-            <a:endParaRPr lang="en-US" dirty="0">
-              <a:solidFill>
-                <a:srgbClr val="00B050"/>
-              </a:solidFill>
-            </a:endParaRPr>
-          </a:p>
-          <a:p>
-            <a:pPr marL="0" indent="0">
-              <a:buNone/>
-            </a:pPr>
-            <a:r>
-              <a:rPr lang="en-US" dirty="0"/>
-              <a:t>   &lt;</a:t>
-            </a:r>
-            <a:r>
-              <a:rPr lang="en-US" dirty="0" err="1"/>
-              <a:t>fct</a:t>
-            </a:r>
-            <a:r>
-              <a:rPr lang="en-US" dirty="0"/>
-              <a:t>&gt;  		&lt;</a:t>
-            </a:r>
-            <a:r>
-              <a:rPr lang="en-US" dirty="0" err="1"/>
-              <a:t>fct</a:t>
-            </a:r>
-            <a:r>
-              <a:rPr lang="en-US" dirty="0"/>
-              <a:t>&gt;		&lt;</a:t>
-            </a:r>
-            <a:r>
-              <a:rPr lang="en-US" dirty="0" err="1"/>
-              <a:t>dbl</a:t>
-            </a:r>
-            <a:r>
-              <a:rPr lang="en-US" dirty="0"/>
-              <a:t>&gt;  		&lt;</a:t>
-            </a:r>
-            <a:r>
-              <a:rPr lang="en-US" dirty="0" err="1"/>
-              <a:t>dbl</a:t>
-            </a:r>
-            <a:r>
-              <a:rPr lang="en-US" dirty="0"/>
-              <a:t>&gt;</a:t>
-            </a:r>
-          </a:p>
-          <a:p>
-            <a:pPr marL="0" indent="0">
-              <a:buNone/>
-            </a:pPr>
-            <a:r>
-              <a:rPr lang="en-US" dirty="0"/>
-              <a:t> 1 barley 	control        	23.3  		0.703</a:t>
-            </a:r>
-          </a:p>
-          <a:p>
-            <a:pPr marL="0" indent="0">
-              <a:buNone/>
-            </a:pPr>
-            <a:r>
-              <a:rPr lang="en-US" dirty="0"/>
-              <a:t> 2 barley 	</a:t>
-            </a:r>
-            <a:r>
-              <a:rPr lang="en-US" dirty="0" err="1"/>
-              <a:t>agrimore</a:t>
-            </a:r>
-            <a:r>
-              <a:rPr lang="en-US" dirty="0"/>
-              <a:t>       	26.3  		0.919</a:t>
-            </a:r>
-          </a:p>
-          <a:p>
-            <a:pPr marL="0" indent="0">
-              <a:buNone/>
-            </a:pPr>
-            <a:r>
-              <a:rPr lang="en-US" dirty="0"/>
-              <a:t> 3 barley 	</a:t>
-            </a:r>
-            <a:r>
-              <a:rPr lang="en-US" dirty="0" err="1"/>
-              <a:t>supergain</a:t>
-            </a:r>
-            <a:r>
-              <a:rPr lang="en-US" dirty="0"/>
-              <a:t>      	22.5  		0.771</a:t>
-            </a:r>
-          </a:p>
-          <a:p>
-            <a:pPr marL="0" indent="0">
-              <a:buNone/>
-            </a:pPr>
-            <a:r>
-              <a:rPr lang="en-US" dirty="0"/>
-              <a:t> 4 barley 	</a:t>
-            </a:r>
-            <a:r>
-              <a:rPr lang="en-US" dirty="0" err="1"/>
-              <a:t>supersupp</a:t>
-            </a:r>
-            <a:r>
-              <a:rPr lang="en-US" dirty="0"/>
-              <a:t>      	25.6  		1.06 </a:t>
-            </a:r>
-          </a:p>
-          <a:p>
-            <a:pPr marL="0" indent="0">
-              <a:buNone/>
-            </a:pPr>
-            <a:r>
-              <a:rPr lang="en-US" dirty="0"/>
-              <a:t> 5 oats   		control        	20.5  		0.506</a:t>
-            </a:r>
-          </a:p>
-          <a:p>
-            <a:pPr marL="0" indent="0">
-              <a:buNone/>
-            </a:pPr>
-            <a:r>
-              <a:rPr lang="en-US" dirty="0"/>
-              <a:t> 6 oats   		</a:t>
-            </a:r>
-            <a:r>
-              <a:rPr lang="en-US" dirty="0" err="1"/>
-              <a:t>agrimore</a:t>
-            </a:r>
-            <a:r>
-              <a:rPr lang="en-US" dirty="0"/>
-              <a:t>       	23.3  		0.613</a:t>
-            </a:r>
-          </a:p>
-          <a:p>
-            <a:pPr marL="0" indent="0">
-              <a:buNone/>
-            </a:pPr>
-            <a:r>
-              <a:rPr lang="en-US" dirty="0"/>
-              <a:t> 7 oats   		</a:t>
-            </a:r>
-            <a:r>
-              <a:rPr lang="en-US" dirty="0" err="1"/>
-              <a:t>supergain</a:t>
-            </a:r>
-            <a:r>
-              <a:rPr lang="en-US" dirty="0"/>
-              <a:t>      	19.7  		0.349</a:t>
-            </a:r>
-          </a:p>
-          <a:p>
-            <a:pPr marL="0" indent="0">
-              <a:buNone/>
-            </a:pPr>
-            <a:r>
-              <a:rPr lang="en-US" dirty="0"/>
-              <a:t> 8 oats   		</a:t>
-            </a:r>
-            <a:r>
-              <a:rPr lang="en-US" dirty="0" err="1"/>
-              <a:t>supersupp</a:t>
-            </a:r>
-            <a:r>
-              <a:rPr lang="en-US" dirty="0"/>
-              <a:t>      	21.9  		0.413</a:t>
-            </a:r>
-          </a:p>
-          <a:p>
-            <a:pPr marL="0" indent="0">
-              <a:buNone/>
-            </a:pPr>
-            <a:r>
-              <a:rPr lang="en-US" dirty="0"/>
-              <a:t> 9 wheat  	control        	17.4  		0.460</a:t>
-            </a:r>
-          </a:p>
-          <a:p>
-            <a:pPr marL="0" indent="0">
-              <a:buNone/>
-            </a:pPr>
-            <a:r>
-              <a:rPr lang="en-US" dirty="0"/>
-              <a:t>10 wheat  	</a:t>
-            </a:r>
-            <a:r>
-              <a:rPr lang="en-US" dirty="0" err="1"/>
-              <a:t>agrimore</a:t>
-            </a:r>
-            <a:r>
-              <a:rPr lang="en-US" dirty="0"/>
-              <a:t>       	19.6  		0.710</a:t>
-            </a:r>
-          </a:p>
-          <a:p>
-            <a:pPr marL="0" indent="0">
-              <a:buNone/>
-            </a:pPr>
-            <a:r>
-              <a:rPr lang="en-US" dirty="0"/>
-              <a:t>11 wheat  	</a:t>
-            </a:r>
-            <a:r>
-              <a:rPr lang="en-US" dirty="0" err="1"/>
-              <a:t>supergain</a:t>
-            </a:r>
-            <a:r>
-              <a:rPr lang="en-US" dirty="0"/>
-              <a:t>      	17.0  		0.485</a:t>
-            </a:r>
-          </a:p>
-          <a:p>
-            <a:pPr marL="0" indent="0">
-              <a:buNone/>
-            </a:pPr>
-            <a:r>
-              <a:rPr lang="en-US" dirty="0"/>
-              <a:t>12 wheat  	</a:t>
-            </a:r>
-            <a:r>
-              <a:rPr lang="en-US" dirty="0" err="1"/>
-              <a:t>supersupp</a:t>
-            </a:r>
-            <a:r>
-              <a:rPr lang="en-US" dirty="0"/>
-              <a:t>      	19.7  		0.475</a:t>
-            </a:r>
-          </a:p>
-        </p:txBody>
-      </p:sp>
+        </p:txBody>
+      </p:sp>
+      <p:pic>
+        <p:nvPicPr>
+          <p:cNvPr id="7" name="Picture 6" descr="Chart, line chart&#10;&#10;Description automatically generated">
+            <a:extLst>
+              <a:ext uri="{FF2B5EF4-FFF2-40B4-BE49-F238E27FC236}">
+                <a16:creationId xmlns:a16="http://schemas.microsoft.com/office/drawing/2014/main" id="{EFC8CBBE-9683-A444-AF6B-B385B040DD2C}"/>
+              </a:ext>
+            </a:extLst>
+          </p:cNvPr>
+          <p:cNvPicPr>
+            <a:picLocks noChangeAspect="1"/>
+          </p:cNvPicPr>
+          <p:nvPr/>
+        </p:nvPicPr>
+        <p:blipFill>
+          <a:blip r:embed="rId3">
+            <a:extLst>
+              <a:ext uri="{28A0092B-C50C-407E-A947-70E740481C1C}">
+                <a14:useLocalDpi xmlns:a14="http://schemas.microsoft.com/office/drawing/2010/main" val="0"/>
+              </a:ext>
+            </a:extLst>
+          </a:blip>
+          <a:stretch>
+            <a:fillRect/>
+          </a:stretch>
+        </p:blipFill>
+        <p:spPr>
+          <a:xfrm>
+            <a:off x="5791200" y="630922"/>
+            <a:ext cx="3170548" cy="2264678"/>
+          </a:xfrm>
+          <a:prstGeom prst="rect">
+            <a:avLst/>
+          </a:prstGeom>
+        </p:spPr>
+      </p:pic>
+      <p:sp>
+        <p:nvSpPr>
+          <p:cNvPr id="5" name="TextBox 4">
+            <a:extLst>
+              <a:ext uri="{FF2B5EF4-FFF2-40B4-BE49-F238E27FC236}">
+                <a16:creationId xmlns:a16="http://schemas.microsoft.com/office/drawing/2014/main" id="{69CD6718-1564-8343-AA31-32300DA28216}"/>
+              </a:ext>
+            </a:extLst>
+          </p:cNvPr>
+          <p:cNvSpPr txBox="1"/>
+          <p:nvPr/>
+        </p:nvSpPr>
+        <p:spPr>
+          <a:xfrm>
+            <a:off x="304800" y="5950803"/>
+            <a:ext cx="5351978" cy="830997"/>
+          </a:xfrm>
+          <a:prstGeom prst="rect">
+            <a:avLst/>
+          </a:prstGeom>
+          <a:noFill/>
+          <a:ln>
+            <a:solidFill>
+              <a:srgbClr val="0432FF"/>
+            </a:solidFill>
+          </a:ln>
+        </p:spPr>
+        <p:txBody>
+          <a:bodyPr wrap="none" rtlCol="0">
+            <a:spAutoFit/>
+          </a:bodyPr>
+          <a:lstStyle/>
+          <a:p>
+            <a:r>
+              <a:rPr lang="en-US" sz="1600" dirty="0"/>
+              <a:t>Residual standard error: 1.311 on 36 degrees of freedom</a:t>
+            </a:r>
+          </a:p>
+          <a:p>
+            <a:r>
+              <a:rPr lang="en-US" sz="1600" dirty="0"/>
+              <a:t>Multiple R-squared:  0.8607,	Adjusted R-squared:  0.8182 </a:t>
+            </a:r>
+          </a:p>
+          <a:p>
+            <a:r>
+              <a:rPr lang="en-US" sz="1600" dirty="0"/>
+              <a:t>F-statistic: 20.22 on 11 and 36 DF,  p-value: 3.295e-12</a:t>
+            </a:r>
+          </a:p>
+        </p:txBody>
+      </p:sp>
+      <p:sp>
+        <p:nvSpPr>
+          <p:cNvPr id="8" name="TextBox 7">
+            <a:extLst>
+              <a:ext uri="{FF2B5EF4-FFF2-40B4-BE49-F238E27FC236}">
+                <a16:creationId xmlns:a16="http://schemas.microsoft.com/office/drawing/2014/main" id="{E5130B4C-6A0D-DF43-9ED2-E13A887A9438}"/>
+              </a:ext>
+            </a:extLst>
+          </p:cNvPr>
+          <p:cNvSpPr txBox="1"/>
+          <p:nvPr/>
+        </p:nvSpPr>
+        <p:spPr>
+          <a:xfrm>
+            <a:off x="5747949" y="6043135"/>
+            <a:ext cx="3170548" cy="646331"/>
+          </a:xfrm>
+          <a:prstGeom prst="rect">
+            <a:avLst/>
+          </a:prstGeom>
+          <a:noFill/>
+          <a:ln>
+            <a:solidFill>
+              <a:srgbClr val="7030A0"/>
+            </a:solidFill>
+          </a:ln>
+        </p:spPr>
+        <p:txBody>
+          <a:bodyPr wrap="square" rtlCol="0">
+            <a:spAutoFit/>
+          </a:bodyPr>
+          <a:lstStyle/>
+          <a:p>
+            <a:r>
+              <a:rPr lang="en-US" dirty="0"/>
+              <a:t>Too many post-hoc comparisons (n=66) to interpret all.</a:t>
+            </a:r>
+          </a:p>
+        </p:txBody>
+      </p:sp>
+      <p:cxnSp>
+        <p:nvCxnSpPr>
+          <p:cNvPr id="6" name="Straight Arrow Connector 5">
+            <a:extLst>
+              <a:ext uri="{FF2B5EF4-FFF2-40B4-BE49-F238E27FC236}">
+                <a16:creationId xmlns:a16="http://schemas.microsoft.com/office/drawing/2014/main" id="{E0D72B80-BF5F-E142-BF0E-FBB926BBF891}"/>
+              </a:ext>
+            </a:extLst>
+          </p:cNvPr>
+          <p:cNvCxnSpPr/>
+          <p:nvPr/>
+        </p:nvCxnSpPr>
+        <p:spPr>
+          <a:xfrm flipV="1">
+            <a:off x="4343400" y="1371600"/>
+            <a:ext cx="2057400" cy="1828800"/>
+          </a:xfrm>
+          <a:prstGeom prst="straightConnector1">
+            <a:avLst/>
+          </a:prstGeom>
+          <a:ln>
+            <a:tailEnd type="triangle"/>
+          </a:ln>
+        </p:spPr>
+        <p:style>
+          <a:lnRef idx="1">
+            <a:schemeClr val="accent1"/>
+          </a:lnRef>
+          <a:fillRef idx="0">
+            <a:schemeClr val="accent1"/>
+          </a:fillRef>
+          <a:effectRef idx="0">
+            <a:schemeClr val="accent1"/>
+          </a:effectRef>
+          <a:fontRef idx="minor">
+            <a:schemeClr val="tx1"/>
+          </a:fontRef>
+        </p:style>
+      </p:cxnSp>
     </p:spTree>
     <p:extLst>
       <p:ext uri="{BB962C8B-B14F-4D97-AF65-F5344CB8AC3E}">
-        <p14:creationId xmlns:p14="http://schemas.microsoft.com/office/powerpoint/2010/main" val="2344496302"/>
+        <p14:creationId xmlns:p14="http://schemas.microsoft.com/office/powerpoint/2010/main" val="2149664297"/>
       </p:ext>
     </p:extLst>
   </p:cSld>
@@ -10303,7 +10402,7 @@
           <a:p>
             <a:r>
               <a:rPr lang="en-US" dirty="0"/>
-              <a:t>Cow Growth Data-Plot Mean/SE</a:t>
+              <a:t>Cow Growth-Calculate Mean/SE</a:t>
             </a:r>
           </a:p>
         </p:txBody>
@@ -10326,28 +10425,58 @@
         </p:nvSpPr>
         <p:spPr>
           <a:xfrm>
-            <a:off x="457200" y="1020762"/>
+            <a:off x="304800" y="792162"/>
             <a:ext cx="8610600" cy="5532438"/>
           </a:xfrm>
         </p:spPr>
         <p:txBody>
           <a:bodyPr>
-            <a:normAutofit/>
+            <a:normAutofit fontScale="85000" lnSpcReduction="10000"/>
           </a:bodyPr>
           <a:lstStyle/>
           <a:p>
-            <a:r>
-              <a:rPr lang="en-US" dirty="0"/>
-              <a:t>With this summary table, we can now add three layers to the figure: points, lines, and error bars.</a:t>
-            </a:r>
-          </a:p>
-          <a:p>
+            <a:pPr marL="0" indent="0">
+              <a:buNone/>
+            </a:pPr>
+            <a:r>
+              <a:rPr lang="en-US" dirty="0"/>
+              <a:t># calculate mean and standard error of gain for all 12 combinations</a:t>
+            </a:r>
+          </a:p>
+          <a:p>
+            <a:pPr marL="0" indent="0">
+              <a:buNone/>
+            </a:pPr>
             <a:endParaRPr lang="en-US" dirty="0"/>
           </a:p>
           <a:p>
-            <a:r>
-              <a:rPr lang="en-US" dirty="0"/>
-              <a:t>To do this, we introduce </a:t>
+            <a:pPr marL="0" indent="0">
+              <a:buNone/>
+            </a:pPr>
+            <a:r>
+              <a:rPr lang="en-US" dirty="0" err="1"/>
+              <a:t>sumMoo</a:t>
+            </a:r>
+            <a:r>
+              <a:rPr lang="en-US" dirty="0"/>
+              <a:t> &lt;- </a:t>
+            </a:r>
+            <a:r>
+              <a:rPr lang="en-US" dirty="0" err="1"/>
+              <a:t>growth.moo</a:t>
+            </a:r>
+            <a:r>
+              <a:rPr lang="en-US" dirty="0"/>
+              <a:t> %&gt;%</a:t>
+            </a:r>
+          </a:p>
+          <a:p>
+            <a:pPr marL="0" indent="0">
+              <a:buNone/>
+            </a:pPr>
+            <a:r>
+              <a:rPr lang="en-US" dirty="0"/>
+              <a:t>	</a:t>
             </a:r>
             <a:r>
               <a:rPr lang="en-US" dirty="0" err="1">
@@ -10355,69 +10484,207 @@
                   <a:srgbClr val="C00000"/>
                 </a:solidFill>
               </a:rPr>
-              <a:t>geom_errorbar</a:t>
-            </a:r>
-            <a:r>
-              <a:rPr lang="en-US" dirty="0"/>
-              <a:t>(), which has its own aesthetics: the lower and upper limits of the vertical lines that we call error bars. </a:t>
-            </a:r>
-          </a:p>
-          <a:p>
+              <a:t>group_by</a:t>
+            </a:r>
+            <a:r>
+              <a:rPr lang="en-US" dirty="0"/>
+              <a:t>(diet, supplement) %&gt;%</a:t>
+            </a:r>
+          </a:p>
+          <a:p>
+            <a:pPr marL="0" indent="0">
+              <a:buNone/>
+            </a:pPr>
+            <a:r>
+              <a:rPr lang="en-US" dirty="0"/>
+              <a:t>		</a:t>
+            </a:r>
+            <a:r>
+              <a:rPr lang="en-US" dirty="0" err="1">
+                <a:solidFill>
+                  <a:srgbClr val="C00000"/>
+                </a:solidFill>
+              </a:rPr>
+              <a:t>summarise</a:t>
+            </a:r>
+            <a:r>
+              <a:rPr lang="en-US" dirty="0"/>
+              <a:t>(</a:t>
+            </a:r>
+          </a:p>
+          <a:p>
+            <a:pPr marL="0" indent="0">
+              <a:buNone/>
+            </a:pPr>
+            <a:r>
+              <a:rPr lang="en-US" dirty="0"/>
+              <a:t>		</a:t>
+            </a:r>
+            <a:r>
+              <a:rPr lang="en-US" dirty="0" err="1">
+                <a:solidFill>
+                  <a:srgbClr val="00B050"/>
+                </a:solidFill>
+              </a:rPr>
+              <a:t>meanGrow</a:t>
+            </a:r>
+            <a:r>
+              <a:rPr lang="en-US" dirty="0"/>
+              <a:t> = </a:t>
+            </a:r>
+            <a:r>
+              <a:rPr lang="en-US" dirty="0">
+                <a:solidFill>
+                  <a:srgbClr val="C00000"/>
+                </a:solidFill>
+              </a:rPr>
+              <a:t>mean</a:t>
+            </a:r>
+            <a:r>
+              <a:rPr lang="en-US" dirty="0"/>
+              <a:t>(gain),</a:t>
+            </a:r>
+          </a:p>
+          <a:p>
+            <a:pPr marL="0" indent="0">
+              <a:buNone/>
+            </a:pPr>
+            <a:r>
+              <a:rPr lang="en-US" dirty="0"/>
+              <a:t>		</a:t>
+            </a:r>
+            <a:r>
+              <a:rPr lang="en-US" dirty="0" err="1">
+                <a:solidFill>
+                  <a:srgbClr val="00B050"/>
+                </a:solidFill>
+              </a:rPr>
+              <a:t>seGrow</a:t>
+            </a:r>
+            <a:r>
+              <a:rPr lang="en-US" dirty="0"/>
+              <a:t> = </a:t>
+            </a:r>
+            <a:r>
+              <a:rPr lang="en-US" dirty="0" err="1">
+                <a:solidFill>
+                  <a:srgbClr val="C00000"/>
+                </a:solidFill>
+              </a:rPr>
+              <a:t>sd</a:t>
+            </a:r>
+            <a:r>
+              <a:rPr lang="en-US" dirty="0"/>
+              <a:t>(gain)/</a:t>
+            </a:r>
+            <a:r>
+              <a:rPr lang="en-US" dirty="0">
+                <a:solidFill>
+                  <a:srgbClr val="C00000"/>
+                </a:solidFill>
+              </a:rPr>
+              <a:t>sqrt</a:t>
+            </a:r>
+            <a:r>
+              <a:rPr lang="en-US" dirty="0"/>
+              <a:t>(</a:t>
+            </a:r>
+            <a:r>
+              <a:rPr lang="en-US" dirty="0">
+                <a:solidFill>
+                  <a:srgbClr val="C00000"/>
+                </a:solidFill>
+              </a:rPr>
+              <a:t>n</a:t>
+            </a:r>
+            <a:r>
+              <a:rPr lang="en-US" dirty="0"/>
+              <a:t>()))</a:t>
+            </a:r>
+          </a:p>
+          <a:p>
+            <a:pPr marL="0" indent="0">
+              <a:buNone/>
+            </a:pPr>
             <a:endParaRPr lang="en-US" dirty="0"/>
           </a:p>
           <a:p>
             <a:r>
               <a:rPr lang="en-US" dirty="0"/>
-              <a:t>These limits are called </a:t>
+              <a:t>The </a:t>
+            </a:r>
+            <a:r>
+              <a:rPr lang="en-US" dirty="0">
+                <a:solidFill>
+                  <a:srgbClr val="0432FF"/>
+                </a:solidFill>
+              </a:rPr>
+              <a:t>standard error </a:t>
+            </a:r>
+            <a:r>
+              <a:rPr lang="en-US" dirty="0"/>
+              <a:t>of the mean is given by the standard deviation divided by the square root of the sample size, and </a:t>
             </a:r>
             <a:r>
               <a:rPr lang="en-US" dirty="0" err="1">
                 <a:solidFill>
-                  <a:srgbClr val="0432FF"/>
-                </a:solidFill>
-              </a:rPr>
-              <a:t>ymin</a:t>
-            </a:r>
-            <a:r>
-              <a:rPr lang="en-US" dirty="0"/>
-              <a:t> and </a:t>
-            </a:r>
-            <a:r>
-              <a:rPr lang="en-US" dirty="0" err="1">
-                <a:solidFill>
-                  <a:srgbClr val="0432FF"/>
-                </a:solidFill>
-              </a:rPr>
-              <a:t>ymax</a:t>
-            </a:r>
-            <a:r>
-              <a:rPr lang="en-US" dirty="0"/>
-              <a:t>. </a:t>
-            </a:r>
-          </a:p>
-          <a:p>
+                  <a:srgbClr val="C00000"/>
+                </a:solidFill>
+              </a:rPr>
+              <a:t>dplyr</a:t>
+            </a:r>
+            <a:r>
+              <a:rPr lang="en-US" dirty="0"/>
+              <a:t> provides a function </a:t>
+            </a:r>
+            <a:r>
+              <a:rPr lang="en-US" dirty="0">
+                <a:solidFill>
+                  <a:srgbClr val="C00000"/>
+                </a:solidFill>
+              </a:rPr>
+              <a:t>n</a:t>
+            </a:r>
+            <a:r>
+              <a:rPr lang="en-US" dirty="0"/>
+              <a:t>() that counts the rows in each group.</a:t>
+            </a:r>
+          </a:p>
+          <a:p>
+            <a:pPr marL="0" indent="0">
+              <a:buNone/>
+            </a:pPr>
+            <a:r>
+              <a:rPr lang="en-US" dirty="0"/>
+              <a:t> </a:t>
+            </a:r>
+          </a:p>
+          <a:p>
+            <a:r>
+              <a:rPr lang="en-US" dirty="0"/>
+              <a:t>Be careful…if you have missing values, n() will still count these rows. Must filter NA values before analyses. (</a:t>
+            </a:r>
+            <a:r>
+              <a:rPr lang="en-US" dirty="0" err="1"/>
+              <a:t>na.omit</a:t>
+            </a:r>
+            <a:r>
+              <a:rPr lang="en-US" dirty="0"/>
+              <a:t>, etc.)</a:t>
+            </a:r>
+          </a:p>
+          <a:p>
+            <a:pPr marL="0" indent="0">
+              <a:buNone/>
+            </a:pPr>
             <a:endParaRPr lang="en-US" dirty="0"/>
-          </a:p>
-          <a:p>
-            <a:r>
-              <a:rPr lang="en-US" dirty="0"/>
-              <a:t>Each vertical line is made by placing a line between these limits, passing through </a:t>
-            </a:r>
-            <a:r>
-              <a:rPr lang="en-US" i="1" dirty="0" err="1"/>
-              <a:t>meanGrow</a:t>
-            </a:r>
-            <a:r>
-              <a:rPr lang="en-US" dirty="0"/>
-              <a:t>.</a:t>
-            </a:r>
           </a:p>
         </p:txBody>
       </p:sp>
     </p:spTree>
     <p:extLst>
       <p:ext uri="{BB962C8B-B14F-4D97-AF65-F5344CB8AC3E}">
-        <p14:creationId xmlns:p14="http://schemas.microsoft.com/office/powerpoint/2010/main" val="3853319851"/>
+        <p14:creationId xmlns:p14="http://schemas.microsoft.com/office/powerpoint/2010/main" val="186922481"/>
       </p:ext>
     </p:extLst>
   </p:cSld>
@@ -10474,7 +10741,7 @@
           <a:p>
             <a:r>
               <a:rPr lang="en-US" dirty="0"/>
-              <a:t>Cow Growth Data-Plot Mean/SE</a:t>
+              <a:t>Cow Growth Data-Mean/SE</a:t>
             </a:r>
           </a:p>
         </p:txBody>
@@ -10497,6 +10764,584 @@
         </p:nvSpPr>
         <p:spPr>
           <a:xfrm>
+            <a:off x="457200" y="609600"/>
+            <a:ext cx="8610600" cy="5532438"/>
+          </a:xfrm>
+        </p:spPr>
+        <p:txBody>
+          <a:bodyPr>
+            <a:normAutofit fontScale="70000" lnSpcReduction="20000"/>
+          </a:bodyPr>
+          <a:lstStyle/>
+          <a:p>
+            <a:pPr marL="0" indent="0">
+              <a:buNone/>
+            </a:pPr>
+            <a:r>
+              <a:rPr lang="en-US" dirty="0" err="1"/>
+              <a:t>sumMoo</a:t>
+            </a:r>
+            <a:endParaRPr lang="en-US" dirty="0"/>
+          </a:p>
+          <a:p>
+            <a:pPr marL="0" indent="0">
+              <a:buNone/>
+            </a:pPr>
+            <a:endParaRPr lang="en-US" dirty="0"/>
+          </a:p>
+          <a:p>
+            <a:pPr marL="0" indent="0">
+              <a:buNone/>
+            </a:pPr>
+            <a:r>
+              <a:rPr lang="en-US" dirty="0"/>
+              <a:t># A </a:t>
+            </a:r>
+            <a:r>
+              <a:rPr lang="en-US" dirty="0" err="1"/>
+              <a:t>tibble</a:t>
+            </a:r>
+            <a:r>
+              <a:rPr lang="en-US" dirty="0"/>
+              <a:t>: 12 x 4</a:t>
+            </a:r>
+          </a:p>
+          <a:p>
+            <a:pPr marL="0" indent="0">
+              <a:buNone/>
+            </a:pPr>
+            <a:r>
+              <a:rPr lang="en-US" dirty="0"/>
+              <a:t># Groups:   diet [3]</a:t>
+            </a:r>
+          </a:p>
+          <a:p>
+            <a:pPr marL="0" indent="0">
+              <a:buNone/>
+            </a:pPr>
+            <a:r>
+              <a:rPr lang="en-US" dirty="0"/>
+              <a:t>   </a:t>
+            </a:r>
+            <a:r>
+              <a:rPr lang="en-US" dirty="0">
+                <a:solidFill>
+                  <a:srgbClr val="0432FF"/>
+                </a:solidFill>
+              </a:rPr>
+              <a:t>diet   		supplement</a:t>
+            </a:r>
+            <a:r>
+              <a:rPr lang="en-US" dirty="0"/>
+              <a:t> 	</a:t>
+            </a:r>
+            <a:r>
+              <a:rPr lang="en-US" dirty="0" err="1">
+                <a:solidFill>
+                  <a:srgbClr val="00B050"/>
+                </a:solidFill>
+              </a:rPr>
+              <a:t>meanGrow</a:t>
+            </a:r>
+            <a:r>
+              <a:rPr lang="en-US" dirty="0">
+                <a:solidFill>
+                  <a:srgbClr val="00B050"/>
+                </a:solidFill>
+              </a:rPr>
+              <a:t>	</a:t>
+            </a:r>
+            <a:r>
+              <a:rPr lang="en-US" dirty="0" err="1">
+                <a:solidFill>
+                  <a:srgbClr val="00B050"/>
+                </a:solidFill>
+              </a:rPr>
+              <a:t>seGrow</a:t>
+            </a:r>
+            <a:endParaRPr lang="en-US" dirty="0">
+              <a:solidFill>
+                <a:srgbClr val="00B050"/>
+              </a:solidFill>
+            </a:endParaRPr>
+          </a:p>
+          <a:p>
+            <a:pPr marL="0" indent="0">
+              <a:buNone/>
+            </a:pPr>
+            <a:r>
+              <a:rPr lang="en-US" dirty="0"/>
+              <a:t>   &lt;</a:t>
+            </a:r>
+            <a:r>
+              <a:rPr lang="en-US" dirty="0" err="1"/>
+              <a:t>fct</a:t>
+            </a:r>
+            <a:r>
+              <a:rPr lang="en-US" dirty="0"/>
+              <a:t>&gt;  		&lt;</a:t>
+            </a:r>
+            <a:r>
+              <a:rPr lang="en-US" dirty="0" err="1"/>
+              <a:t>fct</a:t>
+            </a:r>
+            <a:r>
+              <a:rPr lang="en-US" dirty="0"/>
+              <a:t>&gt;		&lt;</a:t>
+            </a:r>
+            <a:r>
+              <a:rPr lang="en-US" dirty="0" err="1"/>
+              <a:t>dbl</a:t>
+            </a:r>
+            <a:r>
+              <a:rPr lang="en-US" dirty="0"/>
+              <a:t>&gt;  		&lt;</a:t>
+            </a:r>
+            <a:r>
+              <a:rPr lang="en-US" dirty="0" err="1"/>
+              <a:t>dbl</a:t>
+            </a:r>
+            <a:r>
+              <a:rPr lang="en-US" dirty="0"/>
+              <a:t>&gt;</a:t>
+            </a:r>
+          </a:p>
+          <a:p>
+            <a:pPr marL="0" indent="0">
+              <a:buNone/>
+            </a:pPr>
+            <a:r>
+              <a:rPr lang="en-US" dirty="0"/>
+              <a:t> 1 barley 	control        	23.3  		0.703</a:t>
+            </a:r>
+          </a:p>
+          <a:p>
+            <a:pPr marL="0" indent="0">
+              <a:buNone/>
+            </a:pPr>
+            <a:r>
+              <a:rPr lang="en-US" dirty="0"/>
+              <a:t> 2 barley 	</a:t>
+            </a:r>
+            <a:r>
+              <a:rPr lang="en-US" dirty="0" err="1"/>
+              <a:t>agrimore</a:t>
+            </a:r>
+            <a:r>
+              <a:rPr lang="en-US" dirty="0"/>
+              <a:t>       	26.3  		0.919</a:t>
+            </a:r>
+          </a:p>
+          <a:p>
+            <a:pPr marL="0" indent="0">
+              <a:buNone/>
+            </a:pPr>
+            <a:r>
+              <a:rPr lang="en-US" dirty="0"/>
+              <a:t> 3 barley 	</a:t>
+            </a:r>
+            <a:r>
+              <a:rPr lang="en-US" dirty="0" err="1"/>
+              <a:t>supergain</a:t>
+            </a:r>
+            <a:r>
+              <a:rPr lang="en-US" dirty="0"/>
+              <a:t>      	22.5  		0.771</a:t>
+            </a:r>
+          </a:p>
+          <a:p>
+            <a:pPr marL="0" indent="0">
+              <a:buNone/>
+            </a:pPr>
+            <a:r>
+              <a:rPr lang="en-US" dirty="0"/>
+              <a:t> 4 barley 	</a:t>
+            </a:r>
+            <a:r>
+              <a:rPr lang="en-US" dirty="0" err="1"/>
+              <a:t>supersupp</a:t>
+            </a:r>
+            <a:r>
+              <a:rPr lang="en-US" dirty="0"/>
+              <a:t>      	25.6  		1.06 </a:t>
+            </a:r>
+          </a:p>
+          <a:p>
+            <a:pPr marL="0" indent="0">
+              <a:buNone/>
+            </a:pPr>
+            <a:r>
+              <a:rPr lang="en-US" dirty="0"/>
+              <a:t> 5 oats   		control        	20.5  		0.506</a:t>
+            </a:r>
+          </a:p>
+          <a:p>
+            <a:pPr marL="0" indent="0">
+              <a:buNone/>
+            </a:pPr>
+            <a:r>
+              <a:rPr lang="en-US" dirty="0"/>
+              <a:t> 6 oats   		</a:t>
+            </a:r>
+            <a:r>
+              <a:rPr lang="en-US" dirty="0" err="1"/>
+              <a:t>agrimore</a:t>
+            </a:r>
+            <a:r>
+              <a:rPr lang="en-US" dirty="0"/>
+              <a:t>       	23.3  		0.613</a:t>
+            </a:r>
+          </a:p>
+          <a:p>
+            <a:pPr marL="0" indent="0">
+              <a:buNone/>
+            </a:pPr>
+            <a:r>
+              <a:rPr lang="en-US" dirty="0"/>
+              <a:t> 7 oats   		</a:t>
+            </a:r>
+            <a:r>
+              <a:rPr lang="en-US" dirty="0" err="1"/>
+              <a:t>supergain</a:t>
+            </a:r>
+            <a:r>
+              <a:rPr lang="en-US" dirty="0"/>
+              <a:t>      	19.7  		0.349</a:t>
+            </a:r>
+          </a:p>
+          <a:p>
+            <a:pPr marL="0" indent="0">
+              <a:buNone/>
+            </a:pPr>
+            <a:r>
+              <a:rPr lang="en-US" dirty="0"/>
+              <a:t> 8 oats   		</a:t>
+            </a:r>
+            <a:r>
+              <a:rPr lang="en-US" dirty="0" err="1"/>
+              <a:t>supersupp</a:t>
+            </a:r>
+            <a:r>
+              <a:rPr lang="en-US" dirty="0"/>
+              <a:t>      	21.9  		0.413</a:t>
+            </a:r>
+          </a:p>
+          <a:p>
+            <a:pPr marL="0" indent="0">
+              <a:buNone/>
+            </a:pPr>
+            <a:r>
+              <a:rPr lang="en-US" dirty="0"/>
+              <a:t> 9 wheat  	control        	17.4  		0.460</a:t>
+            </a:r>
+          </a:p>
+          <a:p>
+            <a:pPr marL="0" indent="0">
+              <a:buNone/>
+            </a:pPr>
+            <a:r>
+              <a:rPr lang="en-US" dirty="0"/>
+              <a:t>10 wheat  	</a:t>
+            </a:r>
+            <a:r>
+              <a:rPr lang="en-US" dirty="0" err="1"/>
+              <a:t>agrimore</a:t>
+            </a:r>
+            <a:r>
+              <a:rPr lang="en-US" dirty="0"/>
+              <a:t>       	19.6  		0.710</a:t>
+            </a:r>
+          </a:p>
+          <a:p>
+            <a:pPr marL="0" indent="0">
+              <a:buNone/>
+            </a:pPr>
+            <a:r>
+              <a:rPr lang="en-US" dirty="0"/>
+              <a:t>11 wheat  	</a:t>
+            </a:r>
+            <a:r>
+              <a:rPr lang="en-US" dirty="0" err="1"/>
+              <a:t>supergain</a:t>
+            </a:r>
+            <a:r>
+              <a:rPr lang="en-US" dirty="0"/>
+              <a:t>      	17.0  		0.485</a:t>
+            </a:r>
+          </a:p>
+          <a:p>
+            <a:pPr marL="0" indent="0">
+              <a:buNone/>
+            </a:pPr>
+            <a:r>
+              <a:rPr lang="en-US" dirty="0"/>
+              <a:t>12 wheat  	</a:t>
+            </a:r>
+            <a:r>
+              <a:rPr lang="en-US" dirty="0" err="1"/>
+              <a:t>supersupp</a:t>
+            </a:r>
+            <a:r>
+              <a:rPr lang="en-US" dirty="0"/>
+              <a:t>      	19.7  		0.475</a:t>
+            </a:r>
+          </a:p>
+        </p:txBody>
+      </p:sp>
+    </p:spTree>
+    <p:extLst>
+      <p:ext uri="{BB962C8B-B14F-4D97-AF65-F5344CB8AC3E}">
+        <p14:creationId xmlns:p14="http://schemas.microsoft.com/office/powerpoint/2010/main" val="2344496302"/>
+      </p:ext>
+    </p:extLst>
+  </p:cSld>
+  <p:clrMapOvr>
+    <a:masterClrMapping/>
+  </p:clrMapOvr>
+</p:sld>
+</file>
+
+<file path=ppt/slides/slide23.xml><?xml version="1.0" encoding="utf-8"?>
+<p:sld xmlns:a="http://schemas.openxmlformats.org/drawingml/2006/main" xmlns:r="http://schemas.openxmlformats.org/officeDocument/2006/relationships" xmlns:p="http://schemas.openxmlformats.org/presentationml/2006/main">
+  <p:cSld>
+    <p:spTree>
+      <p:nvGrpSpPr>
+        <p:cNvPr id="1" name=""/>
+        <p:cNvGrpSpPr/>
+        <p:nvPr/>
+      </p:nvGrpSpPr>
+      <p:grpSpPr>
+        <a:xfrm>
+          <a:off x="0" y="0"/>
+          <a:ext cx="0" cy="0"/>
+          <a:chOff x="0" y="0"/>
+          <a:chExt cx="0" cy="0"/>
+        </a:xfrm>
+      </p:grpSpPr>
+      <p:sp>
+        <p:nvSpPr>
+          <p:cNvPr id="2" name="Title 1">
+            <a:extLst>
+              <a:ext uri="{FF2B5EF4-FFF2-40B4-BE49-F238E27FC236}">
+                <a16:creationId xmlns:a16="http://schemas.microsoft.com/office/drawing/2014/main" id="{220A06A0-ED2A-5E47-9B42-A4413DBD8E1D}"/>
+              </a:ext>
+            </a:extLst>
+          </p:cNvPr>
+          <p:cNvSpPr>
+            <a:spLocks noGrp="1"/>
+          </p:cNvSpPr>
+          <p:nvPr>
+            <p:ph type="title"/>
+          </p:nvPr>
+        </p:nvSpPr>
+        <p:spPr>
+          <a:xfrm>
+            <a:off x="76200" y="-76200"/>
+            <a:ext cx="8229600" cy="944562"/>
+          </a:xfrm>
+        </p:spPr>
+        <p:txBody>
+          <a:bodyPr>
+            <a:normAutofit/>
+          </a:bodyPr>
+          <a:lstStyle/>
+          <a:p>
+            <a:r>
+              <a:rPr lang="en-US" dirty="0"/>
+              <a:t>Cow Growth Data-Plot Mean/SE</a:t>
+            </a:r>
+          </a:p>
+        </p:txBody>
+      </p:sp>
+      <p:sp>
+        <p:nvSpPr>
+          <p:cNvPr id="3" name="Content Placeholder 2">
+            <a:extLst>
+              <a:ext uri="{FF2B5EF4-FFF2-40B4-BE49-F238E27FC236}">
+                <a16:creationId xmlns:a16="http://schemas.microsoft.com/office/drawing/2014/main" id="{580BAAD4-5F8C-714C-9AA1-D05A1DA2F419}"/>
+              </a:ext>
+            </a:extLst>
+          </p:cNvPr>
+          <p:cNvSpPr>
+            <a:spLocks noGrp="1"/>
+          </p:cNvSpPr>
+          <p:nvPr>
+            <p:ph idx="1"/>
+          </p:nvPr>
+        </p:nvSpPr>
+        <p:spPr>
+          <a:xfrm>
+            <a:off x="457200" y="1020762"/>
+            <a:ext cx="8610600" cy="5532438"/>
+          </a:xfrm>
+        </p:spPr>
+        <p:txBody>
+          <a:bodyPr>
+            <a:normAutofit/>
+          </a:bodyPr>
+          <a:lstStyle/>
+          <a:p>
+            <a:r>
+              <a:rPr lang="en-US" dirty="0"/>
+              <a:t>With this summary table, we can now add three layers to the figure: points, lines, and error bars.</a:t>
+            </a:r>
+          </a:p>
+          <a:p>
+            <a:endParaRPr lang="en-US" dirty="0"/>
+          </a:p>
+          <a:p>
+            <a:r>
+              <a:rPr lang="en-US" dirty="0"/>
+              <a:t>To do this, we use </a:t>
+            </a:r>
+            <a:r>
+              <a:rPr lang="en-US" dirty="0" err="1">
+                <a:solidFill>
+                  <a:srgbClr val="C00000"/>
+                </a:solidFill>
+              </a:rPr>
+              <a:t>geom_errorbar</a:t>
+            </a:r>
+            <a:r>
+              <a:rPr lang="en-US" dirty="0"/>
+              <a:t>(), which has its own aesthetics: the lower and upper limits of the vertical lines that we call error bars. </a:t>
+            </a:r>
+          </a:p>
+          <a:p>
+            <a:endParaRPr lang="en-US" dirty="0"/>
+          </a:p>
+          <a:p>
+            <a:r>
+              <a:rPr lang="en-US" dirty="0"/>
+              <a:t>These limits are called </a:t>
+            </a:r>
+            <a:r>
+              <a:rPr lang="en-US" dirty="0" err="1">
+                <a:solidFill>
+                  <a:srgbClr val="0432FF"/>
+                </a:solidFill>
+              </a:rPr>
+              <a:t>ymin</a:t>
+            </a:r>
+            <a:r>
+              <a:rPr lang="en-US" dirty="0"/>
+              <a:t> and </a:t>
+            </a:r>
+            <a:r>
+              <a:rPr lang="en-US" dirty="0" err="1">
+                <a:solidFill>
+                  <a:srgbClr val="0432FF"/>
+                </a:solidFill>
+              </a:rPr>
+              <a:t>ymax</a:t>
+            </a:r>
+            <a:r>
+              <a:rPr lang="en-US" dirty="0"/>
+              <a:t>. </a:t>
+            </a:r>
+          </a:p>
+          <a:p>
+            <a:endParaRPr lang="en-US" dirty="0"/>
+          </a:p>
+          <a:p>
+            <a:r>
+              <a:rPr lang="en-US" dirty="0"/>
+              <a:t>Each vertical line is made by placing a line between these limits, passing through </a:t>
+            </a:r>
+            <a:r>
+              <a:rPr lang="en-US" i="1" dirty="0" err="1"/>
+              <a:t>meanGrow</a:t>
+            </a:r>
+            <a:r>
+              <a:rPr lang="en-US" dirty="0"/>
+              <a:t>.</a:t>
+            </a:r>
+          </a:p>
+        </p:txBody>
+      </p:sp>
+    </p:spTree>
+    <p:extLst>
+      <p:ext uri="{BB962C8B-B14F-4D97-AF65-F5344CB8AC3E}">
+        <p14:creationId xmlns:p14="http://schemas.microsoft.com/office/powerpoint/2010/main" val="3853319851"/>
+      </p:ext>
+    </p:extLst>
+  </p:cSld>
+  <p:clrMapOvr>
+    <a:masterClrMapping/>
+  </p:clrMapOvr>
+</p:sld>
+</file>
+
+<file path=ppt/slides/slide24.xml><?xml version="1.0" encoding="utf-8"?>
+<p:sld xmlns:a="http://schemas.openxmlformats.org/drawingml/2006/main" xmlns:r="http://schemas.openxmlformats.org/officeDocument/2006/relationships" xmlns:p="http://schemas.openxmlformats.org/presentationml/2006/main">
+  <p:cSld>
+    <p:spTree>
+      <p:nvGrpSpPr>
+        <p:cNvPr id="1" name=""/>
+        <p:cNvGrpSpPr/>
+        <p:nvPr/>
+      </p:nvGrpSpPr>
+      <p:grpSpPr>
+        <a:xfrm>
+          <a:off x="0" y="0"/>
+          <a:ext cx="0" cy="0"/>
+          <a:chOff x="0" y="0"/>
+          <a:chExt cx="0" cy="0"/>
+        </a:xfrm>
+      </p:grpSpPr>
+      <p:sp>
+        <p:nvSpPr>
+          <p:cNvPr id="2" name="Title 1">
+            <a:extLst>
+              <a:ext uri="{FF2B5EF4-FFF2-40B4-BE49-F238E27FC236}">
+                <a16:creationId xmlns:a16="http://schemas.microsoft.com/office/drawing/2014/main" id="{220A06A0-ED2A-5E47-9B42-A4413DBD8E1D}"/>
+              </a:ext>
+            </a:extLst>
+          </p:cNvPr>
+          <p:cNvSpPr>
+            <a:spLocks noGrp="1"/>
+          </p:cNvSpPr>
+          <p:nvPr>
+            <p:ph type="title"/>
+          </p:nvPr>
+        </p:nvSpPr>
+        <p:spPr>
+          <a:xfrm>
+            <a:off x="76200" y="-76200"/>
+            <a:ext cx="8229600" cy="944562"/>
+          </a:xfrm>
+        </p:spPr>
+        <p:txBody>
+          <a:bodyPr>
+            <a:normAutofit/>
+          </a:bodyPr>
+          <a:lstStyle/>
+          <a:p>
+            <a:r>
+              <a:rPr lang="en-US" dirty="0"/>
+              <a:t>Cow Growth Data-Plot Mean/SE</a:t>
+            </a:r>
+          </a:p>
+        </p:txBody>
+      </p:sp>
+      <p:sp>
+        <p:nvSpPr>
+          <p:cNvPr id="3" name="Content Placeholder 2">
+            <a:extLst>
+              <a:ext uri="{FF2B5EF4-FFF2-40B4-BE49-F238E27FC236}">
+                <a16:creationId xmlns:a16="http://schemas.microsoft.com/office/drawing/2014/main" id="{580BAAD4-5F8C-714C-9AA1-D05A1DA2F419}"/>
+              </a:ext>
+            </a:extLst>
+          </p:cNvPr>
+          <p:cNvSpPr>
+            <a:spLocks noGrp="1"/>
+          </p:cNvSpPr>
+          <p:nvPr>
+            <p:ph idx="1"/>
+          </p:nvPr>
+        </p:nvSpPr>
+        <p:spPr>
+          <a:xfrm>
             <a:off x="457200" y="838200"/>
             <a:ext cx="8610600" cy="5532438"/>
           </a:xfrm>
@@ -10764,6 +11609,10 @@
             <a:pPr marL="0" indent="0">
               <a:buNone/>
             </a:pPr>
+            <a:r>
+              <a:rPr lang="en-US" sz="2000" dirty="0"/>
+              <a:t>	</a:t>
+            </a:r>
             <a:r>
               <a:rPr lang="en-US" sz="2000" dirty="0" err="1"/>
               <a:t>theme_bw</a:t>
@@ -10809,7 +11658,7 @@
         </p:blipFill>
         <p:spPr>
           <a:xfrm>
-            <a:off x="2095500" y="3048000"/>
+            <a:off x="3124200" y="3048000"/>
             <a:ext cx="5334000" cy="3810000"/>
           </a:xfrm>
           <a:prstGeom prst="rect">
@@ -10821,216 +11670,6 @@
     <p:extLst>
       <p:ext uri="{BB962C8B-B14F-4D97-AF65-F5344CB8AC3E}">
         <p14:creationId xmlns:p14="http://schemas.microsoft.com/office/powerpoint/2010/main" val="555529083"/>
-      </p:ext>
-    </p:extLst>
-  </p:cSld>
-  <p:clrMapOvr>
-    <a:masterClrMapping/>
-  </p:clrMapOvr>
-</p:sld>
-</file>
-
-<file path=ppt/slides/slide23.xml><?xml version="1.0" encoding="utf-8"?>
-<p:sld xmlns:a="http://schemas.openxmlformats.org/drawingml/2006/main" xmlns:r="http://schemas.openxmlformats.org/officeDocument/2006/relationships" xmlns:p="http://schemas.openxmlformats.org/presentationml/2006/main">
-  <p:cSld>
-    <p:spTree>
-      <p:nvGrpSpPr>
-        <p:cNvPr id="1" name=""/>
-        <p:cNvGrpSpPr/>
-        <p:nvPr/>
-      </p:nvGrpSpPr>
-      <p:grpSpPr>
-        <a:xfrm>
-          <a:off x="0" y="0"/>
-          <a:ext cx="0" cy="0"/>
-          <a:chOff x="0" y="0"/>
-          <a:chExt cx="0" cy="0"/>
-        </a:xfrm>
-      </p:grpSpPr>
-      <p:sp>
-        <p:nvSpPr>
-          <p:cNvPr id="2" name="Title 1">
-            <a:extLst>
-              <a:ext uri="{FF2B5EF4-FFF2-40B4-BE49-F238E27FC236}">
-                <a16:creationId xmlns:a16="http://schemas.microsoft.com/office/drawing/2014/main" id="{11C759AB-E950-0548-9DAF-BDC5FC6BE562}"/>
-              </a:ext>
-            </a:extLst>
-          </p:cNvPr>
-          <p:cNvSpPr>
-            <a:spLocks noGrp="1"/>
-          </p:cNvSpPr>
-          <p:nvPr>
-            <p:ph type="title"/>
-          </p:nvPr>
-        </p:nvSpPr>
-        <p:spPr/>
-        <p:txBody>
-          <a:bodyPr/>
-          <a:lstStyle/>
-          <a:p>
-            <a:endParaRPr lang="en-US" dirty="0"/>
-          </a:p>
-        </p:txBody>
-      </p:sp>
-      <p:sp>
-        <p:nvSpPr>
-          <p:cNvPr id="3" name="Content Placeholder 2">
-            <a:extLst>
-              <a:ext uri="{FF2B5EF4-FFF2-40B4-BE49-F238E27FC236}">
-                <a16:creationId xmlns:a16="http://schemas.microsoft.com/office/drawing/2014/main" id="{2C706E24-0F9B-E546-B032-8059B3131251}"/>
-              </a:ext>
-            </a:extLst>
-          </p:cNvPr>
-          <p:cNvSpPr>
-            <a:spLocks noGrp="1"/>
-          </p:cNvSpPr>
-          <p:nvPr>
-            <p:ph idx="1"/>
-          </p:nvPr>
-        </p:nvSpPr>
-        <p:spPr/>
-        <p:txBody>
-          <a:bodyPr/>
-          <a:lstStyle/>
-          <a:p>
-            <a:r>
-              <a:rPr lang="en-US" dirty="0"/>
-              <a:t>What about post-hoc tests like the CLD comparisons we did in 1-WAY ANOVA?</a:t>
-            </a:r>
-          </a:p>
-          <a:p>
-            <a:endParaRPr lang="en-US" dirty="0"/>
-          </a:p>
-          <a:p>
-            <a:r>
-              <a:rPr lang="en-US" dirty="0"/>
-              <a:t>More next time.</a:t>
-            </a:r>
-          </a:p>
-        </p:txBody>
-      </p:sp>
-    </p:spTree>
-    <p:extLst>
-      <p:ext uri="{BB962C8B-B14F-4D97-AF65-F5344CB8AC3E}">
-        <p14:creationId xmlns:p14="http://schemas.microsoft.com/office/powerpoint/2010/main" val="1293963327"/>
-      </p:ext>
-    </p:extLst>
-  </p:cSld>
-  <p:clrMapOvr>
-    <a:masterClrMapping/>
-  </p:clrMapOvr>
-</p:sld>
-</file>
-
-<file path=ppt/slides/slide24.xml><?xml version="1.0" encoding="utf-8"?>
-<p:sld xmlns:a="http://schemas.openxmlformats.org/drawingml/2006/main" xmlns:r="http://schemas.openxmlformats.org/officeDocument/2006/relationships" xmlns:p="http://schemas.openxmlformats.org/presentationml/2006/main">
-  <p:cSld>
-    <p:bg>
-      <p:bgPr>
-        <a:solidFill>
-          <a:schemeClr val="tx1"/>
-        </a:solidFill>
-        <a:effectLst/>
-      </p:bgPr>
-    </p:bg>
-    <p:spTree>
-      <p:nvGrpSpPr>
-        <p:cNvPr id="1" name=""/>
-        <p:cNvGrpSpPr/>
-        <p:nvPr/>
-      </p:nvGrpSpPr>
-      <p:grpSpPr>
-        <a:xfrm>
-          <a:off x="0" y="0"/>
-          <a:ext cx="0" cy="0"/>
-          <a:chOff x="0" y="0"/>
-          <a:chExt cx="0" cy="0"/>
-        </a:xfrm>
-      </p:grpSpPr>
-      <p:sp>
-        <p:nvSpPr>
-          <p:cNvPr id="2" name="Title 1">
-            <a:extLst>
-              <a:ext uri="{FF2B5EF4-FFF2-40B4-BE49-F238E27FC236}">
-                <a16:creationId xmlns:a16="http://schemas.microsoft.com/office/drawing/2014/main" id="{F67C0ECA-28B9-3549-9353-3FA719AF5CA6}"/>
-              </a:ext>
-            </a:extLst>
-          </p:cNvPr>
-          <p:cNvSpPr>
-            <a:spLocks noGrp="1"/>
-          </p:cNvSpPr>
-          <p:nvPr>
-            <p:ph type="title"/>
-          </p:nvPr>
-        </p:nvSpPr>
-        <p:spPr/>
-        <p:txBody>
-          <a:bodyPr/>
-          <a:lstStyle/>
-          <a:p>
-            <a:endParaRPr lang="en-US"/>
-          </a:p>
-        </p:txBody>
-      </p:sp>
-      <p:sp>
-        <p:nvSpPr>
-          <p:cNvPr id="3" name="Content Placeholder 2">
-            <a:extLst>
-              <a:ext uri="{FF2B5EF4-FFF2-40B4-BE49-F238E27FC236}">
-                <a16:creationId xmlns:a16="http://schemas.microsoft.com/office/drawing/2014/main" id="{9FEF8C0C-7DBD-D14B-834C-989771EBA98B}"/>
-              </a:ext>
-            </a:extLst>
-          </p:cNvPr>
-          <p:cNvSpPr>
-            <a:spLocks noGrp="1"/>
-          </p:cNvSpPr>
-          <p:nvPr>
-            <p:ph idx="1"/>
-          </p:nvPr>
-        </p:nvSpPr>
-        <p:spPr/>
-        <p:txBody>
-          <a:bodyPr/>
-          <a:lstStyle/>
-          <a:p>
-            <a:pPr marL="0" indent="0">
-              <a:buNone/>
-            </a:pPr>
-            <a:r>
-              <a:rPr lang="en-US" dirty="0">
-                <a:solidFill>
-                  <a:schemeClr val="bg1"/>
-                </a:solidFill>
-              </a:rPr>
-              <a:t>Not covered:</a:t>
-            </a:r>
-          </a:p>
-          <a:p>
-            <a:r>
-              <a:rPr lang="en-US" dirty="0">
-                <a:solidFill>
-                  <a:schemeClr val="bg1"/>
-                </a:solidFill>
-              </a:rPr>
-              <a:t>comparing interaction (multiplicative) vs. additive models</a:t>
-            </a:r>
-          </a:p>
-          <a:p>
-            <a:r>
-              <a:rPr lang="en-US" dirty="0">
-                <a:solidFill>
-                  <a:schemeClr val="bg1"/>
-                </a:solidFill>
-              </a:rPr>
-              <a:t>producing minimum adequate model</a:t>
-            </a:r>
-          </a:p>
-        </p:txBody>
-      </p:sp>
-    </p:spTree>
-    <p:extLst>
-      <p:ext uri="{BB962C8B-B14F-4D97-AF65-F5344CB8AC3E}">
-        <p14:creationId xmlns:p14="http://schemas.microsoft.com/office/powerpoint/2010/main" val="2601613336"/>
       </p:ext>
     </p:extLst>
   </p:cSld>
@@ -11059,10 +11698,167 @@
       </p:grpSpPr>
       <p:sp>
         <p:nvSpPr>
+          <p:cNvPr id="3" name="Content Placeholder 2">
+            <a:extLst>
+              <a:ext uri="{FF2B5EF4-FFF2-40B4-BE49-F238E27FC236}">
+                <a16:creationId xmlns:a16="http://schemas.microsoft.com/office/drawing/2014/main" id="{2C706E24-0F9B-E546-B032-8059B3131251}"/>
+              </a:ext>
+            </a:extLst>
+          </p:cNvPr>
+          <p:cNvSpPr>
+            <a:spLocks noGrp="1"/>
+          </p:cNvSpPr>
+          <p:nvPr>
+            <p:ph idx="1"/>
+          </p:nvPr>
+        </p:nvSpPr>
+        <p:spPr>
+          <a:xfrm>
+            <a:off x="457200" y="457200"/>
+            <a:ext cx="8229600" cy="6096000"/>
+          </a:xfrm>
+        </p:spPr>
+        <p:txBody>
+          <a:bodyPr>
+            <a:normAutofit fontScale="92500"/>
+          </a:bodyPr>
+          <a:lstStyle/>
+          <a:p>
+            <a:r>
+              <a:rPr lang="en-US" dirty="0"/>
+              <a:t>What about post-hoc tests like the CLD comparisons we did in 1-WAY ANOVA?</a:t>
+            </a:r>
+          </a:p>
+          <a:p>
+            <a:r>
+              <a:rPr lang="en-US" dirty="0"/>
+              <a:t>These are slightly different because now they are in context of the interaction.</a:t>
+            </a:r>
+          </a:p>
+          <a:p>
+            <a:r>
+              <a:rPr lang="en-US" dirty="0" err="1">
+                <a:solidFill>
+                  <a:srgbClr val="0432FF"/>
+                </a:solidFill>
+              </a:rPr>
+              <a:t>Zar</a:t>
+            </a:r>
+            <a:r>
+              <a:rPr lang="en-US" dirty="0">
+                <a:solidFill>
+                  <a:srgbClr val="0432FF"/>
+                </a:solidFill>
+              </a:rPr>
+              <a:t> (1999; 4</a:t>
+            </a:r>
+            <a:r>
+              <a:rPr lang="en-US" baseline="30000" dirty="0">
+                <a:solidFill>
+                  <a:srgbClr val="0432FF"/>
+                </a:solidFill>
+              </a:rPr>
+              <a:t>th</a:t>
+            </a:r>
+            <a:r>
+              <a:rPr lang="en-US" dirty="0">
+                <a:solidFill>
+                  <a:srgbClr val="0432FF"/>
+                </a:solidFill>
+              </a:rPr>
+              <a:t> Ed. p. 244) Biostatistical Analysis. “</a:t>
+            </a:r>
+            <a:r>
+              <a:rPr lang="en-US" i="1" dirty="0">
+                <a:solidFill>
+                  <a:srgbClr val="0432FF"/>
+                </a:solidFill>
+              </a:rPr>
+              <a:t>If there is a significant interaction between the two factors (in a 2-way ANOVA) , then the means of factor levels should not be compared. Instead multiple comparison testing may be performed among cells</a:t>
+            </a:r>
+            <a:r>
+              <a:rPr lang="en-US" dirty="0">
+                <a:solidFill>
+                  <a:srgbClr val="0432FF"/>
+                </a:solidFill>
+              </a:rPr>
+              <a:t>” </a:t>
+            </a:r>
+          </a:p>
+          <a:p>
+            <a:r>
+              <a:rPr lang="en-US" dirty="0"/>
+              <a:t>Cells under this definition are the combinations of levels of the 2 factors (diet * supplement)</a:t>
+            </a:r>
+          </a:p>
+          <a:p>
+            <a:r>
+              <a:rPr lang="en-US" dirty="0"/>
+              <a:t>Recall the p-value for the interaction between </a:t>
+            </a:r>
+            <a:r>
+              <a:rPr lang="en-US" dirty="0">
+                <a:solidFill>
+                  <a:srgbClr val="0432FF"/>
+                </a:solidFill>
+              </a:rPr>
+              <a:t>diet</a:t>
+            </a:r>
+            <a:r>
+              <a:rPr lang="en-US" dirty="0"/>
+              <a:t> and </a:t>
+            </a:r>
+            <a:r>
+              <a:rPr lang="en-US" dirty="0">
+                <a:solidFill>
+                  <a:srgbClr val="0432FF"/>
+                </a:solidFill>
+              </a:rPr>
+              <a:t>supplement </a:t>
+            </a:r>
+            <a:r>
+              <a:rPr lang="en-US" dirty="0"/>
+              <a:t>was 0.91. OK to compare means of factor levels.</a:t>
+            </a:r>
+          </a:p>
+        </p:txBody>
+      </p:sp>
+    </p:spTree>
+    <p:extLst>
+      <p:ext uri="{BB962C8B-B14F-4D97-AF65-F5344CB8AC3E}">
+        <p14:creationId xmlns:p14="http://schemas.microsoft.com/office/powerpoint/2010/main" val="1293963327"/>
+      </p:ext>
+    </p:extLst>
+  </p:cSld>
+  <p:clrMapOvr>
+    <a:masterClrMapping/>
+  </p:clrMapOvr>
+</p:sld>
+</file>
+
+<file path=ppt/slides/slide26.xml><?xml version="1.0" encoding="utf-8"?>
+<p:sld xmlns:a="http://schemas.openxmlformats.org/drawingml/2006/main" xmlns:r="http://schemas.openxmlformats.org/officeDocument/2006/relationships" xmlns:p="http://schemas.openxmlformats.org/presentationml/2006/main">
+  <p:cSld>
+    <p:spTree>
+      <p:nvGrpSpPr>
+        <p:cNvPr id="1" name=""/>
+        <p:cNvGrpSpPr/>
+        <p:nvPr/>
+      </p:nvGrpSpPr>
+      <p:grpSpPr>
+        <a:xfrm>
+          <a:off x="0" y="0"/>
+          <a:ext cx="0" cy="0"/>
+          <a:chOff x="0" y="0"/>
+          <a:chExt cx="0" cy="0"/>
+        </a:xfrm>
+      </p:grpSpPr>
+      <p:sp>
+        <p:nvSpPr>
           <p:cNvPr id="2" name="Title 1">
             <a:extLst>
               <a:ext uri="{FF2B5EF4-FFF2-40B4-BE49-F238E27FC236}">
-                <a16:creationId xmlns:a16="http://schemas.microsoft.com/office/drawing/2014/main" id="{A66F8AB1-23D7-C043-B0FA-F756868556EA}"/>
+                <a16:creationId xmlns:a16="http://schemas.microsoft.com/office/drawing/2014/main" id="{57266021-61B1-5940-BBBC-C1431139B8F7}"/>
               </a:ext>
             </a:extLst>
           </p:cNvPr>
@@ -11073,22 +11869,21 @@
             <p:ph type="title"/>
           </p:nvPr>
         </p:nvSpPr>
-        <p:spPr/>
-        <p:txBody>
-          <a:bodyPr/>
-          <a:lstStyle/>
-          <a:p>
-            <a:r>
-              <a:rPr lang="en-US" dirty="0"/>
-              <a:t>Elevated CO</a:t>
-            </a:r>
-            <a:r>
-              <a:rPr lang="en-US" baseline="-25000" dirty="0"/>
-              <a:t>2</a:t>
-            </a:r>
-            <a:r>
-              <a:rPr lang="en-US" dirty="0"/>
-              <a:t> Example</a:t>
+        <p:spPr>
+          <a:xfrm>
+            <a:off x="457200" y="0"/>
+            <a:ext cx="8229600" cy="944562"/>
+          </a:xfrm>
+        </p:spPr>
+        <p:txBody>
+          <a:bodyPr>
+            <a:normAutofit fontScale="90000"/>
+          </a:bodyPr>
+          <a:lstStyle/>
+          <a:p>
+            <a:r>
+              <a:rPr lang="en-US" dirty="0"/>
+              <a:t>Post-hoc Comparisons after 2-Way ANOVA</a:t>
             </a:r>
           </a:p>
         </p:txBody>
@@ -11098,7 +11893,7 @@
           <p:cNvPr id="3" name="Content Placeholder 2">
             <a:extLst>
               <a:ext uri="{FF2B5EF4-FFF2-40B4-BE49-F238E27FC236}">
-                <a16:creationId xmlns:a16="http://schemas.microsoft.com/office/drawing/2014/main" id="{1A8F0D75-62C4-9449-91F5-63CBA630A44D}"/>
+                <a16:creationId xmlns:a16="http://schemas.microsoft.com/office/drawing/2014/main" id="{0533EAC4-8DA4-9A47-868C-E22B7332A334}"/>
               </a:ext>
             </a:extLst>
           </p:cNvPr>
@@ -11109,55 +11904,952 @@
             <p:ph idx="1"/>
           </p:nvPr>
         </p:nvSpPr>
-        <p:spPr/>
-        <p:txBody>
-          <a:bodyPr/>
-          <a:lstStyle/>
-          <a:p>
-            <a:r>
-              <a:rPr lang="en-US" dirty="0"/>
-              <a:t>Next time?</a:t>
-            </a:r>
-          </a:p>
-          <a:p>
-            <a:r>
-              <a:rPr lang="en-US" dirty="0"/>
-              <a:t>?CO2 for background information</a:t>
-            </a:r>
-          </a:p>
-          <a:p>
+        <p:spPr>
+          <a:xfrm>
+            <a:off x="457200" y="1447800"/>
+            <a:ext cx="8229600" cy="1295400"/>
+          </a:xfrm>
+        </p:spPr>
+        <p:txBody>
+          <a:bodyPr>
+            <a:normAutofit fontScale="77500" lnSpcReduction="20000"/>
+          </a:bodyPr>
+          <a:lstStyle/>
+          <a:p>
+            <a:pPr marL="0" indent="0">
+              <a:buNone/>
+            </a:pPr>
+            <a:r>
+              <a:rPr lang="en-US" dirty="0" err="1">
+                <a:solidFill>
+                  <a:srgbClr val="C00000"/>
+                </a:solidFill>
+              </a:rPr>
+              <a:t>emmeans</a:t>
+            </a:r>
+            <a:r>
+              <a:rPr lang="en-US" dirty="0"/>
+              <a:t>(</a:t>
+            </a:r>
+            <a:r>
+              <a:rPr lang="en-US" dirty="0" err="1"/>
+              <a:t>model_cow</a:t>
+            </a:r>
+            <a:r>
+              <a:rPr lang="en-US" dirty="0"/>
+              <a:t>, pairwise ~ diet)%&gt;%</a:t>
+            </a:r>
+          </a:p>
+          <a:p>
+            <a:pPr marL="0" indent="0">
+              <a:buNone/>
+            </a:pPr>
+            <a:r>
+              <a:rPr lang="en-US" dirty="0"/>
+              <a:t>  	</a:t>
+            </a:r>
+            <a:r>
+              <a:rPr lang="en-US" dirty="0" err="1"/>
+              <a:t>multcomp</a:t>
+            </a:r>
+            <a:r>
+              <a:rPr lang="en-US" dirty="0"/>
+              <a:t>::</a:t>
+            </a:r>
+            <a:r>
+              <a:rPr lang="en-US" dirty="0" err="1">
+                <a:solidFill>
+                  <a:srgbClr val="C00000"/>
+                </a:solidFill>
+              </a:rPr>
+              <a:t>cld</a:t>
+            </a:r>
+            <a:r>
+              <a:rPr lang="en-US" dirty="0"/>
+              <a:t>(Letters=letters) %&gt;% </a:t>
+            </a:r>
+          </a:p>
+          <a:p>
+            <a:pPr marL="0" indent="0">
+              <a:buNone/>
+            </a:pPr>
+            <a:r>
+              <a:rPr lang="en-US" dirty="0"/>
+              <a:t>  	</a:t>
+            </a:r>
             <a:r>
               <a:rPr lang="en-US" dirty="0">
-                <a:hlinkClick r:id="rId2"/>
-              </a:rPr>
-              <a:t>http://</a:t>
-            </a:r>
-            <a:r>
-              <a:rPr lang="en-US" dirty="0" err="1">
-                <a:hlinkClick r:id="rId2"/>
-              </a:rPr>
-              <a:t>en.wikipedia.org</a:t>
+                <a:solidFill>
+                  <a:srgbClr val="C00000"/>
+                </a:solidFill>
+              </a:rPr>
+              <a:t>arrange</a:t>
+            </a:r>
+            <a:r>
+              <a:rPr lang="en-US" dirty="0"/>
+              <a:t>(diet) </a:t>
             </a:r>
             <a:r>
               <a:rPr lang="en-US" dirty="0">
-                <a:hlinkClick r:id="rId2"/>
-              </a:rPr>
-              <a:t>/wiki/</a:t>
-            </a:r>
-            <a:r>
-              <a:rPr lang="en-US" dirty="0" err="1">
-                <a:hlinkClick r:id="rId2"/>
-              </a:rPr>
-              <a:t>Echinochloa_crus-galli</a:t>
-            </a:r>
+                <a:solidFill>
+                  <a:srgbClr val="00B050"/>
+                </a:solidFill>
+              </a:rPr>
+              <a:t>#so order matches our re-order with control first</a:t>
+            </a:r>
+          </a:p>
+        </p:txBody>
+      </p:sp>
+      <p:sp>
+        <p:nvSpPr>
+          <p:cNvPr id="4" name="TextBox 3">
+            <a:extLst>
+              <a:ext uri="{FF2B5EF4-FFF2-40B4-BE49-F238E27FC236}">
+                <a16:creationId xmlns:a16="http://schemas.microsoft.com/office/drawing/2014/main" id="{98D9E11F-28BF-DC4D-B339-F4523D68F969}"/>
+              </a:ext>
+            </a:extLst>
+          </p:cNvPr>
+          <p:cNvSpPr txBox="1"/>
+          <p:nvPr/>
+        </p:nvSpPr>
+        <p:spPr>
+          <a:xfrm>
+            <a:off x="2514600" y="838200"/>
+            <a:ext cx="2697405" cy="461665"/>
+          </a:xfrm>
+          <a:prstGeom prst="rect">
+            <a:avLst/>
+          </a:prstGeom>
+          <a:noFill/>
+          <a:ln>
+            <a:solidFill>
+              <a:schemeClr val="tx1"/>
+            </a:solidFill>
+          </a:ln>
+        </p:spPr>
+        <p:txBody>
+          <a:bodyPr wrap="none" rtlCol="0">
+            <a:spAutoFit/>
+          </a:bodyPr>
+          <a:lstStyle/>
+          <a:p>
+            <a:r>
+              <a:rPr lang="en-US" sz="2400" dirty="0">
+                <a:solidFill>
+                  <a:srgbClr val="0432FF"/>
+                </a:solidFill>
+              </a:rPr>
+              <a:t>For the diet variable</a:t>
+            </a:r>
+          </a:p>
+        </p:txBody>
+      </p:sp>
+      <p:sp>
+        <p:nvSpPr>
+          <p:cNvPr id="6" name="TextBox 5">
+            <a:extLst>
+              <a:ext uri="{FF2B5EF4-FFF2-40B4-BE49-F238E27FC236}">
+                <a16:creationId xmlns:a16="http://schemas.microsoft.com/office/drawing/2014/main" id="{F0A6A90E-F1E7-764A-9DDE-05F2A4B4468C}"/>
+              </a:ext>
+            </a:extLst>
+          </p:cNvPr>
+          <p:cNvSpPr txBox="1"/>
+          <p:nvPr/>
+        </p:nvSpPr>
+        <p:spPr>
+          <a:xfrm>
+            <a:off x="609600" y="3429000"/>
+            <a:ext cx="8153400" cy="2308324"/>
+          </a:xfrm>
+          <a:prstGeom prst="rect">
+            <a:avLst/>
+          </a:prstGeom>
+          <a:noFill/>
+        </p:spPr>
+        <p:txBody>
+          <a:bodyPr wrap="square" rtlCol="0">
+            <a:spAutoFit/>
+          </a:bodyPr>
+          <a:lstStyle/>
+          <a:p>
+            <a:r>
+              <a:rPr lang="en-US" dirty="0"/>
+              <a:t>#diet 	</a:t>
+            </a:r>
+            <a:r>
+              <a:rPr lang="en-US" dirty="0" err="1"/>
+              <a:t>emmean</a:t>
+            </a:r>
+            <a:r>
+              <a:rPr lang="en-US" dirty="0"/>
+              <a:t> 	SE 	</a:t>
+            </a:r>
+            <a:r>
+              <a:rPr lang="en-US" dirty="0" err="1"/>
+              <a:t>df</a:t>
+            </a:r>
+            <a:r>
+              <a:rPr lang="en-US" dirty="0"/>
+              <a:t> 	</a:t>
+            </a:r>
+            <a:r>
+              <a:rPr lang="en-US" dirty="0" err="1"/>
+              <a:t>lower.CL</a:t>
+            </a:r>
+            <a:r>
+              <a:rPr lang="en-US" dirty="0"/>
+              <a:t> 	</a:t>
+            </a:r>
+            <a:r>
+              <a:rPr lang="en-US" dirty="0" err="1"/>
+              <a:t>upper.CL</a:t>
+            </a:r>
+            <a:r>
+              <a:rPr lang="en-US" dirty="0"/>
+              <a:t> 	.group</a:t>
+            </a:r>
+          </a:p>
+          <a:p>
+            <a:r>
+              <a:rPr lang="en-US" dirty="0"/>
+              <a:t>#barley 	24.4 	0.328 	36 	23.8 	25.1 	c </a:t>
+            </a:r>
+          </a:p>
+          <a:p>
+            <a:r>
+              <a:rPr lang="en-US" dirty="0"/>
+              <a:t>#oats 	21.3 	0.328 	36 	20.7 	22.0 	b </a:t>
+            </a:r>
+          </a:p>
+          <a:p>
+            <a:r>
+              <a:rPr lang="en-US" dirty="0"/>
+              <a:t>#wheat 	18.4 	0.328 	36 	17.8 	19.1 	a </a:t>
+            </a:r>
+          </a:p>
+          <a:p>
             <a:endParaRPr lang="en-US" dirty="0"/>
+          </a:p>
+          <a:p>
+            <a:r>
+              <a:rPr lang="en-US" dirty="0"/>
+              <a:t>#</a:t>
+            </a:r>
+            <a:r>
+              <a:rPr lang="en-US" dirty="0">
+                <a:solidFill>
+                  <a:srgbClr val="00B050"/>
+                </a:solidFill>
+              </a:rPr>
+              <a:t>Results are averaged over the levels of: </a:t>
+            </a:r>
+            <a:r>
+              <a:rPr lang="en-US" b="1" dirty="0">
+                <a:solidFill>
+                  <a:srgbClr val="00B050"/>
+                </a:solidFill>
+              </a:rPr>
+              <a:t>supplement </a:t>
+            </a:r>
+            <a:r>
+              <a:rPr lang="en-US" dirty="0"/>
+              <a:t>Confidence level used: 0.95 P #value adjustment: </a:t>
+            </a:r>
+            <a:r>
+              <a:rPr lang="en-US" dirty="0" err="1"/>
+              <a:t>tukey</a:t>
+            </a:r>
+            <a:r>
+              <a:rPr lang="en-US" dirty="0"/>
+              <a:t> method for comparing a family of 3 estimates significance #level used: alpha = 0.05 </a:t>
+            </a:r>
+          </a:p>
+        </p:txBody>
+      </p:sp>
+      <p:sp>
+        <p:nvSpPr>
+          <p:cNvPr id="7" name="TextBox 6">
+            <a:extLst>
+              <a:ext uri="{FF2B5EF4-FFF2-40B4-BE49-F238E27FC236}">
+                <a16:creationId xmlns:a16="http://schemas.microsoft.com/office/drawing/2014/main" id="{DB27D9BC-CB9C-CA46-81F8-D4BA4C49F310}"/>
+              </a:ext>
+            </a:extLst>
+          </p:cNvPr>
+          <p:cNvSpPr txBox="1"/>
+          <p:nvPr/>
+        </p:nvSpPr>
+        <p:spPr>
+          <a:xfrm>
+            <a:off x="848871" y="5737324"/>
+            <a:ext cx="7674858" cy="830997"/>
+          </a:xfrm>
+          <a:prstGeom prst="rect">
+            <a:avLst/>
+          </a:prstGeom>
+          <a:noFill/>
+          <a:ln>
+            <a:solidFill>
+              <a:schemeClr val="tx1"/>
+            </a:solidFill>
+          </a:ln>
+        </p:spPr>
+        <p:txBody>
+          <a:bodyPr wrap="none" rtlCol="0">
+            <a:spAutoFit/>
+          </a:bodyPr>
+          <a:lstStyle/>
+          <a:p>
+            <a:r>
+              <a:rPr lang="en-US" sz="2400" dirty="0">
+                <a:solidFill>
+                  <a:srgbClr val="0432FF"/>
+                </a:solidFill>
+              </a:rPr>
+              <a:t>All marginal means for ‘diet’ are different from one another </a:t>
+            </a:r>
+          </a:p>
+          <a:p>
+            <a:r>
+              <a:rPr lang="en-US" sz="2400" dirty="0">
+                <a:solidFill>
+                  <a:srgbClr val="0432FF"/>
+                </a:solidFill>
+              </a:rPr>
+              <a:t>on a pairwise basis</a:t>
+            </a:r>
           </a:p>
         </p:txBody>
       </p:sp>
     </p:spTree>
     <p:extLst>
       <p:ext uri="{BB962C8B-B14F-4D97-AF65-F5344CB8AC3E}">
-        <p14:creationId xmlns:p14="http://schemas.microsoft.com/office/powerpoint/2010/main" val="297944563"/>
+        <p14:creationId xmlns:p14="http://schemas.microsoft.com/office/powerpoint/2010/main" val="2867056621"/>
+      </p:ext>
+    </p:extLst>
+  </p:cSld>
+  <p:clrMapOvr>
+    <a:masterClrMapping/>
+  </p:clrMapOvr>
+</p:sld>
+</file>
+
+<file path=ppt/slides/slide27.xml><?xml version="1.0" encoding="utf-8"?>
+<p:sld xmlns:a="http://schemas.openxmlformats.org/drawingml/2006/main" xmlns:r="http://schemas.openxmlformats.org/officeDocument/2006/relationships" xmlns:p="http://schemas.openxmlformats.org/presentationml/2006/main">
+  <p:cSld>
+    <p:spTree>
+      <p:nvGrpSpPr>
+        <p:cNvPr id="1" name=""/>
+        <p:cNvGrpSpPr/>
+        <p:nvPr/>
+      </p:nvGrpSpPr>
+      <p:grpSpPr>
+        <a:xfrm>
+          <a:off x="0" y="0"/>
+          <a:ext cx="0" cy="0"/>
+          <a:chOff x="0" y="0"/>
+          <a:chExt cx="0" cy="0"/>
+        </a:xfrm>
+      </p:grpSpPr>
+      <p:sp>
+        <p:nvSpPr>
+          <p:cNvPr id="2" name="Title 1">
+            <a:extLst>
+              <a:ext uri="{FF2B5EF4-FFF2-40B4-BE49-F238E27FC236}">
+                <a16:creationId xmlns:a16="http://schemas.microsoft.com/office/drawing/2014/main" id="{57266021-61B1-5940-BBBC-C1431139B8F7}"/>
+              </a:ext>
+            </a:extLst>
+          </p:cNvPr>
+          <p:cNvSpPr>
+            <a:spLocks noGrp="1"/>
+          </p:cNvSpPr>
+          <p:nvPr>
+            <p:ph type="title"/>
+          </p:nvPr>
+        </p:nvSpPr>
+        <p:spPr>
+          <a:xfrm>
+            <a:off x="457200" y="0"/>
+            <a:ext cx="8229600" cy="944562"/>
+          </a:xfrm>
+        </p:spPr>
+        <p:txBody>
+          <a:bodyPr>
+            <a:normAutofit fontScale="90000"/>
+          </a:bodyPr>
+          <a:lstStyle/>
+          <a:p>
+            <a:r>
+              <a:rPr lang="en-US" dirty="0"/>
+              <a:t>Post-hoc Comparisons after 2-Way ANOVA</a:t>
+            </a:r>
+          </a:p>
+        </p:txBody>
+      </p:sp>
+      <p:sp>
+        <p:nvSpPr>
+          <p:cNvPr id="3" name="Content Placeholder 2">
+            <a:extLst>
+              <a:ext uri="{FF2B5EF4-FFF2-40B4-BE49-F238E27FC236}">
+                <a16:creationId xmlns:a16="http://schemas.microsoft.com/office/drawing/2014/main" id="{0533EAC4-8DA4-9A47-868C-E22B7332A334}"/>
+              </a:ext>
+            </a:extLst>
+          </p:cNvPr>
+          <p:cNvSpPr>
+            <a:spLocks noGrp="1"/>
+          </p:cNvSpPr>
+          <p:nvPr>
+            <p:ph idx="1"/>
+          </p:nvPr>
+        </p:nvSpPr>
+        <p:spPr>
+          <a:xfrm>
+            <a:off x="457200" y="1447800"/>
+            <a:ext cx="8458200" cy="1295400"/>
+          </a:xfrm>
+        </p:spPr>
+        <p:txBody>
+          <a:bodyPr>
+            <a:normAutofit fontScale="70000" lnSpcReduction="20000"/>
+          </a:bodyPr>
+          <a:lstStyle/>
+          <a:p>
+            <a:pPr marL="0" indent="0">
+              <a:buNone/>
+            </a:pPr>
+            <a:r>
+              <a:rPr lang="en-US" dirty="0" err="1">
+                <a:solidFill>
+                  <a:srgbClr val="C00000"/>
+                </a:solidFill>
+              </a:rPr>
+              <a:t>emmeans</a:t>
+            </a:r>
+            <a:r>
+              <a:rPr lang="en-US" dirty="0"/>
+              <a:t>(</a:t>
+            </a:r>
+            <a:r>
+              <a:rPr lang="en-US" dirty="0" err="1"/>
+              <a:t>model_cow</a:t>
+            </a:r>
+            <a:r>
+              <a:rPr lang="en-US" dirty="0"/>
+              <a:t>, pairwise ~ supplement)%&gt;%</a:t>
+            </a:r>
+          </a:p>
+          <a:p>
+            <a:pPr marL="0" indent="0">
+              <a:buNone/>
+            </a:pPr>
+            <a:r>
+              <a:rPr lang="en-US" dirty="0"/>
+              <a:t>  	</a:t>
+            </a:r>
+            <a:r>
+              <a:rPr lang="en-US" dirty="0" err="1"/>
+              <a:t>multcomp</a:t>
+            </a:r>
+            <a:r>
+              <a:rPr lang="en-US" dirty="0"/>
+              <a:t>::</a:t>
+            </a:r>
+            <a:r>
+              <a:rPr lang="en-US" dirty="0" err="1">
+                <a:solidFill>
+                  <a:srgbClr val="C00000"/>
+                </a:solidFill>
+              </a:rPr>
+              <a:t>cld</a:t>
+            </a:r>
+            <a:r>
+              <a:rPr lang="en-US" dirty="0"/>
+              <a:t>(Letters=letters) %&gt;% </a:t>
+            </a:r>
+          </a:p>
+          <a:p>
+            <a:pPr marL="0" indent="0">
+              <a:buNone/>
+            </a:pPr>
+            <a:r>
+              <a:rPr lang="en-US" dirty="0"/>
+              <a:t>  	</a:t>
+            </a:r>
+            <a:r>
+              <a:rPr lang="en-US" dirty="0">
+                <a:solidFill>
+                  <a:srgbClr val="C00000"/>
+                </a:solidFill>
+              </a:rPr>
+              <a:t>arrange</a:t>
+            </a:r>
+            <a:r>
+              <a:rPr lang="en-US" dirty="0"/>
+              <a:t>(supplement) </a:t>
+            </a:r>
+            <a:r>
+              <a:rPr lang="en-US" dirty="0">
+                <a:solidFill>
+                  <a:srgbClr val="00B050"/>
+                </a:solidFill>
+              </a:rPr>
+              <a:t>#so order matches our re-order with control first</a:t>
+            </a:r>
+          </a:p>
+        </p:txBody>
+      </p:sp>
+      <p:sp>
+        <p:nvSpPr>
+          <p:cNvPr id="4" name="TextBox 3">
+            <a:extLst>
+              <a:ext uri="{FF2B5EF4-FFF2-40B4-BE49-F238E27FC236}">
+                <a16:creationId xmlns:a16="http://schemas.microsoft.com/office/drawing/2014/main" id="{98D9E11F-28BF-DC4D-B339-F4523D68F969}"/>
+              </a:ext>
+            </a:extLst>
+          </p:cNvPr>
+          <p:cNvSpPr txBox="1"/>
+          <p:nvPr/>
+        </p:nvSpPr>
+        <p:spPr>
+          <a:xfrm>
+            <a:off x="2514600" y="838200"/>
+            <a:ext cx="3701270" cy="461665"/>
+          </a:xfrm>
+          <a:prstGeom prst="rect">
+            <a:avLst/>
+          </a:prstGeom>
+          <a:noFill/>
+          <a:ln>
+            <a:solidFill>
+              <a:schemeClr val="tx1"/>
+            </a:solidFill>
+          </a:ln>
+        </p:spPr>
+        <p:txBody>
+          <a:bodyPr wrap="none" rtlCol="0">
+            <a:spAutoFit/>
+          </a:bodyPr>
+          <a:lstStyle/>
+          <a:p>
+            <a:r>
+              <a:rPr lang="en-US" sz="2400" dirty="0">
+                <a:solidFill>
+                  <a:srgbClr val="0432FF"/>
+                </a:solidFill>
+              </a:rPr>
+              <a:t>For the supplement variable</a:t>
+            </a:r>
+          </a:p>
+        </p:txBody>
+      </p:sp>
+      <p:sp>
+        <p:nvSpPr>
+          <p:cNvPr id="6" name="TextBox 5">
+            <a:extLst>
+              <a:ext uri="{FF2B5EF4-FFF2-40B4-BE49-F238E27FC236}">
+                <a16:creationId xmlns:a16="http://schemas.microsoft.com/office/drawing/2014/main" id="{F0A6A90E-F1E7-764A-9DDE-05F2A4B4468C}"/>
+              </a:ext>
+            </a:extLst>
+          </p:cNvPr>
+          <p:cNvSpPr txBox="1"/>
+          <p:nvPr/>
+        </p:nvSpPr>
+        <p:spPr>
+          <a:xfrm>
+            <a:off x="609600" y="2891135"/>
+            <a:ext cx="8153400" cy="2585323"/>
+          </a:xfrm>
+          <a:prstGeom prst="rect">
+            <a:avLst/>
+          </a:prstGeom>
+          <a:noFill/>
+        </p:spPr>
+        <p:txBody>
+          <a:bodyPr wrap="square" rtlCol="0">
+            <a:spAutoFit/>
+          </a:bodyPr>
+          <a:lstStyle/>
+          <a:p>
+            <a:r>
+              <a:rPr lang="en-US" dirty="0"/>
+              <a:t>#supplement 	</a:t>
+            </a:r>
+            <a:r>
+              <a:rPr lang="en-US" dirty="0" err="1"/>
+              <a:t>emmean</a:t>
+            </a:r>
+            <a:r>
+              <a:rPr lang="en-US" dirty="0"/>
+              <a:t> 	SE 	</a:t>
+            </a:r>
+            <a:r>
+              <a:rPr lang="en-US" dirty="0" err="1"/>
+              <a:t>df</a:t>
+            </a:r>
+            <a:r>
+              <a:rPr lang="en-US" dirty="0"/>
+              <a:t> 	</a:t>
+            </a:r>
+            <a:r>
+              <a:rPr lang="en-US" dirty="0" err="1"/>
+              <a:t>lower.CL</a:t>
+            </a:r>
+            <a:r>
+              <a:rPr lang="en-US" dirty="0"/>
+              <a:t> 	</a:t>
+            </a:r>
+            <a:r>
+              <a:rPr lang="en-US" dirty="0" err="1"/>
+              <a:t>upper.CL</a:t>
+            </a:r>
+            <a:r>
+              <a:rPr lang="en-US" dirty="0"/>
+              <a:t> 	.group </a:t>
+            </a:r>
+          </a:p>
+          <a:p>
+            <a:r>
+              <a:rPr lang="en-US" dirty="0"/>
+              <a:t>#control 		20.4 	0.379 	36 	19.6 	21.2 	a </a:t>
+            </a:r>
+          </a:p>
+          <a:p>
+            <a:r>
+              <a:rPr lang="en-US" dirty="0"/>
+              <a:t>#</a:t>
+            </a:r>
+            <a:r>
+              <a:rPr lang="en-US" dirty="0" err="1"/>
+              <a:t>agrimore</a:t>
+            </a:r>
+            <a:r>
+              <a:rPr lang="en-US" dirty="0"/>
+              <a:t> 	23.1 	0.379 	36 	22.3 	23.9 	b </a:t>
+            </a:r>
+          </a:p>
+          <a:p>
+            <a:r>
+              <a:rPr lang="en-US" dirty="0"/>
+              <a:t>#</a:t>
+            </a:r>
+            <a:r>
+              <a:rPr lang="en-US" dirty="0" err="1"/>
+              <a:t>supergain</a:t>
+            </a:r>
+            <a:r>
+              <a:rPr lang="en-US" dirty="0"/>
+              <a:t> 	19.7 	0.379 	36 	18.9 	20.5 	a </a:t>
+            </a:r>
+          </a:p>
+          <a:p>
+            <a:r>
+              <a:rPr lang="en-US" dirty="0"/>
+              <a:t>#</a:t>
+            </a:r>
+            <a:r>
+              <a:rPr lang="en-US" dirty="0" err="1"/>
+              <a:t>supersupp</a:t>
+            </a:r>
+            <a:r>
+              <a:rPr lang="en-US" dirty="0"/>
+              <a:t> 	22.4 	0.379 	36 	1.6 	23.1 	b </a:t>
+            </a:r>
+          </a:p>
+          <a:p>
+            <a:endParaRPr lang="en-US" dirty="0"/>
+          </a:p>
+          <a:p>
+            <a:r>
+              <a:rPr lang="en-US" dirty="0"/>
+              <a:t>#</a:t>
+            </a:r>
+            <a:r>
+              <a:rPr lang="en-US" dirty="0">
+                <a:solidFill>
+                  <a:srgbClr val="00B050"/>
+                </a:solidFill>
+              </a:rPr>
+              <a:t>Results are averaged over the levels of: </a:t>
+            </a:r>
+            <a:r>
+              <a:rPr lang="en-US" b="1" dirty="0">
+                <a:solidFill>
+                  <a:srgbClr val="00B050"/>
+                </a:solidFill>
+              </a:rPr>
+              <a:t>diet</a:t>
+            </a:r>
+            <a:r>
+              <a:rPr lang="en-US" dirty="0">
+                <a:solidFill>
+                  <a:srgbClr val="00B050"/>
+                </a:solidFill>
+              </a:rPr>
+              <a:t> </a:t>
+            </a:r>
+            <a:r>
+              <a:rPr lang="en-US" dirty="0"/>
+              <a:t>Confidence level used: 0.95 P value #adjustment: </a:t>
+            </a:r>
+            <a:r>
+              <a:rPr lang="en-US" dirty="0" err="1"/>
+              <a:t>tukey</a:t>
+            </a:r>
+            <a:r>
+              <a:rPr lang="en-US" dirty="0"/>
+              <a:t> method for comparing a family of 4 estimates significance level #used: alpha = 0.05</a:t>
+            </a:r>
+          </a:p>
+        </p:txBody>
+      </p:sp>
+      <p:sp>
+        <p:nvSpPr>
+          <p:cNvPr id="7" name="TextBox 6">
+            <a:extLst>
+              <a:ext uri="{FF2B5EF4-FFF2-40B4-BE49-F238E27FC236}">
+                <a16:creationId xmlns:a16="http://schemas.microsoft.com/office/drawing/2014/main" id="{DB27D9BC-CB9C-CA46-81F8-D4BA4C49F310}"/>
+              </a:ext>
+            </a:extLst>
+          </p:cNvPr>
+          <p:cNvSpPr txBox="1"/>
+          <p:nvPr/>
+        </p:nvSpPr>
+        <p:spPr>
+          <a:xfrm>
+            <a:off x="620271" y="5624393"/>
+            <a:ext cx="8066529" cy="830997"/>
+          </a:xfrm>
+          <a:prstGeom prst="rect">
+            <a:avLst/>
+          </a:prstGeom>
+          <a:noFill/>
+          <a:ln>
+            <a:solidFill>
+              <a:schemeClr val="tx1"/>
+            </a:solidFill>
+          </a:ln>
+        </p:spPr>
+        <p:txBody>
+          <a:bodyPr wrap="square" rtlCol="0">
+            <a:spAutoFit/>
+          </a:bodyPr>
+          <a:lstStyle/>
+          <a:p>
+            <a:r>
+              <a:rPr lang="en-US" sz="2400" dirty="0">
+                <a:solidFill>
+                  <a:srgbClr val="0432FF"/>
+                </a:solidFill>
+              </a:rPr>
+              <a:t>Two groups of significant comparisons for ‘supplement’ on a pairwise basis.</a:t>
+            </a:r>
+          </a:p>
+        </p:txBody>
+      </p:sp>
+    </p:spTree>
+    <p:extLst>
+      <p:ext uri="{BB962C8B-B14F-4D97-AF65-F5344CB8AC3E}">
+        <p14:creationId xmlns:p14="http://schemas.microsoft.com/office/powerpoint/2010/main" val="31748322"/>
+      </p:ext>
+    </p:extLst>
+  </p:cSld>
+  <p:clrMapOvr>
+    <a:masterClrMapping/>
+  </p:clrMapOvr>
+</p:sld>
+</file>
+
+<file path=ppt/slides/slide28.xml><?xml version="1.0" encoding="utf-8"?>
+<p:sld xmlns:a="http://schemas.openxmlformats.org/drawingml/2006/main" xmlns:r="http://schemas.openxmlformats.org/officeDocument/2006/relationships" xmlns:p="http://schemas.openxmlformats.org/presentationml/2006/main">
+  <p:cSld>
+    <p:spTree>
+      <p:nvGrpSpPr>
+        <p:cNvPr id="1" name=""/>
+        <p:cNvGrpSpPr/>
+        <p:nvPr/>
+      </p:nvGrpSpPr>
+      <p:grpSpPr>
+        <a:xfrm>
+          <a:off x="0" y="0"/>
+          <a:ext cx="0" cy="0"/>
+          <a:chOff x="0" y="0"/>
+          <a:chExt cx="0" cy="0"/>
+        </a:xfrm>
+      </p:grpSpPr>
+      <p:sp>
+        <p:nvSpPr>
+          <p:cNvPr id="2" name="Title 1">
+            <a:extLst>
+              <a:ext uri="{FF2B5EF4-FFF2-40B4-BE49-F238E27FC236}">
+                <a16:creationId xmlns:a16="http://schemas.microsoft.com/office/drawing/2014/main" id="{F5744DAA-ED8D-DB47-8F4F-4B6FA84EC4BF}"/>
+              </a:ext>
+            </a:extLst>
+          </p:cNvPr>
+          <p:cNvSpPr>
+            <a:spLocks noGrp="1"/>
+          </p:cNvSpPr>
+          <p:nvPr>
+            <p:ph type="title"/>
+          </p:nvPr>
+        </p:nvSpPr>
+        <p:spPr/>
+        <p:txBody>
+          <a:bodyPr/>
+          <a:lstStyle/>
+          <a:p>
+            <a:r>
+              <a:rPr lang="en-US" dirty="0"/>
+              <a:t>Results Statement</a:t>
+            </a:r>
+          </a:p>
+        </p:txBody>
+      </p:sp>
+      <p:sp>
+        <p:nvSpPr>
+          <p:cNvPr id="3" name="Content Placeholder 2">
+            <a:extLst>
+              <a:ext uri="{FF2B5EF4-FFF2-40B4-BE49-F238E27FC236}">
+                <a16:creationId xmlns:a16="http://schemas.microsoft.com/office/drawing/2014/main" id="{C8DA532E-1061-BC47-BEE0-C85A3FFD4CD2}"/>
+              </a:ext>
+            </a:extLst>
+          </p:cNvPr>
+          <p:cNvSpPr>
+            <a:spLocks noGrp="1"/>
+          </p:cNvSpPr>
+          <p:nvPr>
+            <p:ph idx="1"/>
+          </p:nvPr>
+        </p:nvSpPr>
+        <p:spPr/>
+        <p:txBody>
+          <a:bodyPr/>
+          <a:lstStyle/>
+          <a:p>
+            <a:endParaRPr lang="en-US" dirty="0"/>
+          </a:p>
+        </p:txBody>
+      </p:sp>
+    </p:spTree>
+    <p:extLst>
+      <p:ext uri="{BB962C8B-B14F-4D97-AF65-F5344CB8AC3E}">
+        <p14:creationId xmlns:p14="http://schemas.microsoft.com/office/powerpoint/2010/main" val="523052685"/>
+      </p:ext>
+    </p:extLst>
+  </p:cSld>
+  <p:clrMapOvr>
+    <a:masterClrMapping/>
+  </p:clrMapOvr>
+</p:sld>
+</file>
+
+<file path=ppt/slides/slide29.xml><?xml version="1.0" encoding="utf-8"?>
+<p:sld xmlns:a="http://schemas.openxmlformats.org/drawingml/2006/main" xmlns:r="http://schemas.openxmlformats.org/officeDocument/2006/relationships" xmlns:p="http://schemas.openxmlformats.org/presentationml/2006/main">
+  <p:cSld>
+    <p:bg>
+      <p:bgPr>
+        <a:solidFill>
+          <a:schemeClr val="tx1"/>
+        </a:solidFill>
+        <a:effectLst/>
+      </p:bgPr>
+    </p:bg>
+    <p:spTree>
+      <p:nvGrpSpPr>
+        <p:cNvPr id="1" name=""/>
+        <p:cNvGrpSpPr/>
+        <p:nvPr/>
+      </p:nvGrpSpPr>
+      <p:grpSpPr>
+        <a:xfrm>
+          <a:off x="0" y="0"/>
+          <a:ext cx="0" cy="0"/>
+          <a:chOff x="0" y="0"/>
+          <a:chExt cx="0" cy="0"/>
+        </a:xfrm>
+      </p:grpSpPr>
+      <p:sp>
+        <p:nvSpPr>
+          <p:cNvPr id="2" name="Title 1">
+            <a:extLst>
+              <a:ext uri="{FF2B5EF4-FFF2-40B4-BE49-F238E27FC236}">
+                <a16:creationId xmlns:a16="http://schemas.microsoft.com/office/drawing/2014/main" id="{F67C0ECA-28B9-3549-9353-3FA719AF5CA6}"/>
+              </a:ext>
+            </a:extLst>
+          </p:cNvPr>
+          <p:cNvSpPr>
+            <a:spLocks noGrp="1"/>
+          </p:cNvSpPr>
+          <p:nvPr>
+            <p:ph type="title"/>
+          </p:nvPr>
+        </p:nvSpPr>
+        <p:spPr/>
+        <p:txBody>
+          <a:bodyPr/>
+          <a:lstStyle/>
+          <a:p>
+            <a:endParaRPr lang="en-US"/>
+          </a:p>
+        </p:txBody>
+      </p:sp>
+      <p:sp>
+        <p:nvSpPr>
+          <p:cNvPr id="3" name="Content Placeholder 2">
+            <a:extLst>
+              <a:ext uri="{FF2B5EF4-FFF2-40B4-BE49-F238E27FC236}">
+                <a16:creationId xmlns:a16="http://schemas.microsoft.com/office/drawing/2014/main" id="{9FEF8C0C-7DBD-D14B-834C-989771EBA98B}"/>
+              </a:ext>
+            </a:extLst>
+          </p:cNvPr>
+          <p:cNvSpPr>
+            <a:spLocks noGrp="1"/>
+          </p:cNvSpPr>
+          <p:nvPr>
+            <p:ph idx="1"/>
+          </p:nvPr>
+        </p:nvSpPr>
+        <p:spPr/>
+        <p:txBody>
+          <a:bodyPr/>
+          <a:lstStyle/>
+          <a:p>
+            <a:pPr marL="0" indent="0">
+              <a:buNone/>
+            </a:pPr>
+            <a:r>
+              <a:rPr lang="en-US" dirty="0">
+                <a:solidFill>
+                  <a:schemeClr val="bg1"/>
+                </a:solidFill>
+              </a:rPr>
+              <a:t>Not covered:</a:t>
+            </a:r>
+          </a:p>
+          <a:p>
+            <a:r>
+              <a:rPr lang="en-US" dirty="0">
+                <a:solidFill>
+                  <a:schemeClr val="bg1"/>
+                </a:solidFill>
+              </a:rPr>
+              <a:t>comparing interaction (multiplicative) vs. additive models</a:t>
+            </a:r>
+          </a:p>
+          <a:p>
+            <a:r>
+              <a:rPr lang="en-US" dirty="0">
+                <a:solidFill>
+                  <a:schemeClr val="bg1"/>
+                </a:solidFill>
+              </a:rPr>
+              <a:t>producing minimum adequate model</a:t>
+            </a:r>
+          </a:p>
+        </p:txBody>
+      </p:sp>
+    </p:spTree>
+    <p:extLst>
+      <p:ext uri="{BB962C8B-B14F-4D97-AF65-F5344CB8AC3E}">
+        <p14:creationId xmlns:p14="http://schemas.microsoft.com/office/powerpoint/2010/main" val="2601613336"/>
       </p:ext>
     </p:extLst>
   </p:cSld>
@@ -11387,6 +13079,133 @@
 </p:sld>
 </file>
 
+<file path=ppt/slides/slide30.xml><?xml version="1.0" encoding="utf-8"?>
+<p:sld xmlns:a="http://schemas.openxmlformats.org/drawingml/2006/main" xmlns:r="http://schemas.openxmlformats.org/officeDocument/2006/relationships" xmlns:p="http://schemas.openxmlformats.org/presentationml/2006/main">
+  <p:cSld>
+    <p:spTree>
+      <p:nvGrpSpPr>
+        <p:cNvPr id="1" name=""/>
+        <p:cNvGrpSpPr/>
+        <p:nvPr/>
+      </p:nvGrpSpPr>
+      <p:grpSpPr>
+        <a:xfrm>
+          <a:off x="0" y="0"/>
+          <a:ext cx="0" cy="0"/>
+          <a:chOff x="0" y="0"/>
+          <a:chExt cx="0" cy="0"/>
+        </a:xfrm>
+      </p:grpSpPr>
+      <p:sp>
+        <p:nvSpPr>
+          <p:cNvPr id="2" name="Title 1">
+            <a:extLst>
+              <a:ext uri="{FF2B5EF4-FFF2-40B4-BE49-F238E27FC236}">
+                <a16:creationId xmlns:a16="http://schemas.microsoft.com/office/drawing/2014/main" id="{A66F8AB1-23D7-C043-B0FA-F756868556EA}"/>
+              </a:ext>
+            </a:extLst>
+          </p:cNvPr>
+          <p:cNvSpPr>
+            <a:spLocks noGrp="1"/>
+          </p:cNvSpPr>
+          <p:nvPr>
+            <p:ph type="title"/>
+          </p:nvPr>
+        </p:nvSpPr>
+        <p:spPr/>
+        <p:txBody>
+          <a:bodyPr/>
+          <a:lstStyle/>
+          <a:p>
+            <a:r>
+              <a:rPr lang="en-US" dirty="0"/>
+              <a:t>Elevated CO</a:t>
+            </a:r>
+            <a:r>
+              <a:rPr lang="en-US" baseline="-25000" dirty="0"/>
+              <a:t>2</a:t>
+            </a:r>
+            <a:r>
+              <a:rPr lang="en-US" dirty="0"/>
+              <a:t> Example</a:t>
+            </a:r>
+          </a:p>
+        </p:txBody>
+      </p:sp>
+      <p:sp>
+        <p:nvSpPr>
+          <p:cNvPr id="3" name="Content Placeholder 2">
+            <a:extLst>
+              <a:ext uri="{FF2B5EF4-FFF2-40B4-BE49-F238E27FC236}">
+                <a16:creationId xmlns:a16="http://schemas.microsoft.com/office/drawing/2014/main" id="{1A8F0D75-62C4-9449-91F5-63CBA630A44D}"/>
+              </a:ext>
+            </a:extLst>
+          </p:cNvPr>
+          <p:cNvSpPr>
+            <a:spLocks noGrp="1"/>
+          </p:cNvSpPr>
+          <p:nvPr>
+            <p:ph idx="1"/>
+          </p:nvPr>
+        </p:nvSpPr>
+        <p:spPr/>
+        <p:txBody>
+          <a:bodyPr/>
+          <a:lstStyle/>
+          <a:p>
+            <a:r>
+              <a:rPr lang="en-US" dirty="0"/>
+              <a:t>Next time?</a:t>
+            </a:r>
+          </a:p>
+          <a:p>
+            <a:r>
+              <a:rPr lang="en-US" dirty="0"/>
+              <a:t>?CO2 for background information</a:t>
+            </a:r>
+          </a:p>
+          <a:p>
+            <a:r>
+              <a:rPr lang="en-US" dirty="0">
+                <a:hlinkClick r:id="rId2"/>
+              </a:rPr>
+              <a:t>http://</a:t>
+            </a:r>
+            <a:r>
+              <a:rPr lang="en-US" dirty="0" err="1">
+                <a:hlinkClick r:id="rId2"/>
+              </a:rPr>
+              <a:t>en.wikipedia.org</a:t>
+            </a:r>
+            <a:r>
+              <a:rPr lang="en-US" dirty="0">
+                <a:hlinkClick r:id="rId2"/>
+              </a:rPr>
+              <a:t>/wiki/</a:t>
+            </a:r>
+            <a:r>
+              <a:rPr lang="en-US" dirty="0" err="1">
+                <a:hlinkClick r:id="rId2"/>
+              </a:rPr>
+              <a:t>Echinochloa_crus-galli</a:t>
+            </a:r>
+            <a:endParaRPr lang="en-US" dirty="0"/>
+          </a:p>
+        </p:txBody>
+      </p:sp>
+    </p:spTree>
+    <p:extLst>
+      <p:ext uri="{BB962C8B-B14F-4D97-AF65-F5344CB8AC3E}">
+        <p14:creationId xmlns:p14="http://schemas.microsoft.com/office/powerpoint/2010/main" val="297944563"/>
+      </p:ext>
+    </p:extLst>
+  </p:cSld>
+  <p:clrMapOvr>
+    <a:masterClrMapping/>
+  </p:clrMapOvr>
+</p:sld>
+</file>
+
 <file path=ppt/slides/slide4.xml><?xml version="1.0" encoding="utf-8"?>
 <p:sld xmlns:a="http://schemas.openxmlformats.org/drawingml/2006/main" xmlns:r="http://schemas.openxmlformats.org/officeDocument/2006/relationships" xmlns:p="http://schemas.openxmlformats.org/presentationml/2006/main">
   <p:cSld>
@@ -11568,7 +13387,22 @@
               <a:rPr lang="en-US" dirty="0">
                 <a:effectLst/>
               </a:rPr>
-              <a:t>If there is evidence of a significant interaction between A and B, inferences concerning the differences in the mean treatment responses for A </a:t>
+              <a:t>If there is evidence of a </a:t>
+            </a:r>
+            <a:r>
+              <a:rPr lang="en-US" dirty="0">
+                <a:solidFill>
+                  <a:srgbClr val="C00000"/>
+                </a:solidFill>
+                <a:effectLst/>
+              </a:rPr>
+              <a:t>significant interaction</a:t>
+            </a:r>
+            <a:r>
+              <a:rPr lang="en-US" dirty="0">
+                <a:effectLst/>
+              </a:rPr>
+              <a:t> between A and B, comparisons of the mean treatment responses for A </a:t>
             </a:r>
             <a:r>
               <a:rPr lang="en-US" dirty="0">
@@ -11623,6 +13457,275 @@
       </p:grpSpPr>
       <p:sp>
         <p:nvSpPr>
+          <p:cNvPr id="2" name="Title 1">
+            <a:extLst>
+              <a:ext uri="{FF2B5EF4-FFF2-40B4-BE49-F238E27FC236}">
+                <a16:creationId xmlns:a16="http://schemas.microsoft.com/office/drawing/2014/main" id="{5F87358E-2145-B44D-9B53-CFA42BE5E569}"/>
+              </a:ext>
+            </a:extLst>
+          </p:cNvPr>
+          <p:cNvSpPr>
+            <a:spLocks noGrp="1"/>
+          </p:cNvSpPr>
+          <p:nvPr>
+            <p:ph type="title"/>
+          </p:nvPr>
+        </p:nvSpPr>
+        <p:spPr>
+          <a:xfrm>
+            <a:off x="457200" y="818924"/>
+            <a:ext cx="8229600" cy="944562"/>
+          </a:xfrm>
+        </p:spPr>
+        <p:txBody>
+          <a:bodyPr>
+            <a:normAutofit fontScale="90000"/>
+          </a:bodyPr>
+          <a:lstStyle/>
+          <a:p>
+            <a:pPr marL="342900" lvl="0" indent="-342900">
+              <a:spcBef>
+                <a:spcPct val="20000"/>
+              </a:spcBef>
+            </a:pPr>
+            <a:r>
+              <a:rPr lang="en-US" sz="3100" dirty="0">
+                <a:solidFill>
+                  <a:prstClr val="black"/>
+                </a:solidFill>
+                <a:ea typeface="+mn-ea"/>
+                <a:cs typeface="+mn-cs"/>
+              </a:rPr>
+              <a:t>A two-way ANOVA </a:t>
+            </a:r>
+            <a:r>
+              <a:rPr lang="en-US" sz="3100" dirty="0">
+                <a:solidFill>
+                  <a:srgbClr val="C00000"/>
+                </a:solidFill>
+                <a:ea typeface="+mn-ea"/>
+                <a:cs typeface="+mn-cs"/>
+              </a:rPr>
+              <a:t>with interaction </a:t>
+            </a:r>
+            <a:r>
+              <a:rPr lang="en-US" sz="3100" dirty="0">
+                <a:solidFill>
+                  <a:prstClr val="black"/>
+                </a:solidFill>
+                <a:ea typeface="+mn-ea"/>
+                <a:cs typeface="+mn-cs"/>
+              </a:rPr>
+              <a:t>tests three statistical </a:t>
+            </a:r>
+            <a:r>
+              <a:rPr lang="en-US" sz="3100" dirty="0">
+                <a:solidFill>
+                  <a:prstClr val="black"/>
+                </a:solidFill>
+                <a:ea typeface="+mn-ea"/>
+                <a:cs typeface="+mn-cs"/>
+                <a:hlinkClick r:id="rId2">
+                  <a:extLst>
+                    <a:ext uri="{A12FA001-AC4F-418D-AE19-62706E023703}">
+                      <ahyp:hlinkClr xmlns:ahyp="http://schemas.microsoft.com/office/drawing/2018/hyperlinkcolor" val="tx"/>
+                    </a:ext>
+                  </a:extLst>
+                </a:hlinkClick>
+              </a:rPr>
+              <a:t>null hypotheses</a:t>
+            </a:r>
+            <a:r>
+              <a:rPr lang="en-US" sz="3100" dirty="0">
+                <a:solidFill>
+                  <a:prstClr val="black"/>
+                </a:solidFill>
+                <a:ea typeface="+mn-ea"/>
+                <a:cs typeface="+mn-cs"/>
+              </a:rPr>
+              <a:t> at the same time:</a:t>
+            </a:r>
+            <a:br>
+              <a:rPr lang="en-US" sz="2800" dirty="0">
+                <a:solidFill>
+                  <a:prstClr val="black"/>
+                </a:solidFill>
+                <a:ea typeface="+mn-ea"/>
+                <a:cs typeface="+mn-cs"/>
+              </a:rPr>
+            </a:br>
+            <a:endParaRPr lang="en-US" dirty="0"/>
+          </a:p>
+        </p:txBody>
+      </p:sp>
+      <p:sp>
+        <p:nvSpPr>
+          <p:cNvPr id="3" name="Content Placeholder 2">
+            <a:extLst>
+              <a:ext uri="{FF2B5EF4-FFF2-40B4-BE49-F238E27FC236}">
+                <a16:creationId xmlns:a16="http://schemas.microsoft.com/office/drawing/2014/main" id="{38ABB0B2-59A7-1342-93A8-9EC3CF4D6604}"/>
+              </a:ext>
+            </a:extLst>
+          </p:cNvPr>
+          <p:cNvSpPr>
+            <a:spLocks noGrp="1"/>
+          </p:cNvSpPr>
+          <p:nvPr>
+            <p:ph idx="1"/>
+          </p:nvPr>
+        </p:nvSpPr>
+        <p:spPr>
+          <a:xfrm>
+            <a:off x="457200" y="1752600"/>
+            <a:ext cx="8229600" cy="3352800"/>
+          </a:xfrm>
+        </p:spPr>
+        <p:txBody>
+          <a:bodyPr/>
+          <a:lstStyle/>
+          <a:p>
+            <a:r>
+              <a:rPr lang="en-US" dirty="0"/>
+              <a:t>There is no difference in group means at any level of the </a:t>
+            </a:r>
+            <a:r>
+              <a:rPr lang="en-US" dirty="0">
+                <a:solidFill>
+                  <a:srgbClr val="0432FF"/>
+                </a:solidFill>
+              </a:rPr>
+              <a:t>first</a:t>
+            </a:r>
+            <a:r>
+              <a:rPr lang="en-US" dirty="0"/>
+              <a:t> independent variable.</a:t>
+            </a:r>
+          </a:p>
+          <a:p>
+            <a:r>
+              <a:rPr lang="en-US" dirty="0"/>
+              <a:t>There is no difference in group means at any level of the </a:t>
+            </a:r>
+            <a:r>
+              <a:rPr lang="en-US" dirty="0">
+                <a:solidFill>
+                  <a:srgbClr val="0432FF"/>
+                </a:solidFill>
+              </a:rPr>
+              <a:t>second</a:t>
+            </a:r>
+            <a:r>
+              <a:rPr lang="en-US" dirty="0"/>
+              <a:t> independent variable.</a:t>
+            </a:r>
+          </a:p>
+          <a:p>
+            <a:r>
+              <a:rPr lang="en-US" dirty="0"/>
+              <a:t>The effect of one independent variable </a:t>
+            </a:r>
+            <a:r>
+              <a:rPr lang="en-US" dirty="0">
+                <a:solidFill>
+                  <a:srgbClr val="0432FF"/>
+                </a:solidFill>
+              </a:rPr>
+              <a:t>does not depend</a:t>
+            </a:r>
+            <a:r>
+              <a:rPr lang="en-US" dirty="0"/>
+              <a:t> on the effect of the other independent variable (a.k.a. no interaction effect).</a:t>
+            </a:r>
+          </a:p>
+          <a:p>
+            <a:endParaRPr lang="en-US" dirty="0"/>
+          </a:p>
+        </p:txBody>
+      </p:sp>
+      <p:sp>
+        <p:nvSpPr>
+          <p:cNvPr id="4" name="TextBox 3">
+            <a:extLst>
+              <a:ext uri="{FF2B5EF4-FFF2-40B4-BE49-F238E27FC236}">
+                <a16:creationId xmlns:a16="http://schemas.microsoft.com/office/drawing/2014/main" id="{BAE4CB91-939E-EE4D-94E4-9F44AC251B7C}"/>
+              </a:ext>
+            </a:extLst>
+          </p:cNvPr>
+          <p:cNvSpPr txBox="1"/>
+          <p:nvPr/>
+        </p:nvSpPr>
+        <p:spPr>
+          <a:xfrm>
+            <a:off x="457200" y="5334000"/>
+            <a:ext cx="8229600" cy="830997"/>
+          </a:xfrm>
+          <a:prstGeom prst="rect">
+            <a:avLst/>
+          </a:prstGeom>
+          <a:noFill/>
+          <a:ln>
+            <a:solidFill>
+              <a:schemeClr val="tx1"/>
+            </a:solidFill>
+          </a:ln>
+        </p:spPr>
+        <p:txBody>
+          <a:bodyPr wrap="square" rtlCol="0">
+            <a:spAutoFit/>
+          </a:bodyPr>
+          <a:lstStyle/>
+          <a:p>
+            <a:r>
+              <a:rPr lang="en-US" sz="2400" dirty="0"/>
+              <a:t>A two-way ANOVA </a:t>
+            </a:r>
+            <a:r>
+              <a:rPr lang="en-US" sz="2400" dirty="0">
+                <a:solidFill>
+                  <a:srgbClr val="C00000"/>
+                </a:solidFill>
+              </a:rPr>
+              <a:t>without</a:t>
+            </a:r>
+            <a:r>
+              <a:rPr lang="en-US" sz="2400" dirty="0"/>
+              <a:t> interaction (a.k.a. an additive two-way ANOVA) only tests the first two of these hypotheses.</a:t>
+            </a:r>
+          </a:p>
+        </p:txBody>
+      </p:sp>
+    </p:spTree>
+    <p:extLst>
+      <p:ext uri="{BB962C8B-B14F-4D97-AF65-F5344CB8AC3E}">
+        <p14:creationId xmlns:p14="http://schemas.microsoft.com/office/powerpoint/2010/main" val="626732894"/>
+      </p:ext>
+    </p:extLst>
+  </p:cSld>
+  <p:clrMapOvr>
+    <a:masterClrMapping/>
+  </p:clrMapOvr>
+</p:sld>
+</file>
+
+<file path=ppt/slides/slide6.xml><?xml version="1.0" encoding="utf-8"?>
+<p:sld xmlns:a="http://schemas.openxmlformats.org/drawingml/2006/main" xmlns:r="http://schemas.openxmlformats.org/officeDocument/2006/relationships" xmlns:p="http://schemas.openxmlformats.org/presentationml/2006/main">
+  <p:cSld>
+    <p:spTree>
+      <p:nvGrpSpPr>
+        <p:cNvPr id="1" name=""/>
+        <p:cNvGrpSpPr/>
+        <p:nvPr/>
+      </p:nvGrpSpPr>
+      <p:grpSpPr>
+        <a:xfrm>
+          <a:off x="0" y="0"/>
+          <a:ext cx="0" cy="0"/>
+          <a:chOff x="0" y="0"/>
+          <a:chExt cx="0" cy="0"/>
+        </a:xfrm>
+      </p:grpSpPr>
+      <p:sp>
+        <p:nvSpPr>
           <p:cNvPr id="3" name="Content Placeholder 2"/>
           <p:cNvSpPr>
             <a:spLocks noGrp="1"/>
@@ -12070,7 +14173,7 @@
 </p:sld>
 </file>
 
-<file path=ppt/slides/slide6.xml><?xml version="1.0" encoding="utf-8"?>
+<file path=ppt/slides/slide7.xml><?xml version="1.0" encoding="utf-8"?>
 <p:sld xmlns:a="http://schemas.openxmlformats.org/drawingml/2006/main" xmlns:r="http://schemas.openxmlformats.org/officeDocument/2006/relationships" xmlns:p="http://schemas.openxmlformats.org/presentationml/2006/main">
   <p:cSld>
     <p:spTree>
@@ -12087,42 +14190,6 @@
           <a:chExt cx="0" cy="0"/>
         </a:xfrm>
       </p:grpSpPr>
-      <p:sp>
-        <p:nvSpPr>
-          <p:cNvPr id="3" name="Content Placeholder 2"/>
-          <p:cNvSpPr>
-            <a:spLocks noGrp="1"/>
-          </p:cNvSpPr>
-          <p:nvPr>
-            <p:ph idx="1"/>
-          </p:nvPr>
-        </p:nvSpPr>
-        <p:spPr>
-          <a:xfrm>
-            <a:off x="1004121" y="174065"/>
-            <a:ext cx="7234982" cy="881915"/>
-          </a:xfrm>
-        </p:spPr>
-        <p:txBody>
-          <a:bodyPr>
-            <a:normAutofit fontScale="85000" lnSpcReduction="10000"/>
-          </a:bodyPr>
-          <a:lstStyle/>
-          <a:p>
-            <a:pPr marL="0" indent="0">
-              <a:buNone/>
-            </a:pPr>
-            <a:r>
-              <a:rPr lang="en-US" sz="2400" dirty="0">
-                <a:solidFill>
-                  <a:srgbClr val="0000FF"/>
-                </a:solidFill>
-              </a:rPr>
-              <a:t>Experimental designs that consider both main effects and interaction effects allow more nuance into how a system functions.</a:t>
-            </a:r>
-          </a:p>
-        </p:txBody>
-      </p:sp>
       <p:pic>
         <p:nvPicPr>
           <p:cNvPr id="4" name="Picture 3" descr="ch04f02.jpg"/>
@@ -12144,14 +14211,434 @@
         </p:blipFill>
         <p:spPr>
           <a:xfrm>
-            <a:off x="132298" y="1151994"/>
-            <a:ext cx="4520490" cy="4827398"/>
+            <a:off x="152400" y="381000"/>
+            <a:ext cx="5791200" cy="6184380"/>
           </a:xfrm>
           <a:prstGeom prst="rect">
             <a:avLst/>
           </a:prstGeom>
         </p:spPr>
       </p:pic>
+      <p:sp>
+        <p:nvSpPr>
+          <p:cNvPr id="7" name="Content Placeholder 2"/>
+          <p:cNvSpPr txBox="1">
+            <a:spLocks/>
+          </p:cNvSpPr>
+          <p:nvPr/>
+        </p:nvSpPr>
+        <p:spPr>
+          <a:xfrm>
+            <a:off x="4419600" y="2912631"/>
+            <a:ext cx="1848596" cy="533345"/>
+          </a:xfrm>
+          <a:prstGeom prst="rect">
+            <a:avLst/>
+          </a:prstGeom>
+        </p:spPr>
+        <p:txBody>
+          <a:bodyPr vert="horz" lIns="91440" tIns="45720" rIns="91440" bIns="45720" rtlCol="0">
+            <a:normAutofit/>
+          </a:bodyPr>
+          <a:lstStyle>
+            <a:lvl1pPr marL="342900" indent="-342900" algn="l" defTabSz="457200" rtl="0" eaLnBrk="1" latinLnBrk="0" hangingPunct="1">
+              <a:spcBef>
+                <a:spcPct val="20000"/>
+              </a:spcBef>
+              <a:buFont typeface="Arial"/>
+              <a:buChar char="•"/>
+              <a:defRPr sz="3200" kern="1200">
+                <a:solidFill>
+                  <a:schemeClr val="tx1"/>
+                </a:solidFill>
+                <a:latin typeface="+mn-lt"/>
+                <a:ea typeface="+mn-ea"/>
+                <a:cs typeface="+mn-cs"/>
+              </a:defRPr>
+            </a:lvl1pPr>
+            <a:lvl2pPr marL="742950" indent="-285750" algn="l" defTabSz="457200" rtl="0" eaLnBrk="1" latinLnBrk="0" hangingPunct="1">
+              <a:spcBef>
+                <a:spcPct val="20000"/>
+              </a:spcBef>
+              <a:buFont typeface="Arial"/>
+              <a:buChar char="–"/>
+              <a:defRPr sz="2800" kern="1200">
+                <a:solidFill>
+                  <a:schemeClr val="tx1"/>
+                </a:solidFill>
+                <a:latin typeface="+mn-lt"/>
+                <a:ea typeface="+mn-ea"/>
+                <a:cs typeface="+mn-cs"/>
+              </a:defRPr>
+            </a:lvl2pPr>
+            <a:lvl3pPr marL="1143000" indent="-228600" algn="l" defTabSz="457200" rtl="0" eaLnBrk="1" latinLnBrk="0" hangingPunct="1">
+              <a:spcBef>
+                <a:spcPct val="20000"/>
+              </a:spcBef>
+              <a:buFont typeface="Arial"/>
+              <a:buChar char="•"/>
+              <a:defRPr sz="2400" kern="1200">
+                <a:solidFill>
+                  <a:schemeClr val="tx1"/>
+                </a:solidFill>
+                <a:latin typeface="+mn-lt"/>
+                <a:ea typeface="+mn-ea"/>
+                <a:cs typeface="+mn-cs"/>
+              </a:defRPr>
+            </a:lvl3pPr>
+            <a:lvl4pPr marL="1600200" indent="-228600" algn="l" defTabSz="457200" rtl="0" eaLnBrk="1" latinLnBrk="0" hangingPunct="1">
+              <a:spcBef>
+                <a:spcPct val="20000"/>
+              </a:spcBef>
+              <a:buFont typeface="Arial"/>
+              <a:buChar char="–"/>
+              <a:defRPr sz="2000" kern="1200">
+                <a:solidFill>
+                  <a:schemeClr val="tx1"/>
+                </a:solidFill>
+                <a:latin typeface="+mn-lt"/>
+                <a:ea typeface="+mn-ea"/>
+                <a:cs typeface="+mn-cs"/>
+              </a:defRPr>
+            </a:lvl4pPr>
+            <a:lvl5pPr marL="2057400" indent="-228600" algn="l" defTabSz="457200" rtl="0" eaLnBrk="1" latinLnBrk="0" hangingPunct="1">
+              <a:spcBef>
+                <a:spcPct val="20000"/>
+              </a:spcBef>
+              <a:buFont typeface="Arial"/>
+              <a:buChar char="»"/>
+              <a:defRPr sz="2000" kern="1200">
+                <a:solidFill>
+                  <a:schemeClr val="tx1"/>
+                </a:solidFill>
+                <a:latin typeface="+mn-lt"/>
+                <a:ea typeface="+mn-ea"/>
+                <a:cs typeface="+mn-cs"/>
+              </a:defRPr>
+            </a:lvl5pPr>
+            <a:lvl6pPr marL="2514600" indent="-228600" algn="l" defTabSz="457200" rtl="0" eaLnBrk="1" latinLnBrk="0" hangingPunct="1">
+              <a:spcBef>
+                <a:spcPct val="20000"/>
+              </a:spcBef>
+              <a:buFont typeface="Arial"/>
+              <a:buChar char="•"/>
+              <a:defRPr sz="2000" kern="1200">
+                <a:solidFill>
+                  <a:schemeClr val="tx1"/>
+                </a:solidFill>
+                <a:latin typeface="+mn-lt"/>
+                <a:ea typeface="+mn-ea"/>
+                <a:cs typeface="+mn-cs"/>
+              </a:defRPr>
+            </a:lvl6pPr>
+            <a:lvl7pPr marL="2971800" indent="-228600" algn="l" defTabSz="457200" rtl="0" eaLnBrk="1" latinLnBrk="0" hangingPunct="1">
+              <a:spcBef>
+                <a:spcPct val="20000"/>
+              </a:spcBef>
+              <a:buFont typeface="Arial"/>
+              <a:buChar char="•"/>
+              <a:defRPr sz="2000" kern="1200">
+                <a:solidFill>
+                  <a:schemeClr val="tx1"/>
+                </a:solidFill>
+                <a:latin typeface="+mn-lt"/>
+                <a:ea typeface="+mn-ea"/>
+                <a:cs typeface="+mn-cs"/>
+              </a:defRPr>
+            </a:lvl7pPr>
+            <a:lvl8pPr marL="3429000" indent="-228600" algn="l" defTabSz="457200" rtl="0" eaLnBrk="1" latinLnBrk="0" hangingPunct="1">
+              <a:spcBef>
+                <a:spcPct val="20000"/>
+              </a:spcBef>
+              <a:buFont typeface="Arial"/>
+              <a:buChar char="•"/>
+              <a:defRPr sz="2000" kern="1200">
+                <a:solidFill>
+                  <a:schemeClr val="tx1"/>
+                </a:solidFill>
+                <a:latin typeface="+mn-lt"/>
+                <a:ea typeface="+mn-ea"/>
+                <a:cs typeface="+mn-cs"/>
+              </a:defRPr>
+            </a:lvl8pPr>
+            <a:lvl9pPr marL="3886200" indent="-228600" algn="l" defTabSz="457200" rtl="0" eaLnBrk="1" latinLnBrk="0" hangingPunct="1">
+              <a:spcBef>
+                <a:spcPct val="20000"/>
+              </a:spcBef>
+              <a:buFont typeface="Arial"/>
+              <a:buChar char="•"/>
+              <a:defRPr sz="2000" kern="1200">
+                <a:solidFill>
+                  <a:schemeClr val="tx1"/>
+                </a:solidFill>
+                <a:latin typeface="+mn-lt"/>
+                <a:ea typeface="+mn-ea"/>
+                <a:cs typeface="+mn-cs"/>
+              </a:defRPr>
+            </a:lvl9pPr>
+          </a:lstStyle>
+          <a:p>
+            <a:pPr marL="0" indent="0">
+              <a:buFont typeface="Arial"/>
+              <a:buNone/>
+            </a:pPr>
+            <a:r>
+              <a:rPr lang="en-US" sz="2400" dirty="0">
+                <a:solidFill>
+                  <a:srgbClr val="0000FF"/>
+                </a:solidFill>
+              </a:rPr>
+              <a:t>Main Effect</a:t>
+            </a:r>
+          </a:p>
+        </p:txBody>
+      </p:sp>
+      <p:sp>
+        <p:nvSpPr>
+          <p:cNvPr id="3" name="Content Placeholder 2"/>
+          <p:cNvSpPr>
+            <a:spLocks noGrp="1"/>
+          </p:cNvSpPr>
+          <p:nvPr>
+            <p:ph idx="1"/>
+          </p:nvPr>
+        </p:nvSpPr>
+        <p:spPr>
+          <a:xfrm>
+            <a:off x="5105400" y="508987"/>
+            <a:ext cx="3844493" cy="1208963"/>
+          </a:xfrm>
+        </p:spPr>
+        <p:txBody>
+          <a:bodyPr>
+            <a:normAutofit fontScale="85000" lnSpcReduction="10000"/>
+          </a:bodyPr>
+          <a:lstStyle/>
+          <a:p>
+            <a:pPr marL="0" indent="0">
+              <a:buNone/>
+            </a:pPr>
+            <a:r>
+              <a:rPr lang="en-US" sz="2400" dirty="0">
+                <a:solidFill>
+                  <a:srgbClr val="0000FF"/>
+                </a:solidFill>
+              </a:rPr>
+              <a:t>Experimental designs that consider both main effects and interaction effects allow more nuance into how a system functions.</a:t>
+            </a:r>
+          </a:p>
+        </p:txBody>
+      </p:sp>
+      <p:sp>
+        <p:nvSpPr>
+          <p:cNvPr id="8" name="Content Placeholder 2">
+            <a:extLst>
+              <a:ext uri="{FF2B5EF4-FFF2-40B4-BE49-F238E27FC236}">
+                <a16:creationId xmlns:a16="http://schemas.microsoft.com/office/drawing/2014/main" id="{FA296472-2623-334C-B66B-9DC7101FAA8B}"/>
+              </a:ext>
+            </a:extLst>
+          </p:cNvPr>
+          <p:cNvSpPr txBox="1">
+            <a:spLocks/>
+          </p:cNvSpPr>
+          <p:nvPr/>
+        </p:nvSpPr>
+        <p:spPr>
+          <a:xfrm>
+            <a:off x="4419600" y="5710934"/>
+            <a:ext cx="1848596" cy="533345"/>
+          </a:xfrm>
+          <a:prstGeom prst="rect">
+            <a:avLst/>
+          </a:prstGeom>
+        </p:spPr>
+        <p:txBody>
+          <a:bodyPr vert="horz" lIns="91440" tIns="45720" rIns="91440" bIns="45720" rtlCol="0">
+            <a:normAutofit fontScale="92500"/>
+          </a:bodyPr>
+          <a:lstStyle>
+            <a:lvl1pPr marL="342900" indent="-342900" algn="l" defTabSz="457200" rtl="0" eaLnBrk="1" latinLnBrk="0" hangingPunct="1">
+              <a:spcBef>
+                <a:spcPct val="20000"/>
+              </a:spcBef>
+              <a:buFont typeface="Arial"/>
+              <a:buChar char="•"/>
+              <a:defRPr sz="3200" kern="1200">
+                <a:solidFill>
+                  <a:schemeClr val="tx1"/>
+                </a:solidFill>
+                <a:latin typeface="+mn-lt"/>
+                <a:ea typeface="+mn-ea"/>
+                <a:cs typeface="+mn-cs"/>
+              </a:defRPr>
+            </a:lvl1pPr>
+            <a:lvl2pPr marL="742950" indent="-285750" algn="l" defTabSz="457200" rtl="0" eaLnBrk="1" latinLnBrk="0" hangingPunct="1">
+              <a:spcBef>
+                <a:spcPct val="20000"/>
+              </a:spcBef>
+              <a:buFont typeface="Arial"/>
+              <a:buChar char="–"/>
+              <a:defRPr sz="2800" kern="1200">
+                <a:solidFill>
+                  <a:schemeClr val="tx1"/>
+                </a:solidFill>
+                <a:latin typeface="+mn-lt"/>
+                <a:ea typeface="+mn-ea"/>
+                <a:cs typeface="+mn-cs"/>
+              </a:defRPr>
+            </a:lvl2pPr>
+            <a:lvl3pPr marL="1143000" indent="-228600" algn="l" defTabSz="457200" rtl="0" eaLnBrk="1" latinLnBrk="0" hangingPunct="1">
+              <a:spcBef>
+                <a:spcPct val="20000"/>
+              </a:spcBef>
+              <a:buFont typeface="Arial"/>
+              <a:buChar char="•"/>
+              <a:defRPr sz="2400" kern="1200">
+                <a:solidFill>
+                  <a:schemeClr val="tx1"/>
+                </a:solidFill>
+                <a:latin typeface="+mn-lt"/>
+                <a:ea typeface="+mn-ea"/>
+                <a:cs typeface="+mn-cs"/>
+              </a:defRPr>
+            </a:lvl3pPr>
+            <a:lvl4pPr marL="1600200" indent="-228600" algn="l" defTabSz="457200" rtl="0" eaLnBrk="1" latinLnBrk="0" hangingPunct="1">
+              <a:spcBef>
+                <a:spcPct val="20000"/>
+              </a:spcBef>
+              <a:buFont typeface="Arial"/>
+              <a:buChar char="–"/>
+              <a:defRPr sz="2000" kern="1200">
+                <a:solidFill>
+                  <a:schemeClr val="tx1"/>
+                </a:solidFill>
+                <a:latin typeface="+mn-lt"/>
+                <a:ea typeface="+mn-ea"/>
+                <a:cs typeface="+mn-cs"/>
+              </a:defRPr>
+            </a:lvl4pPr>
+            <a:lvl5pPr marL="2057400" indent="-228600" algn="l" defTabSz="457200" rtl="0" eaLnBrk="1" latinLnBrk="0" hangingPunct="1">
+              <a:spcBef>
+                <a:spcPct val="20000"/>
+              </a:spcBef>
+              <a:buFont typeface="Arial"/>
+              <a:buChar char="»"/>
+              <a:defRPr sz="2000" kern="1200">
+                <a:solidFill>
+                  <a:schemeClr val="tx1"/>
+                </a:solidFill>
+                <a:latin typeface="+mn-lt"/>
+                <a:ea typeface="+mn-ea"/>
+                <a:cs typeface="+mn-cs"/>
+              </a:defRPr>
+            </a:lvl5pPr>
+            <a:lvl6pPr marL="2514600" indent="-228600" algn="l" defTabSz="457200" rtl="0" eaLnBrk="1" latinLnBrk="0" hangingPunct="1">
+              <a:spcBef>
+                <a:spcPct val="20000"/>
+              </a:spcBef>
+              <a:buFont typeface="Arial"/>
+              <a:buChar char="•"/>
+              <a:defRPr sz="2000" kern="1200">
+                <a:solidFill>
+                  <a:schemeClr val="tx1"/>
+                </a:solidFill>
+                <a:latin typeface="+mn-lt"/>
+                <a:ea typeface="+mn-ea"/>
+                <a:cs typeface="+mn-cs"/>
+              </a:defRPr>
+            </a:lvl6pPr>
+            <a:lvl7pPr marL="2971800" indent="-228600" algn="l" defTabSz="457200" rtl="0" eaLnBrk="1" latinLnBrk="0" hangingPunct="1">
+              <a:spcBef>
+                <a:spcPct val="20000"/>
+              </a:spcBef>
+              <a:buFont typeface="Arial"/>
+              <a:buChar char="•"/>
+              <a:defRPr sz="2000" kern="1200">
+                <a:solidFill>
+                  <a:schemeClr val="tx1"/>
+                </a:solidFill>
+                <a:latin typeface="+mn-lt"/>
+                <a:ea typeface="+mn-ea"/>
+                <a:cs typeface="+mn-cs"/>
+              </a:defRPr>
+            </a:lvl7pPr>
+            <a:lvl8pPr marL="3429000" indent="-228600" algn="l" defTabSz="457200" rtl="0" eaLnBrk="1" latinLnBrk="0" hangingPunct="1">
+              <a:spcBef>
+                <a:spcPct val="20000"/>
+              </a:spcBef>
+              <a:buFont typeface="Arial"/>
+              <a:buChar char="•"/>
+              <a:defRPr sz="2000" kern="1200">
+                <a:solidFill>
+                  <a:schemeClr val="tx1"/>
+                </a:solidFill>
+                <a:latin typeface="+mn-lt"/>
+                <a:ea typeface="+mn-ea"/>
+                <a:cs typeface="+mn-cs"/>
+              </a:defRPr>
+            </a:lvl8pPr>
+            <a:lvl9pPr marL="3886200" indent="-228600" algn="l" defTabSz="457200" rtl="0" eaLnBrk="1" latinLnBrk="0" hangingPunct="1">
+              <a:spcBef>
+                <a:spcPct val="20000"/>
+              </a:spcBef>
+              <a:buFont typeface="Arial"/>
+              <a:buChar char="•"/>
+              <a:defRPr sz="2000" kern="1200">
+                <a:solidFill>
+                  <a:schemeClr val="tx1"/>
+                </a:solidFill>
+                <a:latin typeface="+mn-lt"/>
+                <a:ea typeface="+mn-ea"/>
+                <a:cs typeface="+mn-cs"/>
+              </a:defRPr>
+            </a:lvl9pPr>
+          </a:lstStyle>
+          <a:p>
+            <a:pPr marL="0" indent="0">
+              <a:buFont typeface="Arial"/>
+              <a:buNone/>
+            </a:pPr>
+            <a:r>
+              <a:rPr lang="en-US" sz="2400" dirty="0">
+                <a:solidFill>
+                  <a:srgbClr val="0000FF"/>
+                </a:solidFill>
+              </a:rPr>
+              <a:t>Main Effect(s)</a:t>
+            </a:r>
+          </a:p>
+        </p:txBody>
+      </p:sp>
+    </p:spTree>
+    <p:extLst>
+      <p:ext uri="{BB962C8B-B14F-4D97-AF65-F5344CB8AC3E}">
+        <p14:creationId xmlns:p14="http://schemas.microsoft.com/office/powerpoint/2010/main" val="1332735426"/>
+      </p:ext>
+    </p:extLst>
+  </p:cSld>
+  <p:clrMapOvr>
+    <a:masterClrMapping/>
+  </p:clrMapOvr>
+</p:sld>
+</file>
+
+<file path=ppt/slides/slide8.xml><?xml version="1.0" encoding="utf-8"?>
+<p:sld xmlns:a="http://schemas.openxmlformats.org/drawingml/2006/main" xmlns:r="http://schemas.openxmlformats.org/officeDocument/2006/relationships" xmlns:p="http://schemas.openxmlformats.org/presentationml/2006/main">
+  <p:cSld>
+    <p:spTree>
+      <p:nvGrpSpPr>
+        <p:cNvPr id="1" name=""/>
+        <p:cNvGrpSpPr/>
+        <p:nvPr/>
+      </p:nvGrpSpPr>
+      <p:grpSpPr>
+        <a:xfrm>
+          <a:off x="0" y="0"/>
+          <a:ext cx="0" cy="0"/>
+          <a:chOff x="0" y="0"/>
+          <a:chExt cx="0" cy="0"/>
+        </a:xfrm>
+      </p:grpSpPr>
       <p:pic>
         <p:nvPicPr>
           <p:cNvPr id="5" name="Picture 4" descr="ch04f02.jpg"/>
@@ -12173,8 +14660,8 @@
         </p:blipFill>
         <p:spPr>
           <a:xfrm>
-            <a:off x="4573427" y="1605094"/>
-            <a:ext cx="4572000" cy="3284048"/>
+            <a:off x="2260131" y="304800"/>
+            <a:ext cx="6898279" cy="4955004"/>
           </a:xfrm>
           <a:prstGeom prst="rect">
             <a:avLst/>
@@ -12183,62 +14670,6 @@
       </p:pic>
       <p:sp>
         <p:nvSpPr>
-          <p:cNvPr id="6" name="Rectangle 5"/>
-          <p:cNvSpPr/>
-          <p:nvPr/>
-        </p:nvSpPr>
-        <p:spPr>
-          <a:xfrm>
-            <a:off x="4471674" y="1605094"/>
-            <a:ext cx="299876" cy="291026"/>
-          </a:xfrm>
-          <a:prstGeom prst="rect">
-            <a:avLst/>
-          </a:prstGeom>
-          <a:solidFill>
-            <a:srgbClr val="FFFFFF"/>
-          </a:solidFill>
-          <a:ln>
-            <a:solidFill>
-              <a:srgbClr val="FFFFFF"/>
-            </a:solidFill>
-          </a:ln>
-          <a:effectLst/>
-        </p:spPr>
-        <p:style>
-          <a:lnRef idx="1">
-            <a:schemeClr val="accent1"/>
-          </a:lnRef>
-          <a:fillRef idx="3">
-            <a:schemeClr val="accent1"/>
-          </a:fillRef>
-          <a:effectRef idx="2">
-            <a:schemeClr val="accent1"/>
-          </a:effectRef>
-          <a:fontRef idx="minor">
-            <a:schemeClr val="lt1"/>
-          </a:fontRef>
-        </p:style>
-        <p:txBody>
-          <a:bodyPr rtlCol="0" anchor="ctr"/>
-          <a:lstStyle/>
-          <a:p>
-            <a:pPr algn="ctr"/>
-            <a:endParaRPr lang="en-US">
-              <a:ln>
-                <a:solidFill>
-                  <a:srgbClr val="FFFFFF"/>
-                </a:solidFill>
-              </a:ln>
-              <a:solidFill>
-                <a:srgbClr val="FFFFFF"/>
-              </a:solidFill>
-            </a:endParaRPr>
-          </a:p>
-        </p:txBody>
-      </p:sp>
-      <p:sp>
-        <p:nvSpPr>
           <p:cNvPr id="7" name="Content Placeholder 2"/>
           <p:cNvSpPr txBox="1">
             <a:spLocks/>
@@ -12247,7 +14678,7 @@
         </p:nvSpPr>
         <p:spPr>
           <a:xfrm>
-            <a:off x="5085604" y="5105455"/>
+            <a:off x="4343400" y="5486400"/>
             <a:ext cx="3910663" cy="1164968"/>
           </a:xfrm>
           <a:prstGeom prst="rect">
@@ -12256,7 +14687,7 @@
         </p:spPr>
         <p:txBody>
           <a:bodyPr vert="horz" lIns="91440" tIns="45720" rIns="91440" bIns="45720" rtlCol="0">
-            <a:normAutofit/>
+            <a:normAutofit lnSpcReduction="10000"/>
           </a:bodyPr>
           <a:lstStyle>
             <a:lvl1pPr marL="342900" indent="-342900" algn="l" defTabSz="457200" rtl="0" eaLnBrk="1" latinLnBrk="0" hangingPunct="1">
@@ -12409,12 +14840,62 @@
               <a:t>Why not just do two different one-way experiments?</a:t>
             </a:r>
           </a:p>
+          <a:p>
+            <a:pPr marL="0" indent="0">
+              <a:buFont typeface="Arial"/>
+              <a:buNone/>
+            </a:pPr>
+            <a:r>
+              <a:rPr lang="en-US" sz="2400" dirty="0">
+                <a:solidFill>
+                  <a:srgbClr val="0000FF"/>
+                </a:solidFill>
+              </a:rPr>
+              <a:t>P-values are multiplicative.</a:t>
+            </a:r>
+          </a:p>
+        </p:txBody>
+      </p:sp>
+      <p:sp>
+        <p:nvSpPr>
+          <p:cNvPr id="3" name="Content Placeholder 2"/>
+          <p:cNvSpPr>
+            <a:spLocks noGrp="1"/>
+          </p:cNvSpPr>
+          <p:nvPr>
+            <p:ph idx="1"/>
+          </p:nvPr>
+        </p:nvSpPr>
+        <p:spPr>
+          <a:xfrm>
+            <a:off x="228600" y="3347712"/>
+            <a:ext cx="2895600" cy="1071888"/>
+          </a:xfrm>
+        </p:spPr>
+        <p:txBody>
+          <a:bodyPr>
+            <a:normAutofit/>
+          </a:bodyPr>
+          <a:lstStyle/>
+          <a:p>
+            <a:pPr marL="0" indent="0">
+              <a:buNone/>
+            </a:pPr>
+            <a:r>
+              <a:rPr lang="en-US" dirty="0">
+                <a:solidFill>
+                  <a:srgbClr val="0000FF"/>
+                </a:solidFill>
+              </a:rPr>
+              <a:t>Main Effects and Interaction Effects</a:t>
+            </a:r>
+          </a:p>
         </p:txBody>
       </p:sp>
     </p:spTree>
     <p:extLst>
       <p:ext uri="{BB962C8B-B14F-4D97-AF65-F5344CB8AC3E}">
-        <p14:creationId xmlns:p14="http://schemas.microsoft.com/office/powerpoint/2010/main" val="1332735426"/>
+        <p14:creationId xmlns:p14="http://schemas.microsoft.com/office/powerpoint/2010/main" val="2378778187"/>
       </p:ext>
     </p:extLst>
   </p:cSld>
@@ -12424,7 +14905,7 @@
 </p:sld>
 </file>
 
-<file path=ppt/slides/slide7.xml><?xml version="1.0" encoding="utf-8"?>
+<file path=ppt/slides/slide9.xml><?xml version="1.0" encoding="utf-8"?>
 <p:sld xmlns:a="http://schemas.openxmlformats.org/drawingml/2006/main" xmlns:r="http://schemas.openxmlformats.org/officeDocument/2006/relationships" xmlns:p="http://schemas.openxmlformats.org/presentationml/2006/main">
   <p:cSld>
     <p:spTree>
@@ -12634,753 +15115,6 @@
     <p:extLst>
       <p:ext uri="{BB962C8B-B14F-4D97-AF65-F5344CB8AC3E}">
         <p14:creationId xmlns:p14="http://schemas.microsoft.com/office/powerpoint/2010/main" val="3257951595"/>
-      </p:ext>
-    </p:extLst>
-  </p:cSld>
-  <p:clrMapOvr>
-    <a:masterClrMapping/>
-  </p:clrMapOvr>
-</p:sld>
-</file>
-
-<file path=ppt/slides/slide8.xml><?xml version="1.0" encoding="utf-8"?>
-<p:sld xmlns:a="http://schemas.openxmlformats.org/drawingml/2006/main" xmlns:r="http://schemas.openxmlformats.org/officeDocument/2006/relationships" xmlns:p="http://schemas.openxmlformats.org/presentationml/2006/main">
-  <p:cSld>
-    <p:spTree>
-      <p:nvGrpSpPr>
-        <p:cNvPr id="1" name=""/>
-        <p:cNvGrpSpPr/>
-        <p:nvPr/>
-      </p:nvGrpSpPr>
-      <p:grpSpPr>
-        <a:xfrm>
-          <a:off x="0" y="0"/>
-          <a:ext cx="0" cy="0"/>
-          <a:chOff x="0" y="0"/>
-          <a:chExt cx="0" cy="0"/>
-        </a:xfrm>
-      </p:grpSpPr>
-      <p:sp>
-        <p:nvSpPr>
-          <p:cNvPr id="2" name="Title 1">
-            <a:extLst>
-              <a:ext uri="{FF2B5EF4-FFF2-40B4-BE49-F238E27FC236}">
-                <a16:creationId xmlns:a16="http://schemas.microsoft.com/office/drawing/2014/main" id="{220A06A0-ED2A-5E47-9B42-A4413DBD8E1D}"/>
-              </a:ext>
-            </a:extLst>
-          </p:cNvPr>
-          <p:cNvSpPr>
-            <a:spLocks noGrp="1"/>
-          </p:cNvSpPr>
-          <p:nvPr>
-            <p:ph type="title"/>
-          </p:nvPr>
-        </p:nvSpPr>
-        <p:spPr>
-          <a:xfrm>
-            <a:off x="152400" y="0"/>
-            <a:ext cx="8229600" cy="944562"/>
-          </a:xfrm>
-        </p:spPr>
-        <p:txBody>
-          <a:bodyPr>
-            <a:normAutofit/>
-          </a:bodyPr>
-          <a:lstStyle/>
-          <a:p>
-            <a:r>
-              <a:rPr lang="en-US" dirty="0"/>
-              <a:t>Cow Growth Data</a:t>
-            </a:r>
-          </a:p>
-        </p:txBody>
-      </p:sp>
-      <p:sp>
-        <p:nvSpPr>
-          <p:cNvPr id="3" name="Content Placeholder 2">
-            <a:extLst>
-              <a:ext uri="{FF2B5EF4-FFF2-40B4-BE49-F238E27FC236}">
-                <a16:creationId xmlns:a16="http://schemas.microsoft.com/office/drawing/2014/main" id="{580BAAD4-5F8C-714C-9AA1-D05A1DA2F419}"/>
-              </a:ext>
-            </a:extLst>
-          </p:cNvPr>
-          <p:cNvSpPr>
-            <a:spLocks noGrp="1"/>
-          </p:cNvSpPr>
-          <p:nvPr>
-            <p:ph idx="1"/>
-          </p:nvPr>
-        </p:nvSpPr>
-        <p:spPr>
-          <a:xfrm>
-            <a:off x="457200" y="838200"/>
-            <a:ext cx="8382000" cy="5943600"/>
-          </a:xfrm>
-        </p:spPr>
-        <p:txBody>
-          <a:bodyPr>
-            <a:normAutofit fontScale="92500" lnSpcReduction="10000"/>
-          </a:bodyPr>
-          <a:lstStyle/>
-          <a:p>
-            <a:pPr marL="0" indent="0">
-              <a:buNone/>
-            </a:pPr>
-            <a:r>
-              <a:rPr lang="en-US" sz="2600" dirty="0" err="1"/>
-              <a:t>growth.moo</a:t>
-            </a:r>
-            <a:r>
-              <a:rPr lang="en-US" sz="2600" dirty="0"/>
-              <a:t> &lt;- </a:t>
-            </a:r>
-            <a:r>
-              <a:rPr lang="en-US" sz="2600" dirty="0" err="1">
-                <a:solidFill>
-                  <a:srgbClr val="C00000"/>
-                </a:solidFill>
-              </a:rPr>
-              <a:t>read_csv</a:t>
-            </a:r>
-            <a:r>
-              <a:rPr lang="en-US" sz="2600" dirty="0"/>
-              <a:t>("</a:t>
-            </a:r>
-            <a:r>
-              <a:rPr lang="en-US" sz="2600" dirty="0" err="1"/>
-              <a:t>growth.csv</a:t>
-            </a:r>
-            <a:r>
-              <a:rPr lang="en-US" sz="2600" dirty="0"/>
-              <a:t>")</a:t>
-            </a:r>
-          </a:p>
-          <a:p>
-            <a:pPr marL="0" indent="0">
-              <a:buNone/>
-            </a:pPr>
-            <a:endParaRPr lang="en-US" sz="2600" dirty="0"/>
-          </a:p>
-          <a:p>
-            <a:pPr marL="0" indent="0">
-              <a:buNone/>
-            </a:pPr>
-            <a:r>
-              <a:rPr lang="en-US" sz="2600" dirty="0">
-                <a:solidFill>
-                  <a:srgbClr val="C00000"/>
-                </a:solidFill>
-              </a:rPr>
-              <a:t>glimpse</a:t>
-            </a:r>
-            <a:r>
-              <a:rPr lang="en-US" sz="2600" dirty="0"/>
-              <a:t>(</a:t>
-            </a:r>
-            <a:r>
-              <a:rPr lang="en-US" sz="2600" dirty="0" err="1"/>
-              <a:t>growth.moo</a:t>
-            </a:r>
-            <a:r>
-              <a:rPr lang="en-US" sz="2600" dirty="0"/>
-              <a:t>)</a:t>
-            </a:r>
-          </a:p>
-          <a:p>
-            <a:pPr marL="0" indent="0">
-              <a:buNone/>
-            </a:pPr>
-            <a:endParaRPr lang="en-US" dirty="0"/>
-          </a:p>
-          <a:p>
-            <a:pPr marL="0" indent="0">
-              <a:buNone/>
-            </a:pPr>
-            <a:r>
-              <a:rPr lang="en-US" sz="1600" dirty="0"/>
-              <a:t>#Rows: 48</a:t>
-            </a:r>
-          </a:p>
-          <a:p>
-            <a:pPr marL="0" indent="0">
-              <a:buNone/>
-            </a:pPr>
-            <a:r>
-              <a:rPr lang="en-US" sz="1600" dirty="0"/>
-              <a:t>#Columns: 3</a:t>
-            </a:r>
-          </a:p>
-          <a:p>
-            <a:pPr marL="0" indent="0">
-              <a:buNone/>
-            </a:pPr>
-            <a:r>
-              <a:rPr lang="en-US" sz="1600" dirty="0"/>
-              <a:t>#$ supplement &lt;</a:t>
-            </a:r>
-            <a:r>
-              <a:rPr lang="en-US" sz="1600" dirty="0" err="1"/>
-              <a:t>chr</a:t>
-            </a:r>
-            <a:r>
-              <a:rPr lang="en-US" sz="1600" dirty="0"/>
-              <a:t>&gt; "</a:t>
-            </a:r>
-            <a:r>
-              <a:rPr lang="en-US" sz="1600" dirty="0" err="1"/>
-              <a:t>supergain</a:t>
-            </a:r>
-            <a:r>
-              <a:rPr lang="en-US" sz="1600" dirty="0"/>
-              <a:t>", "</a:t>
-            </a:r>
-            <a:r>
-              <a:rPr lang="en-US" sz="1600" dirty="0" err="1"/>
-              <a:t>supergain</a:t>
-            </a:r>
-            <a:r>
-              <a:rPr lang="en-US" sz="1600" dirty="0"/>
-              <a:t>", "</a:t>
-            </a:r>
-            <a:r>
-              <a:rPr lang="en-US" sz="1600" dirty="0" err="1"/>
-              <a:t>supergain</a:t>
-            </a:r>
-            <a:r>
-              <a:rPr lang="en-US" sz="1600" dirty="0"/>
-              <a:t>", "</a:t>
-            </a:r>
-            <a:r>
-              <a:rPr lang="en-US" sz="1600" dirty="0" err="1"/>
-              <a:t>supergain</a:t>
-            </a:r>
-            <a:r>
-              <a:rPr lang="en-US" sz="1600" dirty="0"/>
-              <a:t>", "control", "</a:t>
-            </a:r>
-            <a:r>
-              <a:rPr lang="en-US" sz="1600" dirty="0" err="1"/>
-              <a:t>contr</a:t>
-            </a:r>
-            <a:r>
-              <a:rPr lang="en-US" sz="1600" dirty="0"/>
-              <a:t>…</a:t>
-            </a:r>
-          </a:p>
-          <a:p>
-            <a:pPr marL="0" indent="0">
-              <a:buNone/>
-            </a:pPr>
-            <a:r>
-              <a:rPr lang="en-US" sz="1600" dirty="0"/>
-              <a:t>#$ diet       &lt;</a:t>
-            </a:r>
-            <a:r>
-              <a:rPr lang="en-US" sz="1600" dirty="0" err="1"/>
-              <a:t>chr</a:t>
-            </a:r>
-            <a:r>
-              <a:rPr lang="en-US" sz="1600" dirty="0"/>
-              <a:t>&gt; "wheat", "wheat", "wheat", "wheat", "wheat", "wheat", "wheat", "wheat…</a:t>
-            </a:r>
-          </a:p>
-          <a:p>
-            <a:pPr marL="0" indent="0">
-              <a:buNone/>
-            </a:pPr>
-            <a:r>
-              <a:rPr lang="en-US" sz="1600" dirty="0"/>
-              <a:t>#$ gain       &lt;</a:t>
-            </a:r>
-            <a:r>
-              <a:rPr lang="en-US" sz="1600" dirty="0" err="1"/>
-              <a:t>dbl</a:t>
-            </a:r>
-            <a:r>
-              <a:rPr lang="en-US" sz="1600" dirty="0"/>
-              <a:t>&gt; 17.37125, 16.81489, 18.08184, 15.78175, 17.70656, 18.22717, 16.08650,…</a:t>
-            </a:r>
-          </a:p>
-          <a:p>
-            <a:pPr marL="0" indent="0">
-              <a:buNone/>
-            </a:pPr>
-            <a:endParaRPr lang="en-US" sz="1600" dirty="0"/>
-          </a:p>
-          <a:p>
-            <a:pPr marL="0" indent="0">
-              <a:buNone/>
-            </a:pPr>
-            <a:r>
-              <a:rPr lang="en-US" sz="2600" dirty="0"/>
-              <a:t># It doesn’t that know that diet and supplement should be</a:t>
-            </a:r>
-          </a:p>
-          <a:p>
-            <a:pPr marL="0" indent="0">
-              <a:buNone/>
-            </a:pPr>
-            <a:r>
-              <a:rPr lang="en-US" sz="2600" dirty="0"/>
-              <a:t># considered as factors (some packages can still deal with it as is)</a:t>
-            </a:r>
-          </a:p>
-          <a:p>
-            <a:pPr marL="0" indent="0">
-              <a:buNone/>
-            </a:pPr>
-            <a:endParaRPr lang="en-US" sz="2600" dirty="0"/>
-          </a:p>
-          <a:p>
-            <a:pPr marL="0" indent="0">
-              <a:buNone/>
-            </a:pPr>
-            <a:r>
-              <a:rPr lang="en-US" sz="2600" dirty="0" err="1"/>
-              <a:t>growth.moo$diet</a:t>
-            </a:r>
-            <a:r>
-              <a:rPr lang="en-US" sz="2600" dirty="0"/>
-              <a:t> &lt;-</a:t>
-            </a:r>
-            <a:r>
-              <a:rPr lang="en-US" sz="2600" dirty="0" err="1">
-                <a:solidFill>
-                  <a:srgbClr val="C00000"/>
-                </a:solidFill>
-              </a:rPr>
-              <a:t>as.factor</a:t>
-            </a:r>
-            <a:r>
-              <a:rPr lang="en-US" sz="2600" dirty="0"/>
-              <a:t>(</a:t>
-            </a:r>
-            <a:r>
-              <a:rPr lang="en-US" sz="2600" dirty="0" err="1"/>
-              <a:t>growth.moo$diet</a:t>
-            </a:r>
-            <a:r>
-              <a:rPr lang="en-US" sz="2600" dirty="0"/>
-              <a:t>)</a:t>
-            </a:r>
-          </a:p>
-          <a:p>
-            <a:pPr marL="0" indent="0">
-              <a:buNone/>
-            </a:pPr>
-            <a:endParaRPr lang="en-US" sz="2600" dirty="0"/>
-          </a:p>
-          <a:p>
-            <a:pPr marL="0" indent="0">
-              <a:buNone/>
-            </a:pPr>
-            <a:r>
-              <a:rPr lang="en-US" sz="2600" dirty="0" err="1"/>
-              <a:t>growth.moo$supplement</a:t>
-            </a:r>
-            <a:r>
-              <a:rPr lang="en-US" sz="2600" dirty="0"/>
-              <a:t> &lt; </a:t>
-            </a:r>
-            <a:r>
-              <a:rPr lang="en-US" sz="2600" dirty="0" err="1">
-                <a:solidFill>
-                  <a:srgbClr val="C00000"/>
-                </a:solidFill>
-              </a:rPr>
-              <a:t>as.factor</a:t>
-            </a:r>
-            <a:r>
-              <a:rPr lang="en-US" sz="2600" dirty="0"/>
-              <a:t>(</a:t>
-            </a:r>
-            <a:r>
-              <a:rPr lang="en-US" sz="2600" dirty="0" err="1"/>
-              <a:t>growth.moo$supplement</a:t>
-            </a:r>
-            <a:r>
-              <a:rPr lang="en-US" sz="2600" dirty="0"/>
-              <a:t>)</a:t>
-            </a:r>
-          </a:p>
-          <a:p>
-            <a:pPr marL="0" indent="0">
-              <a:buNone/>
-            </a:pPr>
-            <a:endParaRPr lang="en-US" dirty="0"/>
-          </a:p>
-          <a:p>
-            <a:pPr marL="0" indent="0">
-              <a:buNone/>
-            </a:pPr>
-            <a:endParaRPr lang="en-US" dirty="0"/>
-          </a:p>
-          <a:p>
-            <a:pPr marL="0" indent="0">
-              <a:buNone/>
-            </a:pPr>
-            <a:endParaRPr lang="en-US" dirty="0"/>
-          </a:p>
-          <a:p>
-            <a:pPr marL="0" indent="0">
-              <a:buNone/>
-            </a:pPr>
-            <a:endParaRPr lang="en-US" dirty="0"/>
-          </a:p>
-          <a:p>
-            <a:pPr marL="0" indent="0">
-              <a:buNone/>
-            </a:pPr>
-            <a:endParaRPr lang="en-US" dirty="0"/>
-          </a:p>
-        </p:txBody>
-      </p:sp>
-      <p:cxnSp>
-        <p:nvCxnSpPr>
-          <p:cNvPr id="6" name="Straight Arrow Connector 5">
-            <a:extLst>
-              <a:ext uri="{FF2B5EF4-FFF2-40B4-BE49-F238E27FC236}">
-                <a16:creationId xmlns:a16="http://schemas.microsoft.com/office/drawing/2014/main" id="{934851B6-AAD4-164F-8D43-9B9BF65372D1}"/>
-              </a:ext>
-            </a:extLst>
-          </p:cNvPr>
-          <p:cNvCxnSpPr/>
-          <p:nvPr/>
-        </p:nvCxnSpPr>
-        <p:spPr>
-          <a:xfrm flipH="1">
-            <a:off x="1981200" y="2286000"/>
-            <a:ext cx="685800" cy="685800"/>
-          </a:xfrm>
-          <a:prstGeom prst="straightConnector1">
-            <a:avLst/>
-          </a:prstGeom>
-          <a:ln>
-            <a:tailEnd type="triangle"/>
-          </a:ln>
-        </p:spPr>
-        <p:style>
-          <a:lnRef idx="1">
-            <a:schemeClr val="accent1"/>
-          </a:lnRef>
-          <a:fillRef idx="0">
-            <a:schemeClr val="accent1"/>
-          </a:fillRef>
-          <a:effectRef idx="0">
-            <a:schemeClr val="accent1"/>
-          </a:effectRef>
-          <a:fontRef idx="minor">
-            <a:schemeClr val="tx1"/>
-          </a:fontRef>
-        </p:style>
-      </p:cxnSp>
-    </p:spTree>
-    <p:extLst>
-      <p:ext uri="{BB962C8B-B14F-4D97-AF65-F5344CB8AC3E}">
-        <p14:creationId xmlns:p14="http://schemas.microsoft.com/office/powerpoint/2010/main" val="2577157219"/>
-      </p:ext>
-    </p:extLst>
-  </p:cSld>
-  <p:clrMapOvr>
-    <a:masterClrMapping/>
-  </p:clrMapOvr>
-</p:sld>
-</file>
-
-<file path=ppt/slides/slide9.xml><?xml version="1.0" encoding="utf-8"?>
-<p:sld xmlns:a="http://schemas.openxmlformats.org/drawingml/2006/main" xmlns:r="http://schemas.openxmlformats.org/officeDocument/2006/relationships" xmlns:p="http://schemas.openxmlformats.org/presentationml/2006/main">
-  <p:cSld>
-    <p:spTree>
-      <p:nvGrpSpPr>
-        <p:cNvPr id="1" name=""/>
-        <p:cNvGrpSpPr/>
-        <p:nvPr/>
-      </p:nvGrpSpPr>
-      <p:grpSpPr>
-        <a:xfrm>
-          <a:off x="0" y="0"/>
-          <a:ext cx="0" cy="0"/>
-          <a:chOff x="0" y="0"/>
-          <a:chExt cx="0" cy="0"/>
-        </a:xfrm>
-      </p:grpSpPr>
-      <p:sp>
-        <p:nvSpPr>
-          <p:cNvPr id="2" name="Title 1">
-            <a:extLst>
-              <a:ext uri="{FF2B5EF4-FFF2-40B4-BE49-F238E27FC236}">
-                <a16:creationId xmlns:a16="http://schemas.microsoft.com/office/drawing/2014/main" id="{220A06A0-ED2A-5E47-9B42-A4413DBD8E1D}"/>
-              </a:ext>
-            </a:extLst>
-          </p:cNvPr>
-          <p:cNvSpPr>
-            <a:spLocks noGrp="1"/>
-          </p:cNvSpPr>
-          <p:nvPr>
-            <p:ph type="title"/>
-          </p:nvPr>
-        </p:nvSpPr>
-        <p:spPr>
-          <a:xfrm>
-            <a:off x="152400" y="0"/>
-            <a:ext cx="8229600" cy="944562"/>
-          </a:xfrm>
-        </p:spPr>
-        <p:txBody>
-          <a:bodyPr>
-            <a:normAutofit/>
-          </a:bodyPr>
-          <a:lstStyle/>
-          <a:p>
-            <a:r>
-              <a:rPr lang="en-US" dirty="0"/>
-              <a:t>Cow Growth Data</a:t>
-            </a:r>
-          </a:p>
-        </p:txBody>
-      </p:sp>
-      <p:sp>
-        <p:nvSpPr>
-          <p:cNvPr id="3" name="Content Placeholder 2">
-            <a:extLst>
-              <a:ext uri="{FF2B5EF4-FFF2-40B4-BE49-F238E27FC236}">
-                <a16:creationId xmlns:a16="http://schemas.microsoft.com/office/drawing/2014/main" id="{580BAAD4-5F8C-714C-9AA1-D05A1DA2F419}"/>
-              </a:ext>
-            </a:extLst>
-          </p:cNvPr>
-          <p:cNvSpPr>
-            <a:spLocks noGrp="1"/>
-          </p:cNvSpPr>
-          <p:nvPr>
-            <p:ph idx="1"/>
-          </p:nvPr>
-        </p:nvSpPr>
-        <p:spPr>
-          <a:xfrm>
-            <a:off x="457200" y="838200"/>
-            <a:ext cx="8534400" cy="5943600"/>
-          </a:xfrm>
-        </p:spPr>
-        <p:txBody>
-          <a:bodyPr>
-            <a:normAutofit fontScale="85000" lnSpcReduction="20000"/>
-          </a:bodyPr>
-          <a:lstStyle/>
-          <a:p>
-            <a:pPr marL="0" indent="0">
-              <a:buNone/>
-            </a:pPr>
-            <a:r>
-              <a:rPr lang="en-US" dirty="0">
-                <a:solidFill>
-                  <a:srgbClr val="C00000"/>
-                </a:solidFill>
-              </a:rPr>
-              <a:t>glimpse</a:t>
-            </a:r>
-            <a:r>
-              <a:rPr lang="en-US" dirty="0"/>
-              <a:t>(</a:t>
-            </a:r>
-            <a:r>
-              <a:rPr lang="en-US" dirty="0" err="1"/>
-              <a:t>growth.moo</a:t>
-            </a:r>
-            <a:r>
-              <a:rPr lang="en-US" dirty="0"/>
-              <a:t>) # diet and supplement should be factors now</a:t>
-            </a:r>
-          </a:p>
-          <a:p>
-            <a:pPr marL="0" indent="0">
-              <a:buNone/>
-            </a:pPr>
-            <a:endParaRPr lang="en-US" dirty="0"/>
-          </a:p>
-          <a:p>
-            <a:pPr marL="0" indent="0">
-              <a:buNone/>
-            </a:pPr>
-            <a:r>
-              <a:rPr lang="en-US" dirty="0">
-                <a:solidFill>
-                  <a:srgbClr val="C00000"/>
-                </a:solidFill>
-              </a:rPr>
-              <a:t>levels</a:t>
-            </a:r>
-            <a:r>
-              <a:rPr lang="en-US" dirty="0"/>
-              <a:t>(</a:t>
-            </a:r>
-            <a:r>
-              <a:rPr lang="en-US" dirty="0" err="1"/>
-              <a:t>growth.moo$diet</a:t>
-            </a:r>
-            <a:r>
-              <a:rPr lang="en-US" dirty="0"/>
-              <a:t>)</a:t>
-            </a:r>
-          </a:p>
-          <a:p>
-            <a:pPr marL="0" indent="0">
-              <a:buNone/>
-            </a:pPr>
-            <a:r>
-              <a:rPr lang="en-US" dirty="0"/>
-              <a:t># [1] "barley" "oats" "wheat" </a:t>
-            </a:r>
-          </a:p>
-          <a:p>
-            <a:pPr marL="0" indent="0">
-              <a:buNone/>
-            </a:pPr>
-            <a:endParaRPr lang="en-US" dirty="0"/>
-          </a:p>
-          <a:p>
-            <a:pPr marL="0" indent="0">
-              <a:buNone/>
-            </a:pPr>
-            <a:r>
-              <a:rPr lang="en-US" dirty="0">
-                <a:solidFill>
-                  <a:srgbClr val="C00000"/>
-                </a:solidFill>
-              </a:rPr>
-              <a:t>levels</a:t>
-            </a:r>
-            <a:r>
-              <a:rPr lang="en-US" dirty="0"/>
-              <a:t>(</a:t>
-            </a:r>
-            <a:r>
-              <a:rPr lang="en-US" dirty="0" err="1"/>
-              <a:t>growth.moo$supplement</a:t>
-            </a:r>
-            <a:r>
-              <a:rPr lang="en-US" dirty="0"/>
-              <a:t>)</a:t>
-            </a:r>
-          </a:p>
-          <a:p>
-            <a:pPr marL="0" indent="0">
-              <a:buNone/>
-            </a:pPr>
-            <a:r>
-              <a:rPr lang="en-US" dirty="0"/>
-              <a:t>#[1] "</a:t>
-            </a:r>
-            <a:r>
-              <a:rPr lang="en-US" dirty="0" err="1"/>
-              <a:t>agrimore</a:t>
-            </a:r>
-            <a:r>
-              <a:rPr lang="en-US" dirty="0"/>
-              <a:t>" "control" "</a:t>
-            </a:r>
-            <a:r>
-              <a:rPr lang="en-US" dirty="0" err="1"/>
-              <a:t>supergain</a:t>
-            </a:r>
-            <a:r>
-              <a:rPr lang="en-US" dirty="0"/>
-              <a:t>" "</a:t>
-            </a:r>
-            <a:r>
-              <a:rPr lang="en-US" dirty="0" err="1"/>
-              <a:t>supersupp</a:t>
-            </a:r>
-            <a:r>
-              <a:rPr lang="en-US" dirty="0"/>
-              <a:t>"</a:t>
-            </a:r>
-          </a:p>
-          <a:p>
-            <a:pPr marL="0" indent="0">
-              <a:buNone/>
-            </a:pPr>
-            <a:endParaRPr lang="en-US" dirty="0"/>
-          </a:p>
-          <a:p>
-            <a:pPr marL="0" indent="0">
-              <a:buNone/>
-            </a:pPr>
-            <a:r>
-              <a:rPr lang="en-US" dirty="0"/>
-              <a:t>One of the things we can immediately see is that the supplements include a </a:t>
-            </a:r>
-            <a:r>
-              <a:rPr lang="en-US" dirty="0">
-                <a:solidFill>
-                  <a:srgbClr val="7030A0"/>
-                </a:solidFill>
-              </a:rPr>
-              <a:t>control level</a:t>
-            </a:r>
-            <a:r>
-              <a:rPr lang="en-US" dirty="0"/>
-              <a:t>, but the </a:t>
-            </a:r>
-            <a:r>
-              <a:rPr lang="en-US" dirty="0" err="1"/>
-              <a:t>agrimore</a:t>
-            </a:r>
-            <a:r>
-              <a:rPr lang="en-US" dirty="0"/>
-              <a:t> level is in front of it alphabetically.</a:t>
-            </a:r>
-          </a:p>
-          <a:p>
-            <a:pPr marL="0" indent="0">
-              <a:buNone/>
-            </a:pPr>
-            <a:endParaRPr lang="en-US" dirty="0"/>
-          </a:p>
-          <a:p>
-            <a:pPr marL="0" indent="0">
-              <a:buNone/>
-            </a:pPr>
-            <a:r>
-              <a:rPr lang="en-US" dirty="0"/>
-              <a:t>Important to put the </a:t>
-            </a:r>
-            <a:r>
-              <a:rPr lang="en-US" dirty="0">
-                <a:solidFill>
-                  <a:srgbClr val="7030A0"/>
-                </a:solidFill>
-              </a:rPr>
-              <a:t>control level </a:t>
-            </a:r>
-            <a:r>
-              <a:rPr lang="en-US" dirty="0"/>
-              <a:t>first (if there is one) because it provides the baseline of comparison in the coefficients table (we saw this before in 1-way ANOVA; same thing here). Otherwise coefficients make less intuitive sense.</a:t>
-            </a:r>
-          </a:p>
-          <a:p>
-            <a:pPr marL="0" indent="0">
-              <a:buNone/>
-            </a:pPr>
-            <a:endParaRPr lang="en-US" dirty="0"/>
-          </a:p>
-          <a:p>
-            <a:pPr marL="0" indent="0">
-              <a:buNone/>
-            </a:pPr>
-            <a:endParaRPr lang="en-US" dirty="0"/>
-          </a:p>
-          <a:p>
-            <a:pPr marL="0" indent="0">
-              <a:buNone/>
-            </a:pPr>
-            <a:endParaRPr lang="en-US" dirty="0"/>
-          </a:p>
-        </p:txBody>
-      </p:sp>
-    </p:spTree>
-    <p:extLst>
-      <p:ext uri="{BB962C8B-B14F-4D97-AF65-F5344CB8AC3E}">
-        <p14:creationId xmlns:p14="http://schemas.microsoft.com/office/powerpoint/2010/main" val="1738289481"/>
       </p:ext>
     </p:extLst>
   </p:cSld>
